--- a/Project Part I.pptx
+++ b/Project Part I.pptx
@@ -1,25 +1,26 @@
 
 <file path=ppt/presentation.xml><?xml version="1.0" encoding="utf-8"?>
-<p:presentation xmlns:a="http://schemas.openxmlformats.org/drawingml/2006/main" xmlns:r="http://schemas.openxmlformats.org/officeDocument/2006/relationships" xmlns:mc="http://schemas.openxmlformats.org/markup-compatibility/2006" xmlns:mv="urn:schemas-microsoft-com:mac:vml" xmlns:p="http://schemas.openxmlformats.org/presentationml/2006/main" xmlns:c="http://schemas.openxmlformats.org/drawingml/2006/chart" xmlns:dgm="http://schemas.openxmlformats.org/drawingml/2006/diagram" xmlns:o="urn:schemas-microsoft-com:office:office" xmlns:v="urn:schemas-microsoft-com:vml" xmlns:pvml="urn:schemas-microsoft-com:office:powerpoint" xmlns:com="http://schemas.openxmlformats.org/drawingml/2006/compatibility" xmlns:p14="http://schemas.microsoft.com/office/powerpoint/2010/main" saveSubsetFonts="1" autoCompressPictures="0" strictFirstAndLastChars="0" showSpecialPlsOnTitleSld="0" firstSlideNum="0">
+<p:presentation xmlns:a="http://schemas.openxmlformats.org/drawingml/2006/main" xmlns:r="http://schemas.openxmlformats.org/officeDocument/2006/relationships" xmlns:p="http://schemas.openxmlformats.org/presentationml/2006/main" firstSlideNum="0" showSpecialPlsOnTitleSld="0" strictFirstAndLastChars="0" saveSubsetFonts="1" autoCompressPictures="0">
   <p:sldMasterIdLst>
-    <p:sldMasterId id="2147483654" r:id="rId4"/>
+    <p:sldMasterId id="2147483654" r:id="rId1"/>
   </p:sldMasterIdLst>
   <p:notesMasterIdLst>
-    <p:notesMasterId r:id="rId5"/>
+    <p:notesMasterId r:id="rId10"/>
   </p:notesMasterIdLst>
   <p:sldIdLst>
-    <p:sldId id="256" r:id="rId6"/>
-    <p:sldId id="257" r:id="rId7"/>
-    <p:sldId id="258" r:id="rId8"/>
-    <p:sldId id="259" r:id="rId9"/>
-    <p:sldId id="260" r:id="rId10"/>
-    <p:sldId id="261" r:id="rId11"/>
-    <p:sldId id="262" r:id="rId12"/>
+    <p:sldId id="256" r:id="rId2"/>
+    <p:sldId id="257" r:id="rId3"/>
+    <p:sldId id="258" r:id="rId4"/>
+    <p:sldId id="259" r:id="rId5"/>
+    <p:sldId id="260" r:id="rId6"/>
+    <p:sldId id="261" r:id="rId7"/>
+    <p:sldId id="262" r:id="rId8"/>
+    <p:sldId id="263" r:id="rId9"/>
   </p:sldIdLst>
-  <p:sldSz cy="5143500" cx="9144000"/>
-  <p:notesSz cy="9144000" cx="6858000"/>
+  <p:sldSz cx="9144000" cy="5143500" type="screen16x9"/>
+  <p:notesSz cx="6858000" cy="9144000"/>
   <p:defaultTextStyle>
-    <a:defPPr algn="l" rtl="0" marR="0">
+    <a:defPPr marR="0" algn="l" rtl="0">
       <a:lnSpc>
         <a:spcPct val="100000"/>
       </a:lnSpc>
@@ -30,7 +31,7 @@
         <a:spcPts val="0"/>
       </a:spcAft>
     </a:defPPr>
-    <a:lvl1pPr algn="l" rtl="0" marR="0">
+    <a:lvl1pPr marR="0" algn="l" rtl="0">
       <a:lnSpc>
         <a:spcPct val="100000"/>
       </a:lnSpc>
@@ -41,7 +42,7 @@
         <a:spcPts val="0"/>
       </a:spcAft>
       <a:buNone/>
-      <a:defRPr strike="noStrike" u="none" b="0" cap="none" baseline="0" sz="1400" i="0">
+      <a:defRPr sz="1400" b="0" i="0" u="none" strike="noStrike" cap="none" baseline="0">
         <a:solidFill>
           <a:srgbClr val="000000"/>
         </a:solidFill>
@@ -52,7 +53,7 @@
         <a:rtl val="0"/>
       </a:defRPr>
     </a:lvl1pPr>
-    <a:lvl2pPr algn="l" rtl="0" marR="0">
+    <a:lvl2pPr marR="0" algn="l" rtl="0">
       <a:lnSpc>
         <a:spcPct val="100000"/>
       </a:lnSpc>
@@ -63,7 +64,7 @@
         <a:spcPts val="0"/>
       </a:spcAft>
       <a:buNone/>
-      <a:defRPr strike="noStrike" u="none" b="0" cap="none" baseline="0" sz="1400" i="0">
+      <a:defRPr sz="1400" b="0" i="0" u="none" strike="noStrike" cap="none" baseline="0">
         <a:solidFill>
           <a:srgbClr val="000000"/>
         </a:solidFill>
@@ -74,7 +75,7 @@
         <a:rtl val="0"/>
       </a:defRPr>
     </a:lvl2pPr>
-    <a:lvl3pPr algn="l" rtl="0" marR="0">
+    <a:lvl3pPr marR="0" algn="l" rtl="0">
       <a:lnSpc>
         <a:spcPct val="100000"/>
       </a:lnSpc>
@@ -85,7 +86,7 @@
         <a:spcPts val="0"/>
       </a:spcAft>
       <a:buNone/>
-      <a:defRPr strike="noStrike" u="none" b="0" cap="none" baseline="0" sz="1400" i="0">
+      <a:defRPr sz="1400" b="0" i="0" u="none" strike="noStrike" cap="none" baseline="0">
         <a:solidFill>
           <a:srgbClr val="000000"/>
         </a:solidFill>
@@ -96,7 +97,7 @@
         <a:rtl val="0"/>
       </a:defRPr>
     </a:lvl3pPr>
-    <a:lvl4pPr algn="l" rtl="0" marR="0">
+    <a:lvl4pPr marR="0" algn="l" rtl="0">
       <a:lnSpc>
         <a:spcPct val="100000"/>
       </a:lnSpc>
@@ -107,7 +108,7 @@
         <a:spcPts val="0"/>
       </a:spcAft>
       <a:buNone/>
-      <a:defRPr strike="noStrike" u="none" b="0" cap="none" baseline="0" sz="1400" i="0">
+      <a:defRPr sz="1400" b="0" i="0" u="none" strike="noStrike" cap="none" baseline="0">
         <a:solidFill>
           <a:srgbClr val="000000"/>
         </a:solidFill>
@@ -118,7 +119,7 @@
         <a:rtl val="0"/>
       </a:defRPr>
     </a:lvl4pPr>
-    <a:lvl5pPr algn="l" rtl="0" marR="0">
+    <a:lvl5pPr marR="0" algn="l" rtl="0">
       <a:lnSpc>
         <a:spcPct val="100000"/>
       </a:lnSpc>
@@ -129,7 +130,7 @@
         <a:spcPts val="0"/>
       </a:spcAft>
       <a:buNone/>
-      <a:defRPr strike="noStrike" u="none" b="0" cap="none" baseline="0" sz="1400" i="0">
+      <a:defRPr sz="1400" b="0" i="0" u="none" strike="noStrike" cap="none" baseline="0">
         <a:solidFill>
           <a:srgbClr val="000000"/>
         </a:solidFill>
@@ -140,7 +141,7 @@
         <a:rtl val="0"/>
       </a:defRPr>
     </a:lvl5pPr>
-    <a:lvl6pPr algn="l" rtl="0" marR="0">
+    <a:lvl6pPr marR="0" algn="l" rtl="0">
       <a:lnSpc>
         <a:spcPct val="100000"/>
       </a:lnSpc>
@@ -151,7 +152,7 @@
         <a:spcPts val="0"/>
       </a:spcAft>
       <a:buNone/>
-      <a:defRPr strike="noStrike" u="none" b="0" cap="none" baseline="0" sz="1400" i="0">
+      <a:defRPr sz="1400" b="0" i="0" u="none" strike="noStrike" cap="none" baseline="0">
         <a:solidFill>
           <a:srgbClr val="000000"/>
         </a:solidFill>
@@ -162,7 +163,7 @@
         <a:rtl val="0"/>
       </a:defRPr>
     </a:lvl6pPr>
-    <a:lvl7pPr algn="l" rtl="0" marR="0">
+    <a:lvl7pPr marR="0" algn="l" rtl="0">
       <a:lnSpc>
         <a:spcPct val="100000"/>
       </a:lnSpc>
@@ -173,7 +174,7 @@
         <a:spcPts val="0"/>
       </a:spcAft>
       <a:buNone/>
-      <a:defRPr strike="noStrike" u="none" b="0" cap="none" baseline="0" sz="1400" i="0">
+      <a:defRPr sz="1400" b="0" i="0" u="none" strike="noStrike" cap="none" baseline="0">
         <a:solidFill>
           <a:srgbClr val="000000"/>
         </a:solidFill>
@@ -184,7 +185,7 @@
         <a:rtl val="0"/>
       </a:defRPr>
     </a:lvl7pPr>
-    <a:lvl8pPr algn="l" rtl="0" marR="0">
+    <a:lvl8pPr marR="0" algn="l" rtl="0">
       <a:lnSpc>
         <a:spcPct val="100000"/>
       </a:lnSpc>
@@ -195,7 +196,7 @@
         <a:spcPts val="0"/>
       </a:spcAft>
       <a:buNone/>
-      <a:defRPr strike="noStrike" u="none" b="0" cap="none" baseline="0" sz="1400" i="0">
+      <a:defRPr sz="1400" b="0" i="0" u="none" strike="noStrike" cap="none" baseline="0">
         <a:solidFill>
           <a:srgbClr val="000000"/>
         </a:solidFill>
@@ -206,7 +207,7 @@
         <a:rtl val="0"/>
       </a:defRPr>
     </a:lvl8pPr>
-    <a:lvl9pPr algn="l" rtl="0" marR="0">
+    <a:lvl9pPr marR="0" algn="l" rtl="0">
       <a:lnSpc>
         <a:spcPct val="100000"/>
       </a:lnSpc>
@@ -217,7 +218,7 @@
         <a:spcPts val="0"/>
       </a:spcAft>
       <a:buNone/>
-      <a:defRPr strike="noStrike" u="none" b="0" cap="none" baseline="0" sz="1400" i="0">
+      <a:defRPr sz="1400" b="0" i="0" u="none" strike="noStrike" cap="none" baseline="0">
         <a:solidFill>
           <a:srgbClr val="000000"/>
         </a:solidFill>
@@ -233,8 +234,13 @@
 </file>
 
 <file path=ppt/notesMasters/notesMaster1.xml><?xml version="1.0" encoding="utf-8"?>
-<p:notesMaster xmlns:a="http://schemas.openxmlformats.org/drawingml/2006/main" xmlns:r="http://schemas.openxmlformats.org/officeDocument/2006/relationships" xmlns:mc="http://schemas.openxmlformats.org/markup-compatibility/2006" xmlns:mv="urn:schemas-microsoft-com:mac:vml" xmlns:p="http://schemas.openxmlformats.org/presentationml/2006/main" xmlns:c="http://schemas.openxmlformats.org/drawingml/2006/chart" xmlns:dgm="http://schemas.openxmlformats.org/drawingml/2006/diagram" xmlns:o="urn:schemas-microsoft-com:office:office" xmlns:v="urn:schemas-microsoft-com:vml" xmlns:pvml="urn:schemas-microsoft-com:office:powerpoint" xmlns:com="http://schemas.openxmlformats.org/drawingml/2006/compatibility" xmlns:p14="http://schemas.microsoft.com/office/powerpoint/2010/main">
+<p:notesMaster xmlns:a="http://schemas.openxmlformats.org/drawingml/2006/main" xmlns:r="http://schemas.openxmlformats.org/officeDocument/2006/relationships" xmlns:p="http://schemas.openxmlformats.org/presentationml/2006/main">
   <p:cSld>
+    <p:bg>
+      <p:bgRef idx="1001">
+        <a:schemeClr val="bg1"/>
+      </p:bgRef>
+    </p:bg>
     <p:spTree>
       <p:nvGrpSpPr>
         <p:cNvPr id="1" name="Shape 1"/>
@@ -243,39 +249,46 @@
       </p:nvGrpSpPr>
       <p:grpSpPr>
         <a:xfrm>
-          <a:off y="0" x="0"/>
-          <a:ext cy="0" cx="0"/>
-          <a:chOff y="0" x="0"/>
-          <a:chExt cy="0" cx="0"/>
+          <a:off x="0" y="0"/>
+          <a:ext cx="0" cy="0"/>
+          <a:chOff x="0" y="0"/>
+          <a:chExt cx="0" cy="0"/>
         </a:xfrm>
       </p:grpSpPr>
       <p:sp>
         <p:nvSpPr>
           <p:cNvPr id="2" name="Shape 2"/>
-          <p:cNvSpPr/>
+          <p:cNvSpPr>
+            <a:spLocks noGrp="1" noRot="1" noChangeAspect="1"/>
+          </p:cNvSpPr>
           <p:nvPr>
-            <p:ph idx="2" type="sldImg"/>
+            <p:ph type="sldImg" idx="2"/>
           </p:nvPr>
         </p:nvSpPr>
         <p:spPr>
           <a:xfrm>
-            <a:off y="685800" x="381187"/>
-            <a:ext cy="3429000" cx="6096299"/>
+            <a:off x="381187" y="685800"/>
+            <a:ext cx="6096299" cy="3429000"/>
           </a:xfrm>
           <a:custGeom>
+            <a:avLst/>
+            <a:gdLst/>
+            <a:ahLst/>
+            <a:cxnLst/>
+            <a:rect l="0" t="0" r="0" b="0"/>
             <a:pathLst>
-              <a:path w="120000" extrusionOk="0" h="120000">
+              <a:path w="120000" h="120000" extrusionOk="0">
                 <a:moveTo>
-                  <a:pt y="0" x="0"/>
+                  <a:pt x="0" y="0"/>
                 </a:moveTo>
                 <a:lnTo>
-                  <a:pt y="0" x="120000"/>
+                  <a:pt x="120000" y="0"/>
                 </a:lnTo>
                 <a:lnTo>
-                  <a:pt y="120000" x="120000"/>
+                  <a:pt x="120000" y="120000"/>
                 </a:lnTo>
                 <a:lnTo>
-                  <a:pt y="120000" x="0"/>
+                  <a:pt x="0" y="120000"/>
                 </a:lnTo>
                 <a:close/>
               </a:path>
@@ -288,23 +301,25 @@
             </a:solidFill>
             <a:prstDash val="solid"/>
             <a:round/>
-            <a:headEnd w="med" len="med" type="none"/>
-            <a:tailEnd w="med" len="med" type="none"/>
+            <a:headEnd type="none" w="med" len="med"/>
+            <a:tailEnd type="none" w="med" len="med"/>
           </a:ln>
         </p:spPr>
       </p:sp>
       <p:sp>
         <p:nvSpPr>
           <p:cNvPr id="3" name="Shape 3"/>
-          <p:cNvSpPr txBox="1"/>
+          <p:cNvSpPr txBox="1">
+            <a:spLocks noGrp="1"/>
+          </p:cNvSpPr>
           <p:nvPr>
-            <p:ph idx="1" type="body"/>
+            <p:ph type="body" idx="1"/>
           </p:nvPr>
         </p:nvSpPr>
         <p:spPr>
           <a:xfrm>
-            <a:off y="4343400" x="685800"/>
-            <a:ext cy="4114800" cx="5486399"/>
+            <a:off x="685800" y="4343400"/>
+            <a:ext cx="5486399" cy="4114800"/>
           </a:xfrm>
           <a:prstGeom prst="rect">
             <a:avLst/>
@@ -315,7 +330,7 @@
           </a:ln>
         </p:spPr>
         <p:txBody>
-          <a:bodyPr bIns="91425" rIns="91425" lIns="91425" tIns="91425" anchor="t" anchorCtr="0"/>
+          <a:bodyPr lIns="91425" tIns="91425" rIns="91425" bIns="91425" anchor="t" anchorCtr="0"/>
           <a:lstStyle>
             <a:lvl1pPr>
               <a:spcBef>
@@ -372,59 +387,165 @@
               <a:defRPr sz="1100"/>
             </a:lvl9pPr>
           </a:lstStyle>
-          <a:p/>
+          <a:p>
+            <a:endParaRPr/>
+          </a:p>
         </p:txBody>
       </p:sp>
     </p:spTree>
+    <p:extLst>
+      <p:ext uri="{BB962C8B-B14F-4D97-AF65-F5344CB8AC3E}">
+        <p14:creationId xmlns:p14="http://schemas.microsoft.com/office/powerpoint/2010/main" val="935478130"/>
+      </p:ext>
+    </p:extLst>
   </p:cSld>
-  <p:clrMap accent2="accent2" accent3="accent3" accent4="accent4" accent5="accent5" accent6="accent6" hlink="hlink" tx2="lt2" tx1="dk1" bg2="dk2" bg1="lt1" folHlink="folHlink" accent1="accent1"/>
+  <p:clrMap bg1="lt1" tx1="dk1" bg2="dk2" tx2="lt2" accent1="accent1" accent2="accent2" accent3="accent3" accent4="accent4" accent5="accent5" accent6="accent6" hlink="hlink" folHlink="folHlink"/>
+  <p:notesStyle>
+    <a:lvl1pPr marL="0" algn="l" defTabSz="914400" rtl="0" eaLnBrk="1" latinLnBrk="0" hangingPunct="1">
+      <a:defRPr sz="1200" kern="1200">
+        <a:solidFill>
+          <a:schemeClr val="tx1"/>
+        </a:solidFill>
+        <a:latin typeface="+mn-lt"/>
+        <a:ea typeface="+mn-ea"/>
+        <a:cs typeface="+mn-cs"/>
+      </a:defRPr>
+    </a:lvl1pPr>
+    <a:lvl2pPr marL="457200" algn="l" defTabSz="914400" rtl="0" eaLnBrk="1" latinLnBrk="0" hangingPunct="1">
+      <a:defRPr sz="1200" kern="1200">
+        <a:solidFill>
+          <a:schemeClr val="tx1"/>
+        </a:solidFill>
+        <a:latin typeface="+mn-lt"/>
+        <a:ea typeface="+mn-ea"/>
+        <a:cs typeface="+mn-cs"/>
+      </a:defRPr>
+    </a:lvl2pPr>
+    <a:lvl3pPr marL="914400" algn="l" defTabSz="914400" rtl="0" eaLnBrk="1" latinLnBrk="0" hangingPunct="1">
+      <a:defRPr sz="1200" kern="1200">
+        <a:solidFill>
+          <a:schemeClr val="tx1"/>
+        </a:solidFill>
+        <a:latin typeface="+mn-lt"/>
+        <a:ea typeface="+mn-ea"/>
+        <a:cs typeface="+mn-cs"/>
+      </a:defRPr>
+    </a:lvl3pPr>
+    <a:lvl4pPr marL="1371600" algn="l" defTabSz="914400" rtl="0" eaLnBrk="1" latinLnBrk="0" hangingPunct="1">
+      <a:defRPr sz="1200" kern="1200">
+        <a:solidFill>
+          <a:schemeClr val="tx1"/>
+        </a:solidFill>
+        <a:latin typeface="+mn-lt"/>
+        <a:ea typeface="+mn-ea"/>
+        <a:cs typeface="+mn-cs"/>
+      </a:defRPr>
+    </a:lvl4pPr>
+    <a:lvl5pPr marL="1828800" algn="l" defTabSz="914400" rtl="0" eaLnBrk="1" latinLnBrk="0" hangingPunct="1">
+      <a:defRPr sz="1200" kern="1200">
+        <a:solidFill>
+          <a:schemeClr val="tx1"/>
+        </a:solidFill>
+        <a:latin typeface="+mn-lt"/>
+        <a:ea typeface="+mn-ea"/>
+        <a:cs typeface="+mn-cs"/>
+      </a:defRPr>
+    </a:lvl5pPr>
+    <a:lvl6pPr marL="2286000" algn="l" defTabSz="914400" rtl="0" eaLnBrk="1" latinLnBrk="0" hangingPunct="1">
+      <a:defRPr sz="1200" kern="1200">
+        <a:solidFill>
+          <a:schemeClr val="tx1"/>
+        </a:solidFill>
+        <a:latin typeface="+mn-lt"/>
+        <a:ea typeface="+mn-ea"/>
+        <a:cs typeface="+mn-cs"/>
+      </a:defRPr>
+    </a:lvl6pPr>
+    <a:lvl7pPr marL="2743200" algn="l" defTabSz="914400" rtl="0" eaLnBrk="1" latinLnBrk="0" hangingPunct="1">
+      <a:defRPr sz="1200" kern="1200">
+        <a:solidFill>
+          <a:schemeClr val="tx1"/>
+        </a:solidFill>
+        <a:latin typeface="+mn-lt"/>
+        <a:ea typeface="+mn-ea"/>
+        <a:cs typeface="+mn-cs"/>
+      </a:defRPr>
+    </a:lvl7pPr>
+    <a:lvl8pPr marL="3200400" algn="l" defTabSz="914400" rtl="0" eaLnBrk="1" latinLnBrk="0" hangingPunct="1">
+      <a:defRPr sz="1200" kern="1200">
+        <a:solidFill>
+          <a:schemeClr val="tx1"/>
+        </a:solidFill>
+        <a:latin typeface="+mn-lt"/>
+        <a:ea typeface="+mn-ea"/>
+        <a:cs typeface="+mn-cs"/>
+      </a:defRPr>
+    </a:lvl8pPr>
+    <a:lvl9pPr marL="3657600" algn="l" defTabSz="914400" rtl="0" eaLnBrk="1" latinLnBrk="0" hangingPunct="1">
+      <a:defRPr sz="1200" kern="1200">
+        <a:solidFill>
+          <a:schemeClr val="tx1"/>
+        </a:solidFill>
+        <a:latin typeface="+mn-lt"/>
+        <a:ea typeface="+mn-ea"/>
+        <a:cs typeface="+mn-cs"/>
+      </a:defRPr>
+    </a:lvl9pPr>
+  </p:notesStyle>
 </p:notesMaster>
 </file>
 
 <file path=ppt/notesSlides/notesSlide1.xml><?xml version="1.0" encoding="utf-8"?>
-<p:notes xmlns:a="http://schemas.openxmlformats.org/drawingml/2006/main" xmlns:r="http://schemas.openxmlformats.org/officeDocument/2006/relationships" xmlns:mc="http://schemas.openxmlformats.org/markup-compatibility/2006" xmlns:mv="urn:schemas-microsoft-com:mac:vml" xmlns:p="http://schemas.openxmlformats.org/presentationml/2006/main" xmlns:c="http://schemas.openxmlformats.org/drawingml/2006/chart" xmlns:dgm="http://schemas.openxmlformats.org/drawingml/2006/diagram" xmlns:o="urn:schemas-microsoft-com:office:office" xmlns:v="urn:schemas-microsoft-com:vml" xmlns:pvml="urn:schemas-microsoft-com:office:powerpoint" xmlns:com="http://schemas.openxmlformats.org/drawingml/2006/compatibility" xmlns:p14="http://schemas.microsoft.com/office/powerpoint/2010/main" showMasterSp="0" showMasterPhAnim="0">
+<p:notes xmlns:a="http://schemas.openxmlformats.org/drawingml/2006/main" xmlns:r="http://schemas.openxmlformats.org/officeDocument/2006/relationships" xmlns:p="http://schemas.openxmlformats.org/presentationml/2006/main" showMasterSp="0" showMasterPhAnim="0">
   <p:cSld>
     <p:spTree>
       <p:nvGrpSpPr>
-        <p:cNvPr id="43" name="Shape 43"/>
+        <p:cNvPr id="1" name="Shape 43"/>
         <p:cNvGrpSpPr/>
         <p:nvPr/>
       </p:nvGrpSpPr>
       <p:grpSpPr>
         <a:xfrm>
-          <a:off y="0" x="0"/>
-          <a:ext cy="0" cx="0"/>
-          <a:chOff y="0" x="0"/>
-          <a:chExt cy="0" cx="0"/>
+          <a:off x="0" y="0"/>
+          <a:ext cx="0" cy="0"/>
+          <a:chOff x="0" y="0"/>
+          <a:chExt cx="0" cy="0"/>
         </a:xfrm>
       </p:grpSpPr>
       <p:sp>
         <p:nvSpPr>
           <p:cNvPr id="44" name="Shape 44"/>
-          <p:cNvSpPr/>
+          <p:cNvSpPr>
+            <a:spLocks noGrp="1" noRot="1" noChangeAspect="1"/>
+          </p:cNvSpPr>
           <p:nvPr>
-            <p:ph idx="2" type="sldImg"/>
+            <p:ph type="sldImg" idx="2"/>
           </p:nvPr>
         </p:nvSpPr>
         <p:spPr>
           <a:xfrm>
-            <a:off y="685800" x="381187"/>
-            <a:ext cy="3429000" cx="6096299"/>
+            <a:off x="381000" y="685800"/>
+            <a:ext cx="6096000" cy="3429000"/>
           </a:xfrm>
           <a:custGeom>
+            <a:avLst/>
+            <a:gdLst/>
+            <a:ahLst/>
+            <a:cxnLst/>
+            <a:rect l="0" t="0" r="0" b="0"/>
             <a:pathLst>
-              <a:path w="120000" extrusionOk="0" h="120000">
+              <a:path w="120000" h="120000" extrusionOk="0">
                 <a:moveTo>
-                  <a:pt y="0" x="0"/>
+                  <a:pt x="0" y="0"/>
                 </a:moveTo>
                 <a:lnTo>
-                  <a:pt y="0" x="120000"/>
+                  <a:pt x="120000" y="0"/>
                 </a:lnTo>
                 <a:lnTo>
-                  <a:pt y="120000" x="120000"/>
+                  <a:pt x="120000" y="120000"/>
                 </a:lnTo>
                 <a:lnTo>
-                  <a:pt y="120000" x="0"/>
+                  <a:pt x="0" y="120000"/>
                 </a:lnTo>
                 <a:close/>
               </a:path>
@@ -437,30 +558,32 @@
             </a:solidFill>
             <a:prstDash val="solid"/>
             <a:round/>
-            <a:headEnd w="med" len="med" type="none"/>
-            <a:tailEnd w="med" len="med" type="none"/>
+            <a:headEnd type="none" w="med" len="med"/>
+            <a:tailEnd type="none" w="med" len="med"/>
           </a:ln>
         </p:spPr>
       </p:sp>
       <p:sp>
         <p:nvSpPr>
           <p:cNvPr id="45" name="Shape 45"/>
-          <p:cNvSpPr txBox="1"/>
+          <p:cNvSpPr txBox="1">
+            <a:spLocks noGrp="1"/>
+          </p:cNvSpPr>
           <p:nvPr>
-            <p:ph idx="1" type="body"/>
+            <p:ph type="body" idx="1"/>
           </p:nvPr>
         </p:nvSpPr>
         <p:spPr>
           <a:xfrm>
-            <a:off y="4343400" x="685800"/>
-            <a:ext cy="4114800" cx="5486399"/>
+            <a:off x="685800" y="4343400"/>
+            <a:ext cx="5486399" cy="4114800"/>
           </a:xfrm>
           <a:prstGeom prst="rect">
             <a:avLst/>
           </a:prstGeom>
         </p:spPr>
         <p:txBody>
-          <a:bodyPr bIns="91425" rIns="91425" lIns="91425" tIns="91425" anchor="t" anchorCtr="0">
+          <a:bodyPr lIns="91425" tIns="91425" rIns="91425" bIns="91425" anchor="t" anchorCtr="0">
             <a:spAutoFit/>
           </a:bodyPr>
           <a:lstStyle/>
@@ -471,9 +594,6 @@
               </a:spcBef>
               <a:buNone/>
             </a:pPr>
-            <a:r>
-              <a:t/>
-            </a:r>
             <a:endParaRPr/>
           </a:p>
         </p:txBody>
@@ -487,49 +607,56 @@
 </file>
 
 <file path=ppt/notesSlides/notesSlide2.xml><?xml version="1.0" encoding="utf-8"?>
-<p:notes xmlns:a="http://schemas.openxmlformats.org/drawingml/2006/main" xmlns:r="http://schemas.openxmlformats.org/officeDocument/2006/relationships" xmlns:mc="http://schemas.openxmlformats.org/markup-compatibility/2006" xmlns:mv="urn:schemas-microsoft-com:mac:vml" xmlns:p="http://schemas.openxmlformats.org/presentationml/2006/main" xmlns:c="http://schemas.openxmlformats.org/drawingml/2006/chart" xmlns:dgm="http://schemas.openxmlformats.org/drawingml/2006/diagram" xmlns:o="urn:schemas-microsoft-com:office:office" xmlns:v="urn:schemas-microsoft-com:vml" xmlns:pvml="urn:schemas-microsoft-com:office:powerpoint" xmlns:com="http://schemas.openxmlformats.org/drawingml/2006/compatibility" xmlns:p14="http://schemas.microsoft.com/office/powerpoint/2010/main" showMasterSp="0" showMasterPhAnim="0">
+<p:notes xmlns:a="http://schemas.openxmlformats.org/drawingml/2006/main" xmlns:r="http://schemas.openxmlformats.org/officeDocument/2006/relationships" xmlns:p="http://schemas.openxmlformats.org/presentationml/2006/main" showMasterSp="0" showMasterPhAnim="0">
   <p:cSld>
     <p:spTree>
       <p:nvGrpSpPr>
-        <p:cNvPr id="49" name="Shape 49"/>
+        <p:cNvPr id="1" name="Shape 49"/>
         <p:cNvGrpSpPr/>
         <p:nvPr/>
       </p:nvGrpSpPr>
       <p:grpSpPr>
         <a:xfrm>
-          <a:off y="0" x="0"/>
-          <a:ext cy="0" cx="0"/>
-          <a:chOff y="0" x="0"/>
-          <a:chExt cy="0" cx="0"/>
+          <a:off x="0" y="0"/>
+          <a:ext cx="0" cy="0"/>
+          <a:chOff x="0" y="0"/>
+          <a:chExt cx="0" cy="0"/>
         </a:xfrm>
       </p:grpSpPr>
       <p:sp>
         <p:nvSpPr>
           <p:cNvPr id="50" name="Shape 50"/>
-          <p:cNvSpPr/>
+          <p:cNvSpPr>
+            <a:spLocks noGrp="1" noRot="1" noChangeAspect="1"/>
+          </p:cNvSpPr>
           <p:nvPr>
-            <p:ph idx="2" type="sldImg"/>
+            <p:ph type="sldImg" idx="2"/>
           </p:nvPr>
         </p:nvSpPr>
         <p:spPr>
           <a:xfrm>
-            <a:off y="685800" x="381187"/>
-            <a:ext cy="3429000" cx="6096299"/>
+            <a:off x="381000" y="685800"/>
+            <a:ext cx="6096000" cy="3429000"/>
           </a:xfrm>
           <a:custGeom>
+            <a:avLst/>
+            <a:gdLst/>
+            <a:ahLst/>
+            <a:cxnLst/>
+            <a:rect l="0" t="0" r="0" b="0"/>
             <a:pathLst>
-              <a:path w="120000" extrusionOk="0" h="120000">
+              <a:path w="120000" h="120000" extrusionOk="0">
                 <a:moveTo>
-                  <a:pt y="0" x="0"/>
+                  <a:pt x="0" y="0"/>
                 </a:moveTo>
                 <a:lnTo>
-                  <a:pt y="0" x="120000"/>
+                  <a:pt x="120000" y="0"/>
                 </a:lnTo>
                 <a:lnTo>
-                  <a:pt y="120000" x="120000"/>
+                  <a:pt x="120000" y="120000"/>
                 </a:lnTo>
                 <a:lnTo>
-                  <a:pt y="120000" x="0"/>
+                  <a:pt x="0" y="120000"/>
                 </a:lnTo>
                 <a:close/>
               </a:path>
@@ -542,30 +669,32 @@
             </a:solidFill>
             <a:prstDash val="solid"/>
             <a:round/>
-            <a:headEnd w="med" len="med" type="none"/>
-            <a:tailEnd w="med" len="med" type="none"/>
+            <a:headEnd type="none" w="med" len="med"/>
+            <a:tailEnd type="none" w="med" len="med"/>
           </a:ln>
         </p:spPr>
       </p:sp>
       <p:sp>
         <p:nvSpPr>
           <p:cNvPr id="51" name="Shape 51"/>
-          <p:cNvSpPr txBox="1"/>
+          <p:cNvSpPr txBox="1">
+            <a:spLocks noGrp="1"/>
+          </p:cNvSpPr>
           <p:nvPr>
-            <p:ph idx="1" type="body"/>
+            <p:ph type="body" idx="1"/>
           </p:nvPr>
         </p:nvSpPr>
         <p:spPr>
           <a:xfrm>
-            <a:off y="4343400" x="685800"/>
-            <a:ext cy="4114800" cx="5486399"/>
+            <a:off x="685800" y="4343400"/>
+            <a:ext cx="5486399" cy="4114800"/>
           </a:xfrm>
           <a:prstGeom prst="rect">
             <a:avLst/>
           </a:prstGeom>
         </p:spPr>
         <p:txBody>
-          <a:bodyPr bIns="91425" rIns="91425" lIns="91425" tIns="91425" anchor="t" anchorCtr="0">
+          <a:bodyPr lIns="91425" tIns="91425" rIns="91425" bIns="91425" anchor="t" anchorCtr="0">
             <a:spAutoFit/>
           </a:bodyPr>
           <a:lstStyle/>
@@ -576,9 +705,6 @@
               </a:spcBef>
               <a:buNone/>
             </a:pPr>
-            <a:r>
-              <a:t/>
-            </a:r>
             <a:endParaRPr/>
           </a:p>
         </p:txBody>
@@ -592,49 +718,56 @@
 </file>
 
 <file path=ppt/notesSlides/notesSlide3.xml><?xml version="1.0" encoding="utf-8"?>
-<p:notes xmlns:a="http://schemas.openxmlformats.org/drawingml/2006/main" xmlns:r="http://schemas.openxmlformats.org/officeDocument/2006/relationships" xmlns:mc="http://schemas.openxmlformats.org/markup-compatibility/2006" xmlns:mv="urn:schemas-microsoft-com:mac:vml" xmlns:p="http://schemas.openxmlformats.org/presentationml/2006/main" xmlns:c="http://schemas.openxmlformats.org/drawingml/2006/chart" xmlns:dgm="http://schemas.openxmlformats.org/drawingml/2006/diagram" xmlns:o="urn:schemas-microsoft-com:office:office" xmlns:v="urn:schemas-microsoft-com:vml" xmlns:pvml="urn:schemas-microsoft-com:office:powerpoint" xmlns:com="http://schemas.openxmlformats.org/drawingml/2006/compatibility" xmlns:p14="http://schemas.microsoft.com/office/powerpoint/2010/main" showMasterSp="0" showMasterPhAnim="0">
+<p:notes xmlns:a="http://schemas.openxmlformats.org/drawingml/2006/main" xmlns:r="http://schemas.openxmlformats.org/officeDocument/2006/relationships" xmlns:p="http://schemas.openxmlformats.org/presentationml/2006/main" showMasterSp="0" showMasterPhAnim="0">
   <p:cSld>
     <p:spTree>
       <p:nvGrpSpPr>
-        <p:cNvPr id="55" name="Shape 55"/>
+        <p:cNvPr id="1" name="Shape 55"/>
         <p:cNvGrpSpPr/>
         <p:nvPr/>
       </p:nvGrpSpPr>
       <p:grpSpPr>
         <a:xfrm>
-          <a:off y="0" x="0"/>
-          <a:ext cy="0" cx="0"/>
-          <a:chOff y="0" x="0"/>
-          <a:chExt cy="0" cx="0"/>
+          <a:off x="0" y="0"/>
+          <a:ext cx="0" cy="0"/>
+          <a:chOff x="0" y="0"/>
+          <a:chExt cx="0" cy="0"/>
         </a:xfrm>
       </p:grpSpPr>
       <p:sp>
         <p:nvSpPr>
           <p:cNvPr id="56" name="Shape 56"/>
-          <p:cNvSpPr/>
+          <p:cNvSpPr>
+            <a:spLocks noGrp="1" noRot="1" noChangeAspect="1"/>
+          </p:cNvSpPr>
           <p:nvPr>
-            <p:ph idx="2" type="sldImg"/>
+            <p:ph type="sldImg" idx="2"/>
           </p:nvPr>
         </p:nvSpPr>
         <p:spPr>
           <a:xfrm>
-            <a:off y="685800" x="381187"/>
-            <a:ext cy="3429000" cx="6096299"/>
+            <a:off x="381000" y="685800"/>
+            <a:ext cx="6096000" cy="3429000"/>
           </a:xfrm>
           <a:custGeom>
+            <a:avLst/>
+            <a:gdLst/>
+            <a:ahLst/>
+            <a:cxnLst/>
+            <a:rect l="0" t="0" r="0" b="0"/>
             <a:pathLst>
-              <a:path w="120000" extrusionOk="0" h="120000">
+              <a:path w="120000" h="120000" extrusionOk="0">
                 <a:moveTo>
-                  <a:pt y="0" x="0"/>
+                  <a:pt x="0" y="0"/>
                 </a:moveTo>
                 <a:lnTo>
-                  <a:pt y="0" x="120000"/>
+                  <a:pt x="120000" y="0"/>
                 </a:lnTo>
                 <a:lnTo>
-                  <a:pt y="120000" x="120000"/>
+                  <a:pt x="120000" y="120000"/>
                 </a:lnTo>
                 <a:lnTo>
-                  <a:pt y="120000" x="0"/>
+                  <a:pt x="0" y="120000"/>
                 </a:lnTo>
                 <a:close/>
               </a:path>
@@ -647,30 +780,32 @@
             </a:solidFill>
             <a:prstDash val="solid"/>
             <a:round/>
-            <a:headEnd w="med" len="med" type="none"/>
-            <a:tailEnd w="med" len="med" type="none"/>
+            <a:headEnd type="none" w="med" len="med"/>
+            <a:tailEnd type="none" w="med" len="med"/>
           </a:ln>
         </p:spPr>
       </p:sp>
       <p:sp>
         <p:nvSpPr>
           <p:cNvPr id="57" name="Shape 57"/>
-          <p:cNvSpPr txBox="1"/>
+          <p:cNvSpPr txBox="1">
+            <a:spLocks noGrp="1"/>
+          </p:cNvSpPr>
           <p:nvPr>
-            <p:ph idx="1" type="body"/>
+            <p:ph type="body" idx="1"/>
           </p:nvPr>
         </p:nvSpPr>
         <p:spPr>
           <a:xfrm>
-            <a:off y="4343400" x="685800"/>
-            <a:ext cy="4114800" cx="5486399"/>
+            <a:off x="685800" y="4343400"/>
+            <a:ext cx="5486399" cy="4114800"/>
           </a:xfrm>
           <a:prstGeom prst="rect">
             <a:avLst/>
           </a:prstGeom>
         </p:spPr>
         <p:txBody>
-          <a:bodyPr bIns="91425" rIns="91425" lIns="91425" tIns="91425" anchor="t" anchorCtr="0">
+          <a:bodyPr lIns="91425" tIns="91425" rIns="91425" bIns="91425" anchor="t" anchorCtr="0">
             <a:spAutoFit/>
           </a:bodyPr>
           <a:lstStyle/>
@@ -681,9 +816,6 @@
               </a:spcBef>
               <a:buNone/>
             </a:pPr>
-            <a:r>
-              <a:t/>
-            </a:r>
             <a:endParaRPr/>
           </a:p>
         </p:txBody>
@@ -697,49 +829,56 @@
 </file>
 
 <file path=ppt/notesSlides/notesSlide4.xml><?xml version="1.0" encoding="utf-8"?>
-<p:notes xmlns:a="http://schemas.openxmlformats.org/drawingml/2006/main" xmlns:r="http://schemas.openxmlformats.org/officeDocument/2006/relationships" xmlns:mc="http://schemas.openxmlformats.org/markup-compatibility/2006" xmlns:mv="urn:schemas-microsoft-com:mac:vml" xmlns:p="http://schemas.openxmlformats.org/presentationml/2006/main" xmlns:c="http://schemas.openxmlformats.org/drawingml/2006/chart" xmlns:dgm="http://schemas.openxmlformats.org/drawingml/2006/diagram" xmlns:o="urn:schemas-microsoft-com:office:office" xmlns:v="urn:schemas-microsoft-com:vml" xmlns:pvml="urn:schemas-microsoft-com:office:powerpoint" xmlns:com="http://schemas.openxmlformats.org/drawingml/2006/compatibility" xmlns:p14="http://schemas.microsoft.com/office/powerpoint/2010/main" showMasterSp="0" showMasterPhAnim="0">
+<p:notes xmlns:a="http://schemas.openxmlformats.org/drawingml/2006/main" xmlns:r="http://schemas.openxmlformats.org/officeDocument/2006/relationships" xmlns:p="http://schemas.openxmlformats.org/presentationml/2006/main" showMasterSp="0" showMasterPhAnim="0">
   <p:cSld>
     <p:spTree>
       <p:nvGrpSpPr>
-        <p:cNvPr id="61" name="Shape 61"/>
+        <p:cNvPr id="1" name="Shape 61"/>
         <p:cNvGrpSpPr/>
         <p:nvPr/>
       </p:nvGrpSpPr>
       <p:grpSpPr>
         <a:xfrm>
-          <a:off y="0" x="0"/>
-          <a:ext cy="0" cx="0"/>
-          <a:chOff y="0" x="0"/>
-          <a:chExt cy="0" cx="0"/>
+          <a:off x="0" y="0"/>
+          <a:ext cx="0" cy="0"/>
+          <a:chOff x="0" y="0"/>
+          <a:chExt cx="0" cy="0"/>
         </a:xfrm>
       </p:grpSpPr>
       <p:sp>
         <p:nvSpPr>
           <p:cNvPr id="62" name="Shape 62"/>
-          <p:cNvSpPr/>
+          <p:cNvSpPr>
+            <a:spLocks noGrp="1" noRot="1" noChangeAspect="1"/>
+          </p:cNvSpPr>
           <p:nvPr>
-            <p:ph idx="2" type="sldImg"/>
+            <p:ph type="sldImg" idx="2"/>
           </p:nvPr>
         </p:nvSpPr>
         <p:spPr>
           <a:xfrm>
-            <a:off y="685800" x="381187"/>
-            <a:ext cy="3429000" cx="6096299"/>
+            <a:off x="381000" y="685800"/>
+            <a:ext cx="6096000" cy="3429000"/>
           </a:xfrm>
           <a:custGeom>
+            <a:avLst/>
+            <a:gdLst/>
+            <a:ahLst/>
+            <a:cxnLst/>
+            <a:rect l="0" t="0" r="0" b="0"/>
             <a:pathLst>
-              <a:path w="120000" extrusionOk="0" h="120000">
+              <a:path w="120000" h="120000" extrusionOk="0">
                 <a:moveTo>
-                  <a:pt y="0" x="0"/>
+                  <a:pt x="0" y="0"/>
                 </a:moveTo>
                 <a:lnTo>
-                  <a:pt y="0" x="120000"/>
+                  <a:pt x="120000" y="0"/>
                 </a:lnTo>
                 <a:lnTo>
-                  <a:pt y="120000" x="120000"/>
+                  <a:pt x="120000" y="120000"/>
                 </a:lnTo>
                 <a:lnTo>
-                  <a:pt y="120000" x="0"/>
+                  <a:pt x="0" y="120000"/>
                 </a:lnTo>
                 <a:close/>
               </a:path>
@@ -752,30 +891,32 @@
             </a:solidFill>
             <a:prstDash val="solid"/>
             <a:round/>
-            <a:headEnd w="med" len="med" type="none"/>
-            <a:tailEnd w="med" len="med" type="none"/>
+            <a:headEnd type="none" w="med" len="med"/>
+            <a:tailEnd type="none" w="med" len="med"/>
           </a:ln>
         </p:spPr>
       </p:sp>
       <p:sp>
         <p:nvSpPr>
           <p:cNvPr id="63" name="Shape 63"/>
-          <p:cNvSpPr txBox="1"/>
+          <p:cNvSpPr txBox="1">
+            <a:spLocks noGrp="1"/>
+          </p:cNvSpPr>
           <p:nvPr>
-            <p:ph idx="1" type="body"/>
+            <p:ph type="body" idx="1"/>
           </p:nvPr>
         </p:nvSpPr>
         <p:spPr>
           <a:xfrm>
-            <a:off y="4343400" x="685800"/>
-            <a:ext cy="4114800" cx="5486399"/>
+            <a:off x="685800" y="4343400"/>
+            <a:ext cx="5486399" cy="4114800"/>
           </a:xfrm>
           <a:prstGeom prst="rect">
             <a:avLst/>
           </a:prstGeom>
         </p:spPr>
         <p:txBody>
-          <a:bodyPr bIns="91425" rIns="91425" lIns="91425" tIns="91425" anchor="t" anchorCtr="0">
+          <a:bodyPr lIns="91425" tIns="91425" rIns="91425" bIns="91425" anchor="t" anchorCtr="0">
             <a:spAutoFit/>
           </a:bodyPr>
           <a:lstStyle/>
@@ -786,9 +927,6 @@
               </a:spcBef>
               <a:buNone/>
             </a:pPr>
-            <a:r>
-              <a:t/>
-            </a:r>
             <a:endParaRPr/>
           </a:p>
         </p:txBody>
@@ -802,49 +940,56 @@
 </file>
 
 <file path=ppt/notesSlides/notesSlide5.xml><?xml version="1.0" encoding="utf-8"?>
-<p:notes xmlns:a="http://schemas.openxmlformats.org/drawingml/2006/main" xmlns:r="http://schemas.openxmlformats.org/officeDocument/2006/relationships" xmlns:mc="http://schemas.openxmlformats.org/markup-compatibility/2006" xmlns:mv="urn:schemas-microsoft-com:mac:vml" xmlns:p="http://schemas.openxmlformats.org/presentationml/2006/main" xmlns:c="http://schemas.openxmlformats.org/drawingml/2006/chart" xmlns:dgm="http://schemas.openxmlformats.org/drawingml/2006/diagram" xmlns:o="urn:schemas-microsoft-com:office:office" xmlns:v="urn:schemas-microsoft-com:vml" xmlns:pvml="urn:schemas-microsoft-com:office:powerpoint" xmlns:com="http://schemas.openxmlformats.org/drawingml/2006/compatibility" xmlns:p14="http://schemas.microsoft.com/office/powerpoint/2010/main" showMasterSp="0" showMasterPhAnim="0">
+<p:notes xmlns:a="http://schemas.openxmlformats.org/drawingml/2006/main" xmlns:r="http://schemas.openxmlformats.org/officeDocument/2006/relationships" xmlns:p="http://schemas.openxmlformats.org/presentationml/2006/main" showMasterSp="0" showMasterPhAnim="0">
   <p:cSld>
     <p:spTree>
       <p:nvGrpSpPr>
-        <p:cNvPr id="66" name="Shape 66"/>
+        <p:cNvPr id="1" name="Shape 66"/>
         <p:cNvGrpSpPr/>
         <p:nvPr/>
       </p:nvGrpSpPr>
       <p:grpSpPr>
         <a:xfrm>
-          <a:off y="0" x="0"/>
-          <a:ext cy="0" cx="0"/>
-          <a:chOff y="0" x="0"/>
-          <a:chExt cy="0" cx="0"/>
+          <a:off x="0" y="0"/>
+          <a:ext cx="0" cy="0"/>
+          <a:chOff x="0" y="0"/>
+          <a:chExt cx="0" cy="0"/>
         </a:xfrm>
       </p:grpSpPr>
       <p:sp>
         <p:nvSpPr>
           <p:cNvPr id="67" name="Shape 67"/>
-          <p:cNvSpPr/>
+          <p:cNvSpPr>
+            <a:spLocks noGrp="1" noRot="1" noChangeAspect="1"/>
+          </p:cNvSpPr>
           <p:nvPr>
-            <p:ph idx="2" type="sldImg"/>
+            <p:ph type="sldImg" idx="2"/>
           </p:nvPr>
         </p:nvSpPr>
         <p:spPr>
           <a:xfrm>
-            <a:off y="685800" x="381187"/>
-            <a:ext cy="3429000" cx="6096299"/>
+            <a:off x="381000" y="685800"/>
+            <a:ext cx="6096000" cy="3429000"/>
           </a:xfrm>
           <a:custGeom>
+            <a:avLst/>
+            <a:gdLst/>
+            <a:ahLst/>
+            <a:cxnLst/>
+            <a:rect l="0" t="0" r="0" b="0"/>
             <a:pathLst>
-              <a:path w="120000" extrusionOk="0" h="120000">
+              <a:path w="120000" h="120000" extrusionOk="0">
                 <a:moveTo>
-                  <a:pt y="0" x="0"/>
+                  <a:pt x="0" y="0"/>
                 </a:moveTo>
                 <a:lnTo>
-                  <a:pt y="0" x="120000"/>
+                  <a:pt x="120000" y="0"/>
                 </a:lnTo>
                 <a:lnTo>
-                  <a:pt y="120000" x="120000"/>
+                  <a:pt x="120000" y="120000"/>
                 </a:lnTo>
                 <a:lnTo>
-                  <a:pt y="120000" x="0"/>
+                  <a:pt x="0" y="120000"/>
                 </a:lnTo>
                 <a:close/>
               </a:path>
@@ -857,30 +1002,32 @@
             </a:solidFill>
             <a:prstDash val="solid"/>
             <a:round/>
-            <a:headEnd w="med" len="med" type="none"/>
-            <a:tailEnd w="med" len="med" type="none"/>
+            <a:headEnd type="none" w="med" len="med"/>
+            <a:tailEnd type="none" w="med" len="med"/>
           </a:ln>
         </p:spPr>
       </p:sp>
       <p:sp>
         <p:nvSpPr>
           <p:cNvPr id="68" name="Shape 68"/>
-          <p:cNvSpPr txBox="1"/>
+          <p:cNvSpPr txBox="1">
+            <a:spLocks noGrp="1"/>
+          </p:cNvSpPr>
           <p:nvPr>
-            <p:ph idx="1" type="body"/>
+            <p:ph type="body" idx="1"/>
           </p:nvPr>
         </p:nvSpPr>
         <p:spPr>
           <a:xfrm>
-            <a:off y="4343400" x="685800"/>
-            <a:ext cy="4114800" cx="5486399"/>
+            <a:off x="685800" y="4343400"/>
+            <a:ext cx="5486399" cy="4114800"/>
           </a:xfrm>
           <a:prstGeom prst="rect">
             <a:avLst/>
           </a:prstGeom>
         </p:spPr>
         <p:txBody>
-          <a:bodyPr bIns="91425" rIns="91425" lIns="91425" tIns="91425" anchor="t" anchorCtr="0">
+          <a:bodyPr lIns="91425" tIns="91425" rIns="91425" bIns="91425" anchor="t" anchorCtr="0">
             <a:spAutoFit/>
           </a:bodyPr>
           <a:lstStyle/>
@@ -891,9 +1038,6 @@
               </a:spcBef>
               <a:buNone/>
             </a:pPr>
-            <a:r>
-              <a:t/>
-            </a:r>
             <a:endParaRPr/>
           </a:p>
         </p:txBody>
@@ -907,49 +1051,56 @@
 </file>
 
 <file path=ppt/notesSlides/notesSlide6.xml><?xml version="1.0" encoding="utf-8"?>
-<p:notes xmlns:a="http://schemas.openxmlformats.org/drawingml/2006/main" xmlns:r="http://schemas.openxmlformats.org/officeDocument/2006/relationships" xmlns:mc="http://schemas.openxmlformats.org/markup-compatibility/2006" xmlns:mv="urn:schemas-microsoft-com:mac:vml" xmlns:p="http://schemas.openxmlformats.org/presentationml/2006/main" xmlns:c="http://schemas.openxmlformats.org/drawingml/2006/chart" xmlns:dgm="http://schemas.openxmlformats.org/drawingml/2006/diagram" xmlns:o="urn:schemas-microsoft-com:office:office" xmlns:v="urn:schemas-microsoft-com:vml" xmlns:pvml="urn:schemas-microsoft-com:office:powerpoint" xmlns:com="http://schemas.openxmlformats.org/drawingml/2006/compatibility" xmlns:p14="http://schemas.microsoft.com/office/powerpoint/2010/main" showMasterSp="0" showMasterPhAnim="0">
+<p:notes xmlns:a="http://schemas.openxmlformats.org/drawingml/2006/main" xmlns:r="http://schemas.openxmlformats.org/officeDocument/2006/relationships" xmlns:p="http://schemas.openxmlformats.org/presentationml/2006/main" showMasterSp="0" showMasterPhAnim="0">
   <p:cSld>
     <p:spTree>
       <p:nvGrpSpPr>
-        <p:cNvPr id="72" name="Shape 72"/>
+        <p:cNvPr id="1" name="Shape 72"/>
         <p:cNvGrpSpPr/>
         <p:nvPr/>
       </p:nvGrpSpPr>
       <p:grpSpPr>
         <a:xfrm>
-          <a:off y="0" x="0"/>
-          <a:ext cy="0" cx="0"/>
-          <a:chOff y="0" x="0"/>
-          <a:chExt cy="0" cx="0"/>
+          <a:off x="0" y="0"/>
+          <a:ext cx="0" cy="0"/>
+          <a:chOff x="0" y="0"/>
+          <a:chExt cx="0" cy="0"/>
         </a:xfrm>
       </p:grpSpPr>
       <p:sp>
         <p:nvSpPr>
           <p:cNvPr id="73" name="Shape 73"/>
-          <p:cNvSpPr/>
+          <p:cNvSpPr>
+            <a:spLocks noGrp="1" noRot="1" noChangeAspect="1"/>
+          </p:cNvSpPr>
           <p:nvPr>
-            <p:ph idx="2" type="sldImg"/>
+            <p:ph type="sldImg" idx="2"/>
           </p:nvPr>
         </p:nvSpPr>
         <p:spPr>
           <a:xfrm>
-            <a:off y="685800" x="381187"/>
-            <a:ext cy="3429000" cx="6096299"/>
+            <a:off x="381000" y="685800"/>
+            <a:ext cx="6096000" cy="3429000"/>
           </a:xfrm>
           <a:custGeom>
+            <a:avLst/>
+            <a:gdLst/>
+            <a:ahLst/>
+            <a:cxnLst/>
+            <a:rect l="0" t="0" r="0" b="0"/>
             <a:pathLst>
-              <a:path w="120000" extrusionOk="0" h="120000">
+              <a:path w="120000" h="120000" extrusionOk="0">
                 <a:moveTo>
-                  <a:pt y="0" x="0"/>
+                  <a:pt x="0" y="0"/>
                 </a:moveTo>
                 <a:lnTo>
-                  <a:pt y="0" x="120000"/>
+                  <a:pt x="120000" y="0"/>
                 </a:lnTo>
                 <a:lnTo>
-                  <a:pt y="120000" x="120000"/>
+                  <a:pt x="120000" y="120000"/>
                 </a:lnTo>
                 <a:lnTo>
-                  <a:pt y="120000" x="0"/>
+                  <a:pt x="0" y="120000"/>
                 </a:lnTo>
                 <a:close/>
               </a:path>
@@ -962,30 +1113,32 @@
             </a:solidFill>
             <a:prstDash val="solid"/>
             <a:round/>
-            <a:headEnd w="med" len="med" type="none"/>
-            <a:tailEnd w="med" len="med" type="none"/>
+            <a:headEnd type="none" w="med" len="med"/>
+            <a:tailEnd type="none" w="med" len="med"/>
           </a:ln>
         </p:spPr>
       </p:sp>
       <p:sp>
         <p:nvSpPr>
           <p:cNvPr id="74" name="Shape 74"/>
-          <p:cNvSpPr txBox="1"/>
+          <p:cNvSpPr txBox="1">
+            <a:spLocks noGrp="1"/>
+          </p:cNvSpPr>
           <p:nvPr>
-            <p:ph idx="1" type="body"/>
+            <p:ph type="body" idx="1"/>
           </p:nvPr>
         </p:nvSpPr>
         <p:spPr>
           <a:xfrm>
-            <a:off y="4343400" x="685800"/>
-            <a:ext cy="4114800" cx="5486399"/>
+            <a:off x="685800" y="4343400"/>
+            <a:ext cx="5486399" cy="4114800"/>
           </a:xfrm>
           <a:prstGeom prst="rect">
             <a:avLst/>
           </a:prstGeom>
         </p:spPr>
         <p:txBody>
-          <a:bodyPr bIns="91425" rIns="91425" lIns="91425" tIns="91425" anchor="t" anchorCtr="0">
+          <a:bodyPr lIns="91425" tIns="91425" rIns="91425" bIns="91425" anchor="t" anchorCtr="0">
             <a:spAutoFit/>
           </a:bodyPr>
           <a:lstStyle/>
@@ -996,9 +1149,6 @@
               </a:spcBef>
               <a:buNone/>
             </a:pPr>
-            <a:r>
-              <a:t/>
-            </a:r>
             <a:endParaRPr/>
           </a:p>
         </p:txBody>
@@ -1012,49 +1162,56 @@
 </file>
 
 <file path=ppt/notesSlides/notesSlide7.xml><?xml version="1.0" encoding="utf-8"?>
-<p:notes xmlns:a="http://schemas.openxmlformats.org/drawingml/2006/main" xmlns:r="http://schemas.openxmlformats.org/officeDocument/2006/relationships" xmlns:mc="http://schemas.openxmlformats.org/markup-compatibility/2006" xmlns:mv="urn:schemas-microsoft-com:mac:vml" xmlns:p="http://schemas.openxmlformats.org/presentationml/2006/main" xmlns:c="http://schemas.openxmlformats.org/drawingml/2006/chart" xmlns:dgm="http://schemas.openxmlformats.org/drawingml/2006/diagram" xmlns:o="urn:schemas-microsoft-com:office:office" xmlns:v="urn:schemas-microsoft-com:vml" xmlns:pvml="urn:schemas-microsoft-com:office:powerpoint" xmlns:com="http://schemas.openxmlformats.org/drawingml/2006/compatibility" xmlns:p14="http://schemas.microsoft.com/office/powerpoint/2010/main" showMasterSp="0" showMasterPhAnim="0">
+<p:notes xmlns:a="http://schemas.openxmlformats.org/drawingml/2006/main" xmlns:r="http://schemas.openxmlformats.org/officeDocument/2006/relationships" xmlns:p="http://schemas.openxmlformats.org/presentationml/2006/main" showMasterSp="0" showMasterPhAnim="0">
   <p:cSld>
     <p:spTree>
       <p:nvGrpSpPr>
-        <p:cNvPr id="77" name="Shape 77"/>
+        <p:cNvPr id="1" name="Shape 77"/>
         <p:cNvGrpSpPr/>
         <p:nvPr/>
       </p:nvGrpSpPr>
       <p:grpSpPr>
         <a:xfrm>
-          <a:off y="0" x="0"/>
-          <a:ext cy="0" cx="0"/>
-          <a:chOff y="0" x="0"/>
-          <a:chExt cy="0" cx="0"/>
+          <a:off x="0" y="0"/>
+          <a:ext cx="0" cy="0"/>
+          <a:chOff x="0" y="0"/>
+          <a:chExt cx="0" cy="0"/>
         </a:xfrm>
       </p:grpSpPr>
       <p:sp>
         <p:nvSpPr>
           <p:cNvPr id="78" name="Shape 78"/>
-          <p:cNvSpPr/>
+          <p:cNvSpPr>
+            <a:spLocks noGrp="1" noRot="1" noChangeAspect="1"/>
+          </p:cNvSpPr>
           <p:nvPr>
-            <p:ph idx="2" type="sldImg"/>
+            <p:ph type="sldImg" idx="2"/>
           </p:nvPr>
         </p:nvSpPr>
         <p:spPr>
           <a:xfrm>
-            <a:off y="685800" x="381187"/>
-            <a:ext cy="3429000" cx="6096299"/>
+            <a:off x="381000" y="685800"/>
+            <a:ext cx="6096000" cy="3429000"/>
           </a:xfrm>
           <a:custGeom>
+            <a:avLst/>
+            <a:gdLst/>
+            <a:ahLst/>
+            <a:cxnLst/>
+            <a:rect l="0" t="0" r="0" b="0"/>
             <a:pathLst>
-              <a:path w="120000" extrusionOk="0" h="120000">
+              <a:path w="120000" h="120000" extrusionOk="0">
                 <a:moveTo>
-                  <a:pt y="0" x="0"/>
+                  <a:pt x="0" y="0"/>
                 </a:moveTo>
                 <a:lnTo>
-                  <a:pt y="0" x="120000"/>
+                  <a:pt x="120000" y="0"/>
                 </a:lnTo>
                 <a:lnTo>
-                  <a:pt y="120000" x="120000"/>
+                  <a:pt x="120000" y="120000"/>
                 </a:lnTo>
                 <a:lnTo>
-                  <a:pt y="120000" x="0"/>
+                  <a:pt x="0" y="120000"/>
                 </a:lnTo>
                 <a:close/>
               </a:path>
@@ -1067,30 +1224,32 @@
             </a:solidFill>
             <a:prstDash val="solid"/>
             <a:round/>
-            <a:headEnd w="med" len="med" type="none"/>
-            <a:tailEnd w="med" len="med" type="none"/>
+            <a:headEnd type="none" w="med" len="med"/>
+            <a:tailEnd type="none" w="med" len="med"/>
           </a:ln>
         </p:spPr>
       </p:sp>
       <p:sp>
         <p:nvSpPr>
           <p:cNvPr id="79" name="Shape 79"/>
-          <p:cNvSpPr txBox="1"/>
+          <p:cNvSpPr txBox="1">
+            <a:spLocks noGrp="1"/>
+          </p:cNvSpPr>
           <p:nvPr>
-            <p:ph idx="1" type="body"/>
+            <p:ph type="body" idx="1"/>
           </p:nvPr>
         </p:nvSpPr>
         <p:spPr>
           <a:xfrm>
-            <a:off y="4343400" x="685800"/>
-            <a:ext cy="4114800" cx="5486399"/>
+            <a:off x="685800" y="4343400"/>
+            <a:ext cx="5486399" cy="4114800"/>
           </a:xfrm>
           <a:prstGeom prst="rect">
             <a:avLst/>
           </a:prstGeom>
         </p:spPr>
         <p:txBody>
-          <a:bodyPr bIns="91425" rIns="91425" lIns="91425" tIns="91425" anchor="t" anchorCtr="0">
+          <a:bodyPr lIns="91425" tIns="91425" rIns="91425" bIns="91425" anchor="t" anchorCtr="0">
             <a:spAutoFit/>
           </a:bodyPr>
           <a:lstStyle/>
@@ -1101,9 +1260,6 @@
               </a:spcBef>
               <a:buNone/>
             </a:pPr>
-            <a:r>
-              <a:t/>
-            </a:r>
             <a:endParaRPr/>
           </a:p>
         </p:txBody>
@@ -1117,20 +1273,20 @@
 </file>
 
 <file path=ppt/slideLayouts/slideLayout1.xml><?xml version="1.0" encoding="utf-8"?>
-<p:sldLayout xmlns:a="http://schemas.openxmlformats.org/drawingml/2006/main" xmlns:r="http://schemas.openxmlformats.org/officeDocument/2006/relationships" xmlns:mc="http://schemas.openxmlformats.org/markup-compatibility/2006" xmlns:mv="urn:schemas-microsoft-com:mac:vml" xmlns:p="http://schemas.openxmlformats.org/presentationml/2006/main" xmlns:c="http://schemas.openxmlformats.org/drawingml/2006/chart" xmlns:dgm="http://schemas.openxmlformats.org/drawingml/2006/diagram" xmlns:o="urn:schemas-microsoft-com:office:office" xmlns:v="urn:schemas-microsoft-com:vml" xmlns:pvml="urn:schemas-microsoft-com:office:powerpoint" xmlns:com="http://schemas.openxmlformats.org/drawingml/2006/compatibility" xmlns:p14="http://schemas.microsoft.com/office/powerpoint/2010/main" type="title">
+<p:sldLayout xmlns:a="http://schemas.openxmlformats.org/drawingml/2006/main" xmlns:r="http://schemas.openxmlformats.org/officeDocument/2006/relationships" xmlns:p="http://schemas.openxmlformats.org/presentationml/2006/main" type="title">
   <p:cSld name="Title Slide">
     <p:spTree>
       <p:nvGrpSpPr>
-        <p:cNvPr id="7" name="Shape 7"/>
+        <p:cNvPr id="1" name="Shape 7"/>
         <p:cNvGrpSpPr/>
         <p:nvPr/>
       </p:nvGrpSpPr>
       <p:grpSpPr>
         <a:xfrm>
-          <a:off y="0" x="0"/>
-          <a:ext cy="0" cx="0"/>
-          <a:chOff y="0" x="0"/>
-          <a:chExt cy="0" cx="0"/>
+          <a:off x="0" y="0"/>
+          <a:ext cx="0" cy="0"/>
+          <a:chOff x="0" y="0"/>
+          <a:chExt cx="0" cy="0"/>
         </a:xfrm>
       </p:grpSpPr>
       <p:sp>
@@ -1141,8 +1297,8 @@
         </p:nvSpPr>
         <p:spPr>
           <a:xfrm>
-            <a:off y="0" x="0"/>
-            <a:ext cy="5176499" cx="9144000"/>
+            <a:off x="0" y="0"/>
+            <a:ext cx="9144000" cy="5176499"/>
           </a:xfrm>
           <a:prstGeom prst="rect">
             <a:avLst/>
@@ -1163,7 +1319,7 @@
           </a:ln>
         </p:spPr>
         <p:txBody>
-          <a:bodyPr bIns="45700" rIns="91425" lIns="91425" tIns="45700" anchor="ctr" anchorCtr="0">
+          <a:bodyPr lIns="91425" tIns="45700" rIns="91425" bIns="45700" anchor="ctr" anchorCtr="0">
             <a:spAutoFit/>
           </a:bodyPr>
           <a:lstStyle/>
@@ -1174,9 +1330,6 @@
               </a:spcBef>
               <a:buNone/>
             </a:pPr>
-            <a:r>
-              <a:t/>
-            </a:r>
             <a:endParaRPr/>
           </a:p>
         </p:txBody>
@@ -1189,28 +1342,33 @@
         </p:nvSpPr>
         <p:spPr>
           <a:xfrm flipH="1">
-            <a:off y="12039" x="-3832"/>
-            <a:ext cy="5165065" cx="10925833"/>
+            <a:off x="-3832" y="12039"/>
+            <a:ext cx="10925833" cy="5165065"/>
           </a:xfrm>
           <a:custGeom>
+            <a:avLst/>
+            <a:gdLst/>
+            <a:ahLst/>
+            <a:cxnLst/>
+            <a:rect l="0" t="0" r="0" b="0"/>
             <a:pathLst>
-              <a:path w="24279631" extrusionOk="0" h="6863875">
+              <a:path w="24279631" h="6863875" extrusionOk="0">
                 <a:moveTo>
-                  <a:pt y="0" x="9291599"/>
+                  <a:pt x="9291599" y="0"/>
                 </a:moveTo>
                 <a:lnTo>
-                  <a:pt y="5875" x="24279631"/>
+                  <a:pt x="24279631" y="5875"/>
                 </a:lnTo>
                 <a:lnTo>
-                  <a:pt y="6863875" x="24250422"/>
+                  <a:pt x="24250422" y="6863875"/>
                 </a:lnTo>
                 <a:lnTo>
-                  <a:pt y="6858000" x="8740466"/>
+                  <a:pt x="8740466" y="6858000"/>
                 </a:lnTo>
                 <a:cubicBezTo>
-                  <a:pt y="3062308" x="0"/>
-                  <a:pt y="312298" x="7449035"/>
-                  <a:pt y="0" x="9291599"/>
+                  <a:pt x="0" y="3062308"/>
+                  <a:pt x="7449035" y="312298"/>
+                  <a:pt x="9291599" y="0"/>
                 </a:cubicBezTo>
                 <a:close/>
               </a:path>
@@ -1235,16 +1393,16 @@
               </a:gs>
             </a:gsLst>
             <a:path path="circle">
-              <a:fillToRect t="100%" r="100%"/>
+              <a:fillToRect t="100000" r="100000"/>
             </a:path>
-            <a:tileRect b="-100%" l="-100%"/>
+            <a:tileRect l="-100000" b="-100000"/>
           </a:gradFill>
           <a:ln>
             <a:noFill/>
           </a:ln>
         </p:spPr>
         <p:txBody>
-          <a:bodyPr bIns="45700" rIns="91425" lIns="91425" tIns="45700" anchor="ctr" anchorCtr="0">
+          <a:bodyPr lIns="91425" tIns="45700" rIns="91425" bIns="45700" anchor="ctr" anchorCtr="0">
             <a:spAutoFit/>
           </a:bodyPr>
           <a:lstStyle/>
@@ -1255,9 +1413,6 @@
               </a:spcBef>
               <a:buNone/>
             </a:pPr>
-            <a:r>
-              <a:t/>
-            </a:r>
             <a:endParaRPr/>
           </a:p>
         </p:txBody>
@@ -1270,28 +1425,33 @@
         </p:nvSpPr>
         <p:spPr>
           <a:xfrm flipH="1">
-            <a:off y="660" x="14659"/>
-            <a:ext cy="5165065" cx="10500940"/>
+            <a:off x="14659" y="660"/>
+            <a:ext cx="10500940" cy="5165065"/>
           </a:xfrm>
           <a:custGeom>
+            <a:avLst/>
+            <a:gdLst/>
+            <a:ahLst/>
+            <a:cxnLst/>
+            <a:rect l="0" t="0" r="0" b="0"/>
             <a:pathLst>
-              <a:path w="24279631" extrusionOk="0" h="6863875">
+              <a:path w="24279631" h="6863875" extrusionOk="0">
                 <a:moveTo>
-                  <a:pt y="0" x="9291599"/>
+                  <a:pt x="9291599" y="0"/>
                 </a:moveTo>
                 <a:lnTo>
-                  <a:pt y="5875" x="24279631"/>
+                  <a:pt x="24279631" y="5875"/>
                 </a:lnTo>
                 <a:lnTo>
-                  <a:pt y="6863875" x="24250422"/>
+                  <a:pt x="24250422" y="6863875"/>
                 </a:lnTo>
                 <a:lnTo>
-                  <a:pt y="6858000" x="8740466"/>
+                  <a:pt x="8740466" y="6858000"/>
                 </a:lnTo>
                 <a:cubicBezTo>
-                  <a:pt y="3062308" x="0"/>
-                  <a:pt y="312298" x="7449035"/>
-                  <a:pt y="0" x="9291599"/>
+                  <a:pt x="0" y="3062308"/>
+                  <a:pt x="7449035" y="312298"/>
+                  <a:pt x="9291599" y="0"/>
                 </a:cubicBezTo>
                 <a:close/>
               </a:path>
@@ -1316,16 +1476,16 @@
               </a:gs>
             </a:gsLst>
             <a:path path="circle">
-              <a:fillToRect t="100%" r="100%"/>
+              <a:fillToRect t="100000" r="100000"/>
             </a:path>
-            <a:tileRect b="-100%" l="-100%"/>
+            <a:tileRect l="-100000" b="-100000"/>
           </a:gradFill>
           <a:ln>
             <a:noFill/>
           </a:ln>
         </p:spPr>
         <p:txBody>
-          <a:bodyPr bIns="45700" rIns="91425" lIns="91425" tIns="45700" anchor="b" anchorCtr="0">
+          <a:bodyPr lIns="91425" tIns="45700" rIns="91425" bIns="45700" anchor="b" anchorCtr="0">
             <a:spAutoFit/>
           </a:bodyPr>
           <a:lstStyle/>
@@ -1336,9 +1496,6 @@
               </a:spcBef>
               <a:buNone/>
             </a:pPr>
-            <a:r>
-              <a:t/>
-            </a:r>
             <a:endParaRPr/>
           </a:p>
         </p:txBody>
@@ -1351,28 +1508,33 @@
         </p:nvSpPr>
         <p:spPr>
           <a:xfrm>
-            <a:off y="-661" x="-846666"/>
-            <a:ext cy="5176308" cx="2167466"/>
+            <a:off x="-846666" y="-661"/>
+            <a:ext cx="2167466" cy="5176308"/>
           </a:xfrm>
           <a:custGeom>
+            <a:avLst/>
+            <a:gdLst/>
+            <a:ahLst/>
+            <a:cxnLst/>
+            <a:rect l="0" t="0" r="0" b="0"/>
             <a:pathLst>
-              <a:path w="2167467" extrusionOk="0" h="6180667">
+              <a:path w="2167467" h="6180667" extrusionOk="0">
                 <a:moveTo>
-                  <a:pt y="0" x="939800"/>
+                  <a:pt x="939800" y="0"/>
                 </a:moveTo>
                 <a:lnTo>
-                  <a:pt y="5881" x="1905000"/>
+                  <a:pt x="1905000" y="5881"/>
                 </a:lnTo>
                 <a:cubicBezTo>
-                  <a:pt y="1035992" x="2167467"/>
-                  <a:pt y="1848556" x="0"/>
-                  <a:pt y="6180667" x="1896533"/>
+                  <a:pt x="2167467" y="1035992"/>
+                  <a:pt x="0" y="1848556"/>
+                  <a:pt x="1896533" y="6180667"/>
                 </a:cubicBezTo>
                 <a:lnTo>
-                  <a:pt y="6180667" x="939800"/>
+                  <a:pt x="939800" y="6180667"/>
                 </a:lnTo>
                 <a:lnTo>
-                  <a:pt y="0" x="939800"/>
+                  <a:pt x="939800" y="0"/>
                 </a:lnTo>
                 <a:close/>
               </a:path>
@@ -1398,7 +1560,7 @@
           </a:ln>
         </p:spPr>
         <p:txBody>
-          <a:bodyPr bIns="45700" rIns="91425" lIns="91425" tIns="45700" anchor="ctr" anchorCtr="0">
+          <a:bodyPr lIns="91425" tIns="45700" rIns="91425" bIns="45700" anchor="ctr" anchorCtr="0">
             <a:spAutoFit/>
           </a:bodyPr>
           <a:lstStyle/>
@@ -1409,9 +1571,6 @@
               </a:spcBef>
               <a:buNone/>
             </a:pPr>
-            <a:r>
-              <a:t/>
-            </a:r>
             <a:endParaRPr/>
           </a:p>
         </p:txBody>
@@ -1424,28 +1583,33 @@
         </p:nvSpPr>
         <p:spPr>
           <a:xfrm rot="10800000" flipH="1">
-            <a:off y="131" x="-524933"/>
-            <a:ext cy="5176308" cx="1403434"/>
+            <a:off x="-524933" y="131"/>
+            <a:ext cx="1403434" cy="5176308"/>
           </a:xfrm>
           <a:custGeom>
+            <a:avLst/>
+            <a:gdLst/>
+            <a:ahLst/>
+            <a:cxnLst/>
+            <a:rect l="0" t="0" r="0" b="0"/>
             <a:pathLst>
-              <a:path w="2167467" extrusionOk="0" h="6180667">
+              <a:path w="2167467" h="6180667" extrusionOk="0">
                 <a:moveTo>
-                  <a:pt y="0" x="939800"/>
+                  <a:pt x="939800" y="0"/>
                 </a:moveTo>
                 <a:lnTo>
-                  <a:pt y="5881" x="1905000"/>
+                  <a:pt x="1905000" y="5881"/>
                 </a:lnTo>
                 <a:cubicBezTo>
-                  <a:pt y="1035992" x="2167467"/>
-                  <a:pt y="1848556" x="0"/>
-                  <a:pt y="6180667" x="1896533"/>
+                  <a:pt x="2167467" y="1035992"/>
+                  <a:pt x="0" y="1848556"/>
+                  <a:pt x="1896533" y="6180667"/>
                 </a:cubicBezTo>
                 <a:lnTo>
-                  <a:pt y="6180667" x="939800"/>
+                  <a:pt x="939800" y="6180667"/>
                 </a:lnTo>
                 <a:lnTo>
-                  <a:pt y="0" x="939800"/>
+                  <a:pt x="939800" y="0"/>
                 </a:lnTo>
                 <a:close/>
               </a:path>
@@ -1471,7 +1635,7 @@
           </a:ln>
         </p:spPr>
         <p:txBody>
-          <a:bodyPr bIns="45700" rIns="91425" lIns="91425" tIns="45700" anchor="ctr" anchorCtr="0">
+          <a:bodyPr lIns="91425" tIns="45700" rIns="91425" bIns="45700" anchor="ctr" anchorCtr="0">
             <a:spAutoFit/>
           </a:bodyPr>
           <a:lstStyle/>
@@ -1482,9 +1646,6 @@
               </a:spcBef>
               <a:buNone/>
             </a:pPr>
-            <a:r>
-              <a:t/>
-            </a:r>
             <a:endParaRPr/>
           </a:p>
         </p:txBody>
@@ -1492,22 +1653,24 @@
       <p:sp>
         <p:nvSpPr>
           <p:cNvPr id="13" name="Shape 13"/>
-          <p:cNvSpPr txBox="1"/>
+          <p:cNvSpPr txBox="1">
+            <a:spLocks noGrp="1"/>
+          </p:cNvSpPr>
           <p:nvPr>
             <p:ph type="ctrTitle"/>
           </p:nvPr>
         </p:nvSpPr>
         <p:spPr>
           <a:xfrm>
-            <a:off y="1242060" x="1082040"/>
-            <a:ext cy="1102500" cx="7050900"/>
+            <a:off x="1082040" y="1242060"/>
+            <a:ext cx="7050900" cy="1102500"/>
           </a:xfrm>
           <a:prstGeom prst="rect">
             <a:avLst/>
           </a:prstGeom>
         </p:spPr>
         <p:txBody>
-          <a:bodyPr bIns="91425" rIns="91425" lIns="91425" tIns="91425" anchor="b" anchorCtr="0"/>
+          <a:bodyPr lIns="91425" tIns="91425" rIns="91425" bIns="91425" anchor="b" anchorCtr="0"/>
           <a:lstStyle>
             <a:lvl1pPr algn="r">
               <a:spcBef>
@@ -1636,28 +1799,32 @@
               </a:defRPr>
             </a:lvl9pPr>
           </a:lstStyle>
-          <a:p/>
+          <a:p>
+            <a:endParaRPr/>
+          </a:p>
         </p:txBody>
       </p:sp>
       <p:sp>
         <p:nvSpPr>
           <p:cNvPr id="14" name="Shape 14"/>
-          <p:cNvSpPr txBox="1"/>
+          <p:cNvSpPr txBox="1">
+            <a:spLocks noGrp="1"/>
+          </p:cNvSpPr>
           <p:nvPr>
-            <p:ph idx="1" type="subTitle"/>
+            <p:ph type="subTitle" idx="1"/>
           </p:nvPr>
         </p:nvSpPr>
         <p:spPr>
           <a:xfrm>
-            <a:off y="2423159" x="1082040"/>
-            <a:ext cy="694199" cx="7035899"/>
+            <a:off x="1082040" y="2423159"/>
+            <a:ext cx="7035899" cy="694199"/>
           </a:xfrm>
           <a:prstGeom prst="rect">
             <a:avLst/>
           </a:prstGeom>
         </p:spPr>
         <p:txBody>
-          <a:bodyPr bIns="91425" rIns="91425" lIns="91425" tIns="91425" anchor="t" anchorCtr="0"/>
+          <a:bodyPr lIns="91425" tIns="91425" rIns="91425" bIns="91425" anchor="t" anchorCtr="0"/>
           <a:lstStyle>
             <a:lvl1pPr algn="r">
               <a:spcBef>
@@ -1794,7 +1961,9 @@
               </a:defRPr>
             </a:lvl9pPr>
           </a:lstStyle>
-          <a:p/>
+          <a:p>
+            <a:endParaRPr/>
+          </a:p>
         </p:txBody>
       </p:sp>
     </p:spTree>
@@ -1806,20 +1975,20 @@
 </file>
 
 <file path=ppt/slideLayouts/slideLayout2.xml><?xml version="1.0" encoding="utf-8"?>
-<p:sldLayout xmlns:a="http://schemas.openxmlformats.org/drawingml/2006/main" xmlns:r="http://schemas.openxmlformats.org/officeDocument/2006/relationships" xmlns:mc="http://schemas.openxmlformats.org/markup-compatibility/2006" xmlns:mv="urn:schemas-microsoft-com:mac:vml" xmlns:p="http://schemas.openxmlformats.org/presentationml/2006/main" xmlns:c="http://schemas.openxmlformats.org/drawingml/2006/chart" xmlns:dgm="http://schemas.openxmlformats.org/drawingml/2006/diagram" xmlns:o="urn:schemas-microsoft-com:office:office" xmlns:v="urn:schemas-microsoft-com:vml" xmlns:pvml="urn:schemas-microsoft-com:office:powerpoint" xmlns:com="http://schemas.openxmlformats.org/drawingml/2006/compatibility" xmlns:p14="http://schemas.microsoft.com/office/powerpoint/2010/main" type="tx">
+<p:sldLayout xmlns:a="http://schemas.openxmlformats.org/drawingml/2006/main" xmlns:r="http://schemas.openxmlformats.org/officeDocument/2006/relationships" xmlns:p="http://schemas.openxmlformats.org/presentationml/2006/main" type="tx">
   <p:cSld name="Title and Body">
     <p:spTree>
       <p:nvGrpSpPr>
-        <p:cNvPr id="15" name="Shape 15"/>
+        <p:cNvPr id="1" name="Shape 15"/>
         <p:cNvGrpSpPr/>
         <p:nvPr/>
       </p:nvGrpSpPr>
       <p:grpSpPr>
         <a:xfrm>
-          <a:off y="0" x="0"/>
-          <a:ext cy="0" cx="0"/>
-          <a:chOff y="0" x="0"/>
-          <a:chExt cy="0" cx="0"/>
+          <a:off x="0" y="0"/>
+          <a:ext cx="0" cy="0"/>
+          <a:chOff x="0" y="0"/>
+          <a:chExt cx="0" cy="0"/>
         </a:xfrm>
       </p:grpSpPr>
       <p:sp>
@@ -1830,30 +1999,35 @@
         </p:nvSpPr>
         <p:spPr>
           <a:xfrm rot="10800000" flipH="1">
-            <a:off y="-16424" x="-348182"/>
-            <a:ext cy="5159924" cx="1723519"/>
+            <a:off x="-348182" y="-16424"/>
+            <a:ext cx="1723519" cy="5159924"/>
           </a:xfrm>
           <a:custGeom>
+            <a:avLst/>
+            <a:gdLst/>
+            <a:ahLst/>
+            <a:cxnLst/>
+            <a:rect l="0" t="0" r="0" b="0"/>
             <a:pathLst>
-              <a:path w="4476675" extrusionOk="0" h="6879900">
+              <a:path w="4476675" h="6879900" extrusionOk="0">
                 <a:moveTo>
-                  <a:pt y="16025" x="4476676"/>
+                  <a:pt x="4476676" y="16025"/>
                 </a:moveTo>
                 <a:lnTo>
-                  <a:pt y="0" x="879695"/>
+                  <a:pt x="879695" y="0"/>
                 </a:lnTo>
                 <a:cubicBezTo>
-                  <a:pt y="2293300" x="886211"/>
-                  <a:pt y="4586600" x="892726"/>
-                  <a:pt y="6879900" x="899242"/>
+                  <a:pt x="886211" y="2293300"/>
+                  <a:pt x="892726" y="4586600"/>
+                  <a:pt x="899242" y="6879900"/>
                 </a:cubicBezTo>
                 <a:lnTo>
-                  <a:pt y="6861462" x="3909760"/>
+                  <a:pt x="3909760" y="6861462"/>
                 </a:lnTo>
                 <a:cubicBezTo>
-                  <a:pt y="3547544" x="0"/>
-                  <a:pt y="1824359" x="1695771"/>
-                  <a:pt y="16025" x="4476676"/>
+                  <a:pt x="0" y="3547544"/>
+                  <a:pt x="1695771" y="1824359"/>
+                  <a:pt x="4476676" y="16025"/>
                 </a:cubicBezTo>
                 <a:close/>
               </a:path>
@@ -1878,16 +2052,16 @@
               </a:gs>
             </a:gsLst>
             <a:path path="circle">
-              <a:fillToRect t="100%" r="100%"/>
+              <a:fillToRect t="100000" r="100000"/>
             </a:path>
-            <a:tileRect b="-100%" l="-100%"/>
+            <a:tileRect l="-100000" b="-100000"/>
           </a:gradFill>
           <a:ln>
             <a:noFill/>
           </a:ln>
         </p:spPr>
         <p:txBody>
-          <a:bodyPr bIns="45700" rIns="91425" lIns="91425" tIns="45700" anchor="ctr" anchorCtr="0">
+          <a:bodyPr lIns="91425" tIns="45700" rIns="91425" bIns="45700" anchor="ctr" anchorCtr="0">
             <a:spAutoFit/>
           </a:bodyPr>
           <a:lstStyle/>
@@ -1898,9 +2072,6 @@
               </a:spcBef>
               <a:buNone/>
             </a:pPr>
-            <a:r>
-              <a:t/>
-            </a:r>
             <a:endParaRPr/>
           </a:p>
         </p:txBody>
@@ -1908,22 +2079,24 @@
       <p:sp>
         <p:nvSpPr>
           <p:cNvPr id="17" name="Shape 17"/>
-          <p:cNvSpPr txBox="1"/>
+          <p:cNvSpPr txBox="1">
+            <a:spLocks noGrp="1"/>
+          </p:cNvSpPr>
           <p:nvPr>
-            <p:ph idx="1" type="body"/>
+            <p:ph type="body" idx="1"/>
           </p:nvPr>
         </p:nvSpPr>
         <p:spPr>
           <a:xfrm>
-            <a:off y="1244242" x="457200"/>
-            <a:ext cy="3630300" cx="8229600"/>
+            <a:off x="457200" y="1244242"/>
+            <a:ext cx="8229600" cy="3630300"/>
           </a:xfrm>
           <a:prstGeom prst="rect">
             <a:avLst/>
           </a:prstGeom>
         </p:spPr>
         <p:txBody>
-          <a:bodyPr bIns="91425" rIns="91425" lIns="91425" tIns="91425" anchor="t" anchorCtr="0"/>
+          <a:bodyPr lIns="91425" tIns="91425" rIns="91425" bIns="91425" anchor="t" anchorCtr="0"/>
           <a:lstStyle>
             <a:lvl1pPr>
               <a:spcBef>
@@ -1980,7 +2153,9 @@
               <a:defRPr/>
             </a:lvl9pPr>
           </a:lstStyle>
-          <a:p/>
+          <a:p>
+            <a:endParaRPr/>
+          </a:p>
         </p:txBody>
       </p:sp>
       <p:sp>
@@ -1991,30 +2166,35 @@
         </p:nvSpPr>
         <p:spPr>
           <a:xfrm rot="10800000" flipH="1">
-            <a:off y="774" x="-1118653"/>
-            <a:ext cy="5142725" cx="3100650"/>
+            <a:off x="-1118653" y="774"/>
+            <a:ext cx="3100650" cy="5142725"/>
           </a:xfrm>
           <a:custGeom>
+            <a:avLst/>
+            <a:gdLst/>
+            <a:ahLst/>
+            <a:cxnLst/>
+            <a:rect l="0" t="0" r="0" b="0"/>
             <a:pathLst>
-              <a:path w="8053639" extrusionOk="0" h="6879900">
+              <a:path w="8053639" h="6879900" extrusionOk="0">
                 <a:moveTo>
-                  <a:pt y="16025" x="4696126"/>
+                  <a:pt x="4696126" y="16025"/>
                 </a:moveTo>
                 <a:lnTo>
-                  <a:pt y="0" x="2920537"/>
+                  <a:pt x="2920537" y="0"/>
                 </a:lnTo>
                 <a:cubicBezTo>
-                  <a:pt y="2293300" x="2927053"/>
-                  <a:pt y="4586600" x="2933568"/>
-                  <a:pt y="6879900" x="2940084"/>
+                  <a:pt x="2927053" y="2293300"/>
+                  <a:pt x="2933568" y="4586600"/>
+                  <a:pt x="2940084" y="6879900"/>
                 </a:cubicBezTo>
                 <a:lnTo>
-                  <a:pt y="6861462" x="4085318"/>
+                  <a:pt x="4085318" y="6861462"/>
                 </a:lnTo>
                 <a:cubicBezTo>
-                  <a:pt y="4651267" x="8053639"/>
-                  <a:pt y="3113439" x="0"/>
-                  <a:pt y="16025" x="4696126"/>
+                  <a:pt x="8053639" y="4651267"/>
+                  <a:pt x="0" y="3113439"/>
+                  <a:pt x="4696126" y="16025"/>
                 </a:cubicBezTo>
                 <a:close/>
               </a:path>
@@ -2039,16 +2219,16 @@
               </a:gs>
             </a:gsLst>
             <a:path path="circle">
-              <a:fillToRect t="100%" r="100%"/>
+              <a:fillToRect t="100000" r="100000"/>
             </a:path>
-            <a:tileRect b="-100%" l="-100%"/>
+            <a:tileRect l="-100000" b="-100000"/>
           </a:gradFill>
           <a:ln>
             <a:noFill/>
           </a:ln>
         </p:spPr>
         <p:txBody>
-          <a:bodyPr bIns="45700" rIns="91425" lIns="91425" tIns="45700" anchor="ctr" anchorCtr="0">
+          <a:bodyPr lIns="91425" tIns="45700" rIns="91425" bIns="45700" anchor="ctr" anchorCtr="0">
             <a:spAutoFit/>
           </a:bodyPr>
           <a:lstStyle/>
@@ -2059,9 +2239,6 @@
               </a:spcBef>
               <a:buNone/>
             </a:pPr>
-            <a:r>
-              <a:t/>
-            </a:r>
             <a:endParaRPr/>
           </a:p>
         </p:txBody>
@@ -2074,28 +2251,33 @@
         </p:nvSpPr>
         <p:spPr>
           <a:xfrm rot="10800000">
-            <a:off y="-9550" x="8088846"/>
-            <a:ext cy="5153050" cx="1100667"/>
+            <a:off x="8088846" y="-9550"/>
+            <a:ext cx="1100667" cy="5153050"/>
           </a:xfrm>
           <a:custGeom>
+            <a:avLst/>
+            <a:gdLst/>
+            <a:ahLst/>
+            <a:cxnLst/>
+            <a:rect l="0" t="0" r="0" b="0"/>
             <a:pathLst>
-              <a:path w="1100668" extrusionOk="0" h="6916846">
+              <a:path w="1100668" h="6916846" extrusionOk="0">
                 <a:moveTo>
-                  <a:pt y="11711" x="0"/>
+                  <a:pt x="0" y="11711"/>
                 </a:moveTo>
                 <a:lnTo>
-                  <a:pt y="0" x="956734"/>
+                  <a:pt x="956734" y="0"/>
                 </a:lnTo>
                 <a:cubicBezTo>
-                  <a:pt y="3419922" x="33869"/>
-                  <a:pt y="4504457" x="220135"/>
-                  <a:pt y="6916846" x="1100668"/>
+                  <a:pt x="33869" y="3419922"/>
+                  <a:pt x="220135" y="4504457"/>
+                  <a:pt x="1100668" y="6916846"/>
                 </a:cubicBezTo>
                 <a:lnTo>
-                  <a:pt y="6916846" x="0"/>
+                  <a:pt x="0" y="6916846"/>
                 </a:lnTo>
                 <a:lnTo>
-                  <a:pt y="11711" x="0"/>
+                  <a:pt x="0" y="11711"/>
                 </a:lnTo>
                 <a:close/>
               </a:path>
@@ -2117,7 +2299,7 @@
           </a:ln>
         </p:spPr>
         <p:txBody>
-          <a:bodyPr bIns="45700" rIns="91425" lIns="91425" tIns="45700" anchor="ctr" anchorCtr="0">
+          <a:bodyPr lIns="91425" tIns="45700" rIns="91425" bIns="45700" anchor="ctr" anchorCtr="0">
             <a:spAutoFit/>
           </a:bodyPr>
           <a:lstStyle/>
@@ -2128,9 +2310,6 @@
               </a:spcBef>
               <a:buNone/>
             </a:pPr>
-            <a:r>
-              <a:t/>
-            </a:r>
             <a:endParaRPr/>
           </a:p>
         </p:txBody>
@@ -2138,22 +2317,24 @@
       <p:sp>
         <p:nvSpPr>
           <p:cNvPr id="20" name="Shape 20"/>
-          <p:cNvSpPr txBox="1"/>
+          <p:cNvSpPr txBox="1">
+            <a:spLocks noGrp="1"/>
+          </p:cNvSpPr>
           <p:nvPr>
             <p:ph type="title"/>
           </p:nvPr>
         </p:nvSpPr>
         <p:spPr>
           <a:xfrm>
-            <a:off y="205978" x="457200"/>
-            <a:ext cy="994200" cx="8229600"/>
+            <a:off x="457200" y="205978"/>
+            <a:ext cx="8229600" cy="994200"/>
           </a:xfrm>
           <a:prstGeom prst="rect">
             <a:avLst/>
           </a:prstGeom>
         </p:spPr>
         <p:txBody>
-          <a:bodyPr bIns="91425" rIns="91425" lIns="91425" tIns="91425" anchor="b" anchorCtr="0"/>
+          <a:bodyPr lIns="91425" tIns="91425" rIns="91425" bIns="91425" anchor="b" anchorCtr="0"/>
           <a:lstStyle>
             <a:lvl1pPr>
               <a:spcBef>
@@ -2210,7 +2391,9 @@
               <a:defRPr/>
             </a:lvl9pPr>
           </a:lstStyle>
-          <a:p/>
+          <a:p>
+            <a:endParaRPr/>
+          </a:p>
         </p:txBody>
       </p:sp>
     </p:spTree>
@@ -2222,20 +2405,20 @@
 </file>
 
 <file path=ppt/slideLayouts/slideLayout3.xml><?xml version="1.0" encoding="utf-8"?>
-<p:sldLayout xmlns:a="http://schemas.openxmlformats.org/drawingml/2006/main" xmlns:r="http://schemas.openxmlformats.org/officeDocument/2006/relationships" xmlns:mc="http://schemas.openxmlformats.org/markup-compatibility/2006" xmlns:mv="urn:schemas-microsoft-com:mac:vml" xmlns:p="http://schemas.openxmlformats.org/presentationml/2006/main" xmlns:c="http://schemas.openxmlformats.org/drawingml/2006/chart" xmlns:dgm="http://schemas.openxmlformats.org/drawingml/2006/diagram" xmlns:o="urn:schemas-microsoft-com:office:office" xmlns:v="urn:schemas-microsoft-com:vml" xmlns:pvml="urn:schemas-microsoft-com:office:powerpoint" xmlns:com="http://schemas.openxmlformats.org/drawingml/2006/compatibility" xmlns:p14="http://schemas.microsoft.com/office/powerpoint/2010/main" type="twoColTx">
+<p:sldLayout xmlns:a="http://schemas.openxmlformats.org/drawingml/2006/main" xmlns:r="http://schemas.openxmlformats.org/officeDocument/2006/relationships" xmlns:p="http://schemas.openxmlformats.org/presentationml/2006/main" type="twoColTx">
   <p:cSld name="Title and Two Columns">
     <p:spTree>
       <p:nvGrpSpPr>
-        <p:cNvPr id="21" name="Shape 21"/>
+        <p:cNvPr id="1" name="Shape 21"/>
         <p:cNvGrpSpPr/>
         <p:nvPr/>
       </p:nvGrpSpPr>
       <p:grpSpPr>
         <a:xfrm>
-          <a:off y="0" x="0"/>
-          <a:ext cy="0" cx="0"/>
-          <a:chOff y="0" x="0"/>
-          <a:chExt cy="0" cx="0"/>
+          <a:off x="0" y="0"/>
+          <a:ext cx="0" cy="0"/>
+          <a:chOff x="0" y="0"/>
+          <a:chExt cx="0" cy="0"/>
         </a:xfrm>
       </p:grpSpPr>
       <p:sp>
@@ -2246,30 +2429,35 @@
         </p:nvSpPr>
         <p:spPr>
           <a:xfrm rot="10800000" flipH="1">
-            <a:off y="-16424" x="-348182"/>
-            <a:ext cy="5159924" cx="1723519"/>
+            <a:off x="-348182" y="-16424"/>
+            <a:ext cx="1723519" cy="5159924"/>
           </a:xfrm>
           <a:custGeom>
+            <a:avLst/>
+            <a:gdLst/>
+            <a:ahLst/>
+            <a:cxnLst/>
+            <a:rect l="0" t="0" r="0" b="0"/>
             <a:pathLst>
-              <a:path w="4476675" extrusionOk="0" h="6879900">
+              <a:path w="4476675" h="6879900" extrusionOk="0">
                 <a:moveTo>
-                  <a:pt y="16025" x="4476676"/>
+                  <a:pt x="4476676" y="16025"/>
                 </a:moveTo>
                 <a:lnTo>
-                  <a:pt y="0" x="879695"/>
+                  <a:pt x="879695" y="0"/>
                 </a:lnTo>
                 <a:cubicBezTo>
-                  <a:pt y="2293300" x="886211"/>
-                  <a:pt y="4586600" x="892726"/>
-                  <a:pt y="6879900" x="899242"/>
+                  <a:pt x="886211" y="2293300"/>
+                  <a:pt x="892726" y="4586600"/>
+                  <a:pt x="899242" y="6879900"/>
                 </a:cubicBezTo>
                 <a:lnTo>
-                  <a:pt y="6861462" x="3909760"/>
+                  <a:pt x="3909760" y="6861462"/>
                 </a:lnTo>
                 <a:cubicBezTo>
-                  <a:pt y="3547544" x="0"/>
-                  <a:pt y="1824359" x="1695771"/>
-                  <a:pt y="16025" x="4476676"/>
+                  <a:pt x="0" y="3547544"/>
+                  <a:pt x="1695771" y="1824359"/>
+                  <a:pt x="4476676" y="16025"/>
                 </a:cubicBezTo>
                 <a:close/>
               </a:path>
@@ -2294,16 +2482,16 @@
               </a:gs>
             </a:gsLst>
             <a:path path="circle">
-              <a:fillToRect t="100%" r="100%"/>
+              <a:fillToRect t="100000" r="100000"/>
             </a:path>
-            <a:tileRect b="-100%" l="-100%"/>
+            <a:tileRect l="-100000" b="-100000"/>
           </a:gradFill>
           <a:ln>
             <a:noFill/>
           </a:ln>
         </p:spPr>
         <p:txBody>
-          <a:bodyPr bIns="45700" rIns="91425" lIns="91425" tIns="45700" anchor="ctr" anchorCtr="0">
+          <a:bodyPr lIns="91425" tIns="45700" rIns="91425" bIns="45700" anchor="ctr" anchorCtr="0">
             <a:spAutoFit/>
           </a:bodyPr>
           <a:lstStyle/>
@@ -2314,9 +2502,6 @@
               </a:spcBef>
               <a:buNone/>
             </a:pPr>
-            <a:r>
-              <a:t/>
-            </a:r>
             <a:endParaRPr/>
           </a:p>
         </p:txBody>
@@ -2329,30 +2514,35 @@
         </p:nvSpPr>
         <p:spPr>
           <a:xfrm rot="10800000" flipH="1">
-            <a:off y="774" x="-1118653"/>
-            <a:ext cy="5142725" cx="3100650"/>
+            <a:off x="-1118653" y="774"/>
+            <a:ext cx="3100650" cy="5142725"/>
           </a:xfrm>
           <a:custGeom>
+            <a:avLst/>
+            <a:gdLst/>
+            <a:ahLst/>
+            <a:cxnLst/>
+            <a:rect l="0" t="0" r="0" b="0"/>
             <a:pathLst>
-              <a:path w="8053639" extrusionOk="0" h="6879900">
+              <a:path w="8053639" h="6879900" extrusionOk="0">
                 <a:moveTo>
-                  <a:pt y="16025" x="4696126"/>
+                  <a:pt x="4696126" y="16025"/>
                 </a:moveTo>
                 <a:lnTo>
-                  <a:pt y="0" x="2920537"/>
+                  <a:pt x="2920537" y="0"/>
                 </a:lnTo>
                 <a:cubicBezTo>
-                  <a:pt y="2293300" x="2927053"/>
-                  <a:pt y="4586600" x="2933568"/>
-                  <a:pt y="6879900" x="2940084"/>
+                  <a:pt x="2927053" y="2293300"/>
+                  <a:pt x="2933568" y="4586600"/>
+                  <a:pt x="2940084" y="6879900"/>
                 </a:cubicBezTo>
                 <a:lnTo>
-                  <a:pt y="6861462" x="4085318"/>
+                  <a:pt x="4085318" y="6861462"/>
                 </a:lnTo>
                 <a:cubicBezTo>
-                  <a:pt y="4651267" x="8053639"/>
-                  <a:pt y="3113439" x="0"/>
-                  <a:pt y="16025" x="4696126"/>
+                  <a:pt x="8053639" y="4651267"/>
+                  <a:pt x="0" y="3113439"/>
+                  <a:pt x="4696126" y="16025"/>
                 </a:cubicBezTo>
                 <a:close/>
               </a:path>
@@ -2377,16 +2567,16 @@
               </a:gs>
             </a:gsLst>
             <a:path path="circle">
-              <a:fillToRect t="100%" r="100%"/>
+              <a:fillToRect t="100000" r="100000"/>
             </a:path>
-            <a:tileRect b="-100%" l="-100%"/>
+            <a:tileRect l="-100000" b="-100000"/>
           </a:gradFill>
           <a:ln>
             <a:noFill/>
           </a:ln>
         </p:spPr>
         <p:txBody>
-          <a:bodyPr bIns="45700" rIns="91425" lIns="91425" tIns="45700" anchor="ctr" anchorCtr="0">
+          <a:bodyPr lIns="91425" tIns="45700" rIns="91425" bIns="45700" anchor="ctr" anchorCtr="0">
             <a:spAutoFit/>
           </a:bodyPr>
           <a:lstStyle/>
@@ -2397,9 +2587,6 @@
               </a:spcBef>
               <a:buNone/>
             </a:pPr>
-            <a:r>
-              <a:t/>
-            </a:r>
             <a:endParaRPr/>
           </a:p>
         </p:txBody>
@@ -2412,28 +2599,33 @@
         </p:nvSpPr>
         <p:spPr>
           <a:xfrm rot="10800000">
-            <a:off y="-9550" x="8088846"/>
-            <a:ext cy="5153050" cx="1100667"/>
+            <a:off x="8088846" y="-9550"/>
+            <a:ext cx="1100667" cy="5153050"/>
           </a:xfrm>
           <a:custGeom>
+            <a:avLst/>
+            <a:gdLst/>
+            <a:ahLst/>
+            <a:cxnLst/>
+            <a:rect l="0" t="0" r="0" b="0"/>
             <a:pathLst>
-              <a:path w="1100668" extrusionOk="0" h="6916846">
+              <a:path w="1100668" h="6916846" extrusionOk="0">
                 <a:moveTo>
-                  <a:pt y="11711" x="0"/>
+                  <a:pt x="0" y="11711"/>
                 </a:moveTo>
                 <a:lnTo>
-                  <a:pt y="0" x="956734"/>
+                  <a:pt x="956734" y="0"/>
                 </a:lnTo>
                 <a:cubicBezTo>
-                  <a:pt y="3419922" x="33869"/>
-                  <a:pt y="4504457" x="220135"/>
-                  <a:pt y="6916846" x="1100668"/>
+                  <a:pt x="33869" y="3419922"/>
+                  <a:pt x="220135" y="4504457"/>
+                  <a:pt x="1100668" y="6916846"/>
                 </a:cubicBezTo>
                 <a:lnTo>
-                  <a:pt y="6916846" x="0"/>
+                  <a:pt x="0" y="6916846"/>
                 </a:lnTo>
                 <a:lnTo>
-                  <a:pt y="11711" x="0"/>
+                  <a:pt x="0" y="11711"/>
                 </a:lnTo>
                 <a:close/>
               </a:path>
@@ -2455,7 +2647,7 @@
           </a:ln>
         </p:spPr>
         <p:txBody>
-          <a:bodyPr bIns="45700" rIns="91425" lIns="91425" tIns="45700" anchor="ctr" anchorCtr="0">
+          <a:bodyPr lIns="91425" tIns="45700" rIns="91425" bIns="45700" anchor="ctr" anchorCtr="0">
             <a:spAutoFit/>
           </a:bodyPr>
           <a:lstStyle/>
@@ -2466,9 +2658,6 @@
               </a:spcBef>
               <a:buNone/>
             </a:pPr>
-            <a:r>
-              <a:t/>
-            </a:r>
             <a:endParaRPr/>
           </a:p>
         </p:txBody>
@@ -2476,22 +2665,24 @@
       <p:sp>
         <p:nvSpPr>
           <p:cNvPr id="25" name="Shape 25"/>
-          <p:cNvSpPr txBox="1"/>
+          <p:cNvSpPr txBox="1">
+            <a:spLocks noGrp="1"/>
+          </p:cNvSpPr>
           <p:nvPr>
             <p:ph type="title"/>
           </p:nvPr>
         </p:nvSpPr>
         <p:spPr>
           <a:xfrm>
-            <a:off y="205978" x="457200"/>
-            <a:ext cy="994200" cx="8229600"/>
+            <a:off x="457200" y="205978"/>
+            <a:ext cx="8229600" cy="994200"/>
           </a:xfrm>
           <a:prstGeom prst="rect">
             <a:avLst/>
           </a:prstGeom>
         </p:spPr>
         <p:txBody>
-          <a:bodyPr bIns="91425" rIns="91425" lIns="91425" tIns="91425" anchor="b" anchorCtr="0"/>
+          <a:bodyPr lIns="91425" tIns="91425" rIns="91425" bIns="91425" anchor="b" anchorCtr="0"/>
           <a:lstStyle>
             <a:lvl1pPr>
               <a:spcBef>
@@ -2548,28 +2739,32 @@
               <a:defRPr/>
             </a:lvl9pPr>
           </a:lstStyle>
-          <a:p/>
+          <a:p>
+            <a:endParaRPr/>
+          </a:p>
         </p:txBody>
       </p:sp>
       <p:sp>
         <p:nvSpPr>
           <p:cNvPr id="26" name="Shape 26"/>
-          <p:cNvSpPr txBox="1"/>
+          <p:cNvSpPr txBox="1">
+            <a:spLocks noGrp="1"/>
+          </p:cNvSpPr>
           <p:nvPr>
-            <p:ph idx="1" type="body"/>
+            <p:ph type="body" idx="1"/>
           </p:nvPr>
         </p:nvSpPr>
         <p:spPr>
           <a:xfrm>
-            <a:off y="1244242" x="457200"/>
-            <a:ext cy="3630300" cx="4038599"/>
+            <a:off x="457200" y="1244242"/>
+            <a:ext cx="4038599" cy="3630300"/>
           </a:xfrm>
           <a:prstGeom prst="rect">
             <a:avLst/>
           </a:prstGeom>
         </p:spPr>
         <p:txBody>
-          <a:bodyPr bIns="91425" rIns="91425" lIns="91425" tIns="91425" anchor="t" anchorCtr="0"/>
+          <a:bodyPr lIns="91425" tIns="91425" rIns="91425" bIns="91425" anchor="t" anchorCtr="0"/>
           <a:lstStyle>
             <a:lvl1pPr>
               <a:spcBef>
@@ -2626,28 +2821,32 @@
               <a:defRPr sz="1800"/>
             </a:lvl9pPr>
           </a:lstStyle>
-          <a:p/>
+          <a:p>
+            <a:endParaRPr/>
+          </a:p>
         </p:txBody>
       </p:sp>
       <p:sp>
         <p:nvSpPr>
           <p:cNvPr id="27" name="Shape 27"/>
-          <p:cNvSpPr txBox="1"/>
+          <p:cNvSpPr txBox="1">
+            <a:spLocks noGrp="1"/>
+          </p:cNvSpPr>
           <p:nvPr>
-            <p:ph idx="2" type="body"/>
+            <p:ph type="body" idx="2"/>
           </p:nvPr>
         </p:nvSpPr>
         <p:spPr>
           <a:xfrm>
-            <a:off y="1244242" x="4648200"/>
-            <a:ext cy="3630300" cx="4038599"/>
+            <a:off x="4648200" y="1244242"/>
+            <a:ext cx="4038599" cy="3630300"/>
           </a:xfrm>
           <a:prstGeom prst="rect">
             <a:avLst/>
           </a:prstGeom>
         </p:spPr>
         <p:txBody>
-          <a:bodyPr bIns="91425" rIns="91425" lIns="91425" tIns="91425" anchor="t" anchorCtr="0"/>
+          <a:bodyPr lIns="91425" tIns="91425" rIns="91425" bIns="91425" anchor="t" anchorCtr="0"/>
           <a:lstStyle>
             <a:lvl1pPr>
               <a:spcBef>
@@ -2704,7 +2903,9 @@
               <a:defRPr sz="1800"/>
             </a:lvl9pPr>
           </a:lstStyle>
-          <a:p/>
+          <a:p>
+            <a:endParaRPr/>
+          </a:p>
         </p:txBody>
       </p:sp>
     </p:spTree>
@@ -2716,20 +2917,20 @@
 </file>
 
 <file path=ppt/slideLayouts/slideLayout4.xml><?xml version="1.0" encoding="utf-8"?>
-<p:sldLayout xmlns:a="http://schemas.openxmlformats.org/drawingml/2006/main" xmlns:r="http://schemas.openxmlformats.org/officeDocument/2006/relationships" xmlns:mc="http://schemas.openxmlformats.org/markup-compatibility/2006" xmlns:mv="urn:schemas-microsoft-com:mac:vml" xmlns:p="http://schemas.openxmlformats.org/presentationml/2006/main" xmlns:c="http://schemas.openxmlformats.org/drawingml/2006/chart" xmlns:dgm="http://schemas.openxmlformats.org/drawingml/2006/diagram" xmlns:o="urn:schemas-microsoft-com:office:office" xmlns:v="urn:schemas-microsoft-com:vml" xmlns:pvml="urn:schemas-microsoft-com:office:powerpoint" xmlns:com="http://schemas.openxmlformats.org/drawingml/2006/compatibility" xmlns:p14="http://schemas.microsoft.com/office/powerpoint/2010/main" type="titleOnly">
+<p:sldLayout xmlns:a="http://schemas.openxmlformats.org/drawingml/2006/main" xmlns:r="http://schemas.openxmlformats.org/officeDocument/2006/relationships" xmlns:p="http://schemas.openxmlformats.org/presentationml/2006/main" type="titleOnly">
   <p:cSld name="Title Only">
     <p:spTree>
       <p:nvGrpSpPr>
-        <p:cNvPr id="28" name="Shape 28"/>
+        <p:cNvPr id="1" name="Shape 28"/>
         <p:cNvGrpSpPr/>
         <p:nvPr/>
       </p:nvGrpSpPr>
       <p:grpSpPr>
         <a:xfrm>
-          <a:off y="0" x="0"/>
-          <a:ext cy="0" cx="0"/>
-          <a:chOff y="0" x="0"/>
-          <a:chExt cy="0" cx="0"/>
+          <a:off x="0" y="0"/>
+          <a:ext cx="0" cy="0"/>
+          <a:chOff x="0" y="0"/>
+          <a:chExt cx="0" cy="0"/>
         </a:xfrm>
       </p:grpSpPr>
       <p:sp>
@@ -2740,30 +2941,35 @@
         </p:nvSpPr>
         <p:spPr>
           <a:xfrm rot="10800000" flipH="1">
-            <a:off y="-16424" x="-348182"/>
-            <a:ext cy="5159924" cx="1723519"/>
+            <a:off x="-348182" y="-16424"/>
+            <a:ext cx="1723519" cy="5159924"/>
           </a:xfrm>
           <a:custGeom>
+            <a:avLst/>
+            <a:gdLst/>
+            <a:ahLst/>
+            <a:cxnLst/>
+            <a:rect l="0" t="0" r="0" b="0"/>
             <a:pathLst>
-              <a:path w="4476675" extrusionOk="0" h="6879900">
+              <a:path w="4476675" h="6879900" extrusionOk="0">
                 <a:moveTo>
-                  <a:pt y="16025" x="4476676"/>
+                  <a:pt x="4476676" y="16025"/>
                 </a:moveTo>
                 <a:lnTo>
-                  <a:pt y="0" x="879695"/>
+                  <a:pt x="879695" y="0"/>
                 </a:lnTo>
                 <a:cubicBezTo>
-                  <a:pt y="2293300" x="886211"/>
-                  <a:pt y="4586600" x="892726"/>
-                  <a:pt y="6879900" x="899242"/>
+                  <a:pt x="886211" y="2293300"/>
+                  <a:pt x="892726" y="4586600"/>
+                  <a:pt x="899242" y="6879900"/>
                 </a:cubicBezTo>
                 <a:lnTo>
-                  <a:pt y="6861462" x="3909760"/>
+                  <a:pt x="3909760" y="6861462"/>
                 </a:lnTo>
                 <a:cubicBezTo>
-                  <a:pt y="3547544" x="0"/>
-                  <a:pt y="1824359" x="1695771"/>
-                  <a:pt y="16025" x="4476676"/>
+                  <a:pt x="0" y="3547544"/>
+                  <a:pt x="1695771" y="1824359"/>
+                  <a:pt x="4476676" y="16025"/>
                 </a:cubicBezTo>
                 <a:close/>
               </a:path>
@@ -2788,16 +2994,16 @@
               </a:gs>
             </a:gsLst>
             <a:path path="circle">
-              <a:fillToRect t="100%" r="100%"/>
+              <a:fillToRect t="100000" r="100000"/>
             </a:path>
-            <a:tileRect b="-100%" l="-100%"/>
+            <a:tileRect l="-100000" b="-100000"/>
           </a:gradFill>
           <a:ln>
             <a:noFill/>
           </a:ln>
         </p:spPr>
         <p:txBody>
-          <a:bodyPr bIns="45700" rIns="91425" lIns="91425" tIns="45700" anchor="ctr" anchorCtr="0">
+          <a:bodyPr lIns="91425" tIns="45700" rIns="91425" bIns="45700" anchor="ctr" anchorCtr="0">
             <a:spAutoFit/>
           </a:bodyPr>
           <a:lstStyle/>
@@ -2808,9 +3014,6 @@
               </a:spcBef>
               <a:buNone/>
             </a:pPr>
-            <a:r>
-              <a:t/>
-            </a:r>
             <a:endParaRPr/>
           </a:p>
         </p:txBody>
@@ -2823,30 +3026,35 @@
         </p:nvSpPr>
         <p:spPr>
           <a:xfrm rot="10800000" flipH="1">
-            <a:off y="774" x="-1118653"/>
-            <a:ext cy="5142725" cx="3100650"/>
+            <a:off x="-1118653" y="774"/>
+            <a:ext cx="3100650" cy="5142725"/>
           </a:xfrm>
           <a:custGeom>
+            <a:avLst/>
+            <a:gdLst/>
+            <a:ahLst/>
+            <a:cxnLst/>
+            <a:rect l="0" t="0" r="0" b="0"/>
             <a:pathLst>
-              <a:path w="8053639" extrusionOk="0" h="6879900">
+              <a:path w="8053639" h="6879900" extrusionOk="0">
                 <a:moveTo>
-                  <a:pt y="16025" x="4696126"/>
+                  <a:pt x="4696126" y="16025"/>
                 </a:moveTo>
                 <a:lnTo>
-                  <a:pt y="0" x="2920537"/>
+                  <a:pt x="2920537" y="0"/>
                 </a:lnTo>
                 <a:cubicBezTo>
-                  <a:pt y="2293300" x="2927053"/>
-                  <a:pt y="4586600" x="2933568"/>
-                  <a:pt y="6879900" x="2940084"/>
+                  <a:pt x="2927053" y="2293300"/>
+                  <a:pt x="2933568" y="4586600"/>
+                  <a:pt x="2940084" y="6879900"/>
                 </a:cubicBezTo>
                 <a:lnTo>
-                  <a:pt y="6861462" x="4085318"/>
+                  <a:pt x="4085318" y="6861462"/>
                 </a:lnTo>
                 <a:cubicBezTo>
-                  <a:pt y="4651267" x="8053639"/>
-                  <a:pt y="3113439" x="0"/>
-                  <a:pt y="16025" x="4696126"/>
+                  <a:pt x="8053639" y="4651267"/>
+                  <a:pt x="0" y="3113439"/>
+                  <a:pt x="4696126" y="16025"/>
                 </a:cubicBezTo>
                 <a:close/>
               </a:path>
@@ -2871,16 +3079,16 @@
               </a:gs>
             </a:gsLst>
             <a:path path="circle">
-              <a:fillToRect t="100%" r="100%"/>
+              <a:fillToRect t="100000" r="100000"/>
             </a:path>
-            <a:tileRect b="-100%" l="-100%"/>
+            <a:tileRect l="-100000" b="-100000"/>
           </a:gradFill>
           <a:ln>
             <a:noFill/>
           </a:ln>
         </p:spPr>
         <p:txBody>
-          <a:bodyPr bIns="45700" rIns="91425" lIns="91425" tIns="45700" anchor="ctr" anchorCtr="0">
+          <a:bodyPr lIns="91425" tIns="45700" rIns="91425" bIns="45700" anchor="ctr" anchorCtr="0">
             <a:spAutoFit/>
           </a:bodyPr>
           <a:lstStyle/>
@@ -2891,9 +3099,6 @@
               </a:spcBef>
               <a:buNone/>
             </a:pPr>
-            <a:r>
-              <a:t/>
-            </a:r>
             <a:endParaRPr/>
           </a:p>
         </p:txBody>
@@ -2906,28 +3111,33 @@
         </p:nvSpPr>
         <p:spPr>
           <a:xfrm rot="10800000">
-            <a:off y="-9550" x="8088846"/>
-            <a:ext cy="5153050" cx="1100667"/>
+            <a:off x="8088846" y="-9550"/>
+            <a:ext cx="1100667" cy="5153050"/>
           </a:xfrm>
           <a:custGeom>
+            <a:avLst/>
+            <a:gdLst/>
+            <a:ahLst/>
+            <a:cxnLst/>
+            <a:rect l="0" t="0" r="0" b="0"/>
             <a:pathLst>
-              <a:path w="1100668" extrusionOk="0" h="6916846">
+              <a:path w="1100668" h="6916846" extrusionOk="0">
                 <a:moveTo>
-                  <a:pt y="11711" x="0"/>
+                  <a:pt x="0" y="11711"/>
                 </a:moveTo>
                 <a:lnTo>
-                  <a:pt y="0" x="956734"/>
+                  <a:pt x="956734" y="0"/>
                 </a:lnTo>
                 <a:cubicBezTo>
-                  <a:pt y="3419922" x="33869"/>
-                  <a:pt y="4504457" x="220135"/>
-                  <a:pt y="6916846" x="1100668"/>
+                  <a:pt x="33869" y="3419922"/>
+                  <a:pt x="220135" y="4504457"/>
+                  <a:pt x="1100668" y="6916846"/>
                 </a:cubicBezTo>
                 <a:lnTo>
-                  <a:pt y="6916846" x="0"/>
+                  <a:pt x="0" y="6916846"/>
                 </a:lnTo>
                 <a:lnTo>
-                  <a:pt y="11711" x="0"/>
+                  <a:pt x="0" y="11711"/>
                 </a:lnTo>
                 <a:close/>
               </a:path>
@@ -2949,7 +3159,7 @@
           </a:ln>
         </p:spPr>
         <p:txBody>
-          <a:bodyPr bIns="45700" rIns="91425" lIns="91425" tIns="45700" anchor="ctr" anchorCtr="0">
+          <a:bodyPr lIns="91425" tIns="45700" rIns="91425" bIns="45700" anchor="ctr" anchorCtr="0">
             <a:spAutoFit/>
           </a:bodyPr>
           <a:lstStyle/>
@@ -2960,9 +3170,6 @@
               </a:spcBef>
               <a:buNone/>
             </a:pPr>
-            <a:r>
-              <a:t/>
-            </a:r>
             <a:endParaRPr/>
           </a:p>
         </p:txBody>
@@ -2970,22 +3177,24 @@
       <p:sp>
         <p:nvSpPr>
           <p:cNvPr id="32" name="Shape 32"/>
-          <p:cNvSpPr txBox="1"/>
+          <p:cNvSpPr txBox="1">
+            <a:spLocks noGrp="1"/>
+          </p:cNvSpPr>
           <p:nvPr>
             <p:ph type="title"/>
           </p:nvPr>
         </p:nvSpPr>
         <p:spPr>
           <a:xfrm>
-            <a:off y="205978" x="457200"/>
-            <a:ext cy="994200" cx="8229600"/>
+            <a:off x="457200" y="205978"/>
+            <a:ext cx="8229600" cy="994200"/>
           </a:xfrm>
           <a:prstGeom prst="rect">
             <a:avLst/>
           </a:prstGeom>
         </p:spPr>
         <p:txBody>
-          <a:bodyPr bIns="91425" rIns="91425" lIns="91425" tIns="91425" anchor="b" anchorCtr="0"/>
+          <a:bodyPr lIns="91425" tIns="91425" rIns="91425" bIns="91425" anchor="b" anchorCtr="0"/>
           <a:lstStyle>
             <a:lvl1pPr>
               <a:spcBef>
@@ -3042,7 +3251,9 @@
               <a:defRPr/>
             </a:lvl9pPr>
           </a:lstStyle>
-          <a:p/>
+          <a:p>
+            <a:endParaRPr/>
+          </a:p>
         </p:txBody>
       </p:sp>
     </p:spTree>
@@ -3054,20 +3265,20 @@
 </file>
 
 <file path=ppt/slideLayouts/slideLayout5.xml><?xml version="1.0" encoding="utf-8"?>
-<p:sldLayout xmlns:a="http://schemas.openxmlformats.org/drawingml/2006/main" xmlns:r="http://schemas.openxmlformats.org/officeDocument/2006/relationships" xmlns:mc="http://schemas.openxmlformats.org/markup-compatibility/2006" xmlns:mv="urn:schemas-microsoft-com:mac:vml" xmlns:p="http://schemas.openxmlformats.org/presentationml/2006/main" xmlns:c="http://schemas.openxmlformats.org/drawingml/2006/chart" xmlns:dgm="http://schemas.openxmlformats.org/drawingml/2006/diagram" xmlns:o="urn:schemas-microsoft-com:office:office" xmlns:v="urn:schemas-microsoft-com:vml" xmlns:pvml="urn:schemas-microsoft-com:office:powerpoint" xmlns:com="http://schemas.openxmlformats.org/drawingml/2006/compatibility" xmlns:p14="http://schemas.microsoft.com/office/powerpoint/2010/main">
+<p:sldLayout xmlns:a="http://schemas.openxmlformats.org/drawingml/2006/main" xmlns:r="http://schemas.openxmlformats.org/officeDocument/2006/relationships" xmlns:p="http://schemas.openxmlformats.org/presentationml/2006/main">
   <p:cSld name="Caption">
     <p:spTree>
       <p:nvGrpSpPr>
-        <p:cNvPr id="33" name="Shape 33"/>
+        <p:cNvPr id="1" name="Shape 33"/>
         <p:cNvGrpSpPr/>
         <p:nvPr/>
       </p:nvGrpSpPr>
       <p:grpSpPr>
         <a:xfrm>
-          <a:off y="0" x="0"/>
-          <a:ext cy="0" cx="0"/>
-          <a:chOff y="0" x="0"/>
-          <a:chExt cy="0" cx="0"/>
+          <a:off x="0" y="0"/>
+          <a:ext cx="0" cy="0"/>
+          <a:chOff x="0" y="0"/>
+          <a:chExt cx="0" cy="0"/>
         </a:xfrm>
       </p:grpSpPr>
       <p:grpSp>
@@ -3078,10 +3289,10 @@
         </p:nvGrpSpPr>
         <p:grpSpPr>
           <a:xfrm>
-            <a:off y="3700039" x="-6264"/>
-            <a:ext cy="2325488" cx="9150267"/>
-            <a:chOff y="4933386" x="-6264"/>
-            <a:chExt cy="3100650" cx="9150267"/>
+            <a:off x="-6264" y="3700039"/>
+            <a:ext cx="9150267" cy="2325488"/>
+            <a:chOff x="-6264" y="4933386"/>
+            <a:chExt cx="9150267" cy="3100650"/>
           </a:xfrm>
         </p:grpSpPr>
         <p:sp>
@@ -3092,32 +3303,37 @@
           </p:nvSpPr>
           <p:spPr>
             <a:xfrm>
-              <a:off y="5537200" x="-7"/>
-              <a:ext cy="1574769" cx="9144008"/>
+              <a:off x="-7" y="5537200"/>
+              <a:ext cx="9144008" cy="1574769"/>
             </a:xfrm>
             <a:custGeom>
+              <a:avLst/>
+              <a:gdLst/>
+              <a:ahLst/>
+              <a:cxnLst/>
+              <a:rect l="0" t="0" r="0" b="0"/>
               <a:pathLst>
-                <a:path w="9144009" extrusionOk="0" h="1257301">
+                <a:path w="9144009" h="1257301" extrusionOk="0">
                   <a:moveTo>
-                    <a:pt y="266700" x="5"/>
+                    <a:pt x="5" y="266700"/>
                   </a:moveTo>
                   <a:cubicBezTo>
-                    <a:pt y="1257301" x="8115305"/>
-                    <a:pt y="0" x="7620009"/>
-                    <a:pt y="186267" x="9144009"/>
+                    <a:pt x="8115305" y="1257301"/>
+                    <a:pt x="7620009" y="0"/>
+                    <a:pt x="9144009" y="186267"/>
                   </a:cubicBezTo>
                   <a:cubicBezTo>
-                    <a:pt y="441678" x="9144008"/>
-                    <a:pt y="818763" x="9143998"/>
-                    <a:pt y="1074174" x="9143997"/>
+                    <a:pt x="9144008" y="441678"/>
+                    <a:pt x="9143998" y="818763"/>
+                    <a:pt x="9143997" y="1074174"/>
                   </a:cubicBezTo>
                   <a:lnTo>
-                    <a:pt y="1086874" x="0"/>
+                    <a:pt x="0" y="1086874"/>
                   </a:lnTo>
                   <a:cubicBezTo>
-                    <a:pt y="854041" x="0"/>
-                    <a:pt y="499533" x="5"/>
-                    <a:pt y="266700" x="5"/>
+                    <a:pt x="0" y="854041"/>
+                    <a:pt x="5" y="499533"/>
+                    <a:pt x="5" y="266700"/>
                   </a:cubicBezTo>
                   <a:close/>
                 </a:path>
@@ -3135,7 +3351,7 @@
                 </a:gs>
               </a:gsLst>
               <a:path path="circle">
-                <a:fillToRect t="50%" b="50%" r="50%" l="50%"/>
+                <a:fillToRect l="50000" t="50000" r="50000" b="50000"/>
               </a:path>
               <a:tileRect/>
             </a:gradFill>
@@ -3144,7 +3360,7 @@
             </a:ln>
           </p:spPr>
           <p:txBody>
-            <a:bodyPr bIns="45700" rIns="91425" lIns="91425" tIns="45700" anchor="ctr" anchorCtr="0">
+            <a:bodyPr lIns="91425" tIns="45700" rIns="91425" bIns="45700" anchor="ctr" anchorCtr="0">
               <a:spAutoFit/>
             </a:bodyPr>
             <a:lstStyle/>
@@ -3155,9 +3371,6 @@
                 </a:spcBef>
                 <a:buNone/>
               </a:pPr>
-              <a:r>
-                <a:t/>
-              </a:r>
               <a:endParaRPr/>
             </a:p>
           </p:txBody>
@@ -3170,30 +3383,35 @@
           </p:nvSpPr>
           <p:spPr>
             <a:xfrm rot="5400000" flipH="1">
-              <a:off y="1908578" x="3018543"/>
-              <a:ext cy="9150266" cx="3100650"/>
+              <a:off x="3018543" y="1908578"/>
+              <a:ext cx="3100650" cy="9150266"/>
             </a:xfrm>
             <a:custGeom>
+              <a:avLst/>
+              <a:gdLst/>
+              <a:ahLst/>
+              <a:cxnLst/>
+              <a:rect l="0" t="0" r="0" b="0"/>
               <a:pathLst>
-                <a:path w="8053639" extrusionOk="0" h="6879900">
+                <a:path w="8053639" h="6879900" extrusionOk="0">
                   <a:moveTo>
-                    <a:pt y="16025" x="4696126"/>
+                    <a:pt x="4696126" y="16025"/>
                   </a:moveTo>
                   <a:lnTo>
-                    <a:pt y="0" x="2920537"/>
+                    <a:pt x="2920537" y="0"/>
                   </a:lnTo>
                   <a:cubicBezTo>
-                    <a:pt y="2293300" x="2927053"/>
-                    <a:pt y="4586600" x="2933568"/>
-                    <a:pt y="6879900" x="2940084"/>
+                    <a:pt x="2927053" y="2293300"/>
+                    <a:pt x="2933568" y="4586600"/>
+                    <a:pt x="2940084" y="6879900"/>
                   </a:cubicBezTo>
                   <a:lnTo>
-                    <a:pt y="6861462" x="4085318"/>
+                    <a:pt x="4085318" y="6861462"/>
                   </a:lnTo>
                   <a:cubicBezTo>
-                    <a:pt y="4651267" x="8053639"/>
-                    <a:pt y="3113439" x="0"/>
-                    <a:pt y="16025" x="4696126"/>
+                    <a:pt x="8053639" y="4651267"/>
+                    <a:pt x="0" y="3113439"/>
+                    <a:pt x="4696126" y="16025"/>
                   </a:cubicBezTo>
                   <a:close/>
                 </a:path>
@@ -3218,16 +3436,16 @@
                 </a:gs>
               </a:gsLst>
               <a:path path="circle">
-                <a:fillToRect t="100%" r="100%"/>
+                <a:fillToRect t="100000" r="100000"/>
               </a:path>
-              <a:tileRect b="-100%" l="-100%"/>
+              <a:tileRect l="-100000" b="-100000"/>
             </a:gradFill>
             <a:ln>
               <a:noFill/>
             </a:ln>
           </p:spPr>
           <p:txBody>
-            <a:bodyPr bIns="45700" rIns="91425" lIns="91425" tIns="45700" anchor="ctr" anchorCtr="0">
+            <a:bodyPr lIns="91425" tIns="45700" rIns="91425" bIns="45700" anchor="ctr" anchorCtr="0">
               <a:spAutoFit/>
             </a:bodyPr>
             <a:lstStyle/>
@@ -3238,9 +3456,6 @@
                 </a:spcBef>
                 <a:buNone/>
               </a:pPr>
-              <a:r>
-                <a:t/>
-              </a:r>
               <a:endParaRPr/>
             </a:p>
           </p:txBody>
@@ -3253,30 +3468,35 @@
           </p:nvSpPr>
           <p:spPr>
             <a:xfrm>
-              <a:off y="5740400" x="-7"/>
-              <a:ext cy="1574769" cx="9144010"/>
+              <a:off x="-7" y="5740400"/>
+              <a:ext cx="9144010" cy="1574769"/>
             </a:xfrm>
             <a:custGeom>
+              <a:avLst/>
+              <a:gdLst/>
+              <a:ahLst/>
+              <a:cxnLst/>
+              <a:rect l="0" t="0" r="0" b="0"/>
               <a:pathLst>
-                <a:path w="9144011" extrusionOk="0" h="1257301">
+                <a:path w="9144011" h="1257301" extrusionOk="0">
                   <a:moveTo>
-                    <a:pt y="266700" x="7"/>
+                    <a:pt x="7" y="266700"/>
                   </a:moveTo>
                   <a:cubicBezTo>
-                    <a:pt y="1257301" x="8115307"/>
-                    <a:pt y="0" x="7620011"/>
-                    <a:pt y="186267" x="9144011"/>
+                    <a:pt x="8115307" y="1257301"/>
+                    <a:pt x="7620011" y="0"/>
+                    <a:pt x="9144011" y="186267"/>
                   </a:cubicBezTo>
                   <a:lnTo>
-                    <a:pt y="921775" x="9144011"/>
+                    <a:pt x="9144011" y="921775"/>
                   </a:lnTo>
                   <a:lnTo>
-                    <a:pt y="931914" x="0"/>
+                    <a:pt x="0" y="931914"/>
                   </a:lnTo>
                   <a:cubicBezTo>
-                    <a:pt y="699081" x="0"/>
-                    <a:pt y="499533" x="7"/>
-                    <a:pt y="266700" x="7"/>
+                    <a:pt x="0" y="699081"/>
+                    <a:pt x="7" y="499533"/>
+                    <a:pt x="7" y="266700"/>
                   </a:cubicBezTo>
                   <a:close/>
                 </a:path>
@@ -3296,7 +3516,7 @@
                 </a:gs>
               </a:gsLst>
               <a:path path="circle">
-                <a:fillToRect t="50%" b="50%" r="50%" l="50%"/>
+                <a:fillToRect l="50000" t="50000" r="50000" b="50000"/>
               </a:path>
               <a:tileRect/>
             </a:gradFill>
@@ -3305,7 +3525,7 @@
             </a:ln>
           </p:spPr>
           <p:txBody>
-            <a:bodyPr bIns="45700" rIns="91425" lIns="91425" tIns="45700" anchor="ctr" anchorCtr="0">
+            <a:bodyPr lIns="91425" tIns="45700" rIns="91425" bIns="45700" anchor="ctr" anchorCtr="0">
               <a:spAutoFit/>
             </a:bodyPr>
             <a:lstStyle/>
@@ -3316,9 +3536,6 @@
                 </a:spcBef>
                 <a:buNone/>
               </a:pPr>
-              <a:r>
-                <a:t/>
-              </a:r>
               <a:endParaRPr/>
             </a:p>
           </p:txBody>
@@ -3327,22 +3544,24 @@
       <p:sp>
         <p:nvSpPr>
           <p:cNvPr id="38" name="Shape 38"/>
-          <p:cNvSpPr txBox="1"/>
+          <p:cNvSpPr txBox="1">
+            <a:spLocks noGrp="1"/>
+          </p:cNvSpPr>
           <p:nvPr>
-            <p:ph idx="1" type="body"/>
+            <p:ph type="body" idx="1"/>
           </p:nvPr>
         </p:nvSpPr>
         <p:spPr>
           <a:xfrm>
-            <a:off y="4025503" x="1792288"/>
-            <a:ext cy="603599" cx="5486399"/>
+            <a:off x="1792288" y="4025503"/>
+            <a:ext cx="5486399" cy="603599"/>
           </a:xfrm>
           <a:prstGeom prst="rect">
             <a:avLst/>
           </a:prstGeom>
         </p:spPr>
         <p:txBody>
-          <a:bodyPr bIns="91425" rIns="91425" lIns="91425" tIns="91425" anchor="ctr" anchorCtr="0"/>
+          <a:bodyPr lIns="91425" tIns="91425" rIns="91425" bIns="91425" anchor="ctr" anchorCtr="0"/>
           <a:lstStyle>
             <a:lvl1pPr algn="ctr">
               <a:spcBef>
@@ -3353,7 +3572,9 @@
               <a:defRPr sz="2400"/>
             </a:lvl1pPr>
           </a:lstStyle>
-          <a:p/>
+          <a:p>
+            <a:endParaRPr/>
+          </a:p>
         </p:txBody>
       </p:sp>
     </p:spTree>
@@ -3365,20 +3586,20 @@
 </file>
 
 <file path=ppt/slideLayouts/slideLayout6.xml><?xml version="1.0" encoding="utf-8"?>
-<p:sldLayout xmlns:a="http://schemas.openxmlformats.org/drawingml/2006/main" xmlns:r="http://schemas.openxmlformats.org/officeDocument/2006/relationships" xmlns:mc="http://schemas.openxmlformats.org/markup-compatibility/2006" xmlns:mv="urn:schemas-microsoft-com:mac:vml" xmlns:p="http://schemas.openxmlformats.org/presentationml/2006/main" xmlns:c="http://schemas.openxmlformats.org/drawingml/2006/chart" xmlns:dgm="http://schemas.openxmlformats.org/drawingml/2006/diagram" xmlns:o="urn:schemas-microsoft-com:office:office" xmlns:v="urn:schemas-microsoft-com:vml" xmlns:pvml="urn:schemas-microsoft-com:office:powerpoint" xmlns:com="http://schemas.openxmlformats.org/drawingml/2006/compatibility" xmlns:p14="http://schemas.microsoft.com/office/powerpoint/2010/main" type="blank">
+<p:sldLayout xmlns:a="http://schemas.openxmlformats.org/drawingml/2006/main" xmlns:r="http://schemas.openxmlformats.org/officeDocument/2006/relationships" xmlns:p="http://schemas.openxmlformats.org/presentationml/2006/main" type="blank">
   <p:cSld name="Blank">
     <p:spTree>
       <p:nvGrpSpPr>
-        <p:cNvPr id="39" name="Shape 39"/>
+        <p:cNvPr id="1" name="Shape 39"/>
         <p:cNvGrpSpPr/>
         <p:nvPr/>
       </p:nvGrpSpPr>
       <p:grpSpPr>
         <a:xfrm>
-          <a:off y="0" x="0"/>
-          <a:ext cy="0" cx="0"/>
-          <a:chOff y="0" x="0"/>
-          <a:chExt cy="0" cx="0"/>
+          <a:off x="0" y="0"/>
+          <a:ext cx="0" cy="0"/>
+          <a:chOff x="0" y="0"/>
+          <a:chExt cx="0" cy="0"/>
         </a:xfrm>
       </p:grpSpPr>
     </p:spTree>
@@ -3390,7 +3611,7 @@
 </file>
 
 <file path=ppt/slideMasters/slideMaster1.xml><?xml version="1.0" encoding="utf-8"?>
-<p:sldMaster xmlns:a="http://schemas.openxmlformats.org/drawingml/2006/main" xmlns:r="http://schemas.openxmlformats.org/officeDocument/2006/relationships" xmlns:mc="http://schemas.openxmlformats.org/markup-compatibility/2006" xmlns:mv="urn:schemas-microsoft-com:mac:vml" xmlns:p="http://schemas.openxmlformats.org/presentationml/2006/main" xmlns:c="http://schemas.openxmlformats.org/drawingml/2006/chart" xmlns:dgm="http://schemas.openxmlformats.org/drawingml/2006/diagram" xmlns:o="urn:schemas-microsoft-com:office:office" xmlns:v="urn:schemas-microsoft-com:vml" xmlns:pvml="urn:schemas-microsoft-com:office:powerpoint" xmlns:com="http://schemas.openxmlformats.org/drawingml/2006/compatibility" xmlns:p14="http://schemas.microsoft.com/office/powerpoint/2010/main">
+<p:sldMaster xmlns:a="http://schemas.openxmlformats.org/drawingml/2006/main" xmlns:r="http://schemas.openxmlformats.org/officeDocument/2006/relationships" xmlns:p="http://schemas.openxmlformats.org/presentationml/2006/main">
   <p:cSld>
     <p:bg>
       <p:bgPr>
@@ -3404,38 +3625,41 @@
             </a:gs>
           </a:gsLst>
           <a:path path="circle">
-            <a:fillToRect t="50%" b="50%" r="50%" l="50%"/>
+            <a:fillToRect l="50000" t="50000" r="50000" b="50000"/>
           </a:path>
           <a:tileRect/>
         </a:gradFill>
+        <a:effectLst/>
       </p:bgPr>
     </p:bg>
     <p:spTree>
       <p:nvGrpSpPr>
-        <p:cNvPr id="4" name="Shape 4"/>
+        <p:cNvPr id="1" name="Shape 4"/>
         <p:cNvGrpSpPr/>
         <p:nvPr/>
       </p:nvGrpSpPr>
       <p:grpSpPr>
         <a:xfrm>
-          <a:off y="0" x="0"/>
-          <a:ext cy="0" cx="0"/>
-          <a:chOff y="0" x="0"/>
-          <a:chExt cy="0" cx="0"/>
+          <a:off x="0" y="0"/>
+          <a:ext cx="0" cy="0"/>
+          <a:chOff x="0" y="0"/>
+          <a:chExt cx="0" cy="0"/>
         </a:xfrm>
       </p:grpSpPr>
       <p:sp>
         <p:nvSpPr>
           <p:cNvPr id="5" name="Shape 5"/>
-          <p:cNvSpPr txBox="1"/>
+          <p:cNvSpPr txBox="1">
+            <a:spLocks noGrp="1"/>
+          </p:cNvSpPr>
           <p:nvPr>
             <p:ph type="title"/>
           </p:nvPr>
         </p:nvSpPr>
         <p:spPr>
           <a:xfrm>
-            <a:off y="205978" x="457200"/>
-            <a:ext cy="994200" cx="8229600"/>
+            <a:off x="457200" y="205978"/>
+            <a:ext cx="8229600" cy="994200"/>
           </a:xfrm>
           <a:prstGeom prst="rect">
             <a:avLst/>
@@ -3446,7 +3670,7 @@
           </a:ln>
         </p:spPr>
         <p:txBody>
-          <a:bodyPr bIns="91425" rIns="91425" lIns="91425" tIns="91425" anchor="b" anchorCtr="0"/>
+          <a:bodyPr lIns="91425" tIns="91425" rIns="91425" bIns="91425" anchor="b" anchorCtr="0"/>
           <a:lstStyle>
             <a:lvl1pPr>
               <a:spcBef>
@@ -3458,7 +3682,7 @@
               <a:buSzPct val="100000"/>
               <a:buFont typeface="Trebuchet MS"/>
               <a:buNone/>
-              <a:defRPr b="1" sz="4000">
+              <a:defRPr sz="4000" b="1">
                 <a:solidFill>
                   <a:srgbClr val="00387E"/>
                 </a:solidFill>
@@ -3478,7 +3702,7 @@
               <a:buSzPct val="100000"/>
               <a:buFont typeface="Trebuchet MS"/>
               <a:buNone/>
-              <a:defRPr b="1" sz="4000">
+              <a:defRPr sz="4000" b="1">
                 <a:solidFill>
                   <a:srgbClr val="00387E"/>
                 </a:solidFill>
@@ -3498,7 +3722,7 @@
               <a:buSzPct val="100000"/>
               <a:buFont typeface="Trebuchet MS"/>
               <a:buNone/>
-              <a:defRPr b="1" sz="4000">
+              <a:defRPr sz="4000" b="1">
                 <a:solidFill>
                   <a:srgbClr val="00387E"/>
                 </a:solidFill>
@@ -3518,7 +3742,7 @@
               <a:buSzPct val="100000"/>
               <a:buFont typeface="Trebuchet MS"/>
               <a:buNone/>
-              <a:defRPr b="1" sz="4000">
+              <a:defRPr sz="4000" b="1">
                 <a:solidFill>
                   <a:srgbClr val="00387E"/>
                 </a:solidFill>
@@ -3538,7 +3762,7 @@
               <a:buSzPct val="100000"/>
               <a:buFont typeface="Trebuchet MS"/>
               <a:buNone/>
-              <a:defRPr b="1" sz="4000">
+              <a:defRPr sz="4000" b="1">
                 <a:solidFill>
                   <a:srgbClr val="00387E"/>
                 </a:solidFill>
@@ -3558,7 +3782,7 @@
               <a:buSzPct val="100000"/>
               <a:buFont typeface="Trebuchet MS"/>
               <a:buNone/>
-              <a:defRPr b="1" sz="4000">
+              <a:defRPr sz="4000" b="1">
                 <a:solidFill>
                   <a:srgbClr val="00387E"/>
                 </a:solidFill>
@@ -3578,7 +3802,7 @@
               <a:buSzPct val="100000"/>
               <a:buFont typeface="Trebuchet MS"/>
               <a:buNone/>
-              <a:defRPr b="1" sz="4000">
+              <a:defRPr sz="4000" b="1">
                 <a:solidFill>
                   <a:srgbClr val="00387E"/>
                 </a:solidFill>
@@ -3598,7 +3822,7 @@
               <a:buSzPct val="100000"/>
               <a:buFont typeface="Trebuchet MS"/>
               <a:buNone/>
-              <a:defRPr b="1" sz="4000">
+              <a:defRPr sz="4000" b="1">
                 <a:solidFill>
                   <a:srgbClr val="00387E"/>
                 </a:solidFill>
@@ -3618,7 +3842,7 @@
               <a:buSzPct val="100000"/>
               <a:buFont typeface="Trebuchet MS"/>
               <a:buNone/>
-              <a:defRPr b="1" sz="4000">
+              <a:defRPr sz="4000" b="1">
                 <a:solidFill>
                   <a:srgbClr val="00387E"/>
                 </a:solidFill>
@@ -3629,21 +3853,25 @@
               </a:defRPr>
             </a:lvl9pPr>
           </a:lstStyle>
-          <a:p/>
+          <a:p>
+            <a:endParaRPr/>
+          </a:p>
         </p:txBody>
       </p:sp>
       <p:sp>
         <p:nvSpPr>
           <p:cNvPr id="6" name="Shape 6"/>
-          <p:cNvSpPr txBox="1"/>
+          <p:cNvSpPr txBox="1">
+            <a:spLocks noGrp="1"/>
+          </p:cNvSpPr>
           <p:nvPr>
-            <p:ph idx="1" type="body"/>
+            <p:ph type="body" idx="1"/>
           </p:nvPr>
         </p:nvSpPr>
         <p:spPr>
           <a:xfrm>
-            <a:off y="1295400" x="457200"/>
-            <a:ext cy="3394500" cx="8229600"/>
+            <a:off x="457200" y="1295400"/>
+            <a:ext cx="8229600" cy="3394500"/>
           </a:xfrm>
           <a:prstGeom prst="rect">
             <a:avLst/>
@@ -3654,7 +3882,7 @@
           </a:ln>
         </p:spPr>
         <p:txBody>
-          <a:bodyPr bIns="91425" rIns="91425" lIns="91425" tIns="91425" anchor="t" anchorCtr="0"/>
+          <a:bodyPr lIns="91425" tIns="91425" rIns="91425" bIns="91425" anchor="t" anchorCtr="0"/>
           <a:lstStyle>
             <a:lvl1pPr>
               <a:spcBef>
@@ -3828,12 +4056,14 @@
               </a:defRPr>
             </a:lvl9pPr>
           </a:lstStyle>
-          <a:p/>
+          <a:p>
+            <a:endParaRPr/>
+          </a:p>
         </p:txBody>
       </p:sp>
     </p:spTree>
   </p:cSld>
-  <p:clrMap accent2="accent2" accent3="accent3" accent4="accent4" accent5="accent5" accent6="accent6" hlink="hlink" tx2="lt2" tx1="dk1" bg2="dk2" bg1="lt1" folHlink="folHlink" accent1="accent1"/>
+  <p:clrMap bg1="lt1" tx1="dk1" bg2="dk2" tx2="lt2" accent1="accent1" accent2="accent2" accent3="accent3" accent4="accent4" accent5="accent5" accent6="accent6" hlink="hlink" folHlink="folHlink"/>
   <p:sldLayoutIdLst>
     <p:sldLayoutId id="2147483648" r:id="rId1"/>
     <p:sldLayoutId id="2147483649" r:id="rId2"/>
@@ -3844,7 +4074,7 @@
   </p:sldLayoutIdLst>
   <p:txStyles>
     <p:titleStyle>
-      <a:defPPr algn="l" rtl="0" marR="0">
+      <a:defPPr marR="0" algn="l" rtl="0">
         <a:lnSpc>
           <a:spcPct val="100000"/>
         </a:lnSpc>
@@ -3855,7 +4085,7 @@
           <a:spcPts val="0"/>
         </a:spcAft>
       </a:defPPr>
-      <a:lvl1pPr algn="l" rtl="0" marR="0">
+      <a:lvl1pPr marR="0" algn="l" rtl="0">
         <a:lnSpc>
           <a:spcPct val="100000"/>
         </a:lnSpc>
@@ -3866,7 +4096,7 @@
           <a:spcPts val="0"/>
         </a:spcAft>
         <a:buNone/>
-        <a:defRPr strike="noStrike" u="none" b="0" cap="none" baseline="0" sz="1400" i="0">
+        <a:defRPr sz="1400" b="0" i="0" u="none" strike="noStrike" cap="none" baseline="0">
           <a:solidFill>
             <a:srgbClr val="000000"/>
           </a:solidFill>
@@ -3877,7 +4107,7 @@
           <a:rtl val="0"/>
         </a:defRPr>
       </a:lvl1pPr>
-      <a:lvl2pPr algn="l" rtl="0" marR="0">
+      <a:lvl2pPr marR="0" algn="l" rtl="0">
         <a:lnSpc>
           <a:spcPct val="100000"/>
         </a:lnSpc>
@@ -3888,7 +4118,7 @@
           <a:spcPts val="0"/>
         </a:spcAft>
         <a:buNone/>
-        <a:defRPr strike="noStrike" u="none" b="0" cap="none" baseline="0" sz="1400" i="0">
+        <a:defRPr sz="1400" b="0" i="0" u="none" strike="noStrike" cap="none" baseline="0">
           <a:solidFill>
             <a:srgbClr val="000000"/>
           </a:solidFill>
@@ -3901,7 +4131,7 @@
       </a:lvl2pPr>
     </p:titleStyle>
     <p:bodyStyle>
-      <a:defPPr algn="l" rtl="0" marR="0">
+      <a:defPPr marR="0" algn="l" rtl="0">
         <a:lnSpc>
           <a:spcPct val="100000"/>
         </a:lnSpc>
@@ -3912,7 +4142,7 @@
           <a:spcPts val="0"/>
         </a:spcAft>
       </a:defPPr>
-      <a:lvl1pPr algn="l" rtl="0" marR="0">
+      <a:lvl1pPr marR="0" algn="l" rtl="0">
         <a:lnSpc>
           <a:spcPct val="100000"/>
         </a:lnSpc>
@@ -3923,7 +4153,7 @@
           <a:spcPts val="0"/>
         </a:spcAft>
         <a:buNone/>
-        <a:defRPr strike="noStrike" u="none" b="0" cap="none" baseline="0" sz="1400" i="0">
+        <a:defRPr sz="1400" b="0" i="0" u="none" strike="noStrike" cap="none" baseline="0">
           <a:solidFill>
             <a:srgbClr val="000000"/>
           </a:solidFill>
@@ -3934,7 +4164,7 @@
           <a:rtl val="0"/>
         </a:defRPr>
       </a:lvl1pPr>
-      <a:lvl2pPr algn="l" rtl="0" marR="0">
+      <a:lvl2pPr marR="0" algn="l" rtl="0">
         <a:lnSpc>
           <a:spcPct val="100000"/>
         </a:lnSpc>
@@ -3945,7 +4175,7 @@
           <a:spcPts val="0"/>
         </a:spcAft>
         <a:buNone/>
-        <a:defRPr strike="noStrike" u="none" b="0" cap="none" baseline="0" sz="1400" i="0">
+        <a:defRPr sz="1400" b="0" i="0" u="none" strike="noStrike" cap="none" baseline="0">
           <a:solidFill>
             <a:srgbClr val="000000"/>
           </a:solidFill>
@@ -3956,7 +4186,7 @@
           <a:rtl val="0"/>
         </a:defRPr>
       </a:lvl2pPr>
-      <a:lvl3pPr algn="l" rtl="0" marR="0">
+      <a:lvl3pPr marR="0" algn="l" rtl="0">
         <a:lnSpc>
           <a:spcPct val="100000"/>
         </a:lnSpc>
@@ -3967,7 +4197,7 @@
           <a:spcPts val="0"/>
         </a:spcAft>
         <a:buNone/>
-        <a:defRPr strike="noStrike" u="none" b="0" cap="none" baseline="0" sz="1400" i="0">
+        <a:defRPr sz="1400" b="0" i="0" u="none" strike="noStrike" cap="none" baseline="0">
           <a:solidFill>
             <a:srgbClr val="000000"/>
           </a:solidFill>
@@ -3978,7 +4208,7 @@
           <a:rtl val="0"/>
         </a:defRPr>
       </a:lvl3pPr>
-      <a:lvl4pPr algn="l" rtl="0" marR="0">
+      <a:lvl4pPr marR="0" algn="l" rtl="0">
         <a:lnSpc>
           <a:spcPct val="100000"/>
         </a:lnSpc>
@@ -3989,7 +4219,7 @@
           <a:spcPts val="0"/>
         </a:spcAft>
         <a:buNone/>
-        <a:defRPr strike="noStrike" u="none" b="0" cap="none" baseline="0" sz="1400" i="0">
+        <a:defRPr sz="1400" b="0" i="0" u="none" strike="noStrike" cap="none" baseline="0">
           <a:solidFill>
             <a:srgbClr val="000000"/>
           </a:solidFill>
@@ -4000,7 +4230,7 @@
           <a:rtl val="0"/>
         </a:defRPr>
       </a:lvl4pPr>
-      <a:lvl5pPr algn="l" rtl="0" marR="0">
+      <a:lvl5pPr marR="0" algn="l" rtl="0">
         <a:lnSpc>
           <a:spcPct val="100000"/>
         </a:lnSpc>
@@ -4011,7 +4241,7 @@
           <a:spcPts val="0"/>
         </a:spcAft>
         <a:buNone/>
-        <a:defRPr strike="noStrike" u="none" b="0" cap="none" baseline="0" sz="1400" i="0">
+        <a:defRPr sz="1400" b="0" i="0" u="none" strike="noStrike" cap="none" baseline="0">
           <a:solidFill>
             <a:srgbClr val="000000"/>
           </a:solidFill>
@@ -4022,7 +4252,7 @@
           <a:rtl val="0"/>
         </a:defRPr>
       </a:lvl5pPr>
-      <a:lvl6pPr algn="l" rtl="0" marR="0">
+      <a:lvl6pPr marR="0" algn="l" rtl="0">
         <a:lnSpc>
           <a:spcPct val="100000"/>
         </a:lnSpc>
@@ -4033,7 +4263,7 @@
           <a:spcPts val="0"/>
         </a:spcAft>
         <a:buNone/>
-        <a:defRPr strike="noStrike" u="none" b="0" cap="none" baseline="0" sz="1400" i="0">
+        <a:defRPr sz="1400" b="0" i="0" u="none" strike="noStrike" cap="none" baseline="0">
           <a:solidFill>
             <a:srgbClr val="000000"/>
           </a:solidFill>
@@ -4044,7 +4274,7 @@
           <a:rtl val="0"/>
         </a:defRPr>
       </a:lvl6pPr>
-      <a:lvl7pPr algn="l" rtl="0" marR="0">
+      <a:lvl7pPr marR="0" algn="l" rtl="0">
         <a:lnSpc>
           <a:spcPct val="100000"/>
         </a:lnSpc>
@@ -4055,7 +4285,7 @@
           <a:spcPts val="0"/>
         </a:spcAft>
         <a:buNone/>
-        <a:defRPr strike="noStrike" u="none" b="0" cap="none" baseline="0" sz="1400" i="0">
+        <a:defRPr sz="1400" b="0" i="0" u="none" strike="noStrike" cap="none" baseline="0">
           <a:solidFill>
             <a:srgbClr val="000000"/>
           </a:solidFill>
@@ -4066,7 +4296,7 @@
           <a:rtl val="0"/>
         </a:defRPr>
       </a:lvl7pPr>
-      <a:lvl8pPr algn="l" rtl="0" marR="0">
+      <a:lvl8pPr marR="0" algn="l" rtl="0">
         <a:lnSpc>
           <a:spcPct val="100000"/>
         </a:lnSpc>
@@ -4077,7 +4307,7 @@
           <a:spcPts val="0"/>
         </a:spcAft>
         <a:buNone/>
-        <a:defRPr strike="noStrike" u="none" b="0" cap="none" baseline="0" sz="1400" i="0">
+        <a:defRPr sz="1400" b="0" i="0" u="none" strike="noStrike" cap="none" baseline="0">
           <a:solidFill>
             <a:srgbClr val="000000"/>
           </a:solidFill>
@@ -4088,7 +4318,7 @@
           <a:rtl val="0"/>
         </a:defRPr>
       </a:lvl8pPr>
-      <a:lvl9pPr algn="l" rtl="0" marR="0">
+      <a:lvl9pPr marR="0" algn="l" rtl="0">
         <a:lnSpc>
           <a:spcPct val="100000"/>
         </a:lnSpc>
@@ -4099,7 +4329,7 @@
           <a:spcPts val="0"/>
         </a:spcAft>
         <a:buNone/>
-        <a:defRPr strike="noStrike" u="none" b="0" cap="none" baseline="0" sz="1400" i="0">
+        <a:defRPr sz="1400" b="0" i="0" u="none" strike="noStrike" cap="none" baseline="0">
           <a:solidFill>
             <a:srgbClr val="000000"/>
           </a:solidFill>
@@ -4112,7 +4342,7 @@
       </a:lvl9pPr>
     </p:bodyStyle>
     <p:otherStyle>
-      <a:defPPr algn="l" rtl="0" marR="0">
+      <a:defPPr marR="0" algn="l" rtl="0">
         <a:lnSpc>
           <a:spcPct val="100000"/>
         </a:lnSpc>
@@ -4123,7 +4353,7 @@
           <a:spcPts val="0"/>
         </a:spcAft>
       </a:defPPr>
-      <a:lvl1pPr algn="l" rtl="0" marR="0">
+      <a:lvl1pPr marR="0" algn="l" rtl="0">
         <a:lnSpc>
           <a:spcPct val="100000"/>
         </a:lnSpc>
@@ -4134,7 +4364,7 @@
           <a:spcPts val="0"/>
         </a:spcAft>
         <a:buNone/>
-        <a:defRPr strike="noStrike" u="none" b="0" cap="none" baseline="0" sz="1400" i="0">
+        <a:defRPr sz="1400" b="0" i="0" u="none" strike="noStrike" cap="none" baseline="0">
           <a:solidFill>
             <a:srgbClr val="000000"/>
           </a:solidFill>
@@ -4145,7 +4375,7 @@
           <a:rtl val="0"/>
         </a:defRPr>
       </a:lvl1pPr>
-      <a:lvl2pPr algn="l" rtl="0" marR="0">
+      <a:lvl2pPr marR="0" algn="l" rtl="0">
         <a:lnSpc>
           <a:spcPct val="100000"/>
         </a:lnSpc>
@@ -4156,7 +4386,7 @@
           <a:spcPts val="0"/>
         </a:spcAft>
         <a:buNone/>
-        <a:defRPr strike="noStrike" u="none" b="0" cap="none" baseline="0" sz="1400" i="0">
+        <a:defRPr sz="1400" b="0" i="0" u="none" strike="noStrike" cap="none" baseline="0">
           <a:solidFill>
             <a:srgbClr val="000000"/>
           </a:solidFill>
@@ -4167,7 +4397,7 @@
           <a:rtl val="0"/>
         </a:defRPr>
       </a:lvl2pPr>
-      <a:lvl3pPr algn="l" rtl="0" marR="0">
+      <a:lvl3pPr marR="0" algn="l" rtl="0">
         <a:lnSpc>
           <a:spcPct val="100000"/>
         </a:lnSpc>
@@ -4178,7 +4408,7 @@
           <a:spcPts val="0"/>
         </a:spcAft>
         <a:buNone/>
-        <a:defRPr strike="noStrike" u="none" b="0" cap="none" baseline="0" sz="1400" i="0">
+        <a:defRPr sz="1400" b="0" i="0" u="none" strike="noStrike" cap="none" baseline="0">
           <a:solidFill>
             <a:srgbClr val="000000"/>
           </a:solidFill>
@@ -4189,7 +4419,7 @@
           <a:rtl val="0"/>
         </a:defRPr>
       </a:lvl3pPr>
-      <a:lvl4pPr algn="l" rtl="0" marR="0">
+      <a:lvl4pPr marR="0" algn="l" rtl="0">
         <a:lnSpc>
           <a:spcPct val="100000"/>
         </a:lnSpc>
@@ -4200,7 +4430,7 @@
           <a:spcPts val="0"/>
         </a:spcAft>
         <a:buNone/>
-        <a:defRPr strike="noStrike" u="none" b="0" cap="none" baseline="0" sz="1400" i="0">
+        <a:defRPr sz="1400" b="0" i="0" u="none" strike="noStrike" cap="none" baseline="0">
           <a:solidFill>
             <a:srgbClr val="000000"/>
           </a:solidFill>
@@ -4211,7 +4441,7 @@
           <a:rtl val="0"/>
         </a:defRPr>
       </a:lvl4pPr>
-      <a:lvl5pPr algn="l" rtl="0" marR="0">
+      <a:lvl5pPr marR="0" algn="l" rtl="0">
         <a:lnSpc>
           <a:spcPct val="100000"/>
         </a:lnSpc>
@@ -4222,7 +4452,7 @@
           <a:spcPts val="0"/>
         </a:spcAft>
         <a:buNone/>
-        <a:defRPr strike="noStrike" u="none" b="0" cap="none" baseline="0" sz="1400" i="0">
+        <a:defRPr sz="1400" b="0" i="0" u="none" strike="noStrike" cap="none" baseline="0">
           <a:solidFill>
             <a:srgbClr val="000000"/>
           </a:solidFill>
@@ -4233,7 +4463,7 @@
           <a:rtl val="0"/>
         </a:defRPr>
       </a:lvl5pPr>
-      <a:lvl6pPr algn="l" rtl="0" marR="0">
+      <a:lvl6pPr marR="0" algn="l" rtl="0">
         <a:lnSpc>
           <a:spcPct val="100000"/>
         </a:lnSpc>
@@ -4244,7 +4474,7 @@
           <a:spcPts val="0"/>
         </a:spcAft>
         <a:buNone/>
-        <a:defRPr strike="noStrike" u="none" b="0" cap="none" baseline="0" sz="1400" i="0">
+        <a:defRPr sz="1400" b="0" i="0" u="none" strike="noStrike" cap="none" baseline="0">
           <a:solidFill>
             <a:srgbClr val="000000"/>
           </a:solidFill>
@@ -4255,7 +4485,7 @@
           <a:rtl val="0"/>
         </a:defRPr>
       </a:lvl6pPr>
-      <a:lvl7pPr algn="l" rtl="0" marR="0">
+      <a:lvl7pPr marR="0" algn="l" rtl="0">
         <a:lnSpc>
           <a:spcPct val="100000"/>
         </a:lnSpc>
@@ -4266,7 +4496,7 @@
           <a:spcPts val="0"/>
         </a:spcAft>
         <a:buNone/>
-        <a:defRPr strike="noStrike" u="none" b="0" cap="none" baseline="0" sz="1400" i="0">
+        <a:defRPr sz="1400" b="0" i="0" u="none" strike="noStrike" cap="none" baseline="0">
           <a:solidFill>
             <a:srgbClr val="000000"/>
           </a:solidFill>
@@ -4277,7 +4507,7 @@
           <a:rtl val="0"/>
         </a:defRPr>
       </a:lvl7pPr>
-      <a:lvl8pPr algn="l" rtl="0" marR="0">
+      <a:lvl8pPr marR="0" algn="l" rtl="0">
         <a:lnSpc>
           <a:spcPct val="100000"/>
         </a:lnSpc>
@@ -4288,7 +4518,7 @@
           <a:spcPts val="0"/>
         </a:spcAft>
         <a:buNone/>
-        <a:defRPr strike="noStrike" u="none" b="0" cap="none" baseline="0" sz="1400" i="0">
+        <a:defRPr sz="1400" b="0" i="0" u="none" strike="noStrike" cap="none" baseline="0">
           <a:solidFill>
             <a:srgbClr val="000000"/>
           </a:solidFill>
@@ -4299,7 +4529,7 @@
           <a:rtl val="0"/>
         </a:defRPr>
       </a:lvl8pPr>
-      <a:lvl9pPr algn="l" rtl="0" marR="0">
+      <a:lvl9pPr marR="0" algn="l" rtl="0">
         <a:lnSpc>
           <a:spcPct val="100000"/>
         </a:lnSpc>
@@ -4310,7 +4540,7 @@
           <a:spcPts val="0"/>
         </a:spcAft>
         <a:buNone/>
-        <a:defRPr strike="noStrike" u="none" b="0" cap="none" baseline="0" sz="1400" i="0">
+        <a:defRPr sz="1400" b="0" i="0" u="none" strike="noStrike" cap="none" baseline="0">
           <a:solidFill>
             <a:srgbClr val="000000"/>
           </a:solidFill>
@@ -4327,41 +4557,43 @@
 </file>
 
 <file path=ppt/slides/slide1.xml><?xml version="1.0" encoding="utf-8"?>
-<p:sld xmlns:a="http://schemas.openxmlformats.org/drawingml/2006/main" xmlns:r="http://schemas.openxmlformats.org/officeDocument/2006/relationships" xmlns:mc="http://schemas.openxmlformats.org/markup-compatibility/2006" xmlns:mv="urn:schemas-microsoft-com:mac:vml" xmlns:p="http://schemas.openxmlformats.org/presentationml/2006/main" xmlns:c="http://schemas.openxmlformats.org/drawingml/2006/chart" xmlns:dgm="http://schemas.openxmlformats.org/drawingml/2006/diagram" xmlns:o="urn:schemas-microsoft-com:office:office" xmlns:v="urn:schemas-microsoft-com:vml" xmlns:pvml="urn:schemas-microsoft-com:office:powerpoint" xmlns:com="http://schemas.openxmlformats.org/drawingml/2006/compatibility" xmlns:p14="http://schemas.microsoft.com/office/powerpoint/2010/main">
+<p:sld xmlns:a="http://schemas.openxmlformats.org/drawingml/2006/main" xmlns:r="http://schemas.openxmlformats.org/officeDocument/2006/relationships" xmlns:p="http://schemas.openxmlformats.org/presentationml/2006/main">
   <p:cSld>
     <p:spTree>
       <p:nvGrpSpPr>
-        <p:cNvPr id="40" name="Shape 40"/>
+        <p:cNvPr id="1" name="Shape 40"/>
         <p:cNvGrpSpPr/>
         <p:nvPr/>
       </p:nvGrpSpPr>
       <p:grpSpPr>
         <a:xfrm>
-          <a:off y="0" x="0"/>
-          <a:ext cy="0" cx="0"/>
-          <a:chOff y="0" x="0"/>
-          <a:chExt cy="0" cx="0"/>
+          <a:off x="0" y="0"/>
+          <a:ext cx="0" cy="0"/>
+          <a:chOff x="0" y="0"/>
+          <a:chExt cx="0" cy="0"/>
         </a:xfrm>
       </p:grpSpPr>
       <p:sp>
         <p:nvSpPr>
           <p:cNvPr id="41" name="Shape 41"/>
-          <p:cNvSpPr txBox="1"/>
+          <p:cNvSpPr txBox="1">
+            <a:spLocks noGrp="1"/>
+          </p:cNvSpPr>
           <p:nvPr>
             <p:ph type="ctrTitle"/>
           </p:nvPr>
         </p:nvSpPr>
         <p:spPr>
           <a:xfrm>
-            <a:off y="1242050" x="720324"/>
-            <a:ext cy="1102500" cx="8036099"/>
+            <a:off x="720324" y="1242050"/>
+            <a:ext cx="8036099" cy="1102500"/>
           </a:xfrm>
           <a:prstGeom prst="rect">
             <a:avLst/>
           </a:prstGeom>
         </p:spPr>
         <p:txBody>
-          <a:bodyPr bIns="91425" rIns="91425" lIns="91425" tIns="91425" anchor="b" anchorCtr="0">
+          <a:bodyPr lIns="91425" tIns="91425" rIns="91425" bIns="91425" anchor="b" anchorCtr="0">
             <a:spAutoFit/>
           </a:bodyPr>
           <a:lstStyle/>
@@ -4382,22 +4614,24 @@
       <p:sp>
         <p:nvSpPr>
           <p:cNvPr id="42" name="Shape 42"/>
-          <p:cNvSpPr txBox="1"/>
+          <p:cNvSpPr txBox="1">
+            <a:spLocks noGrp="1"/>
+          </p:cNvSpPr>
           <p:nvPr>
-            <p:ph idx="1" type="subTitle"/>
+            <p:ph type="subTitle" idx="1"/>
           </p:nvPr>
         </p:nvSpPr>
         <p:spPr>
           <a:xfrm>
-            <a:off y="2850834" x="1363415"/>
-            <a:ext cy="694199" cx="7035899"/>
+            <a:off x="1363415" y="2850834"/>
+            <a:ext cx="7035899" cy="694199"/>
           </a:xfrm>
           <a:prstGeom prst="rect">
             <a:avLst/>
           </a:prstGeom>
         </p:spPr>
         <p:txBody>
-          <a:bodyPr bIns="91425" rIns="91425" lIns="91425" tIns="91425" anchor="t" anchorCtr="0">
+          <a:bodyPr lIns="91425" tIns="91425" rIns="91425" bIns="91425" anchor="t" anchorCtr="0">
             <a:spAutoFit/>
           </a:bodyPr>
           <a:lstStyle/>
@@ -4427,41 +4661,43 @@
 </file>
 
 <file path=ppt/slides/slide2.xml><?xml version="1.0" encoding="utf-8"?>
-<p:sld xmlns:a="http://schemas.openxmlformats.org/drawingml/2006/main" xmlns:r="http://schemas.openxmlformats.org/officeDocument/2006/relationships" xmlns:mc="http://schemas.openxmlformats.org/markup-compatibility/2006" xmlns:mv="urn:schemas-microsoft-com:mac:vml" xmlns:p="http://schemas.openxmlformats.org/presentationml/2006/main" xmlns:c="http://schemas.openxmlformats.org/drawingml/2006/chart" xmlns:dgm="http://schemas.openxmlformats.org/drawingml/2006/diagram" xmlns:o="urn:schemas-microsoft-com:office:office" xmlns:v="urn:schemas-microsoft-com:vml" xmlns:pvml="urn:schemas-microsoft-com:office:powerpoint" xmlns:com="http://schemas.openxmlformats.org/drawingml/2006/compatibility" xmlns:p14="http://schemas.microsoft.com/office/powerpoint/2010/main">
+<p:sld xmlns:a="http://schemas.openxmlformats.org/drawingml/2006/main" xmlns:r="http://schemas.openxmlformats.org/officeDocument/2006/relationships" xmlns:p="http://schemas.openxmlformats.org/presentationml/2006/main">
   <p:cSld>
     <p:spTree>
       <p:nvGrpSpPr>
-        <p:cNvPr id="46" name="Shape 46"/>
+        <p:cNvPr id="1" name="Shape 46"/>
         <p:cNvGrpSpPr/>
         <p:nvPr/>
       </p:nvGrpSpPr>
       <p:grpSpPr>
         <a:xfrm>
-          <a:off y="0" x="0"/>
-          <a:ext cy="0" cx="0"/>
-          <a:chOff y="0" x="0"/>
-          <a:chExt cy="0" cx="0"/>
+          <a:off x="0" y="0"/>
+          <a:ext cx="0" cy="0"/>
+          <a:chOff x="0" y="0"/>
+          <a:chExt cx="0" cy="0"/>
         </a:xfrm>
       </p:grpSpPr>
       <p:sp>
         <p:nvSpPr>
           <p:cNvPr id="47" name="Shape 47"/>
-          <p:cNvSpPr txBox="1"/>
+          <p:cNvSpPr txBox="1">
+            <a:spLocks noGrp="1"/>
+          </p:cNvSpPr>
           <p:nvPr>
-            <p:ph idx="1" type="body"/>
+            <p:ph type="body" idx="1"/>
           </p:nvPr>
         </p:nvSpPr>
         <p:spPr>
           <a:xfrm>
-            <a:off y="1485650" x="945300"/>
-            <a:ext cy="3388800" cx="7741499"/>
+            <a:off x="945300" y="1485650"/>
+            <a:ext cx="7741499" cy="3388800"/>
           </a:xfrm>
           <a:prstGeom prst="rect">
             <a:avLst/>
           </a:prstGeom>
         </p:spPr>
         <p:txBody>
-          <a:bodyPr bIns="91425" rIns="91425" lIns="91425" tIns="91425" anchor="t" anchorCtr="0">
+          <a:bodyPr lIns="91425" tIns="91425" rIns="91425" bIns="91425" anchor="t" anchorCtr="0">
             <a:spAutoFit/>
           </a:bodyPr>
           <a:lstStyle/>
@@ -4473,7 +4709,7 @@
               <a:buNone/>
             </a:pPr>
             <a:r>
-              <a:rPr sz="3000" lang="en">
+              <a:rPr lang="en" sz="3000">
                 <a:solidFill>
                   <a:schemeClr val="dk1"/>
                 </a:solidFill>
@@ -4486,22 +4722,24 @@
       <p:sp>
         <p:nvSpPr>
           <p:cNvPr id="48" name="Shape 48"/>
-          <p:cNvSpPr txBox="1"/>
+          <p:cNvSpPr txBox="1">
+            <a:spLocks noGrp="1"/>
+          </p:cNvSpPr>
           <p:nvPr>
             <p:ph type="title"/>
           </p:nvPr>
         </p:nvSpPr>
         <p:spPr>
           <a:xfrm>
-            <a:off y="205975" x="945425"/>
-            <a:ext cy="994200" cx="7741499"/>
+            <a:off x="945425" y="205975"/>
+            <a:ext cx="7741499" cy="994200"/>
           </a:xfrm>
           <a:prstGeom prst="rect">
             <a:avLst/>
           </a:prstGeom>
         </p:spPr>
         <p:txBody>
-          <a:bodyPr bIns="91425" rIns="91425" lIns="91425" tIns="91425" anchor="b" anchorCtr="0">
+          <a:bodyPr lIns="91425" tIns="91425" rIns="91425" bIns="91425" anchor="b" anchorCtr="0">
             <a:spAutoFit/>
           </a:bodyPr>
           <a:lstStyle/>
@@ -4535,41 +4773,43 @@
 </file>
 
 <file path=ppt/slides/slide3.xml><?xml version="1.0" encoding="utf-8"?>
-<p:sld xmlns:a="http://schemas.openxmlformats.org/drawingml/2006/main" xmlns:r="http://schemas.openxmlformats.org/officeDocument/2006/relationships" xmlns:mc="http://schemas.openxmlformats.org/markup-compatibility/2006" xmlns:mv="urn:schemas-microsoft-com:mac:vml" xmlns:p="http://schemas.openxmlformats.org/presentationml/2006/main" xmlns:c="http://schemas.openxmlformats.org/drawingml/2006/chart" xmlns:dgm="http://schemas.openxmlformats.org/drawingml/2006/diagram" xmlns:o="urn:schemas-microsoft-com:office:office" xmlns:v="urn:schemas-microsoft-com:vml" xmlns:pvml="urn:schemas-microsoft-com:office:powerpoint" xmlns:com="http://schemas.openxmlformats.org/drawingml/2006/compatibility" xmlns:p14="http://schemas.microsoft.com/office/powerpoint/2010/main">
+<p:sld xmlns:a="http://schemas.openxmlformats.org/drawingml/2006/main" xmlns:r="http://schemas.openxmlformats.org/officeDocument/2006/relationships" xmlns:p="http://schemas.openxmlformats.org/presentationml/2006/main">
   <p:cSld>
     <p:spTree>
       <p:nvGrpSpPr>
-        <p:cNvPr id="52" name="Shape 52"/>
+        <p:cNvPr id="1" name="Shape 52"/>
         <p:cNvGrpSpPr/>
         <p:nvPr/>
       </p:nvGrpSpPr>
       <p:grpSpPr>
         <a:xfrm>
-          <a:off y="0" x="0"/>
-          <a:ext cy="0" cx="0"/>
-          <a:chOff y="0" x="0"/>
-          <a:chExt cy="0" cx="0"/>
+          <a:off x="0" y="0"/>
+          <a:ext cx="0" cy="0"/>
+          <a:chOff x="0" y="0"/>
+          <a:chExt cx="0" cy="0"/>
         </a:xfrm>
       </p:grpSpPr>
       <p:sp>
         <p:nvSpPr>
           <p:cNvPr id="53" name="Shape 53"/>
-          <p:cNvSpPr txBox="1"/>
+          <p:cNvSpPr txBox="1">
+            <a:spLocks noGrp="1"/>
+          </p:cNvSpPr>
           <p:nvPr>
             <p:ph type="title"/>
           </p:nvPr>
         </p:nvSpPr>
         <p:spPr>
           <a:xfrm>
-            <a:off y="205975" x="990425"/>
-            <a:ext cy="994200" cx="7696500"/>
+            <a:off x="990425" y="205975"/>
+            <a:ext cx="7696500" cy="994200"/>
           </a:xfrm>
           <a:prstGeom prst="rect">
             <a:avLst/>
           </a:prstGeom>
         </p:spPr>
         <p:txBody>
-          <a:bodyPr bIns="91425" rIns="91425" lIns="91425" tIns="91425" anchor="b" anchorCtr="0">
+          <a:bodyPr lIns="91425" tIns="91425" rIns="91425" bIns="91425" anchor="b" anchorCtr="0">
             <a:spAutoFit/>
           </a:bodyPr>
           <a:lstStyle/>
@@ -4607,8 +4847,8 @@
         </p:blipFill>
         <p:spPr>
           <a:xfrm>
-            <a:off y="1200175" x="2210075"/>
-            <a:ext cy="3736650" cx="4723850"/>
+            <a:off x="2210075" y="1200175"/>
+            <a:ext cx="4723850" cy="3736650"/>
           </a:xfrm>
           <a:prstGeom prst="rect">
             <a:avLst/>
@@ -4631,46 +4871,48 @@
 </file>
 
 <file path=ppt/slides/slide4.xml><?xml version="1.0" encoding="utf-8"?>
-<p:sld xmlns:a="http://schemas.openxmlformats.org/drawingml/2006/main" xmlns:r="http://schemas.openxmlformats.org/officeDocument/2006/relationships" xmlns:mc="http://schemas.openxmlformats.org/markup-compatibility/2006" xmlns:mv="urn:schemas-microsoft-com:mac:vml" xmlns:p="http://schemas.openxmlformats.org/presentationml/2006/main" xmlns:c="http://schemas.openxmlformats.org/drawingml/2006/chart" xmlns:dgm="http://schemas.openxmlformats.org/drawingml/2006/diagram" xmlns:o="urn:schemas-microsoft-com:office:office" xmlns:v="urn:schemas-microsoft-com:vml" xmlns:pvml="urn:schemas-microsoft-com:office:powerpoint" xmlns:com="http://schemas.openxmlformats.org/drawingml/2006/compatibility" xmlns:p14="http://schemas.microsoft.com/office/powerpoint/2010/main">
+<p:sld xmlns:a="http://schemas.openxmlformats.org/drawingml/2006/main" xmlns:r="http://schemas.openxmlformats.org/officeDocument/2006/relationships" xmlns:p="http://schemas.openxmlformats.org/presentationml/2006/main">
   <p:cSld>
     <p:spTree>
       <p:nvGrpSpPr>
-        <p:cNvPr id="58" name="Shape 58"/>
+        <p:cNvPr id="1" name="Shape 58"/>
         <p:cNvGrpSpPr/>
         <p:nvPr/>
       </p:nvGrpSpPr>
       <p:grpSpPr>
         <a:xfrm>
-          <a:off y="0" x="0"/>
-          <a:ext cy="0" cx="0"/>
-          <a:chOff y="0" x="0"/>
-          <a:chExt cy="0" cx="0"/>
+          <a:off x="0" y="0"/>
+          <a:ext cx="0" cy="0"/>
+          <a:chOff x="0" y="0"/>
+          <a:chExt cx="0" cy="0"/>
         </a:xfrm>
       </p:grpSpPr>
       <p:sp>
         <p:nvSpPr>
           <p:cNvPr id="59" name="Shape 59"/>
-          <p:cNvSpPr txBox="1"/>
+          <p:cNvSpPr txBox="1">
+            <a:spLocks noGrp="1"/>
+          </p:cNvSpPr>
           <p:nvPr>
-            <p:ph idx="1" type="body"/>
+            <p:ph type="body" idx="1"/>
           </p:nvPr>
         </p:nvSpPr>
         <p:spPr>
           <a:xfrm>
-            <a:off y="1244250" x="979200"/>
-            <a:ext cy="3630300" cx="7707600"/>
+            <a:off x="979200" y="1244250"/>
+            <a:ext cx="7707600" cy="3630300"/>
           </a:xfrm>
           <a:prstGeom prst="rect">
             <a:avLst/>
           </a:prstGeom>
         </p:spPr>
         <p:txBody>
-          <a:bodyPr bIns="91425" rIns="91425" lIns="91425" tIns="91425" anchor="t" anchorCtr="0">
+          <a:bodyPr lIns="91425" tIns="91425" rIns="91425" bIns="91425" anchor="t" anchorCtr="0">
             <a:spAutoFit/>
           </a:bodyPr>
           <a:lstStyle/>
           <a:p>
-            <a:pPr rtl="0" lvl="0" indent="-381000" marL="457200">
+            <a:pPr marL="457200" lvl="0" indent="-381000" rtl="0">
               <a:lnSpc>
                 <a:spcPct val="115000"/>
               </a:lnSpc>
@@ -4685,7 +4927,7 @@
               <a:buChar char="●"/>
             </a:pPr>
             <a:r>
-              <a:rPr sz="2400" lang="en">
+              <a:rPr lang="en" sz="2400">
                 <a:solidFill>
                   <a:schemeClr val="lt1"/>
                 </a:solidFill>
@@ -4693,7 +4935,7 @@
               <a:t>Actor: </a:t>
             </a:r>
             <a:r>
-              <a:rPr sz="2400" lang="en">
+              <a:rPr lang="en" sz="2400">
                 <a:solidFill>
                   <a:schemeClr val="dk1"/>
                 </a:solidFill>
@@ -4702,7 +4944,7 @@
             </a:r>
           </a:p>
           <a:p>
-            <a:pPr rtl="0" lvl="0" indent="-381000" marL="457200">
+            <a:pPr marL="457200" lvl="0" indent="-381000" rtl="0">
               <a:lnSpc>
                 <a:spcPct val="115000"/>
               </a:lnSpc>
@@ -4717,7 +4959,7 @@
               <a:buChar char="●"/>
             </a:pPr>
             <a:r>
-              <a:rPr sz="2400" lang="en">
+              <a:rPr lang="en" sz="2400">
                 <a:solidFill>
                   <a:schemeClr val="lt1"/>
                 </a:solidFill>
@@ -4725,7 +4967,7 @@
               <a:t>Goals: </a:t>
             </a:r>
             <a:r>
-              <a:rPr sz="2400" lang="en">
+              <a:rPr lang="en" sz="2400">
                 <a:solidFill>
                   <a:schemeClr val="dk1"/>
                 </a:solidFill>
@@ -4734,7 +4976,7 @@
             </a:r>
           </a:p>
           <a:p>
-            <a:pPr rtl="0" lvl="0" indent="-381000" marL="457200">
+            <a:pPr marL="457200" lvl="0" indent="-381000" rtl="0">
               <a:lnSpc>
                 <a:spcPct val="115000"/>
               </a:lnSpc>
@@ -4749,7 +4991,7 @@
               <a:buChar char="●"/>
             </a:pPr>
             <a:r>
-              <a:rPr sz="2400" lang="en">
+              <a:rPr lang="en" sz="2400">
                 <a:solidFill>
                   <a:schemeClr val="lt1"/>
                 </a:solidFill>
@@ -4758,7 +5000,7 @@
             </a:r>
           </a:p>
           <a:p>
-            <a:pPr rtl="0" lvl="0" indent="-381000" marL="457200">
+            <a:pPr marL="457200" lvl="0" indent="-381000" rtl="0">
               <a:lnSpc>
                 <a:spcPct val="115000"/>
               </a:lnSpc>
@@ -4773,7 +5015,7 @@
               <a:buChar char="●"/>
             </a:pPr>
             <a:r>
-              <a:rPr sz="2400" lang="en">
+              <a:rPr lang="en" sz="2400">
                 <a:solidFill>
                   <a:schemeClr val="lt1"/>
                 </a:solidFill>
@@ -4781,7 +5023,7 @@
               <a:t>Summary: </a:t>
             </a:r>
             <a:r>
-              <a:rPr sz="2400" lang="en">
+              <a:rPr lang="en" sz="2400">
                 <a:solidFill>
                   <a:schemeClr val="dk1"/>
                 </a:solidFill>
@@ -4790,7 +5032,7 @@
             </a:r>
           </a:p>
           <a:p>
-            <a:pPr rtl="0" lvl="0" indent="-381000" marL="457200">
+            <a:pPr marL="457200" lvl="0" indent="-381000" rtl="0">
               <a:lnSpc>
                 <a:spcPct val="115000"/>
               </a:lnSpc>
@@ -4805,7 +5047,7 @@
               <a:buChar char="●"/>
             </a:pPr>
             <a:r>
-              <a:rPr sz="2400" lang="en">
+              <a:rPr lang="en" sz="2400">
                 <a:solidFill>
                   <a:schemeClr val="lt1"/>
                 </a:solidFill>
@@ -4813,7 +5055,7 @@
               <a:t>Related use case: </a:t>
             </a:r>
             <a:r>
-              <a:rPr sz="2400" lang="en">
+              <a:rPr lang="en" sz="2400">
                 <a:solidFill>
                   <a:schemeClr val="dk1"/>
                 </a:solidFill>
@@ -4828,9 +5070,6 @@
               </a:spcBef>
               <a:buNone/>
             </a:pPr>
-            <a:r>
-              <a:t/>
-            </a:r>
             <a:endParaRPr sz="1000"/>
           </a:p>
         </p:txBody>
@@ -4838,22 +5077,24 @@
       <p:sp>
         <p:nvSpPr>
           <p:cNvPr id="60" name="Shape 60"/>
-          <p:cNvSpPr txBox="1"/>
+          <p:cNvSpPr txBox="1">
+            <a:spLocks noGrp="1"/>
+          </p:cNvSpPr>
           <p:nvPr>
             <p:ph type="title"/>
           </p:nvPr>
         </p:nvSpPr>
         <p:spPr>
           <a:xfrm>
-            <a:off y="205975" x="979175"/>
-            <a:ext cy="994200" cx="7707600"/>
+            <a:off x="979175" y="205975"/>
+            <a:ext cx="7707600" cy="994200"/>
           </a:xfrm>
           <a:prstGeom prst="rect">
             <a:avLst/>
           </a:prstGeom>
         </p:spPr>
         <p:txBody>
-          <a:bodyPr bIns="91425" rIns="91425" lIns="91425" tIns="91425" anchor="b" anchorCtr="0">
+          <a:bodyPr lIns="91425" tIns="91425" rIns="91425" bIns="91425" anchor="b" anchorCtr="0">
             <a:spAutoFit/>
           </a:bodyPr>
           <a:lstStyle/>
@@ -4895,46 +5136,48 @@
 </file>
 
 <file path=ppt/slides/slide5.xml><?xml version="1.0" encoding="utf-8"?>
-<p:sld xmlns:a="http://schemas.openxmlformats.org/drawingml/2006/main" xmlns:r="http://schemas.openxmlformats.org/officeDocument/2006/relationships" xmlns:mc="http://schemas.openxmlformats.org/markup-compatibility/2006" xmlns:mv="urn:schemas-microsoft-com:mac:vml" xmlns:p="http://schemas.openxmlformats.org/presentationml/2006/main" xmlns:c="http://schemas.openxmlformats.org/drawingml/2006/chart" xmlns:dgm="http://schemas.openxmlformats.org/drawingml/2006/diagram" xmlns:o="urn:schemas-microsoft-com:office:office" xmlns:v="urn:schemas-microsoft-com:vml" xmlns:pvml="urn:schemas-microsoft-com:office:powerpoint" xmlns:com="http://schemas.openxmlformats.org/drawingml/2006/compatibility" xmlns:p14="http://schemas.microsoft.com/office/powerpoint/2010/main">
+<p:sld xmlns:a="http://schemas.openxmlformats.org/drawingml/2006/main" xmlns:r="http://schemas.openxmlformats.org/officeDocument/2006/relationships" xmlns:p="http://schemas.openxmlformats.org/presentationml/2006/main">
   <p:cSld>
     <p:spTree>
       <p:nvGrpSpPr>
-        <p:cNvPr id="64" name="Shape 64"/>
+        <p:cNvPr id="1" name="Shape 64"/>
         <p:cNvGrpSpPr/>
         <p:nvPr/>
       </p:nvGrpSpPr>
       <p:grpSpPr>
         <a:xfrm>
-          <a:off y="0" x="0"/>
-          <a:ext cy="0" cx="0"/>
-          <a:chOff y="0" x="0"/>
-          <a:chExt cy="0" cx="0"/>
+          <a:off x="0" y="0"/>
+          <a:ext cx="0" cy="0"/>
+          <a:chOff x="0" y="0"/>
+          <a:chExt cx="0" cy="0"/>
         </a:xfrm>
       </p:grpSpPr>
       <p:sp>
         <p:nvSpPr>
           <p:cNvPr id="65" name="Shape 65"/>
-          <p:cNvSpPr txBox="1"/>
+          <p:cNvSpPr txBox="1">
+            <a:spLocks noGrp="1"/>
+          </p:cNvSpPr>
           <p:nvPr>
-            <p:ph idx="1" type="body"/>
+            <p:ph type="body" idx="1"/>
           </p:nvPr>
         </p:nvSpPr>
         <p:spPr>
           <a:xfrm>
-            <a:off y="202600" x="1035450"/>
-            <a:ext cy="4940999" cx="7651499"/>
+            <a:off x="914400" y="133350"/>
+            <a:ext cx="7391549" cy="5544564"/>
           </a:xfrm>
           <a:prstGeom prst="rect">
             <a:avLst/>
           </a:prstGeom>
         </p:spPr>
         <p:txBody>
-          <a:bodyPr bIns="91425" rIns="91425" lIns="91425" tIns="91425" anchor="t" anchorCtr="0">
+          <a:bodyPr wrap="square" lIns="91425" tIns="91425" rIns="91425" bIns="91425" anchor="t" anchorCtr="0">
             <a:spAutoFit/>
           </a:bodyPr>
           <a:lstStyle/>
           <a:p>
-            <a:pPr rtl="0" lvl="0" indent="-381000" marL="457200">
+            <a:pPr marL="457200" lvl="0" indent="-381000" rtl="0">
               <a:lnSpc>
                 <a:spcPct val="115000"/>
               </a:lnSpc>
@@ -4949,7 +5192,7 @@
               <a:buChar char="●"/>
             </a:pPr>
             <a:r>
-              <a:rPr sz="2400" lang="en">
+              <a:rPr lang="en" sz="2400" dirty="0">
                 <a:solidFill>
                   <a:schemeClr val="lt1"/>
                 </a:solidFill>
@@ -4958,7 +5201,7 @@
             </a:r>
           </a:p>
           <a:p>
-            <a:pPr rtl="0" indent="0" marL="0">
+            <a:pPr marL="0" indent="0" rtl="0">
               <a:lnSpc>
                 <a:spcPct val="115000"/>
               </a:lnSpc>
@@ -4968,16 +5211,32 @@
               <a:buNone/>
             </a:pPr>
             <a:r>
-              <a:rPr sz="2400" lang="en">
+              <a:rPr lang="en" sz="2400" dirty="0">
                 <a:solidFill>
                   <a:schemeClr val="lt1"/>
                 </a:solidFill>
               </a:rPr>
-              <a:t>Actor actions						System responses</a:t>
+              <a:t>Actor actions			</a:t>
             </a:r>
-          </a:p>
-          <a:p>
-            <a:pPr rtl="0" indent="0" marL="0">
+            <a:r>
+              <a:rPr lang="en" sz="2400" dirty="0" smtClean="0">
+                <a:solidFill>
+                  <a:schemeClr val="lt1"/>
+                </a:solidFill>
+              </a:rPr>
+              <a:t>System </a:t>
+            </a:r>
+            <a:r>
+              <a:rPr lang="en" sz="2400" dirty="0">
+                <a:solidFill>
+                  <a:schemeClr val="lt1"/>
+                </a:solidFill>
+              </a:rPr>
+              <a:t>responses</a:t>
+            </a:r>
+          </a:p>
+          <a:p>
+            <a:pPr marL="0" indent="0" rtl="0">
               <a:lnSpc>
                 <a:spcPct val="115000"/>
               </a:lnSpc>
@@ -4987,16 +5246,32 @@
               <a:buNone/>
             </a:pPr>
             <a:r>
-              <a:rPr sz="1800" lang="en">
+              <a:rPr lang="en" sz="1600" dirty="0">
                 <a:solidFill>
                   <a:schemeClr val="dk1"/>
                 </a:solidFill>
               </a:rPr>
-              <a:t>1. Select “Reservation” command		2. Pop up reservation window</a:t>
+              <a:t>1. Select “Reservation” command	</a:t>
             </a:r>
-          </a:p>
-          <a:p>
-            <a:pPr rtl="0" indent="0" marL="0">
+            <a:r>
+              <a:rPr lang="en" sz="1600" dirty="0" smtClean="0">
+                <a:solidFill>
+                  <a:schemeClr val="dk1"/>
+                </a:solidFill>
+              </a:rPr>
+              <a:t>2</a:t>
+            </a:r>
+            <a:r>
+              <a:rPr lang="en" sz="1600" dirty="0">
+                <a:solidFill>
+                  <a:schemeClr val="dk1"/>
+                </a:solidFill>
+              </a:rPr>
+              <a:t>. Pop up reservation window</a:t>
+            </a:r>
+          </a:p>
+          <a:p>
+            <a:pPr marL="0" indent="0" rtl="0">
               <a:lnSpc>
                 <a:spcPct val="115000"/>
               </a:lnSpc>
@@ -5006,35 +5281,102 @@
               <a:buNone/>
             </a:pPr>
             <a:r>
-              <a:rPr sz="1800" lang="en">
+              <a:rPr lang="en" sz="1600" dirty="0">
                 <a:solidFill>
                   <a:schemeClr val="dk1"/>
                 </a:solidFill>
               </a:rPr>
-              <a:t>3. Select date and time, then search	4. Display all available tables</a:t>
+              <a:t>3. Select date and time, then search	4. Display all available </a:t>
             </a:r>
-          </a:p>
-          <a:p>
-            <a:pPr rtl="0" indent="0" marL="0">
+            <a:r>
+              <a:rPr lang="en" sz="1600" dirty="0" smtClean="0">
+                <a:solidFill>
+                  <a:schemeClr val="dk1"/>
+                </a:solidFill>
+              </a:rPr>
+              <a:t>tables the </a:t>
+            </a:r>
+            <a:r>
+              <a:rPr lang="en" sz="1600" dirty="0">
+                <a:solidFill>
+                  <a:schemeClr val="dk1"/>
+                </a:solidFill>
+              </a:rPr>
+              <a:t>system</a:t>
+            </a:r>
+          </a:p>
+          <a:p>
+            <a:pPr lvl="0">
               <a:lnSpc>
                 <a:spcPct val="115000"/>
               </a:lnSpc>
-              <a:spcBef>
-                <a:spcPts val="0"/>
-              </a:spcBef>
-              <a:buNone/>
+              <a:buClr>
+                <a:schemeClr val="dk1"/>
+              </a:buClr>
+              <a:buSzPct val="61111"/>
             </a:pPr>
             <a:r>
-              <a:rPr sz="1800" lang="en">
+              <a:rPr lang="en" sz="1600" dirty="0">
                 <a:solidFill>
                   <a:schemeClr val="dk1"/>
                 </a:solidFill>
               </a:rPr>
-              <a:t>the system</a:t>
+              <a:t>5. Select table size, type into 	</a:t>
             </a:r>
-          </a:p>
-          <a:p>
-            <a:pPr rtl="0" lvl="0" indent="0" marL="0">
+            <a:r>
+              <a:rPr lang="en" sz="1600" dirty="0" smtClean="0">
+                <a:solidFill>
+                  <a:schemeClr val="dk1"/>
+                </a:solidFill>
+              </a:rPr>
+              <a:t>6</a:t>
+            </a:r>
+            <a:r>
+              <a:rPr lang="en" sz="1600" dirty="0">
+                <a:solidFill>
+                  <a:schemeClr val="dk1"/>
+                </a:solidFill>
+              </a:rPr>
+              <a:t>. Pop up message indicates customer’s name and cell phone,	</a:t>
+            </a:r>
+            <a:r>
+              <a:rPr lang="en" sz="1600" dirty="0" smtClean="0">
+                <a:solidFill>
+                  <a:schemeClr val="dk1"/>
+                </a:solidFill>
+              </a:rPr>
+              <a:t>making </a:t>
+            </a:r>
+            <a:r>
+              <a:rPr lang="en" sz="1600" dirty="0">
+                <a:solidFill>
+                  <a:schemeClr val="dk1"/>
+                </a:solidFill>
+              </a:rPr>
+              <a:t>reservation successfully</a:t>
+            </a:r>
+          </a:p>
+          <a:p>
+            <a:pPr lvl="0" rtl="0">
+              <a:lnSpc>
+                <a:spcPct val="115000"/>
+              </a:lnSpc>
+              <a:spcBef>
+                <a:spcPts val="0"/>
+              </a:spcBef>
+              <a:buNone/>
+            </a:pPr>
+            <a:r>
+              <a:rPr lang="en" sz="1600" dirty="0">
+                <a:solidFill>
+                  <a:schemeClr val="dk1"/>
+                </a:solidFill>
+              </a:rPr>
+              <a:t>submit reservation</a:t>
+            </a:r>
+          </a:p>
+          <a:p>
+            <a:pPr lvl="0" rtl="0">
               <a:lnSpc>
                 <a:spcPct val="115000"/>
               </a:lnSpc>
@@ -5049,59 +5391,24 @@
               <a:buNone/>
             </a:pPr>
             <a:r>
-              <a:rPr sz="1800" lang="en">
+              <a:rPr lang="en" sz="1600" dirty="0">
                 <a:solidFill>
                   <a:schemeClr val="dk1"/>
                 </a:solidFill>
               </a:rPr>
-              <a:t>5. Select table size, type into 			6. Pop up message indicates                 customer’s name and cell phone,		making reservation successfully</a:t>
+              <a:t>7. Return to main window</a:t>
             </a:r>
-          </a:p>
-          <a:p>
-            <a:pPr rtl="0" lvl="0">
-              <a:lnSpc>
-                <a:spcPct val="115000"/>
-              </a:lnSpc>
-              <a:spcBef>
-                <a:spcPts val="0"/>
-              </a:spcBef>
-              <a:buNone/>
-            </a:pPr>
             <a:r>
-              <a:rPr sz="1800" lang="en">
+              <a:rPr lang="en" sz="1800" dirty="0">
                 <a:solidFill>
                   <a:schemeClr val="dk1"/>
                 </a:solidFill>
               </a:rPr>
-              <a:t>submit reservation</a:t>
+              <a:t> </a:t>
             </a:r>
           </a:p>
           <a:p>
-            <a:pPr rtl="0" lvl="0">
-              <a:lnSpc>
-                <a:spcPct val="115000"/>
-              </a:lnSpc>
-              <a:spcBef>
-                <a:spcPts val="0"/>
-              </a:spcBef>
-              <a:buClr>
-                <a:schemeClr val="dk1"/>
-              </a:buClr>
-              <a:buSzPct val="61111"/>
-              <a:buFont typeface="Arial"/>
-              <a:buNone/>
-            </a:pPr>
-            <a:r>
-              <a:rPr sz="1800" lang="en">
-                <a:solidFill>
-                  <a:schemeClr val="dk1"/>
-                </a:solidFill>
-              </a:rPr>
-              <a:t>7. Return to main window </a:t>
-            </a:r>
-          </a:p>
-          <a:p>
-            <a:pPr rtl="0" lvl="0" indent="-381000" marL="457200">
+            <a:pPr marL="457200" lvl="0" indent="-381000" rtl="0">
               <a:lnSpc>
                 <a:spcPct val="115000"/>
               </a:lnSpc>
@@ -5116,7 +5423,7 @@
               <a:buChar char="●"/>
             </a:pPr>
             <a:r>
-              <a:rPr sz="2400" lang="en">
+              <a:rPr lang="en" sz="2400" dirty="0">
                 <a:solidFill>
                   <a:schemeClr val="lt1"/>
                 </a:solidFill>
@@ -5124,7 +5431,7 @@
               <a:t>Postconditions:</a:t>
             </a:r>
             <a:r>
-              <a:rPr sz="2400" lang="en">
+              <a:rPr lang="en" sz="2400" dirty="0">
                 <a:solidFill>
                   <a:schemeClr val="dk1"/>
                 </a:solidFill>
@@ -5133,7 +5440,7 @@
             </a:r>
           </a:p>
           <a:p>
-            <a:pPr rtl="0" indent="0" marL="0">
+            <a:pPr marL="0" indent="0" rtl="0">
               <a:lnSpc>
                 <a:spcPct val="115000"/>
               </a:lnSpc>
@@ -5142,17 +5449,14 @@
               </a:spcBef>
               <a:buNone/>
             </a:pPr>
-            <a:r>
-              <a:t/>
-            </a:r>
-            <a:endParaRPr sz="2400">
+            <a:endParaRPr sz="2400" dirty="0">
               <a:solidFill>
                 <a:schemeClr val="dk1"/>
               </a:solidFill>
             </a:endParaRPr>
           </a:p>
           <a:p>
-            <a:pPr rtl="0" indent="0" marL="0">
+            <a:pPr marL="0" indent="0" rtl="0">
               <a:lnSpc>
                 <a:spcPct val="115000"/>
               </a:lnSpc>
@@ -5161,10 +5465,7 @@
               </a:spcBef>
               <a:buNone/>
             </a:pPr>
-            <a:r>
-              <a:t/>
-            </a:r>
-            <a:endParaRPr sz="2400">
+            <a:endParaRPr sz="2400" dirty="0">
               <a:solidFill>
                 <a:schemeClr val="dk1"/>
               </a:solidFill>
@@ -5177,10 +5478,7 @@
               </a:spcBef>
               <a:buNone/>
             </a:pPr>
-            <a:r>
-              <a:t/>
-            </a:r>
-            <a:endParaRPr sz="2400">
+            <a:endParaRPr sz="2400" dirty="0">
               <a:solidFill>
                 <a:schemeClr val="dk1"/>
               </a:solidFill>
@@ -5200,46 +5498,48 @@
 </file>
 
 <file path=ppt/slides/slide6.xml><?xml version="1.0" encoding="utf-8"?>
-<p:sld xmlns:a="http://schemas.openxmlformats.org/drawingml/2006/main" xmlns:r="http://schemas.openxmlformats.org/officeDocument/2006/relationships" xmlns:mc="http://schemas.openxmlformats.org/markup-compatibility/2006" xmlns:mv="urn:schemas-microsoft-com:mac:vml" xmlns:p="http://schemas.openxmlformats.org/presentationml/2006/main" xmlns:c="http://schemas.openxmlformats.org/drawingml/2006/chart" xmlns:dgm="http://schemas.openxmlformats.org/drawingml/2006/diagram" xmlns:o="urn:schemas-microsoft-com:office:office" xmlns:v="urn:schemas-microsoft-com:vml" xmlns:pvml="urn:schemas-microsoft-com:office:powerpoint" xmlns:com="http://schemas.openxmlformats.org/drawingml/2006/compatibility" xmlns:p14="http://schemas.microsoft.com/office/powerpoint/2010/main">
+<p:sld xmlns:a="http://schemas.openxmlformats.org/drawingml/2006/main" xmlns:r="http://schemas.openxmlformats.org/officeDocument/2006/relationships" xmlns:p="http://schemas.openxmlformats.org/presentationml/2006/main">
   <p:cSld>
     <p:spTree>
       <p:nvGrpSpPr>
-        <p:cNvPr id="69" name="Shape 69"/>
+        <p:cNvPr id="1" name="Shape 69"/>
         <p:cNvGrpSpPr/>
         <p:nvPr/>
       </p:nvGrpSpPr>
       <p:grpSpPr>
         <a:xfrm>
-          <a:off y="0" x="0"/>
-          <a:ext cy="0" cx="0"/>
-          <a:chOff y="0" x="0"/>
-          <a:chExt cy="0" cx="0"/>
+          <a:off x="0" y="0"/>
+          <a:ext cx="0" cy="0"/>
+          <a:chOff x="0" y="0"/>
+          <a:chExt cx="0" cy="0"/>
         </a:xfrm>
       </p:grpSpPr>
       <p:sp>
         <p:nvSpPr>
           <p:cNvPr id="70" name="Shape 70"/>
-          <p:cNvSpPr txBox="1"/>
+          <p:cNvSpPr txBox="1">
+            <a:spLocks noGrp="1"/>
+          </p:cNvSpPr>
           <p:nvPr>
-            <p:ph idx="1" type="body"/>
+            <p:ph type="body" idx="1"/>
           </p:nvPr>
         </p:nvSpPr>
         <p:spPr>
           <a:xfrm>
-            <a:off y="1244250" x="922800"/>
-            <a:ext cy="3630300" cx="7764000"/>
+            <a:off x="922800" y="1244250"/>
+            <a:ext cx="7764000" cy="3385512"/>
           </a:xfrm>
           <a:prstGeom prst="rect">
             <a:avLst/>
           </a:prstGeom>
         </p:spPr>
         <p:txBody>
-          <a:bodyPr bIns="91425" rIns="91425" lIns="91425" tIns="91425" anchor="t" anchorCtr="0">
+          <a:bodyPr lIns="91425" tIns="91425" rIns="91425" bIns="91425" anchor="t" anchorCtr="0">
             <a:spAutoFit/>
           </a:bodyPr>
           <a:lstStyle/>
           <a:p>
-            <a:pPr rtl="0" lvl="0" indent="-381000" marL="457200">
+            <a:pPr marL="457200" lvl="0" indent="-381000" rtl="0">
               <a:spcBef>
                 <a:spcPts val="0"/>
               </a:spcBef>
@@ -5251,7 +5551,7 @@
               <a:buChar char="●"/>
             </a:pPr>
             <a:r>
-              <a:rPr sz="2400" lang="en">
+              <a:rPr lang="en" sz="2400" dirty="0">
                 <a:solidFill>
                   <a:schemeClr val="lt1"/>
                 </a:solidFill>
@@ -5260,7 +5560,7 @@
             </a:r>
           </a:p>
           <a:p>
-            <a:pPr rtl="0" lvl="0" indent="0" marL="0">
+            <a:pPr marL="0" lvl="0" indent="0" rtl="0">
               <a:lnSpc>
                 <a:spcPct val="115000"/>
               </a:lnSpc>
@@ -5275,7 +5575,7 @@
               <a:buNone/>
             </a:pPr>
             <a:r>
-              <a:rPr sz="1800" lang="en">
+              <a:rPr lang="en" sz="1600" dirty="0">
                 <a:solidFill>
                   <a:schemeClr val="dk1"/>
                 </a:solidFill>
@@ -5294,12 +5594,28 @@
               <a:buNone/>
             </a:pPr>
             <a:r>
-              <a:rPr sz="1800" lang="en">
+              <a:rPr lang="en" sz="1600" dirty="0">
                 <a:solidFill>
                   <a:schemeClr val="dk1"/>
                 </a:solidFill>
               </a:rPr>
-              <a:t>Actor actions						System responses</a:t>
+              <a:t>Actor actions			</a:t>
+            </a:r>
+            <a:r>
+              <a:rPr lang="en" sz="1600" dirty="0" smtClean="0">
+                <a:solidFill>
+                  <a:schemeClr val="dk1"/>
+                </a:solidFill>
+              </a:rPr>
+              <a:t>System </a:t>
+            </a:r>
+            <a:r>
+              <a:rPr lang="en" sz="1600" dirty="0">
+                <a:solidFill>
+                  <a:schemeClr val="dk1"/>
+                </a:solidFill>
+              </a:rPr>
+              <a:t>responses</a:t>
             </a:r>
           </a:p>
           <a:p>
@@ -5313,7 +5629,7 @@
               <a:buNone/>
             </a:pPr>
             <a:r>
-              <a:rPr sz="1800" lang="en">
+              <a:rPr lang="en" sz="1600" dirty="0">
                 <a:solidFill>
                   <a:schemeClr val="dk1"/>
                 </a:solidFill>
@@ -5332,7 +5648,7 @@
               <a:buNone/>
             </a:pPr>
             <a:r>
-              <a:rPr sz="1800" lang="en">
+              <a:rPr lang="en" sz="1600" dirty="0">
                 <a:solidFill>
                   <a:schemeClr val="dk1"/>
                 </a:solidFill>
@@ -5351,7 +5667,7 @@
               <a:buNone/>
             </a:pPr>
             <a:r>
-              <a:rPr sz="1800" lang="en">
+              <a:rPr lang="en" sz="1600" dirty="0">
                 <a:solidFill>
                   <a:schemeClr val="dk1"/>
                 </a:solidFill>
@@ -5370,7 +5686,7 @@
               <a:buNone/>
             </a:pPr>
             <a:r>
-              <a:rPr sz="1800" lang="en">
+              <a:rPr lang="en" sz="1600" dirty="0">
                 <a:solidFill>
                   <a:schemeClr val="dk1"/>
                 </a:solidFill>
@@ -5389,12 +5705,28 @@
               <a:buNone/>
             </a:pPr>
             <a:r>
-              <a:rPr sz="1800" lang="en">
+              <a:rPr lang="en" sz="1600" dirty="0">
                 <a:solidFill>
                   <a:schemeClr val="dk1"/>
                 </a:solidFill>
               </a:rPr>
-              <a:t>Type customer name “David”, 		Pop up message indicates making </a:t>
+              <a:t>Type customer name “David”, 	</a:t>
+            </a:r>
+            <a:r>
+              <a:rPr lang="en" sz="1600" dirty="0" smtClean="0">
+                <a:solidFill>
+                  <a:schemeClr val="dk1"/>
+                </a:solidFill>
+              </a:rPr>
+              <a:t>Pop </a:t>
+            </a:r>
+            <a:r>
+              <a:rPr lang="en" sz="1600" dirty="0">
+                <a:solidFill>
+                  <a:schemeClr val="dk1"/>
+                </a:solidFill>
+              </a:rPr>
+              <a:t>up message indicates making </a:t>
             </a:r>
           </a:p>
           <a:p>
@@ -5408,7 +5740,7 @@
               <a:buNone/>
             </a:pPr>
             <a:r>
-              <a:rPr sz="1800" lang="en">
+              <a:rPr lang="en" sz="1600" dirty="0">
                 <a:solidFill>
                   <a:schemeClr val="dk1"/>
                 </a:solidFill>
@@ -5427,7 +5759,7 @@
               <a:buNone/>
             </a:pPr>
             <a:r>
-              <a:rPr sz="1800" lang="en">
+              <a:rPr lang="en" sz="1600" dirty="0">
                 <a:solidFill>
                   <a:schemeClr val="dk1"/>
                 </a:solidFill>
@@ -5446,7 +5778,7 @@
               <a:buNone/>
             </a:pPr>
             <a:r>
-              <a:rPr sz="1800" lang="en">
+              <a:rPr lang="en" sz="1600" dirty="0">
                 <a:solidFill>
                   <a:schemeClr val="dk1"/>
                 </a:solidFill>
@@ -5459,22 +5791,24 @@
       <p:sp>
         <p:nvSpPr>
           <p:cNvPr id="71" name="Shape 71"/>
-          <p:cNvSpPr txBox="1"/>
+          <p:cNvSpPr txBox="1">
+            <a:spLocks noGrp="1"/>
+          </p:cNvSpPr>
           <p:nvPr>
             <p:ph type="title"/>
           </p:nvPr>
         </p:nvSpPr>
         <p:spPr>
           <a:xfrm>
-            <a:off y="205975" x="922900"/>
-            <a:ext cy="994200" cx="7764000"/>
+            <a:off x="922900" y="205975"/>
+            <a:ext cx="7764000" cy="994200"/>
           </a:xfrm>
           <a:prstGeom prst="rect">
             <a:avLst/>
           </a:prstGeom>
         </p:spPr>
         <p:txBody>
-          <a:bodyPr bIns="91425" rIns="91425" lIns="91425" tIns="91425" anchor="b" anchorCtr="0">
+          <a:bodyPr lIns="91425" tIns="91425" rIns="91425" bIns="91425" anchor="b" anchorCtr="0">
             <a:spAutoFit/>
           </a:bodyPr>
           <a:lstStyle/>
@@ -5486,7 +5820,7 @@
               <a:buNone/>
             </a:pPr>
             <a:r>
-              <a:rPr lang="en">
+              <a:rPr lang="en" dirty="0">
                 <a:solidFill>
                   <a:schemeClr val="lt1"/>
                 </a:solidFill>
@@ -5508,46 +5842,48 @@
 </file>
 
 <file path=ppt/slides/slide7.xml><?xml version="1.0" encoding="utf-8"?>
-<p:sld xmlns:a="http://schemas.openxmlformats.org/drawingml/2006/main" xmlns:r="http://schemas.openxmlformats.org/officeDocument/2006/relationships" xmlns:mc="http://schemas.openxmlformats.org/markup-compatibility/2006" xmlns:mv="urn:schemas-microsoft-com:mac:vml" xmlns:p="http://schemas.openxmlformats.org/presentationml/2006/main" xmlns:c="http://schemas.openxmlformats.org/drawingml/2006/chart" xmlns:dgm="http://schemas.openxmlformats.org/drawingml/2006/diagram" xmlns:o="urn:schemas-microsoft-com:office:office" xmlns:v="urn:schemas-microsoft-com:vml" xmlns:pvml="urn:schemas-microsoft-com:office:powerpoint" xmlns:com="http://schemas.openxmlformats.org/drawingml/2006/compatibility" xmlns:p14="http://schemas.microsoft.com/office/powerpoint/2010/main">
+<p:sld xmlns:a="http://schemas.openxmlformats.org/drawingml/2006/main" xmlns:r="http://schemas.openxmlformats.org/officeDocument/2006/relationships" xmlns:p="http://schemas.openxmlformats.org/presentationml/2006/main">
   <p:cSld>
     <p:spTree>
       <p:nvGrpSpPr>
-        <p:cNvPr id="75" name="Shape 75"/>
+        <p:cNvPr id="1" name="Shape 75"/>
         <p:cNvGrpSpPr/>
         <p:nvPr/>
       </p:nvGrpSpPr>
       <p:grpSpPr>
         <a:xfrm>
-          <a:off y="0" x="0"/>
-          <a:ext cy="0" cx="0"/>
-          <a:chOff y="0" x="0"/>
-          <a:chExt cy="0" cx="0"/>
+          <a:off x="0" y="0"/>
+          <a:ext cx="0" cy="0"/>
+          <a:chOff x="0" y="0"/>
+          <a:chExt cx="0" cy="0"/>
         </a:xfrm>
       </p:grpSpPr>
       <p:sp>
         <p:nvSpPr>
           <p:cNvPr id="76" name="Shape 76"/>
-          <p:cNvSpPr txBox="1"/>
+          <p:cNvSpPr txBox="1">
+            <a:spLocks noGrp="1"/>
+          </p:cNvSpPr>
           <p:nvPr>
-            <p:ph idx="1" type="body"/>
+            <p:ph type="body" idx="1"/>
           </p:nvPr>
         </p:nvSpPr>
         <p:spPr>
           <a:xfrm>
-            <a:off y="686550" x="1024200"/>
-            <a:ext cy="4188000" cx="7662599"/>
+            <a:off x="1024200" y="686550"/>
+            <a:ext cx="7662599" cy="3913349"/>
           </a:xfrm>
           <a:prstGeom prst="rect">
             <a:avLst/>
           </a:prstGeom>
         </p:spPr>
         <p:txBody>
-          <a:bodyPr bIns="91425" rIns="91425" lIns="91425" tIns="91425" anchor="t" anchorCtr="0">
+          <a:bodyPr lIns="91425" tIns="91425" rIns="91425" bIns="91425" anchor="t" anchorCtr="0">
             <a:spAutoFit/>
           </a:bodyPr>
           <a:lstStyle/>
           <a:p>
-            <a:pPr rtl="0" lvl="0" indent="-381000" marL="457200">
+            <a:pPr marL="457200" lvl="0" indent="-381000" rtl="0">
               <a:spcBef>
                 <a:spcPts val="0"/>
               </a:spcBef>
@@ -5559,7 +5895,7 @@
               <a:buChar char="●"/>
             </a:pPr>
             <a:r>
-              <a:rPr sz="2400" lang="en">
+              <a:rPr lang="en" sz="2400" dirty="0">
                 <a:solidFill>
                   <a:schemeClr val="lt1"/>
                 </a:solidFill>
@@ -5568,7 +5904,7 @@
             </a:r>
           </a:p>
           <a:p>
-            <a:pPr rtl="0" lvl="0">
+            <a:pPr lvl="0" rtl="0">
               <a:lnSpc>
                 <a:spcPct val="115000"/>
               </a:lnSpc>
@@ -5577,17 +5913,14 @@
               </a:spcBef>
               <a:buNone/>
             </a:pPr>
-            <a:r>
-              <a:t/>
-            </a:r>
-            <a:endParaRPr sz="1800">
+            <a:endParaRPr sz="1800" dirty="0">
               <a:solidFill>
                 <a:schemeClr val="lt1"/>
               </a:solidFill>
             </a:endParaRPr>
           </a:p>
           <a:p>
-            <a:pPr rtl="0" lvl="0">
+            <a:pPr lvl="0" rtl="0">
               <a:lnSpc>
                 <a:spcPct val="115000"/>
               </a:lnSpc>
@@ -5602,7 +5935,7 @@
               <a:buNone/>
             </a:pPr>
             <a:r>
-              <a:rPr sz="1800" lang="en">
+              <a:rPr lang="en" sz="1800" dirty="0">
                 <a:solidFill>
                   <a:schemeClr val="dk1"/>
                 </a:solidFill>
@@ -5611,7 +5944,7 @@
             </a:r>
           </a:p>
           <a:p>
-            <a:pPr rtl="0" lvl="0">
+            <a:pPr lvl="0" rtl="0">
               <a:lnSpc>
                 <a:spcPct val="115000"/>
               </a:lnSpc>
@@ -5626,16 +5959,32 @@
               <a:buNone/>
             </a:pPr>
             <a:r>
-              <a:rPr sz="1800" lang="en">
+              <a:rPr lang="en" sz="1800" dirty="0">
                 <a:solidFill>
                   <a:schemeClr val="dk1"/>
                 </a:solidFill>
               </a:rPr>
-              <a:t>Actor actions						System responses</a:t>
+              <a:t>Actor actions			</a:t>
             </a:r>
-          </a:p>
-          <a:p>
-            <a:pPr rtl="0" lvl="0">
+            <a:r>
+              <a:rPr lang="en" sz="1800" dirty="0" smtClean="0">
+                <a:solidFill>
+                  <a:schemeClr val="dk1"/>
+                </a:solidFill>
+              </a:rPr>
+              <a:t>System </a:t>
+            </a:r>
+            <a:r>
+              <a:rPr lang="en" sz="1800" dirty="0">
+                <a:solidFill>
+                  <a:schemeClr val="dk1"/>
+                </a:solidFill>
+              </a:rPr>
+              <a:t>responses</a:t>
+            </a:r>
+          </a:p>
+          <a:p>
+            <a:pPr lvl="0" rtl="0">
               <a:lnSpc>
                 <a:spcPct val="115000"/>
               </a:lnSpc>
@@ -5650,7 +5999,7 @@
               <a:buNone/>
             </a:pPr>
             <a:r>
-              <a:rPr sz="1800" lang="en">
+              <a:rPr lang="en" sz="1800" dirty="0">
                 <a:solidFill>
                   <a:schemeClr val="dk1"/>
                 </a:solidFill>
@@ -5659,7 +6008,7 @@
             </a:r>
           </a:p>
           <a:p>
-            <a:pPr rtl="0" lvl="0">
+            <a:pPr lvl="0" rtl="0">
               <a:lnSpc>
                 <a:spcPct val="115000"/>
               </a:lnSpc>
@@ -5674,16 +6023,32 @@
               <a:buNone/>
             </a:pPr>
             <a:r>
-              <a:rPr sz="1800" lang="en">
+              <a:rPr lang="en" sz="1800" dirty="0">
                 <a:solidFill>
                   <a:schemeClr val="dk1"/>
                 </a:solidFill>
               </a:rPr>
-              <a:t>Set October 20 for date and 		No table is available</a:t>
+              <a:t>Set October 20 for date and 	</a:t>
             </a:r>
-          </a:p>
-          <a:p>
-            <a:pPr rtl="0" lvl="0">
+            <a:r>
+              <a:rPr lang="en" sz="1800" dirty="0" smtClean="0">
+                <a:solidFill>
+                  <a:schemeClr val="dk1"/>
+                </a:solidFill>
+              </a:rPr>
+              <a:t>No </a:t>
+            </a:r>
+            <a:r>
+              <a:rPr lang="en" sz="1800" dirty="0">
+                <a:solidFill>
+                  <a:schemeClr val="dk1"/>
+                </a:solidFill>
+              </a:rPr>
+              <a:t>table is available</a:t>
+            </a:r>
+          </a:p>
+          <a:p>
+            <a:pPr lvl="0" rtl="0">
               <a:lnSpc>
                 <a:spcPct val="115000"/>
               </a:lnSpc>
@@ -5698,7 +6063,7 @@
               <a:buNone/>
             </a:pPr>
             <a:r>
-              <a:rPr sz="1800" lang="en">
+              <a:rPr lang="en" sz="1800" dirty="0">
                 <a:solidFill>
                   <a:schemeClr val="dk1"/>
                 </a:solidFill>
@@ -5707,7 +6072,7 @@
             </a:r>
           </a:p>
           <a:p>
-            <a:pPr rtl="0" lvl="0">
+            <a:pPr lvl="0" rtl="0">
               <a:lnSpc>
                 <a:spcPct val="115000"/>
               </a:lnSpc>
@@ -5722,7 +6087,7 @@
               <a:buNone/>
             </a:pPr>
             <a:r>
-              <a:rPr sz="1800" lang="en">
+              <a:rPr lang="en" sz="1800" dirty="0">
                 <a:solidFill>
                   <a:schemeClr val="dk1"/>
                 </a:solidFill>
@@ -5731,7 +6096,7 @@
             </a:r>
           </a:p>
           <a:p>
-            <a:pPr rtl="0" lvl="0">
+            <a:pPr lvl="0" rtl="0">
               <a:lnSpc>
                 <a:spcPct val="115000"/>
               </a:lnSpc>
@@ -5741,7 +6106,7 @@
               <a:buNone/>
             </a:pPr>
             <a:r>
-              <a:rPr sz="1800" lang="en">
+              <a:rPr lang="en" sz="1800" dirty="0">
                 <a:solidFill>
                   <a:schemeClr val="dk1"/>
                 </a:solidFill>
@@ -5750,7 +6115,7 @@
             </a:r>
           </a:p>
           <a:p>
-            <a:pPr rtl="0" lvl="0">
+            <a:pPr lvl="0" rtl="0">
               <a:lnSpc>
                 <a:spcPct val="115000"/>
               </a:lnSpc>
@@ -5765,7 +6130,7 @@
               <a:buNone/>
             </a:pPr>
             <a:r>
-              <a:rPr sz="1800" lang="en">
+              <a:rPr lang="en" sz="1800" dirty="0">
                 <a:solidFill>
                   <a:schemeClr val="dk1"/>
                 </a:solidFill>
@@ -5780,10 +6145,7 @@
               </a:spcBef>
               <a:buNone/>
             </a:pPr>
-            <a:r>
-              <a:t/>
-            </a:r>
-            <a:endParaRPr/>
+            <a:endParaRPr dirty="0"/>
           </a:p>
         </p:txBody>
       </p:sp>
@@ -5798,8 +6160,121 @@
 </p:sld>
 </file>
 
+<file path=ppt/slides/slide8.xml><?xml version="1.0" encoding="utf-8"?>
+<p:sld xmlns:a="http://schemas.openxmlformats.org/drawingml/2006/main" xmlns:r="http://schemas.openxmlformats.org/officeDocument/2006/relationships" xmlns:p="http://schemas.openxmlformats.org/presentationml/2006/main">
+  <p:cSld>
+    <p:spTree>
+      <p:nvGrpSpPr>
+        <p:cNvPr id="1" name=""/>
+        <p:cNvGrpSpPr/>
+        <p:nvPr/>
+      </p:nvGrpSpPr>
+      <p:grpSpPr>
+        <a:xfrm>
+          <a:off x="0" y="0"/>
+          <a:ext cx="0" cy="0"/>
+          <a:chOff x="0" y="0"/>
+          <a:chExt cx="0" cy="0"/>
+        </a:xfrm>
+      </p:grpSpPr>
+      <p:sp>
+        <p:nvSpPr>
+          <p:cNvPr id="3" name="Title 2"/>
+          <p:cNvSpPr>
+            <a:spLocks noGrp="1"/>
+          </p:cNvSpPr>
+          <p:nvPr>
+            <p:ph type="title"/>
+          </p:nvPr>
+        </p:nvSpPr>
+        <p:spPr/>
+        <p:txBody>
+          <a:bodyPr/>
+          <a:lstStyle/>
+          <a:p>
+            <a:r>
+              <a:rPr lang="en-US" dirty="0" smtClean="0"/>
+              <a:t>Interface</a:t>
+            </a:r>
+            <a:endParaRPr lang="en-US" dirty="0"/>
+          </a:p>
+        </p:txBody>
+      </p:sp>
+      <p:pic>
+        <p:nvPicPr>
+          <p:cNvPr id="4" name="Picture 3"/>
+          <p:cNvPicPr>
+            <a:picLocks noChangeAspect="1"/>
+          </p:cNvPicPr>
+          <p:nvPr/>
+        </p:nvPicPr>
+        <p:blipFill>
+          <a:blip r:embed="rId2">
+            <a:extLst>
+              <a:ext uri="{28A0092B-C50C-407E-A947-70E740481C1C}">
+                <a14:useLocalDpi xmlns:a14="http://schemas.microsoft.com/office/drawing/2010/main" val="0"/>
+              </a:ext>
+            </a:extLst>
+          </a:blip>
+          <a:stretch>
+            <a:fillRect/>
+          </a:stretch>
+        </p:blipFill>
+        <p:spPr>
+          <a:xfrm>
+            <a:off x="4343400" y="1111120"/>
+            <a:ext cx="4621763" cy="3886200"/>
+          </a:xfrm>
+          <a:prstGeom prst="rect">
+            <a:avLst/>
+          </a:prstGeom>
+        </p:spPr>
+      </p:pic>
+      <p:pic>
+        <p:nvPicPr>
+          <p:cNvPr id="5" name="Picture 4"/>
+          <p:cNvPicPr>
+            <a:picLocks noChangeAspect="1"/>
+          </p:cNvPicPr>
+          <p:nvPr/>
+        </p:nvPicPr>
+        <p:blipFill>
+          <a:blip r:embed="rId3">
+            <a:extLst>
+              <a:ext uri="{28A0092B-C50C-407E-A947-70E740481C1C}">
+                <a14:useLocalDpi xmlns:a14="http://schemas.microsoft.com/office/drawing/2010/main" val="0"/>
+              </a:ext>
+            </a:extLst>
+          </a:blip>
+          <a:stretch>
+            <a:fillRect/>
+          </a:stretch>
+        </p:blipFill>
+        <p:spPr>
+          <a:xfrm>
+            <a:off x="228600" y="1111120"/>
+            <a:ext cx="4019550" cy="3886200"/>
+          </a:xfrm>
+          <a:prstGeom prst="rect">
+            <a:avLst/>
+          </a:prstGeom>
+        </p:spPr>
+      </p:pic>
+    </p:spTree>
+    <p:extLst>
+      <p:ext uri="{BB962C8B-B14F-4D97-AF65-F5344CB8AC3E}">
+        <p14:creationId xmlns:p14="http://schemas.microsoft.com/office/powerpoint/2010/main" val="734684643"/>
+      </p:ext>
+    </p:extLst>
+  </p:cSld>
+  <p:clrMapOvr>
+    <a:masterClrMapping/>
+  </p:clrMapOvr>
+</p:sld>
+</file>
+
 <file path=ppt/theme/theme1.xml><?xml version="1.0" encoding="utf-8"?>
-<a:theme xmlns:a="http://schemas.openxmlformats.org/drawingml/2006/main" xmlns:r="http://schemas.openxmlformats.org/officeDocument/2006/relationships" name="wave">
+<a:theme xmlns:a="http://schemas.openxmlformats.org/drawingml/2006/main" name="wave">
   <a:themeElements>
     <a:clrScheme name="Custom 506">
       <a:dk1>
@@ -5844,69 +6319,69 @@
         <a:latin typeface="Arial"/>
         <a:ea typeface=""/>
         <a:cs typeface=""/>
-        <a:font typeface="ＭＳ Ｐゴシック" script="Jpan"/>
-        <a:font typeface="맑은 고딕" script="Hang"/>
-        <a:font typeface="宋体" script="Hans"/>
-        <a:font typeface="新細明體" script="Hant"/>
-        <a:font typeface="Times New Roman" script="Arab"/>
-        <a:font typeface="Times New Roman" script="Hebr"/>
-        <a:font typeface="Angsana New" script="Thai"/>
-        <a:font typeface="Nyala" script="Ethi"/>
-        <a:font typeface="Vrinda" script="Beng"/>
-        <a:font typeface="Shruti" script="Gujr"/>
-        <a:font typeface="MoolBoran" script="Khmr"/>
-        <a:font typeface="Tunga" script="Knda"/>
-        <a:font typeface="Raavi" script="Guru"/>
-        <a:font typeface="Euphemia" script="Cans"/>
-        <a:font typeface="Plantagenet Cherokee" script="Cher"/>
-        <a:font typeface="Microsoft Yi Baiti" script="Yiii"/>
-        <a:font typeface="Microsoft Himalaya" script="Tibt"/>
-        <a:font typeface="MV Boli" script="Thaa"/>
-        <a:font typeface="Mangal" script="Deva"/>
-        <a:font typeface="Gautami" script="Telu"/>
-        <a:font typeface="Latha" script="Taml"/>
-        <a:font typeface="Estrangelo Edessa" script="Syrc"/>
-        <a:font typeface="Kalinga" script="Orya"/>
-        <a:font typeface="Kartika" script="Mlym"/>
-        <a:font typeface="DokChampa" script="Laoo"/>
-        <a:font typeface="Iskoola Pota" script="Sinh"/>
-        <a:font typeface="Mongolian Baiti" script="Mong"/>
-        <a:font typeface="Times New Roman" script="Viet"/>
-        <a:font typeface="Microsoft Uighur" script="Uigh"/>
+        <a:font script="Jpan" typeface="ＭＳ Ｐゴシック"/>
+        <a:font script="Hang" typeface="맑은 고딕"/>
+        <a:font script="Hans" typeface="宋体"/>
+        <a:font script="Hant" typeface="新細明體"/>
+        <a:font script="Arab" typeface="Times New Roman"/>
+        <a:font script="Hebr" typeface="Times New Roman"/>
+        <a:font script="Thai" typeface="Angsana New"/>
+        <a:font script="Ethi" typeface="Nyala"/>
+        <a:font script="Beng" typeface="Vrinda"/>
+        <a:font script="Gujr" typeface="Shruti"/>
+        <a:font script="Khmr" typeface="MoolBoran"/>
+        <a:font script="Knda" typeface="Tunga"/>
+        <a:font script="Guru" typeface="Raavi"/>
+        <a:font script="Cans" typeface="Euphemia"/>
+        <a:font script="Cher" typeface="Plantagenet Cherokee"/>
+        <a:font script="Yiii" typeface="Microsoft Yi Baiti"/>
+        <a:font script="Tibt" typeface="Microsoft Himalaya"/>
+        <a:font script="Thaa" typeface="MV Boli"/>
+        <a:font script="Deva" typeface="Mangal"/>
+        <a:font script="Telu" typeface="Gautami"/>
+        <a:font script="Taml" typeface="Latha"/>
+        <a:font script="Syrc" typeface="Estrangelo Edessa"/>
+        <a:font script="Orya" typeface="Kalinga"/>
+        <a:font script="Mlym" typeface="Kartika"/>
+        <a:font script="Laoo" typeface="DokChampa"/>
+        <a:font script="Sinh" typeface="Iskoola Pota"/>
+        <a:font script="Mong" typeface="Mongolian Baiti"/>
+        <a:font script="Viet" typeface="Times New Roman"/>
+        <a:font script="Uigh" typeface="Microsoft Uighur"/>
       </a:majorFont>
       <a:minorFont>
         <a:latin typeface="Arial"/>
         <a:ea typeface=""/>
         <a:cs typeface=""/>
-        <a:font typeface="ＭＳ Ｐゴシック" script="Jpan"/>
-        <a:font typeface="맑은 고딕" script="Hang"/>
-        <a:font typeface="宋体" script="Hans"/>
-        <a:font typeface="新細明體" script="Hant"/>
-        <a:font typeface="Times New Roman" script="Arab"/>
-        <a:font typeface="Times New Roman" script="Hebr"/>
-        <a:font typeface="Angsana New" script="Thai"/>
-        <a:font typeface="Nyala" script="Ethi"/>
-        <a:font typeface="Vrinda" script="Beng"/>
-        <a:font typeface="Shruti" script="Gujr"/>
-        <a:font typeface="MoolBoran" script="Khmr"/>
-        <a:font typeface="Tunga" script="Knda"/>
-        <a:font typeface="Raavi" script="Guru"/>
-        <a:font typeface="Euphemia" script="Cans"/>
-        <a:font typeface="Plantagenet Cherokee" script="Cher"/>
-        <a:font typeface="Microsoft Yi Baiti" script="Yiii"/>
-        <a:font typeface="Microsoft Himalaya" script="Tibt"/>
-        <a:font typeface="MV Boli" script="Thaa"/>
-        <a:font typeface="Mangal" script="Deva"/>
-        <a:font typeface="Gautami" script="Telu"/>
-        <a:font typeface="Latha" script="Taml"/>
-        <a:font typeface="Estrangelo Edessa" script="Syrc"/>
-        <a:font typeface="Kalinga" script="Orya"/>
-        <a:font typeface="Kartika" script="Mlym"/>
-        <a:font typeface="DokChampa" script="Laoo"/>
-        <a:font typeface="Iskoola Pota" script="Sinh"/>
-        <a:font typeface="Mongolian Baiti" script="Mong"/>
-        <a:font typeface="Times New Roman" script="Viet"/>
-        <a:font typeface="Microsoft Uighur" script="Uigh"/>
+        <a:font script="Jpan" typeface="ＭＳ Ｐゴシック"/>
+        <a:font script="Hang" typeface="맑은 고딕"/>
+        <a:font script="Hans" typeface="宋体"/>
+        <a:font script="Hant" typeface="新細明體"/>
+        <a:font script="Arab" typeface="Times New Roman"/>
+        <a:font script="Hebr" typeface="Times New Roman"/>
+        <a:font script="Thai" typeface="Angsana New"/>
+        <a:font script="Ethi" typeface="Nyala"/>
+        <a:font script="Beng" typeface="Vrinda"/>
+        <a:font script="Gujr" typeface="Shruti"/>
+        <a:font script="Khmr" typeface="MoolBoran"/>
+        <a:font script="Knda" typeface="Tunga"/>
+        <a:font script="Guru" typeface="Raavi"/>
+        <a:font script="Cans" typeface="Euphemia"/>
+        <a:font script="Cher" typeface="Plantagenet Cherokee"/>
+        <a:font script="Yiii" typeface="Microsoft Yi Baiti"/>
+        <a:font script="Tibt" typeface="Microsoft Himalaya"/>
+        <a:font script="Thaa" typeface="MV Boli"/>
+        <a:font script="Deva" typeface="Mangal"/>
+        <a:font script="Telu" typeface="Gautami"/>
+        <a:font script="Taml" typeface="Latha"/>
+        <a:font script="Syrc" typeface="Estrangelo Edessa"/>
+        <a:font script="Orya" typeface="Kalinga"/>
+        <a:font script="Mlym" typeface="Kartika"/>
+        <a:font script="Laoo" typeface="DokChampa"/>
+        <a:font script="Sinh" typeface="Iskoola Pota"/>
+        <a:font script="Mong" typeface="Mongolian Baiti"/>
+        <a:font script="Viet" typeface="Times New Roman"/>
+        <a:font script="Uigh" typeface="Microsoft Uighur"/>
       </a:minorFont>
     </a:fontScheme>
     <a:fmtScheme name="Office">
@@ -5958,7 +6433,7 @@
         </a:gradFill>
       </a:fillStyleLst>
       <a:lnStyleLst>
-        <a:ln w="9525" algn="ctr" cap="flat" cmpd="sng">
+        <a:ln w="9525" cap="flat" cmpd="sng" algn="ctr">
           <a:solidFill>
             <a:schemeClr val="phClr">
               <a:shade val="95000"/>
@@ -5967,13 +6442,13 @@
           </a:solidFill>
           <a:prstDash val="solid"/>
         </a:ln>
-        <a:ln w="25400" algn="ctr" cap="flat" cmpd="sng">
+        <a:ln w="25400" cap="flat" cmpd="sng" algn="ctr">
           <a:solidFill>
             <a:schemeClr val="phClr"/>
           </a:solidFill>
           <a:prstDash val="solid"/>
         </a:ln>
-        <a:ln w="38100" algn="ctr" cap="flat" cmpd="sng">
+        <a:ln w="38100" cap="flat" cmpd="sng" algn="ctr">
           <a:solidFill>
             <a:schemeClr val="phClr"/>
           </a:solidFill>
@@ -5983,7 +6458,7 @@
       <a:effectStyleLst>
         <a:effectStyle>
           <a:effectLst>
-            <a:outerShdw rotWithShape="0" dir="5400000" blurRad="40000" dist="20000">
+            <a:outerShdw blurRad="40000" dist="20000" dir="5400000" rotWithShape="0">
               <a:srgbClr val="000000">
                 <a:alpha val="38000"/>
               </a:srgbClr>
@@ -5992,7 +6467,7 @@
         </a:effectStyle>
         <a:effectStyle>
           <a:effectLst>
-            <a:outerShdw rotWithShape="0" dir="5400000" blurRad="40000" dist="23000">
+            <a:outerShdw blurRad="40000" dist="23000" dir="5400000" rotWithShape="0">
               <a:srgbClr val="000000">
                 <a:alpha val="35000"/>
               </a:srgbClr>
@@ -6001,7 +6476,7 @@
         </a:effectStyle>
         <a:effectStyle>
           <a:effectLst>
-            <a:outerShdw rotWithShape="0" dir="5400000" blurRad="40000" dist="23000">
+            <a:outerShdw blurRad="40000" dist="23000" dir="5400000" rotWithShape="0">
               <a:srgbClr val="000000">
                 <a:alpha val="35000"/>
               </a:srgbClr>
@@ -6009,10 +6484,10 @@
           </a:effectLst>
           <a:scene3d>
             <a:camera prst="orthographicFront">
-              <a:rot rev="0" lon="0" lat="0"/>
+              <a:rot lat="0" lon="0" rev="0"/>
             </a:camera>
-            <a:lightRig dir="t" rig="threePt">
-              <a:rot rev="1200000" lon="0" lat="0"/>
+            <a:lightRig rig="threePt" dir="t">
+              <a:rot lat="0" lon="0" rev="1200000"/>
             </a:lightRig>
           </a:scene3d>
           <a:sp3d>
@@ -6047,7 +6522,7 @@
             </a:gs>
           </a:gsLst>
           <a:path path="circle">
-            <a:fillToRect t="-80000" b="180000" r="50000" l="50000"/>
+            <a:fillToRect l="50000" t="-80000" r="50000" b="180000"/>
           </a:path>
         </a:gradFill>
         <a:gradFill rotWithShape="1">
@@ -6066,54 +6541,56 @@
             </a:gs>
           </a:gsLst>
           <a:path path="circle">
-            <a:fillToRect t="50000" b="50000" r="50000" l="50000"/>
+            <a:fillToRect l="50000" t="50000" r="50000" b="50000"/>
           </a:path>
         </a:gradFill>
       </a:bgFillStyleLst>
     </a:fmtScheme>
   </a:themeElements>
+  <a:objectDefaults/>
+  <a:extraClrSchemeLst/>
 </a:theme>
 </file>
 
 <file path=ppt/theme/theme2.xml><?xml version="1.0" encoding="utf-8"?>
-<a:theme xmlns:a="http://schemas.openxmlformats.org/drawingml/2006/main" xmlns:r="http://schemas.openxmlformats.org/officeDocument/2006/relationships" name="Office Theme">
+<a:theme xmlns:a="http://schemas.openxmlformats.org/drawingml/2006/main" name="Custom Theme">
   <a:themeElements>
-    <a:clrScheme name="Office">
+    <a:clrScheme name="Default">
       <a:dk1>
-        <a:sysClr val="windowText" lastClr="000000"/>
+        <a:srgbClr val="000000"/>
       </a:dk1>
       <a:lt1>
-        <a:sysClr val="window" lastClr="FFFFFF"/>
+        <a:srgbClr val="FFFFFF"/>
       </a:lt1>
       <a:dk2>
-        <a:srgbClr val="1F497D"/>
+        <a:srgbClr val="158158"/>
       </a:dk2>
       <a:lt2>
-        <a:srgbClr val="EEECE1"/>
+        <a:srgbClr val="F3F3F3"/>
       </a:lt2>
       <a:accent1>
-        <a:srgbClr val="4F81BD"/>
+        <a:srgbClr val="058DC7"/>
       </a:accent1>
       <a:accent2>
-        <a:srgbClr val="C0504D"/>
+        <a:srgbClr val="50B432"/>
       </a:accent2>
       <a:accent3>
-        <a:srgbClr val="9BBB59"/>
+        <a:srgbClr val="ED561B"/>
       </a:accent3>
       <a:accent4>
-        <a:srgbClr val="8064A2"/>
+        <a:srgbClr val="EDEF00"/>
       </a:accent4>
       <a:accent5>
-        <a:srgbClr val="4BACC6"/>
+        <a:srgbClr val="24CBE5"/>
       </a:accent5>
       <a:accent6>
-        <a:srgbClr val="F79646"/>
+        <a:srgbClr val="64E572"/>
       </a:accent6>
       <a:hlink>
-        <a:srgbClr val="0000FF"/>
+        <a:srgbClr val="2200CC"/>
       </a:hlink>
       <a:folHlink>
-        <a:srgbClr val="800080"/>
+        <a:srgbClr val="551A8B"/>
       </a:folHlink>
     </a:clrScheme>
     <a:fontScheme name="Office">
@@ -6121,69 +6598,69 @@
         <a:latin typeface="Arial"/>
         <a:ea typeface=""/>
         <a:cs typeface=""/>
-        <a:font typeface="ＭＳ Ｐゴシック" script="Jpan"/>
-        <a:font typeface="맑은 고딕" script="Hang"/>
-        <a:font typeface="宋体" script="Hans"/>
-        <a:font typeface="新細明體" script="Hant"/>
-        <a:font typeface="Times New Roman" script="Arab"/>
-        <a:font typeface="Times New Roman" script="Hebr"/>
-        <a:font typeface="Angsana New" script="Thai"/>
-        <a:font typeface="Nyala" script="Ethi"/>
-        <a:font typeface="Vrinda" script="Beng"/>
-        <a:font typeface="Shruti" script="Gujr"/>
-        <a:font typeface="MoolBoran" script="Khmr"/>
-        <a:font typeface="Tunga" script="Knda"/>
-        <a:font typeface="Raavi" script="Guru"/>
-        <a:font typeface="Euphemia" script="Cans"/>
-        <a:font typeface="Plantagenet Cherokee" script="Cher"/>
-        <a:font typeface="Microsoft Yi Baiti" script="Yiii"/>
-        <a:font typeface="Microsoft Himalaya" script="Tibt"/>
-        <a:font typeface="MV Boli" script="Thaa"/>
-        <a:font typeface="Mangal" script="Deva"/>
-        <a:font typeface="Gautami" script="Telu"/>
-        <a:font typeface="Latha" script="Taml"/>
-        <a:font typeface="Estrangelo Edessa" script="Syrc"/>
-        <a:font typeface="Kalinga" script="Orya"/>
-        <a:font typeface="Kartika" script="Mlym"/>
-        <a:font typeface="DokChampa" script="Laoo"/>
-        <a:font typeface="Iskoola Pota" script="Sinh"/>
-        <a:font typeface="Mongolian Baiti" script="Mong"/>
-        <a:font typeface="Times New Roman" script="Viet"/>
-        <a:font typeface="Microsoft Uighur" script="Uigh"/>
+        <a:font script="Jpan" typeface="ＭＳ Ｐゴシック"/>
+        <a:font script="Hang" typeface="맑은 고딕"/>
+        <a:font script="Hans" typeface="宋体"/>
+        <a:font script="Hant" typeface="新細明體"/>
+        <a:font script="Arab" typeface="Times New Roman"/>
+        <a:font script="Hebr" typeface="Times New Roman"/>
+        <a:font script="Thai" typeface="Angsana New"/>
+        <a:font script="Ethi" typeface="Nyala"/>
+        <a:font script="Beng" typeface="Vrinda"/>
+        <a:font script="Gujr" typeface="Shruti"/>
+        <a:font script="Khmr" typeface="MoolBoran"/>
+        <a:font script="Knda" typeface="Tunga"/>
+        <a:font script="Guru" typeface="Raavi"/>
+        <a:font script="Cans" typeface="Euphemia"/>
+        <a:font script="Cher" typeface="Plantagenet Cherokee"/>
+        <a:font script="Yiii" typeface="Microsoft Yi Baiti"/>
+        <a:font script="Tibt" typeface="Microsoft Himalaya"/>
+        <a:font script="Thaa" typeface="MV Boli"/>
+        <a:font script="Deva" typeface="Mangal"/>
+        <a:font script="Telu" typeface="Gautami"/>
+        <a:font script="Taml" typeface="Latha"/>
+        <a:font script="Syrc" typeface="Estrangelo Edessa"/>
+        <a:font script="Orya" typeface="Kalinga"/>
+        <a:font script="Mlym" typeface="Kartika"/>
+        <a:font script="Laoo" typeface="DokChampa"/>
+        <a:font script="Sinh" typeface="Iskoola Pota"/>
+        <a:font script="Mong" typeface="Mongolian Baiti"/>
+        <a:font script="Viet" typeface="Times New Roman"/>
+        <a:font script="Uigh" typeface="Microsoft Uighur"/>
       </a:majorFont>
       <a:minorFont>
         <a:latin typeface="Arial"/>
         <a:ea typeface=""/>
         <a:cs typeface=""/>
-        <a:font typeface="ＭＳ Ｐゴシック" script="Jpan"/>
-        <a:font typeface="맑은 고딕" script="Hang"/>
-        <a:font typeface="宋体" script="Hans"/>
-        <a:font typeface="新細明體" script="Hant"/>
-        <a:font typeface="Times New Roman" script="Arab"/>
-        <a:font typeface="Times New Roman" script="Hebr"/>
-        <a:font typeface="Angsana New" script="Thai"/>
-        <a:font typeface="Nyala" script="Ethi"/>
-        <a:font typeface="Vrinda" script="Beng"/>
-        <a:font typeface="Shruti" script="Gujr"/>
-        <a:font typeface="MoolBoran" script="Khmr"/>
-        <a:font typeface="Tunga" script="Knda"/>
-        <a:font typeface="Raavi" script="Guru"/>
-        <a:font typeface="Euphemia" script="Cans"/>
-        <a:font typeface="Plantagenet Cherokee" script="Cher"/>
-        <a:font typeface="Microsoft Yi Baiti" script="Yiii"/>
-        <a:font typeface="Microsoft Himalaya" script="Tibt"/>
-        <a:font typeface="MV Boli" script="Thaa"/>
-        <a:font typeface="Mangal" script="Deva"/>
-        <a:font typeface="Gautami" script="Telu"/>
-        <a:font typeface="Latha" script="Taml"/>
-        <a:font typeface="Estrangelo Edessa" script="Syrc"/>
-        <a:font typeface="Kalinga" script="Orya"/>
-        <a:font typeface="Kartika" script="Mlym"/>
-        <a:font typeface="DokChampa" script="Laoo"/>
-        <a:font typeface="Iskoola Pota" script="Sinh"/>
-        <a:font typeface="Mongolian Baiti" script="Mong"/>
-        <a:font typeface="Times New Roman" script="Viet"/>
-        <a:font typeface="Microsoft Uighur" script="Uigh"/>
+        <a:font script="Jpan" typeface="ＭＳ Ｐゴシック"/>
+        <a:font script="Hang" typeface="맑은 고딕"/>
+        <a:font script="Hans" typeface="宋体"/>
+        <a:font script="Hant" typeface="新細明體"/>
+        <a:font script="Arab" typeface="Times New Roman"/>
+        <a:font script="Hebr" typeface="Times New Roman"/>
+        <a:font script="Thai" typeface="Angsana New"/>
+        <a:font script="Ethi" typeface="Nyala"/>
+        <a:font script="Beng" typeface="Vrinda"/>
+        <a:font script="Gujr" typeface="Shruti"/>
+        <a:font script="Khmr" typeface="MoolBoran"/>
+        <a:font script="Knda" typeface="Tunga"/>
+        <a:font script="Guru" typeface="Raavi"/>
+        <a:font script="Cans" typeface="Euphemia"/>
+        <a:font script="Cher" typeface="Plantagenet Cherokee"/>
+        <a:font script="Yiii" typeface="Microsoft Yi Baiti"/>
+        <a:font script="Tibt" typeface="Microsoft Himalaya"/>
+        <a:font script="Thaa" typeface="MV Boli"/>
+        <a:font script="Deva" typeface="Mangal"/>
+        <a:font script="Telu" typeface="Gautami"/>
+        <a:font script="Taml" typeface="Latha"/>
+        <a:font script="Syrc" typeface="Estrangelo Edessa"/>
+        <a:font script="Orya" typeface="Kalinga"/>
+        <a:font script="Mlym" typeface="Kartika"/>
+        <a:font script="Laoo" typeface="DokChampa"/>
+        <a:font script="Sinh" typeface="Iskoola Pota"/>
+        <a:font script="Mong" typeface="Mongolian Baiti"/>
+        <a:font script="Viet" typeface="Times New Roman"/>
+        <a:font script="Uigh" typeface="Microsoft Uighur"/>
       </a:minorFont>
     </a:fontScheme>
     <a:fmtScheme name="Office">
@@ -6235,7 +6712,7 @@
         </a:gradFill>
       </a:fillStyleLst>
       <a:lnStyleLst>
-        <a:ln w="9525" algn="ctr" cap="flat" cmpd="sng">
+        <a:ln w="9525" cap="flat" cmpd="sng" algn="ctr">
           <a:solidFill>
             <a:schemeClr val="phClr">
               <a:shade val="95000"/>
@@ -6244,13 +6721,13 @@
           </a:solidFill>
           <a:prstDash val="solid"/>
         </a:ln>
-        <a:ln w="25400" algn="ctr" cap="flat" cmpd="sng">
+        <a:ln w="25400" cap="flat" cmpd="sng" algn="ctr">
           <a:solidFill>
             <a:schemeClr val="phClr"/>
           </a:solidFill>
           <a:prstDash val="solid"/>
         </a:ln>
-        <a:ln w="38100" algn="ctr" cap="flat" cmpd="sng">
+        <a:ln w="38100" cap="flat" cmpd="sng" algn="ctr">
           <a:solidFill>
             <a:schemeClr val="phClr"/>
           </a:solidFill>
@@ -6260,7 +6737,7 @@
       <a:effectStyleLst>
         <a:effectStyle>
           <a:effectLst>
-            <a:outerShdw rotWithShape="0" dir="5400000" blurRad="40000" dist="20000">
+            <a:outerShdw blurRad="40000" dist="20000" dir="5400000" rotWithShape="0">
               <a:srgbClr val="000000">
                 <a:alpha val="38000"/>
               </a:srgbClr>
@@ -6269,7 +6746,7 @@
         </a:effectStyle>
         <a:effectStyle>
           <a:effectLst>
-            <a:outerShdw rotWithShape="0" dir="5400000" blurRad="40000" dist="23000">
+            <a:outerShdw blurRad="40000" dist="23000" dir="5400000" rotWithShape="0">
               <a:srgbClr val="000000">
                 <a:alpha val="35000"/>
               </a:srgbClr>
@@ -6278,7 +6755,7 @@
         </a:effectStyle>
         <a:effectStyle>
           <a:effectLst>
-            <a:outerShdw rotWithShape="0" dir="5400000" blurRad="40000" dist="23000">
+            <a:outerShdw blurRad="40000" dist="23000" dir="5400000" rotWithShape="0">
               <a:srgbClr val="000000">
                 <a:alpha val="35000"/>
               </a:srgbClr>
@@ -6286,10 +6763,10 @@
           </a:effectLst>
           <a:scene3d>
             <a:camera prst="orthographicFront">
-              <a:rot rev="0" lon="0" lat="0"/>
+              <a:rot lat="0" lon="0" rev="0"/>
             </a:camera>
-            <a:lightRig dir="t" rig="threePt">
-              <a:rot rev="1200000" lon="0" lat="0"/>
+            <a:lightRig rig="threePt" dir="t">
+              <a:rot lat="0" lon="0" rev="1200000"/>
             </a:lightRig>
           </a:scene3d>
           <a:sp3d>
@@ -6324,7 +6801,7 @@
             </a:gs>
           </a:gsLst>
           <a:path path="circle">
-            <a:fillToRect t="-80000" b="180000" r="50000" l="50000"/>
+            <a:fillToRect l="50000" t="-80000" r="50000" b="180000"/>
           </a:path>
         </a:gradFill>
         <a:gradFill rotWithShape="1">
@@ -6343,328 +6820,13 @@
             </a:gs>
           </a:gsLst>
           <a:path path="circle">
-            <a:fillToRect t="50000" b="50000" r="50000" l="50000"/>
+            <a:fillToRect l="50000" t="50000" r="50000" b="50000"/>
           </a:path>
         </a:gradFill>
       </a:bgFillStyleLst>
     </a:fmtScheme>
   </a:themeElements>
-  <a:objectDefaults>
-    <a:spDef>
-      <a:spPr/>
-      <a:bodyPr/>
-      <a:lstStyle/>
-      <a:style>
-        <a:lnRef idx="1">
-          <a:schemeClr val="accent1"/>
-        </a:lnRef>
-        <a:fillRef idx="3">
-          <a:schemeClr val="accent1"/>
-        </a:fillRef>
-        <a:effectRef idx="2">
-          <a:schemeClr val="accent1"/>
-        </a:effectRef>
-        <a:fontRef idx="minor">
-          <a:schemeClr val="lt1"/>
-        </a:fontRef>
-      </a:style>
-    </a:spDef>
-    <a:lnDef>
-      <a:spPr/>
-      <a:bodyPr/>
-      <a:lstStyle/>
-      <a:style>
-        <a:lnRef idx="2">
-          <a:schemeClr val="accent1"/>
-        </a:lnRef>
-        <a:fillRef idx="0">
-          <a:schemeClr val="accent1"/>
-        </a:fillRef>
-        <a:effectRef idx="1">
-          <a:schemeClr val="accent1"/>
-        </a:effectRef>
-        <a:fontRef idx="minor">
-          <a:schemeClr val="tx1"/>
-        </a:fontRef>
-      </a:style>
-    </a:lnDef>
-  </a:objectDefaults>
-</a:theme>
-</file>
-
-<file path=ppt/theme/theme3.xml><?xml version="1.0" encoding="utf-8"?>
-<a:theme xmlns:a="http://schemas.openxmlformats.org/drawingml/2006/main" xmlns:r="http://schemas.openxmlformats.org/officeDocument/2006/relationships" name="Custom Theme">
-  <a:themeElements>
-    <a:clrScheme name="Default">
-      <a:dk1>
-        <a:srgbClr val="000000"/>
-      </a:dk1>
-      <a:lt1>
-        <a:srgbClr val="FFFFFF"/>
-      </a:lt1>
-      <a:dk2>
-        <a:srgbClr val="158158"/>
-      </a:dk2>
-      <a:lt2>
-        <a:srgbClr val="F3F3F3"/>
-      </a:lt2>
-      <a:accent1>
-        <a:srgbClr val="058DC7"/>
-      </a:accent1>
-      <a:accent2>
-        <a:srgbClr val="50B432"/>
-      </a:accent2>
-      <a:accent3>
-        <a:srgbClr val="ED561B"/>
-      </a:accent3>
-      <a:accent4>
-        <a:srgbClr val="EDEF00"/>
-      </a:accent4>
-      <a:accent5>
-        <a:srgbClr val="24CBE5"/>
-      </a:accent5>
-      <a:accent6>
-        <a:srgbClr val="64E572"/>
-      </a:accent6>
-      <a:hlink>
-        <a:srgbClr val="2200CC"/>
-      </a:hlink>
-      <a:folHlink>
-        <a:srgbClr val="551A8B"/>
-      </a:folHlink>
-    </a:clrScheme>
-    <a:fontScheme name="Office">
-      <a:majorFont>
-        <a:latin typeface="Arial"/>
-        <a:ea typeface=""/>
-        <a:cs typeface=""/>
-        <a:font typeface="ＭＳ Ｐゴシック" script="Jpan"/>
-        <a:font typeface="맑은 고딕" script="Hang"/>
-        <a:font typeface="宋体" script="Hans"/>
-        <a:font typeface="新細明體" script="Hant"/>
-        <a:font typeface="Times New Roman" script="Arab"/>
-        <a:font typeface="Times New Roman" script="Hebr"/>
-        <a:font typeface="Angsana New" script="Thai"/>
-        <a:font typeface="Nyala" script="Ethi"/>
-        <a:font typeface="Vrinda" script="Beng"/>
-        <a:font typeface="Shruti" script="Gujr"/>
-        <a:font typeface="MoolBoran" script="Khmr"/>
-        <a:font typeface="Tunga" script="Knda"/>
-        <a:font typeface="Raavi" script="Guru"/>
-        <a:font typeface="Euphemia" script="Cans"/>
-        <a:font typeface="Plantagenet Cherokee" script="Cher"/>
-        <a:font typeface="Microsoft Yi Baiti" script="Yiii"/>
-        <a:font typeface="Microsoft Himalaya" script="Tibt"/>
-        <a:font typeface="MV Boli" script="Thaa"/>
-        <a:font typeface="Mangal" script="Deva"/>
-        <a:font typeface="Gautami" script="Telu"/>
-        <a:font typeface="Latha" script="Taml"/>
-        <a:font typeface="Estrangelo Edessa" script="Syrc"/>
-        <a:font typeface="Kalinga" script="Orya"/>
-        <a:font typeface="Kartika" script="Mlym"/>
-        <a:font typeface="DokChampa" script="Laoo"/>
-        <a:font typeface="Iskoola Pota" script="Sinh"/>
-        <a:font typeface="Mongolian Baiti" script="Mong"/>
-        <a:font typeface="Times New Roman" script="Viet"/>
-        <a:font typeface="Microsoft Uighur" script="Uigh"/>
-      </a:majorFont>
-      <a:minorFont>
-        <a:latin typeface="Arial"/>
-        <a:ea typeface=""/>
-        <a:cs typeface=""/>
-        <a:font typeface="ＭＳ Ｐゴシック" script="Jpan"/>
-        <a:font typeface="맑은 고딕" script="Hang"/>
-        <a:font typeface="宋体" script="Hans"/>
-        <a:font typeface="新細明體" script="Hant"/>
-        <a:font typeface="Times New Roman" script="Arab"/>
-        <a:font typeface="Times New Roman" script="Hebr"/>
-        <a:font typeface="Angsana New" script="Thai"/>
-        <a:font typeface="Nyala" script="Ethi"/>
-        <a:font typeface="Vrinda" script="Beng"/>
-        <a:font typeface="Shruti" script="Gujr"/>
-        <a:font typeface="MoolBoran" script="Khmr"/>
-        <a:font typeface="Tunga" script="Knda"/>
-        <a:font typeface="Raavi" script="Guru"/>
-        <a:font typeface="Euphemia" script="Cans"/>
-        <a:font typeface="Plantagenet Cherokee" script="Cher"/>
-        <a:font typeface="Microsoft Yi Baiti" script="Yiii"/>
-        <a:font typeface="Microsoft Himalaya" script="Tibt"/>
-        <a:font typeface="MV Boli" script="Thaa"/>
-        <a:font typeface="Mangal" script="Deva"/>
-        <a:font typeface="Gautami" script="Telu"/>
-        <a:font typeface="Latha" script="Taml"/>
-        <a:font typeface="Estrangelo Edessa" script="Syrc"/>
-        <a:font typeface="Kalinga" script="Orya"/>
-        <a:font typeface="Kartika" script="Mlym"/>
-        <a:font typeface="DokChampa" script="Laoo"/>
-        <a:font typeface="Iskoola Pota" script="Sinh"/>
-        <a:font typeface="Mongolian Baiti" script="Mong"/>
-        <a:font typeface="Times New Roman" script="Viet"/>
-        <a:font typeface="Microsoft Uighur" script="Uigh"/>
-      </a:minorFont>
-    </a:fontScheme>
-    <a:fmtScheme name="Office">
-      <a:fillStyleLst>
-        <a:solidFill>
-          <a:schemeClr val="phClr"/>
-        </a:solidFill>
-        <a:gradFill rotWithShape="1">
-          <a:gsLst>
-            <a:gs pos="0">
-              <a:schemeClr val="phClr">
-                <a:tint val="50000"/>
-                <a:satMod val="300000"/>
-              </a:schemeClr>
-            </a:gs>
-            <a:gs pos="35000">
-              <a:schemeClr val="phClr">
-                <a:tint val="37000"/>
-                <a:satMod val="300000"/>
-              </a:schemeClr>
-            </a:gs>
-            <a:gs pos="100000">
-              <a:schemeClr val="phClr">
-                <a:tint val="15000"/>
-                <a:satMod val="350000"/>
-              </a:schemeClr>
-            </a:gs>
-          </a:gsLst>
-          <a:lin ang="16200000" scaled="1"/>
-        </a:gradFill>
-        <a:gradFill rotWithShape="1">
-          <a:gsLst>
-            <a:gs pos="0">
-              <a:schemeClr val="phClr">
-                <a:tint val="100000"/>
-                <a:shade val="100000"/>
-                <a:satMod val="130000"/>
-              </a:schemeClr>
-            </a:gs>
-            <a:gs pos="100000">
-              <a:schemeClr val="phClr">
-                <a:tint val="50000"/>
-                <a:shade val="100000"/>
-                <a:satMod val="350000"/>
-              </a:schemeClr>
-            </a:gs>
-          </a:gsLst>
-          <a:lin ang="16200000" scaled="0"/>
-        </a:gradFill>
-      </a:fillStyleLst>
-      <a:lnStyleLst>
-        <a:ln w="9525" algn="ctr" cap="flat" cmpd="sng">
-          <a:solidFill>
-            <a:schemeClr val="phClr">
-              <a:shade val="95000"/>
-              <a:satMod val="105000"/>
-            </a:schemeClr>
-          </a:solidFill>
-          <a:prstDash val="solid"/>
-        </a:ln>
-        <a:ln w="25400" algn="ctr" cap="flat" cmpd="sng">
-          <a:solidFill>
-            <a:schemeClr val="phClr"/>
-          </a:solidFill>
-          <a:prstDash val="solid"/>
-        </a:ln>
-        <a:ln w="38100" algn="ctr" cap="flat" cmpd="sng">
-          <a:solidFill>
-            <a:schemeClr val="phClr"/>
-          </a:solidFill>
-          <a:prstDash val="solid"/>
-        </a:ln>
-      </a:lnStyleLst>
-      <a:effectStyleLst>
-        <a:effectStyle>
-          <a:effectLst>
-            <a:outerShdw rotWithShape="0" dir="5400000" blurRad="40000" dist="20000">
-              <a:srgbClr val="000000">
-                <a:alpha val="38000"/>
-              </a:srgbClr>
-            </a:outerShdw>
-          </a:effectLst>
-        </a:effectStyle>
-        <a:effectStyle>
-          <a:effectLst>
-            <a:outerShdw rotWithShape="0" dir="5400000" blurRad="40000" dist="23000">
-              <a:srgbClr val="000000">
-                <a:alpha val="35000"/>
-              </a:srgbClr>
-            </a:outerShdw>
-          </a:effectLst>
-        </a:effectStyle>
-        <a:effectStyle>
-          <a:effectLst>
-            <a:outerShdw rotWithShape="0" dir="5400000" blurRad="40000" dist="23000">
-              <a:srgbClr val="000000">
-                <a:alpha val="35000"/>
-              </a:srgbClr>
-            </a:outerShdw>
-          </a:effectLst>
-          <a:scene3d>
-            <a:camera prst="orthographicFront">
-              <a:rot rev="0" lon="0" lat="0"/>
-            </a:camera>
-            <a:lightRig dir="t" rig="threePt">
-              <a:rot rev="1200000" lon="0" lat="0"/>
-            </a:lightRig>
-          </a:scene3d>
-          <a:sp3d>
-            <a:bevelT w="63500" h="25400"/>
-          </a:sp3d>
-        </a:effectStyle>
-      </a:effectStyleLst>
-      <a:bgFillStyleLst>
-        <a:solidFill>
-          <a:schemeClr val="phClr"/>
-        </a:solidFill>
-        <a:gradFill rotWithShape="1">
-          <a:gsLst>
-            <a:gs pos="0">
-              <a:schemeClr val="phClr">
-                <a:tint val="40000"/>
-                <a:satMod val="350000"/>
-              </a:schemeClr>
-            </a:gs>
-            <a:gs pos="40000">
-              <a:schemeClr val="phClr">
-                <a:tint val="45000"/>
-                <a:shade val="99000"/>
-                <a:satMod val="350000"/>
-              </a:schemeClr>
-            </a:gs>
-            <a:gs pos="100000">
-              <a:schemeClr val="phClr">
-                <a:shade val="20000"/>
-                <a:satMod val="255000"/>
-              </a:schemeClr>
-            </a:gs>
-          </a:gsLst>
-          <a:path path="circle">
-            <a:fillToRect t="-80000" b="180000" r="50000" l="50000"/>
-          </a:path>
-        </a:gradFill>
-        <a:gradFill rotWithShape="1">
-          <a:gsLst>
-            <a:gs pos="0">
-              <a:schemeClr val="phClr">
-                <a:tint val="80000"/>
-                <a:satMod val="300000"/>
-              </a:schemeClr>
-            </a:gs>
-            <a:gs pos="100000">
-              <a:schemeClr val="phClr">
-                <a:shade val="30000"/>
-                <a:satMod val="200000"/>
-              </a:schemeClr>
-            </a:gs>
-          </a:gsLst>
-          <a:path path="circle">
-            <a:fillToRect t="50000" b="50000" r="50000" l="50000"/>
-          </a:path>
-        </a:gradFill>
-      </a:bgFillStyleLst>
-    </a:fmtScheme>
-  </a:themeElements>
+  <a:objectDefaults/>
+  <a:extraClrSchemeLst/>
 </a:theme>
 </file>
--- a/Project Part I.pptx
+++ b/Project Part I.pptx
@@ -5,7 +5,7 @@
     <p:sldMasterId id="2147483654" r:id="rId1"/>
   </p:sldMasterIdLst>
   <p:notesMasterIdLst>
-    <p:notesMasterId r:id="rId10"/>
+    <p:notesMasterId r:id="rId15"/>
   </p:notesMasterIdLst>
   <p:sldIdLst>
     <p:sldId id="256" r:id="rId2"/>
@@ -16,6 +16,11 @@
     <p:sldId id="261" r:id="rId7"/>
     <p:sldId id="262" r:id="rId8"/>
     <p:sldId id="263" r:id="rId9"/>
+    <p:sldId id="264" r:id="rId10"/>
+    <p:sldId id="265" r:id="rId11"/>
+    <p:sldId id="266" r:id="rId12"/>
+    <p:sldId id="267" r:id="rId13"/>
+    <p:sldId id="268" r:id="rId14"/>
   </p:sldIdLst>
   <p:sldSz cx="9144000" cy="5143500" type="screen16x9"/>
   <p:notesSz cx="6858000" cy="9144000"/>
@@ -4660,6 +4665,1602 @@
 </p:sld>
 </file>
 
+<file path=ppt/slides/slide10.xml><?xml version="1.0" encoding="utf-8"?>
+<p:sld xmlns:a="http://schemas.openxmlformats.org/drawingml/2006/main" xmlns:r="http://schemas.openxmlformats.org/officeDocument/2006/relationships" xmlns:p="http://schemas.openxmlformats.org/presentationml/2006/main">
+  <p:cSld>
+    <p:spTree>
+      <p:nvGrpSpPr>
+        <p:cNvPr id="1" name=""/>
+        <p:cNvGrpSpPr/>
+        <p:nvPr/>
+      </p:nvGrpSpPr>
+      <p:grpSpPr>
+        <a:xfrm>
+          <a:off x="0" y="0"/>
+          <a:ext cx="0" cy="0"/>
+          <a:chOff x="0" y="0"/>
+          <a:chExt cx="0" cy="0"/>
+        </a:xfrm>
+      </p:grpSpPr>
+      <p:sp>
+        <p:nvSpPr>
+          <p:cNvPr id="2" name="Text Placeholder 1"/>
+          <p:cNvSpPr>
+            <a:spLocks noGrp="1"/>
+          </p:cNvSpPr>
+          <p:nvPr>
+            <p:ph type="body" idx="1"/>
+          </p:nvPr>
+        </p:nvSpPr>
+        <p:spPr>
+          <a:xfrm>
+            <a:off x="914400" y="133350"/>
+            <a:ext cx="7772400" cy="5010150"/>
+          </a:xfrm>
+        </p:spPr>
+        <p:txBody>
+          <a:bodyPr/>
+          <a:lstStyle/>
+          <a:p>
+            <a:pPr marL="285750" indent="-285750">
+              <a:buClr>
+                <a:schemeClr val="bg1"/>
+              </a:buClr>
+              <a:buFont typeface="Arial" panose="020B0604020202020204" pitchFamily="34" charset="0"/>
+              <a:buChar char="•"/>
+            </a:pPr>
+            <a:r>
+              <a:rPr lang="en-US" sz="1800" b="1" dirty="0">
+                <a:solidFill>
+                  <a:schemeClr val="bg1"/>
+                </a:solidFill>
+              </a:rPr>
+              <a:t>Steps:</a:t>
+            </a:r>
+            <a:endParaRPr lang="en-US" sz="1800" dirty="0">
+              <a:solidFill>
+                <a:schemeClr val="bg1"/>
+              </a:solidFill>
+            </a:endParaRPr>
+          </a:p>
+          <a:p>
+            <a:r>
+              <a:rPr lang="en-US" sz="1800" i="1" dirty="0">
+                <a:solidFill>
+                  <a:schemeClr val="bg1"/>
+                </a:solidFill>
+              </a:rPr>
+              <a:t>Actor actions</a:t>
+            </a:r>
+            <a:r>
+              <a:rPr lang="en-US" sz="1800" dirty="0">
+                <a:solidFill>
+                  <a:schemeClr val="bg1"/>
+                </a:solidFill>
+              </a:rPr>
+              <a:t>			</a:t>
+            </a:r>
+            <a:r>
+              <a:rPr lang="en-US" sz="1800" i="1" dirty="0" smtClean="0">
+                <a:solidFill>
+                  <a:schemeClr val="bg1"/>
+                </a:solidFill>
+              </a:rPr>
+              <a:t>System </a:t>
+            </a:r>
+            <a:r>
+              <a:rPr lang="en-US" sz="1800" i="1" dirty="0">
+                <a:solidFill>
+                  <a:schemeClr val="bg1"/>
+                </a:solidFill>
+              </a:rPr>
+              <a:t>responses</a:t>
+            </a:r>
+            <a:endParaRPr lang="en-US" sz="1800" dirty="0">
+              <a:solidFill>
+                <a:schemeClr val="bg1"/>
+              </a:solidFill>
+            </a:endParaRPr>
+          </a:p>
+          <a:p>
+            <a:r>
+              <a:rPr lang="en-US" sz="1800" dirty="0">
+                <a:solidFill>
+                  <a:schemeClr val="tx1"/>
+                </a:solidFill>
+              </a:rPr>
+              <a:t>1. Choose “Order”.		</a:t>
+            </a:r>
+            <a:r>
+              <a:rPr lang="en-US" sz="1800" dirty="0" smtClean="0">
+                <a:solidFill>
+                  <a:schemeClr val="tx1"/>
+                </a:solidFill>
+              </a:rPr>
+              <a:t>2</a:t>
+            </a:r>
+            <a:r>
+              <a:rPr lang="en-US" sz="1800" dirty="0">
+                <a:solidFill>
+                  <a:schemeClr val="tx1"/>
+                </a:solidFill>
+              </a:rPr>
+              <a:t>. Direct to order page.</a:t>
+            </a:r>
+          </a:p>
+          <a:p>
+            <a:r>
+              <a:rPr lang="en-US" sz="1800" dirty="0">
+                <a:solidFill>
+                  <a:schemeClr val="tx1"/>
+                </a:solidFill>
+              </a:rPr>
+              <a:t>3. Type in guests’ number to </a:t>
+            </a:r>
+            <a:r>
+              <a:rPr lang="en-US" sz="1800" dirty="0" smtClean="0">
+                <a:solidFill>
+                  <a:schemeClr val="tx1"/>
+                </a:solidFill>
+              </a:rPr>
+              <a:t>	</a:t>
+            </a:r>
+            <a:r>
+              <a:rPr lang="en-US" sz="1800" dirty="0">
+                <a:solidFill>
+                  <a:schemeClr val="tx1"/>
+                </a:solidFill>
+              </a:rPr>
+              <a:t>4. Direct to menu page</a:t>
+            </a:r>
+            <a:r>
+              <a:rPr lang="en-US" sz="1800" dirty="0" smtClean="0">
+                <a:solidFill>
+                  <a:schemeClr val="tx1"/>
+                </a:solidFill>
+              </a:rPr>
+              <a:t>.</a:t>
+            </a:r>
+          </a:p>
+          <a:p>
+            <a:r>
+              <a:rPr lang="en-US" sz="1800" dirty="0">
+                <a:solidFill>
+                  <a:schemeClr val="tx1"/>
+                </a:solidFill>
+              </a:rPr>
+              <a:t> </a:t>
+            </a:r>
+            <a:r>
+              <a:rPr lang="en-US" sz="1800" dirty="0" smtClean="0">
+                <a:solidFill>
+                  <a:schemeClr val="tx1"/>
+                </a:solidFill>
+              </a:rPr>
+              <a:t>   initialize </a:t>
+            </a:r>
+            <a:r>
+              <a:rPr lang="en-US" sz="1800" dirty="0">
+                <a:solidFill>
+                  <a:schemeClr val="tx1"/>
+                </a:solidFill>
+              </a:rPr>
+              <a:t>the </a:t>
+            </a:r>
+            <a:r>
+              <a:rPr lang="en-US" sz="1800" dirty="0" smtClean="0">
+                <a:solidFill>
+                  <a:schemeClr val="tx1"/>
+                </a:solidFill>
+              </a:rPr>
+              <a:t>order </a:t>
+            </a:r>
+            <a:r>
+              <a:rPr lang="en-US" sz="1800" dirty="0">
+                <a:solidFill>
+                  <a:schemeClr val="tx1"/>
+                </a:solidFill>
+              </a:rPr>
+              <a:t>page. </a:t>
+            </a:r>
+          </a:p>
+          <a:p>
+            <a:r>
+              <a:rPr lang="en-US" sz="1800" dirty="0">
+                <a:solidFill>
+                  <a:schemeClr val="tx1"/>
+                </a:solidFill>
+              </a:rPr>
+              <a:t>5. Click “Appetizer”, “Entrée” </a:t>
+            </a:r>
+            <a:r>
+              <a:rPr lang="en-US" sz="1800" dirty="0" smtClean="0">
+                <a:solidFill>
+                  <a:schemeClr val="tx1"/>
+                </a:solidFill>
+              </a:rPr>
+              <a:t>	</a:t>
+            </a:r>
+            <a:r>
+              <a:rPr lang="en-US" sz="1800" dirty="0">
+                <a:solidFill>
+                  <a:schemeClr val="tx1"/>
+                </a:solidFill>
+              </a:rPr>
+              <a:t>6. Prompt a list of menu</a:t>
+            </a:r>
+            <a:r>
+              <a:rPr lang="en-US" sz="1800" dirty="0" smtClean="0">
+                <a:solidFill>
+                  <a:schemeClr val="tx1"/>
+                </a:solidFill>
+              </a:rPr>
+              <a:t>.</a:t>
+            </a:r>
+          </a:p>
+          <a:p>
+            <a:r>
+              <a:rPr lang="en-US" sz="1800" dirty="0" smtClean="0">
+                <a:solidFill>
+                  <a:schemeClr val="tx1"/>
+                </a:solidFill>
+              </a:rPr>
+              <a:t>    or </a:t>
+            </a:r>
+            <a:r>
+              <a:rPr lang="en-US" sz="1800" dirty="0">
+                <a:solidFill>
+                  <a:schemeClr val="tx1"/>
+                </a:solidFill>
+              </a:rPr>
+              <a:t>“</a:t>
+            </a:r>
+            <a:r>
+              <a:rPr lang="en-US" sz="1800" dirty="0" smtClean="0">
+                <a:solidFill>
+                  <a:schemeClr val="tx1"/>
+                </a:solidFill>
+              </a:rPr>
+              <a:t>Dissert” to </a:t>
+            </a:r>
+            <a:r>
+              <a:rPr lang="en-US" sz="1800" dirty="0">
+                <a:solidFill>
+                  <a:schemeClr val="tx1"/>
+                </a:solidFill>
+              </a:rPr>
+              <a:t>order.</a:t>
+            </a:r>
+          </a:p>
+          <a:p>
+            <a:r>
+              <a:rPr lang="en-US" sz="1800" dirty="0">
+                <a:solidFill>
+                  <a:schemeClr val="tx1"/>
+                </a:solidFill>
+              </a:rPr>
+              <a:t>7. Sort the courses by hitting </a:t>
+            </a:r>
+            <a:r>
+              <a:rPr lang="en-US" sz="1800" dirty="0" smtClean="0">
+                <a:solidFill>
+                  <a:schemeClr val="tx1"/>
+                </a:solidFill>
+              </a:rPr>
+              <a:t>	8</a:t>
+            </a:r>
+            <a:r>
+              <a:rPr lang="en-US" sz="1800" dirty="0">
+                <a:solidFill>
+                  <a:schemeClr val="tx1"/>
+                </a:solidFill>
+              </a:rPr>
+              <a:t>. Display courses of the chosen the </a:t>
+            </a:r>
+          </a:p>
+          <a:p>
+            <a:r>
+              <a:rPr lang="en-US" sz="1800" dirty="0" smtClean="0">
+                <a:solidFill>
+                  <a:schemeClr val="tx1"/>
+                </a:solidFill>
+              </a:rPr>
+              <a:t>    sorting button.			    category</a:t>
+            </a:r>
+            <a:r>
+              <a:rPr lang="en-US" sz="1800" dirty="0">
+                <a:solidFill>
+                  <a:schemeClr val="tx1"/>
+                </a:solidFill>
+              </a:rPr>
+              <a:t>.</a:t>
+            </a:r>
+            <a:endParaRPr lang="en-US" sz="1800" dirty="0" smtClean="0">
+              <a:solidFill>
+                <a:schemeClr val="tx1"/>
+              </a:solidFill>
+            </a:endParaRPr>
+          </a:p>
+          <a:p>
+            <a:r>
+              <a:rPr lang="en-US" sz="1800" dirty="0" smtClean="0">
+                <a:solidFill>
+                  <a:schemeClr val="tx1"/>
+                </a:solidFill>
+              </a:rPr>
+              <a:t>9</a:t>
+            </a:r>
+            <a:r>
+              <a:rPr lang="en-US" sz="1800" dirty="0">
+                <a:solidFill>
+                  <a:schemeClr val="tx1"/>
+                </a:solidFill>
+              </a:rPr>
+              <a:t>. Check the courses and input </a:t>
+            </a:r>
+            <a:r>
+              <a:rPr lang="en-US" sz="1800" dirty="0" smtClean="0">
+                <a:solidFill>
+                  <a:schemeClr val="tx1"/>
+                </a:solidFill>
+              </a:rPr>
+              <a:t>	</a:t>
+            </a:r>
+            <a:r>
+              <a:rPr lang="en-US" sz="1800" dirty="0">
+                <a:solidFill>
+                  <a:schemeClr val="tx1"/>
+                </a:solidFill>
+              </a:rPr>
+              <a:t>10. Display the course names and the amount, click “Done” 	</a:t>
+            </a:r>
+            <a:r>
+              <a:rPr lang="en-US" sz="1800" dirty="0" smtClean="0">
+                <a:solidFill>
+                  <a:schemeClr val="tx1"/>
+                </a:solidFill>
+              </a:rPr>
+              <a:t>	    total </a:t>
+            </a:r>
+            <a:r>
+              <a:rPr lang="en-US" sz="1800" dirty="0">
+                <a:solidFill>
+                  <a:schemeClr val="tx1"/>
+                </a:solidFill>
+              </a:rPr>
+              <a:t>price</a:t>
+            </a:r>
+            <a:r>
+              <a:rPr lang="en-US" sz="1800" dirty="0" smtClean="0">
+                <a:solidFill>
+                  <a:schemeClr val="tx1"/>
+                </a:solidFill>
+              </a:rPr>
+              <a:t>. </a:t>
+            </a:r>
+            <a:r>
+              <a:rPr lang="en-US" sz="1800" dirty="0">
+                <a:solidFill>
+                  <a:schemeClr val="tx1"/>
+                </a:solidFill>
+              </a:rPr>
+              <a:t>Display “Next” button</a:t>
+            </a:r>
+            <a:r>
+              <a:rPr lang="en-US" sz="1800" dirty="0" smtClean="0">
+                <a:solidFill>
+                  <a:schemeClr val="tx1"/>
+                </a:solidFill>
+              </a:rPr>
+              <a:t>,</a:t>
+            </a:r>
+          </a:p>
+          <a:p>
+            <a:r>
+              <a:rPr lang="en-US" sz="1800" dirty="0" smtClean="0">
+                <a:solidFill>
+                  <a:schemeClr val="tx1"/>
+                </a:solidFill>
+              </a:rPr>
+              <a:t>when </a:t>
+            </a:r>
+            <a:r>
+              <a:rPr lang="en-US" sz="1800" dirty="0">
+                <a:solidFill>
+                  <a:schemeClr val="tx1"/>
+                </a:solidFill>
+              </a:rPr>
+              <a:t>the order is completed.	</a:t>
+            </a:r>
+            <a:r>
+              <a:rPr lang="en-US" sz="1800" dirty="0" smtClean="0">
+                <a:solidFill>
+                  <a:schemeClr val="tx1"/>
+                </a:solidFill>
+              </a:rPr>
+              <a:t>    if </a:t>
+            </a:r>
+            <a:r>
+              <a:rPr lang="en-US" sz="1800" dirty="0">
+                <a:solidFill>
+                  <a:schemeClr val="tx1"/>
+                </a:solidFill>
+              </a:rPr>
+              <a:t>any other guests </a:t>
+            </a:r>
+            <a:r>
+              <a:rPr lang="en-US" sz="1800" dirty="0" smtClean="0">
+                <a:solidFill>
+                  <a:schemeClr val="tx1"/>
+                </a:solidFill>
+              </a:rPr>
+              <a:t>need to </a:t>
+            </a:r>
+            <a:r>
+              <a:rPr lang="en-US" sz="1800" dirty="0">
+                <a:solidFill>
+                  <a:schemeClr val="tx1"/>
+                </a:solidFill>
+              </a:rPr>
+              <a:t>order, </a:t>
+            </a:r>
+            <a:r>
+              <a:rPr lang="en-US" sz="1800" dirty="0" smtClean="0">
+                <a:solidFill>
+                  <a:schemeClr val="tx1"/>
+                </a:solidFill>
+              </a:rPr>
+              <a:t>				    then </a:t>
+            </a:r>
+            <a:r>
+              <a:rPr lang="en-US" sz="1800" dirty="0">
+                <a:solidFill>
+                  <a:schemeClr val="tx1"/>
+                </a:solidFill>
+              </a:rPr>
+              <a:t>go to step 2. Otherwise, </a:t>
+            </a:r>
+            <a:r>
+              <a:rPr lang="en-US" sz="1800" dirty="0" smtClean="0">
+                <a:solidFill>
+                  <a:schemeClr val="tx1"/>
+                </a:solidFill>
+              </a:rPr>
+              <a:t>					    display a </a:t>
+            </a:r>
+            <a:r>
+              <a:rPr lang="en-US" sz="1800" dirty="0">
+                <a:solidFill>
+                  <a:schemeClr val="tx1"/>
+                </a:solidFill>
+              </a:rPr>
+              <a:t>textbox for table number </a:t>
+            </a:r>
+            <a:r>
+              <a:rPr lang="en-US" sz="1800" dirty="0" smtClean="0">
+                <a:solidFill>
+                  <a:schemeClr val="tx1"/>
+                </a:solidFill>
+              </a:rPr>
+              <a:t>				    and </a:t>
+            </a:r>
+            <a:r>
+              <a:rPr lang="en-US" sz="1800" dirty="0">
+                <a:solidFill>
+                  <a:schemeClr val="tx1"/>
+                </a:solidFill>
+              </a:rPr>
+              <a:t>a “Print” button.</a:t>
+            </a:r>
+          </a:p>
+          <a:p>
+            <a:r>
+              <a:rPr lang="en-US" sz="1800" dirty="0">
+                <a:solidFill>
+                  <a:schemeClr val="tx1"/>
+                </a:solidFill>
+              </a:rPr>
+              <a:t>11. Type in table number, click </a:t>
+            </a:r>
+            <a:r>
+              <a:rPr lang="en-US" sz="1800" dirty="0" smtClean="0">
+                <a:solidFill>
+                  <a:schemeClr val="tx1"/>
+                </a:solidFill>
+              </a:rPr>
+              <a:t>	</a:t>
+            </a:r>
+            <a:r>
+              <a:rPr lang="en-US" sz="1800" dirty="0">
+                <a:solidFill>
+                  <a:schemeClr val="tx1"/>
+                </a:solidFill>
+              </a:rPr>
+              <a:t>12. Print out an order summary of </a:t>
+            </a:r>
+          </a:p>
+          <a:p>
+            <a:r>
+              <a:rPr lang="en-US" sz="1800" dirty="0" smtClean="0">
+                <a:solidFill>
+                  <a:schemeClr val="tx1"/>
+                </a:solidFill>
+              </a:rPr>
+              <a:t>    “</a:t>
+            </a:r>
+            <a:r>
+              <a:rPr lang="en-US" sz="1800" dirty="0">
+                <a:solidFill>
+                  <a:schemeClr val="tx1"/>
+                </a:solidFill>
+              </a:rPr>
+              <a:t>Print”. </a:t>
+            </a:r>
+            <a:r>
+              <a:rPr lang="en-US" sz="1800" dirty="0" smtClean="0">
+                <a:solidFill>
+                  <a:schemeClr val="tx1"/>
+                </a:solidFill>
+              </a:rPr>
+              <a:t>			    this </a:t>
+            </a:r>
+            <a:r>
+              <a:rPr lang="en-US" sz="1800" dirty="0">
+                <a:solidFill>
+                  <a:schemeClr val="tx1"/>
+                </a:solidFill>
+              </a:rPr>
+              <a:t>table.</a:t>
+            </a:r>
+          </a:p>
+          <a:p>
+            <a:endParaRPr lang="en-US" sz="1800" dirty="0" smtClean="0">
+              <a:solidFill>
+                <a:schemeClr val="tx1"/>
+              </a:solidFill>
+            </a:endParaRPr>
+          </a:p>
+          <a:p>
+            <a:r>
+              <a:rPr lang="en-US" sz="1800" dirty="0">
+                <a:solidFill>
+                  <a:schemeClr val="tx1"/>
+                </a:solidFill>
+              </a:rPr>
+              <a:t>		</a:t>
+            </a:r>
+          </a:p>
+        </p:txBody>
+      </p:sp>
+    </p:spTree>
+    <p:extLst>
+      <p:ext uri="{BB962C8B-B14F-4D97-AF65-F5344CB8AC3E}">
+        <p14:creationId xmlns:p14="http://schemas.microsoft.com/office/powerpoint/2010/main" val="1100892353"/>
+      </p:ext>
+    </p:extLst>
+  </p:cSld>
+  <p:clrMapOvr>
+    <a:masterClrMapping/>
+  </p:clrMapOvr>
+</p:sld>
+</file>
+
+<file path=ppt/slides/slide11.xml><?xml version="1.0" encoding="utf-8"?>
+<p:sld xmlns:a="http://schemas.openxmlformats.org/drawingml/2006/main" xmlns:r="http://schemas.openxmlformats.org/officeDocument/2006/relationships" xmlns:p="http://schemas.openxmlformats.org/presentationml/2006/main">
+  <p:cSld>
+    <p:spTree>
+      <p:nvGrpSpPr>
+        <p:cNvPr id="1" name=""/>
+        <p:cNvGrpSpPr/>
+        <p:nvPr/>
+      </p:nvGrpSpPr>
+      <p:grpSpPr>
+        <a:xfrm>
+          <a:off x="0" y="0"/>
+          <a:ext cx="0" cy="0"/>
+          <a:chOff x="0" y="0"/>
+          <a:chExt cx="0" cy="0"/>
+        </a:xfrm>
+      </p:grpSpPr>
+      <p:sp>
+        <p:nvSpPr>
+          <p:cNvPr id="2" name="Text Placeholder 1"/>
+          <p:cNvSpPr>
+            <a:spLocks noGrp="1"/>
+          </p:cNvSpPr>
+          <p:nvPr>
+            <p:ph type="body" idx="1"/>
+          </p:nvPr>
+        </p:nvSpPr>
+        <p:spPr>
+          <a:xfrm>
+            <a:off x="914400" y="1276350"/>
+            <a:ext cx="7772400" cy="3598192"/>
+          </a:xfrm>
+        </p:spPr>
+        <p:txBody>
+          <a:bodyPr/>
+          <a:lstStyle/>
+          <a:p>
+            <a:pPr marL="342900" indent="-342900">
+              <a:buClr>
+                <a:schemeClr val="bg1"/>
+              </a:buClr>
+              <a:buFont typeface="Arial" panose="020B0604020202020204" pitchFamily="34" charset="0"/>
+              <a:buChar char="•"/>
+            </a:pPr>
+            <a:r>
+              <a:rPr lang="en-US" sz="2400" dirty="0" smtClean="0">
+                <a:solidFill>
+                  <a:schemeClr val="bg1"/>
+                </a:solidFill>
+              </a:rPr>
+              <a:t>Post </a:t>
+            </a:r>
+            <a:r>
+              <a:rPr lang="en-US" sz="2400" dirty="0">
+                <a:solidFill>
+                  <a:schemeClr val="bg1"/>
+                </a:solidFill>
+              </a:rPr>
+              <a:t>condition: </a:t>
+            </a:r>
+            <a:r>
+              <a:rPr lang="en-US" sz="2400" dirty="0">
+                <a:solidFill>
+                  <a:schemeClr val="tx1"/>
+                </a:solidFill>
+              </a:rPr>
+              <a:t>Order information should be recorded to database successfully.</a:t>
+            </a:r>
+          </a:p>
+          <a:p>
+            <a:endParaRPr lang="en-US" dirty="0"/>
+          </a:p>
+        </p:txBody>
+      </p:sp>
+    </p:spTree>
+    <p:extLst>
+      <p:ext uri="{BB962C8B-B14F-4D97-AF65-F5344CB8AC3E}">
+        <p14:creationId xmlns:p14="http://schemas.microsoft.com/office/powerpoint/2010/main" val="777232676"/>
+      </p:ext>
+    </p:extLst>
+  </p:cSld>
+  <p:clrMapOvr>
+    <a:masterClrMapping/>
+  </p:clrMapOvr>
+</p:sld>
+</file>
+
+<file path=ppt/slides/slide12.xml><?xml version="1.0" encoding="utf-8"?>
+<p:sld xmlns:a="http://schemas.openxmlformats.org/drawingml/2006/main" xmlns:r="http://schemas.openxmlformats.org/officeDocument/2006/relationships" xmlns:p="http://schemas.openxmlformats.org/presentationml/2006/main">
+  <p:cSld>
+    <p:spTree>
+      <p:nvGrpSpPr>
+        <p:cNvPr id="1" name=""/>
+        <p:cNvGrpSpPr/>
+        <p:nvPr/>
+      </p:nvGrpSpPr>
+      <p:grpSpPr>
+        <a:xfrm>
+          <a:off x="0" y="0"/>
+          <a:ext cx="0" cy="0"/>
+          <a:chOff x="0" y="0"/>
+          <a:chExt cx="0" cy="0"/>
+        </a:xfrm>
+      </p:grpSpPr>
+      <p:sp>
+        <p:nvSpPr>
+          <p:cNvPr id="2" name="Text Placeholder 1"/>
+          <p:cNvSpPr>
+            <a:spLocks noGrp="1"/>
+          </p:cNvSpPr>
+          <p:nvPr>
+            <p:ph type="body" idx="1"/>
+          </p:nvPr>
+        </p:nvSpPr>
+        <p:spPr>
+          <a:xfrm>
+            <a:off x="914400" y="1244242"/>
+            <a:ext cx="7772400" cy="3630300"/>
+          </a:xfrm>
+        </p:spPr>
+        <p:txBody>
+          <a:bodyPr/>
+          <a:lstStyle/>
+          <a:p>
+            <a:r>
+              <a:rPr lang="en-US" sz="1800" dirty="0">
+                <a:solidFill>
+                  <a:schemeClr val="bg1"/>
+                </a:solidFill>
+              </a:rPr>
+              <a:t>Steps:</a:t>
+            </a:r>
+          </a:p>
+          <a:p>
+            <a:r>
+              <a:rPr lang="en-US" sz="1800" dirty="0">
+                <a:solidFill>
+                  <a:schemeClr val="bg1"/>
+                </a:solidFill>
+              </a:rPr>
+              <a:t>Actor actions			</a:t>
+            </a:r>
+            <a:r>
+              <a:rPr lang="en-US" sz="1800" dirty="0" smtClean="0">
+                <a:solidFill>
+                  <a:schemeClr val="bg1"/>
+                </a:solidFill>
+              </a:rPr>
+              <a:t>System </a:t>
+            </a:r>
+            <a:r>
+              <a:rPr lang="en-US" sz="1800" dirty="0">
+                <a:solidFill>
+                  <a:schemeClr val="bg1"/>
+                </a:solidFill>
+              </a:rPr>
+              <a:t>responses</a:t>
+            </a:r>
+          </a:p>
+          <a:p>
+            <a:r>
+              <a:rPr lang="en-US" sz="1800" dirty="0" smtClean="0">
+                <a:solidFill>
+                  <a:schemeClr val="tx1"/>
+                </a:solidFill>
+              </a:rPr>
+              <a:t>1. Click </a:t>
+            </a:r>
+            <a:r>
+              <a:rPr lang="en-US" sz="1800" dirty="0">
+                <a:solidFill>
+                  <a:schemeClr val="tx1"/>
+                </a:solidFill>
+              </a:rPr>
+              <a:t>on “Order” button.	</a:t>
+            </a:r>
+            <a:r>
+              <a:rPr lang="en-US" sz="1800" dirty="0" smtClean="0">
+                <a:solidFill>
+                  <a:schemeClr val="tx1"/>
+                </a:solidFill>
+              </a:rPr>
+              <a:t>2. Display </a:t>
+            </a:r>
+            <a:r>
+              <a:rPr lang="en-US" sz="1800" dirty="0">
+                <a:solidFill>
+                  <a:schemeClr val="tx1"/>
+                </a:solidFill>
+              </a:rPr>
+              <a:t>the order page, ask for </a:t>
+            </a:r>
+            <a:r>
+              <a:rPr lang="en-US" sz="1800" dirty="0" smtClean="0">
+                <a:solidFill>
+                  <a:schemeClr val="tx1"/>
+                </a:solidFill>
+              </a:rPr>
+              <a:t>					number </a:t>
+            </a:r>
+            <a:r>
+              <a:rPr lang="en-US" sz="1800" dirty="0">
+                <a:solidFill>
+                  <a:schemeClr val="tx1"/>
+                </a:solidFill>
+              </a:rPr>
+              <a:t>of guests.</a:t>
+            </a:r>
+          </a:p>
+          <a:p>
+            <a:r>
+              <a:rPr lang="en-US" sz="1800" dirty="0" smtClean="0">
+                <a:solidFill>
+                  <a:schemeClr val="tx1"/>
+                </a:solidFill>
+              </a:rPr>
+              <a:t>3. Type </a:t>
+            </a:r>
+            <a:r>
+              <a:rPr lang="en-US" sz="1800" dirty="0">
+                <a:solidFill>
+                  <a:schemeClr val="tx1"/>
+                </a:solidFill>
+              </a:rPr>
+              <a:t>in “2”, click “Submit”.	</a:t>
+            </a:r>
+            <a:r>
+              <a:rPr lang="en-US" sz="1800" dirty="0" smtClean="0">
+                <a:solidFill>
+                  <a:schemeClr val="tx1"/>
+                </a:solidFill>
+              </a:rPr>
+              <a:t>4. Display </a:t>
+            </a:r>
+            <a:r>
+              <a:rPr lang="en-US" sz="1800" dirty="0">
+                <a:solidFill>
+                  <a:schemeClr val="tx1"/>
+                </a:solidFill>
+              </a:rPr>
+              <a:t>the menu page for guest 1.</a:t>
+            </a:r>
+          </a:p>
+          <a:p>
+            <a:r>
+              <a:rPr lang="en-US" sz="1800" dirty="0" smtClean="0">
+                <a:solidFill>
+                  <a:schemeClr val="tx1"/>
+                </a:solidFill>
+              </a:rPr>
+              <a:t>5. Click </a:t>
+            </a:r>
+            <a:r>
+              <a:rPr lang="en-US" sz="1800" dirty="0">
+                <a:solidFill>
+                  <a:schemeClr val="tx1"/>
+                </a:solidFill>
+              </a:rPr>
+              <a:t>“Appetizer”, check </a:t>
+            </a:r>
+            <a:endParaRPr lang="en-US" sz="1800" dirty="0" smtClean="0">
+              <a:solidFill>
+                <a:schemeClr val="tx1"/>
+              </a:solidFill>
+            </a:endParaRPr>
+          </a:p>
+          <a:p>
+            <a:r>
+              <a:rPr lang="en-US" sz="1800" dirty="0" smtClean="0">
+                <a:solidFill>
+                  <a:schemeClr val="tx1"/>
+                </a:solidFill>
+              </a:rPr>
+              <a:t>    “</a:t>
+            </a:r>
+            <a:r>
+              <a:rPr lang="en-US" sz="1800" dirty="0">
+                <a:solidFill>
+                  <a:schemeClr val="tx1"/>
+                </a:solidFill>
+              </a:rPr>
+              <a:t>Chicken Wings” </a:t>
+            </a:r>
+            <a:r>
+              <a:rPr lang="en-US" sz="1800" dirty="0" smtClean="0">
+                <a:solidFill>
+                  <a:schemeClr val="tx1"/>
+                </a:solidFill>
+              </a:rPr>
+              <a:t>and</a:t>
+            </a:r>
+            <a:r>
+              <a:rPr lang="en-US" sz="1800" dirty="0">
+                <a:solidFill>
+                  <a:schemeClr val="tx1"/>
+                </a:solidFill>
+              </a:rPr>
+              <a:t> </a:t>
+            </a:r>
+            <a:r>
+              <a:rPr lang="en-US" sz="1800" dirty="0" smtClean="0">
+                <a:solidFill>
+                  <a:schemeClr val="tx1"/>
+                </a:solidFill>
+              </a:rPr>
+              <a:t>type </a:t>
+            </a:r>
+            <a:r>
+              <a:rPr lang="en-US" sz="1800" dirty="0">
+                <a:solidFill>
+                  <a:schemeClr val="tx1"/>
+                </a:solidFill>
+              </a:rPr>
+              <a:t>in </a:t>
+            </a:r>
+            <a:endParaRPr lang="en-US" sz="1800" dirty="0" smtClean="0">
+              <a:solidFill>
+                <a:schemeClr val="tx1"/>
+              </a:solidFill>
+            </a:endParaRPr>
+          </a:p>
+          <a:p>
+            <a:r>
+              <a:rPr lang="en-US" sz="1800" dirty="0">
+                <a:solidFill>
+                  <a:schemeClr val="tx1"/>
+                </a:solidFill>
+              </a:rPr>
+              <a:t> </a:t>
+            </a:r>
+            <a:r>
+              <a:rPr lang="en-US" sz="1800" dirty="0" smtClean="0">
+                <a:solidFill>
+                  <a:schemeClr val="tx1"/>
+                </a:solidFill>
+              </a:rPr>
+              <a:t>   “</a:t>
+            </a:r>
+            <a:r>
+              <a:rPr lang="en-US" sz="1800" dirty="0">
+                <a:solidFill>
+                  <a:schemeClr val="tx1"/>
+                </a:solidFill>
+              </a:rPr>
+              <a:t>2”.	</a:t>
+            </a:r>
+          </a:p>
+          <a:p>
+            <a:r>
+              <a:rPr lang="en-US" sz="1800" dirty="0" smtClean="0">
+                <a:solidFill>
+                  <a:schemeClr val="tx1"/>
+                </a:solidFill>
+              </a:rPr>
+              <a:t>6. Click </a:t>
+            </a:r>
+            <a:r>
+              <a:rPr lang="en-US" sz="1800" dirty="0">
+                <a:solidFill>
+                  <a:schemeClr val="tx1"/>
+                </a:solidFill>
+              </a:rPr>
+              <a:t>“Entrée”, check “Beef </a:t>
+            </a:r>
+            <a:endParaRPr lang="en-US" sz="1800" dirty="0" smtClean="0">
+              <a:solidFill>
+                <a:schemeClr val="tx1"/>
+              </a:solidFill>
+            </a:endParaRPr>
+          </a:p>
+          <a:p>
+            <a:r>
+              <a:rPr lang="en-US" sz="1800" dirty="0" smtClean="0">
+                <a:solidFill>
+                  <a:schemeClr val="tx1"/>
+                </a:solidFill>
+              </a:rPr>
+              <a:t>    Ramen</a:t>
+            </a:r>
+            <a:r>
+              <a:rPr lang="en-US" sz="1800" dirty="0">
+                <a:solidFill>
+                  <a:schemeClr val="tx1"/>
+                </a:solidFill>
+              </a:rPr>
+              <a:t>” and </a:t>
+            </a:r>
+            <a:r>
+              <a:rPr lang="en-US" sz="1800" dirty="0" smtClean="0">
+                <a:solidFill>
+                  <a:schemeClr val="tx1"/>
+                </a:solidFill>
+              </a:rPr>
+              <a:t>type</a:t>
+            </a:r>
+            <a:r>
+              <a:rPr lang="en-US" sz="1800" dirty="0">
+                <a:solidFill>
+                  <a:schemeClr val="tx1"/>
+                </a:solidFill>
+              </a:rPr>
+              <a:t> </a:t>
+            </a:r>
+            <a:r>
+              <a:rPr lang="en-US" sz="1800" dirty="0" smtClean="0">
+                <a:solidFill>
+                  <a:schemeClr val="tx1"/>
+                </a:solidFill>
+              </a:rPr>
+              <a:t>in </a:t>
+            </a:r>
+            <a:r>
+              <a:rPr lang="en-US" sz="1800" dirty="0">
+                <a:solidFill>
+                  <a:schemeClr val="tx1"/>
+                </a:solidFill>
+              </a:rPr>
+              <a:t>“1”. </a:t>
+            </a:r>
+          </a:p>
+          <a:p>
+            <a:r>
+              <a:rPr lang="en-US" sz="1800" dirty="0" smtClean="0">
+                <a:solidFill>
+                  <a:schemeClr val="tx1"/>
+                </a:solidFill>
+              </a:rPr>
+              <a:t>7. Click </a:t>
+            </a:r>
+            <a:r>
+              <a:rPr lang="en-US" sz="1800" dirty="0">
+                <a:solidFill>
+                  <a:schemeClr val="tx1"/>
+                </a:solidFill>
+              </a:rPr>
+              <a:t>“Done”.	</a:t>
+            </a:r>
+            <a:r>
+              <a:rPr lang="en-US" sz="1800" dirty="0" smtClean="0">
+                <a:solidFill>
+                  <a:schemeClr val="tx1"/>
+                </a:solidFill>
+              </a:rPr>
+              <a:t>		8. Display </a:t>
+            </a:r>
+            <a:r>
+              <a:rPr lang="en-US" sz="1800" dirty="0">
+                <a:solidFill>
+                  <a:schemeClr val="tx1"/>
+                </a:solidFill>
+              </a:rPr>
+              <a:t>“Chicken Wings × 2, Beef </a:t>
+            </a:r>
+            <a:r>
+              <a:rPr lang="en-US" sz="1800" dirty="0" smtClean="0">
+                <a:solidFill>
+                  <a:schemeClr val="tx1"/>
+                </a:solidFill>
+              </a:rPr>
+              <a:t>				    Ramen </a:t>
+            </a:r>
+            <a:r>
+              <a:rPr lang="en-US" sz="1800" dirty="0">
+                <a:solidFill>
+                  <a:schemeClr val="tx1"/>
+                </a:solidFill>
+              </a:rPr>
+              <a:t>× 1, Total Price $15.00” </a:t>
+            </a:r>
+            <a:r>
+              <a:rPr lang="en-US" sz="1800" dirty="0" smtClean="0">
+                <a:solidFill>
+                  <a:schemeClr val="tx1"/>
+                </a:solidFill>
+              </a:rPr>
+              <a:t>					    and </a:t>
+            </a:r>
+            <a:r>
+              <a:rPr lang="en-US" sz="1800" dirty="0">
+                <a:solidFill>
+                  <a:schemeClr val="tx1"/>
+                </a:solidFill>
+              </a:rPr>
+              <a:t>“Next” button</a:t>
+            </a:r>
+            <a:r>
+              <a:rPr lang="en-US" sz="1800" dirty="0" smtClean="0">
+                <a:solidFill>
+                  <a:schemeClr val="tx1"/>
+                </a:solidFill>
+              </a:rPr>
+              <a:t>.</a:t>
+            </a:r>
+            <a:endParaRPr lang="en-US" sz="1800" dirty="0">
+              <a:solidFill>
+                <a:schemeClr val="tx1"/>
+              </a:solidFill>
+            </a:endParaRPr>
+          </a:p>
+        </p:txBody>
+      </p:sp>
+      <p:sp>
+        <p:nvSpPr>
+          <p:cNvPr id="3" name="Title 2"/>
+          <p:cNvSpPr>
+            <a:spLocks noGrp="1"/>
+          </p:cNvSpPr>
+          <p:nvPr>
+            <p:ph type="title"/>
+          </p:nvPr>
+        </p:nvSpPr>
+        <p:spPr>
+          <a:xfrm>
+            <a:off x="914400" y="205978"/>
+            <a:ext cx="7772400" cy="994200"/>
+          </a:xfrm>
+        </p:spPr>
+        <p:txBody>
+          <a:bodyPr/>
+          <a:lstStyle/>
+          <a:p>
+            <a:r>
+              <a:rPr lang="en-US" dirty="0" smtClean="0">
+                <a:solidFill>
+                  <a:schemeClr val="bg1"/>
+                </a:solidFill>
+              </a:rPr>
+              <a:t>Scenarios</a:t>
+            </a:r>
+            <a:endParaRPr lang="en-US" dirty="0">
+              <a:solidFill>
+                <a:schemeClr val="bg1"/>
+              </a:solidFill>
+            </a:endParaRPr>
+          </a:p>
+        </p:txBody>
+      </p:sp>
+    </p:spTree>
+    <p:extLst>
+      <p:ext uri="{BB962C8B-B14F-4D97-AF65-F5344CB8AC3E}">
+        <p14:creationId xmlns:p14="http://schemas.microsoft.com/office/powerpoint/2010/main" val="1396403314"/>
+      </p:ext>
+    </p:extLst>
+  </p:cSld>
+  <p:clrMapOvr>
+    <a:masterClrMapping/>
+  </p:clrMapOvr>
+</p:sld>
+</file>
+
+<file path=ppt/slides/slide13.xml><?xml version="1.0" encoding="utf-8"?>
+<p:sld xmlns:a="http://schemas.openxmlformats.org/drawingml/2006/main" xmlns:r="http://schemas.openxmlformats.org/officeDocument/2006/relationships" xmlns:p="http://schemas.openxmlformats.org/presentationml/2006/main">
+  <p:cSld>
+    <p:spTree>
+      <p:nvGrpSpPr>
+        <p:cNvPr id="1" name=""/>
+        <p:cNvGrpSpPr/>
+        <p:nvPr/>
+      </p:nvGrpSpPr>
+      <p:grpSpPr>
+        <a:xfrm>
+          <a:off x="0" y="0"/>
+          <a:ext cx="0" cy="0"/>
+          <a:chOff x="0" y="0"/>
+          <a:chExt cx="0" cy="0"/>
+        </a:xfrm>
+      </p:grpSpPr>
+      <p:sp>
+        <p:nvSpPr>
+          <p:cNvPr id="2" name="Text Placeholder 1"/>
+          <p:cNvSpPr>
+            <a:spLocks noGrp="1"/>
+          </p:cNvSpPr>
+          <p:nvPr>
+            <p:ph type="body" idx="1"/>
+          </p:nvPr>
+        </p:nvSpPr>
+        <p:spPr>
+          <a:xfrm>
+            <a:off x="914400" y="438150"/>
+            <a:ext cx="7772400" cy="4436392"/>
+          </a:xfrm>
+        </p:spPr>
+        <p:txBody>
+          <a:bodyPr/>
+          <a:lstStyle/>
+          <a:p>
+            <a:r>
+              <a:rPr lang="en-US" sz="1800" dirty="0" smtClean="0">
+                <a:solidFill>
+                  <a:schemeClr val="tx1"/>
+                </a:solidFill>
+              </a:rPr>
+              <a:t>9. Click </a:t>
+            </a:r>
+            <a:r>
+              <a:rPr lang="en-US" sz="1800" dirty="0">
+                <a:solidFill>
+                  <a:schemeClr val="tx1"/>
+                </a:solidFill>
+              </a:rPr>
+              <a:t>“Next” button.		</a:t>
+            </a:r>
+            <a:r>
+              <a:rPr lang="en-US" sz="1800" dirty="0" smtClean="0">
+                <a:solidFill>
+                  <a:schemeClr val="tx1"/>
+                </a:solidFill>
+              </a:rPr>
+              <a:t>10. Display </a:t>
+            </a:r>
+            <a:r>
+              <a:rPr lang="en-US" sz="1800" dirty="0">
+                <a:solidFill>
+                  <a:schemeClr val="tx1"/>
+                </a:solidFill>
+              </a:rPr>
+              <a:t>the menu page for guest </a:t>
+            </a:r>
+            <a:r>
+              <a:rPr lang="en-US" sz="1800" dirty="0" smtClean="0">
+                <a:solidFill>
+                  <a:schemeClr val="tx1"/>
+                </a:solidFill>
+              </a:rPr>
+              <a:t>				    2</a:t>
+            </a:r>
+            <a:r>
+              <a:rPr lang="en-US" sz="1800" dirty="0">
+                <a:solidFill>
+                  <a:schemeClr val="tx1"/>
+                </a:solidFill>
+              </a:rPr>
+              <a:t>.</a:t>
+            </a:r>
+          </a:p>
+          <a:p>
+            <a:r>
+              <a:rPr lang="en-US" sz="1800" dirty="0" smtClean="0">
+                <a:solidFill>
+                  <a:schemeClr val="tx1"/>
+                </a:solidFill>
+              </a:rPr>
+              <a:t>11. Click </a:t>
+            </a:r>
+            <a:r>
+              <a:rPr lang="en-US" sz="1800" dirty="0">
+                <a:solidFill>
+                  <a:schemeClr val="tx1"/>
+                </a:solidFill>
+              </a:rPr>
+              <a:t>“Entrée”, check “Beef </a:t>
+            </a:r>
+            <a:endParaRPr lang="en-US" sz="1800" dirty="0" smtClean="0">
+              <a:solidFill>
+                <a:schemeClr val="tx1"/>
+              </a:solidFill>
+            </a:endParaRPr>
+          </a:p>
+          <a:p>
+            <a:r>
+              <a:rPr lang="en-US" sz="1800" dirty="0">
+                <a:solidFill>
+                  <a:schemeClr val="tx1"/>
+                </a:solidFill>
+              </a:rPr>
+              <a:t> </a:t>
+            </a:r>
+            <a:r>
+              <a:rPr lang="en-US" sz="1800" dirty="0" smtClean="0">
+                <a:solidFill>
+                  <a:schemeClr val="tx1"/>
+                </a:solidFill>
+              </a:rPr>
+              <a:t>   Ramen</a:t>
+            </a:r>
+            <a:r>
+              <a:rPr lang="en-US" sz="1800" dirty="0">
+                <a:solidFill>
+                  <a:schemeClr val="tx1"/>
+                </a:solidFill>
+              </a:rPr>
+              <a:t>” and </a:t>
+            </a:r>
+            <a:r>
+              <a:rPr lang="en-US" sz="1800" dirty="0" smtClean="0">
+                <a:solidFill>
+                  <a:schemeClr val="tx1"/>
+                </a:solidFill>
+              </a:rPr>
+              <a:t>type</a:t>
+            </a:r>
+            <a:r>
+              <a:rPr lang="en-US" sz="1800" dirty="0">
+                <a:solidFill>
+                  <a:schemeClr val="tx1"/>
+                </a:solidFill>
+              </a:rPr>
+              <a:t> </a:t>
+            </a:r>
+            <a:r>
+              <a:rPr lang="en-US" sz="1800" dirty="0" smtClean="0">
+                <a:solidFill>
+                  <a:schemeClr val="tx1"/>
+                </a:solidFill>
+              </a:rPr>
+              <a:t>in </a:t>
+            </a:r>
+            <a:r>
+              <a:rPr lang="en-US" sz="1800" dirty="0">
+                <a:solidFill>
+                  <a:schemeClr val="tx1"/>
+                </a:solidFill>
+              </a:rPr>
+              <a:t>“1”.</a:t>
+            </a:r>
+          </a:p>
+          <a:p>
+            <a:r>
+              <a:rPr lang="en-US" sz="1800" dirty="0" smtClean="0">
+                <a:solidFill>
+                  <a:schemeClr val="tx1"/>
+                </a:solidFill>
+              </a:rPr>
+              <a:t>12. Click </a:t>
+            </a:r>
+            <a:r>
+              <a:rPr lang="en-US" sz="1800" dirty="0">
+                <a:solidFill>
+                  <a:schemeClr val="tx1"/>
+                </a:solidFill>
+              </a:rPr>
+              <a:t>“Dissert”, then click </a:t>
+            </a:r>
+            <a:r>
+              <a:rPr lang="en-US" sz="1800" dirty="0" smtClean="0">
+                <a:solidFill>
+                  <a:schemeClr val="tx1"/>
+                </a:solidFill>
+              </a:rPr>
+              <a:t>	13. </a:t>
+            </a:r>
+            <a:r>
+              <a:rPr lang="en-US" sz="1800" dirty="0">
+                <a:solidFill>
+                  <a:schemeClr val="tx1"/>
+                </a:solidFill>
+              </a:rPr>
+              <a:t>Display all the ice cream</a:t>
+            </a:r>
+            <a:r>
+              <a:rPr lang="en-US" sz="1800" dirty="0" smtClean="0">
+                <a:solidFill>
+                  <a:schemeClr val="tx1"/>
+                </a:solidFill>
+              </a:rPr>
+              <a:t>.</a:t>
+            </a:r>
+          </a:p>
+          <a:p>
+            <a:r>
+              <a:rPr lang="en-US" sz="1800" dirty="0">
+                <a:solidFill>
+                  <a:schemeClr val="tx1"/>
+                </a:solidFill>
+              </a:rPr>
+              <a:t> </a:t>
+            </a:r>
+            <a:r>
+              <a:rPr lang="en-US" sz="1800" dirty="0" smtClean="0">
+                <a:solidFill>
+                  <a:schemeClr val="tx1"/>
+                </a:solidFill>
+              </a:rPr>
+              <a:t>   “</a:t>
+            </a:r>
+            <a:r>
+              <a:rPr lang="en-US" sz="1800" dirty="0">
+                <a:solidFill>
+                  <a:schemeClr val="tx1"/>
+                </a:solidFill>
+              </a:rPr>
+              <a:t>Ice Cream</a:t>
+            </a:r>
+            <a:r>
+              <a:rPr lang="en-US" sz="1800" dirty="0" smtClean="0">
+                <a:solidFill>
+                  <a:schemeClr val="tx1"/>
+                </a:solidFill>
+              </a:rPr>
+              <a:t>”.</a:t>
+            </a:r>
+            <a:endParaRPr lang="en-US" sz="1800" dirty="0">
+              <a:solidFill>
+                <a:schemeClr val="tx1"/>
+              </a:solidFill>
+            </a:endParaRPr>
+          </a:p>
+          <a:p>
+            <a:r>
+              <a:rPr lang="en-US" sz="1800" dirty="0" smtClean="0">
+                <a:solidFill>
+                  <a:schemeClr val="tx1"/>
+                </a:solidFill>
+              </a:rPr>
+              <a:t>14. Check </a:t>
+            </a:r>
+            <a:r>
+              <a:rPr lang="en-US" sz="1800" dirty="0">
+                <a:solidFill>
+                  <a:schemeClr val="tx1"/>
+                </a:solidFill>
+              </a:rPr>
+              <a:t>“Coconut Ice Cream” </a:t>
+            </a:r>
+            <a:endParaRPr lang="en-US" sz="1800" dirty="0" smtClean="0">
+              <a:solidFill>
+                <a:schemeClr val="tx1"/>
+              </a:solidFill>
+            </a:endParaRPr>
+          </a:p>
+          <a:p>
+            <a:r>
+              <a:rPr lang="en-US" sz="1800" dirty="0" smtClean="0">
+                <a:solidFill>
+                  <a:schemeClr val="tx1"/>
+                </a:solidFill>
+              </a:rPr>
+              <a:t>    and </a:t>
+            </a:r>
+            <a:r>
+              <a:rPr lang="en-US" sz="1800" dirty="0">
+                <a:solidFill>
+                  <a:schemeClr val="tx1"/>
+                </a:solidFill>
+              </a:rPr>
+              <a:t>type in “1”.</a:t>
+            </a:r>
+          </a:p>
+          <a:p>
+            <a:r>
+              <a:rPr lang="en-US" sz="1800" dirty="0" smtClean="0">
+                <a:solidFill>
+                  <a:schemeClr val="tx1"/>
+                </a:solidFill>
+              </a:rPr>
+              <a:t>15. Click </a:t>
+            </a:r>
+            <a:r>
+              <a:rPr lang="en-US" sz="1800" dirty="0">
+                <a:solidFill>
+                  <a:schemeClr val="tx1"/>
+                </a:solidFill>
+              </a:rPr>
+              <a:t>“Done”.	</a:t>
+            </a:r>
+            <a:r>
+              <a:rPr lang="en-US" sz="1800" dirty="0" smtClean="0">
+                <a:solidFill>
+                  <a:schemeClr val="tx1"/>
+                </a:solidFill>
+              </a:rPr>
+              <a:t>		16. Display </a:t>
+            </a:r>
+            <a:r>
+              <a:rPr lang="en-US" sz="1800" dirty="0">
+                <a:solidFill>
+                  <a:schemeClr val="tx1"/>
+                </a:solidFill>
+              </a:rPr>
+              <a:t>“Coconut Ice Cream × 1, </a:t>
+            </a:r>
+            <a:r>
+              <a:rPr lang="en-US" sz="1800" dirty="0" smtClean="0">
+                <a:solidFill>
+                  <a:schemeClr val="tx1"/>
+                </a:solidFill>
+              </a:rPr>
+              <a:t>				    Total </a:t>
+            </a:r>
+            <a:r>
+              <a:rPr lang="en-US" sz="1800" dirty="0">
+                <a:solidFill>
+                  <a:schemeClr val="tx1"/>
+                </a:solidFill>
+              </a:rPr>
+              <a:t>Price $3.00” and “Print” </a:t>
+            </a:r>
+            <a:r>
+              <a:rPr lang="en-US" sz="1800" dirty="0" smtClean="0">
+                <a:solidFill>
+                  <a:schemeClr val="tx1"/>
+                </a:solidFill>
+              </a:rPr>
+              <a:t>					    button</a:t>
+            </a:r>
+            <a:r>
+              <a:rPr lang="en-US" sz="1800" dirty="0">
+                <a:solidFill>
+                  <a:schemeClr val="tx1"/>
+                </a:solidFill>
+              </a:rPr>
+              <a:t>, and a textbox for table </a:t>
+            </a:r>
+            <a:r>
+              <a:rPr lang="en-US" sz="1800" dirty="0" smtClean="0">
+                <a:solidFill>
+                  <a:schemeClr val="tx1"/>
+                </a:solidFill>
+              </a:rPr>
+              <a:t>					    number</a:t>
+            </a:r>
+            <a:r>
+              <a:rPr lang="en-US" sz="1800" dirty="0">
+                <a:solidFill>
+                  <a:schemeClr val="tx1"/>
+                </a:solidFill>
+              </a:rPr>
+              <a:t>.</a:t>
+            </a:r>
+          </a:p>
+          <a:p>
+            <a:r>
+              <a:rPr lang="en-US" sz="1800" dirty="0" smtClean="0">
+                <a:solidFill>
+                  <a:schemeClr val="tx1"/>
+                </a:solidFill>
+              </a:rPr>
+              <a:t>17. Type </a:t>
+            </a:r>
+            <a:r>
+              <a:rPr lang="en-US" sz="1800" dirty="0">
+                <a:solidFill>
+                  <a:schemeClr val="tx1"/>
+                </a:solidFill>
+              </a:rPr>
+              <a:t>“Table 1”, click “Print”.	</a:t>
+            </a:r>
+            <a:r>
+              <a:rPr lang="en-US" sz="1800" dirty="0" smtClean="0">
+                <a:solidFill>
+                  <a:schemeClr val="tx1"/>
+                </a:solidFill>
+              </a:rPr>
+              <a:t>18. Display </a:t>
+            </a:r>
+            <a:r>
+              <a:rPr lang="en-US" sz="1800" dirty="0">
+                <a:solidFill>
+                  <a:schemeClr val="tx1"/>
+                </a:solidFill>
+              </a:rPr>
+              <a:t>“Table 1: Chicken Wings × </a:t>
+            </a:r>
+            <a:r>
+              <a:rPr lang="en-US" sz="1800" dirty="0" smtClean="0">
+                <a:solidFill>
+                  <a:schemeClr val="tx1"/>
+                </a:solidFill>
+              </a:rPr>
+              <a:t>				    2</a:t>
+            </a:r>
+            <a:r>
+              <a:rPr lang="en-US" sz="1800" dirty="0">
+                <a:solidFill>
+                  <a:schemeClr val="tx1"/>
+                </a:solidFill>
+              </a:rPr>
+              <a:t>, Beef Ramen × 2, Coconut Ice </a:t>
+            </a:r>
+            <a:r>
+              <a:rPr lang="en-US" sz="1800" dirty="0" smtClean="0">
+                <a:solidFill>
+                  <a:schemeClr val="tx1"/>
+                </a:solidFill>
+              </a:rPr>
+              <a:t>					    Cream </a:t>
+            </a:r>
+            <a:r>
+              <a:rPr lang="en-US" sz="1800" dirty="0">
+                <a:solidFill>
+                  <a:schemeClr val="tx1"/>
+                </a:solidFill>
+              </a:rPr>
+              <a:t>× 1” on the receipt.</a:t>
+            </a:r>
+          </a:p>
+          <a:p>
+            <a:endParaRPr lang="en-US" sz="1800" dirty="0">
+              <a:solidFill>
+                <a:schemeClr val="tx1"/>
+              </a:solidFill>
+            </a:endParaRPr>
+          </a:p>
+          <a:p>
+            <a:endParaRPr lang="en-US" sz="1800" dirty="0">
+              <a:solidFill>
+                <a:schemeClr val="tx1"/>
+              </a:solidFill>
+            </a:endParaRPr>
+          </a:p>
+        </p:txBody>
+      </p:sp>
+    </p:spTree>
+    <p:extLst>
+      <p:ext uri="{BB962C8B-B14F-4D97-AF65-F5344CB8AC3E}">
+        <p14:creationId xmlns:p14="http://schemas.microsoft.com/office/powerpoint/2010/main" val="2871933422"/>
+      </p:ext>
+    </p:extLst>
+  </p:cSld>
+  <p:clrMapOvr>
+    <a:masterClrMapping/>
+  </p:clrMapOvr>
+</p:sld>
+</file>
+
 <file path=ppt/slides/slide2.xml><?xml version="1.0" encoding="utf-8"?>
 <p:sld xmlns:a="http://schemas.openxmlformats.org/drawingml/2006/main" xmlns:r="http://schemas.openxmlformats.org/officeDocument/2006/relationships" xmlns:p="http://schemas.openxmlformats.org/presentationml/2006/main">
   <p:cSld>
@@ -6193,10 +7794,18 @@
           <a:lstStyle/>
           <a:p>
             <a:r>
-              <a:rPr lang="en-US" dirty="0" smtClean="0"/>
+              <a:rPr lang="en-US" dirty="0" smtClean="0">
+                <a:solidFill>
+                  <a:schemeClr val="bg1"/>
+                </a:solidFill>
+              </a:rPr>
               <a:t>Interface</a:t>
             </a:r>
-            <a:endParaRPr lang="en-US" dirty="0"/>
+            <a:endParaRPr lang="en-US" dirty="0">
+              <a:solidFill>
+                <a:schemeClr val="bg1"/>
+              </a:solidFill>
+            </a:endParaRPr>
           </a:p>
         </p:txBody>
       </p:sp>
@@ -6264,6 +7873,205 @@
     <p:extLst>
       <p:ext uri="{BB962C8B-B14F-4D97-AF65-F5344CB8AC3E}">
         <p14:creationId xmlns:p14="http://schemas.microsoft.com/office/powerpoint/2010/main" val="734684643"/>
+      </p:ext>
+    </p:extLst>
+  </p:cSld>
+  <p:clrMapOvr>
+    <a:masterClrMapping/>
+  </p:clrMapOvr>
+</p:sld>
+</file>
+
+<file path=ppt/slides/slide9.xml><?xml version="1.0" encoding="utf-8"?>
+<p:sld xmlns:a="http://schemas.openxmlformats.org/drawingml/2006/main" xmlns:r="http://schemas.openxmlformats.org/officeDocument/2006/relationships" xmlns:p="http://schemas.openxmlformats.org/presentationml/2006/main">
+  <p:cSld>
+    <p:spTree>
+      <p:nvGrpSpPr>
+        <p:cNvPr id="1" name=""/>
+        <p:cNvGrpSpPr/>
+        <p:nvPr/>
+      </p:nvGrpSpPr>
+      <p:grpSpPr>
+        <a:xfrm>
+          <a:off x="0" y="0"/>
+          <a:ext cx="0" cy="0"/>
+          <a:chOff x="0" y="0"/>
+          <a:chExt cx="0" cy="0"/>
+        </a:xfrm>
+      </p:grpSpPr>
+      <p:sp>
+        <p:nvSpPr>
+          <p:cNvPr id="2" name="Text Placeholder 1"/>
+          <p:cNvSpPr>
+            <a:spLocks noGrp="1"/>
+          </p:cNvSpPr>
+          <p:nvPr>
+            <p:ph type="body" idx="1"/>
+          </p:nvPr>
+        </p:nvSpPr>
+        <p:spPr>
+          <a:xfrm>
+            <a:off x="914400" y="1200150"/>
+            <a:ext cx="7772400" cy="3630300"/>
+          </a:xfrm>
+        </p:spPr>
+        <p:txBody>
+          <a:bodyPr/>
+          <a:lstStyle/>
+          <a:p>
+            <a:pPr marL="342900" indent="-342900">
+              <a:lnSpc>
+                <a:spcPct val="150000"/>
+              </a:lnSpc>
+              <a:buClr>
+                <a:schemeClr val="bg1"/>
+              </a:buClr>
+              <a:buFont typeface="Arial" panose="020B0604020202020204" pitchFamily="34" charset="0"/>
+              <a:buChar char="•"/>
+            </a:pPr>
+            <a:r>
+              <a:rPr lang="en-US" sz="2400" dirty="0">
+                <a:solidFill>
+                  <a:schemeClr val="bg1"/>
+                </a:solidFill>
+              </a:rPr>
+              <a:t>Actors:</a:t>
+            </a:r>
+            <a:r>
+              <a:rPr lang="en-US" sz="2400" dirty="0">
+                <a:solidFill>
+                  <a:schemeClr val="dk1"/>
+                </a:solidFill>
+              </a:rPr>
+              <a:t> Waiter</a:t>
+            </a:r>
+          </a:p>
+          <a:p>
+            <a:pPr marL="342900" indent="-342900">
+              <a:lnSpc>
+                <a:spcPct val="150000"/>
+              </a:lnSpc>
+              <a:buClr>
+                <a:schemeClr val="bg1"/>
+              </a:buClr>
+              <a:buFont typeface="Arial" panose="020B0604020202020204" pitchFamily="34" charset="0"/>
+              <a:buChar char="•"/>
+            </a:pPr>
+            <a:r>
+              <a:rPr lang="en-US" sz="2400" dirty="0">
+                <a:solidFill>
+                  <a:schemeClr val="bg1"/>
+                </a:solidFill>
+              </a:rPr>
+              <a:t>Goals:</a:t>
+            </a:r>
+            <a:r>
+              <a:rPr lang="en-US" sz="2400" dirty="0">
+                <a:solidFill>
+                  <a:schemeClr val="dk1"/>
+                </a:solidFill>
+              </a:rPr>
+              <a:t> To make an order</a:t>
+            </a:r>
+          </a:p>
+          <a:p>
+            <a:pPr marL="342900" indent="-342900">
+              <a:lnSpc>
+                <a:spcPct val="150000"/>
+              </a:lnSpc>
+              <a:buClr>
+                <a:schemeClr val="bg1"/>
+              </a:buClr>
+              <a:buFont typeface="Arial" panose="020B0604020202020204" pitchFamily="34" charset="0"/>
+              <a:buChar char="•"/>
+            </a:pPr>
+            <a:r>
+              <a:rPr lang="en-US" sz="2400" dirty="0">
+                <a:solidFill>
+                  <a:schemeClr val="bg1"/>
+                </a:solidFill>
+              </a:rPr>
+              <a:t>Preconditions:</a:t>
+            </a:r>
+            <a:r>
+              <a:rPr lang="en-US" sz="2400" dirty="0">
+                <a:solidFill>
+                  <a:schemeClr val="dk1"/>
+                </a:solidFill>
+              </a:rPr>
+              <a:t> Guests must have checked in successfully</a:t>
+            </a:r>
+          </a:p>
+          <a:p>
+            <a:pPr marL="342900" indent="-342900">
+              <a:lnSpc>
+                <a:spcPct val="150000"/>
+              </a:lnSpc>
+              <a:buClr>
+                <a:schemeClr val="bg1"/>
+              </a:buClr>
+              <a:buFont typeface="Arial" panose="020B0604020202020204" pitchFamily="34" charset="0"/>
+              <a:buChar char="•"/>
+            </a:pPr>
+            <a:r>
+              <a:rPr lang="en-US" sz="2400" dirty="0">
+                <a:solidFill>
+                  <a:schemeClr val="bg1"/>
+                </a:solidFill>
+              </a:rPr>
+              <a:t>Summary:</a:t>
+            </a:r>
+            <a:r>
+              <a:rPr lang="en-US" sz="2400" dirty="0">
+                <a:solidFill>
+                  <a:schemeClr val="dk1"/>
+                </a:solidFill>
+              </a:rPr>
+              <a:t> Price will prompt up and total will be computed after each guest has finished an order</a:t>
+            </a:r>
+          </a:p>
+        </p:txBody>
+      </p:sp>
+      <p:sp>
+        <p:nvSpPr>
+          <p:cNvPr id="3" name="Title 2"/>
+          <p:cNvSpPr>
+            <a:spLocks noGrp="1"/>
+          </p:cNvSpPr>
+          <p:nvPr>
+            <p:ph type="title"/>
+          </p:nvPr>
+        </p:nvSpPr>
+        <p:spPr>
+          <a:xfrm>
+            <a:off x="914400" y="205978"/>
+            <a:ext cx="7772400" cy="994200"/>
+          </a:xfrm>
+        </p:spPr>
+        <p:txBody>
+          <a:bodyPr/>
+          <a:lstStyle/>
+          <a:p>
+            <a:r>
+              <a:rPr lang="en-US" dirty="0" smtClean="0">
+                <a:solidFill>
+                  <a:schemeClr val="bg1"/>
+                </a:solidFill>
+              </a:rPr>
+              <a:t>Use Case: Make An Order</a:t>
+            </a:r>
+            <a:endParaRPr lang="en-US" dirty="0">
+              <a:solidFill>
+                <a:schemeClr val="bg1"/>
+              </a:solidFill>
+            </a:endParaRPr>
+          </a:p>
+        </p:txBody>
+      </p:sp>
+    </p:spTree>
+    <p:extLst>
+      <p:ext uri="{BB962C8B-B14F-4D97-AF65-F5344CB8AC3E}">
+        <p14:creationId xmlns:p14="http://schemas.microsoft.com/office/powerpoint/2010/main" val="2259188037"/>
       </p:ext>
     </p:extLst>
   </p:cSld>

--- a/Project Part I.pptx
+++ b/Project Part I.pptx
@@ -5,7 +5,7 @@
     <p:sldMasterId id="2147483654" r:id="rId1"/>
   </p:sldMasterIdLst>
   <p:notesMasterIdLst>
-    <p:notesMasterId r:id="rId15"/>
+    <p:notesMasterId r:id="rId14"/>
   </p:notesMasterIdLst>
   <p:sldIdLst>
     <p:sldId id="256" r:id="rId2"/>
@@ -14,13 +14,12 @@
     <p:sldId id="259" r:id="rId5"/>
     <p:sldId id="260" r:id="rId6"/>
     <p:sldId id="261" r:id="rId7"/>
-    <p:sldId id="262" r:id="rId8"/>
-    <p:sldId id="263" r:id="rId9"/>
-    <p:sldId id="264" r:id="rId10"/>
-    <p:sldId id="265" r:id="rId11"/>
-    <p:sldId id="266" r:id="rId12"/>
-    <p:sldId id="267" r:id="rId13"/>
-    <p:sldId id="268" r:id="rId14"/>
+    <p:sldId id="263" r:id="rId8"/>
+    <p:sldId id="264" r:id="rId9"/>
+    <p:sldId id="265" r:id="rId10"/>
+    <p:sldId id="266" r:id="rId11"/>
+    <p:sldId id="267" r:id="rId12"/>
+    <p:sldId id="268" r:id="rId13"/>
   </p:sldIdLst>
   <p:sldSz cx="9144000" cy="5143500" type="screen16x9"/>
   <p:notesSz cx="6858000" cy="9144000"/>
@@ -55,7 +54,6 @@
         <a:ea typeface="Arial"/>
         <a:cs typeface="Arial"/>
         <a:sym typeface="Arial"/>
-        <a:rtl val="0"/>
       </a:defRPr>
     </a:lvl1pPr>
     <a:lvl2pPr marR="0" algn="l" rtl="0">
@@ -77,7 +75,6 @@
         <a:ea typeface="Arial"/>
         <a:cs typeface="Arial"/>
         <a:sym typeface="Arial"/>
-        <a:rtl val="0"/>
       </a:defRPr>
     </a:lvl2pPr>
     <a:lvl3pPr marR="0" algn="l" rtl="0">
@@ -99,7 +96,6 @@
         <a:ea typeface="Arial"/>
         <a:cs typeface="Arial"/>
         <a:sym typeface="Arial"/>
-        <a:rtl val="0"/>
       </a:defRPr>
     </a:lvl3pPr>
     <a:lvl4pPr marR="0" algn="l" rtl="0">
@@ -121,7 +117,6 @@
         <a:ea typeface="Arial"/>
         <a:cs typeface="Arial"/>
         <a:sym typeface="Arial"/>
-        <a:rtl val="0"/>
       </a:defRPr>
     </a:lvl4pPr>
     <a:lvl5pPr marR="0" algn="l" rtl="0">
@@ -143,7 +138,6 @@
         <a:ea typeface="Arial"/>
         <a:cs typeface="Arial"/>
         <a:sym typeface="Arial"/>
-        <a:rtl val="0"/>
       </a:defRPr>
     </a:lvl5pPr>
     <a:lvl6pPr marR="0" algn="l" rtl="0">
@@ -165,7 +159,6 @@
         <a:ea typeface="Arial"/>
         <a:cs typeface="Arial"/>
         <a:sym typeface="Arial"/>
-        <a:rtl val="0"/>
       </a:defRPr>
     </a:lvl6pPr>
     <a:lvl7pPr marR="0" algn="l" rtl="0">
@@ -187,7 +180,6 @@
         <a:ea typeface="Arial"/>
         <a:cs typeface="Arial"/>
         <a:sym typeface="Arial"/>
-        <a:rtl val="0"/>
       </a:defRPr>
     </a:lvl7pPr>
     <a:lvl8pPr marR="0" algn="l" rtl="0">
@@ -209,7 +201,6 @@
         <a:ea typeface="Arial"/>
         <a:cs typeface="Arial"/>
         <a:sym typeface="Arial"/>
-        <a:rtl val="0"/>
       </a:defRPr>
     </a:lvl8pPr>
     <a:lvl9pPr marR="0" algn="l" rtl="0">
@@ -231,7 +222,6 @@
         <a:ea typeface="Arial"/>
         <a:cs typeface="Arial"/>
         <a:sym typeface="Arial"/>
-        <a:rtl val="0"/>
       </a:defRPr>
     </a:lvl9pPr>
   </p:defaultTextStyle>
@@ -400,7 +390,7 @@
     </p:spTree>
     <p:extLst>
       <p:ext uri="{BB962C8B-B14F-4D97-AF65-F5344CB8AC3E}">
-        <p14:creationId xmlns:p14="http://schemas.microsoft.com/office/powerpoint/2010/main" val="935478130"/>
+        <p14:creationId xmlns:p14="http://schemas.microsoft.com/office/powerpoint/2010/main" xmlns="" val="935478130"/>
       </p:ext>
     </p:extLst>
   </p:cSld>
@@ -1126,117 +1116,6 @@
       <p:sp>
         <p:nvSpPr>
           <p:cNvPr id="74" name="Shape 74"/>
-          <p:cNvSpPr txBox="1">
-            <a:spLocks noGrp="1"/>
-          </p:cNvSpPr>
-          <p:nvPr>
-            <p:ph type="body" idx="1"/>
-          </p:nvPr>
-        </p:nvSpPr>
-        <p:spPr>
-          <a:xfrm>
-            <a:off x="685800" y="4343400"/>
-            <a:ext cx="5486399" cy="4114800"/>
-          </a:xfrm>
-          <a:prstGeom prst="rect">
-            <a:avLst/>
-          </a:prstGeom>
-        </p:spPr>
-        <p:txBody>
-          <a:bodyPr lIns="91425" tIns="91425" rIns="91425" bIns="91425" anchor="t" anchorCtr="0">
-            <a:spAutoFit/>
-          </a:bodyPr>
-          <a:lstStyle/>
-          <a:p>
-            <a:pPr>
-              <a:spcBef>
-                <a:spcPts val="0"/>
-              </a:spcBef>
-              <a:buNone/>
-            </a:pPr>
-            <a:endParaRPr/>
-          </a:p>
-        </p:txBody>
-      </p:sp>
-    </p:spTree>
-  </p:cSld>
-  <p:clrMapOvr>
-    <a:masterClrMapping/>
-  </p:clrMapOvr>
-</p:notes>
-</file>
-
-<file path=ppt/notesSlides/notesSlide7.xml><?xml version="1.0" encoding="utf-8"?>
-<p:notes xmlns:a="http://schemas.openxmlformats.org/drawingml/2006/main" xmlns:r="http://schemas.openxmlformats.org/officeDocument/2006/relationships" xmlns:p="http://schemas.openxmlformats.org/presentationml/2006/main" showMasterSp="0" showMasterPhAnim="0">
-  <p:cSld>
-    <p:spTree>
-      <p:nvGrpSpPr>
-        <p:cNvPr id="1" name="Shape 77"/>
-        <p:cNvGrpSpPr/>
-        <p:nvPr/>
-      </p:nvGrpSpPr>
-      <p:grpSpPr>
-        <a:xfrm>
-          <a:off x="0" y="0"/>
-          <a:ext cx="0" cy="0"/>
-          <a:chOff x="0" y="0"/>
-          <a:chExt cx="0" cy="0"/>
-        </a:xfrm>
-      </p:grpSpPr>
-      <p:sp>
-        <p:nvSpPr>
-          <p:cNvPr id="78" name="Shape 78"/>
-          <p:cNvSpPr>
-            <a:spLocks noGrp="1" noRot="1" noChangeAspect="1"/>
-          </p:cNvSpPr>
-          <p:nvPr>
-            <p:ph type="sldImg" idx="2"/>
-          </p:nvPr>
-        </p:nvSpPr>
-        <p:spPr>
-          <a:xfrm>
-            <a:off x="381000" y="685800"/>
-            <a:ext cx="6096000" cy="3429000"/>
-          </a:xfrm>
-          <a:custGeom>
-            <a:avLst/>
-            <a:gdLst/>
-            <a:ahLst/>
-            <a:cxnLst/>
-            <a:rect l="0" t="0" r="0" b="0"/>
-            <a:pathLst>
-              <a:path w="120000" h="120000" extrusionOk="0">
-                <a:moveTo>
-                  <a:pt x="0" y="0"/>
-                </a:moveTo>
-                <a:lnTo>
-                  <a:pt x="120000" y="0"/>
-                </a:lnTo>
-                <a:lnTo>
-                  <a:pt x="120000" y="120000"/>
-                </a:lnTo>
-                <a:lnTo>
-                  <a:pt x="0" y="120000"/>
-                </a:lnTo>
-                <a:close/>
-              </a:path>
-            </a:pathLst>
-          </a:custGeom>
-          <a:noFill/>
-          <a:ln w="9525" cap="flat">
-            <a:solidFill>
-              <a:srgbClr val="000000"/>
-            </a:solidFill>
-            <a:prstDash val="solid"/>
-            <a:round/>
-            <a:headEnd type="none" w="med" len="med"/>
-            <a:tailEnd type="none" w="med" len="med"/>
-          </a:ln>
-        </p:spPr>
-      </p:sp>
-      <p:sp>
-        <p:nvSpPr>
-          <p:cNvPr id="79" name="Shape 79"/>
           <p:cNvSpPr txBox="1">
             <a:spLocks noGrp="1"/>
           </p:cNvSpPr>
@@ -4109,7 +3988,6 @@
           <a:ea typeface="Arial"/>
           <a:cs typeface="Arial"/>
           <a:sym typeface="Arial"/>
-          <a:rtl val="0"/>
         </a:defRPr>
       </a:lvl1pPr>
       <a:lvl2pPr marR="0" algn="l" rtl="0">
@@ -4131,7 +4009,6 @@
           <a:ea typeface="Arial"/>
           <a:cs typeface="Arial"/>
           <a:sym typeface="Arial"/>
-          <a:rtl val="0"/>
         </a:defRPr>
       </a:lvl2pPr>
     </p:titleStyle>
@@ -4166,7 +4043,6 @@
           <a:ea typeface="Arial"/>
           <a:cs typeface="Arial"/>
           <a:sym typeface="Arial"/>
-          <a:rtl val="0"/>
         </a:defRPr>
       </a:lvl1pPr>
       <a:lvl2pPr marR="0" algn="l" rtl="0">
@@ -4188,7 +4064,6 @@
           <a:ea typeface="Arial"/>
           <a:cs typeface="Arial"/>
           <a:sym typeface="Arial"/>
-          <a:rtl val="0"/>
         </a:defRPr>
       </a:lvl2pPr>
       <a:lvl3pPr marR="0" algn="l" rtl="0">
@@ -4210,7 +4085,6 @@
           <a:ea typeface="Arial"/>
           <a:cs typeface="Arial"/>
           <a:sym typeface="Arial"/>
-          <a:rtl val="0"/>
         </a:defRPr>
       </a:lvl3pPr>
       <a:lvl4pPr marR="0" algn="l" rtl="0">
@@ -4232,7 +4106,6 @@
           <a:ea typeface="Arial"/>
           <a:cs typeface="Arial"/>
           <a:sym typeface="Arial"/>
-          <a:rtl val="0"/>
         </a:defRPr>
       </a:lvl4pPr>
       <a:lvl5pPr marR="0" algn="l" rtl="0">
@@ -4254,7 +4127,6 @@
           <a:ea typeface="Arial"/>
           <a:cs typeface="Arial"/>
           <a:sym typeface="Arial"/>
-          <a:rtl val="0"/>
         </a:defRPr>
       </a:lvl5pPr>
       <a:lvl6pPr marR="0" algn="l" rtl="0">
@@ -4276,7 +4148,6 @@
           <a:ea typeface="Arial"/>
           <a:cs typeface="Arial"/>
           <a:sym typeface="Arial"/>
-          <a:rtl val="0"/>
         </a:defRPr>
       </a:lvl6pPr>
       <a:lvl7pPr marR="0" algn="l" rtl="0">
@@ -4298,7 +4169,6 @@
           <a:ea typeface="Arial"/>
           <a:cs typeface="Arial"/>
           <a:sym typeface="Arial"/>
-          <a:rtl val="0"/>
         </a:defRPr>
       </a:lvl7pPr>
       <a:lvl8pPr marR="0" algn="l" rtl="0">
@@ -4320,7 +4190,6 @@
           <a:ea typeface="Arial"/>
           <a:cs typeface="Arial"/>
           <a:sym typeface="Arial"/>
-          <a:rtl val="0"/>
         </a:defRPr>
       </a:lvl8pPr>
       <a:lvl9pPr marR="0" algn="l" rtl="0">
@@ -4342,7 +4211,6 @@
           <a:ea typeface="Arial"/>
           <a:cs typeface="Arial"/>
           <a:sym typeface="Arial"/>
-          <a:rtl val="0"/>
         </a:defRPr>
       </a:lvl9pPr>
     </p:bodyStyle>
@@ -4377,7 +4245,6 @@
           <a:ea typeface="Arial"/>
           <a:cs typeface="Arial"/>
           <a:sym typeface="Arial"/>
-          <a:rtl val="0"/>
         </a:defRPr>
       </a:lvl1pPr>
       <a:lvl2pPr marR="0" algn="l" rtl="0">
@@ -4399,7 +4266,6 @@
           <a:ea typeface="Arial"/>
           <a:cs typeface="Arial"/>
           <a:sym typeface="Arial"/>
-          <a:rtl val="0"/>
         </a:defRPr>
       </a:lvl2pPr>
       <a:lvl3pPr marR="0" algn="l" rtl="0">
@@ -4421,7 +4287,6 @@
           <a:ea typeface="Arial"/>
           <a:cs typeface="Arial"/>
           <a:sym typeface="Arial"/>
-          <a:rtl val="0"/>
         </a:defRPr>
       </a:lvl3pPr>
       <a:lvl4pPr marR="0" algn="l" rtl="0">
@@ -4443,7 +4308,6 @@
           <a:ea typeface="Arial"/>
           <a:cs typeface="Arial"/>
           <a:sym typeface="Arial"/>
-          <a:rtl val="0"/>
         </a:defRPr>
       </a:lvl4pPr>
       <a:lvl5pPr marR="0" algn="l" rtl="0">
@@ -4465,7 +4329,6 @@
           <a:ea typeface="Arial"/>
           <a:cs typeface="Arial"/>
           <a:sym typeface="Arial"/>
-          <a:rtl val="0"/>
         </a:defRPr>
       </a:lvl5pPr>
       <a:lvl6pPr marR="0" algn="l" rtl="0">
@@ -4487,7 +4350,6 @@
           <a:ea typeface="Arial"/>
           <a:cs typeface="Arial"/>
           <a:sym typeface="Arial"/>
-          <a:rtl val="0"/>
         </a:defRPr>
       </a:lvl6pPr>
       <a:lvl7pPr marR="0" algn="l" rtl="0">
@@ -4509,7 +4371,6 @@
           <a:ea typeface="Arial"/>
           <a:cs typeface="Arial"/>
           <a:sym typeface="Arial"/>
-          <a:rtl val="0"/>
         </a:defRPr>
       </a:lvl7pPr>
       <a:lvl8pPr marR="0" algn="l" rtl="0">
@@ -4531,7 +4392,6 @@
           <a:ea typeface="Arial"/>
           <a:cs typeface="Arial"/>
           <a:sym typeface="Arial"/>
-          <a:rtl val="0"/>
         </a:defRPr>
       </a:lvl8pPr>
       <a:lvl9pPr marR="0" algn="l" rtl="0">
@@ -4553,7 +4413,6 @@
           <a:ea typeface="Arial"/>
           <a:cs typeface="Arial"/>
           <a:sym typeface="Arial"/>
-          <a:rtl val="0"/>
         </a:defRPr>
       </a:lvl9pPr>
     </p:otherStyle>
@@ -4694,15 +4553,15 @@
         </p:nvSpPr>
         <p:spPr>
           <a:xfrm>
-            <a:off x="914400" y="133350"/>
-            <a:ext cx="7772400" cy="5010150"/>
+            <a:off x="914400" y="1276350"/>
+            <a:ext cx="7772400" cy="3598192"/>
           </a:xfrm>
         </p:spPr>
         <p:txBody>
           <a:bodyPr/>
           <a:lstStyle/>
           <a:p>
-            <a:pPr marL="285750" indent="-285750">
+            <a:pPr marL="342900" indent="-342900">
               <a:buClr>
                 <a:schemeClr val="bg1"/>
               </a:buClr>
@@ -4710,532 +4569,39 @@
               <a:buChar char="•"/>
             </a:pPr>
             <a:r>
-              <a:rPr lang="en-US" sz="1800" b="1" dirty="0">
+              <a:rPr lang="en-US" sz="2400" dirty="0" smtClean="0">
                 <a:solidFill>
                   <a:schemeClr val="bg1"/>
                 </a:solidFill>
               </a:rPr>
-              <a:t>Steps:</a:t>
-            </a:r>
-            <a:endParaRPr lang="en-US" sz="1800" dirty="0">
-              <a:solidFill>
-                <a:schemeClr val="bg1"/>
-              </a:solidFill>
-            </a:endParaRPr>
-          </a:p>
-          <a:p>
-            <a:r>
-              <a:rPr lang="en-US" sz="1800" i="1" dirty="0">
+              <a:t>Post </a:t>
+            </a:r>
+            <a:r>
+              <a:rPr lang="en-US" sz="2400" dirty="0">
                 <a:solidFill>
                   <a:schemeClr val="bg1"/>
                 </a:solidFill>
               </a:rPr>
-              <a:t>Actor actions</a:t>
-            </a:r>
-            <a:r>
-              <a:rPr lang="en-US" sz="1800" dirty="0">
-                <a:solidFill>
-                  <a:schemeClr val="bg1"/>
-                </a:solidFill>
-              </a:rPr>
-              <a:t>			</a:t>
-            </a:r>
-            <a:r>
-              <a:rPr lang="en-US" sz="1800" i="1" dirty="0" smtClean="0">
-                <a:solidFill>
-                  <a:schemeClr val="bg1"/>
-                </a:solidFill>
-              </a:rPr>
-              <a:t>System </a:t>
-            </a:r>
-            <a:r>
-              <a:rPr lang="en-US" sz="1800" i="1" dirty="0">
-                <a:solidFill>
-                  <a:schemeClr val="bg1"/>
-                </a:solidFill>
-              </a:rPr>
-              <a:t>responses</a:t>
-            </a:r>
-            <a:endParaRPr lang="en-US" sz="1800" dirty="0">
-              <a:solidFill>
-                <a:schemeClr val="bg1"/>
-              </a:solidFill>
-            </a:endParaRPr>
-          </a:p>
-          <a:p>
-            <a:r>
-              <a:rPr lang="en-US" sz="1800" dirty="0">
-                <a:solidFill>
-                  <a:schemeClr val="tx1"/>
-                </a:solidFill>
-              </a:rPr>
-              <a:t>1. Choose “Order”.		</a:t>
-            </a:r>
-            <a:r>
-              <a:rPr lang="en-US" sz="1800" dirty="0" smtClean="0">
-                <a:solidFill>
-                  <a:schemeClr val="tx1"/>
-                </a:solidFill>
-              </a:rPr>
-              <a:t>2</a:t>
-            </a:r>
-            <a:r>
-              <a:rPr lang="en-US" sz="1800" dirty="0">
-                <a:solidFill>
-                  <a:schemeClr val="tx1"/>
-                </a:solidFill>
-              </a:rPr>
-              <a:t>. Direct to order page.</a:t>
-            </a:r>
-          </a:p>
-          <a:p>
-            <a:r>
-              <a:rPr lang="en-US" sz="1800" dirty="0">
-                <a:solidFill>
-                  <a:schemeClr val="tx1"/>
-                </a:solidFill>
-              </a:rPr>
-              <a:t>3. Type in guests’ number to </a:t>
-            </a:r>
-            <a:r>
-              <a:rPr lang="en-US" sz="1800" dirty="0" smtClean="0">
-                <a:solidFill>
-                  <a:schemeClr val="tx1"/>
-                </a:solidFill>
-              </a:rPr>
-              <a:t>	</a:t>
-            </a:r>
-            <a:r>
-              <a:rPr lang="en-US" sz="1800" dirty="0">
-                <a:solidFill>
-                  <a:schemeClr val="tx1"/>
-                </a:solidFill>
-              </a:rPr>
-              <a:t>4. Direct to menu page</a:t>
-            </a:r>
-            <a:r>
-              <a:rPr lang="en-US" sz="1800" dirty="0" smtClean="0">
-                <a:solidFill>
-                  <a:schemeClr val="tx1"/>
-                </a:solidFill>
-              </a:rPr>
-              <a:t>.</a:t>
-            </a:r>
-          </a:p>
-          <a:p>
-            <a:r>
-              <a:rPr lang="en-US" sz="1800" dirty="0">
-                <a:solidFill>
-                  <a:schemeClr val="tx1"/>
-                </a:solidFill>
-              </a:rPr>
-              <a:t> </a:t>
-            </a:r>
-            <a:r>
-              <a:rPr lang="en-US" sz="1800" dirty="0" smtClean="0">
-                <a:solidFill>
-                  <a:schemeClr val="tx1"/>
-                </a:solidFill>
-              </a:rPr>
-              <a:t>   initialize </a:t>
-            </a:r>
-            <a:r>
-              <a:rPr lang="en-US" sz="1800" dirty="0">
-                <a:solidFill>
-                  <a:schemeClr val="tx1"/>
-                </a:solidFill>
-              </a:rPr>
-              <a:t>the </a:t>
-            </a:r>
-            <a:r>
-              <a:rPr lang="en-US" sz="1800" dirty="0" smtClean="0">
-                <a:solidFill>
-                  <a:schemeClr val="tx1"/>
-                </a:solidFill>
-              </a:rPr>
-              <a:t>order </a:t>
-            </a:r>
-            <a:r>
-              <a:rPr lang="en-US" sz="1800" dirty="0">
-                <a:solidFill>
-                  <a:schemeClr val="tx1"/>
-                </a:solidFill>
-              </a:rPr>
-              <a:t>page. </a:t>
-            </a:r>
-          </a:p>
-          <a:p>
-            <a:r>
-              <a:rPr lang="en-US" sz="1800" dirty="0">
-                <a:solidFill>
-                  <a:schemeClr val="tx1"/>
-                </a:solidFill>
-              </a:rPr>
-              <a:t>5. Click “Appetizer”, “Entrée” </a:t>
-            </a:r>
-            <a:r>
-              <a:rPr lang="en-US" sz="1800" dirty="0" smtClean="0">
-                <a:solidFill>
-                  <a:schemeClr val="tx1"/>
-                </a:solidFill>
-              </a:rPr>
-              <a:t>	</a:t>
-            </a:r>
-            <a:r>
-              <a:rPr lang="en-US" sz="1800" dirty="0">
-                <a:solidFill>
-                  <a:schemeClr val="tx1"/>
-                </a:solidFill>
-              </a:rPr>
-              <a:t>6. Prompt a list of menu</a:t>
-            </a:r>
-            <a:r>
-              <a:rPr lang="en-US" sz="1800" dirty="0" smtClean="0">
-                <a:solidFill>
-                  <a:schemeClr val="tx1"/>
-                </a:solidFill>
-              </a:rPr>
-              <a:t>.</a:t>
-            </a:r>
-          </a:p>
-          <a:p>
-            <a:r>
-              <a:rPr lang="en-US" sz="1800" dirty="0" smtClean="0">
-                <a:solidFill>
-                  <a:schemeClr val="tx1"/>
-                </a:solidFill>
-              </a:rPr>
-              <a:t>    or </a:t>
-            </a:r>
-            <a:r>
-              <a:rPr lang="en-US" sz="1800" dirty="0">
-                <a:solidFill>
-                  <a:schemeClr val="tx1"/>
-                </a:solidFill>
-              </a:rPr>
-              <a:t>“</a:t>
-            </a:r>
-            <a:r>
-              <a:rPr lang="en-US" sz="1800" dirty="0" smtClean="0">
-                <a:solidFill>
-                  <a:schemeClr val="tx1"/>
-                </a:solidFill>
-              </a:rPr>
-              <a:t>Dissert” to </a:t>
-            </a:r>
-            <a:r>
-              <a:rPr lang="en-US" sz="1800" dirty="0">
-                <a:solidFill>
-                  <a:schemeClr val="tx1"/>
-                </a:solidFill>
-              </a:rPr>
-              <a:t>order.</a:t>
-            </a:r>
-          </a:p>
-          <a:p>
-            <a:r>
-              <a:rPr lang="en-US" sz="1800" dirty="0">
-                <a:solidFill>
-                  <a:schemeClr val="tx1"/>
-                </a:solidFill>
-              </a:rPr>
-              <a:t>7. Sort the courses by hitting </a:t>
-            </a:r>
-            <a:r>
-              <a:rPr lang="en-US" sz="1800" dirty="0" smtClean="0">
-                <a:solidFill>
-                  <a:schemeClr val="tx1"/>
-                </a:solidFill>
-              </a:rPr>
-              <a:t>	8</a:t>
-            </a:r>
-            <a:r>
-              <a:rPr lang="en-US" sz="1800" dirty="0">
-                <a:solidFill>
-                  <a:schemeClr val="tx1"/>
-                </a:solidFill>
-              </a:rPr>
-              <a:t>. Display courses of the chosen the </a:t>
-            </a:r>
-          </a:p>
-          <a:p>
-            <a:r>
-              <a:rPr lang="en-US" sz="1800" dirty="0" smtClean="0">
-                <a:solidFill>
-                  <a:schemeClr val="tx1"/>
-                </a:solidFill>
-              </a:rPr>
-              <a:t>    sorting button.			    category</a:t>
-            </a:r>
-            <a:r>
-              <a:rPr lang="en-US" sz="1800" dirty="0">
-                <a:solidFill>
-                  <a:schemeClr val="tx1"/>
-                </a:solidFill>
-              </a:rPr>
-              <a:t>.</a:t>
-            </a:r>
-            <a:endParaRPr lang="en-US" sz="1800" dirty="0" smtClean="0">
-              <a:solidFill>
-                <a:schemeClr val="tx1"/>
-              </a:solidFill>
-            </a:endParaRPr>
-          </a:p>
-          <a:p>
-            <a:r>
-              <a:rPr lang="en-US" sz="1800" dirty="0" smtClean="0">
-                <a:solidFill>
-                  <a:schemeClr val="tx1"/>
-                </a:solidFill>
-              </a:rPr>
-              <a:t>9</a:t>
-            </a:r>
-            <a:r>
-              <a:rPr lang="en-US" sz="1800" dirty="0">
-                <a:solidFill>
-                  <a:schemeClr val="tx1"/>
-                </a:solidFill>
-              </a:rPr>
-              <a:t>. Check the courses and input </a:t>
-            </a:r>
-            <a:r>
-              <a:rPr lang="en-US" sz="1800" dirty="0" smtClean="0">
-                <a:solidFill>
-                  <a:schemeClr val="tx1"/>
-                </a:solidFill>
-              </a:rPr>
-              <a:t>	</a:t>
-            </a:r>
-            <a:r>
-              <a:rPr lang="en-US" sz="1800" dirty="0">
-                <a:solidFill>
-                  <a:schemeClr val="tx1"/>
-                </a:solidFill>
-              </a:rPr>
-              <a:t>10. Display the course names and the amount, click “Done” 	</a:t>
-            </a:r>
-            <a:r>
-              <a:rPr lang="en-US" sz="1800" dirty="0" smtClean="0">
-                <a:solidFill>
-                  <a:schemeClr val="tx1"/>
-                </a:solidFill>
-              </a:rPr>
-              <a:t>	    total </a:t>
-            </a:r>
-            <a:r>
-              <a:rPr lang="en-US" sz="1800" dirty="0">
-                <a:solidFill>
-                  <a:schemeClr val="tx1"/>
-                </a:solidFill>
-              </a:rPr>
-              <a:t>price</a:t>
-            </a:r>
-            <a:r>
-              <a:rPr lang="en-US" sz="1800" dirty="0" smtClean="0">
-                <a:solidFill>
-                  <a:schemeClr val="tx1"/>
-                </a:solidFill>
-              </a:rPr>
-              <a:t>. </a:t>
-            </a:r>
-            <a:r>
-              <a:rPr lang="en-US" sz="1800" dirty="0">
-                <a:solidFill>
-                  <a:schemeClr val="tx1"/>
-                </a:solidFill>
-              </a:rPr>
-              <a:t>Display “Next” button</a:t>
-            </a:r>
-            <a:r>
-              <a:rPr lang="en-US" sz="1800" dirty="0" smtClean="0">
-                <a:solidFill>
-                  <a:schemeClr val="tx1"/>
-                </a:solidFill>
-              </a:rPr>
-              <a:t>,</a:t>
-            </a:r>
-          </a:p>
-          <a:p>
-            <a:r>
-              <a:rPr lang="en-US" sz="1800" dirty="0" smtClean="0">
-                <a:solidFill>
-                  <a:schemeClr val="tx1"/>
-                </a:solidFill>
-              </a:rPr>
-              <a:t>when </a:t>
-            </a:r>
-            <a:r>
-              <a:rPr lang="en-US" sz="1800" dirty="0">
-                <a:solidFill>
-                  <a:schemeClr val="tx1"/>
-                </a:solidFill>
-              </a:rPr>
-              <a:t>the order is completed.	</a:t>
-            </a:r>
-            <a:r>
-              <a:rPr lang="en-US" sz="1800" dirty="0" smtClean="0">
-                <a:solidFill>
-                  <a:schemeClr val="tx1"/>
-                </a:solidFill>
-              </a:rPr>
-              <a:t>    if </a:t>
-            </a:r>
-            <a:r>
-              <a:rPr lang="en-US" sz="1800" dirty="0">
-                <a:solidFill>
-                  <a:schemeClr val="tx1"/>
-                </a:solidFill>
-              </a:rPr>
-              <a:t>any other guests </a:t>
-            </a:r>
-            <a:r>
-              <a:rPr lang="en-US" sz="1800" dirty="0" smtClean="0">
-                <a:solidFill>
-                  <a:schemeClr val="tx1"/>
-                </a:solidFill>
-              </a:rPr>
-              <a:t>need to </a:t>
-            </a:r>
-            <a:r>
-              <a:rPr lang="en-US" sz="1800" dirty="0">
-                <a:solidFill>
-                  <a:schemeClr val="tx1"/>
-                </a:solidFill>
-              </a:rPr>
-              <a:t>order, </a:t>
-            </a:r>
-            <a:r>
-              <a:rPr lang="en-US" sz="1800" dirty="0" smtClean="0">
-                <a:solidFill>
-                  <a:schemeClr val="tx1"/>
-                </a:solidFill>
-              </a:rPr>
-              <a:t>				    then </a:t>
-            </a:r>
-            <a:r>
-              <a:rPr lang="en-US" sz="1800" dirty="0">
-                <a:solidFill>
-                  <a:schemeClr val="tx1"/>
-                </a:solidFill>
-              </a:rPr>
-              <a:t>go to step 2. Otherwise, </a:t>
-            </a:r>
-            <a:r>
-              <a:rPr lang="en-US" sz="1800" dirty="0" smtClean="0">
-                <a:solidFill>
-                  <a:schemeClr val="tx1"/>
-                </a:solidFill>
-              </a:rPr>
-              <a:t>					    display a </a:t>
-            </a:r>
-            <a:r>
-              <a:rPr lang="en-US" sz="1800" dirty="0">
-                <a:solidFill>
-                  <a:schemeClr val="tx1"/>
-                </a:solidFill>
-              </a:rPr>
-              <a:t>textbox for table number </a:t>
-            </a:r>
-            <a:r>
-              <a:rPr lang="en-US" sz="1800" dirty="0" smtClean="0">
-                <a:solidFill>
-                  <a:schemeClr val="tx1"/>
-                </a:solidFill>
-              </a:rPr>
-              <a:t>				    and </a:t>
-            </a:r>
-            <a:r>
-              <a:rPr lang="en-US" sz="1800" dirty="0">
-                <a:solidFill>
-                  <a:schemeClr val="tx1"/>
-                </a:solidFill>
-              </a:rPr>
-              <a:t>a “Print” button.</a:t>
-            </a:r>
-          </a:p>
-          <a:p>
-            <a:r>
-              <a:rPr lang="en-US" sz="1800" dirty="0">
-                <a:solidFill>
-                  <a:schemeClr val="tx1"/>
-                </a:solidFill>
-              </a:rPr>
-              <a:t>11. Type in table number, click </a:t>
-            </a:r>
-            <a:r>
-              <a:rPr lang="en-US" sz="1800" dirty="0" smtClean="0">
-                <a:solidFill>
-                  <a:schemeClr val="tx1"/>
-                </a:solidFill>
-              </a:rPr>
-              <a:t>	</a:t>
-            </a:r>
-            <a:r>
-              <a:rPr lang="en-US" sz="1800" dirty="0">
-                <a:solidFill>
-                  <a:schemeClr val="tx1"/>
-                </a:solidFill>
-              </a:rPr>
-              <a:t>12. Print out an order summary of </a:t>
-            </a:r>
-          </a:p>
-          <a:p>
-            <a:r>
-              <a:rPr lang="en-US" sz="1800" dirty="0" smtClean="0">
-                <a:solidFill>
-                  <a:schemeClr val="tx1"/>
-                </a:solidFill>
-              </a:rPr>
-              <a:t>    “</a:t>
-            </a:r>
-            <a:r>
-              <a:rPr lang="en-US" sz="1800" dirty="0">
-                <a:solidFill>
-                  <a:schemeClr val="tx1"/>
-                </a:solidFill>
-              </a:rPr>
-              <a:t>Print”. </a:t>
-            </a:r>
-            <a:r>
-              <a:rPr lang="en-US" sz="1800" dirty="0" smtClean="0">
-                <a:solidFill>
-                  <a:schemeClr val="tx1"/>
-                </a:solidFill>
-              </a:rPr>
-              <a:t>			    this </a:t>
-            </a:r>
-            <a:r>
-              <a:rPr lang="en-US" sz="1800" dirty="0">
-                <a:solidFill>
-                  <a:schemeClr val="tx1"/>
-                </a:solidFill>
-              </a:rPr>
-              <a:t>table.</a:t>
-            </a:r>
-          </a:p>
-          <a:p>
-            <a:endParaRPr lang="en-US" sz="1800" dirty="0" smtClean="0">
-              <a:solidFill>
-                <a:schemeClr val="tx1"/>
-              </a:solidFill>
-            </a:endParaRPr>
-          </a:p>
-          <a:p>
-            <a:r>
-              <a:rPr lang="en-US" sz="1800" dirty="0">
-                <a:solidFill>
-                  <a:schemeClr val="tx1"/>
-                </a:solidFill>
-              </a:rPr>
-              <a:t>		</a:t>
-            </a:r>
+              <a:t>condition: </a:t>
+            </a:r>
+            <a:r>
+              <a:rPr lang="en-US" sz="2400" dirty="0">
+                <a:solidFill>
+                  <a:schemeClr val="tx1"/>
+                </a:solidFill>
+              </a:rPr>
+              <a:t>Order information should be recorded to database successfully.</a:t>
+            </a:r>
+          </a:p>
+          <a:p>
+            <a:endParaRPr lang="en-US" dirty="0"/>
           </a:p>
         </p:txBody>
       </p:sp>
     </p:spTree>
     <p:extLst>
       <p:ext uri="{BB962C8B-B14F-4D97-AF65-F5344CB8AC3E}">
-        <p14:creationId xmlns:p14="http://schemas.microsoft.com/office/powerpoint/2010/main" val="1100892353"/>
+        <p14:creationId xmlns:p14="http://schemas.microsoft.com/office/powerpoint/2010/main" xmlns="" val="777232676"/>
       </p:ext>
     </p:extLst>
   </p:cSld>
@@ -5274,55 +4640,431 @@
         </p:nvSpPr>
         <p:spPr>
           <a:xfrm>
-            <a:off x="914400" y="1276350"/>
-            <a:ext cx="7772400" cy="3598192"/>
+            <a:off x="914400" y="1244242"/>
+            <a:ext cx="7772400" cy="3630300"/>
           </a:xfrm>
         </p:spPr>
         <p:txBody>
           <a:bodyPr/>
           <a:lstStyle/>
           <a:p>
-            <a:pPr marL="342900" indent="-342900">
-              <a:buClr>
+            <a:r>
+              <a:rPr lang="en-US" sz="1800" dirty="0">
+                <a:solidFill>
+                  <a:schemeClr val="bg1"/>
+                </a:solidFill>
+              </a:rPr>
+              <a:t>Steps:</a:t>
+            </a:r>
+          </a:p>
+          <a:p>
+            <a:r>
+              <a:rPr lang="en-US" sz="1800" dirty="0">
+                <a:solidFill>
+                  <a:schemeClr val="bg1"/>
+                </a:solidFill>
+              </a:rPr>
+              <a:t>Actor actions			</a:t>
+            </a:r>
+            <a:r>
+              <a:rPr lang="en-US" sz="1800" dirty="0" smtClean="0">
+                <a:solidFill>
+                  <a:schemeClr val="bg1"/>
+                </a:solidFill>
+              </a:rPr>
+              <a:t>System </a:t>
+            </a:r>
+            <a:r>
+              <a:rPr lang="en-US" sz="1800" dirty="0">
+                <a:solidFill>
+                  <a:schemeClr val="bg1"/>
+                </a:solidFill>
+              </a:rPr>
+              <a:t>responses</a:t>
+            </a:r>
+          </a:p>
+          <a:p>
+            <a:r>
+              <a:rPr lang="en-US" sz="1800" dirty="0" smtClean="0">
+                <a:solidFill>
+                  <a:schemeClr val="tx1"/>
+                </a:solidFill>
+              </a:rPr>
+              <a:t>1. Click </a:t>
+            </a:r>
+            <a:r>
+              <a:rPr lang="en-US" sz="1800" dirty="0">
+                <a:solidFill>
+                  <a:schemeClr val="tx1"/>
+                </a:solidFill>
+              </a:rPr>
+              <a:t>on “Order” button.	</a:t>
+            </a:r>
+            <a:r>
+              <a:rPr lang="en-US" sz="1800" dirty="0" smtClean="0">
+                <a:solidFill>
+                  <a:schemeClr val="tx1"/>
+                </a:solidFill>
+              </a:rPr>
+              <a:t>2. Display </a:t>
+            </a:r>
+            <a:r>
+              <a:rPr lang="en-US" sz="1800" dirty="0">
+                <a:solidFill>
+                  <a:schemeClr val="tx1"/>
+                </a:solidFill>
+              </a:rPr>
+              <a:t>the order page, ask for </a:t>
+            </a:r>
+            <a:r>
+              <a:rPr lang="en-US" sz="1800" dirty="0" smtClean="0">
+                <a:solidFill>
+                  <a:schemeClr val="tx1"/>
+                </a:solidFill>
+              </a:rPr>
+              <a:t>					number </a:t>
+            </a:r>
+            <a:r>
+              <a:rPr lang="en-US" sz="1800" dirty="0">
+                <a:solidFill>
+                  <a:schemeClr val="tx1"/>
+                </a:solidFill>
+              </a:rPr>
+              <a:t>of guests.</a:t>
+            </a:r>
+          </a:p>
+          <a:p>
+            <a:r>
+              <a:rPr lang="en-US" sz="1800" dirty="0" smtClean="0">
+                <a:solidFill>
+                  <a:schemeClr val="tx1"/>
+                </a:solidFill>
+              </a:rPr>
+              <a:t>3. Type </a:t>
+            </a:r>
+            <a:r>
+              <a:rPr lang="en-US" sz="1800" dirty="0">
+                <a:solidFill>
+                  <a:schemeClr val="tx1"/>
+                </a:solidFill>
+              </a:rPr>
+              <a:t>in “2”, click “Submit”.	</a:t>
+            </a:r>
+            <a:r>
+              <a:rPr lang="en-US" sz="1800" dirty="0" smtClean="0">
+                <a:solidFill>
+                  <a:schemeClr val="tx1"/>
+                </a:solidFill>
+              </a:rPr>
+              <a:t>4. Display </a:t>
+            </a:r>
+            <a:r>
+              <a:rPr lang="en-US" sz="1800" dirty="0">
+                <a:solidFill>
+                  <a:schemeClr val="tx1"/>
+                </a:solidFill>
+              </a:rPr>
+              <a:t>the menu page for guest 1.</a:t>
+            </a:r>
+          </a:p>
+          <a:p>
+            <a:r>
+              <a:rPr lang="en-US" sz="1800" dirty="0" smtClean="0">
+                <a:solidFill>
+                  <a:schemeClr val="tx1"/>
+                </a:solidFill>
+              </a:rPr>
+              <a:t>5. Click </a:t>
+            </a:r>
+            <a:r>
+              <a:rPr lang="en-US" sz="1800" dirty="0">
+                <a:solidFill>
+                  <a:schemeClr val="tx1"/>
+                </a:solidFill>
+              </a:rPr>
+              <a:t>“Appetizer”, check </a:t>
+            </a:r>
+            <a:endParaRPr lang="en-US" sz="1800" dirty="0" smtClean="0">
+              <a:solidFill>
+                <a:schemeClr val="tx1"/>
+              </a:solidFill>
+            </a:endParaRPr>
+          </a:p>
+          <a:p>
+            <a:r>
+              <a:rPr lang="en-US" sz="1800" dirty="0" smtClean="0">
+                <a:solidFill>
+                  <a:schemeClr val="tx1"/>
+                </a:solidFill>
+              </a:rPr>
+              <a:t>    “</a:t>
+            </a:r>
+            <a:r>
+              <a:rPr lang="en-US" sz="1800" dirty="0">
+                <a:solidFill>
+                  <a:schemeClr val="tx1"/>
+                </a:solidFill>
+              </a:rPr>
+              <a:t>Chicken Wings” </a:t>
+            </a:r>
+            <a:r>
+              <a:rPr lang="en-US" sz="1800" dirty="0" smtClean="0">
+                <a:solidFill>
+                  <a:schemeClr val="tx1"/>
+                </a:solidFill>
+              </a:rPr>
+              <a:t>and</a:t>
+            </a:r>
+            <a:r>
+              <a:rPr lang="en-US" sz="1800" dirty="0">
+                <a:solidFill>
+                  <a:schemeClr val="tx1"/>
+                </a:solidFill>
+              </a:rPr>
+              <a:t> </a:t>
+            </a:r>
+            <a:r>
+              <a:rPr lang="en-US" sz="1800" dirty="0" smtClean="0">
+                <a:solidFill>
+                  <a:schemeClr val="tx1"/>
+                </a:solidFill>
+              </a:rPr>
+              <a:t>type </a:t>
+            </a:r>
+            <a:r>
+              <a:rPr lang="en-US" sz="1800" dirty="0">
+                <a:solidFill>
+                  <a:schemeClr val="tx1"/>
+                </a:solidFill>
+              </a:rPr>
+              <a:t>in </a:t>
+            </a:r>
+            <a:endParaRPr lang="en-US" sz="1800" dirty="0" smtClean="0">
+              <a:solidFill>
+                <a:schemeClr val="tx1"/>
+              </a:solidFill>
+            </a:endParaRPr>
+          </a:p>
+          <a:p>
+            <a:r>
+              <a:rPr lang="en-US" sz="1800" dirty="0">
+                <a:solidFill>
+                  <a:schemeClr val="tx1"/>
+                </a:solidFill>
+              </a:rPr>
+              <a:t> </a:t>
+            </a:r>
+            <a:r>
+              <a:rPr lang="en-US" sz="1800" dirty="0" smtClean="0">
+                <a:solidFill>
+                  <a:schemeClr val="tx1"/>
+                </a:solidFill>
+              </a:rPr>
+              <a:t>   “</a:t>
+            </a:r>
+            <a:r>
+              <a:rPr lang="en-US" sz="1800" dirty="0">
+                <a:solidFill>
+                  <a:schemeClr val="tx1"/>
+                </a:solidFill>
+              </a:rPr>
+              <a:t>2”.	</a:t>
+            </a:r>
+          </a:p>
+          <a:p>
+            <a:r>
+              <a:rPr lang="en-US" sz="1800" dirty="0" smtClean="0">
+                <a:solidFill>
+                  <a:schemeClr val="tx1"/>
+                </a:solidFill>
+              </a:rPr>
+              <a:t>6. Click </a:t>
+            </a:r>
+            <a:r>
+              <a:rPr lang="en-US" sz="1800" dirty="0">
+                <a:solidFill>
+                  <a:schemeClr val="tx1"/>
+                </a:solidFill>
+              </a:rPr>
+              <a:t>“Entrée”, check “Beef </a:t>
+            </a:r>
+            <a:endParaRPr lang="en-US" sz="1800" dirty="0" smtClean="0">
+              <a:solidFill>
+                <a:schemeClr val="tx1"/>
+              </a:solidFill>
+            </a:endParaRPr>
+          </a:p>
+          <a:p>
+            <a:r>
+              <a:rPr lang="en-US" sz="1800" dirty="0" smtClean="0">
+                <a:solidFill>
+                  <a:schemeClr val="tx1"/>
+                </a:solidFill>
+              </a:rPr>
+              <a:t>    Ramen</a:t>
+            </a:r>
+            <a:r>
+              <a:rPr lang="en-US" sz="1800" dirty="0">
+                <a:solidFill>
+                  <a:schemeClr val="tx1"/>
+                </a:solidFill>
+              </a:rPr>
+              <a:t>” and </a:t>
+            </a:r>
+            <a:r>
+              <a:rPr lang="en-US" sz="1800" dirty="0" smtClean="0">
+                <a:solidFill>
+                  <a:schemeClr val="tx1"/>
+                </a:solidFill>
+              </a:rPr>
+              <a:t>type</a:t>
+            </a:r>
+            <a:r>
+              <a:rPr lang="en-US" sz="1800" dirty="0">
+                <a:solidFill>
+                  <a:schemeClr val="tx1"/>
+                </a:solidFill>
+              </a:rPr>
+              <a:t> </a:t>
+            </a:r>
+            <a:r>
+              <a:rPr lang="en-US" sz="1800" dirty="0" smtClean="0">
+                <a:solidFill>
+                  <a:schemeClr val="tx1"/>
+                </a:solidFill>
+              </a:rPr>
+              <a:t>in </a:t>
+            </a:r>
+            <a:r>
+              <a:rPr lang="en-US" sz="1800" dirty="0">
+                <a:solidFill>
+                  <a:schemeClr val="tx1"/>
+                </a:solidFill>
+              </a:rPr>
+              <a:t>“1”. </a:t>
+            </a:r>
+          </a:p>
+          <a:p>
+            <a:r>
+              <a:rPr lang="en-US" sz="1800" dirty="0" smtClean="0">
+                <a:solidFill>
+                  <a:schemeClr val="tx1"/>
+                </a:solidFill>
+              </a:rPr>
+              <a:t>7. Click </a:t>
+            </a:r>
+            <a:r>
+              <a:rPr lang="en-US" sz="1800" dirty="0">
+                <a:solidFill>
+                  <a:schemeClr val="tx1"/>
+                </a:solidFill>
+              </a:rPr>
+              <a:t>“Done”.	</a:t>
+            </a:r>
+            <a:r>
+              <a:rPr lang="en-US" sz="1800" dirty="0" smtClean="0">
+                <a:solidFill>
+                  <a:schemeClr val="tx1"/>
+                </a:solidFill>
+              </a:rPr>
+              <a:t>		8. Display </a:t>
+            </a:r>
+            <a:r>
+              <a:rPr lang="en-US" sz="1800" dirty="0">
+                <a:solidFill>
+                  <a:schemeClr val="tx1"/>
+                </a:solidFill>
+              </a:rPr>
+              <a:t>“Chicken Wings × 2, Beef </a:t>
+            </a:r>
+            <a:r>
+              <a:rPr lang="en-US" sz="1800" dirty="0" smtClean="0">
+                <a:solidFill>
+                  <a:schemeClr val="tx1"/>
+                </a:solidFill>
+              </a:rPr>
+              <a:t>				    Ramen </a:t>
+            </a:r>
+            <a:r>
+              <a:rPr lang="en-US" sz="1800" dirty="0">
+                <a:solidFill>
+                  <a:schemeClr val="tx1"/>
+                </a:solidFill>
+              </a:rPr>
+              <a:t>× 1, Total Price $15.00” </a:t>
+            </a:r>
+            <a:r>
+              <a:rPr lang="en-US" sz="1800" dirty="0" smtClean="0">
+                <a:solidFill>
+                  <a:schemeClr val="tx1"/>
+                </a:solidFill>
+              </a:rPr>
+              <a:t>					    and </a:t>
+            </a:r>
+            <a:r>
+              <a:rPr lang="en-US" sz="1800" dirty="0">
+                <a:solidFill>
+                  <a:schemeClr val="tx1"/>
+                </a:solidFill>
+              </a:rPr>
+              <a:t>“Next” button</a:t>
+            </a:r>
+            <a:r>
+              <a:rPr lang="en-US" sz="1800" dirty="0" smtClean="0">
+                <a:solidFill>
+                  <a:schemeClr val="tx1"/>
+                </a:solidFill>
+              </a:rPr>
+              <a:t>.</a:t>
+            </a:r>
+            <a:endParaRPr lang="en-US" sz="1800" dirty="0">
+              <a:solidFill>
+                <a:schemeClr val="tx1"/>
+              </a:solidFill>
+            </a:endParaRPr>
+          </a:p>
+        </p:txBody>
+      </p:sp>
+      <p:sp>
+        <p:nvSpPr>
+          <p:cNvPr id="3" name="Title 2"/>
+          <p:cNvSpPr>
+            <a:spLocks noGrp="1"/>
+          </p:cNvSpPr>
+          <p:nvPr>
+            <p:ph type="title"/>
+          </p:nvPr>
+        </p:nvSpPr>
+        <p:spPr>
+          <a:xfrm>
+            <a:off x="914400" y="205978"/>
+            <a:ext cx="7772400" cy="994200"/>
+          </a:xfrm>
+        </p:spPr>
+        <p:txBody>
+          <a:bodyPr/>
+          <a:lstStyle/>
+          <a:p>
+            <a:r>
+              <a:rPr lang="en-US" dirty="0" smtClean="0">
+                <a:solidFill>
+                  <a:schemeClr val="bg1"/>
+                </a:solidFill>
+              </a:rPr>
+              <a:t>Scenarios</a:t>
+            </a:r>
+            <a:endParaRPr lang="en-US" dirty="0">
+              <a:solidFill>
                 <a:schemeClr val="bg1"/>
-              </a:buClr>
-              <a:buFont typeface="Arial" panose="020B0604020202020204" pitchFamily="34" charset="0"/>
-              <a:buChar char="•"/>
-            </a:pPr>
-            <a:r>
-              <a:rPr lang="en-US" sz="2400" dirty="0" smtClean="0">
-                <a:solidFill>
-                  <a:schemeClr val="bg1"/>
-                </a:solidFill>
-              </a:rPr>
-              <a:t>Post </a:t>
-            </a:r>
-            <a:r>
-              <a:rPr lang="en-US" sz="2400" dirty="0">
-                <a:solidFill>
-                  <a:schemeClr val="bg1"/>
-                </a:solidFill>
-              </a:rPr>
-              <a:t>condition: </a:t>
-            </a:r>
-            <a:r>
-              <a:rPr lang="en-US" sz="2400" dirty="0">
-                <a:solidFill>
-                  <a:schemeClr val="tx1"/>
-                </a:solidFill>
-              </a:rPr>
-              <a:t>Order information should be recorded to database successfully.</a:t>
-            </a:r>
-          </a:p>
-          <a:p>
-            <a:endParaRPr lang="en-US" dirty="0"/>
+              </a:solidFill>
+            </a:endParaRPr>
           </a:p>
         </p:txBody>
       </p:sp>
     </p:spTree>
     <p:extLst>
       <p:ext uri="{BB962C8B-B14F-4D97-AF65-F5344CB8AC3E}">
-        <p14:creationId xmlns:p14="http://schemas.microsoft.com/office/powerpoint/2010/main" val="777232676"/>
+        <p14:creationId xmlns:p14="http://schemas.microsoft.com/office/powerpoint/2010/main" xmlns="" val="1396403314"/>
       </p:ext>
     </p:extLst>
   </p:cSld>
@@ -5361,469 +5103,6 @@
         </p:nvSpPr>
         <p:spPr>
           <a:xfrm>
-            <a:off x="914400" y="1244242"/>
-            <a:ext cx="7772400" cy="3630300"/>
-          </a:xfrm>
-        </p:spPr>
-        <p:txBody>
-          <a:bodyPr/>
-          <a:lstStyle/>
-          <a:p>
-            <a:r>
-              <a:rPr lang="en-US" sz="1800" dirty="0">
-                <a:solidFill>
-                  <a:schemeClr val="bg1"/>
-                </a:solidFill>
-              </a:rPr>
-              <a:t>Steps:</a:t>
-            </a:r>
-          </a:p>
-          <a:p>
-            <a:r>
-              <a:rPr lang="en-US" sz="1800" dirty="0">
-                <a:solidFill>
-                  <a:schemeClr val="bg1"/>
-                </a:solidFill>
-              </a:rPr>
-              <a:t>Actor actions			</a:t>
-            </a:r>
-            <a:r>
-              <a:rPr lang="en-US" sz="1800" dirty="0" smtClean="0">
-                <a:solidFill>
-                  <a:schemeClr val="bg1"/>
-                </a:solidFill>
-              </a:rPr>
-              <a:t>System </a:t>
-            </a:r>
-            <a:r>
-              <a:rPr lang="en-US" sz="1800" dirty="0">
-                <a:solidFill>
-                  <a:schemeClr val="bg1"/>
-                </a:solidFill>
-              </a:rPr>
-              <a:t>responses</a:t>
-            </a:r>
-          </a:p>
-          <a:p>
-            <a:r>
-              <a:rPr lang="en-US" sz="1800" dirty="0" smtClean="0">
-                <a:solidFill>
-                  <a:schemeClr val="tx1"/>
-                </a:solidFill>
-              </a:rPr>
-              <a:t>1. Click </a:t>
-            </a:r>
-            <a:r>
-              <a:rPr lang="en-US" sz="1800" dirty="0">
-                <a:solidFill>
-                  <a:schemeClr val="tx1"/>
-                </a:solidFill>
-              </a:rPr>
-              <a:t>on “Order” button.	</a:t>
-            </a:r>
-            <a:r>
-              <a:rPr lang="en-US" sz="1800" dirty="0" smtClean="0">
-                <a:solidFill>
-                  <a:schemeClr val="tx1"/>
-                </a:solidFill>
-              </a:rPr>
-              <a:t>2. Display </a:t>
-            </a:r>
-            <a:r>
-              <a:rPr lang="en-US" sz="1800" dirty="0">
-                <a:solidFill>
-                  <a:schemeClr val="tx1"/>
-                </a:solidFill>
-              </a:rPr>
-              <a:t>the order page, ask for </a:t>
-            </a:r>
-            <a:r>
-              <a:rPr lang="en-US" sz="1800" dirty="0" smtClean="0">
-                <a:solidFill>
-                  <a:schemeClr val="tx1"/>
-                </a:solidFill>
-              </a:rPr>
-              <a:t>					number </a:t>
-            </a:r>
-            <a:r>
-              <a:rPr lang="en-US" sz="1800" dirty="0">
-                <a:solidFill>
-                  <a:schemeClr val="tx1"/>
-                </a:solidFill>
-              </a:rPr>
-              <a:t>of guests.</a:t>
-            </a:r>
-          </a:p>
-          <a:p>
-            <a:r>
-              <a:rPr lang="en-US" sz="1800" dirty="0" smtClean="0">
-                <a:solidFill>
-                  <a:schemeClr val="tx1"/>
-                </a:solidFill>
-              </a:rPr>
-              <a:t>3. Type </a:t>
-            </a:r>
-            <a:r>
-              <a:rPr lang="en-US" sz="1800" dirty="0">
-                <a:solidFill>
-                  <a:schemeClr val="tx1"/>
-                </a:solidFill>
-              </a:rPr>
-              <a:t>in “2”, click “Submit”.	</a:t>
-            </a:r>
-            <a:r>
-              <a:rPr lang="en-US" sz="1800" dirty="0" smtClean="0">
-                <a:solidFill>
-                  <a:schemeClr val="tx1"/>
-                </a:solidFill>
-              </a:rPr>
-              <a:t>4. Display </a:t>
-            </a:r>
-            <a:r>
-              <a:rPr lang="en-US" sz="1800" dirty="0">
-                <a:solidFill>
-                  <a:schemeClr val="tx1"/>
-                </a:solidFill>
-              </a:rPr>
-              <a:t>the menu page for guest 1.</a:t>
-            </a:r>
-          </a:p>
-          <a:p>
-            <a:r>
-              <a:rPr lang="en-US" sz="1800" dirty="0" smtClean="0">
-                <a:solidFill>
-                  <a:schemeClr val="tx1"/>
-                </a:solidFill>
-              </a:rPr>
-              <a:t>5. Click </a:t>
-            </a:r>
-            <a:r>
-              <a:rPr lang="en-US" sz="1800" dirty="0">
-                <a:solidFill>
-                  <a:schemeClr val="tx1"/>
-                </a:solidFill>
-              </a:rPr>
-              <a:t>“Appetizer”, check </a:t>
-            </a:r>
-            <a:endParaRPr lang="en-US" sz="1800" dirty="0" smtClean="0">
-              <a:solidFill>
-                <a:schemeClr val="tx1"/>
-              </a:solidFill>
-            </a:endParaRPr>
-          </a:p>
-          <a:p>
-            <a:r>
-              <a:rPr lang="en-US" sz="1800" dirty="0" smtClean="0">
-                <a:solidFill>
-                  <a:schemeClr val="tx1"/>
-                </a:solidFill>
-              </a:rPr>
-              <a:t>    “</a:t>
-            </a:r>
-            <a:r>
-              <a:rPr lang="en-US" sz="1800" dirty="0">
-                <a:solidFill>
-                  <a:schemeClr val="tx1"/>
-                </a:solidFill>
-              </a:rPr>
-              <a:t>Chicken Wings” </a:t>
-            </a:r>
-            <a:r>
-              <a:rPr lang="en-US" sz="1800" dirty="0" smtClean="0">
-                <a:solidFill>
-                  <a:schemeClr val="tx1"/>
-                </a:solidFill>
-              </a:rPr>
-              <a:t>and</a:t>
-            </a:r>
-            <a:r>
-              <a:rPr lang="en-US" sz="1800" dirty="0">
-                <a:solidFill>
-                  <a:schemeClr val="tx1"/>
-                </a:solidFill>
-              </a:rPr>
-              <a:t> </a:t>
-            </a:r>
-            <a:r>
-              <a:rPr lang="en-US" sz="1800" dirty="0" smtClean="0">
-                <a:solidFill>
-                  <a:schemeClr val="tx1"/>
-                </a:solidFill>
-              </a:rPr>
-              <a:t>type </a:t>
-            </a:r>
-            <a:r>
-              <a:rPr lang="en-US" sz="1800" dirty="0">
-                <a:solidFill>
-                  <a:schemeClr val="tx1"/>
-                </a:solidFill>
-              </a:rPr>
-              <a:t>in </a:t>
-            </a:r>
-            <a:endParaRPr lang="en-US" sz="1800" dirty="0" smtClean="0">
-              <a:solidFill>
-                <a:schemeClr val="tx1"/>
-              </a:solidFill>
-            </a:endParaRPr>
-          </a:p>
-          <a:p>
-            <a:r>
-              <a:rPr lang="en-US" sz="1800" dirty="0">
-                <a:solidFill>
-                  <a:schemeClr val="tx1"/>
-                </a:solidFill>
-              </a:rPr>
-              <a:t> </a:t>
-            </a:r>
-            <a:r>
-              <a:rPr lang="en-US" sz="1800" dirty="0" smtClean="0">
-                <a:solidFill>
-                  <a:schemeClr val="tx1"/>
-                </a:solidFill>
-              </a:rPr>
-              <a:t>   “</a:t>
-            </a:r>
-            <a:r>
-              <a:rPr lang="en-US" sz="1800" dirty="0">
-                <a:solidFill>
-                  <a:schemeClr val="tx1"/>
-                </a:solidFill>
-              </a:rPr>
-              <a:t>2”.	</a:t>
-            </a:r>
-          </a:p>
-          <a:p>
-            <a:r>
-              <a:rPr lang="en-US" sz="1800" dirty="0" smtClean="0">
-                <a:solidFill>
-                  <a:schemeClr val="tx1"/>
-                </a:solidFill>
-              </a:rPr>
-              <a:t>6. Click </a:t>
-            </a:r>
-            <a:r>
-              <a:rPr lang="en-US" sz="1800" dirty="0">
-                <a:solidFill>
-                  <a:schemeClr val="tx1"/>
-                </a:solidFill>
-              </a:rPr>
-              <a:t>“Entrée”, check “Beef </a:t>
-            </a:r>
-            <a:endParaRPr lang="en-US" sz="1800" dirty="0" smtClean="0">
-              <a:solidFill>
-                <a:schemeClr val="tx1"/>
-              </a:solidFill>
-            </a:endParaRPr>
-          </a:p>
-          <a:p>
-            <a:r>
-              <a:rPr lang="en-US" sz="1800" dirty="0" smtClean="0">
-                <a:solidFill>
-                  <a:schemeClr val="tx1"/>
-                </a:solidFill>
-              </a:rPr>
-              <a:t>    Ramen</a:t>
-            </a:r>
-            <a:r>
-              <a:rPr lang="en-US" sz="1800" dirty="0">
-                <a:solidFill>
-                  <a:schemeClr val="tx1"/>
-                </a:solidFill>
-              </a:rPr>
-              <a:t>” and </a:t>
-            </a:r>
-            <a:r>
-              <a:rPr lang="en-US" sz="1800" dirty="0" smtClean="0">
-                <a:solidFill>
-                  <a:schemeClr val="tx1"/>
-                </a:solidFill>
-              </a:rPr>
-              <a:t>type</a:t>
-            </a:r>
-            <a:r>
-              <a:rPr lang="en-US" sz="1800" dirty="0">
-                <a:solidFill>
-                  <a:schemeClr val="tx1"/>
-                </a:solidFill>
-              </a:rPr>
-              <a:t> </a:t>
-            </a:r>
-            <a:r>
-              <a:rPr lang="en-US" sz="1800" dirty="0" smtClean="0">
-                <a:solidFill>
-                  <a:schemeClr val="tx1"/>
-                </a:solidFill>
-              </a:rPr>
-              <a:t>in </a:t>
-            </a:r>
-            <a:r>
-              <a:rPr lang="en-US" sz="1800" dirty="0">
-                <a:solidFill>
-                  <a:schemeClr val="tx1"/>
-                </a:solidFill>
-              </a:rPr>
-              <a:t>“1”. </a:t>
-            </a:r>
-          </a:p>
-          <a:p>
-            <a:r>
-              <a:rPr lang="en-US" sz="1800" dirty="0" smtClean="0">
-                <a:solidFill>
-                  <a:schemeClr val="tx1"/>
-                </a:solidFill>
-              </a:rPr>
-              <a:t>7. Click </a:t>
-            </a:r>
-            <a:r>
-              <a:rPr lang="en-US" sz="1800" dirty="0">
-                <a:solidFill>
-                  <a:schemeClr val="tx1"/>
-                </a:solidFill>
-              </a:rPr>
-              <a:t>“Done”.	</a:t>
-            </a:r>
-            <a:r>
-              <a:rPr lang="en-US" sz="1800" dirty="0" smtClean="0">
-                <a:solidFill>
-                  <a:schemeClr val="tx1"/>
-                </a:solidFill>
-              </a:rPr>
-              <a:t>		8. Display </a:t>
-            </a:r>
-            <a:r>
-              <a:rPr lang="en-US" sz="1800" dirty="0">
-                <a:solidFill>
-                  <a:schemeClr val="tx1"/>
-                </a:solidFill>
-              </a:rPr>
-              <a:t>“Chicken Wings × 2, Beef </a:t>
-            </a:r>
-            <a:r>
-              <a:rPr lang="en-US" sz="1800" dirty="0" smtClean="0">
-                <a:solidFill>
-                  <a:schemeClr val="tx1"/>
-                </a:solidFill>
-              </a:rPr>
-              <a:t>				    Ramen </a:t>
-            </a:r>
-            <a:r>
-              <a:rPr lang="en-US" sz="1800" dirty="0">
-                <a:solidFill>
-                  <a:schemeClr val="tx1"/>
-                </a:solidFill>
-              </a:rPr>
-              <a:t>× 1, Total Price $15.00” </a:t>
-            </a:r>
-            <a:r>
-              <a:rPr lang="en-US" sz="1800" dirty="0" smtClean="0">
-                <a:solidFill>
-                  <a:schemeClr val="tx1"/>
-                </a:solidFill>
-              </a:rPr>
-              <a:t>					    and </a:t>
-            </a:r>
-            <a:r>
-              <a:rPr lang="en-US" sz="1800" dirty="0">
-                <a:solidFill>
-                  <a:schemeClr val="tx1"/>
-                </a:solidFill>
-              </a:rPr>
-              <a:t>“Next” button</a:t>
-            </a:r>
-            <a:r>
-              <a:rPr lang="en-US" sz="1800" dirty="0" smtClean="0">
-                <a:solidFill>
-                  <a:schemeClr val="tx1"/>
-                </a:solidFill>
-              </a:rPr>
-              <a:t>.</a:t>
-            </a:r>
-            <a:endParaRPr lang="en-US" sz="1800" dirty="0">
-              <a:solidFill>
-                <a:schemeClr val="tx1"/>
-              </a:solidFill>
-            </a:endParaRPr>
-          </a:p>
-        </p:txBody>
-      </p:sp>
-      <p:sp>
-        <p:nvSpPr>
-          <p:cNvPr id="3" name="Title 2"/>
-          <p:cNvSpPr>
-            <a:spLocks noGrp="1"/>
-          </p:cNvSpPr>
-          <p:nvPr>
-            <p:ph type="title"/>
-          </p:nvPr>
-        </p:nvSpPr>
-        <p:spPr>
-          <a:xfrm>
-            <a:off x="914400" y="205978"/>
-            <a:ext cx="7772400" cy="994200"/>
-          </a:xfrm>
-        </p:spPr>
-        <p:txBody>
-          <a:bodyPr/>
-          <a:lstStyle/>
-          <a:p>
-            <a:r>
-              <a:rPr lang="en-US" dirty="0" smtClean="0">
-                <a:solidFill>
-                  <a:schemeClr val="bg1"/>
-                </a:solidFill>
-              </a:rPr>
-              <a:t>Scenarios</a:t>
-            </a:r>
-            <a:endParaRPr lang="en-US" dirty="0">
-              <a:solidFill>
-                <a:schemeClr val="bg1"/>
-              </a:solidFill>
-            </a:endParaRPr>
-          </a:p>
-        </p:txBody>
-      </p:sp>
-    </p:spTree>
-    <p:extLst>
-      <p:ext uri="{BB962C8B-B14F-4D97-AF65-F5344CB8AC3E}">
-        <p14:creationId xmlns:p14="http://schemas.microsoft.com/office/powerpoint/2010/main" val="1396403314"/>
-      </p:ext>
-    </p:extLst>
-  </p:cSld>
-  <p:clrMapOvr>
-    <a:masterClrMapping/>
-  </p:clrMapOvr>
-</p:sld>
-</file>
-
-<file path=ppt/slides/slide13.xml><?xml version="1.0" encoding="utf-8"?>
-<p:sld xmlns:a="http://schemas.openxmlformats.org/drawingml/2006/main" xmlns:r="http://schemas.openxmlformats.org/officeDocument/2006/relationships" xmlns:p="http://schemas.openxmlformats.org/presentationml/2006/main">
-  <p:cSld>
-    <p:spTree>
-      <p:nvGrpSpPr>
-        <p:cNvPr id="1" name=""/>
-        <p:cNvGrpSpPr/>
-        <p:nvPr/>
-      </p:nvGrpSpPr>
-      <p:grpSpPr>
-        <a:xfrm>
-          <a:off x="0" y="0"/>
-          <a:ext cx="0" cy="0"/>
-          <a:chOff x="0" y="0"/>
-          <a:chExt cx="0" cy="0"/>
-        </a:xfrm>
-      </p:grpSpPr>
-      <p:sp>
-        <p:nvSpPr>
-          <p:cNvPr id="2" name="Text Placeholder 1"/>
-          <p:cNvSpPr>
-            <a:spLocks noGrp="1"/>
-          </p:cNvSpPr>
-          <p:nvPr>
-            <p:ph type="body" idx="1"/>
-          </p:nvPr>
-        </p:nvSpPr>
-        <p:spPr>
-          <a:xfrm>
             <a:off x="914400" y="438150"/>
             <a:ext cx="7772400" cy="4436392"/>
           </a:xfrm>
@@ -6251,7 +5530,7 @@
     </p:spTree>
     <p:extLst>
       <p:ext uri="{BB962C8B-B14F-4D97-AF65-F5344CB8AC3E}">
-        <p14:creationId xmlns:p14="http://schemas.microsoft.com/office/powerpoint/2010/main" val="2871933422"/>
+        <p14:creationId xmlns:p14="http://schemas.microsoft.com/office/powerpoint/2010/main" xmlns="" val="2871933422"/>
       </p:ext>
     </p:extLst>
   </p:cSld>
@@ -7447,325 +6726,6 @@
   <p:cSld>
     <p:spTree>
       <p:nvGrpSpPr>
-        <p:cNvPr id="1" name="Shape 75"/>
-        <p:cNvGrpSpPr/>
-        <p:nvPr/>
-      </p:nvGrpSpPr>
-      <p:grpSpPr>
-        <a:xfrm>
-          <a:off x="0" y="0"/>
-          <a:ext cx="0" cy="0"/>
-          <a:chOff x="0" y="0"/>
-          <a:chExt cx="0" cy="0"/>
-        </a:xfrm>
-      </p:grpSpPr>
-      <p:sp>
-        <p:nvSpPr>
-          <p:cNvPr id="76" name="Shape 76"/>
-          <p:cNvSpPr txBox="1">
-            <a:spLocks noGrp="1"/>
-          </p:cNvSpPr>
-          <p:nvPr>
-            <p:ph type="body" idx="1"/>
-          </p:nvPr>
-        </p:nvSpPr>
-        <p:spPr>
-          <a:xfrm>
-            <a:off x="1024200" y="686550"/>
-            <a:ext cx="7662599" cy="3913349"/>
-          </a:xfrm>
-          <a:prstGeom prst="rect">
-            <a:avLst/>
-          </a:prstGeom>
-        </p:spPr>
-        <p:txBody>
-          <a:bodyPr lIns="91425" tIns="91425" rIns="91425" bIns="91425" anchor="t" anchorCtr="0">
-            <a:spAutoFit/>
-          </a:bodyPr>
-          <a:lstStyle/>
-          <a:p>
-            <a:pPr marL="457200" lvl="0" indent="-381000" rtl="0">
-              <a:spcBef>
-                <a:spcPts val="0"/>
-              </a:spcBef>
-              <a:buClr>
-                <a:schemeClr val="lt1"/>
-              </a:buClr>
-              <a:buSzPct val="100000"/>
-              <a:buFont typeface="Arial"/>
-              <a:buChar char="●"/>
-            </a:pPr>
-            <a:r>
-              <a:rPr lang="en" sz="2400" dirty="0">
-                <a:solidFill>
-                  <a:schemeClr val="lt1"/>
-                </a:solidFill>
-              </a:rPr>
-              <a:t>Make a reservation</a:t>
-            </a:r>
-          </a:p>
-          <a:p>
-            <a:pPr lvl="0" rtl="0">
-              <a:lnSpc>
-                <a:spcPct val="115000"/>
-              </a:lnSpc>
-              <a:spcBef>
-                <a:spcPts val="0"/>
-              </a:spcBef>
-              <a:buNone/>
-            </a:pPr>
-            <a:endParaRPr sz="1800" dirty="0">
-              <a:solidFill>
-                <a:schemeClr val="lt1"/>
-              </a:solidFill>
-            </a:endParaRPr>
-          </a:p>
-          <a:p>
-            <a:pPr lvl="0" rtl="0">
-              <a:lnSpc>
-                <a:spcPct val="115000"/>
-              </a:lnSpc>
-              <a:spcBef>
-                <a:spcPts val="0"/>
-              </a:spcBef>
-              <a:buClr>
-                <a:schemeClr val="dk1"/>
-              </a:buClr>
-              <a:buSzPct val="133333"/>
-              <a:buFont typeface="Trebuchet MS"/>
-              <a:buNone/>
-            </a:pPr>
-            <a:r>
-              <a:rPr lang="en" sz="1800" dirty="0">
-                <a:solidFill>
-                  <a:schemeClr val="dk1"/>
-                </a:solidFill>
-              </a:rPr>
-              <a:t>Steps:</a:t>
-            </a:r>
-          </a:p>
-          <a:p>
-            <a:pPr lvl="0" rtl="0">
-              <a:lnSpc>
-                <a:spcPct val="115000"/>
-              </a:lnSpc>
-              <a:spcBef>
-                <a:spcPts val="0"/>
-              </a:spcBef>
-              <a:buClr>
-                <a:schemeClr val="dk1"/>
-              </a:buClr>
-              <a:buSzPct val="61111"/>
-              <a:buFont typeface="Arial"/>
-              <a:buNone/>
-            </a:pPr>
-            <a:r>
-              <a:rPr lang="en" sz="1800" dirty="0">
-                <a:solidFill>
-                  <a:schemeClr val="dk1"/>
-                </a:solidFill>
-              </a:rPr>
-              <a:t>Actor actions			</a:t>
-            </a:r>
-            <a:r>
-              <a:rPr lang="en" sz="1800" dirty="0" smtClean="0">
-                <a:solidFill>
-                  <a:schemeClr val="dk1"/>
-                </a:solidFill>
-              </a:rPr>
-              <a:t>System </a:t>
-            </a:r>
-            <a:r>
-              <a:rPr lang="en" sz="1800" dirty="0">
-                <a:solidFill>
-                  <a:schemeClr val="dk1"/>
-                </a:solidFill>
-              </a:rPr>
-              <a:t>responses</a:t>
-            </a:r>
-          </a:p>
-          <a:p>
-            <a:pPr lvl="0" rtl="0">
-              <a:lnSpc>
-                <a:spcPct val="115000"/>
-              </a:lnSpc>
-              <a:spcBef>
-                <a:spcPts val="0"/>
-              </a:spcBef>
-              <a:buClr>
-                <a:schemeClr val="dk1"/>
-              </a:buClr>
-              <a:buSzPct val="61111"/>
-              <a:buFont typeface="Arial"/>
-              <a:buNone/>
-            </a:pPr>
-            <a:r>
-              <a:rPr lang="en" sz="1800" dirty="0">
-                <a:solidFill>
-                  <a:schemeClr val="dk1"/>
-                </a:solidFill>
-              </a:rPr>
-              <a:t>Select “Reservation” command	Pop up reservation window</a:t>
-            </a:r>
-          </a:p>
-          <a:p>
-            <a:pPr lvl="0" rtl="0">
-              <a:lnSpc>
-                <a:spcPct val="115000"/>
-              </a:lnSpc>
-              <a:spcBef>
-                <a:spcPts val="0"/>
-              </a:spcBef>
-              <a:buClr>
-                <a:schemeClr val="dk1"/>
-              </a:buClr>
-              <a:buSzPct val="61111"/>
-              <a:buFont typeface="Arial"/>
-              <a:buNone/>
-            </a:pPr>
-            <a:r>
-              <a:rPr lang="en" sz="1800" dirty="0">
-                <a:solidFill>
-                  <a:schemeClr val="dk1"/>
-                </a:solidFill>
-              </a:rPr>
-              <a:t>Set October 20 for date and 	</a:t>
-            </a:r>
-            <a:r>
-              <a:rPr lang="en" sz="1800" dirty="0" smtClean="0">
-                <a:solidFill>
-                  <a:schemeClr val="dk1"/>
-                </a:solidFill>
-              </a:rPr>
-              <a:t>No </a:t>
-            </a:r>
-            <a:r>
-              <a:rPr lang="en" sz="1800" dirty="0">
-                <a:solidFill>
-                  <a:schemeClr val="dk1"/>
-                </a:solidFill>
-              </a:rPr>
-              <a:t>table is available</a:t>
-            </a:r>
-          </a:p>
-          <a:p>
-            <a:pPr lvl="0" rtl="0">
-              <a:lnSpc>
-                <a:spcPct val="115000"/>
-              </a:lnSpc>
-              <a:spcBef>
-                <a:spcPts val="0"/>
-              </a:spcBef>
-              <a:buClr>
-                <a:schemeClr val="dk1"/>
-              </a:buClr>
-              <a:buSzPct val="61111"/>
-              <a:buFont typeface="Arial"/>
-              <a:buNone/>
-            </a:pPr>
-            <a:r>
-              <a:rPr lang="en" sz="1800" dirty="0">
-                <a:solidFill>
-                  <a:schemeClr val="dk1"/>
-                </a:solidFill>
-              </a:rPr>
-              <a:t>  dinner for time, then search the </a:t>
-            </a:r>
-          </a:p>
-          <a:p>
-            <a:pPr lvl="0" rtl="0">
-              <a:lnSpc>
-                <a:spcPct val="115000"/>
-              </a:lnSpc>
-              <a:spcBef>
-                <a:spcPts val="0"/>
-              </a:spcBef>
-              <a:buClr>
-                <a:schemeClr val="dk1"/>
-              </a:buClr>
-              <a:buSzPct val="61111"/>
-              <a:buFont typeface="Arial"/>
-              <a:buNone/>
-            </a:pPr>
-            <a:r>
-              <a:rPr lang="en" sz="1800" dirty="0">
-                <a:solidFill>
-                  <a:schemeClr val="dk1"/>
-                </a:solidFill>
-              </a:rPr>
-              <a:t>  system</a:t>
-            </a:r>
-          </a:p>
-          <a:p>
-            <a:pPr lvl="0" rtl="0">
-              <a:lnSpc>
-                <a:spcPct val="115000"/>
-              </a:lnSpc>
-              <a:spcBef>
-                <a:spcPts val="0"/>
-              </a:spcBef>
-              <a:buNone/>
-            </a:pPr>
-            <a:r>
-              <a:rPr lang="en" sz="1800" dirty="0">
-                <a:solidFill>
-                  <a:schemeClr val="dk1"/>
-                </a:solidFill>
-              </a:rPr>
-              <a:t>Exit reservation window, return </a:t>
-            </a:r>
-          </a:p>
-          <a:p>
-            <a:pPr lvl="0" rtl="0">
-              <a:lnSpc>
-                <a:spcPct val="115000"/>
-              </a:lnSpc>
-              <a:spcBef>
-                <a:spcPts val="0"/>
-              </a:spcBef>
-              <a:buClr>
-                <a:schemeClr val="dk1"/>
-              </a:buClr>
-              <a:buSzPct val="61111"/>
-              <a:buFont typeface="Arial"/>
-              <a:buNone/>
-            </a:pPr>
-            <a:r>
-              <a:rPr lang="en" sz="1800" dirty="0">
-                <a:solidFill>
-                  <a:schemeClr val="dk1"/>
-                </a:solidFill>
-              </a:rPr>
-              <a:t>  to main window</a:t>
-            </a:r>
-          </a:p>
-          <a:p>
-            <a:pPr>
-              <a:spcBef>
-                <a:spcPts val="0"/>
-              </a:spcBef>
-              <a:buNone/>
-            </a:pPr>
-            <a:endParaRPr dirty="0"/>
-          </a:p>
-        </p:txBody>
-      </p:sp>
-    </p:spTree>
-  </p:cSld>
-  <p:clrMapOvr>
-    <a:masterClrMapping/>
-  </p:clrMapOvr>
-  <p:transition spd="slow">
-    <p:cut/>
-  </p:transition>
-</p:sld>
-</file>
-
-<file path=ppt/slides/slide8.xml><?xml version="1.0" encoding="utf-8"?>
-<p:sld xmlns:a="http://schemas.openxmlformats.org/drawingml/2006/main" xmlns:r="http://schemas.openxmlformats.org/officeDocument/2006/relationships" xmlns:p="http://schemas.openxmlformats.org/presentationml/2006/main">
-  <p:cSld>
-    <p:spTree>
-      <p:nvGrpSpPr>
         <p:cNvPr id="1" name=""/>
         <p:cNvGrpSpPr/>
         <p:nvPr/>
@@ -7821,7 +6781,7 @@
           <a:blip r:embed="rId2">
             <a:extLst>
               <a:ext uri="{28A0092B-C50C-407E-A947-70E740481C1C}">
-                <a14:useLocalDpi xmlns:a14="http://schemas.microsoft.com/office/drawing/2010/main" val="0"/>
+                <a14:useLocalDpi xmlns:a14="http://schemas.microsoft.com/office/drawing/2010/main" xmlns="" val="0"/>
               </a:ext>
             </a:extLst>
           </a:blip>
@@ -7851,7 +6811,7 @@
           <a:blip r:embed="rId3">
             <a:extLst>
               <a:ext uri="{28A0092B-C50C-407E-A947-70E740481C1C}">
-                <a14:useLocalDpi xmlns:a14="http://schemas.microsoft.com/office/drawing/2010/main" val="0"/>
+                <a14:useLocalDpi xmlns:a14="http://schemas.microsoft.com/office/drawing/2010/main" xmlns="" val="0"/>
               </a:ext>
             </a:extLst>
           </a:blip>
@@ -7872,7 +6832,206 @@
     </p:spTree>
     <p:extLst>
       <p:ext uri="{BB962C8B-B14F-4D97-AF65-F5344CB8AC3E}">
-        <p14:creationId xmlns:p14="http://schemas.microsoft.com/office/powerpoint/2010/main" val="734684643"/>
+        <p14:creationId xmlns:p14="http://schemas.microsoft.com/office/powerpoint/2010/main" xmlns="" val="734684643"/>
+      </p:ext>
+    </p:extLst>
+  </p:cSld>
+  <p:clrMapOvr>
+    <a:masterClrMapping/>
+  </p:clrMapOvr>
+</p:sld>
+</file>
+
+<file path=ppt/slides/slide8.xml><?xml version="1.0" encoding="utf-8"?>
+<p:sld xmlns:a="http://schemas.openxmlformats.org/drawingml/2006/main" xmlns:r="http://schemas.openxmlformats.org/officeDocument/2006/relationships" xmlns:p="http://schemas.openxmlformats.org/presentationml/2006/main">
+  <p:cSld>
+    <p:spTree>
+      <p:nvGrpSpPr>
+        <p:cNvPr id="1" name=""/>
+        <p:cNvGrpSpPr/>
+        <p:nvPr/>
+      </p:nvGrpSpPr>
+      <p:grpSpPr>
+        <a:xfrm>
+          <a:off x="0" y="0"/>
+          <a:ext cx="0" cy="0"/>
+          <a:chOff x="0" y="0"/>
+          <a:chExt cx="0" cy="0"/>
+        </a:xfrm>
+      </p:grpSpPr>
+      <p:sp>
+        <p:nvSpPr>
+          <p:cNvPr id="2" name="Text Placeholder 1"/>
+          <p:cNvSpPr>
+            <a:spLocks noGrp="1"/>
+          </p:cNvSpPr>
+          <p:nvPr>
+            <p:ph type="body" idx="1"/>
+          </p:nvPr>
+        </p:nvSpPr>
+        <p:spPr>
+          <a:xfrm>
+            <a:off x="914400" y="1200150"/>
+            <a:ext cx="7772400" cy="3630300"/>
+          </a:xfrm>
+        </p:spPr>
+        <p:txBody>
+          <a:bodyPr/>
+          <a:lstStyle/>
+          <a:p>
+            <a:pPr marL="342900" indent="-342900">
+              <a:lnSpc>
+                <a:spcPct val="150000"/>
+              </a:lnSpc>
+              <a:buClr>
+                <a:schemeClr val="bg1"/>
+              </a:buClr>
+              <a:buFont typeface="Arial" panose="020B0604020202020204" pitchFamily="34" charset="0"/>
+              <a:buChar char="•"/>
+            </a:pPr>
+            <a:r>
+              <a:rPr lang="en-US" sz="2400" dirty="0">
+                <a:solidFill>
+                  <a:schemeClr val="bg1"/>
+                </a:solidFill>
+              </a:rPr>
+              <a:t>Actors:</a:t>
+            </a:r>
+            <a:r>
+              <a:rPr lang="en-US" sz="2400" dirty="0">
+                <a:solidFill>
+                  <a:schemeClr val="dk1"/>
+                </a:solidFill>
+              </a:rPr>
+              <a:t> Waiter</a:t>
+            </a:r>
+          </a:p>
+          <a:p>
+            <a:pPr marL="342900" indent="-342900">
+              <a:lnSpc>
+                <a:spcPct val="150000"/>
+              </a:lnSpc>
+              <a:buClr>
+                <a:schemeClr val="bg1"/>
+              </a:buClr>
+              <a:buFont typeface="Arial" panose="020B0604020202020204" pitchFamily="34" charset="0"/>
+              <a:buChar char="•"/>
+            </a:pPr>
+            <a:r>
+              <a:rPr lang="en-US" sz="2400" dirty="0">
+                <a:solidFill>
+                  <a:schemeClr val="bg1"/>
+                </a:solidFill>
+              </a:rPr>
+              <a:t>Goals:</a:t>
+            </a:r>
+            <a:r>
+              <a:rPr lang="en-US" sz="2400" dirty="0">
+                <a:solidFill>
+                  <a:schemeClr val="dk1"/>
+                </a:solidFill>
+              </a:rPr>
+              <a:t> To make an order</a:t>
+            </a:r>
+          </a:p>
+          <a:p>
+            <a:pPr marL="342900" indent="-342900">
+              <a:lnSpc>
+                <a:spcPct val="150000"/>
+              </a:lnSpc>
+              <a:buClr>
+                <a:schemeClr val="bg1"/>
+              </a:buClr>
+              <a:buFont typeface="Arial" panose="020B0604020202020204" pitchFamily="34" charset="0"/>
+              <a:buChar char="•"/>
+            </a:pPr>
+            <a:r>
+              <a:rPr lang="en-US" sz="2400" dirty="0">
+                <a:solidFill>
+                  <a:schemeClr val="bg1"/>
+                </a:solidFill>
+              </a:rPr>
+              <a:t>Preconditions:</a:t>
+            </a:r>
+            <a:r>
+              <a:rPr lang="en-US" sz="2400" dirty="0">
+                <a:solidFill>
+                  <a:schemeClr val="dk1"/>
+                </a:solidFill>
+              </a:rPr>
+              <a:t> Guests must have checked in successfully</a:t>
+            </a:r>
+          </a:p>
+          <a:p>
+            <a:pPr marL="342900" indent="-342900">
+              <a:lnSpc>
+                <a:spcPct val="150000"/>
+              </a:lnSpc>
+              <a:buClr>
+                <a:schemeClr val="bg1"/>
+              </a:buClr>
+              <a:buFont typeface="Arial" panose="020B0604020202020204" pitchFamily="34" charset="0"/>
+              <a:buChar char="•"/>
+            </a:pPr>
+            <a:r>
+              <a:rPr lang="en-US" sz="2400" dirty="0">
+                <a:solidFill>
+                  <a:schemeClr val="bg1"/>
+                </a:solidFill>
+              </a:rPr>
+              <a:t>Summary:</a:t>
+            </a:r>
+            <a:r>
+              <a:rPr lang="en-US" sz="2400" dirty="0">
+                <a:solidFill>
+                  <a:schemeClr val="dk1"/>
+                </a:solidFill>
+              </a:rPr>
+              <a:t> Price will prompt up and total will be computed after each guest has finished an order</a:t>
+            </a:r>
+          </a:p>
+        </p:txBody>
+      </p:sp>
+      <p:sp>
+        <p:nvSpPr>
+          <p:cNvPr id="3" name="Title 2"/>
+          <p:cNvSpPr>
+            <a:spLocks noGrp="1"/>
+          </p:cNvSpPr>
+          <p:nvPr>
+            <p:ph type="title"/>
+          </p:nvPr>
+        </p:nvSpPr>
+        <p:spPr>
+          <a:xfrm>
+            <a:off x="914400" y="205978"/>
+            <a:ext cx="7772400" cy="994200"/>
+          </a:xfrm>
+        </p:spPr>
+        <p:txBody>
+          <a:bodyPr/>
+          <a:lstStyle/>
+          <a:p>
+            <a:r>
+              <a:rPr lang="en-US" dirty="0" smtClean="0">
+                <a:solidFill>
+                  <a:schemeClr val="bg1"/>
+                </a:solidFill>
+              </a:rPr>
+              <a:t>Use Case: Make An Order</a:t>
+            </a:r>
+            <a:endParaRPr lang="en-US" dirty="0">
+              <a:solidFill>
+                <a:schemeClr val="bg1"/>
+              </a:solidFill>
+            </a:endParaRPr>
+          </a:p>
+        </p:txBody>
+      </p:sp>
+    </p:spTree>
+    <p:extLst>
+      <p:ext uri="{BB962C8B-B14F-4D97-AF65-F5344CB8AC3E}">
+        <p14:creationId xmlns:p14="http://schemas.microsoft.com/office/powerpoint/2010/main" xmlns="" val="2259188037"/>
       </p:ext>
     </p:extLst>
   </p:cSld>
@@ -7911,18 +7070,15 @@
         </p:nvSpPr>
         <p:spPr>
           <a:xfrm>
-            <a:off x="914400" y="1200150"/>
-            <a:ext cx="7772400" cy="3630300"/>
+            <a:off x="914400" y="133350"/>
+            <a:ext cx="7772400" cy="5010150"/>
           </a:xfrm>
         </p:spPr>
         <p:txBody>
           <a:bodyPr/>
           <a:lstStyle/>
           <a:p>
-            <a:pPr marL="342900" indent="-342900">
-              <a:lnSpc>
-                <a:spcPct val="150000"/>
-              </a:lnSpc>
+            <a:pPr marL="285750" indent="-285750">
               <a:buClr>
                 <a:schemeClr val="bg1"/>
               </a:buClr>
@@ -7930,148 +7086,532 @@
               <a:buChar char="•"/>
             </a:pPr>
             <a:r>
-              <a:rPr lang="en-US" sz="2400" dirty="0">
+              <a:rPr lang="en-US" sz="1800" b="1" dirty="0">
                 <a:solidFill>
                   <a:schemeClr val="bg1"/>
                 </a:solidFill>
               </a:rPr>
-              <a:t>Actors:</a:t>
-            </a:r>
-            <a:r>
-              <a:rPr lang="en-US" sz="2400" dirty="0">
-                <a:solidFill>
-                  <a:schemeClr val="dk1"/>
-                </a:solidFill>
-              </a:rPr>
-              <a:t> Waiter</a:t>
-            </a:r>
-          </a:p>
-          <a:p>
-            <a:pPr marL="342900" indent="-342900">
-              <a:lnSpc>
-                <a:spcPct val="150000"/>
-              </a:lnSpc>
-              <a:buClr>
-                <a:schemeClr val="bg1"/>
-              </a:buClr>
-              <a:buFont typeface="Arial" panose="020B0604020202020204" pitchFamily="34" charset="0"/>
-              <a:buChar char="•"/>
-            </a:pPr>
-            <a:r>
-              <a:rPr lang="en-US" sz="2400" dirty="0">
-                <a:solidFill>
-                  <a:schemeClr val="bg1"/>
-                </a:solidFill>
-              </a:rPr>
-              <a:t>Goals:</a:t>
-            </a:r>
-            <a:r>
-              <a:rPr lang="en-US" sz="2400" dirty="0">
-                <a:solidFill>
-                  <a:schemeClr val="dk1"/>
-                </a:solidFill>
-              </a:rPr>
-              <a:t> To make an order</a:t>
-            </a:r>
-          </a:p>
-          <a:p>
-            <a:pPr marL="342900" indent="-342900">
-              <a:lnSpc>
-                <a:spcPct val="150000"/>
-              </a:lnSpc>
-              <a:buClr>
-                <a:schemeClr val="bg1"/>
-              </a:buClr>
-              <a:buFont typeface="Arial" panose="020B0604020202020204" pitchFamily="34" charset="0"/>
-              <a:buChar char="•"/>
-            </a:pPr>
-            <a:r>
-              <a:rPr lang="en-US" sz="2400" dirty="0">
-                <a:solidFill>
-                  <a:schemeClr val="bg1"/>
-                </a:solidFill>
-              </a:rPr>
-              <a:t>Preconditions:</a:t>
-            </a:r>
-            <a:r>
-              <a:rPr lang="en-US" sz="2400" dirty="0">
-                <a:solidFill>
-                  <a:schemeClr val="dk1"/>
-                </a:solidFill>
-              </a:rPr>
-              <a:t> Guests must have checked in successfully</a:t>
-            </a:r>
-          </a:p>
-          <a:p>
-            <a:pPr marL="342900" indent="-342900">
-              <a:lnSpc>
-                <a:spcPct val="150000"/>
-              </a:lnSpc>
-              <a:buClr>
-                <a:schemeClr val="bg1"/>
-              </a:buClr>
-              <a:buFont typeface="Arial" panose="020B0604020202020204" pitchFamily="34" charset="0"/>
-              <a:buChar char="•"/>
-            </a:pPr>
-            <a:r>
-              <a:rPr lang="en-US" sz="2400" dirty="0">
-                <a:solidFill>
-                  <a:schemeClr val="bg1"/>
-                </a:solidFill>
-              </a:rPr>
-              <a:t>Summary:</a:t>
-            </a:r>
-            <a:r>
-              <a:rPr lang="en-US" sz="2400" dirty="0">
-                <a:solidFill>
-                  <a:schemeClr val="dk1"/>
-                </a:solidFill>
-              </a:rPr>
-              <a:t> Price will prompt up and total will be computed after each guest has finished an order</a:t>
-            </a:r>
-          </a:p>
-        </p:txBody>
-      </p:sp>
-      <p:sp>
-        <p:nvSpPr>
-          <p:cNvPr id="3" name="Title 2"/>
-          <p:cNvSpPr>
-            <a:spLocks noGrp="1"/>
-          </p:cNvSpPr>
-          <p:nvPr>
-            <p:ph type="title"/>
-          </p:nvPr>
-        </p:nvSpPr>
-        <p:spPr>
-          <a:xfrm>
-            <a:off x="914400" y="205978"/>
-            <a:ext cx="7772400" cy="994200"/>
-          </a:xfrm>
-        </p:spPr>
-        <p:txBody>
-          <a:bodyPr/>
-          <a:lstStyle/>
-          <a:p>
-            <a:r>
-              <a:rPr lang="en-US" dirty="0" smtClean="0">
-                <a:solidFill>
-                  <a:schemeClr val="bg1"/>
-                </a:solidFill>
-              </a:rPr>
-              <a:t>Use Case: Make An Order</a:t>
-            </a:r>
-            <a:endParaRPr lang="en-US" dirty="0">
+              <a:t>Steps:</a:t>
+            </a:r>
+            <a:endParaRPr lang="en-US" sz="1800" dirty="0">
               <a:solidFill>
                 <a:schemeClr val="bg1"/>
               </a:solidFill>
             </a:endParaRPr>
+          </a:p>
+          <a:p>
+            <a:r>
+              <a:rPr lang="en-US" sz="1800" i="1" dirty="0">
+                <a:solidFill>
+                  <a:schemeClr val="bg1"/>
+                </a:solidFill>
+              </a:rPr>
+              <a:t>Actor actions</a:t>
+            </a:r>
+            <a:r>
+              <a:rPr lang="en-US" sz="1800" dirty="0">
+                <a:solidFill>
+                  <a:schemeClr val="bg1"/>
+                </a:solidFill>
+              </a:rPr>
+              <a:t>			</a:t>
+            </a:r>
+            <a:r>
+              <a:rPr lang="en-US" sz="1800" i="1" dirty="0" smtClean="0">
+                <a:solidFill>
+                  <a:schemeClr val="bg1"/>
+                </a:solidFill>
+              </a:rPr>
+              <a:t>System </a:t>
+            </a:r>
+            <a:r>
+              <a:rPr lang="en-US" sz="1800" i="1" dirty="0">
+                <a:solidFill>
+                  <a:schemeClr val="bg1"/>
+                </a:solidFill>
+              </a:rPr>
+              <a:t>responses</a:t>
+            </a:r>
+            <a:endParaRPr lang="en-US" sz="1800" dirty="0">
+              <a:solidFill>
+                <a:schemeClr val="bg1"/>
+              </a:solidFill>
+            </a:endParaRPr>
+          </a:p>
+          <a:p>
+            <a:r>
+              <a:rPr lang="en-US" sz="1800" dirty="0">
+                <a:solidFill>
+                  <a:schemeClr val="tx1"/>
+                </a:solidFill>
+              </a:rPr>
+              <a:t>1. Choose “Order”.		</a:t>
+            </a:r>
+            <a:r>
+              <a:rPr lang="en-US" sz="1800" dirty="0" smtClean="0">
+                <a:solidFill>
+                  <a:schemeClr val="tx1"/>
+                </a:solidFill>
+              </a:rPr>
+              <a:t>2</a:t>
+            </a:r>
+            <a:r>
+              <a:rPr lang="en-US" sz="1800" dirty="0">
+                <a:solidFill>
+                  <a:schemeClr val="tx1"/>
+                </a:solidFill>
+              </a:rPr>
+              <a:t>. Direct to order page.</a:t>
+            </a:r>
+          </a:p>
+          <a:p>
+            <a:r>
+              <a:rPr lang="en-US" sz="1800" dirty="0">
+                <a:solidFill>
+                  <a:schemeClr val="tx1"/>
+                </a:solidFill>
+              </a:rPr>
+              <a:t>3. Type in guests’ number to </a:t>
+            </a:r>
+            <a:r>
+              <a:rPr lang="en-US" sz="1800" dirty="0" smtClean="0">
+                <a:solidFill>
+                  <a:schemeClr val="tx1"/>
+                </a:solidFill>
+              </a:rPr>
+              <a:t>	</a:t>
+            </a:r>
+            <a:r>
+              <a:rPr lang="en-US" sz="1800" dirty="0">
+                <a:solidFill>
+                  <a:schemeClr val="tx1"/>
+                </a:solidFill>
+              </a:rPr>
+              <a:t>4. Direct to menu page</a:t>
+            </a:r>
+            <a:r>
+              <a:rPr lang="en-US" sz="1800" dirty="0" smtClean="0">
+                <a:solidFill>
+                  <a:schemeClr val="tx1"/>
+                </a:solidFill>
+              </a:rPr>
+              <a:t>.</a:t>
+            </a:r>
+          </a:p>
+          <a:p>
+            <a:r>
+              <a:rPr lang="en-US" sz="1800" dirty="0">
+                <a:solidFill>
+                  <a:schemeClr val="tx1"/>
+                </a:solidFill>
+              </a:rPr>
+              <a:t> </a:t>
+            </a:r>
+            <a:r>
+              <a:rPr lang="en-US" sz="1800" dirty="0" smtClean="0">
+                <a:solidFill>
+                  <a:schemeClr val="tx1"/>
+                </a:solidFill>
+              </a:rPr>
+              <a:t>   initialize </a:t>
+            </a:r>
+            <a:r>
+              <a:rPr lang="en-US" sz="1800" dirty="0">
+                <a:solidFill>
+                  <a:schemeClr val="tx1"/>
+                </a:solidFill>
+              </a:rPr>
+              <a:t>the </a:t>
+            </a:r>
+            <a:r>
+              <a:rPr lang="en-US" sz="1800" dirty="0" smtClean="0">
+                <a:solidFill>
+                  <a:schemeClr val="tx1"/>
+                </a:solidFill>
+              </a:rPr>
+              <a:t>order </a:t>
+            </a:r>
+            <a:r>
+              <a:rPr lang="en-US" sz="1800" dirty="0">
+                <a:solidFill>
+                  <a:schemeClr val="tx1"/>
+                </a:solidFill>
+              </a:rPr>
+              <a:t>page. </a:t>
+            </a:r>
+          </a:p>
+          <a:p>
+            <a:r>
+              <a:rPr lang="en-US" sz="1800" dirty="0">
+                <a:solidFill>
+                  <a:schemeClr val="tx1"/>
+                </a:solidFill>
+              </a:rPr>
+              <a:t>5. Click “Appetizer”, “Entrée” </a:t>
+            </a:r>
+            <a:r>
+              <a:rPr lang="en-US" sz="1800" dirty="0" smtClean="0">
+                <a:solidFill>
+                  <a:schemeClr val="tx1"/>
+                </a:solidFill>
+              </a:rPr>
+              <a:t>	</a:t>
+            </a:r>
+            <a:r>
+              <a:rPr lang="en-US" sz="1800" dirty="0">
+                <a:solidFill>
+                  <a:schemeClr val="tx1"/>
+                </a:solidFill>
+              </a:rPr>
+              <a:t>6. Prompt a list of menu</a:t>
+            </a:r>
+            <a:r>
+              <a:rPr lang="en-US" sz="1800" dirty="0" smtClean="0">
+                <a:solidFill>
+                  <a:schemeClr val="tx1"/>
+                </a:solidFill>
+              </a:rPr>
+              <a:t>.</a:t>
+            </a:r>
+          </a:p>
+          <a:p>
+            <a:r>
+              <a:rPr lang="en-US" sz="1800" dirty="0" smtClean="0">
+                <a:solidFill>
+                  <a:schemeClr val="tx1"/>
+                </a:solidFill>
+              </a:rPr>
+              <a:t>    or </a:t>
+            </a:r>
+            <a:r>
+              <a:rPr lang="en-US" sz="1800" dirty="0">
+                <a:solidFill>
+                  <a:schemeClr val="tx1"/>
+                </a:solidFill>
+              </a:rPr>
+              <a:t>“</a:t>
+            </a:r>
+            <a:r>
+              <a:rPr lang="en-US" sz="1800" dirty="0" smtClean="0">
+                <a:solidFill>
+                  <a:schemeClr val="tx1"/>
+                </a:solidFill>
+              </a:rPr>
+              <a:t>Dissert” to </a:t>
+            </a:r>
+            <a:r>
+              <a:rPr lang="en-US" sz="1800" dirty="0">
+                <a:solidFill>
+                  <a:schemeClr val="tx1"/>
+                </a:solidFill>
+              </a:rPr>
+              <a:t>order.</a:t>
+            </a:r>
+          </a:p>
+          <a:p>
+            <a:r>
+              <a:rPr lang="en-US" sz="1800" dirty="0">
+                <a:solidFill>
+                  <a:schemeClr val="tx1"/>
+                </a:solidFill>
+              </a:rPr>
+              <a:t>7. Sort the courses by hitting </a:t>
+            </a:r>
+            <a:r>
+              <a:rPr lang="en-US" sz="1800" dirty="0" smtClean="0">
+                <a:solidFill>
+                  <a:schemeClr val="tx1"/>
+                </a:solidFill>
+              </a:rPr>
+              <a:t>	8</a:t>
+            </a:r>
+            <a:r>
+              <a:rPr lang="en-US" sz="1800" dirty="0">
+                <a:solidFill>
+                  <a:schemeClr val="tx1"/>
+                </a:solidFill>
+              </a:rPr>
+              <a:t>. Display courses of the chosen the </a:t>
+            </a:r>
+          </a:p>
+          <a:p>
+            <a:r>
+              <a:rPr lang="en-US" sz="1800" dirty="0" smtClean="0">
+                <a:solidFill>
+                  <a:schemeClr val="tx1"/>
+                </a:solidFill>
+              </a:rPr>
+              <a:t>    sorting button.			    category</a:t>
+            </a:r>
+            <a:r>
+              <a:rPr lang="en-US" sz="1800" dirty="0">
+                <a:solidFill>
+                  <a:schemeClr val="tx1"/>
+                </a:solidFill>
+              </a:rPr>
+              <a:t>.</a:t>
+            </a:r>
+            <a:endParaRPr lang="en-US" sz="1800" dirty="0" smtClean="0">
+              <a:solidFill>
+                <a:schemeClr val="tx1"/>
+              </a:solidFill>
+            </a:endParaRPr>
+          </a:p>
+          <a:p>
+            <a:r>
+              <a:rPr lang="en-US" sz="1800" dirty="0" smtClean="0">
+                <a:solidFill>
+                  <a:schemeClr val="tx1"/>
+                </a:solidFill>
+              </a:rPr>
+              <a:t>9</a:t>
+            </a:r>
+            <a:r>
+              <a:rPr lang="en-US" sz="1800" dirty="0">
+                <a:solidFill>
+                  <a:schemeClr val="tx1"/>
+                </a:solidFill>
+              </a:rPr>
+              <a:t>. Check the courses and input </a:t>
+            </a:r>
+            <a:r>
+              <a:rPr lang="en-US" sz="1800" dirty="0" smtClean="0">
+                <a:solidFill>
+                  <a:schemeClr val="tx1"/>
+                </a:solidFill>
+              </a:rPr>
+              <a:t>	</a:t>
+            </a:r>
+            <a:r>
+              <a:rPr lang="en-US" sz="1800" dirty="0">
+                <a:solidFill>
+                  <a:schemeClr val="tx1"/>
+                </a:solidFill>
+              </a:rPr>
+              <a:t>10. Display the course names and the amount, click “Done” 	</a:t>
+            </a:r>
+            <a:r>
+              <a:rPr lang="en-US" sz="1800" dirty="0" smtClean="0">
+                <a:solidFill>
+                  <a:schemeClr val="tx1"/>
+                </a:solidFill>
+              </a:rPr>
+              <a:t>	    total </a:t>
+            </a:r>
+            <a:r>
+              <a:rPr lang="en-US" sz="1800" dirty="0">
+                <a:solidFill>
+                  <a:schemeClr val="tx1"/>
+                </a:solidFill>
+              </a:rPr>
+              <a:t>price</a:t>
+            </a:r>
+            <a:r>
+              <a:rPr lang="en-US" sz="1800" dirty="0" smtClean="0">
+                <a:solidFill>
+                  <a:schemeClr val="tx1"/>
+                </a:solidFill>
+              </a:rPr>
+              <a:t>. </a:t>
+            </a:r>
+            <a:r>
+              <a:rPr lang="en-US" sz="1800" dirty="0">
+                <a:solidFill>
+                  <a:schemeClr val="tx1"/>
+                </a:solidFill>
+              </a:rPr>
+              <a:t>Display “Next” button</a:t>
+            </a:r>
+            <a:r>
+              <a:rPr lang="en-US" sz="1800" dirty="0" smtClean="0">
+                <a:solidFill>
+                  <a:schemeClr val="tx1"/>
+                </a:solidFill>
+              </a:rPr>
+              <a:t>,</a:t>
+            </a:r>
+          </a:p>
+          <a:p>
+            <a:r>
+              <a:rPr lang="en-US" sz="1800" dirty="0" smtClean="0">
+                <a:solidFill>
+                  <a:schemeClr val="tx1"/>
+                </a:solidFill>
+              </a:rPr>
+              <a:t>when </a:t>
+            </a:r>
+            <a:r>
+              <a:rPr lang="en-US" sz="1800" dirty="0">
+                <a:solidFill>
+                  <a:schemeClr val="tx1"/>
+                </a:solidFill>
+              </a:rPr>
+              <a:t>the order is completed.	</a:t>
+            </a:r>
+            <a:r>
+              <a:rPr lang="en-US" sz="1800" dirty="0" smtClean="0">
+                <a:solidFill>
+                  <a:schemeClr val="tx1"/>
+                </a:solidFill>
+              </a:rPr>
+              <a:t>    if </a:t>
+            </a:r>
+            <a:r>
+              <a:rPr lang="en-US" sz="1800" dirty="0">
+                <a:solidFill>
+                  <a:schemeClr val="tx1"/>
+                </a:solidFill>
+              </a:rPr>
+              <a:t>any other guests </a:t>
+            </a:r>
+            <a:r>
+              <a:rPr lang="en-US" sz="1800" dirty="0" smtClean="0">
+                <a:solidFill>
+                  <a:schemeClr val="tx1"/>
+                </a:solidFill>
+              </a:rPr>
+              <a:t>need to </a:t>
+            </a:r>
+            <a:r>
+              <a:rPr lang="en-US" sz="1800" dirty="0">
+                <a:solidFill>
+                  <a:schemeClr val="tx1"/>
+                </a:solidFill>
+              </a:rPr>
+              <a:t>order, </a:t>
+            </a:r>
+            <a:r>
+              <a:rPr lang="en-US" sz="1800" dirty="0" smtClean="0">
+                <a:solidFill>
+                  <a:schemeClr val="tx1"/>
+                </a:solidFill>
+              </a:rPr>
+              <a:t>				    then </a:t>
+            </a:r>
+            <a:r>
+              <a:rPr lang="en-US" sz="1800" dirty="0">
+                <a:solidFill>
+                  <a:schemeClr val="tx1"/>
+                </a:solidFill>
+              </a:rPr>
+              <a:t>go to step 2. Otherwise, </a:t>
+            </a:r>
+            <a:r>
+              <a:rPr lang="en-US" sz="1800" dirty="0" smtClean="0">
+                <a:solidFill>
+                  <a:schemeClr val="tx1"/>
+                </a:solidFill>
+              </a:rPr>
+              <a:t>					    display a </a:t>
+            </a:r>
+            <a:r>
+              <a:rPr lang="en-US" sz="1800" dirty="0">
+                <a:solidFill>
+                  <a:schemeClr val="tx1"/>
+                </a:solidFill>
+              </a:rPr>
+              <a:t>textbox for table number </a:t>
+            </a:r>
+            <a:r>
+              <a:rPr lang="en-US" sz="1800" dirty="0" smtClean="0">
+                <a:solidFill>
+                  <a:schemeClr val="tx1"/>
+                </a:solidFill>
+              </a:rPr>
+              <a:t>				    and </a:t>
+            </a:r>
+            <a:r>
+              <a:rPr lang="en-US" sz="1800" dirty="0">
+                <a:solidFill>
+                  <a:schemeClr val="tx1"/>
+                </a:solidFill>
+              </a:rPr>
+              <a:t>a “Print” button.</a:t>
+            </a:r>
+          </a:p>
+          <a:p>
+            <a:r>
+              <a:rPr lang="en-US" sz="1800" dirty="0">
+                <a:solidFill>
+                  <a:schemeClr val="tx1"/>
+                </a:solidFill>
+              </a:rPr>
+              <a:t>11. Type in table number, click </a:t>
+            </a:r>
+            <a:r>
+              <a:rPr lang="en-US" sz="1800" dirty="0" smtClean="0">
+                <a:solidFill>
+                  <a:schemeClr val="tx1"/>
+                </a:solidFill>
+              </a:rPr>
+              <a:t>	</a:t>
+            </a:r>
+            <a:r>
+              <a:rPr lang="en-US" sz="1800" dirty="0">
+                <a:solidFill>
+                  <a:schemeClr val="tx1"/>
+                </a:solidFill>
+              </a:rPr>
+              <a:t>12. Print out an order summary of </a:t>
+            </a:r>
+          </a:p>
+          <a:p>
+            <a:r>
+              <a:rPr lang="en-US" sz="1800" dirty="0" smtClean="0">
+                <a:solidFill>
+                  <a:schemeClr val="tx1"/>
+                </a:solidFill>
+              </a:rPr>
+              <a:t>    “</a:t>
+            </a:r>
+            <a:r>
+              <a:rPr lang="en-US" sz="1800" dirty="0">
+                <a:solidFill>
+                  <a:schemeClr val="tx1"/>
+                </a:solidFill>
+              </a:rPr>
+              <a:t>Print”. </a:t>
+            </a:r>
+            <a:r>
+              <a:rPr lang="en-US" sz="1800" dirty="0" smtClean="0">
+                <a:solidFill>
+                  <a:schemeClr val="tx1"/>
+                </a:solidFill>
+              </a:rPr>
+              <a:t>			    this </a:t>
+            </a:r>
+            <a:r>
+              <a:rPr lang="en-US" sz="1800" dirty="0">
+                <a:solidFill>
+                  <a:schemeClr val="tx1"/>
+                </a:solidFill>
+              </a:rPr>
+              <a:t>table.</a:t>
+            </a:r>
+          </a:p>
+          <a:p>
+            <a:endParaRPr lang="en-US" sz="1800" dirty="0" smtClean="0">
+              <a:solidFill>
+                <a:schemeClr val="tx1"/>
+              </a:solidFill>
+            </a:endParaRPr>
+          </a:p>
+          <a:p>
+            <a:r>
+              <a:rPr lang="en-US" sz="1800" dirty="0">
+                <a:solidFill>
+                  <a:schemeClr val="tx1"/>
+                </a:solidFill>
+              </a:rPr>
+              <a:t>		</a:t>
+            </a:r>
           </a:p>
         </p:txBody>
       </p:sp>
     </p:spTree>
     <p:extLst>
       <p:ext uri="{BB962C8B-B14F-4D97-AF65-F5344CB8AC3E}">
-        <p14:creationId xmlns:p14="http://schemas.microsoft.com/office/powerpoint/2010/main" val="2259188037"/>
+        <p14:creationId xmlns:p14="http://schemas.microsoft.com/office/powerpoint/2010/main" xmlns="" val="1100892353"/>
       </p:ext>
     </p:extLst>
   </p:cSld>

--- a/Project Part I.pptx
+++ b/Project Part I.pptx
@@ -5,21 +5,28 @@
     <p:sldMasterId id="2147483654" r:id="rId1"/>
   </p:sldMasterIdLst>
   <p:notesMasterIdLst>
-    <p:notesMasterId r:id="rId14"/>
+    <p:notesMasterId r:id="rId21"/>
   </p:notesMasterIdLst>
   <p:sldIdLst>
     <p:sldId id="256" r:id="rId2"/>
     <p:sldId id="257" r:id="rId3"/>
     <p:sldId id="258" r:id="rId4"/>
     <p:sldId id="259" r:id="rId5"/>
-    <p:sldId id="260" r:id="rId6"/>
+    <p:sldId id="270" r:id="rId6"/>
     <p:sldId id="261" r:id="rId7"/>
     <p:sldId id="263" r:id="rId8"/>
-    <p:sldId id="264" r:id="rId9"/>
-    <p:sldId id="265" r:id="rId10"/>
-    <p:sldId id="266" r:id="rId11"/>
-    <p:sldId id="267" r:id="rId12"/>
-    <p:sldId id="268" r:id="rId13"/>
+    <p:sldId id="269" r:id="rId9"/>
+    <p:sldId id="260" r:id="rId10"/>
+    <p:sldId id="273" r:id="rId11"/>
+    <p:sldId id="272" r:id="rId12"/>
+    <p:sldId id="275" r:id="rId13"/>
+    <p:sldId id="274" r:id="rId14"/>
+    <p:sldId id="264" r:id="rId15"/>
+    <p:sldId id="276" r:id="rId16"/>
+    <p:sldId id="265" r:id="rId17"/>
+    <p:sldId id="267" r:id="rId18"/>
+    <p:sldId id="268" r:id="rId19"/>
+    <p:sldId id="266" r:id="rId20"/>
   </p:sldIdLst>
   <p:sldSz cx="9144000" cy="5143500" type="screen16x9"/>
   <p:notesSz cx="6858000" cy="9144000"/>
@@ -54,6 +61,7 @@
         <a:ea typeface="Arial"/>
         <a:cs typeface="Arial"/>
         <a:sym typeface="Arial"/>
+        <a:rtl val="0"/>
       </a:defRPr>
     </a:lvl1pPr>
     <a:lvl2pPr marR="0" algn="l" rtl="0">
@@ -75,6 +83,7 @@
         <a:ea typeface="Arial"/>
         <a:cs typeface="Arial"/>
         <a:sym typeface="Arial"/>
+        <a:rtl val="0"/>
       </a:defRPr>
     </a:lvl2pPr>
     <a:lvl3pPr marR="0" algn="l" rtl="0">
@@ -96,6 +105,7 @@
         <a:ea typeface="Arial"/>
         <a:cs typeface="Arial"/>
         <a:sym typeface="Arial"/>
+        <a:rtl val="0"/>
       </a:defRPr>
     </a:lvl3pPr>
     <a:lvl4pPr marR="0" algn="l" rtl="0">
@@ -117,6 +127,7 @@
         <a:ea typeface="Arial"/>
         <a:cs typeface="Arial"/>
         <a:sym typeface="Arial"/>
+        <a:rtl val="0"/>
       </a:defRPr>
     </a:lvl4pPr>
     <a:lvl5pPr marR="0" algn="l" rtl="0">
@@ -138,6 +149,7 @@
         <a:ea typeface="Arial"/>
         <a:cs typeface="Arial"/>
         <a:sym typeface="Arial"/>
+        <a:rtl val="0"/>
       </a:defRPr>
     </a:lvl5pPr>
     <a:lvl6pPr marR="0" algn="l" rtl="0">
@@ -159,6 +171,7 @@
         <a:ea typeface="Arial"/>
         <a:cs typeface="Arial"/>
         <a:sym typeface="Arial"/>
+        <a:rtl val="0"/>
       </a:defRPr>
     </a:lvl6pPr>
     <a:lvl7pPr marR="0" algn="l" rtl="0">
@@ -180,6 +193,7 @@
         <a:ea typeface="Arial"/>
         <a:cs typeface="Arial"/>
         <a:sym typeface="Arial"/>
+        <a:rtl val="0"/>
       </a:defRPr>
     </a:lvl7pPr>
     <a:lvl8pPr marR="0" algn="l" rtl="0">
@@ -201,6 +215,7 @@
         <a:ea typeface="Arial"/>
         <a:cs typeface="Arial"/>
         <a:sym typeface="Arial"/>
+        <a:rtl val="0"/>
       </a:defRPr>
     </a:lvl8pPr>
     <a:lvl9pPr marR="0" algn="l" rtl="0">
@@ -222,6 +237,7 @@
         <a:ea typeface="Arial"/>
         <a:cs typeface="Arial"/>
         <a:sym typeface="Arial"/>
+        <a:rtl val="0"/>
       </a:defRPr>
     </a:lvl9pPr>
   </p:defaultTextStyle>
@@ -390,7 +406,7 @@
     </p:spTree>
     <p:extLst>
       <p:ext uri="{BB962C8B-B14F-4D97-AF65-F5344CB8AC3E}">
-        <p14:creationId xmlns:p14="http://schemas.microsoft.com/office/powerpoint/2010/main" xmlns="" val="935478130"/>
+        <p14:creationId xmlns:p14="http://schemas.microsoft.com/office/powerpoint/2010/main" val="935478130"/>
       </p:ext>
     </p:extLst>
   </p:cSld>
@@ -601,6 +617,117 @@
 </p:notes>
 </file>
 
+<file path=ppt/notesSlides/notesSlide10.xml><?xml version="1.0" encoding="utf-8"?>
+<p:notes xmlns:a="http://schemas.openxmlformats.org/drawingml/2006/main" xmlns:r="http://schemas.openxmlformats.org/officeDocument/2006/relationships" xmlns:p="http://schemas.openxmlformats.org/presentationml/2006/main" showMasterSp="0" showMasterPhAnim="0">
+  <p:cSld>
+    <p:spTree>
+      <p:nvGrpSpPr>
+        <p:cNvPr id="1" name="Shape 72"/>
+        <p:cNvGrpSpPr/>
+        <p:nvPr/>
+      </p:nvGrpSpPr>
+      <p:grpSpPr>
+        <a:xfrm>
+          <a:off x="0" y="0"/>
+          <a:ext cx="0" cy="0"/>
+          <a:chOff x="0" y="0"/>
+          <a:chExt cx="0" cy="0"/>
+        </a:xfrm>
+      </p:grpSpPr>
+      <p:sp>
+        <p:nvSpPr>
+          <p:cNvPr id="73" name="Shape 73"/>
+          <p:cNvSpPr>
+            <a:spLocks noGrp="1" noRot="1" noChangeAspect="1"/>
+          </p:cNvSpPr>
+          <p:nvPr>
+            <p:ph type="sldImg" idx="2"/>
+          </p:nvPr>
+        </p:nvSpPr>
+        <p:spPr>
+          <a:xfrm>
+            <a:off x="381000" y="685800"/>
+            <a:ext cx="6096000" cy="3429000"/>
+          </a:xfrm>
+          <a:custGeom>
+            <a:avLst/>
+            <a:gdLst/>
+            <a:ahLst/>
+            <a:cxnLst/>
+            <a:rect l="0" t="0" r="0" b="0"/>
+            <a:pathLst>
+              <a:path w="120000" h="120000" extrusionOk="0">
+                <a:moveTo>
+                  <a:pt x="0" y="0"/>
+                </a:moveTo>
+                <a:lnTo>
+                  <a:pt x="120000" y="0"/>
+                </a:lnTo>
+                <a:lnTo>
+                  <a:pt x="120000" y="120000"/>
+                </a:lnTo>
+                <a:lnTo>
+                  <a:pt x="0" y="120000"/>
+                </a:lnTo>
+                <a:close/>
+              </a:path>
+            </a:pathLst>
+          </a:custGeom>
+          <a:noFill/>
+          <a:ln w="9525" cap="flat">
+            <a:solidFill>
+              <a:srgbClr val="000000"/>
+            </a:solidFill>
+            <a:prstDash val="solid"/>
+            <a:round/>
+            <a:headEnd type="none" w="med" len="med"/>
+            <a:tailEnd type="none" w="med" len="med"/>
+          </a:ln>
+        </p:spPr>
+      </p:sp>
+      <p:sp>
+        <p:nvSpPr>
+          <p:cNvPr id="74" name="Shape 74"/>
+          <p:cNvSpPr txBox="1">
+            <a:spLocks noGrp="1"/>
+          </p:cNvSpPr>
+          <p:nvPr>
+            <p:ph type="body" idx="1"/>
+          </p:nvPr>
+        </p:nvSpPr>
+        <p:spPr>
+          <a:xfrm>
+            <a:off x="685800" y="4343400"/>
+            <a:ext cx="5486399" cy="4114800"/>
+          </a:xfrm>
+          <a:prstGeom prst="rect">
+            <a:avLst/>
+          </a:prstGeom>
+        </p:spPr>
+        <p:txBody>
+          <a:bodyPr lIns="91425" tIns="91425" rIns="91425" bIns="91425" anchor="t" anchorCtr="0">
+            <a:spAutoFit/>
+          </a:bodyPr>
+          <a:lstStyle/>
+          <a:p>
+            <a:pPr>
+              <a:spcBef>
+                <a:spcPts val="0"/>
+              </a:spcBef>
+              <a:buNone/>
+            </a:pPr>
+            <a:endParaRPr dirty="0"/>
+          </a:p>
+        </p:txBody>
+      </p:sp>
+    </p:spTree>
+  </p:cSld>
+  <p:clrMapOvr>
+    <a:masterClrMapping/>
+  </p:clrMapOvr>
+</p:notes>
+</file>
+
 <file path=ppt/notesSlides/notesSlide2.xml><?xml version="1.0" encoding="utf-8"?>
 <p:notes xmlns:a="http://schemas.openxmlformats.org/drawingml/2006/main" xmlns:r="http://schemas.openxmlformats.org/officeDocument/2006/relationships" xmlns:p="http://schemas.openxmlformats.org/presentationml/2006/main" showMasterSp="0" showMasterPhAnim="0">
   <p:cSld>
@@ -1046,6 +1173,339 @@
 </file>
 
 <file path=ppt/notesSlides/notesSlide6.xml><?xml version="1.0" encoding="utf-8"?>
+<p:notes xmlns:a="http://schemas.openxmlformats.org/drawingml/2006/main" xmlns:r="http://schemas.openxmlformats.org/officeDocument/2006/relationships" xmlns:p="http://schemas.openxmlformats.org/presentationml/2006/main" showMasterSp="0" showMasterPhAnim="0">
+  <p:cSld>
+    <p:spTree>
+      <p:nvGrpSpPr>
+        <p:cNvPr id="1" name="Shape 72"/>
+        <p:cNvGrpSpPr/>
+        <p:nvPr/>
+      </p:nvGrpSpPr>
+      <p:grpSpPr>
+        <a:xfrm>
+          <a:off x="0" y="0"/>
+          <a:ext cx="0" cy="0"/>
+          <a:chOff x="0" y="0"/>
+          <a:chExt cx="0" cy="0"/>
+        </a:xfrm>
+      </p:grpSpPr>
+      <p:sp>
+        <p:nvSpPr>
+          <p:cNvPr id="73" name="Shape 73"/>
+          <p:cNvSpPr>
+            <a:spLocks noGrp="1" noRot="1" noChangeAspect="1"/>
+          </p:cNvSpPr>
+          <p:nvPr>
+            <p:ph type="sldImg" idx="2"/>
+          </p:nvPr>
+        </p:nvSpPr>
+        <p:spPr>
+          <a:xfrm>
+            <a:off x="381000" y="685800"/>
+            <a:ext cx="6096000" cy="3429000"/>
+          </a:xfrm>
+          <a:custGeom>
+            <a:avLst/>
+            <a:gdLst/>
+            <a:ahLst/>
+            <a:cxnLst/>
+            <a:rect l="0" t="0" r="0" b="0"/>
+            <a:pathLst>
+              <a:path w="120000" h="120000" extrusionOk="0">
+                <a:moveTo>
+                  <a:pt x="0" y="0"/>
+                </a:moveTo>
+                <a:lnTo>
+                  <a:pt x="120000" y="0"/>
+                </a:lnTo>
+                <a:lnTo>
+                  <a:pt x="120000" y="120000"/>
+                </a:lnTo>
+                <a:lnTo>
+                  <a:pt x="0" y="120000"/>
+                </a:lnTo>
+                <a:close/>
+              </a:path>
+            </a:pathLst>
+          </a:custGeom>
+          <a:noFill/>
+          <a:ln w="9525" cap="flat">
+            <a:solidFill>
+              <a:srgbClr val="000000"/>
+            </a:solidFill>
+            <a:prstDash val="solid"/>
+            <a:round/>
+            <a:headEnd type="none" w="med" len="med"/>
+            <a:tailEnd type="none" w="med" len="med"/>
+          </a:ln>
+        </p:spPr>
+      </p:sp>
+      <p:sp>
+        <p:nvSpPr>
+          <p:cNvPr id="74" name="Shape 74"/>
+          <p:cNvSpPr txBox="1">
+            <a:spLocks noGrp="1"/>
+          </p:cNvSpPr>
+          <p:nvPr>
+            <p:ph type="body" idx="1"/>
+          </p:nvPr>
+        </p:nvSpPr>
+        <p:spPr>
+          <a:xfrm>
+            <a:off x="685800" y="4343400"/>
+            <a:ext cx="5486399" cy="4114800"/>
+          </a:xfrm>
+          <a:prstGeom prst="rect">
+            <a:avLst/>
+          </a:prstGeom>
+        </p:spPr>
+        <p:txBody>
+          <a:bodyPr lIns="91425" tIns="91425" rIns="91425" bIns="91425" anchor="t" anchorCtr="0">
+            <a:spAutoFit/>
+          </a:bodyPr>
+          <a:lstStyle/>
+          <a:p>
+            <a:pPr>
+              <a:spcBef>
+                <a:spcPts val="0"/>
+              </a:spcBef>
+              <a:buNone/>
+            </a:pPr>
+            <a:endParaRPr/>
+          </a:p>
+        </p:txBody>
+      </p:sp>
+    </p:spTree>
+  </p:cSld>
+  <p:clrMapOvr>
+    <a:masterClrMapping/>
+  </p:clrMapOvr>
+</p:notes>
+</file>
+
+<file path=ppt/notesSlides/notesSlide7.xml><?xml version="1.0" encoding="utf-8"?>
+<p:notes xmlns:a="http://schemas.openxmlformats.org/drawingml/2006/main" xmlns:r="http://schemas.openxmlformats.org/officeDocument/2006/relationships" xmlns:p="http://schemas.openxmlformats.org/presentationml/2006/main" showMasterSp="0" showMasterPhAnim="0">
+  <p:cSld>
+    <p:spTree>
+      <p:nvGrpSpPr>
+        <p:cNvPr id="1" name="Shape 61"/>
+        <p:cNvGrpSpPr/>
+        <p:nvPr/>
+      </p:nvGrpSpPr>
+      <p:grpSpPr>
+        <a:xfrm>
+          <a:off x="0" y="0"/>
+          <a:ext cx="0" cy="0"/>
+          <a:chOff x="0" y="0"/>
+          <a:chExt cx="0" cy="0"/>
+        </a:xfrm>
+      </p:grpSpPr>
+      <p:sp>
+        <p:nvSpPr>
+          <p:cNvPr id="62" name="Shape 62"/>
+          <p:cNvSpPr>
+            <a:spLocks noGrp="1" noRot="1" noChangeAspect="1"/>
+          </p:cNvSpPr>
+          <p:nvPr>
+            <p:ph type="sldImg" idx="2"/>
+          </p:nvPr>
+        </p:nvSpPr>
+        <p:spPr>
+          <a:xfrm>
+            <a:off x="381000" y="685800"/>
+            <a:ext cx="6096000" cy="3429000"/>
+          </a:xfrm>
+          <a:custGeom>
+            <a:avLst/>
+            <a:gdLst/>
+            <a:ahLst/>
+            <a:cxnLst/>
+            <a:rect l="0" t="0" r="0" b="0"/>
+            <a:pathLst>
+              <a:path w="120000" h="120000" extrusionOk="0">
+                <a:moveTo>
+                  <a:pt x="0" y="0"/>
+                </a:moveTo>
+                <a:lnTo>
+                  <a:pt x="120000" y="0"/>
+                </a:lnTo>
+                <a:lnTo>
+                  <a:pt x="120000" y="120000"/>
+                </a:lnTo>
+                <a:lnTo>
+                  <a:pt x="0" y="120000"/>
+                </a:lnTo>
+                <a:close/>
+              </a:path>
+            </a:pathLst>
+          </a:custGeom>
+          <a:noFill/>
+          <a:ln w="9525" cap="flat">
+            <a:solidFill>
+              <a:srgbClr val="000000"/>
+            </a:solidFill>
+            <a:prstDash val="solid"/>
+            <a:round/>
+            <a:headEnd type="none" w="med" len="med"/>
+            <a:tailEnd type="none" w="med" len="med"/>
+          </a:ln>
+        </p:spPr>
+      </p:sp>
+      <p:sp>
+        <p:nvSpPr>
+          <p:cNvPr id="63" name="Shape 63"/>
+          <p:cNvSpPr txBox="1">
+            <a:spLocks noGrp="1"/>
+          </p:cNvSpPr>
+          <p:nvPr>
+            <p:ph type="body" idx="1"/>
+          </p:nvPr>
+        </p:nvSpPr>
+        <p:spPr>
+          <a:xfrm>
+            <a:off x="685800" y="4343400"/>
+            <a:ext cx="5486399" cy="4114800"/>
+          </a:xfrm>
+          <a:prstGeom prst="rect">
+            <a:avLst/>
+          </a:prstGeom>
+        </p:spPr>
+        <p:txBody>
+          <a:bodyPr lIns="91425" tIns="91425" rIns="91425" bIns="91425" anchor="t" anchorCtr="0">
+            <a:spAutoFit/>
+          </a:bodyPr>
+          <a:lstStyle/>
+          <a:p>
+            <a:pPr>
+              <a:spcBef>
+                <a:spcPts val="0"/>
+              </a:spcBef>
+              <a:buNone/>
+            </a:pPr>
+            <a:endParaRPr/>
+          </a:p>
+        </p:txBody>
+      </p:sp>
+    </p:spTree>
+  </p:cSld>
+  <p:clrMapOvr>
+    <a:masterClrMapping/>
+  </p:clrMapOvr>
+</p:notes>
+</file>
+
+<file path=ppt/notesSlides/notesSlide8.xml><?xml version="1.0" encoding="utf-8"?>
+<p:notes xmlns:a="http://schemas.openxmlformats.org/drawingml/2006/main" xmlns:r="http://schemas.openxmlformats.org/officeDocument/2006/relationships" xmlns:p="http://schemas.openxmlformats.org/presentationml/2006/main" showMasterSp="0" showMasterPhAnim="0">
+  <p:cSld>
+    <p:spTree>
+      <p:nvGrpSpPr>
+        <p:cNvPr id="1" name="Shape 66"/>
+        <p:cNvGrpSpPr/>
+        <p:nvPr/>
+      </p:nvGrpSpPr>
+      <p:grpSpPr>
+        <a:xfrm>
+          <a:off x="0" y="0"/>
+          <a:ext cx="0" cy="0"/>
+          <a:chOff x="0" y="0"/>
+          <a:chExt cx="0" cy="0"/>
+        </a:xfrm>
+      </p:grpSpPr>
+      <p:sp>
+        <p:nvSpPr>
+          <p:cNvPr id="67" name="Shape 67"/>
+          <p:cNvSpPr>
+            <a:spLocks noGrp="1" noRot="1" noChangeAspect="1"/>
+          </p:cNvSpPr>
+          <p:nvPr>
+            <p:ph type="sldImg" idx="2"/>
+          </p:nvPr>
+        </p:nvSpPr>
+        <p:spPr>
+          <a:xfrm>
+            <a:off x="381000" y="685800"/>
+            <a:ext cx="6096000" cy="3429000"/>
+          </a:xfrm>
+          <a:custGeom>
+            <a:avLst/>
+            <a:gdLst/>
+            <a:ahLst/>
+            <a:cxnLst/>
+            <a:rect l="0" t="0" r="0" b="0"/>
+            <a:pathLst>
+              <a:path w="120000" h="120000" extrusionOk="0">
+                <a:moveTo>
+                  <a:pt x="0" y="0"/>
+                </a:moveTo>
+                <a:lnTo>
+                  <a:pt x="120000" y="0"/>
+                </a:lnTo>
+                <a:lnTo>
+                  <a:pt x="120000" y="120000"/>
+                </a:lnTo>
+                <a:lnTo>
+                  <a:pt x="0" y="120000"/>
+                </a:lnTo>
+                <a:close/>
+              </a:path>
+            </a:pathLst>
+          </a:custGeom>
+          <a:noFill/>
+          <a:ln w="9525" cap="flat">
+            <a:solidFill>
+              <a:srgbClr val="000000"/>
+            </a:solidFill>
+            <a:prstDash val="solid"/>
+            <a:round/>
+            <a:headEnd type="none" w="med" len="med"/>
+            <a:tailEnd type="none" w="med" len="med"/>
+          </a:ln>
+        </p:spPr>
+      </p:sp>
+      <p:sp>
+        <p:nvSpPr>
+          <p:cNvPr id="68" name="Shape 68"/>
+          <p:cNvSpPr txBox="1">
+            <a:spLocks noGrp="1"/>
+          </p:cNvSpPr>
+          <p:nvPr>
+            <p:ph type="body" idx="1"/>
+          </p:nvPr>
+        </p:nvSpPr>
+        <p:spPr>
+          <a:xfrm>
+            <a:off x="685800" y="4343400"/>
+            <a:ext cx="5486399" cy="4114800"/>
+          </a:xfrm>
+          <a:prstGeom prst="rect">
+            <a:avLst/>
+          </a:prstGeom>
+        </p:spPr>
+        <p:txBody>
+          <a:bodyPr lIns="91425" tIns="91425" rIns="91425" bIns="91425" anchor="t" anchorCtr="0">
+            <a:spAutoFit/>
+          </a:bodyPr>
+          <a:lstStyle/>
+          <a:p>
+            <a:pPr>
+              <a:spcBef>
+                <a:spcPts val="0"/>
+              </a:spcBef>
+              <a:buNone/>
+            </a:pPr>
+            <a:endParaRPr/>
+          </a:p>
+        </p:txBody>
+      </p:sp>
+    </p:spTree>
+  </p:cSld>
+  <p:clrMapOvr>
+    <a:masterClrMapping/>
+  </p:clrMapOvr>
+</p:notes>
+</file>
+
+<file path=ppt/notesSlides/notesSlide9.xml><?xml version="1.0" encoding="utf-8"?>
 <p:notes xmlns:a="http://schemas.openxmlformats.org/drawingml/2006/main" xmlns:r="http://schemas.openxmlformats.org/officeDocument/2006/relationships" xmlns:p="http://schemas.openxmlformats.org/presentationml/2006/main" showMasterSp="0" showMasterPhAnim="0">
   <p:cSld>
     <p:spTree>
@@ -3988,6 +4448,7 @@
           <a:ea typeface="Arial"/>
           <a:cs typeface="Arial"/>
           <a:sym typeface="Arial"/>
+          <a:rtl val="0"/>
         </a:defRPr>
       </a:lvl1pPr>
       <a:lvl2pPr marR="0" algn="l" rtl="0">
@@ -4009,6 +4470,7 @@
           <a:ea typeface="Arial"/>
           <a:cs typeface="Arial"/>
           <a:sym typeface="Arial"/>
+          <a:rtl val="0"/>
         </a:defRPr>
       </a:lvl2pPr>
     </p:titleStyle>
@@ -4043,6 +4505,7 @@
           <a:ea typeface="Arial"/>
           <a:cs typeface="Arial"/>
           <a:sym typeface="Arial"/>
+          <a:rtl val="0"/>
         </a:defRPr>
       </a:lvl1pPr>
       <a:lvl2pPr marR="0" algn="l" rtl="0">
@@ -4064,6 +4527,7 @@
           <a:ea typeface="Arial"/>
           <a:cs typeface="Arial"/>
           <a:sym typeface="Arial"/>
+          <a:rtl val="0"/>
         </a:defRPr>
       </a:lvl2pPr>
       <a:lvl3pPr marR="0" algn="l" rtl="0">
@@ -4085,6 +4549,7 @@
           <a:ea typeface="Arial"/>
           <a:cs typeface="Arial"/>
           <a:sym typeface="Arial"/>
+          <a:rtl val="0"/>
         </a:defRPr>
       </a:lvl3pPr>
       <a:lvl4pPr marR="0" algn="l" rtl="0">
@@ -4106,6 +4571,7 @@
           <a:ea typeface="Arial"/>
           <a:cs typeface="Arial"/>
           <a:sym typeface="Arial"/>
+          <a:rtl val="0"/>
         </a:defRPr>
       </a:lvl4pPr>
       <a:lvl5pPr marR="0" algn="l" rtl="0">
@@ -4127,6 +4593,7 @@
           <a:ea typeface="Arial"/>
           <a:cs typeface="Arial"/>
           <a:sym typeface="Arial"/>
+          <a:rtl val="0"/>
         </a:defRPr>
       </a:lvl5pPr>
       <a:lvl6pPr marR="0" algn="l" rtl="0">
@@ -4148,6 +4615,7 @@
           <a:ea typeface="Arial"/>
           <a:cs typeface="Arial"/>
           <a:sym typeface="Arial"/>
+          <a:rtl val="0"/>
         </a:defRPr>
       </a:lvl6pPr>
       <a:lvl7pPr marR="0" algn="l" rtl="0">
@@ -4169,6 +4637,7 @@
           <a:ea typeface="Arial"/>
           <a:cs typeface="Arial"/>
           <a:sym typeface="Arial"/>
+          <a:rtl val="0"/>
         </a:defRPr>
       </a:lvl7pPr>
       <a:lvl8pPr marR="0" algn="l" rtl="0">
@@ -4190,6 +4659,7 @@
           <a:ea typeface="Arial"/>
           <a:cs typeface="Arial"/>
           <a:sym typeface="Arial"/>
+          <a:rtl val="0"/>
         </a:defRPr>
       </a:lvl8pPr>
       <a:lvl9pPr marR="0" algn="l" rtl="0">
@@ -4211,6 +4681,7 @@
           <a:ea typeface="Arial"/>
           <a:cs typeface="Arial"/>
           <a:sym typeface="Arial"/>
+          <a:rtl val="0"/>
         </a:defRPr>
       </a:lvl9pPr>
     </p:bodyStyle>
@@ -4245,6 +4716,7 @@
           <a:ea typeface="Arial"/>
           <a:cs typeface="Arial"/>
           <a:sym typeface="Arial"/>
+          <a:rtl val="0"/>
         </a:defRPr>
       </a:lvl1pPr>
       <a:lvl2pPr marR="0" algn="l" rtl="0">
@@ -4266,6 +4738,7 @@
           <a:ea typeface="Arial"/>
           <a:cs typeface="Arial"/>
           <a:sym typeface="Arial"/>
+          <a:rtl val="0"/>
         </a:defRPr>
       </a:lvl2pPr>
       <a:lvl3pPr marR="0" algn="l" rtl="0">
@@ -4287,6 +4760,7 @@
           <a:ea typeface="Arial"/>
           <a:cs typeface="Arial"/>
           <a:sym typeface="Arial"/>
+          <a:rtl val="0"/>
         </a:defRPr>
       </a:lvl3pPr>
       <a:lvl4pPr marR="0" algn="l" rtl="0">
@@ -4308,6 +4782,7 @@
           <a:ea typeface="Arial"/>
           <a:cs typeface="Arial"/>
           <a:sym typeface="Arial"/>
+          <a:rtl val="0"/>
         </a:defRPr>
       </a:lvl4pPr>
       <a:lvl5pPr marR="0" algn="l" rtl="0">
@@ -4329,6 +4804,7 @@
           <a:ea typeface="Arial"/>
           <a:cs typeface="Arial"/>
           <a:sym typeface="Arial"/>
+          <a:rtl val="0"/>
         </a:defRPr>
       </a:lvl5pPr>
       <a:lvl6pPr marR="0" algn="l" rtl="0">
@@ -4350,6 +4826,7 @@
           <a:ea typeface="Arial"/>
           <a:cs typeface="Arial"/>
           <a:sym typeface="Arial"/>
+          <a:rtl val="0"/>
         </a:defRPr>
       </a:lvl6pPr>
       <a:lvl7pPr marR="0" algn="l" rtl="0">
@@ -4371,6 +4848,7 @@
           <a:ea typeface="Arial"/>
           <a:cs typeface="Arial"/>
           <a:sym typeface="Arial"/>
+          <a:rtl val="0"/>
         </a:defRPr>
       </a:lvl7pPr>
       <a:lvl8pPr marR="0" algn="l" rtl="0">
@@ -4392,6 +4870,7 @@
           <a:ea typeface="Arial"/>
           <a:cs typeface="Arial"/>
           <a:sym typeface="Arial"/>
+          <a:rtl val="0"/>
         </a:defRPr>
       </a:lvl8pPr>
       <a:lvl9pPr marR="0" algn="l" rtl="0">
@@ -4413,6 +4892,7 @@
           <a:ea typeface="Arial"/>
           <a:cs typeface="Arial"/>
           <a:sym typeface="Arial"/>
+          <a:rtl val="0"/>
         </a:defRPr>
       </a:lvl9pPr>
     </p:otherStyle>
@@ -4529,6 +5009,1074 @@
   <p:cSld>
     <p:spTree>
       <p:nvGrpSpPr>
+        <p:cNvPr id="1" name="Shape 69"/>
+        <p:cNvGrpSpPr/>
+        <p:nvPr/>
+      </p:nvGrpSpPr>
+      <p:grpSpPr>
+        <a:xfrm>
+          <a:off x="0" y="0"/>
+          <a:ext cx="0" cy="0"/>
+          <a:chOff x="0" y="0"/>
+          <a:chExt cx="0" cy="0"/>
+        </a:xfrm>
+      </p:grpSpPr>
+      <p:sp>
+        <p:nvSpPr>
+          <p:cNvPr id="70" name="Shape 70"/>
+          <p:cNvSpPr txBox="1">
+            <a:spLocks noGrp="1"/>
+          </p:cNvSpPr>
+          <p:nvPr>
+            <p:ph type="body" idx="1"/>
+          </p:nvPr>
+        </p:nvSpPr>
+        <p:spPr>
+          <a:xfrm>
+            <a:off x="922800" y="1244250"/>
+            <a:ext cx="7764000" cy="3016180"/>
+          </a:xfrm>
+          <a:prstGeom prst="rect">
+            <a:avLst/>
+          </a:prstGeom>
+        </p:spPr>
+        <p:txBody>
+          <a:bodyPr lIns="91425" tIns="91425" rIns="91425" bIns="91425" anchor="t" anchorCtr="0">
+            <a:spAutoFit/>
+          </a:bodyPr>
+          <a:lstStyle/>
+          <a:p>
+            <a:pPr rtl="0">
+              <a:lnSpc>
+                <a:spcPct val="115000"/>
+              </a:lnSpc>
+              <a:spcBef>
+                <a:spcPts val="0"/>
+              </a:spcBef>
+              <a:buNone/>
+            </a:pPr>
+            <a:r>
+              <a:rPr lang="en" sz="1200" dirty="0" smtClean="0">
+                <a:solidFill>
+                  <a:schemeClr val="dk1"/>
+                </a:solidFill>
+              </a:rPr>
+              <a:t>Actor </a:t>
+            </a:r>
+            <a:r>
+              <a:rPr lang="en" sz="1200" dirty="0">
+                <a:solidFill>
+                  <a:schemeClr val="dk1"/>
+                </a:solidFill>
+              </a:rPr>
+              <a:t>actions			</a:t>
+            </a:r>
+            <a:r>
+              <a:rPr lang="en" sz="1200" dirty="0" smtClean="0">
+                <a:solidFill>
+                  <a:schemeClr val="dk1"/>
+                </a:solidFill>
+              </a:rPr>
+              <a:t>System </a:t>
+            </a:r>
+            <a:r>
+              <a:rPr lang="en" sz="1200" dirty="0" smtClean="0">
+                <a:solidFill>
+                  <a:schemeClr val="dk1"/>
+                </a:solidFill>
+              </a:rPr>
+              <a:t>responses</a:t>
+            </a:r>
+          </a:p>
+          <a:p>
+            <a:pPr>
+              <a:lnSpc>
+                <a:spcPct val="115000"/>
+              </a:lnSpc>
+            </a:pPr>
+            <a:r>
+              <a:rPr lang="en" sz="1200" dirty="0" smtClean="0">
+                <a:solidFill>
+                  <a:schemeClr val="dk1"/>
+                </a:solidFill>
+              </a:rPr>
+              <a:t>1.Choose “check in” command             2.</a:t>
+            </a:r>
+            <a:r>
+              <a:rPr lang="en-US" sz="1200" dirty="0"/>
+              <a:t> </a:t>
+            </a:r>
+            <a:r>
+              <a:rPr lang="en-US" sz="1200" dirty="0">
+                <a:solidFill>
+                  <a:schemeClr val="dk1"/>
+                </a:solidFill>
+              </a:rPr>
+              <a:t>Display a new interface to prompt </a:t>
+            </a:r>
+            <a:r>
+              <a:rPr lang="en-US" sz="1200" dirty="0">
+                <a:solidFill>
+                  <a:schemeClr val="dk1"/>
+                </a:solidFill>
+              </a:rPr>
+              <a:t>receptionist </a:t>
+            </a:r>
+            <a:r>
+              <a:rPr lang="en-US" sz="1200" dirty="0">
+                <a:solidFill>
+                  <a:schemeClr val="dk1"/>
+                </a:solidFill>
+              </a:rPr>
+              <a:t>to type last name of </a:t>
+            </a:r>
+            <a:r>
+              <a:rPr lang="en-US" sz="1200" dirty="0">
+                <a:solidFill>
+                  <a:schemeClr val="dk1"/>
+                </a:solidFill>
+              </a:rPr>
+              <a:t>			customer</a:t>
+            </a:r>
+            <a:r>
+              <a:rPr lang="en-US" sz="1200" dirty="0">
+                <a:solidFill>
+                  <a:schemeClr val="dk1"/>
+                </a:solidFill>
+              </a:rPr>
+              <a:t>, cell phone number and group </a:t>
+            </a:r>
+            <a:r>
+              <a:rPr lang="en-US" sz="1200" dirty="0">
+                <a:solidFill>
+                  <a:schemeClr val="dk1"/>
+                </a:solidFill>
+              </a:rPr>
+              <a:t>size.</a:t>
+            </a:r>
+          </a:p>
+          <a:p>
+            <a:pPr>
+              <a:lnSpc>
+                <a:spcPct val="115000"/>
+              </a:lnSpc>
+            </a:pPr>
+            <a:r>
+              <a:rPr lang="en-US" sz="1200" dirty="0">
+                <a:solidFill>
+                  <a:schemeClr val="dk1"/>
+                </a:solidFill>
+              </a:rPr>
+              <a:t>3.Input “Chen” into “user name”          </a:t>
+            </a:r>
+          </a:p>
+          <a:p>
+            <a:pPr>
+              <a:lnSpc>
+                <a:spcPct val="115000"/>
+              </a:lnSpc>
+            </a:pPr>
+            <a:r>
+              <a:rPr lang="en-US" sz="1200" dirty="0">
+                <a:solidFill>
+                  <a:schemeClr val="dk1"/>
+                </a:solidFill>
+              </a:rPr>
+              <a:t>t</a:t>
+            </a:r>
+            <a:r>
+              <a:rPr lang="en-US" sz="1200" dirty="0" smtClean="0">
+                <a:solidFill>
+                  <a:schemeClr val="dk1"/>
+                </a:solidFill>
+              </a:rPr>
+              <a:t>ext box</a:t>
+            </a:r>
+          </a:p>
+          <a:p>
+            <a:pPr>
+              <a:lnSpc>
+                <a:spcPct val="115000"/>
+              </a:lnSpc>
+            </a:pPr>
+            <a:r>
+              <a:rPr lang="en-US" sz="1200" dirty="0" smtClean="0">
+                <a:solidFill>
+                  <a:schemeClr val="dk1"/>
+                </a:solidFill>
+              </a:rPr>
+              <a:t>4. Input “123-345-3232” into “cell phone”</a:t>
+            </a:r>
+          </a:p>
+          <a:p>
+            <a:pPr>
+              <a:lnSpc>
+                <a:spcPct val="115000"/>
+              </a:lnSpc>
+            </a:pPr>
+            <a:r>
+              <a:rPr lang="en-US" sz="1200" dirty="0">
+                <a:solidFill>
+                  <a:schemeClr val="dk1"/>
+                </a:solidFill>
+              </a:rPr>
+              <a:t>t</a:t>
+            </a:r>
+            <a:r>
+              <a:rPr lang="en-US" sz="1200" dirty="0" smtClean="0">
+                <a:solidFill>
+                  <a:schemeClr val="dk1"/>
+                </a:solidFill>
+              </a:rPr>
+              <a:t>ext box</a:t>
+            </a:r>
+          </a:p>
+          <a:p>
+            <a:pPr>
+              <a:lnSpc>
+                <a:spcPct val="115000"/>
+              </a:lnSpc>
+            </a:pPr>
+            <a:r>
+              <a:rPr lang="en-US" sz="1200" dirty="0" smtClean="0">
+                <a:solidFill>
+                  <a:schemeClr val="dk1"/>
+                </a:solidFill>
+              </a:rPr>
+              <a:t>5. Input “4” into “group size” text box</a:t>
+            </a:r>
+          </a:p>
+          <a:p>
+            <a:pPr>
+              <a:lnSpc>
+                <a:spcPct val="115000"/>
+              </a:lnSpc>
+            </a:pPr>
+            <a:r>
+              <a:rPr lang="en-US" sz="1200" dirty="0" smtClean="0">
+                <a:solidFill>
+                  <a:schemeClr val="dk1"/>
+                </a:solidFill>
+              </a:rPr>
+              <a:t>6. Click “Search”                                  </a:t>
+            </a:r>
+          </a:p>
+          <a:p>
+            <a:pPr>
+              <a:lnSpc>
+                <a:spcPct val="115000"/>
+              </a:lnSpc>
+            </a:pPr>
+            <a:r>
+              <a:rPr lang="en-US" sz="1200" dirty="0">
+                <a:solidFill>
+                  <a:schemeClr val="dk1"/>
+                </a:solidFill>
+              </a:rPr>
+              <a:t> </a:t>
+            </a:r>
+            <a:r>
+              <a:rPr lang="en-US" sz="1200" dirty="0" smtClean="0">
+                <a:solidFill>
+                  <a:schemeClr val="dk1"/>
+                </a:solidFill>
+              </a:rPr>
+              <a:t>			7. Display “David” (Waiter’s name), “3”(Table number)</a:t>
+            </a:r>
+          </a:p>
+          <a:p>
+            <a:pPr>
+              <a:lnSpc>
+                <a:spcPct val="115000"/>
+              </a:lnSpc>
+            </a:pPr>
+            <a:r>
+              <a:rPr lang="en-US" sz="1200" dirty="0" smtClean="0">
+                <a:solidFill>
+                  <a:schemeClr val="dk1"/>
+                </a:solidFill>
+              </a:rPr>
+              <a:t>8.Click”OK”</a:t>
+            </a:r>
+          </a:p>
+          <a:p>
+            <a:pPr>
+              <a:lnSpc>
+                <a:spcPct val="115000"/>
+              </a:lnSpc>
+            </a:pPr>
+            <a:r>
+              <a:rPr lang="en-US" sz="1200" dirty="0">
+                <a:solidFill>
+                  <a:schemeClr val="dk1"/>
+                </a:solidFill>
+              </a:rPr>
+              <a:t>	</a:t>
+            </a:r>
+            <a:r>
+              <a:rPr lang="en-US" sz="1200" dirty="0" smtClean="0">
+                <a:solidFill>
+                  <a:schemeClr val="dk1"/>
+                </a:solidFill>
+              </a:rPr>
+              <a:t>		9. Go back to the original interface</a:t>
+            </a:r>
+          </a:p>
+          <a:p>
+            <a:pPr>
+              <a:lnSpc>
+                <a:spcPct val="115000"/>
+              </a:lnSpc>
+            </a:pPr>
+            <a:endParaRPr lang="en" sz="1600" dirty="0">
+              <a:solidFill>
+                <a:schemeClr val="dk1"/>
+              </a:solidFill>
+            </a:endParaRPr>
+          </a:p>
+        </p:txBody>
+      </p:sp>
+      <p:sp>
+        <p:nvSpPr>
+          <p:cNvPr id="71" name="Shape 71"/>
+          <p:cNvSpPr txBox="1">
+            <a:spLocks noGrp="1"/>
+          </p:cNvSpPr>
+          <p:nvPr>
+            <p:ph type="title"/>
+          </p:nvPr>
+        </p:nvSpPr>
+        <p:spPr>
+          <a:xfrm>
+            <a:off x="922900" y="399986"/>
+            <a:ext cx="7764000" cy="800189"/>
+          </a:xfrm>
+          <a:prstGeom prst="rect">
+            <a:avLst/>
+          </a:prstGeom>
+        </p:spPr>
+        <p:txBody>
+          <a:bodyPr lIns="91425" tIns="91425" rIns="91425" bIns="91425" anchor="b" anchorCtr="0">
+            <a:spAutoFit/>
+          </a:bodyPr>
+          <a:lstStyle/>
+          <a:p>
+            <a:pPr>
+              <a:spcBef>
+                <a:spcPts val="0"/>
+              </a:spcBef>
+              <a:buNone/>
+            </a:pPr>
+            <a:r>
+              <a:rPr lang="en" dirty="0" smtClean="0">
+                <a:solidFill>
+                  <a:schemeClr val="lt1"/>
+                </a:solidFill>
+              </a:rPr>
+              <a:t>Scenarios 1</a:t>
+            </a:r>
+            <a:endParaRPr lang="en" dirty="0">
+              <a:solidFill>
+                <a:schemeClr val="lt1"/>
+              </a:solidFill>
+            </a:endParaRPr>
+          </a:p>
+        </p:txBody>
+      </p:sp>
+    </p:spTree>
+    <p:extLst>
+      <p:ext uri="{BB962C8B-B14F-4D97-AF65-F5344CB8AC3E}">
+        <p14:creationId xmlns:p14="http://schemas.microsoft.com/office/powerpoint/2010/main" val="766149795"/>
+      </p:ext>
+    </p:extLst>
+  </p:cSld>
+  <p:clrMapOvr>
+    <a:masterClrMapping/>
+  </p:clrMapOvr>
+  <p:transition spd="slow">
+    <p:cut/>
+  </p:transition>
+  <p:timing>
+    <p:tnLst>
+      <p:par>
+        <p:cTn id="1" dur="indefinite" restart="never" nodeType="tmRoot"/>
+      </p:par>
+    </p:tnLst>
+  </p:timing>
+</p:sld>
+</file>
+
+<file path=ppt/slides/slide11.xml><?xml version="1.0" encoding="utf-8"?>
+<p:sld xmlns:a="http://schemas.openxmlformats.org/drawingml/2006/main" xmlns:r="http://schemas.openxmlformats.org/officeDocument/2006/relationships" xmlns:p="http://schemas.openxmlformats.org/presentationml/2006/main">
+  <p:cSld>
+    <p:spTree>
+      <p:nvGrpSpPr>
+        <p:cNvPr id="1" name=""/>
+        <p:cNvGrpSpPr/>
+        <p:nvPr/>
+      </p:nvGrpSpPr>
+      <p:grpSpPr>
+        <a:xfrm>
+          <a:off x="0" y="0"/>
+          <a:ext cx="0" cy="0"/>
+          <a:chOff x="0" y="0"/>
+          <a:chExt cx="0" cy="0"/>
+        </a:xfrm>
+      </p:grpSpPr>
+      <p:sp>
+        <p:nvSpPr>
+          <p:cNvPr id="3" name="Title 2"/>
+          <p:cNvSpPr>
+            <a:spLocks noGrp="1"/>
+          </p:cNvSpPr>
+          <p:nvPr>
+            <p:ph type="title"/>
+          </p:nvPr>
+        </p:nvSpPr>
+        <p:spPr/>
+        <p:txBody>
+          <a:bodyPr/>
+          <a:lstStyle/>
+          <a:p>
+            <a:r>
+              <a:rPr lang="en-US" dirty="0" smtClean="0">
+                <a:solidFill>
+                  <a:schemeClr val="bg1"/>
+                </a:solidFill>
+              </a:rPr>
+              <a:t>Sketch 1</a:t>
+            </a:r>
+            <a:endParaRPr lang="en-US" dirty="0">
+              <a:solidFill>
+                <a:schemeClr val="bg1"/>
+              </a:solidFill>
+            </a:endParaRPr>
+          </a:p>
+        </p:txBody>
+      </p:sp>
+      <p:pic>
+        <p:nvPicPr>
+          <p:cNvPr id="3074" name="Picture 2"/>
+          <p:cNvPicPr>
+            <a:picLocks noChangeAspect="1" noChangeArrowheads="1"/>
+          </p:cNvPicPr>
+          <p:nvPr/>
+        </p:nvPicPr>
+        <p:blipFill>
+          <a:blip r:embed="rId2">
+            <a:extLst>
+              <a:ext uri="{28A0092B-C50C-407E-A947-70E740481C1C}">
+                <a14:useLocalDpi xmlns:a14="http://schemas.microsoft.com/office/drawing/2010/main" val="0"/>
+              </a:ext>
+            </a:extLst>
+          </a:blip>
+          <a:srcRect/>
+          <a:stretch>
+            <a:fillRect/>
+          </a:stretch>
+        </p:blipFill>
+        <p:spPr bwMode="auto">
+          <a:xfrm>
+            <a:off x="1600199" y="1276350"/>
+            <a:ext cx="4038601" cy="3533775"/>
+          </a:xfrm>
+          <a:prstGeom prst="rect">
+            <a:avLst/>
+          </a:prstGeom>
+          <a:noFill/>
+          <a:ln>
+            <a:noFill/>
+          </a:ln>
+          <a:effectLst/>
+          <a:extLst>
+            <a:ext uri="{909E8E84-426E-40DD-AFC4-6F175D3DCCD1}">
+              <a14:hiddenFill xmlns:a14="http://schemas.microsoft.com/office/drawing/2010/main">
+                <a:solidFill>
+                  <a:schemeClr val="accent1"/>
+                </a:solidFill>
+              </a14:hiddenFill>
+            </a:ext>
+            <a:ext uri="{91240B29-F687-4F45-9708-019B960494DF}">
+              <a14:hiddenLine xmlns:a14="http://schemas.microsoft.com/office/drawing/2010/main" w="9525">
+                <a:solidFill>
+                  <a:schemeClr val="tx1"/>
+                </a:solidFill>
+                <a:miter lim="800000"/>
+                <a:headEnd/>
+                <a:tailEnd/>
+              </a14:hiddenLine>
+            </a:ext>
+            <a:ext uri="{AF507438-7753-43E0-B8FC-AC1667EBCBE1}">
+              <a14:hiddenEffects xmlns:a14="http://schemas.microsoft.com/office/drawing/2010/main">
+                <a:effectLst>
+                  <a:outerShdw dist="35921" dir="2700000" algn="ctr" rotWithShape="0">
+                    <a:schemeClr val="bg2"/>
+                  </a:outerShdw>
+                </a:effectLst>
+              </a14:hiddenEffects>
+            </a:ext>
+          </a:extLst>
+        </p:spPr>
+      </p:pic>
+    </p:spTree>
+    <p:extLst>
+      <p:ext uri="{BB962C8B-B14F-4D97-AF65-F5344CB8AC3E}">
+        <p14:creationId xmlns:p14="http://schemas.microsoft.com/office/powerpoint/2010/main" val="1948377228"/>
+      </p:ext>
+    </p:extLst>
+  </p:cSld>
+  <p:clrMapOvr>
+    <a:masterClrMapping/>
+  </p:clrMapOvr>
+  <p:timing>
+    <p:tnLst>
+      <p:par>
+        <p:cTn id="1" dur="indefinite" restart="never" nodeType="tmRoot"/>
+      </p:par>
+    </p:tnLst>
+  </p:timing>
+</p:sld>
+</file>
+
+<file path=ppt/slides/slide12.xml><?xml version="1.0" encoding="utf-8"?>
+<p:sld xmlns:a="http://schemas.openxmlformats.org/drawingml/2006/main" xmlns:r="http://schemas.openxmlformats.org/officeDocument/2006/relationships" xmlns:p="http://schemas.openxmlformats.org/presentationml/2006/main">
+  <p:cSld>
+    <p:spTree>
+      <p:nvGrpSpPr>
+        <p:cNvPr id="1" name="Shape 69"/>
+        <p:cNvGrpSpPr/>
+        <p:nvPr/>
+      </p:nvGrpSpPr>
+      <p:grpSpPr>
+        <a:xfrm>
+          <a:off x="0" y="0"/>
+          <a:ext cx="0" cy="0"/>
+          <a:chOff x="0" y="0"/>
+          <a:chExt cx="0" cy="0"/>
+        </a:xfrm>
+      </p:grpSpPr>
+      <p:sp>
+        <p:nvSpPr>
+          <p:cNvPr id="70" name="Shape 70"/>
+          <p:cNvSpPr txBox="1">
+            <a:spLocks noGrp="1"/>
+          </p:cNvSpPr>
+          <p:nvPr>
+            <p:ph type="body" idx="1"/>
+          </p:nvPr>
+        </p:nvSpPr>
+        <p:spPr>
+          <a:xfrm>
+            <a:off x="922800" y="1244250"/>
+            <a:ext cx="7764000" cy="3228546"/>
+          </a:xfrm>
+          <a:prstGeom prst="rect">
+            <a:avLst/>
+          </a:prstGeom>
+        </p:spPr>
+        <p:txBody>
+          <a:bodyPr lIns="91425" tIns="91425" rIns="91425" bIns="91425" anchor="t" anchorCtr="0">
+            <a:spAutoFit/>
+          </a:bodyPr>
+          <a:lstStyle/>
+          <a:p>
+            <a:pPr rtl="0">
+              <a:lnSpc>
+                <a:spcPct val="115000"/>
+              </a:lnSpc>
+              <a:spcBef>
+                <a:spcPts val="0"/>
+              </a:spcBef>
+              <a:buNone/>
+            </a:pPr>
+            <a:r>
+              <a:rPr lang="en" sz="1200" dirty="0" smtClean="0">
+                <a:solidFill>
+                  <a:schemeClr val="dk1"/>
+                </a:solidFill>
+              </a:rPr>
+              <a:t>Actor </a:t>
+            </a:r>
+            <a:r>
+              <a:rPr lang="en" sz="1200" dirty="0">
+                <a:solidFill>
+                  <a:schemeClr val="dk1"/>
+                </a:solidFill>
+              </a:rPr>
+              <a:t>actions			</a:t>
+            </a:r>
+            <a:r>
+              <a:rPr lang="en" sz="1200" dirty="0" smtClean="0">
+                <a:solidFill>
+                  <a:schemeClr val="dk1"/>
+                </a:solidFill>
+              </a:rPr>
+              <a:t>System </a:t>
+            </a:r>
+            <a:r>
+              <a:rPr lang="en" sz="1200" dirty="0" smtClean="0">
+                <a:solidFill>
+                  <a:schemeClr val="dk1"/>
+                </a:solidFill>
+              </a:rPr>
+              <a:t>responses</a:t>
+            </a:r>
+          </a:p>
+          <a:p>
+            <a:pPr>
+              <a:lnSpc>
+                <a:spcPct val="115000"/>
+              </a:lnSpc>
+            </a:pPr>
+            <a:r>
+              <a:rPr lang="en" sz="1200" dirty="0" smtClean="0">
+                <a:solidFill>
+                  <a:schemeClr val="dk1"/>
+                </a:solidFill>
+              </a:rPr>
+              <a:t>1.Choose “check in” command             2.</a:t>
+            </a:r>
+            <a:r>
+              <a:rPr lang="en-US" sz="1200" dirty="0"/>
+              <a:t> </a:t>
+            </a:r>
+            <a:r>
+              <a:rPr lang="en-US" sz="1200" dirty="0">
+                <a:solidFill>
+                  <a:schemeClr val="dk1"/>
+                </a:solidFill>
+              </a:rPr>
+              <a:t>Display a new interface to prompt </a:t>
+            </a:r>
+            <a:r>
+              <a:rPr lang="en-US" sz="1200" dirty="0">
+                <a:solidFill>
+                  <a:schemeClr val="dk1"/>
+                </a:solidFill>
+              </a:rPr>
+              <a:t>receptionist </a:t>
+            </a:r>
+            <a:r>
+              <a:rPr lang="en-US" sz="1200" dirty="0">
+                <a:solidFill>
+                  <a:schemeClr val="dk1"/>
+                </a:solidFill>
+              </a:rPr>
+              <a:t>to type last name of </a:t>
+            </a:r>
+            <a:r>
+              <a:rPr lang="en-US" sz="1200" dirty="0">
+                <a:solidFill>
+                  <a:schemeClr val="dk1"/>
+                </a:solidFill>
+              </a:rPr>
+              <a:t>			customer</a:t>
+            </a:r>
+            <a:r>
+              <a:rPr lang="en-US" sz="1200" dirty="0">
+                <a:solidFill>
+                  <a:schemeClr val="dk1"/>
+                </a:solidFill>
+              </a:rPr>
+              <a:t>, cell phone number and group </a:t>
+            </a:r>
+            <a:r>
+              <a:rPr lang="en-US" sz="1200" dirty="0">
+                <a:solidFill>
+                  <a:schemeClr val="dk1"/>
+                </a:solidFill>
+              </a:rPr>
+              <a:t>size.</a:t>
+            </a:r>
+          </a:p>
+          <a:p>
+            <a:pPr>
+              <a:lnSpc>
+                <a:spcPct val="115000"/>
+              </a:lnSpc>
+            </a:pPr>
+            <a:r>
+              <a:rPr lang="en-US" sz="1200" dirty="0">
+                <a:solidFill>
+                  <a:schemeClr val="dk1"/>
+                </a:solidFill>
+              </a:rPr>
+              <a:t>3.Input “Chen” into “user name”          </a:t>
+            </a:r>
+          </a:p>
+          <a:p>
+            <a:pPr>
+              <a:lnSpc>
+                <a:spcPct val="115000"/>
+              </a:lnSpc>
+            </a:pPr>
+            <a:r>
+              <a:rPr lang="en-US" sz="1200" dirty="0">
+                <a:solidFill>
+                  <a:schemeClr val="dk1"/>
+                </a:solidFill>
+              </a:rPr>
+              <a:t>t</a:t>
+            </a:r>
+            <a:r>
+              <a:rPr lang="en-US" sz="1200" dirty="0" smtClean="0">
+                <a:solidFill>
+                  <a:schemeClr val="dk1"/>
+                </a:solidFill>
+              </a:rPr>
+              <a:t>ext box</a:t>
+            </a:r>
+          </a:p>
+          <a:p>
+            <a:pPr>
+              <a:lnSpc>
+                <a:spcPct val="115000"/>
+              </a:lnSpc>
+            </a:pPr>
+            <a:r>
+              <a:rPr lang="en-US" sz="1200" dirty="0" smtClean="0">
+                <a:solidFill>
+                  <a:schemeClr val="dk1"/>
+                </a:solidFill>
+              </a:rPr>
+              <a:t>4. Input “123-345-3231” into “cell phone”</a:t>
+            </a:r>
+          </a:p>
+          <a:p>
+            <a:pPr>
+              <a:lnSpc>
+                <a:spcPct val="115000"/>
+              </a:lnSpc>
+            </a:pPr>
+            <a:r>
+              <a:rPr lang="en-US" sz="1200" dirty="0">
+                <a:solidFill>
+                  <a:schemeClr val="dk1"/>
+                </a:solidFill>
+              </a:rPr>
+              <a:t>t</a:t>
+            </a:r>
+            <a:r>
+              <a:rPr lang="en-US" sz="1200" dirty="0" smtClean="0">
+                <a:solidFill>
+                  <a:schemeClr val="dk1"/>
+                </a:solidFill>
+              </a:rPr>
+              <a:t>ext box</a:t>
+            </a:r>
+          </a:p>
+          <a:p>
+            <a:pPr>
+              <a:lnSpc>
+                <a:spcPct val="115000"/>
+              </a:lnSpc>
+            </a:pPr>
+            <a:r>
+              <a:rPr lang="en-US" sz="1200" dirty="0" smtClean="0">
+                <a:solidFill>
+                  <a:schemeClr val="dk1"/>
+                </a:solidFill>
+              </a:rPr>
+              <a:t>5. Input “4” into “group size” text box</a:t>
+            </a:r>
+          </a:p>
+          <a:p>
+            <a:pPr>
+              <a:lnSpc>
+                <a:spcPct val="115000"/>
+              </a:lnSpc>
+            </a:pPr>
+            <a:r>
+              <a:rPr lang="en-US" sz="1200" dirty="0" smtClean="0">
+                <a:solidFill>
+                  <a:schemeClr val="dk1"/>
+                </a:solidFill>
+              </a:rPr>
+              <a:t>6. Click “Search”                                  </a:t>
+            </a:r>
+          </a:p>
+          <a:p>
+            <a:pPr>
+              <a:lnSpc>
+                <a:spcPct val="115000"/>
+              </a:lnSpc>
+            </a:pPr>
+            <a:r>
+              <a:rPr lang="en-US" sz="1200" dirty="0">
+                <a:solidFill>
+                  <a:schemeClr val="dk1"/>
+                </a:solidFill>
+              </a:rPr>
+              <a:t> </a:t>
+            </a:r>
+            <a:r>
+              <a:rPr lang="en-US" sz="1200" dirty="0" smtClean="0">
+                <a:solidFill>
+                  <a:schemeClr val="dk1"/>
+                </a:solidFill>
+              </a:rPr>
+              <a:t>			7. A message box pops out and shows that “Invalid information for 			reservation”</a:t>
+            </a:r>
+          </a:p>
+          <a:p>
+            <a:pPr>
+              <a:lnSpc>
+                <a:spcPct val="115000"/>
+              </a:lnSpc>
+            </a:pPr>
+            <a:r>
+              <a:rPr lang="en-US" sz="1200" dirty="0" smtClean="0">
+                <a:solidFill>
+                  <a:schemeClr val="dk1"/>
+                </a:solidFill>
+              </a:rPr>
+              <a:t>8.Click”OK”</a:t>
+            </a:r>
+          </a:p>
+          <a:p>
+            <a:pPr>
+              <a:lnSpc>
+                <a:spcPct val="115000"/>
+              </a:lnSpc>
+            </a:pPr>
+            <a:r>
+              <a:rPr lang="en-US" sz="1200" dirty="0">
+                <a:solidFill>
+                  <a:schemeClr val="dk1"/>
+                </a:solidFill>
+              </a:rPr>
+              <a:t>	</a:t>
+            </a:r>
+            <a:r>
+              <a:rPr lang="en-US" sz="1200" dirty="0" smtClean="0">
+                <a:solidFill>
+                  <a:schemeClr val="dk1"/>
+                </a:solidFill>
+              </a:rPr>
+              <a:t>		9. Go back to the original interface</a:t>
+            </a:r>
+          </a:p>
+          <a:p>
+            <a:pPr>
+              <a:lnSpc>
+                <a:spcPct val="115000"/>
+              </a:lnSpc>
+            </a:pPr>
+            <a:endParaRPr lang="en" sz="1600" dirty="0">
+              <a:solidFill>
+                <a:schemeClr val="dk1"/>
+              </a:solidFill>
+            </a:endParaRPr>
+          </a:p>
+        </p:txBody>
+      </p:sp>
+      <p:sp>
+        <p:nvSpPr>
+          <p:cNvPr id="71" name="Shape 71"/>
+          <p:cNvSpPr txBox="1">
+            <a:spLocks noGrp="1"/>
+          </p:cNvSpPr>
+          <p:nvPr>
+            <p:ph type="title"/>
+          </p:nvPr>
+        </p:nvSpPr>
+        <p:spPr>
+          <a:xfrm>
+            <a:off x="922900" y="399986"/>
+            <a:ext cx="7764000" cy="800189"/>
+          </a:xfrm>
+          <a:prstGeom prst="rect">
+            <a:avLst/>
+          </a:prstGeom>
+        </p:spPr>
+        <p:txBody>
+          <a:bodyPr lIns="91425" tIns="91425" rIns="91425" bIns="91425" anchor="b" anchorCtr="0">
+            <a:spAutoFit/>
+          </a:bodyPr>
+          <a:lstStyle/>
+          <a:p>
+            <a:pPr>
+              <a:spcBef>
+                <a:spcPts val="0"/>
+              </a:spcBef>
+              <a:buNone/>
+            </a:pPr>
+            <a:r>
+              <a:rPr lang="en" dirty="0" smtClean="0">
+                <a:solidFill>
+                  <a:schemeClr val="lt1"/>
+                </a:solidFill>
+              </a:rPr>
+              <a:t>Scenarios 2</a:t>
+            </a:r>
+            <a:endParaRPr lang="en" dirty="0">
+              <a:solidFill>
+                <a:schemeClr val="lt1"/>
+              </a:solidFill>
+            </a:endParaRPr>
+          </a:p>
+        </p:txBody>
+      </p:sp>
+    </p:spTree>
+    <p:extLst>
+      <p:ext uri="{BB962C8B-B14F-4D97-AF65-F5344CB8AC3E}">
+        <p14:creationId xmlns:p14="http://schemas.microsoft.com/office/powerpoint/2010/main" val="3413301914"/>
+      </p:ext>
+    </p:extLst>
+  </p:cSld>
+  <p:clrMapOvr>
+    <a:masterClrMapping/>
+  </p:clrMapOvr>
+  <p:transition spd="slow">
+    <p:cut/>
+  </p:transition>
+  <p:timing>
+    <p:tnLst>
+      <p:par>
+        <p:cTn id="1" dur="indefinite" restart="never" nodeType="tmRoot"/>
+      </p:par>
+    </p:tnLst>
+  </p:timing>
+</p:sld>
+</file>
+
+<file path=ppt/slides/slide13.xml><?xml version="1.0" encoding="utf-8"?>
+<p:sld xmlns:a="http://schemas.openxmlformats.org/drawingml/2006/main" xmlns:r="http://schemas.openxmlformats.org/officeDocument/2006/relationships" xmlns:p="http://schemas.openxmlformats.org/presentationml/2006/main">
+  <p:cSld>
+    <p:spTree>
+      <p:nvGrpSpPr>
+        <p:cNvPr id="1" name=""/>
+        <p:cNvGrpSpPr/>
+        <p:nvPr/>
+      </p:nvGrpSpPr>
+      <p:grpSpPr>
+        <a:xfrm>
+          <a:off x="0" y="0"/>
+          <a:ext cx="0" cy="0"/>
+          <a:chOff x="0" y="0"/>
+          <a:chExt cx="0" cy="0"/>
+        </a:xfrm>
+      </p:grpSpPr>
+      <p:sp>
+        <p:nvSpPr>
+          <p:cNvPr id="3" name="Title 2"/>
+          <p:cNvSpPr>
+            <a:spLocks noGrp="1"/>
+          </p:cNvSpPr>
+          <p:nvPr>
+            <p:ph type="title"/>
+          </p:nvPr>
+        </p:nvSpPr>
+        <p:spPr/>
+        <p:txBody>
+          <a:bodyPr/>
+          <a:lstStyle/>
+          <a:p>
+            <a:r>
+              <a:rPr lang="en-US" dirty="0" smtClean="0">
+                <a:solidFill>
+                  <a:schemeClr val="bg1"/>
+                </a:solidFill>
+              </a:rPr>
+              <a:t>Sketch 2</a:t>
+            </a:r>
+            <a:endParaRPr lang="en-US" dirty="0">
+              <a:solidFill>
+                <a:schemeClr val="bg1"/>
+              </a:solidFill>
+            </a:endParaRPr>
+          </a:p>
+        </p:txBody>
+      </p:sp>
+      <p:pic>
+        <p:nvPicPr>
+          <p:cNvPr id="5122" name="Picture 2"/>
+          <p:cNvPicPr>
+            <a:picLocks noChangeAspect="1" noChangeArrowheads="1"/>
+          </p:cNvPicPr>
+          <p:nvPr/>
+        </p:nvPicPr>
+        <p:blipFill>
+          <a:blip r:embed="rId2">
+            <a:extLst>
+              <a:ext uri="{28A0092B-C50C-407E-A947-70E740481C1C}">
+                <a14:useLocalDpi xmlns:a14="http://schemas.microsoft.com/office/drawing/2010/main" val="0"/>
+              </a:ext>
+            </a:extLst>
+          </a:blip>
+          <a:srcRect/>
+          <a:stretch>
+            <a:fillRect/>
+          </a:stretch>
+        </p:blipFill>
+        <p:spPr bwMode="auto">
+          <a:xfrm>
+            <a:off x="2133600" y="1276350"/>
+            <a:ext cx="3657600" cy="3657600"/>
+          </a:xfrm>
+          <a:prstGeom prst="rect">
+            <a:avLst/>
+          </a:prstGeom>
+          <a:noFill/>
+          <a:ln>
+            <a:noFill/>
+          </a:ln>
+          <a:effectLst/>
+          <a:extLst>
+            <a:ext uri="{909E8E84-426E-40DD-AFC4-6F175D3DCCD1}">
+              <a14:hiddenFill xmlns:a14="http://schemas.microsoft.com/office/drawing/2010/main">
+                <a:solidFill>
+                  <a:schemeClr val="accent1"/>
+                </a:solidFill>
+              </a14:hiddenFill>
+            </a:ext>
+            <a:ext uri="{91240B29-F687-4F45-9708-019B960494DF}">
+              <a14:hiddenLine xmlns:a14="http://schemas.microsoft.com/office/drawing/2010/main" w="9525">
+                <a:solidFill>
+                  <a:schemeClr val="tx1"/>
+                </a:solidFill>
+                <a:miter lim="800000"/>
+                <a:headEnd/>
+                <a:tailEnd/>
+              </a14:hiddenLine>
+            </a:ext>
+            <a:ext uri="{AF507438-7753-43E0-B8FC-AC1667EBCBE1}">
+              <a14:hiddenEffects xmlns:a14="http://schemas.microsoft.com/office/drawing/2010/main">
+                <a:effectLst>
+                  <a:outerShdw dist="35921" dir="2700000" algn="ctr" rotWithShape="0">
+                    <a:schemeClr val="bg2"/>
+                  </a:outerShdw>
+                </a:effectLst>
+              </a14:hiddenEffects>
+            </a:ext>
+          </a:extLst>
+        </p:spPr>
+      </p:pic>
+    </p:spTree>
+    <p:extLst>
+      <p:ext uri="{BB962C8B-B14F-4D97-AF65-F5344CB8AC3E}">
+        <p14:creationId xmlns:p14="http://schemas.microsoft.com/office/powerpoint/2010/main" val="2057022517"/>
+      </p:ext>
+    </p:extLst>
+  </p:cSld>
+  <p:clrMapOvr>
+    <a:masterClrMapping/>
+  </p:clrMapOvr>
+  <p:timing>
+    <p:tnLst>
+      <p:par>
+        <p:cTn id="1" dur="indefinite" restart="never" nodeType="tmRoot"/>
+      </p:par>
+    </p:tnLst>
+  </p:timing>
+</p:sld>
+</file>
+
+<file path=ppt/slides/slide14.xml><?xml version="1.0" encoding="utf-8"?>
+<p:sld xmlns:a="http://schemas.openxmlformats.org/drawingml/2006/main" xmlns:r="http://schemas.openxmlformats.org/officeDocument/2006/relationships" xmlns:p="http://schemas.openxmlformats.org/presentationml/2006/main">
+  <p:cSld>
+    <p:spTree>
+      <p:nvGrpSpPr>
         <p:cNvPr id="1" name=""/>
         <p:cNvGrpSpPr/>
         <p:nvPr/>
@@ -4553,8 +6101,8 @@
         </p:nvSpPr>
         <p:spPr>
           <a:xfrm>
-            <a:off x="914400" y="1276350"/>
-            <a:ext cx="7772400" cy="3598192"/>
+            <a:off x="914400" y="1200150"/>
+            <a:ext cx="7772400" cy="3630300"/>
           </a:xfrm>
         </p:spPr>
         <p:txBody>
@@ -4562,6 +6110,9 @@
           <a:lstStyle/>
           <a:p>
             <a:pPr marL="342900" indent="-342900">
+              <a:lnSpc>
+                <a:spcPct val="150000"/>
+              </a:lnSpc>
               <a:buClr>
                 <a:schemeClr val="bg1"/>
               </a:buClr>
@@ -4569,49 +6120,949 @@
               <a:buChar char="•"/>
             </a:pPr>
             <a:r>
-              <a:rPr lang="en-US" sz="2400" dirty="0" smtClean="0">
+              <a:rPr lang="en-US" sz="2000" dirty="0">
                 <a:solidFill>
                   <a:schemeClr val="bg1"/>
                 </a:solidFill>
               </a:rPr>
-              <a:t>Post </a:t>
-            </a:r>
-            <a:r>
-              <a:rPr lang="en-US" sz="2400" dirty="0">
+              <a:t>Actors:</a:t>
+            </a:r>
+            <a:r>
+              <a:rPr lang="en-US" sz="2000" dirty="0">
+                <a:solidFill>
+                  <a:schemeClr val="dk1"/>
+                </a:solidFill>
+              </a:rPr>
+              <a:t> </a:t>
+            </a:r>
+            <a:r>
+              <a:rPr lang="en-US" sz="2000" dirty="0" smtClean="0">
+                <a:solidFill>
+                  <a:schemeClr val="dk1"/>
+                </a:solidFill>
+              </a:rPr>
+              <a:t>Waiter</a:t>
+            </a:r>
+            <a:endParaRPr lang="en-US" sz="2000" dirty="0">
+              <a:solidFill>
+                <a:schemeClr val="dk1"/>
+              </a:solidFill>
+            </a:endParaRPr>
+          </a:p>
+          <a:p>
+            <a:pPr marL="342900" indent="-342900">
+              <a:lnSpc>
+                <a:spcPct val="150000"/>
+              </a:lnSpc>
+              <a:buClr>
+                <a:schemeClr val="bg1"/>
+              </a:buClr>
+              <a:buFont typeface="Arial" panose="020B0604020202020204" pitchFamily="34" charset="0"/>
+              <a:buChar char="•"/>
+            </a:pPr>
+            <a:r>
+              <a:rPr lang="en-US" sz="2000" dirty="0">
                 <a:solidFill>
                   <a:schemeClr val="bg1"/>
                 </a:solidFill>
               </a:rPr>
-              <a:t>condition: </a:t>
-            </a:r>
-            <a:r>
-              <a:rPr lang="en-US" sz="2400" dirty="0">
-                <a:solidFill>
-                  <a:schemeClr val="tx1"/>
-                </a:solidFill>
-              </a:rPr>
-              <a:t>Order information should be recorded to database successfully.</a:t>
-            </a:r>
-          </a:p>
-          <a:p>
-            <a:endParaRPr lang="en-US" dirty="0"/>
+              <a:t>Goals:</a:t>
+            </a:r>
+            <a:r>
+              <a:rPr lang="en-US" sz="2000" dirty="0">
+                <a:solidFill>
+                  <a:schemeClr val="dk1"/>
+                </a:solidFill>
+              </a:rPr>
+              <a:t> To make an order</a:t>
+            </a:r>
+          </a:p>
+          <a:p>
+            <a:pPr marL="342900" indent="-342900">
+              <a:lnSpc>
+                <a:spcPct val="150000"/>
+              </a:lnSpc>
+              <a:buClr>
+                <a:schemeClr val="bg1"/>
+              </a:buClr>
+              <a:buFont typeface="Arial" panose="020B0604020202020204" pitchFamily="34" charset="0"/>
+              <a:buChar char="•"/>
+            </a:pPr>
+            <a:r>
+              <a:rPr lang="en-US" sz="2000" dirty="0">
+                <a:solidFill>
+                  <a:schemeClr val="bg1"/>
+                </a:solidFill>
+              </a:rPr>
+              <a:t>Preconditions:</a:t>
+            </a:r>
+            <a:r>
+              <a:rPr lang="en-US" sz="2000" dirty="0">
+                <a:solidFill>
+                  <a:schemeClr val="dk1"/>
+                </a:solidFill>
+              </a:rPr>
+              <a:t> Guests must have checked in successfully</a:t>
+            </a:r>
+          </a:p>
+          <a:p>
+            <a:pPr marL="342900" indent="-342900">
+              <a:lnSpc>
+                <a:spcPct val="150000"/>
+              </a:lnSpc>
+              <a:buClr>
+                <a:schemeClr val="bg1"/>
+              </a:buClr>
+              <a:buFont typeface="Arial" panose="020B0604020202020204" pitchFamily="34" charset="0"/>
+              <a:buChar char="•"/>
+            </a:pPr>
+            <a:r>
+              <a:rPr lang="en-US" sz="2000" dirty="0">
+                <a:solidFill>
+                  <a:schemeClr val="bg1"/>
+                </a:solidFill>
+              </a:rPr>
+              <a:t>Summary:</a:t>
+            </a:r>
+            <a:r>
+              <a:rPr lang="en-US" sz="2000" dirty="0">
+                <a:solidFill>
+                  <a:schemeClr val="dk1"/>
+                </a:solidFill>
+              </a:rPr>
+              <a:t> Price will prompt up and total will be computed after each guest has finished an </a:t>
+            </a:r>
+            <a:r>
+              <a:rPr lang="en-US" sz="2000" dirty="0" smtClean="0">
+                <a:solidFill>
+                  <a:schemeClr val="dk1"/>
+                </a:solidFill>
+              </a:rPr>
+              <a:t>order</a:t>
+            </a:r>
+          </a:p>
+          <a:p>
+            <a:pPr marL="342900" indent="-342900">
+              <a:lnSpc>
+                <a:spcPct val="150000"/>
+              </a:lnSpc>
+              <a:buClr>
+                <a:schemeClr val="bg1"/>
+              </a:buClr>
+              <a:buFont typeface="Arial" panose="020B0604020202020204" pitchFamily="34" charset="0"/>
+              <a:buChar char="•"/>
+            </a:pPr>
+            <a:r>
+              <a:rPr lang="en-US" sz="2000" dirty="0">
+                <a:solidFill>
+                  <a:schemeClr val="bg1"/>
+                </a:solidFill>
+              </a:rPr>
+              <a:t>Post condition: </a:t>
+            </a:r>
+            <a:r>
+              <a:rPr lang="en-US" sz="2000" dirty="0">
+                <a:solidFill>
+                  <a:schemeClr val="tx1"/>
+                </a:solidFill>
+              </a:rPr>
+              <a:t>Order information should be recorded to database </a:t>
+            </a:r>
+            <a:r>
+              <a:rPr lang="en-US" sz="2000" dirty="0" smtClean="0">
+                <a:solidFill>
+                  <a:schemeClr val="tx1"/>
+                </a:solidFill>
+              </a:rPr>
+              <a:t>successfully</a:t>
+            </a:r>
+            <a:endParaRPr lang="en-US" sz="2000" dirty="0">
+              <a:solidFill>
+                <a:schemeClr val="tx1"/>
+              </a:solidFill>
+            </a:endParaRPr>
+          </a:p>
+          <a:p>
+            <a:pPr marL="342900" indent="-342900">
+              <a:lnSpc>
+                <a:spcPct val="150000"/>
+              </a:lnSpc>
+              <a:buClr>
+                <a:schemeClr val="bg1"/>
+              </a:buClr>
+              <a:buFont typeface="Arial" panose="020B0604020202020204" pitchFamily="34" charset="0"/>
+              <a:buChar char="•"/>
+            </a:pPr>
+            <a:endParaRPr lang="en-US" sz="2400" dirty="0">
+              <a:solidFill>
+                <a:schemeClr val="dk1"/>
+              </a:solidFill>
+            </a:endParaRPr>
+          </a:p>
+        </p:txBody>
+      </p:sp>
+      <p:sp>
+        <p:nvSpPr>
+          <p:cNvPr id="3" name="Title 2"/>
+          <p:cNvSpPr>
+            <a:spLocks noGrp="1"/>
+          </p:cNvSpPr>
+          <p:nvPr>
+            <p:ph type="title"/>
+          </p:nvPr>
+        </p:nvSpPr>
+        <p:spPr>
+          <a:xfrm>
+            <a:off x="914400" y="205978"/>
+            <a:ext cx="7772400" cy="994200"/>
+          </a:xfrm>
+        </p:spPr>
+        <p:txBody>
+          <a:bodyPr/>
+          <a:lstStyle/>
+          <a:p>
+            <a:r>
+              <a:rPr lang="en-US" dirty="0" smtClean="0">
+                <a:solidFill>
+                  <a:schemeClr val="bg1"/>
+                </a:solidFill>
+              </a:rPr>
+              <a:t>Use Case: Make An Order</a:t>
+            </a:r>
+            <a:endParaRPr lang="en-US" dirty="0">
+              <a:solidFill>
+                <a:schemeClr val="bg1"/>
+              </a:solidFill>
+            </a:endParaRPr>
           </a:p>
         </p:txBody>
       </p:sp>
     </p:spTree>
     <p:extLst>
       <p:ext uri="{BB962C8B-B14F-4D97-AF65-F5344CB8AC3E}">
-        <p14:creationId xmlns:p14="http://schemas.microsoft.com/office/powerpoint/2010/main" xmlns="" val="777232676"/>
+        <p14:creationId xmlns:p14="http://schemas.microsoft.com/office/powerpoint/2010/main" val="2259188037"/>
       </p:ext>
     </p:extLst>
   </p:cSld>
   <p:clrMapOvr>
     <a:masterClrMapping/>
   </p:clrMapOvr>
+  <p:timing>
+    <p:tnLst>
+      <p:par>
+        <p:cTn id="1" dur="indefinite" restart="never" nodeType="tmRoot"/>
+      </p:par>
+    </p:tnLst>
+  </p:timing>
 </p:sld>
 </file>
 
-<file path=ppt/slides/slide11.xml><?xml version="1.0" encoding="utf-8"?>
+<file path=ppt/slides/slide15.xml><?xml version="1.0" encoding="utf-8"?>
+<p:sld xmlns:a="http://schemas.openxmlformats.org/drawingml/2006/main" xmlns:r="http://schemas.openxmlformats.org/officeDocument/2006/relationships" xmlns:p="http://schemas.openxmlformats.org/presentationml/2006/main">
+  <p:cSld>
+    <p:spTree>
+      <p:nvGrpSpPr>
+        <p:cNvPr id="1" name=""/>
+        <p:cNvGrpSpPr/>
+        <p:nvPr/>
+      </p:nvGrpSpPr>
+      <p:grpSpPr>
+        <a:xfrm>
+          <a:off x="0" y="0"/>
+          <a:ext cx="0" cy="0"/>
+          <a:chOff x="0" y="0"/>
+          <a:chExt cx="0" cy="0"/>
+        </a:xfrm>
+      </p:grpSpPr>
+      <p:sp>
+        <p:nvSpPr>
+          <p:cNvPr id="3" name="Title 2"/>
+          <p:cNvSpPr>
+            <a:spLocks noGrp="1"/>
+          </p:cNvSpPr>
+          <p:nvPr>
+            <p:ph type="title"/>
+          </p:nvPr>
+        </p:nvSpPr>
+        <p:spPr/>
+        <p:txBody>
+          <a:bodyPr/>
+          <a:lstStyle/>
+          <a:p>
+            <a:r>
+              <a:rPr lang="en-US" dirty="0" smtClean="0">
+                <a:solidFill>
+                  <a:schemeClr val="bg1"/>
+                </a:solidFill>
+              </a:rPr>
+              <a:t>Order Page</a:t>
+            </a:r>
+            <a:endParaRPr lang="en-US" dirty="0">
+              <a:solidFill>
+                <a:schemeClr val="bg1"/>
+              </a:solidFill>
+            </a:endParaRPr>
+          </a:p>
+        </p:txBody>
+      </p:sp>
+      <p:pic>
+        <p:nvPicPr>
+          <p:cNvPr id="4" name="Picture 3"/>
+          <p:cNvPicPr>
+            <a:picLocks noChangeAspect="1"/>
+          </p:cNvPicPr>
+          <p:nvPr/>
+        </p:nvPicPr>
+        <p:blipFill>
+          <a:blip r:embed="rId2">
+            <a:extLst>
+              <a:ext uri="{28A0092B-C50C-407E-A947-70E740481C1C}">
+                <a14:useLocalDpi xmlns:a14="http://schemas.microsoft.com/office/drawing/2010/main" val="0"/>
+              </a:ext>
+            </a:extLst>
+          </a:blip>
+          <a:stretch>
+            <a:fillRect/>
+          </a:stretch>
+        </p:blipFill>
+        <p:spPr>
+          <a:xfrm>
+            <a:off x="1600199" y="1200150"/>
+            <a:ext cx="5943601" cy="3586162"/>
+          </a:xfrm>
+          <a:prstGeom prst="rect">
+            <a:avLst/>
+          </a:prstGeom>
+        </p:spPr>
+      </p:pic>
+    </p:spTree>
+    <p:extLst>
+      <p:ext uri="{BB962C8B-B14F-4D97-AF65-F5344CB8AC3E}">
+        <p14:creationId xmlns:p14="http://schemas.microsoft.com/office/powerpoint/2010/main" val="3995397235"/>
+      </p:ext>
+    </p:extLst>
+  </p:cSld>
+  <p:clrMapOvr>
+    <a:masterClrMapping/>
+  </p:clrMapOvr>
+  <p:timing>
+    <p:tnLst>
+      <p:par>
+        <p:cTn id="1" dur="indefinite" restart="never" nodeType="tmRoot"/>
+      </p:par>
+    </p:tnLst>
+  </p:timing>
+</p:sld>
+</file>
+
+<file path=ppt/slides/slide16.xml><?xml version="1.0" encoding="utf-8"?>
+<p:sld xmlns:a="http://schemas.openxmlformats.org/drawingml/2006/main" xmlns:r="http://schemas.openxmlformats.org/officeDocument/2006/relationships" xmlns:p="http://schemas.openxmlformats.org/presentationml/2006/main">
+  <p:cSld>
+    <p:spTree>
+      <p:nvGrpSpPr>
+        <p:cNvPr id="1" name=""/>
+        <p:cNvGrpSpPr/>
+        <p:nvPr/>
+      </p:nvGrpSpPr>
+      <p:grpSpPr>
+        <a:xfrm>
+          <a:off x="0" y="0"/>
+          <a:ext cx="0" cy="0"/>
+          <a:chOff x="0" y="0"/>
+          <a:chExt cx="0" cy="0"/>
+        </a:xfrm>
+      </p:grpSpPr>
+      <p:sp>
+        <p:nvSpPr>
+          <p:cNvPr id="2" name="Text Placeholder 1"/>
+          <p:cNvSpPr>
+            <a:spLocks noGrp="1"/>
+          </p:cNvSpPr>
+          <p:nvPr>
+            <p:ph type="body" idx="1"/>
+          </p:nvPr>
+        </p:nvSpPr>
+        <p:spPr>
+          <a:xfrm>
+            <a:off x="914400" y="133350"/>
+            <a:ext cx="7772400" cy="5010150"/>
+          </a:xfrm>
+        </p:spPr>
+        <p:txBody>
+          <a:bodyPr/>
+          <a:lstStyle/>
+          <a:p>
+            <a:pPr marL="285750" indent="-285750">
+              <a:buClr>
+                <a:schemeClr val="bg1"/>
+              </a:buClr>
+              <a:buFont typeface="Arial" panose="020B0604020202020204" pitchFamily="34" charset="0"/>
+              <a:buChar char="•"/>
+            </a:pPr>
+            <a:r>
+              <a:rPr lang="en-US" sz="1800" b="1" dirty="0">
+                <a:solidFill>
+                  <a:schemeClr val="bg1"/>
+                </a:solidFill>
+              </a:rPr>
+              <a:t>Steps:</a:t>
+            </a:r>
+            <a:endParaRPr lang="en-US" sz="1800" dirty="0">
+              <a:solidFill>
+                <a:schemeClr val="bg1"/>
+              </a:solidFill>
+            </a:endParaRPr>
+          </a:p>
+          <a:p>
+            <a:r>
+              <a:rPr lang="en-US" sz="1800" i="1" dirty="0">
+                <a:solidFill>
+                  <a:schemeClr val="bg1"/>
+                </a:solidFill>
+              </a:rPr>
+              <a:t>Actor actions</a:t>
+            </a:r>
+            <a:r>
+              <a:rPr lang="en-US" sz="1800" dirty="0">
+                <a:solidFill>
+                  <a:schemeClr val="bg1"/>
+                </a:solidFill>
+              </a:rPr>
+              <a:t>			</a:t>
+            </a:r>
+            <a:r>
+              <a:rPr lang="en-US" sz="1800" i="1" dirty="0" smtClean="0">
+                <a:solidFill>
+                  <a:schemeClr val="bg1"/>
+                </a:solidFill>
+              </a:rPr>
+              <a:t>System </a:t>
+            </a:r>
+            <a:r>
+              <a:rPr lang="en-US" sz="1800" i="1" dirty="0">
+                <a:solidFill>
+                  <a:schemeClr val="bg1"/>
+                </a:solidFill>
+              </a:rPr>
+              <a:t>responses</a:t>
+            </a:r>
+            <a:endParaRPr lang="en-US" sz="1800" dirty="0">
+              <a:solidFill>
+                <a:schemeClr val="bg1"/>
+              </a:solidFill>
+            </a:endParaRPr>
+          </a:p>
+          <a:p>
+            <a:r>
+              <a:rPr lang="en-US" sz="1800" dirty="0">
+                <a:solidFill>
+                  <a:schemeClr val="tx1"/>
+                </a:solidFill>
+              </a:rPr>
+              <a:t>1. Choose “Order”.		</a:t>
+            </a:r>
+            <a:r>
+              <a:rPr lang="en-US" sz="1800" dirty="0" smtClean="0">
+                <a:solidFill>
+                  <a:schemeClr val="tx1"/>
+                </a:solidFill>
+              </a:rPr>
+              <a:t>2</a:t>
+            </a:r>
+            <a:r>
+              <a:rPr lang="en-US" sz="1800" dirty="0">
+                <a:solidFill>
+                  <a:schemeClr val="tx1"/>
+                </a:solidFill>
+              </a:rPr>
+              <a:t>. Direct to order page.</a:t>
+            </a:r>
+          </a:p>
+          <a:p>
+            <a:r>
+              <a:rPr lang="en-US" sz="1800" dirty="0">
+                <a:solidFill>
+                  <a:schemeClr val="tx1"/>
+                </a:solidFill>
+              </a:rPr>
+              <a:t>3. Type in </a:t>
+            </a:r>
+            <a:r>
+              <a:rPr lang="en-US" sz="1800" dirty="0" smtClean="0">
+                <a:solidFill>
+                  <a:schemeClr val="tx1"/>
+                </a:solidFill>
+              </a:rPr>
+              <a:t>waiter’s </a:t>
+            </a:r>
+            <a:r>
+              <a:rPr lang="en-US" sz="1800" dirty="0">
+                <a:solidFill>
+                  <a:schemeClr val="tx1"/>
+                </a:solidFill>
+              </a:rPr>
+              <a:t>name and	4. Direct to menu page</a:t>
+            </a:r>
+            <a:r>
+              <a:rPr lang="en-US" sz="1800" dirty="0" smtClean="0">
+                <a:solidFill>
+                  <a:schemeClr val="tx1"/>
+                </a:solidFill>
+              </a:rPr>
+              <a:t>.</a:t>
+            </a:r>
+            <a:endParaRPr lang="en-US" sz="1800" dirty="0" smtClean="0">
+              <a:solidFill>
+                <a:schemeClr val="tx1"/>
+              </a:solidFill>
+            </a:endParaRPr>
+          </a:p>
+          <a:p>
+            <a:r>
+              <a:rPr lang="en-US" sz="1800" dirty="0">
+                <a:solidFill>
+                  <a:schemeClr val="tx1"/>
+                </a:solidFill>
+              </a:rPr>
+              <a:t> </a:t>
+            </a:r>
+            <a:r>
+              <a:rPr lang="en-US" sz="1800" dirty="0" smtClean="0">
+                <a:solidFill>
+                  <a:schemeClr val="tx1"/>
+                </a:solidFill>
+              </a:rPr>
+              <a:t>   table</a:t>
+            </a:r>
+            <a:r>
+              <a:rPr lang="en-US" sz="1800" dirty="0" smtClean="0">
+                <a:solidFill>
+                  <a:schemeClr val="tx1"/>
+                </a:solidFill>
+              </a:rPr>
+              <a:t> number, then click </a:t>
+            </a:r>
+          </a:p>
+          <a:p>
+            <a:r>
+              <a:rPr lang="en-US" sz="1800" dirty="0">
+                <a:solidFill>
+                  <a:schemeClr val="tx1"/>
+                </a:solidFill>
+              </a:rPr>
+              <a:t> </a:t>
+            </a:r>
+            <a:r>
+              <a:rPr lang="en-US" sz="1800" dirty="0" smtClean="0">
+                <a:solidFill>
+                  <a:schemeClr val="tx1"/>
+                </a:solidFill>
+              </a:rPr>
+              <a:t>   </a:t>
+            </a:r>
+            <a:r>
+              <a:rPr lang="en-US" sz="1800" dirty="0" smtClean="0">
+                <a:solidFill>
+                  <a:schemeClr val="tx1"/>
+                </a:solidFill>
+              </a:rPr>
+              <a:t>“Submit”. </a:t>
+            </a:r>
+            <a:endParaRPr lang="en-US" sz="1800" dirty="0">
+              <a:solidFill>
+                <a:schemeClr val="tx1"/>
+              </a:solidFill>
+            </a:endParaRPr>
+          </a:p>
+          <a:p>
+            <a:r>
+              <a:rPr lang="en-US" sz="1800" dirty="0">
+                <a:solidFill>
+                  <a:schemeClr val="tx1"/>
+                </a:solidFill>
+              </a:rPr>
+              <a:t>5. Click “Appetizer”, “Entrée” </a:t>
+            </a:r>
+            <a:r>
+              <a:rPr lang="en-US" sz="1800" dirty="0" smtClean="0">
+                <a:solidFill>
+                  <a:schemeClr val="tx1"/>
+                </a:solidFill>
+              </a:rPr>
+              <a:t>	</a:t>
+            </a:r>
+            <a:r>
+              <a:rPr lang="en-US" sz="1800" dirty="0">
+                <a:solidFill>
+                  <a:schemeClr val="tx1"/>
+                </a:solidFill>
+              </a:rPr>
+              <a:t>6. Prompt a list of menu</a:t>
+            </a:r>
+            <a:r>
+              <a:rPr lang="en-US" sz="1800" dirty="0" smtClean="0">
+                <a:solidFill>
+                  <a:schemeClr val="tx1"/>
+                </a:solidFill>
+              </a:rPr>
+              <a:t>.</a:t>
+            </a:r>
+          </a:p>
+          <a:p>
+            <a:r>
+              <a:rPr lang="en-US" sz="1800" dirty="0" smtClean="0">
+                <a:solidFill>
+                  <a:schemeClr val="tx1"/>
+                </a:solidFill>
+              </a:rPr>
+              <a:t>    or </a:t>
+            </a:r>
+            <a:r>
+              <a:rPr lang="en-US" sz="1800" dirty="0">
+                <a:solidFill>
+                  <a:schemeClr val="tx1"/>
+                </a:solidFill>
+              </a:rPr>
+              <a:t>“</a:t>
+            </a:r>
+            <a:r>
+              <a:rPr lang="en-US" sz="1800" dirty="0" smtClean="0">
+                <a:solidFill>
+                  <a:schemeClr val="tx1"/>
+                </a:solidFill>
+              </a:rPr>
+              <a:t>Dissert” to </a:t>
+            </a:r>
+            <a:r>
+              <a:rPr lang="en-US" sz="1800" dirty="0">
+                <a:solidFill>
+                  <a:schemeClr val="tx1"/>
+                </a:solidFill>
+              </a:rPr>
+              <a:t>order.</a:t>
+            </a:r>
+          </a:p>
+          <a:p>
+            <a:r>
+              <a:rPr lang="en-US" sz="1800" dirty="0">
+                <a:solidFill>
+                  <a:schemeClr val="tx1"/>
+                </a:solidFill>
+              </a:rPr>
+              <a:t>7. Sort the courses by hitting </a:t>
+            </a:r>
+            <a:r>
+              <a:rPr lang="en-US" sz="1800" dirty="0" smtClean="0">
+                <a:solidFill>
+                  <a:schemeClr val="tx1"/>
+                </a:solidFill>
+              </a:rPr>
+              <a:t>	8</a:t>
+            </a:r>
+            <a:r>
+              <a:rPr lang="en-US" sz="1800" dirty="0">
+                <a:solidFill>
+                  <a:schemeClr val="tx1"/>
+                </a:solidFill>
+              </a:rPr>
+              <a:t>. Display courses of the chosen the </a:t>
+            </a:r>
+          </a:p>
+          <a:p>
+            <a:r>
+              <a:rPr lang="en-US" sz="1800" dirty="0" smtClean="0">
+                <a:solidFill>
+                  <a:schemeClr val="tx1"/>
+                </a:solidFill>
+              </a:rPr>
+              <a:t>    sorting button.			    category</a:t>
+            </a:r>
+            <a:r>
+              <a:rPr lang="en-US" sz="1800" dirty="0">
+                <a:solidFill>
+                  <a:schemeClr val="tx1"/>
+                </a:solidFill>
+              </a:rPr>
+              <a:t>.</a:t>
+            </a:r>
+            <a:endParaRPr lang="en-US" sz="1800" dirty="0" smtClean="0">
+              <a:solidFill>
+                <a:schemeClr val="tx1"/>
+              </a:solidFill>
+            </a:endParaRPr>
+          </a:p>
+          <a:p>
+            <a:r>
+              <a:rPr lang="en-US" sz="1800" dirty="0" smtClean="0">
+                <a:solidFill>
+                  <a:schemeClr val="tx1"/>
+                </a:solidFill>
+              </a:rPr>
+              <a:t>9</a:t>
+            </a:r>
+            <a:r>
+              <a:rPr lang="en-US" sz="1800" dirty="0">
+                <a:solidFill>
+                  <a:schemeClr val="tx1"/>
+                </a:solidFill>
+              </a:rPr>
+              <a:t>. Check the courses and input </a:t>
+            </a:r>
+            <a:r>
+              <a:rPr lang="en-US" sz="1800" dirty="0" smtClean="0">
+                <a:solidFill>
+                  <a:schemeClr val="tx1"/>
+                </a:solidFill>
+              </a:rPr>
+              <a:t>	</a:t>
+            </a:r>
+            <a:r>
+              <a:rPr lang="en-US" sz="1800" dirty="0">
+                <a:solidFill>
+                  <a:schemeClr val="tx1"/>
+                </a:solidFill>
+              </a:rPr>
+              <a:t>10. Display the course names and the amount, click “Done” 	</a:t>
+            </a:r>
+            <a:r>
+              <a:rPr lang="en-US" sz="1800" dirty="0" smtClean="0">
+                <a:solidFill>
+                  <a:schemeClr val="tx1"/>
+                </a:solidFill>
+              </a:rPr>
+              <a:t>	    total </a:t>
+            </a:r>
+            <a:r>
+              <a:rPr lang="en-US" sz="1800" dirty="0">
+                <a:solidFill>
+                  <a:schemeClr val="tx1"/>
+                </a:solidFill>
+              </a:rPr>
+              <a:t>price</a:t>
+            </a:r>
+            <a:r>
+              <a:rPr lang="en-US" sz="1800" dirty="0" smtClean="0">
+                <a:solidFill>
+                  <a:schemeClr val="tx1"/>
+                </a:solidFill>
+              </a:rPr>
+              <a:t>. </a:t>
+            </a:r>
+            <a:r>
+              <a:rPr lang="en-US" sz="1800" dirty="0">
+                <a:solidFill>
+                  <a:schemeClr val="tx1"/>
+                </a:solidFill>
+              </a:rPr>
+              <a:t>Display “Next” button</a:t>
+            </a:r>
+            <a:r>
+              <a:rPr lang="en-US" sz="1800" dirty="0" smtClean="0">
+                <a:solidFill>
+                  <a:schemeClr val="tx1"/>
+                </a:solidFill>
+              </a:rPr>
+              <a:t>,</a:t>
+            </a:r>
+          </a:p>
+          <a:p>
+            <a:r>
+              <a:rPr lang="en-US" sz="1800" dirty="0" smtClean="0">
+                <a:solidFill>
+                  <a:schemeClr val="tx1"/>
+                </a:solidFill>
+              </a:rPr>
+              <a:t>when </a:t>
+            </a:r>
+            <a:r>
+              <a:rPr lang="en-US" sz="1800" dirty="0">
+                <a:solidFill>
+                  <a:schemeClr val="tx1"/>
+                </a:solidFill>
+              </a:rPr>
+              <a:t>the order is completed.	</a:t>
+            </a:r>
+            <a:r>
+              <a:rPr lang="en-US" sz="1800" dirty="0" smtClean="0">
+                <a:solidFill>
+                  <a:schemeClr val="tx1"/>
+                </a:solidFill>
+              </a:rPr>
+              <a:t>    if </a:t>
+            </a:r>
+            <a:r>
+              <a:rPr lang="en-US" sz="1800" dirty="0">
+                <a:solidFill>
+                  <a:schemeClr val="tx1"/>
+                </a:solidFill>
+              </a:rPr>
+              <a:t>any other guests </a:t>
+            </a:r>
+            <a:r>
+              <a:rPr lang="en-US" sz="1800" dirty="0" smtClean="0">
+                <a:solidFill>
+                  <a:schemeClr val="tx1"/>
+                </a:solidFill>
+              </a:rPr>
+              <a:t>need to </a:t>
+            </a:r>
+            <a:r>
+              <a:rPr lang="en-US" sz="1800" dirty="0">
+                <a:solidFill>
+                  <a:schemeClr val="tx1"/>
+                </a:solidFill>
+              </a:rPr>
+              <a:t>order, </a:t>
+            </a:r>
+            <a:r>
+              <a:rPr lang="en-US" sz="1800" dirty="0" smtClean="0">
+                <a:solidFill>
+                  <a:schemeClr val="tx1"/>
+                </a:solidFill>
+              </a:rPr>
+              <a:t>				    then </a:t>
+            </a:r>
+            <a:r>
+              <a:rPr lang="en-US" sz="1800" dirty="0">
+                <a:solidFill>
+                  <a:schemeClr val="tx1"/>
+                </a:solidFill>
+              </a:rPr>
+              <a:t>go to step 2. Otherwise, </a:t>
+            </a:r>
+            <a:r>
+              <a:rPr lang="en-US" sz="1800" dirty="0" smtClean="0">
+                <a:solidFill>
+                  <a:schemeClr val="tx1"/>
+                </a:solidFill>
+              </a:rPr>
+              <a:t>					    display a </a:t>
+            </a:r>
+            <a:r>
+              <a:rPr lang="en-US" sz="1800" dirty="0">
+                <a:solidFill>
+                  <a:schemeClr val="tx1"/>
+                </a:solidFill>
+              </a:rPr>
+              <a:t>textbox for table number </a:t>
+            </a:r>
+            <a:r>
+              <a:rPr lang="en-US" sz="1800" dirty="0" smtClean="0">
+                <a:solidFill>
+                  <a:schemeClr val="tx1"/>
+                </a:solidFill>
+              </a:rPr>
+              <a:t>				    and </a:t>
+            </a:r>
+            <a:r>
+              <a:rPr lang="en-US" sz="1800" dirty="0">
+                <a:solidFill>
+                  <a:schemeClr val="tx1"/>
+                </a:solidFill>
+              </a:rPr>
+              <a:t>a “Print” button.</a:t>
+            </a:r>
+          </a:p>
+          <a:p>
+            <a:r>
+              <a:rPr lang="en-US" sz="1800" dirty="0">
+                <a:solidFill>
+                  <a:schemeClr val="tx1"/>
+                </a:solidFill>
+              </a:rPr>
+              <a:t>11. Type in table number, click </a:t>
+            </a:r>
+            <a:r>
+              <a:rPr lang="en-US" sz="1800" dirty="0" smtClean="0">
+                <a:solidFill>
+                  <a:schemeClr val="tx1"/>
+                </a:solidFill>
+              </a:rPr>
+              <a:t>	</a:t>
+            </a:r>
+            <a:r>
+              <a:rPr lang="en-US" sz="1800" dirty="0">
+                <a:solidFill>
+                  <a:schemeClr val="tx1"/>
+                </a:solidFill>
+              </a:rPr>
+              <a:t>12. Print out an order summary of </a:t>
+            </a:r>
+          </a:p>
+          <a:p>
+            <a:r>
+              <a:rPr lang="en-US" sz="1800" dirty="0" smtClean="0">
+                <a:solidFill>
+                  <a:schemeClr val="tx1"/>
+                </a:solidFill>
+              </a:rPr>
+              <a:t>    “</a:t>
+            </a:r>
+            <a:r>
+              <a:rPr lang="en-US" sz="1800" dirty="0">
+                <a:solidFill>
+                  <a:schemeClr val="tx1"/>
+                </a:solidFill>
+              </a:rPr>
+              <a:t>Print”. </a:t>
+            </a:r>
+            <a:r>
+              <a:rPr lang="en-US" sz="1800" dirty="0" smtClean="0">
+                <a:solidFill>
+                  <a:schemeClr val="tx1"/>
+                </a:solidFill>
+              </a:rPr>
+              <a:t>			    this </a:t>
+            </a:r>
+            <a:r>
+              <a:rPr lang="en-US" sz="1800" dirty="0">
+                <a:solidFill>
+                  <a:schemeClr val="tx1"/>
+                </a:solidFill>
+              </a:rPr>
+              <a:t>table.</a:t>
+            </a:r>
+          </a:p>
+          <a:p>
+            <a:endParaRPr lang="en-US" sz="1800" dirty="0" smtClean="0">
+              <a:solidFill>
+                <a:schemeClr val="tx1"/>
+              </a:solidFill>
+            </a:endParaRPr>
+          </a:p>
+          <a:p>
+            <a:r>
+              <a:rPr lang="en-US" sz="1800" dirty="0">
+                <a:solidFill>
+                  <a:schemeClr val="tx1"/>
+                </a:solidFill>
+              </a:rPr>
+              <a:t>		</a:t>
+            </a:r>
+          </a:p>
+        </p:txBody>
+      </p:sp>
+    </p:spTree>
+    <p:extLst>
+      <p:ext uri="{BB962C8B-B14F-4D97-AF65-F5344CB8AC3E}">
+        <p14:creationId xmlns:p14="http://schemas.microsoft.com/office/powerpoint/2010/main" val="1100892353"/>
+      </p:ext>
+    </p:extLst>
+  </p:cSld>
+  <p:clrMapOvr>
+    <a:masterClrMapping/>
+  </p:clrMapOvr>
+  <p:timing>
+    <p:tnLst>
+      <p:par>
+        <p:cTn id="1" dur="indefinite" restart="never" nodeType="tmRoot"/>
+      </p:par>
+    </p:tnLst>
+  </p:timing>
+</p:sld>
+</file>
+
+<file path=ppt/slides/slide17.xml><?xml version="1.0" encoding="utf-8"?>
 <p:sld xmlns:a="http://schemas.openxmlformats.org/drawingml/2006/main" xmlns:r="http://schemas.openxmlformats.org/officeDocument/2006/relationships" xmlns:p="http://schemas.openxmlformats.org/presentationml/2006/main">
   <p:cSld>
     <p:spTree>
@@ -5064,7 +7515,7 @@
     </p:spTree>
     <p:extLst>
       <p:ext uri="{BB962C8B-B14F-4D97-AF65-F5344CB8AC3E}">
-        <p14:creationId xmlns:p14="http://schemas.microsoft.com/office/powerpoint/2010/main" xmlns="" val="1396403314"/>
+        <p14:creationId xmlns:p14="http://schemas.microsoft.com/office/powerpoint/2010/main" val="1396403314"/>
       </p:ext>
     </p:extLst>
   </p:cSld>
@@ -5074,7 +7525,7 @@
 </p:sld>
 </file>
 
-<file path=ppt/slides/slide12.xml><?xml version="1.0" encoding="utf-8"?>
+<file path=ppt/slides/slide18.xml><?xml version="1.0" encoding="utf-8"?>
 <p:sld xmlns:a="http://schemas.openxmlformats.org/drawingml/2006/main" xmlns:r="http://schemas.openxmlformats.org/officeDocument/2006/relationships" xmlns:p="http://schemas.openxmlformats.org/presentationml/2006/main">
   <p:cSld>
     <p:spTree>
@@ -5530,13 +7981,74 @@
     </p:spTree>
     <p:extLst>
       <p:ext uri="{BB962C8B-B14F-4D97-AF65-F5344CB8AC3E}">
-        <p14:creationId xmlns:p14="http://schemas.microsoft.com/office/powerpoint/2010/main" xmlns="" val="2871933422"/>
+        <p14:creationId xmlns:p14="http://schemas.microsoft.com/office/powerpoint/2010/main" val="2871933422"/>
       </p:ext>
     </p:extLst>
   </p:cSld>
   <p:clrMapOvr>
     <a:masterClrMapping/>
   </p:clrMapOvr>
+</p:sld>
+</file>
+
+<file path=ppt/slides/slide19.xml><?xml version="1.0" encoding="utf-8"?>
+<p:sld xmlns:a="http://schemas.openxmlformats.org/drawingml/2006/main" xmlns:r="http://schemas.openxmlformats.org/officeDocument/2006/relationships" xmlns:p="http://schemas.openxmlformats.org/presentationml/2006/main">
+  <p:cSld>
+    <p:spTree>
+      <p:nvGrpSpPr>
+        <p:cNvPr id="1" name=""/>
+        <p:cNvGrpSpPr/>
+        <p:nvPr/>
+      </p:nvGrpSpPr>
+      <p:grpSpPr>
+        <a:xfrm>
+          <a:off x="0" y="0"/>
+          <a:ext cx="0" cy="0"/>
+          <a:chOff x="0" y="0"/>
+          <a:chExt cx="0" cy="0"/>
+        </a:xfrm>
+      </p:grpSpPr>
+      <p:sp>
+        <p:nvSpPr>
+          <p:cNvPr id="2" name="Text Placeholder 1"/>
+          <p:cNvSpPr>
+            <a:spLocks noGrp="1"/>
+          </p:cNvSpPr>
+          <p:nvPr>
+            <p:ph type="body" idx="1"/>
+          </p:nvPr>
+        </p:nvSpPr>
+        <p:spPr>
+          <a:xfrm>
+            <a:off x="914400" y="1276350"/>
+            <a:ext cx="7772400" cy="3598192"/>
+          </a:xfrm>
+        </p:spPr>
+        <p:txBody>
+          <a:bodyPr/>
+          <a:lstStyle/>
+          <a:p>
+            <a:endParaRPr lang="en-US" dirty="0"/>
+          </a:p>
+        </p:txBody>
+      </p:sp>
+    </p:spTree>
+    <p:extLst>
+      <p:ext uri="{BB962C8B-B14F-4D97-AF65-F5344CB8AC3E}">
+        <p14:creationId xmlns:p14="http://schemas.microsoft.com/office/powerpoint/2010/main" val="777232676"/>
+      </p:ext>
+    </p:extLst>
+  </p:cSld>
+  <p:clrMapOvr>
+    <a:masterClrMapping/>
+  </p:clrMapOvr>
+  <p:timing>
+    <p:tnLst>
+      <p:par>
+        <p:cTn id="1" dur="indefinite" restart="never" nodeType="tmRoot"/>
+      </p:par>
+    </p:tnLst>
+  </p:timing>
 </p:sld>
 </file>
 
@@ -6367,6 +8879,11 @@
         </p:txBody>
       </p:sp>
     </p:spTree>
+    <p:extLst>
+      <p:ext uri="{BB962C8B-B14F-4D97-AF65-F5344CB8AC3E}">
+        <p14:creationId xmlns:p14="http://schemas.microsoft.com/office/powerpoint/2010/main" val="1128754518"/>
+      </p:ext>
+    </p:extLst>
   </p:cSld>
   <p:clrMapOvr>
     <a:masterClrMapping/>
@@ -6718,6 +9235,13 @@
   <p:transition spd="slow">
     <p:cut/>
   </p:transition>
+  <p:timing>
+    <p:tnLst>
+      <p:par>
+        <p:cTn id="1" dur="indefinite" restart="never" nodeType="tmRoot"/>
+      </p:par>
+    </p:tnLst>
+  </p:timing>
 </p:sld>
 </file>
 
@@ -6781,7 +9305,7 @@
           <a:blip r:embed="rId2">
             <a:extLst>
               <a:ext uri="{28A0092B-C50C-407E-A947-70E740481C1C}">
-                <a14:useLocalDpi xmlns:a14="http://schemas.microsoft.com/office/drawing/2010/main" xmlns="" val="0"/>
+                <a14:useLocalDpi xmlns:a14="http://schemas.microsoft.com/office/drawing/2010/main" val="0"/>
               </a:ext>
             </a:extLst>
           </a:blip>
@@ -6811,7 +9335,7 @@
           <a:blip r:embed="rId3">
             <a:extLst>
               <a:ext uri="{28A0092B-C50C-407E-A947-70E740481C1C}">
-                <a14:useLocalDpi xmlns:a14="http://schemas.microsoft.com/office/drawing/2010/main" xmlns="" val="0"/>
+                <a14:useLocalDpi xmlns:a14="http://schemas.microsoft.com/office/drawing/2010/main" val="0"/>
               </a:ext>
             </a:extLst>
           </a:blip>
@@ -6832,13 +9356,20 @@
     </p:spTree>
     <p:extLst>
       <p:ext uri="{BB962C8B-B14F-4D97-AF65-F5344CB8AC3E}">
-        <p14:creationId xmlns:p14="http://schemas.microsoft.com/office/powerpoint/2010/main" xmlns="" val="734684643"/>
+        <p14:creationId xmlns:p14="http://schemas.microsoft.com/office/powerpoint/2010/main" val="734684643"/>
       </p:ext>
     </p:extLst>
   </p:cSld>
   <p:clrMapOvr>
     <a:masterClrMapping/>
   </p:clrMapOvr>
+  <p:timing>
+    <p:tnLst>
+      <p:par>
+        <p:cTn id="1" dur="indefinite" restart="never" nodeType="tmRoot"/>
+      </p:par>
+    </p:tnLst>
+  </p:timing>
 </p:sld>
 </file>
 
@@ -6847,7 +9378,7 @@
   <p:cSld>
     <p:spTree>
       <p:nvGrpSpPr>
-        <p:cNvPr id="1" name=""/>
+        <p:cNvPr id="1" name="Shape 58"/>
         <p:cNvGrpSpPr/>
         <p:nvPr/>
       </p:nvGrpSpPr>
@@ -6861,8 +9392,8 @@
       </p:grpSpPr>
       <p:sp>
         <p:nvSpPr>
-          <p:cNvPr id="2" name="Text Placeholder 1"/>
-          <p:cNvSpPr>
+          <p:cNvPr id="59" name="Shape 59"/>
+          <p:cNvSpPr txBox="1">
             <a:spLocks noGrp="1"/>
           </p:cNvSpPr>
           <p:nvPr>
@@ -6871,131 +9402,179 @@
         </p:nvSpPr>
         <p:spPr>
           <a:xfrm>
-            <a:off x="914400" y="1200150"/>
-            <a:ext cx="7772400" cy="3630300"/>
+            <a:off x="979200" y="1244250"/>
+            <a:ext cx="7783800" cy="3453223"/>
           </a:xfrm>
+          <a:prstGeom prst="rect">
+            <a:avLst/>
+          </a:prstGeom>
         </p:spPr>
         <p:txBody>
-          <a:bodyPr/>
+          <a:bodyPr wrap="square" lIns="91425" tIns="91425" rIns="91425" bIns="91425" anchor="t" anchorCtr="0">
+            <a:spAutoFit/>
+          </a:bodyPr>
           <a:lstStyle/>
           <a:p>
-            <a:pPr marL="342900" indent="-342900">
+            <a:pPr marL="457200" lvl="0" indent="-381000" rtl="0">
               <a:lnSpc>
-                <a:spcPct val="150000"/>
+                <a:spcPct val="115000"/>
+              </a:lnSpc>
+              <a:spcBef>
+                <a:spcPts val="0"/>
+              </a:spcBef>
+              <a:buClr>
+                <a:srgbClr val="FFFFFF"/>
+              </a:buClr>
+              <a:buSzPct val="100000"/>
+              <a:buFont typeface="Arial"/>
+              <a:buChar char="●"/>
+            </a:pPr>
+            <a:r>
+              <a:rPr lang="en" sz="2400" dirty="0">
+                <a:solidFill>
+                  <a:schemeClr val="lt1"/>
+                </a:solidFill>
+              </a:rPr>
+              <a:t>Actor: </a:t>
+            </a:r>
+            <a:r>
+              <a:rPr lang="en" sz="2400" dirty="0">
+                <a:solidFill>
+                  <a:schemeClr val="dk1"/>
+                </a:solidFill>
+              </a:rPr>
+              <a:t>Receptionist</a:t>
+            </a:r>
+          </a:p>
+          <a:p>
+            <a:pPr marL="457200" lvl="0" indent="-381000" rtl="0">
+              <a:lnSpc>
+                <a:spcPct val="115000"/>
+              </a:lnSpc>
+              <a:spcBef>
+                <a:spcPts val="0"/>
+              </a:spcBef>
+              <a:buClr>
+                <a:srgbClr val="FFFFFF"/>
+              </a:buClr>
+              <a:buSzPct val="100000"/>
+              <a:buFont typeface="Arial"/>
+              <a:buChar char="●"/>
+            </a:pPr>
+            <a:r>
+              <a:rPr lang="en" sz="2400" dirty="0">
+                <a:solidFill>
+                  <a:schemeClr val="lt1"/>
+                </a:solidFill>
+              </a:rPr>
+              <a:t>Goals: </a:t>
+            </a:r>
+            <a:r>
+              <a:rPr lang="en" sz="2400" dirty="0" smtClean="0">
+                <a:solidFill>
+                  <a:schemeClr val="dk1"/>
+                </a:solidFill>
+              </a:rPr>
+              <a:t>Assign an available waiter and seat to customer.</a:t>
+            </a:r>
+          </a:p>
+          <a:p>
+            <a:pPr marL="457200" lvl="0" indent="-381000" rtl="0">
+              <a:lnSpc>
+                <a:spcPct val="115000"/>
+              </a:lnSpc>
+              <a:spcBef>
+                <a:spcPts val="0"/>
+              </a:spcBef>
+              <a:buClr>
+                <a:srgbClr val="FFFFFF"/>
+              </a:buClr>
+              <a:buSzPct val="100000"/>
+              <a:buFont typeface="Arial"/>
+              <a:buChar char="●"/>
+            </a:pPr>
+            <a:r>
+              <a:rPr lang="en" sz="2400" dirty="0" smtClean="0">
+                <a:solidFill>
+                  <a:schemeClr val="lt1"/>
+                </a:solidFill>
+              </a:rPr>
+              <a:t>Preconditions: </a:t>
+            </a:r>
+            <a:r>
+              <a:rPr lang="en-US" sz="2400" dirty="0">
+                <a:solidFill>
+                  <a:schemeClr val="dk1"/>
+                </a:solidFill>
+              </a:rPr>
+              <a:t>The receptionist must have the basic information of the </a:t>
+            </a:r>
+            <a:r>
+              <a:rPr lang="en-US" sz="2400" dirty="0">
+                <a:solidFill>
+                  <a:schemeClr val="dk1"/>
+                </a:solidFill>
+              </a:rPr>
+              <a:t>customer.</a:t>
+            </a:r>
+            <a:endParaRPr lang="en" sz="2400" dirty="0">
+              <a:solidFill>
+                <a:schemeClr val="dk1"/>
+              </a:solidFill>
+            </a:endParaRPr>
+          </a:p>
+          <a:p>
+            <a:pPr marL="457200" lvl="0" indent="-381000">
+              <a:lnSpc>
+                <a:spcPct val="115000"/>
               </a:lnSpc>
               <a:buClr>
-                <a:schemeClr val="bg1"/>
+                <a:srgbClr val="FFFFFF"/>
               </a:buClr>
-              <a:buFont typeface="Arial" panose="020B0604020202020204" pitchFamily="34" charset="0"/>
-              <a:buChar char="•"/>
+              <a:buFont typeface="Arial"/>
+              <a:buChar char="●"/>
             </a:pPr>
             <a:r>
-              <a:rPr lang="en-US" sz="2400" dirty="0">
-                <a:solidFill>
-                  <a:schemeClr val="bg1"/>
-                </a:solidFill>
-              </a:rPr>
-              <a:t>Actors:</a:t>
-            </a:r>
-            <a:r>
-              <a:rPr lang="en-US" sz="2400" dirty="0">
-                <a:solidFill>
-                  <a:schemeClr val="dk1"/>
-                </a:solidFill>
-              </a:rPr>
-              <a:t> Waiter</a:t>
-            </a:r>
-          </a:p>
-          <a:p>
-            <a:pPr marL="342900" indent="-342900">
-              <a:lnSpc>
-                <a:spcPct val="150000"/>
-              </a:lnSpc>
-              <a:buClr>
-                <a:schemeClr val="bg1"/>
-              </a:buClr>
-              <a:buFont typeface="Arial" panose="020B0604020202020204" pitchFamily="34" charset="0"/>
-              <a:buChar char="•"/>
+              <a:rPr lang="en" sz="2400" dirty="0" smtClean="0">
+                <a:solidFill>
+                  <a:schemeClr val="lt1"/>
+                </a:solidFill>
+              </a:rPr>
+              <a:t>Summary: </a:t>
+            </a:r>
+            <a:r>
+              <a:rPr lang="en-US" sz="1600" dirty="0">
+                <a:solidFill>
+                  <a:schemeClr val="tx1"/>
+                </a:solidFill>
+              </a:rPr>
+              <a:t>When a certain customer comes to the front desk, receptionist needs to get basic information of this customer and use this software to find out an available seat and waiter to serve.</a:t>
+            </a:r>
+            <a:endParaRPr lang="en" sz="1600" dirty="0">
+              <a:solidFill>
+                <a:schemeClr val="tx1"/>
+              </a:solidFill>
+            </a:endParaRPr>
+          </a:p>
+          <a:p>
+            <a:pPr>
+              <a:spcBef>
+                <a:spcPts val="0"/>
+              </a:spcBef>
+              <a:buNone/>
             </a:pPr>
-            <a:r>
-              <a:rPr lang="en-US" sz="2400" dirty="0">
-                <a:solidFill>
-                  <a:schemeClr val="bg1"/>
-                </a:solidFill>
-              </a:rPr>
-              <a:t>Goals:</a:t>
-            </a:r>
-            <a:r>
-              <a:rPr lang="en-US" sz="2400" dirty="0">
-                <a:solidFill>
-                  <a:schemeClr val="dk1"/>
-                </a:solidFill>
-              </a:rPr>
-              <a:t> To make an order</a:t>
-            </a:r>
-          </a:p>
-          <a:p>
-            <a:pPr marL="342900" indent="-342900">
-              <a:lnSpc>
-                <a:spcPct val="150000"/>
-              </a:lnSpc>
-              <a:buClr>
-                <a:schemeClr val="bg1"/>
-              </a:buClr>
-              <a:buFont typeface="Arial" panose="020B0604020202020204" pitchFamily="34" charset="0"/>
-              <a:buChar char="•"/>
-            </a:pPr>
-            <a:r>
-              <a:rPr lang="en-US" sz="2400" dirty="0">
-                <a:solidFill>
-                  <a:schemeClr val="bg1"/>
-                </a:solidFill>
-              </a:rPr>
-              <a:t>Preconditions:</a:t>
-            </a:r>
-            <a:r>
-              <a:rPr lang="en-US" sz="2400" dirty="0">
-                <a:solidFill>
-                  <a:schemeClr val="dk1"/>
-                </a:solidFill>
-              </a:rPr>
-              <a:t> Guests must have checked in successfully</a:t>
-            </a:r>
-          </a:p>
-          <a:p>
-            <a:pPr marL="342900" indent="-342900">
-              <a:lnSpc>
-                <a:spcPct val="150000"/>
-              </a:lnSpc>
-              <a:buClr>
-                <a:schemeClr val="bg1"/>
-              </a:buClr>
-              <a:buFont typeface="Arial" panose="020B0604020202020204" pitchFamily="34" charset="0"/>
-              <a:buChar char="•"/>
-            </a:pPr>
-            <a:r>
-              <a:rPr lang="en-US" sz="2400" dirty="0">
-                <a:solidFill>
-                  <a:schemeClr val="bg1"/>
-                </a:solidFill>
-              </a:rPr>
-              <a:t>Summary:</a:t>
-            </a:r>
-            <a:r>
-              <a:rPr lang="en-US" sz="2400" dirty="0">
-                <a:solidFill>
-                  <a:schemeClr val="dk1"/>
-                </a:solidFill>
-              </a:rPr>
-              <a:t> Price will prompt up and total will be computed after each guest has finished an order</a:t>
-            </a:r>
+            <a:endParaRPr sz="1000" dirty="0">
+              <a:solidFill>
+                <a:schemeClr val="tx1"/>
+              </a:solidFill>
+            </a:endParaRPr>
           </a:p>
         </p:txBody>
       </p:sp>
       <p:sp>
         <p:nvSpPr>
-          <p:cNvPr id="3" name="Title 2"/>
-          <p:cNvSpPr>
+          <p:cNvPr id="60" name="Shape 60"/>
+          <p:cNvSpPr txBox="1">
             <a:spLocks noGrp="1"/>
           </p:cNvSpPr>
           <p:nvPr>
@@ -7004,25 +9583,44 @@
         </p:nvSpPr>
         <p:spPr>
           <a:xfrm>
-            <a:off x="914400" y="205978"/>
-            <a:ext cx="7772400" cy="994200"/>
+            <a:off x="979175" y="399986"/>
+            <a:ext cx="7707600" cy="800189"/>
           </a:xfrm>
+          <a:prstGeom prst="rect">
+            <a:avLst/>
+          </a:prstGeom>
         </p:spPr>
         <p:txBody>
-          <a:bodyPr/>
+          <a:bodyPr lIns="91425" tIns="91425" rIns="91425" bIns="91425" anchor="b" anchorCtr="0">
+            <a:spAutoFit/>
+          </a:bodyPr>
           <a:lstStyle/>
           <a:p>
-            <a:r>
-              <a:rPr lang="en-US" dirty="0" smtClean="0">
-                <a:solidFill>
-                  <a:schemeClr val="bg1"/>
-                </a:solidFill>
-              </a:rPr>
-              <a:t>Use Case: Make An Order</a:t>
-            </a:r>
-            <a:endParaRPr lang="en-US" dirty="0">
+            <a:pPr>
+              <a:spcBef>
+                <a:spcPts val="0"/>
+              </a:spcBef>
+              <a:buNone/>
+            </a:pPr>
+            <a:r>
+              <a:rPr lang="en" dirty="0">
+                <a:solidFill>
+                  <a:schemeClr val="lt1"/>
+                </a:solidFill>
+              </a:rPr>
+              <a:t>Use Case: </a:t>
+            </a:r>
+            <a:r>
+              <a:rPr lang="en-US" altLang="zh-CN" dirty="0" smtClean="0">
+                <a:solidFill>
+                  <a:schemeClr val="lt1"/>
+                </a:solidFill>
+              </a:rPr>
+              <a:t>Check In</a:t>
+            </a:r>
+            <a:endParaRPr lang="en" dirty="0">
               <a:solidFill>
-                <a:schemeClr val="bg1"/>
+                <a:schemeClr val="dk1"/>
               </a:solidFill>
             </a:endParaRPr>
           </a:p>
@@ -7031,13 +9629,16 @@
     </p:spTree>
     <p:extLst>
       <p:ext uri="{BB962C8B-B14F-4D97-AF65-F5344CB8AC3E}">
-        <p14:creationId xmlns:p14="http://schemas.microsoft.com/office/powerpoint/2010/main" xmlns="" val="2259188037"/>
+        <p14:creationId xmlns:p14="http://schemas.microsoft.com/office/powerpoint/2010/main" val="3009246632"/>
       </p:ext>
     </p:extLst>
   </p:cSld>
   <p:clrMapOvr>
     <a:masterClrMapping/>
   </p:clrMapOvr>
+  <p:transition spd="slow">
+    <p:cut/>
+  </p:transition>
 </p:sld>
 </file>
 
@@ -7046,7 +9647,7 @@
   <p:cSld>
     <p:spTree>
       <p:nvGrpSpPr>
-        <p:cNvPr id="1" name=""/>
+        <p:cNvPr id="1" name="Shape 64"/>
         <p:cNvGrpSpPr/>
         <p:nvPr/>
       </p:nvGrpSpPr>
@@ -7060,8 +9661,8 @@
       </p:grpSpPr>
       <p:sp>
         <p:nvSpPr>
-          <p:cNvPr id="2" name="Text Placeholder 1"/>
-          <p:cNvSpPr>
+          <p:cNvPr id="65" name="Shape 65"/>
+          <p:cNvSpPr txBox="1">
             <a:spLocks noGrp="1"/>
           </p:cNvSpPr>
           <p:nvPr>
@@ -7071,553 +9672,176 @@
         <p:spPr>
           <a:xfrm>
             <a:off x="914400" y="133350"/>
-            <a:ext cx="7772400" cy="5010150"/>
+            <a:ext cx="7391549" cy="2252894"/>
           </a:xfrm>
+          <a:prstGeom prst="rect">
+            <a:avLst/>
+          </a:prstGeom>
         </p:spPr>
         <p:txBody>
-          <a:bodyPr/>
+          <a:bodyPr wrap="square" lIns="91425" tIns="91425" rIns="91425" bIns="91425" anchor="t" anchorCtr="0">
+            <a:spAutoFit/>
+          </a:bodyPr>
           <a:lstStyle/>
           <a:p>
-            <a:pPr marL="285750" indent="-285750">
+            <a:pPr marL="457200" lvl="0" indent="-381000" rtl="0">
+              <a:lnSpc>
+                <a:spcPct val="115000"/>
+              </a:lnSpc>
+              <a:spcBef>
+                <a:spcPts val="0"/>
+              </a:spcBef>
               <a:buClr>
-                <a:schemeClr val="bg1"/>
+                <a:schemeClr val="lt1"/>
               </a:buClr>
-              <a:buFont typeface="Arial" panose="020B0604020202020204" pitchFamily="34" charset="0"/>
-              <a:buChar char="•"/>
+              <a:buSzPct val="100000"/>
+              <a:buFont typeface="Arial"/>
+              <a:buChar char="●"/>
             </a:pPr>
             <a:r>
-              <a:rPr lang="en-US" sz="1800" b="1" dirty="0">
-                <a:solidFill>
-                  <a:schemeClr val="bg1"/>
+              <a:rPr lang="en" sz="2400" dirty="0">
+                <a:solidFill>
+                  <a:schemeClr val="lt1"/>
                 </a:solidFill>
               </a:rPr>
               <a:t>Steps:</a:t>
             </a:r>
-            <a:endParaRPr lang="en-US" sz="1800" dirty="0">
+          </a:p>
+          <a:p>
+            <a:pPr marL="0" indent="0" rtl="0">
+              <a:lnSpc>
+                <a:spcPct val="115000"/>
+              </a:lnSpc>
+              <a:spcBef>
+                <a:spcPts val="0"/>
+              </a:spcBef>
+              <a:buNone/>
+            </a:pPr>
+            <a:endParaRPr lang="en" sz="2400" dirty="0">
               <a:solidFill>
-                <a:schemeClr val="bg1"/>
+                <a:schemeClr val="dk1"/>
               </a:solidFill>
             </a:endParaRPr>
           </a:p>
           <a:p>
-            <a:r>
-              <a:rPr lang="en-US" sz="1800" i="1" dirty="0">
-                <a:solidFill>
-                  <a:schemeClr val="bg1"/>
-                </a:solidFill>
-              </a:rPr>
-              <a:t>Actor actions</a:t>
-            </a:r>
-            <a:r>
-              <a:rPr lang="en-US" sz="1800" dirty="0">
-                <a:solidFill>
-                  <a:schemeClr val="bg1"/>
-                </a:solidFill>
-              </a:rPr>
-              <a:t>			</a:t>
-            </a:r>
-            <a:r>
-              <a:rPr lang="en-US" sz="1800" i="1" dirty="0" smtClean="0">
-                <a:solidFill>
-                  <a:schemeClr val="bg1"/>
-                </a:solidFill>
-              </a:rPr>
-              <a:t>System </a:t>
-            </a:r>
-            <a:r>
-              <a:rPr lang="en-US" sz="1800" i="1" dirty="0">
-                <a:solidFill>
-                  <a:schemeClr val="bg1"/>
-                </a:solidFill>
-              </a:rPr>
-              <a:t>responses</a:t>
-            </a:r>
-            <a:endParaRPr lang="en-US" sz="1800" dirty="0">
+            <a:pPr marL="0" indent="0" rtl="0">
+              <a:lnSpc>
+                <a:spcPct val="115000"/>
+              </a:lnSpc>
+              <a:spcBef>
+                <a:spcPts val="0"/>
+              </a:spcBef>
+              <a:buNone/>
+            </a:pPr>
+            <a:endParaRPr sz="2400" dirty="0">
               <a:solidFill>
-                <a:schemeClr val="bg1"/>
+                <a:schemeClr val="dk1"/>
               </a:solidFill>
             </a:endParaRPr>
           </a:p>
           <a:p>
-            <a:r>
-              <a:rPr lang="en-US" sz="1800" dirty="0">
-                <a:solidFill>
-                  <a:schemeClr val="tx1"/>
-                </a:solidFill>
-              </a:rPr>
-              <a:t>1. Choose “Order”.		</a:t>
-            </a:r>
-            <a:r>
-              <a:rPr lang="en-US" sz="1800" dirty="0" smtClean="0">
-                <a:solidFill>
-                  <a:schemeClr val="tx1"/>
-                </a:solidFill>
-              </a:rPr>
-              <a:t>2</a:t>
-            </a:r>
-            <a:r>
-              <a:rPr lang="en-US" sz="1800" dirty="0">
-                <a:solidFill>
-                  <a:schemeClr val="tx1"/>
-                </a:solidFill>
-              </a:rPr>
-              <a:t>. Direct to order page.</a:t>
-            </a:r>
-          </a:p>
-          <a:p>
-            <a:r>
-              <a:rPr lang="en-US" sz="1800" dirty="0">
-                <a:solidFill>
-                  <a:schemeClr val="tx1"/>
-                </a:solidFill>
-              </a:rPr>
-              <a:t>3. Type in guests’ number to </a:t>
-            </a:r>
-            <a:r>
-              <a:rPr lang="en-US" sz="1800" dirty="0" smtClean="0">
-                <a:solidFill>
-                  <a:schemeClr val="tx1"/>
-                </a:solidFill>
-              </a:rPr>
-              <a:t>	</a:t>
-            </a:r>
-            <a:r>
-              <a:rPr lang="en-US" sz="1800" dirty="0">
-                <a:solidFill>
-                  <a:schemeClr val="tx1"/>
-                </a:solidFill>
-              </a:rPr>
-              <a:t>4. Direct to menu page</a:t>
-            </a:r>
-            <a:r>
-              <a:rPr lang="en-US" sz="1800" dirty="0" smtClean="0">
-                <a:solidFill>
-                  <a:schemeClr val="tx1"/>
-                </a:solidFill>
-              </a:rPr>
-              <a:t>.</a:t>
-            </a:r>
-          </a:p>
-          <a:p>
-            <a:r>
-              <a:rPr lang="en-US" sz="1800" dirty="0">
-                <a:solidFill>
-                  <a:schemeClr val="tx1"/>
-                </a:solidFill>
-              </a:rPr>
-              <a:t> </a:t>
-            </a:r>
-            <a:r>
-              <a:rPr lang="en-US" sz="1800" dirty="0" smtClean="0">
-                <a:solidFill>
-                  <a:schemeClr val="tx1"/>
-                </a:solidFill>
-              </a:rPr>
-              <a:t>   initialize </a:t>
-            </a:r>
-            <a:r>
-              <a:rPr lang="en-US" sz="1800" dirty="0">
-                <a:solidFill>
-                  <a:schemeClr val="tx1"/>
-                </a:solidFill>
-              </a:rPr>
-              <a:t>the </a:t>
-            </a:r>
-            <a:r>
-              <a:rPr lang="en-US" sz="1800" dirty="0" smtClean="0">
-                <a:solidFill>
-                  <a:schemeClr val="tx1"/>
-                </a:solidFill>
-              </a:rPr>
-              <a:t>order </a:t>
-            </a:r>
-            <a:r>
-              <a:rPr lang="en-US" sz="1800" dirty="0">
-                <a:solidFill>
-                  <a:schemeClr val="tx1"/>
-                </a:solidFill>
-              </a:rPr>
-              <a:t>page. </a:t>
-            </a:r>
-          </a:p>
-          <a:p>
-            <a:r>
-              <a:rPr lang="en-US" sz="1800" dirty="0">
-                <a:solidFill>
-                  <a:schemeClr val="tx1"/>
-                </a:solidFill>
-              </a:rPr>
-              <a:t>5. Click “Appetizer”, “Entrée” </a:t>
-            </a:r>
-            <a:r>
-              <a:rPr lang="en-US" sz="1800" dirty="0" smtClean="0">
-                <a:solidFill>
-                  <a:schemeClr val="tx1"/>
-                </a:solidFill>
-              </a:rPr>
-              <a:t>	</a:t>
-            </a:r>
-            <a:r>
-              <a:rPr lang="en-US" sz="1800" dirty="0">
-                <a:solidFill>
-                  <a:schemeClr val="tx1"/>
-                </a:solidFill>
-              </a:rPr>
-              <a:t>6. Prompt a list of menu</a:t>
-            </a:r>
-            <a:r>
-              <a:rPr lang="en-US" sz="1800" dirty="0" smtClean="0">
-                <a:solidFill>
-                  <a:schemeClr val="tx1"/>
-                </a:solidFill>
-              </a:rPr>
-              <a:t>.</a:t>
-            </a:r>
-          </a:p>
-          <a:p>
-            <a:r>
-              <a:rPr lang="en-US" sz="1800" dirty="0" smtClean="0">
-                <a:solidFill>
-                  <a:schemeClr val="tx1"/>
-                </a:solidFill>
-              </a:rPr>
-              <a:t>    or </a:t>
-            </a:r>
-            <a:r>
-              <a:rPr lang="en-US" sz="1800" dirty="0">
-                <a:solidFill>
-                  <a:schemeClr val="tx1"/>
-                </a:solidFill>
-              </a:rPr>
-              <a:t>“</a:t>
-            </a:r>
-            <a:r>
-              <a:rPr lang="en-US" sz="1800" dirty="0" smtClean="0">
-                <a:solidFill>
-                  <a:schemeClr val="tx1"/>
-                </a:solidFill>
-              </a:rPr>
-              <a:t>Dissert” to </a:t>
-            </a:r>
-            <a:r>
-              <a:rPr lang="en-US" sz="1800" dirty="0">
-                <a:solidFill>
-                  <a:schemeClr val="tx1"/>
-                </a:solidFill>
-              </a:rPr>
-              <a:t>order.</a:t>
-            </a:r>
-          </a:p>
-          <a:p>
-            <a:r>
-              <a:rPr lang="en-US" sz="1800" dirty="0">
-                <a:solidFill>
-                  <a:schemeClr val="tx1"/>
-                </a:solidFill>
-              </a:rPr>
-              <a:t>7. Sort the courses by hitting </a:t>
-            </a:r>
-            <a:r>
-              <a:rPr lang="en-US" sz="1800" dirty="0" smtClean="0">
-                <a:solidFill>
-                  <a:schemeClr val="tx1"/>
-                </a:solidFill>
-              </a:rPr>
-              <a:t>	8</a:t>
-            </a:r>
-            <a:r>
-              <a:rPr lang="en-US" sz="1800" dirty="0">
-                <a:solidFill>
-                  <a:schemeClr val="tx1"/>
-                </a:solidFill>
-              </a:rPr>
-              <a:t>. Display courses of the chosen the </a:t>
-            </a:r>
-          </a:p>
-          <a:p>
-            <a:r>
-              <a:rPr lang="en-US" sz="1800" dirty="0" smtClean="0">
-                <a:solidFill>
-                  <a:schemeClr val="tx1"/>
-                </a:solidFill>
-              </a:rPr>
-              <a:t>    sorting button.			    category</a:t>
-            </a:r>
-            <a:r>
-              <a:rPr lang="en-US" sz="1800" dirty="0">
-                <a:solidFill>
-                  <a:schemeClr val="tx1"/>
-                </a:solidFill>
-              </a:rPr>
-              <a:t>.</a:t>
-            </a:r>
-            <a:endParaRPr lang="en-US" sz="1800" dirty="0" smtClean="0">
+            <a:pPr marL="0" indent="0" rtl="0">
+              <a:lnSpc>
+                <a:spcPct val="115000"/>
+              </a:lnSpc>
+              <a:spcBef>
+                <a:spcPts val="0"/>
+              </a:spcBef>
+              <a:buNone/>
+            </a:pPr>
+            <a:endParaRPr sz="2400" dirty="0">
               <a:solidFill>
-                <a:schemeClr val="tx1"/>
+                <a:schemeClr val="dk1"/>
               </a:solidFill>
             </a:endParaRPr>
           </a:p>
           <a:p>
-            <a:r>
-              <a:rPr lang="en-US" sz="1800" dirty="0" smtClean="0">
-                <a:solidFill>
-                  <a:schemeClr val="tx1"/>
-                </a:solidFill>
-              </a:rPr>
-              <a:t>9</a:t>
-            </a:r>
-            <a:r>
-              <a:rPr lang="en-US" sz="1800" dirty="0">
-                <a:solidFill>
-                  <a:schemeClr val="tx1"/>
-                </a:solidFill>
-              </a:rPr>
-              <a:t>. Check the courses and input </a:t>
-            </a:r>
-            <a:r>
-              <a:rPr lang="en-US" sz="1800" dirty="0" smtClean="0">
-                <a:solidFill>
-                  <a:schemeClr val="tx1"/>
-                </a:solidFill>
-              </a:rPr>
-              <a:t>	</a:t>
-            </a:r>
-            <a:r>
-              <a:rPr lang="en-US" sz="1800" dirty="0">
-                <a:solidFill>
-                  <a:schemeClr val="tx1"/>
-                </a:solidFill>
-              </a:rPr>
-              <a:t>10. Display the course names and the amount, click “Done” 	</a:t>
-            </a:r>
-            <a:r>
-              <a:rPr lang="en-US" sz="1800" dirty="0" smtClean="0">
-                <a:solidFill>
-                  <a:schemeClr val="tx1"/>
-                </a:solidFill>
-              </a:rPr>
-              <a:t>	    total </a:t>
-            </a:r>
-            <a:r>
-              <a:rPr lang="en-US" sz="1800" dirty="0">
-                <a:solidFill>
-                  <a:schemeClr val="tx1"/>
-                </a:solidFill>
-              </a:rPr>
-              <a:t>price</a:t>
-            </a:r>
-            <a:r>
-              <a:rPr lang="en-US" sz="1800" dirty="0" smtClean="0">
-                <a:solidFill>
-                  <a:schemeClr val="tx1"/>
-                </a:solidFill>
-              </a:rPr>
-              <a:t>. </a:t>
-            </a:r>
-            <a:r>
-              <a:rPr lang="en-US" sz="1800" dirty="0">
-                <a:solidFill>
-                  <a:schemeClr val="tx1"/>
-                </a:solidFill>
-              </a:rPr>
-              <a:t>Display “Next” button</a:t>
-            </a:r>
-            <a:r>
-              <a:rPr lang="en-US" sz="1800" dirty="0" smtClean="0">
-                <a:solidFill>
-                  <a:schemeClr val="tx1"/>
-                </a:solidFill>
-              </a:rPr>
-              <a:t>,</a:t>
-            </a:r>
-          </a:p>
-          <a:p>
-            <a:r>
-              <a:rPr lang="en-US" sz="1800" dirty="0" smtClean="0">
-                <a:solidFill>
-                  <a:schemeClr val="tx1"/>
-                </a:solidFill>
-              </a:rPr>
-              <a:t>when </a:t>
-            </a:r>
-            <a:r>
-              <a:rPr lang="en-US" sz="1800" dirty="0">
-                <a:solidFill>
-                  <a:schemeClr val="tx1"/>
-                </a:solidFill>
-              </a:rPr>
-              <a:t>the order is completed.	</a:t>
-            </a:r>
-            <a:r>
-              <a:rPr lang="en-US" sz="1800" dirty="0" smtClean="0">
-                <a:solidFill>
-                  <a:schemeClr val="tx1"/>
-                </a:solidFill>
-              </a:rPr>
-              <a:t>    if </a:t>
-            </a:r>
-            <a:r>
-              <a:rPr lang="en-US" sz="1800" dirty="0">
-                <a:solidFill>
-                  <a:schemeClr val="tx1"/>
-                </a:solidFill>
-              </a:rPr>
-              <a:t>any other guests </a:t>
-            </a:r>
-            <a:r>
-              <a:rPr lang="en-US" sz="1800" dirty="0" smtClean="0">
-                <a:solidFill>
-                  <a:schemeClr val="tx1"/>
-                </a:solidFill>
-              </a:rPr>
-              <a:t>need to </a:t>
-            </a:r>
-            <a:r>
-              <a:rPr lang="en-US" sz="1800" dirty="0">
-                <a:solidFill>
-                  <a:schemeClr val="tx1"/>
-                </a:solidFill>
-              </a:rPr>
-              <a:t>order, </a:t>
-            </a:r>
-            <a:r>
-              <a:rPr lang="en-US" sz="1800" dirty="0" smtClean="0">
-                <a:solidFill>
-                  <a:schemeClr val="tx1"/>
-                </a:solidFill>
-              </a:rPr>
-              <a:t>				    then </a:t>
-            </a:r>
-            <a:r>
-              <a:rPr lang="en-US" sz="1800" dirty="0">
-                <a:solidFill>
-                  <a:schemeClr val="tx1"/>
-                </a:solidFill>
-              </a:rPr>
-              <a:t>go to step 2. Otherwise, </a:t>
-            </a:r>
-            <a:r>
-              <a:rPr lang="en-US" sz="1800" dirty="0" smtClean="0">
-                <a:solidFill>
-                  <a:schemeClr val="tx1"/>
-                </a:solidFill>
-              </a:rPr>
-              <a:t>					    display a </a:t>
-            </a:r>
-            <a:r>
-              <a:rPr lang="en-US" sz="1800" dirty="0">
-                <a:solidFill>
-                  <a:schemeClr val="tx1"/>
-                </a:solidFill>
-              </a:rPr>
-              <a:t>textbox for table number </a:t>
-            </a:r>
-            <a:r>
-              <a:rPr lang="en-US" sz="1800" dirty="0" smtClean="0">
-                <a:solidFill>
-                  <a:schemeClr val="tx1"/>
-                </a:solidFill>
-              </a:rPr>
-              <a:t>				    and </a:t>
-            </a:r>
-            <a:r>
-              <a:rPr lang="en-US" sz="1800" dirty="0">
-                <a:solidFill>
-                  <a:schemeClr val="tx1"/>
-                </a:solidFill>
-              </a:rPr>
-              <a:t>a “Print” button.</a:t>
-            </a:r>
-          </a:p>
-          <a:p>
-            <a:r>
-              <a:rPr lang="en-US" sz="1800" dirty="0">
-                <a:solidFill>
-                  <a:schemeClr val="tx1"/>
-                </a:solidFill>
-              </a:rPr>
-              <a:t>11. Type in table number, click </a:t>
-            </a:r>
-            <a:r>
-              <a:rPr lang="en-US" sz="1800" dirty="0" smtClean="0">
-                <a:solidFill>
-                  <a:schemeClr val="tx1"/>
-                </a:solidFill>
-              </a:rPr>
-              <a:t>	</a:t>
-            </a:r>
-            <a:r>
-              <a:rPr lang="en-US" sz="1800" dirty="0">
-                <a:solidFill>
-                  <a:schemeClr val="tx1"/>
-                </a:solidFill>
-              </a:rPr>
-              <a:t>12. Print out an order summary of </a:t>
-            </a:r>
-          </a:p>
-          <a:p>
-            <a:r>
-              <a:rPr lang="en-US" sz="1800" dirty="0" smtClean="0">
-                <a:solidFill>
-                  <a:schemeClr val="tx1"/>
-                </a:solidFill>
-              </a:rPr>
-              <a:t>    “</a:t>
-            </a:r>
-            <a:r>
-              <a:rPr lang="en-US" sz="1800" dirty="0">
-                <a:solidFill>
-                  <a:schemeClr val="tx1"/>
-                </a:solidFill>
-              </a:rPr>
-              <a:t>Print”. </a:t>
-            </a:r>
-            <a:r>
-              <a:rPr lang="en-US" sz="1800" dirty="0" smtClean="0">
-                <a:solidFill>
-                  <a:schemeClr val="tx1"/>
-                </a:solidFill>
-              </a:rPr>
-              <a:t>			    this </a:t>
-            </a:r>
-            <a:r>
-              <a:rPr lang="en-US" sz="1800" dirty="0">
-                <a:solidFill>
-                  <a:schemeClr val="tx1"/>
-                </a:solidFill>
-              </a:rPr>
-              <a:t>table.</a:t>
-            </a:r>
-          </a:p>
-          <a:p>
-            <a:endParaRPr lang="en-US" sz="1800" dirty="0" smtClean="0">
+            <a:pPr>
+              <a:spcBef>
+                <a:spcPts val="0"/>
+              </a:spcBef>
+              <a:buNone/>
+            </a:pPr>
+            <a:endParaRPr sz="2400" dirty="0">
               <a:solidFill>
-                <a:schemeClr val="tx1"/>
+                <a:schemeClr val="dk1"/>
               </a:solidFill>
             </a:endParaRPr>
           </a:p>
-          <a:p>
-            <a:r>
-              <a:rPr lang="en-US" sz="1800" dirty="0">
-                <a:solidFill>
-                  <a:schemeClr val="tx1"/>
-                </a:solidFill>
-              </a:rPr>
-              <a:t>		</a:t>
-            </a:r>
-          </a:p>
         </p:txBody>
       </p:sp>
+      <p:pic>
+        <p:nvPicPr>
+          <p:cNvPr id="1026" name="Picture 2"/>
+          <p:cNvPicPr>
+            <a:picLocks noChangeAspect="1" noChangeArrowheads="1"/>
+          </p:cNvPicPr>
+          <p:nvPr/>
+        </p:nvPicPr>
+        <p:blipFill>
+          <a:blip r:embed="rId3">
+            <a:extLst>
+              <a:ext uri="{28A0092B-C50C-407E-A947-70E740481C1C}">
+                <a14:useLocalDpi xmlns:a14="http://schemas.microsoft.com/office/drawing/2010/main" val="0"/>
+              </a:ext>
+            </a:extLst>
+          </a:blip>
+          <a:srcRect/>
+          <a:stretch>
+            <a:fillRect/>
+          </a:stretch>
+        </p:blipFill>
+        <p:spPr bwMode="auto">
+          <a:xfrm>
+            <a:off x="1066800" y="742950"/>
+            <a:ext cx="6097588" cy="3986213"/>
+          </a:xfrm>
+          <a:prstGeom prst="rect">
+            <a:avLst/>
+          </a:prstGeom>
+          <a:noFill/>
+          <a:ln>
+            <a:noFill/>
+          </a:ln>
+          <a:effectLst/>
+          <a:extLst>
+            <a:ext uri="{909E8E84-426E-40DD-AFC4-6F175D3DCCD1}">
+              <a14:hiddenFill xmlns:a14="http://schemas.microsoft.com/office/drawing/2010/main">
+                <a:solidFill>
+                  <a:schemeClr val="accent1"/>
+                </a:solidFill>
+              </a14:hiddenFill>
+            </a:ext>
+            <a:ext uri="{91240B29-F687-4F45-9708-019B960494DF}">
+              <a14:hiddenLine xmlns:a14="http://schemas.microsoft.com/office/drawing/2010/main" w="9525">
+                <a:solidFill>
+                  <a:schemeClr val="tx1"/>
+                </a:solidFill>
+                <a:miter lim="800000"/>
+                <a:headEnd/>
+                <a:tailEnd/>
+              </a14:hiddenLine>
+            </a:ext>
+            <a:ext uri="{AF507438-7753-43E0-B8FC-AC1667EBCBE1}">
+              <a14:hiddenEffects xmlns:a14="http://schemas.microsoft.com/office/drawing/2010/main">
+                <a:effectLst>
+                  <a:outerShdw dist="35921" dir="2700000" algn="ctr" rotWithShape="0">
+                    <a:schemeClr val="bg2"/>
+                  </a:outerShdw>
+                </a:effectLst>
+              </a14:hiddenEffects>
+            </a:ext>
+          </a:extLst>
+        </p:spPr>
+      </p:pic>
     </p:spTree>
-    <p:extLst>
-      <p:ext uri="{BB962C8B-B14F-4D97-AF65-F5344CB8AC3E}">
-        <p14:creationId xmlns:p14="http://schemas.microsoft.com/office/powerpoint/2010/main" xmlns="" val="1100892353"/>
-      </p:ext>
-    </p:extLst>
   </p:cSld>
   <p:clrMapOvr>
     <a:masterClrMapping/>
   </p:clrMapOvr>
+  <p:transition spd="slow">
+    <p:cut/>
+  </p:transition>
 </p:sld>
 </file>
 

--- a/Project Part I.pptx
+++ b/Project Part I.pptx
@@ -61,7 +61,6 @@
         <a:ea typeface="Arial"/>
         <a:cs typeface="Arial"/>
         <a:sym typeface="Arial"/>
-        <a:rtl val="0"/>
       </a:defRPr>
     </a:lvl1pPr>
     <a:lvl2pPr marR="0" algn="l" rtl="0">
@@ -83,7 +82,6 @@
         <a:ea typeface="Arial"/>
         <a:cs typeface="Arial"/>
         <a:sym typeface="Arial"/>
-        <a:rtl val="0"/>
       </a:defRPr>
     </a:lvl2pPr>
     <a:lvl3pPr marR="0" algn="l" rtl="0">
@@ -105,7 +103,6 @@
         <a:ea typeface="Arial"/>
         <a:cs typeface="Arial"/>
         <a:sym typeface="Arial"/>
-        <a:rtl val="0"/>
       </a:defRPr>
     </a:lvl3pPr>
     <a:lvl4pPr marR="0" algn="l" rtl="0">
@@ -127,7 +124,6 @@
         <a:ea typeface="Arial"/>
         <a:cs typeface="Arial"/>
         <a:sym typeface="Arial"/>
-        <a:rtl val="0"/>
       </a:defRPr>
     </a:lvl4pPr>
     <a:lvl5pPr marR="0" algn="l" rtl="0">
@@ -149,7 +145,6 @@
         <a:ea typeface="Arial"/>
         <a:cs typeface="Arial"/>
         <a:sym typeface="Arial"/>
-        <a:rtl val="0"/>
       </a:defRPr>
     </a:lvl5pPr>
     <a:lvl6pPr marR="0" algn="l" rtl="0">
@@ -171,7 +166,6 @@
         <a:ea typeface="Arial"/>
         <a:cs typeface="Arial"/>
         <a:sym typeface="Arial"/>
-        <a:rtl val="0"/>
       </a:defRPr>
     </a:lvl6pPr>
     <a:lvl7pPr marR="0" algn="l" rtl="0">
@@ -193,7 +187,6 @@
         <a:ea typeface="Arial"/>
         <a:cs typeface="Arial"/>
         <a:sym typeface="Arial"/>
-        <a:rtl val="0"/>
       </a:defRPr>
     </a:lvl7pPr>
     <a:lvl8pPr marR="0" algn="l" rtl="0">
@@ -215,7 +208,6 @@
         <a:ea typeface="Arial"/>
         <a:cs typeface="Arial"/>
         <a:sym typeface="Arial"/>
-        <a:rtl val="0"/>
       </a:defRPr>
     </a:lvl8pPr>
     <a:lvl9pPr marR="0" algn="l" rtl="0">
@@ -237,7 +229,6 @@
         <a:ea typeface="Arial"/>
         <a:cs typeface="Arial"/>
         <a:sym typeface="Arial"/>
-        <a:rtl val="0"/>
       </a:defRPr>
     </a:lvl9pPr>
   </p:defaultTextStyle>
@@ -406,7 +397,7 @@
     </p:spTree>
     <p:extLst>
       <p:ext uri="{BB962C8B-B14F-4D97-AF65-F5344CB8AC3E}">
-        <p14:creationId xmlns:p14="http://schemas.microsoft.com/office/powerpoint/2010/main" val="935478130"/>
+        <p14:creationId xmlns:p14="http://schemas.microsoft.com/office/powerpoint/2010/main" xmlns="" val="935478130"/>
       </p:ext>
     </p:extLst>
   </p:cSld>
@@ -4448,7 +4439,6 @@
           <a:ea typeface="Arial"/>
           <a:cs typeface="Arial"/>
           <a:sym typeface="Arial"/>
-          <a:rtl val="0"/>
         </a:defRPr>
       </a:lvl1pPr>
       <a:lvl2pPr marR="0" algn="l" rtl="0">
@@ -4470,7 +4460,6 @@
           <a:ea typeface="Arial"/>
           <a:cs typeface="Arial"/>
           <a:sym typeface="Arial"/>
-          <a:rtl val="0"/>
         </a:defRPr>
       </a:lvl2pPr>
     </p:titleStyle>
@@ -4505,7 +4494,6 @@
           <a:ea typeface="Arial"/>
           <a:cs typeface="Arial"/>
           <a:sym typeface="Arial"/>
-          <a:rtl val="0"/>
         </a:defRPr>
       </a:lvl1pPr>
       <a:lvl2pPr marR="0" algn="l" rtl="0">
@@ -4527,7 +4515,6 @@
           <a:ea typeface="Arial"/>
           <a:cs typeface="Arial"/>
           <a:sym typeface="Arial"/>
-          <a:rtl val="0"/>
         </a:defRPr>
       </a:lvl2pPr>
       <a:lvl3pPr marR="0" algn="l" rtl="0">
@@ -4549,7 +4536,6 @@
           <a:ea typeface="Arial"/>
           <a:cs typeface="Arial"/>
           <a:sym typeface="Arial"/>
-          <a:rtl val="0"/>
         </a:defRPr>
       </a:lvl3pPr>
       <a:lvl4pPr marR="0" algn="l" rtl="0">
@@ -4571,7 +4557,6 @@
           <a:ea typeface="Arial"/>
           <a:cs typeface="Arial"/>
           <a:sym typeface="Arial"/>
-          <a:rtl val="0"/>
         </a:defRPr>
       </a:lvl4pPr>
       <a:lvl5pPr marR="0" algn="l" rtl="0">
@@ -4593,7 +4578,6 @@
           <a:ea typeface="Arial"/>
           <a:cs typeface="Arial"/>
           <a:sym typeface="Arial"/>
-          <a:rtl val="0"/>
         </a:defRPr>
       </a:lvl5pPr>
       <a:lvl6pPr marR="0" algn="l" rtl="0">
@@ -4615,7 +4599,6 @@
           <a:ea typeface="Arial"/>
           <a:cs typeface="Arial"/>
           <a:sym typeface="Arial"/>
-          <a:rtl val="0"/>
         </a:defRPr>
       </a:lvl6pPr>
       <a:lvl7pPr marR="0" algn="l" rtl="0">
@@ -4637,7 +4620,6 @@
           <a:ea typeface="Arial"/>
           <a:cs typeface="Arial"/>
           <a:sym typeface="Arial"/>
-          <a:rtl val="0"/>
         </a:defRPr>
       </a:lvl7pPr>
       <a:lvl8pPr marR="0" algn="l" rtl="0">
@@ -4659,7 +4641,6 @@
           <a:ea typeface="Arial"/>
           <a:cs typeface="Arial"/>
           <a:sym typeface="Arial"/>
-          <a:rtl val="0"/>
         </a:defRPr>
       </a:lvl8pPr>
       <a:lvl9pPr marR="0" algn="l" rtl="0">
@@ -4681,7 +4662,6 @@
           <a:ea typeface="Arial"/>
           <a:cs typeface="Arial"/>
           <a:sym typeface="Arial"/>
-          <a:rtl val="0"/>
         </a:defRPr>
       </a:lvl9pPr>
     </p:bodyStyle>
@@ -4716,7 +4696,6 @@
           <a:ea typeface="Arial"/>
           <a:cs typeface="Arial"/>
           <a:sym typeface="Arial"/>
-          <a:rtl val="0"/>
         </a:defRPr>
       </a:lvl1pPr>
       <a:lvl2pPr marR="0" algn="l" rtl="0">
@@ -4738,7 +4717,6 @@
           <a:ea typeface="Arial"/>
           <a:cs typeface="Arial"/>
           <a:sym typeface="Arial"/>
-          <a:rtl val="0"/>
         </a:defRPr>
       </a:lvl2pPr>
       <a:lvl3pPr marR="0" algn="l" rtl="0">
@@ -4760,7 +4738,6 @@
           <a:ea typeface="Arial"/>
           <a:cs typeface="Arial"/>
           <a:sym typeface="Arial"/>
-          <a:rtl val="0"/>
         </a:defRPr>
       </a:lvl3pPr>
       <a:lvl4pPr marR="0" algn="l" rtl="0">
@@ -4782,7 +4759,6 @@
           <a:ea typeface="Arial"/>
           <a:cs typeface="Arial"/>
           <a:sym typeface="Arial"/>
-          <a:rtl val="0"/>
         </a:defRPr>
       </a:lvl4pPr>
       <a:lvl5pPr marR="0" algn="l" rtl="0">
@@ -4804,7 +4780,6 @@
           <a:ea typeface="Arial"/>
           <a:cs typeface="Arial"/>
           <a:sym typeface="Arial"/>
-          <a:rtl val="0"/>
         </a:defRPr>
       </a:lvl5pPr>
       <a:lvl6pPr marR="0" algn="l" rtl="0">
@@ -4826,7 +4801,6 @@
           <a:ea typeface="Arial"/>
           <a:cs typeface="Arial"/>
           <a:sym typeface="Arial"/>
-          <a:rtl val="0"/>
         </a:defRPr>
       </a:lvl6pPr>
       <a:lvl7pPr marR="0" algn="l" rtl="0">
@@ -4848,7 +4822,6 @@
           <a:ea typeface="Arial"/>
           <a:cs typeface="Arial"/>
           <a:sym typeface="Arial"/>
-          <a:rtl val="0"/>
         </a:defRPr>
       </a:lvl7pPr>
       <a:lvl8pPr marR="0" algn="l" rtl="0">
@@ -4870,7 +4843,6 @@
           <a:ea typeface="Arial"/>
           <a:cs typeface="Arial"/>
           <a:sym typeface="Arial"/>
-          <a:rtl val="0"/>
         </a:defRPr>
       </a:lvl8pPr>
       <a:lvl9pPr marR="0" algn="l" rtl="0">
@@ -4892,7 +4864,6 @@
           <a:ea typeface="Arial"/>
           <a:cs typeface="Arial"/>
           <a:sym typeface="Arial"/>
-          <a:rtl val="0"/>
         </a:defRPr>
       </a:lvl9pPr>
     </p:otherStyle>
@@ -5077,15 +5048,7 @@
                   <a:schemeClr val="dk1"/>
                 </a:solidFill>
               </a:rPr>
-              <a:t>System </a:t>
-            </a:r>
-            <a:r>
-              <a:rPr lang="en" sz="1200" dirty="0" smtClean="0">
-                <a:solidFill>
-                  <a:schemeClr val="dk1"/>
-                </a:solidFill>
-              </a:rPr>
-              <a:t>responses</a:t>
+              <a:t>System responses</a:t>
             </a:r>
           </a:p>
           <a:p>
@@ -5112,47 +5075,7 @@
                   <a:schemeClr val="dk1"/>
                 </a:solidFill>
               </a:rPr>
-              <a:t>Display a new interface to prompt </a:t>
-            </a:r>
-            <a:r>
-              <a:rPr lang="en-US" sz="1200" dirty="0">
-                <a:solidFill>
-                  <a:schemeClr val="dk1"/>
-                </a:solidFill>
-              </a:rPr>
-              <a:t>receptionist </a:t>
-            </a:r>
-            <a:r>
-              <a:rPr lang="en-US" sz="1200" dirty="0">
-                <a:solidFill>
-                  <a:schemeClr val="dk1"/>
-                </a:solidFill>
-              </a:rPr>
-              <a:t>to type last name of </a:t>
-            </a:r>
-            <a:r>
-              <a:rPr lang="en-US" sz="1200" dirty="0">
-                <a:solidFill>
-                  <a:schemeClr val="dk1"/>
-                </a:solidFill>
-              </a:rPr>
-              <a:t>			customer</a:t>
-            </a:r>
-            <a:r>
-              <a:rPr lang="en-US" sz="1200" dirty="0">
-                <a:solidFill>
-                  <a:schemeClr val="dk1"/>
-                </a:solidFill>
-              </a:rPr>
-              <a:t>, cell phone number and group </a:t>
-            </a:r>
-            <a:r>
-              <a:rPr lang="en-US" sz="1200" dirty="0">
-                <a:solidFill>
-                  <a:schemeClr val="dk1"/>
-                </a:solidFill>
-              </a:rPr>
-              <a:t>size.</a:t>
+              <a:t>Display a new interface to prompt receptionist to type last name of 			customer, cell phone number and group size.</a:t>
             </a:r>
           </a:p>
           <a:p>
@@ -5386,7 +5309,7 @@
     </p:spTree>
     <p:extLst>
       <p:ext uri="{BB962C8B-B14F-4D97-AF65-F5344CB8AC3E}">
-        <p14:creationId xmlns:p14="http://schemas.microsoft.com/office/powerpoint/2010/main" val="766149795"/>
+        <p14:creationId xmlns:p14="http://schemas.microsoft.com/office/powerpoint/2010/main" xmlns="" val="766149795"/>
       </p:ext>
     </p:extLst>
   </p:cSld>
@@ -5466,7 +5389,7 @@
           <a:blip r:embed="rId2">
             <a:extLst>
               <a:ext uri="{28A0092B-C50C-407E-A947-70E740481C1C}">
-                <a14:useLocalDpi xmlns:a14="http://schemas.microsoft.com/office/drawing/2010/main" val="0"/>
+                <a14:useLocalDpi xmlns:a14="http://schemas.microsoft.com/office/drawing/2010/main" xmlns="" val="0"/>
               </a:ext>
             </a:extLst>
           </a:blip>
@@ -5490,14 +5413,14 @@
           <a:effectLst/>
           <a:extLst>
             <a:ext uri="{909E8E84-426E-40DD-AFC4-6F175D3DCCD1}">
-              <a14:hiddenFill xmlns:a14="http://schemas.microsoft.com/office/drawing/2010/main">
+              <a14:hiddenFill xmlns:a14="http://schemas.microsoft.com/office/drawing/2010/main" xmlns="">
                 <a:solidFill>
                   <a:schemeClr val="accent1"/>
                 </a:solidFill>
               </a14:hiddenFill>
             </a:ext>
             <a:ext uri="{91240B29-F687-4F45-9708-019B960494DF}">
-              <a14:hiddenLine xmlns:a14="http://schemas.microsoft.com/office/drawing/2010/main" w="9525">
+              <a14:hiddenLine xmlns:a14="http://schemas.microsoft.com/office/drawing/2010/main" xmlns="" w="9525">
                 <a:solidFill>
                   <a:schemeClr val="tx1"/>
                 </a:solidFill>
@@ -5507,7 +5430,7 @@
               </a14:hiddenLine>
             </a:ext>
             <a:ext uri="{AF507438-7753-43E0-B8FC-AC1667EBCBE1}">
-              <a14:hiddenEffects xmlns:a14="http://schemas.microsoft.com/office/drawing/2010/main">
+              <a14:hiddenEffects xmlns:a14="http://schemas.microsoft.com/office/drawing/2010/main" xmlns="">
                 <a:effectLst>
                   <a:outerShdw dist="35921" dir="2700000" algn="ctr" rotWithShape="0">
                     <a:schemeClr val="bg2"/>
@@ -5521,7 +5444,7 @@
     </p:spTree>
     <p:extLst>
       <p:ext uri="{BB962C8B-B14F-4D97-AF65-F5344CB8AC3E}">
-        <p14:creationId xmlns:p14="http://schemas.microsoft.com/office/powerpoint/2010/main" val="1948377228"/>
+        <p14:creationId xmlns:p14="http://schemas.microsoft.com/office/powerpoint/2010/main" xmlns="" val="1948377228"/>
       </p:ext>
     </p:extLst>
   </p:cSld>
@@ -5611,15 +5534,7 @@
                   <a:schemeClr val="dk1"/>
                 </a:solidFill>
               </a:rPr>
-              <a:t>System </a:t>
-            </a:r>
-            <a:r>
-              <a:rPr lang="en" sz="1200" dirty="0" smtClean="0">
-                <a:solidFill>
-                  <a:schemeClr val="dk1"/>
-                </a:solidFill>
-              </a:rPr>
-              <a:t>responses</a:t>
+              <a:t>System responses</a:t>
             </a:r>
           </a:p>
           <a:p>
@@ -5646,47 +5561,7 @@
                   <a:schemeClr val="dk1"/>
                 </a:solidFill>
               </a:rPr>
-              <a:t>Display a new interface to prompt </a:t>
-            </a:r>
-            <a:r>
-              <a:rPr lang="en-US" sz="1200" dirty="0">
-                <a:solidFill>
-                  <a:schemeClr val="dk1"/>
-                </a:solidFill>
-              </a:rPr>
-              <a:t>receptionist </a:t>
-            </a:r>
-            <a:r>
-              <a:rPr lang="en-US" sz="1200" dirty="0">
-                <a:solidFill>
-                  <a:schemeClr val="dk1"/>
-                </a:solidFill>
-              </a:rPr>
-              <a:t>to type last name of </a:t>
-            </a:r>
-            <a:r>
-              <a:rPr lang="en-US" sz="1200" dirty="0">
-                <a:solidFill>
-                  <a:schemeClr val="dk1"/>
-                </a:solidFill>
-              </a:rPr>
-              <a:t>			customer</a:t>
-            </a:r>
-            <a:r>
-              <a:rPr lang="en-US" sz="1200" dirty="0">
-                <a:solidFill>
-                  <a:schemeClr val="dk1"/>
-                </a:solidFill>
-              </a:rPr>
-              <a:t>, cell phone number and group </a:t>
-            </a:r>
-            <a:r>
-              <a:rPr lang="en-US" sz="1200" dirty="0">
-                <a:solidFill>
-                  <a:schemeClr val="dk1"/>
-                </a:solidFill>
-              </a:rPr>
-              <a:t>size.</a:t>
+              <a:t>Display a new interface to prompt receptionist to type last name of 			customer, cell phone number and group size.</a:t>
             </a:r>
           </a:p>
           <a:p>
@@ -5920,7 +5795,7 @@
     </p:spTree>
     <p:extLst>
       <p:ext uri="{BB962C8B-B14F-4D97-AF65-F5344CB8AC3E}">
-        <p14:creationId xmlns:p14="http://schemas.microsoft.com/office/powerpoint/2010/main" val="3413301914"/>
+        <p14:creationId xmlns:p14="http://schemas.microsoft.com/office/powerpoint/2010/main" xmlns="" val="3413301914"/>
       </p:ext>
     </p:extLst>
   </p:cSld>
@@ -6000,7 +5875,7 @@
           <a:blip r:embed="rId2">
             <a:extLst>
               <a:ext uri="{28A0092B-C50C-407E-A947-70E740481C1C}">
-                <a14:useLocalDpi xmlns:a14="http://schemas.microsoft.com/office/drawing/2010/main" val="0"/>
+                <a14:useLocalDpi xmlns:a14="http://schemas.microsoft.com/office/drawing/2010/main" xmlns="" val="0"/>
               </a:ext>
             </a:extLst>
           </a:blip>
@@ -6024,14 +5899,14 @@
           <a:effectLst/>
           <a:extLst>
             <a:ext uri="{909E8E84-426E-40DD-AFC4-6F175D3DCCD1}">
-              <a14:hiddenFill xmlns:a14="http://schemas.microsoft.com/office/drawing/2010/main">
+              <a14:hiddenFill xmlns:a14="http://schemas.microsoft.com/office/drawing/2010/main" xmlns="">
                 <a:solidFill>
                   <a:schemeClr val="accent1"/>
                 </a:solidFill>
               </a14:hiddenFill>
             </a:ext>
             <a:ext uri="{91240B29-F687-4F45-9708-019B960494DF}">
-              <a14:hiddenLine xmlns:a14="http://schemas.microsoft.com/office/drawing/2010/main" w="9525">
+              <a14:hiddenLine xmlns:a14="http://schemas.microsoft.com/office/drawing/2010/main" xmlns="" w="9525">
                 <a:solidFill>
                   <a:schemeClr val="tx1"/>
                 </a:solidFill>
@@ -6041,7 +5916,7 @@
               </a14:hiddenLine>
             </a:ext>
             <a:ext uri="{AF507438-7753-43E0-B8FC-AC1667EBCBE1}">
-              <a14:hiddenEffects xmlns:a14="http://schemas.microsoft.com/office/drawing/2010/main">
+              <a14:hiddenEffects xmlns:a14="http://schemas.microsoft.com/office/drawing/2010/main" xmlns="">
                 <a:effectLst>
                   <a:outerShdw dist="35921" dir="2700000" algn="ctr" rotWithShape="0">
                     <a:schemeClr val="bg2"/>
@@ -6055,7 +5930,7 @@
     </p:spTree>
     <p:extLst>
       <p:ext uri="{BB962C8B-B14F-4D97-AF65-F5344CB8AC3E}">
-        <p14:creationId xmlns:p14="http://schemas.microsoft.com/office/powerpoint/2010/main" val="2057022517"/>
+        <p14:creationId xmlns:p14="http://schemas.microsoft.com/office/powerpoint/2010/main" xmlns="" val="2057022517"/>
       </p:ext>
     </p:extLst>
   </p:cSld>
@@ -6340,7 +6215,7 @@
     </p:spTree>
     <p:extLst>
       <p:ext uri="{BB962C8B-B14F-4D97-AF65-F5344CB8AC3E}">
-        <p14:creationId xmlns:p14="http://schemas.microsoft.com/office/powerpoint/2010/main" val="2259188037"/>
+        <p14:creationId xmlns:p14="http://schemas.microsoft.com/office/powerpoint/2010/main" xmlns="" val="2259188037"/>
       </p:ext>
     </p:extLst>
   </p:cSld>
@@ -6417,7 +6292,7 @@
           <a:blip r:embed="rId2">
             <a:extLst>
               <a:ext uri="{28A0092B-C50C-407E-A947-70E740481C1C}">
-                <a14:useLocalDpi xmlns:a14="http://schemas.microsoft.com/office/drawing/2010/main" val="0"/>
+                <a14:useLocalDpi xmlns:a14="http://schemas.microsoft.com/office/drawing/2010/main" xmlns="" val="0"/>
               </a:ext>
             </a:extLst>
           </a:blip>
@@ -6438,7 +6313,7 @@
     </p:spTree>
     <p:extLst>
       <p:ext uri="{BB962C8B-B14F-4D97-AF65-F5344CB8AC3E}">
-        <p14:creationId xmlns:p14="http://schemas.microsoft.com/office/powerpoint/2010/main" val="3995397235"/>
+        <p14:creationId xmlns:p14="http://schemas.microsoft.com/office/powerpoint/2010/main" xmlns="" val="3995397235"/>
       </p:ext>
     </p:extLst>
   </p:cSld>
@@ -6611,6 +6486,159 @@
               </a:rPr>
               <a:t>.</a:t>
             </a:r>
+          </a:p>
+          <a:p>
+            <a:r>
+              <a:rPr lang="en-US" sz="1800" dirty="0">
+                <a:solidFill>
+                  <a:schemeClr val="tx1"/>
+                </a:solidFill>
+              </a:rPr>
+              <a:t> </a:t>
+            </a:r>
+            <a:r>
+              <a:rPr lang="en-US" sz="1800" dirty="0" smtClean="0">
+                <a:solidFill>
+                  <a:schemeClr val="tx1"/>
+                </a:solidFill>
+              </a:rPr>
+              <a:t>   table number, then click </a:t>
+            </a:r>
+          </a:p>
+          <a:p>
+            <a:r>
+              <a:rPr lang="en-US" sz="1800" dirty="0">
+                <a:solidFill>
+                  <a:schemeClr val="tx1"/>
+                </a:solidFill>
+              </a:rPr>
+              <a:t> </a:t>
+            </a:r>
+            <a:r>
+              <a:rPr lang="en-US" sz="1800" dirty="0" smtClean="0">
+                <a:solidFill>
+                  <a:schemeClr val="tx1"/>
+                </a:solidFill>
+              </a:rPr>
+              <a:t>   “Submit”. </a:t>
+            </a:r>
+            <a:endParaRPr lang="en-US" sz="1800" dirty="0">
+              <a:solidFill>
+                <a:schemeClr val="tx1"/>
+              </a:solidFill>
+            </a:endParaRPr>
+          </a:p>
+          <a:p>
+            <a:r>
+              <a:rPr lang="en-US" sz="1800" dirty="0">
+                <a:solidFill>
+                  <a:schemeClr val="tx1"/>
+                </a:solidFill>
+              </a:rPr>
+              <a:t>5. Click “Appetizer”, “Entrée” </a:t>
+            </a:r>
+            <a:r>
+              <a:rPr lang="en-US" sz="1800" dirty="0" smtClean="0">
+                <a:solidFill>
+                  <a:schemeClr val="tx1"/>
+                </a:solidFill>
+              </a:rPr>
+              <a:t>	</a:t>
+            </a:r>
+            <a:r>
+              <a:rPr lang="en-US" sz="1800" dirty="0">
+                <a:solidFill>
+                  <a:schemeClr val="tx1"/>
+                </a:solidFill>
+              </a:rPr>
+              <a:t>6. Prompt a list of menu</a:t>
+            </a:r>
+            <a:r>
+              <a:rPr lang="en-US" sz="1800" dirty="0" smtClean="0">
+                <a:solidFill>
+                  <a:schemeClr val="tx1"/>
+                </a:solidFill>
+              </a:rPr>
+              <a:t>.</a:t>
+            </a:r>
+          </a:p>
+          <a:p>
+            <a:r>
+              <a:rPr lang="en-US" sz="1800" dirty="0" smtClean="0">
+                <a:solidFill>
+                  <a:schemeClr val="tx1"/>
+                </a:solidFill>
+              </a:rPr>
+              <a:t>    or </a:t>
+            </a:r>
+            <a:r>
+              <a:rPr lang="en-US" sz="1800" dirty="0">
+                <a:solidFill>
+                  <a:schemeClr val="tx1"/>
+                </a:solidFill>
+              </a:rPr>
+              <a:t>“</a:t>
+            </a:r>
+            <a:r>
+              <a:rPr lang="en-US" sz="1800" dirty="0" smtClean="0">
+                <a:solidFill>
+                  <a:schemeClr val="tx1"/>
+                </a:solidFill>
+              </a:rPr>
+              <a:t>Dissert” to </a:t>
+            </a:r>
+            <a:r>
+              <a:rPr lang="en-US" sz="1800" dirty="0">
+                <a:solidFill>
+                  <a:schemeClr val="tx1"/>
+                </a:solidFill>
+              </a:rPr>
+              <a:t>order.</a:t>
+            </a:r>
+          </a:p>
+          <a:p>
+            <a:r>
+              <a:rPr lang="en-US" sz="1800" dirty="0">
+                <a:solidFill>
+                  <a:schemeClr val="tx1"/>
+                </a:solidFill>
+              </a:rPr>
+              <a:t>7. Sort the courses by hitting </a:t>
+            </a:r>
+            <a:r>
+              <a:rPr lang="en-US" sz="1800" dirty="0" smtClean="0">
+                <a:solidFill>
+                  <a:schemeClr val="tx1"/>
+                </a:solidFill>
+              </a:rPr>
+              <a:t>	8</a:t>
+            </a:r>
+            <a:r>
+              <a:rPr lang="en-US" sz="1800" dirty="0">
+                <a:solidFill>
+                  <a:schemeClr val="tx1"/>
+                </a:solidFill>
+              </a:rPr>
+              <a:t>. Display courses of the chosen the </a:t>
+            </a:r>
+          </a:p>
+          <a:p>
+            <a:r>
+              <a:rPr lang="en-US" sz="1800" dirty="0" smtClean="0">
+                <a:solidFill>
+                  <a:schemeClr val="tx1"/>
+                </a:solidFill>
+              </a:rPr>
+              <a:t>    sorting button.			    category</a:t>
+            </a:r>
+            <a:r>
+              <a:rPr lang="en-US" sz="1800" dirty="0">
+                <a:solidFill>
+                  <a:schemeClr val="tx1"/>
+                </a:solidFill>
+              </a:rPr>
+              <a:t>.</a:t>
+            </a:r>
             <a:endParaRPr lang="en-US" sz="1800" dirty="0" smtClean="0">
               <a:solidFill>
                 <a:schemeClr val="tx1"/>
@@ -6619,12 +6647,20 @@
           </a:p>
           <a:p>
             <a:r>
+              <a:rPr lang="en-US" sz="1800" dirty="0" smtClean="0">
+                <a:solidFill>
+                  <a:schemeClr val="tx1"/>
+                </a:solidFill>
+              </a:rPr>
+              <a:t>9</a:t>
+            </a:r>
+            <a:r>
               <a:rPr lang="en-US" sz="1800" dirty="0">
                 <a:solidFill>
                   <a:schemeClr val="tx1"/>
                 </a:solidFill>
               </a:rPr>
-              <a:t> </a:t>
+              <a:t>. Check the courses and input </a:t>
             </a:r>
             <a:r>
               <a:rPr lang="en-US" sz="1800" dirty="0" smtClean="0">
@@ -6632,7 +6668,15 @@
                   <a:schemeClr val="tx1"/>
                 </a:solidFill>
               </a:rPr>
-              <a:t>   table</a:t>
+              <a:t>	</a:t>
+            </a:r>
+            <a:r>
+              <a:rPr lang="en-US" sz="1800" dirty="0">
+                <a:solidFill>
+                  <a:schemeClr val="tx1"/>
+                </a:solidFill>
+              </a:rPr>
+              <a:t>10. Display the course names and the amount, click “Done” 	</a:t>
             </a:r>
             <a:r>
               <a:rPr lang="en-US" sz="1800" dirty="0" smtClean="0">
@@ -6640,17 +6684,15 @@
                   <a:schemeClr val="tx1"/>
                 </a:solidFill>
               </a:rPr>
-              <a:t> number, then click </a:t>
-            </a:r>
-          </a:p>
-          <a:p>
+              <a:t>	    total </a:t>
+            </a:r>
             <a:r>
               <a:rPr lang="en-US" sz="1800" dirty="0">
                 <a:solidFill>
                   <a:schemeClr val="tx1"/>
                 </a:solidFill>
               </a:rPr>
-              <a:t> </a:t>
+              <a:t>price</a:t>
             </a:r>
             <a:r>
               <a:rPr lang="en-US" sz="1800" dirty="0" smtClean="0">
@@ -6658,7 +6700,15 @@
                   <a:schemeClr val="tx1"/>
                 </a:solidFill>
               </a:rPr>
-              <a:t>   </a:t>
+              <a:t>. </a:t>
+            </a:r>
+            <a:r>
+              <a:rPr lang="en-US" sz="1800" dirty="0">
+                <a:solidFill>
+                  <a:schemeClr val="tx1"/>
+                </a:solidFill>
+              </a:rPr>
+              <a:t>Display “Next” button</a:t>
             </a:r>
             <a:r>
               <a:rPr lang="en-US" sz="1800" dirty="0" smtClean="0">
@@ -6666,22 +6716,25 @@
                   <a:schemeClr val="tx1"/>
                 </a:solidFill>
               </a:rPr>
-              <a:t>“Submit”. </a:t>
-            </a:r>
-            <a:endParaRPr lang="en-US" sz="1800" dirty="0">
-              <a:solidFill>
-                <a:schemeClr val="tx1"/>
-              </a:solidFill>
-            </a:endParaRPr>
-          </a:p>
-          <a:p>
+              <a:t>,</a:t>
+            </a:r>
+          </a:p>
+          <a:p>
+            <a:r>
+              <a:rPr lang="en-US" sz="1800" dirty="0" smtClean="0">
+                <a:solidFill>
+                  <a:schemeClr val="tx1"/>
+                </a:solidFill>
+              </a:rPr>
+              <a:t>when </a:t>
+            </a:r>
             <a:r>
               <a:rPr lang="en-US" sz="1800" dirty="0">
                 <a:solidFill>
                   <a:schemeClr val="tx1"/>
                 </a:solidFill>
               </a:rPr>
-              <a:t>5. Click “Appetizer”, “Entrée” </a:t>
+              <a:t>the order is completed.	</a:t>
             </a:r>
             <a:r>
               <a:rPr lang="en-US" sz="1800" dirty="0" smtClean="0">
@@ -6689,6 +6742,96 @@
                   <a:schemeClr val="tx1"/>
                 </a:solidFill>
               </a:rPr>
+              <a:t>    if </a:t>
+            </a:r>
+            <a:r>
+              <a:rPr lang="en-US" sz="1800" dirty="0">
+                <a:solidFill>
+                  <a:schemeClr val="tx1"/>
+                </a:solidFill>
+              </a:rPr>
+              <a:t>any other guests </a:t>
+            </a:r>
+            <a:r>
+              <a:rPr lang="en-US" sz="1800" dirty="0" smtClean="0">
+                <a:solidFill>
+                  <a:schemeClr val="tx1"/>
+                </a:solidFill>
+              </a:rPr>
+              <a:t>need to </a:t>
+            </a:r>
+            <a:r>
+              <a:rPr lang="en-US" sz="1800" dirty="0">
+                <a:solidFill>
+                  <a:schemeClr val="tx1"/>
+                </a:solidFill>
+              </a:rPr>
+              <a:t>order, </a:t>
+            </a:r>
+            <a:r>
+              <a:rPr lang="en-US" sz="1800" dirty="0" smtClean="0">
+                <a:solidFill>
+                  <a:schemeClr val="tx1"/>
+                </a:solidFill>
+              </a:rPr>
+              <a:t>				    then </a:t>
+            </a:r>
+            <a:r>
+              <a:rPr lang="en-US" sz="1800" dirty="0">
+                <a:solidFill>
+                  <a:schemeClr val="tx1"/>
+                </a:solidFill>
+              </a:rPr>
+              <a:t>go to step 2. Otherwise, </a:t>
+            </a:r>
+            <a:r>
+              <a:rPr lang="en-US" sz="1800" dirty="0" smtClean="0">
+                <a:solidFill>
+                  <a:schemeClr val="tx1"/>
+                </a:solidFill>
+              </a:rPr>
+              <a:t>					    display a </a:t>
+            </a:r>
+            <a:r>
+              <a:rPr lang="en-US" sz="1800" dirty="0">
+                <a:solidFill>
+                  <a:schemeClr val="tx1"/>
+                </a:solidFill>
+              </a:rPr>
+              <a:t>textbox for table number </a:t>
+            </a:r>
+            <a:r>
+              <a:rPr lang="en-US" sz="1800" dirty="0" smtClean="0">
+                <a:solidFill>
+                  <a:schemeClr val="tx1"/>
+                </a:solidFill>
+              </a:rPr>
+              <a:t>				    and </a:t>
+            </a:r>
+            <a:r>
+              <a:rPr lang="en-US" sz="1800" dirty="0">
+                <a:solidFill>
+                  <a:schemeClr val="tx1"/>
+                </a:solidFill>
+              </a:rPr>
+              <a:t>a “Print” button.</a:t>
+            </a:r>
+          </a:p>
+          <a:p>
+            <a:r>
+              <a:rPr lang="en-US" sz="1800" dirty="0">
+                <a:solidFill>
+                  <a:schemeClr val="tx1"/>
+                </a:solidFill>
+              </a:rPr>
+              <a:t>11. Type in table number, click </a:t>
+            </a:r>
+            <a:r>
+              <a:rPr lang="en-US" sz="1800" dirty="0" smtClean="0">
+                <a:solidFill>
+                  <a:schemeClr val="tx1"/>
+                </a:solidFill>
+              </a:rPr>
               <a:t>	</a:t>
             </a:r>
             <a:r>
@@ -6697,25 +6840,33 @@
                   <a:schemeClr val="tx1"/>
                 </a:solidFill>
               </a:rPr>
-              <a:t>6. Prompt a list of menu</a:t>
-            </a:r>
+              <a:t>12. Print out an order summary of </a:t>
+            </a:r>
+          </a:p>
+          <a:p>
             <a:r>
               <a:rPr lang="en-US" sz="1800" dirty="0" smtClean="0">
                 <a:solidFill>
                   <a:schemeClr val="tx1"/>
                 </a:solidFill>
               </a:rPr>
-              <a:t>.</a:t>
-            </a:r>
-          </a:p>
-          <a:p>
+              <a:t>    “</a:t>
+            </a:r>
+            <a:r>
+              <a:rPr lang="en-US" sz="1800" dirty="0">
+                <a:solidFill>
+                  <a:schemeClr val="tx1"/>
+                </a:solidFill>
+              </a:rPr>
+              <a:t>Print”. </a:t>
+            </a:r>
             <a:r>
               <a:rPr lang="en-US" sz="1800" dirty="0" smtClean="0">
                 <a:solidFill>
                   <a:schemeClr val="tx1"/>
                 </a:solidFill>
               </a:rPr>
-              <a:t>    or </a:t>
+              <a:t>			    this </a:t>
             </a:r>
             <a:r>
               <a:rPr lang="en-US" sz="1800" dirty="0">
@@ -6723,68 +6874,10 @@
                   <a:schemeClr val="tx1"/>
                 </a:solidFill>
               </a:rPr>
-              <a:t>“</a:t>
-            </a:r>
-            <a:r>
-              <a:rPr lang="en-US" sz="1800" dirty="0" smtClean="0">
-                <a:solidFill>
-                  <a:schemeClr val="tx1"/>
-                </a:solidFill>
-              </a:rPr>
-              <a:t>Dissert” to </a:t>
-            </a:r>
-            <a:r>
-              <a:rPr lang="en-US" sz="1800" dirty="0">
-                <a:solidFill>
-                  <a:schemeClr val="tx1"/>
-                </a:solidFill>
-              </a:rPr>
-              <a:t>order.</a:t>
-            </a:r>
-          </a:p>
-          <a:p>
-            <a:r>
-              <a:rPr lang="en-US" sz="1800" dirty="0">
-                <a:solidFill>
-                  <a:schemeClr val="tx1"/>
-                </a:solidFill>
-              </a:rPr>
-              <a:t>7. Sort the courses by hitting </a:t>
-            </a:r>
-            <a:r>
-              <a:rPr lang="en-US" sz="1800" dirty="0" smtClean="0">
-                <a:solidFill>
-                  <a:schemeClr val="tx1"/>
-                </a:solidFill>
-              </a:rPr>
-              <a:t>	8</a:t>
-            </a:r>
-            <a:r>
-              <a:rPr lang="en-US" sz="1800" dirty="0">
-                <a:solidFill>
-                  <a:schemeClr val="tx1"/>
-                </a:solidFill>
-              </a:rPr>
-              <a:t>. Display courses of the chosen the </a:t>
-            </a:r>
-          </a:p>
-          <a:p>
-            <a:r>
-              <a:rPr lang="en-US" sz="1800" dirty="0" smtClean="0">
-                <a:solidFill>
-                  <a:schemeClr val="tx1"/>
-                </a:solidFill>
-              </a:rPr>
-              <a:t>    sorting button.			    category</a:t>
-            </a:r>
-            <a:r>
-              <a:rPr lang="en-US" sz="1800" dirty="0">
-                <a:solidFill>
-                  <a:schemeClr val="tx1"/>
-                </a:solidFill>
-              </a:rPr>
-              <a:t>.</a:t>
-            </a:r>
+              <a:t>table.</a:t>
+            </a:r>
+          </a:p>
+          <a:p>
             <a:endParaRPr lang="en-US" sz="1800" dirty="0" smtClean="0">
               <a:solidFill>
                 <a:schemeClr val="tx1"/>
@@ -6793,245 +6886,6 @@
           </a:p>
           <a:p>
             <a:r>
-              <a:rPr lang="en-US" sz="1800" dirty="0" smtClean="0">
-                <a:solidFill>
-                  <a:schemeClr val="tx1"/>
-                </a:solidFill>
-              </a:rPr>
-              <a:t>9</a:t>
-            </a:r>
-            <a:r>
-              <a:rPr lang="en-US" sz="1800" dirty="0">
-                <a:solidFill>
-                  <a:schemeClr val="tx1"/>
-                </a:solidFill>
-              </a:rPr>
-              <a:t>. Check the courses and input </a:t>
-            </a:r>
-            <a:r>
-              <a:rPr lang="en-US" sz="1800" dirty="0" smtClean="0">
-                <a:solidFill>
-                  <a:schemeClr val="tx1"/>
-                </a:solidFill>
-              </a:rPr>
-              <a:t>	</a:t>
-            </a:r>
-            <a:r>
-              <a:rPr lang="en-US" sz="1800" dirty="0">
-                <a:solidFill>
-                  <a:schemeClr val="tx1"/>
-                </a:solidFill>
-              </a:rPr>
-              <a:t>10. Display the course names and the amount, click “Done” 	</a:t>
-            </a:r>
-            <a:r>
-              <a:rPr lang="en-US" sz="1800" dirty="0" smtClean="0">
-                <a:solidFill>
-                  <a:schemeClr val="tx1"/>
-                </a:solidFill>
-              </a:rPr>
-              <a:t>	    total </a:t>
-            </a:r>
-            <a:r>
-              <a:rPr lang="en-US" sz="1800" dirty="0">
-                <a:solidFill>
-                  <a:schemeClr val="tx1"/>
-                </a:solidFill>
-              </a:rPr>
-              <a:t>price</a:t>
-            </a:r>
-            <a:r>
-              <a:rPr lang="en-US" sz="1800" dirty="0" smtClean="0">
-                <a:solidFill>
-                  <a:schemeClr val="tx1"/>
-                </a:solidFill>
-              </a:rPr>
-              <a:t>. </a:t>
-            </a:r>
-            <a:r>
-              <a:rPr lang="en-US" sz="1800" dirty="0">
-                <a:solidFill>
-                  <a:schemeClr val="tx1"/>
-                </a:solidFill>
-              </a:rPr>
-              <a:t>Display “Next” button</a:t>
-            </a:r>
-            <a:r>
-              <a:rPr lang="en-US" sz="1800" dirty="0" smtClean="0">
-                <a:solidFill>
-                  <a:schemeClr val="tx1"/>
-                </a:solidFill>
-              </a:rPr>
-              <a:t>,</a:t>
-            </a:r>
-          </a:p>
-          <a:p>
-            <a:r>
-              <a:rPr lang="en-US" sz="1800" dirty="0" smtClean="0">
-                <a:solidFill>
-                  <a:schemeClr val="tx1"/>
-                </a:solidFill>
-              </a:rPr>
-              <a:t>when </a:t>
-            </a:r>
-            <a:r>
-              <a:rPr lang="en-US" sz="1800" dirty="0">
-                <a:solidFill>
-                  <a:schemeClr val="tx1"/>
-                </a:solidFill>
-              </a:rPr>
-              <a:t>the order is completed.	</a:t>
-            </a:r>
-            <a:r>
-              <a:rPr lang="en-US" sz="1800" dirty="0" smtClean="0">
-                <a:solidFill>
-                  <a:schemeClr val="tx1"/>
-                </a:solidFill>
-              </a:rPr>
-              <a:t>    if </a:t>
-            </a:r>
-            <a:r>
-              <a:rPr lang="en-US" sz="1800" dirty="0">
-                <a:solidFill>
-                  <a:schemeClr val="tx1"/>
-                </a:solidFill>
-              </a:rPr>
-              <a:t>any other guests </a:t>
-            </a:r>
-            <a:r>
-              <a:rPr lang="en-US" sz="1800" dirty="0" smtClean="0">
-                <a:solidFill>
-                  <a:schemeClr val="tx1"/>
-                </a:solidFill>
-              </a:rPr>
-              <a:t>need to </a:t>
-            </a:r>
-            <a:r>
-              <a:rPr lang="en-US" sz="1800" dirty="0">
-                <a:solidFill>
-                  <a:schemeClr val="tx1"/>
-                </a:solidFill>
-              </a:rPr>
-              <a:t>order, </a:t>
-            </a:r>
-            <a:r>
-              <a:rPr lang="en-US" sz="1800" dirty="0" smtClean="0">
-                <a:solidFill>
-                  <a:schemeClr val="tx1"/>
-                </a:solidFill>
-              </a:rPr>
-              <a:t>				    then </a:t>
-            </a:r>
-            <a:r>
-              <a:rPr lang="en-US" sz="1800" dirty="0">
-                <a:solidFill>
-                  <a:schemeClr val="tx1"/>
-                </a:solidFill>
-              </a:rPr>
-              <a:t>go to step 2. Otherwise, </a:t>
-            </a:r>
-            <a:r>
-              <a:rPr lang="en-US" sz="1800" dirty="0" smtClean="0">
-                <a:solidFill>
-                  <a:schemeClr val="tx1"/>
-                </a:solidFill>
-              </a:rPr>
-              <a:t>					    display a </a:t>
-            </a:r>
-            <a:r>
-              <a:rPr lang="en-US" sz="1800" dirty="0">
-                <a:solidFill>
-                  <a:schemeClr val="tx1"/>
-                </a:solidFill>
-              </a:rPr>
-              <a:t>textbox for table number </a:t>
-            </a:r>
-            <a:r>
-              <a:rPr lang="en-US" sz="1800" dirty="0" smtClean="0">
-                <a:solidFill>
-                  <a:schemeClr val="tx1"/>
-                </a:solidFill>
-              </a:rPr>
-              <a:t>				    and </a:t>
-            </a:r>
-            <a:r>
-              <a:rPr lang="en-US" sz="1800" dirty="0">
-                <a:solidFill>
-                  <a:schemeClr val="tx1"/>
-                </a:solidFill>
-              </a:rPr>
-              <a:t>a “Print” button.</a:t>
-            </a:r>
-          </a:p>
-          <a:p>
-            <a:r>
-              <a:rPr lang="en-US" sz="1800" dirty="0">
-                <a:solidFill>
-                  <a:schemeClr val="tx1"/>
-                </a:solidFill>
-              </a:rPr>
-              <a:t>11. Type in table number, click </a:t>
-            </a:r>
-            <a:r>
-              <a:rPr lang="en-US" sz="1800" dirty="0" smtClean="0">
-                <a:solidFill>
-                  <a:schemeClr val="tx1"/>
-                </a:solidFill>
-              </a:rPr>
-              <a:t>	</a:t>
-            </a:r>
-            <a:r>
-              <a:rPr lang="en-US" sz="1800" dirty="0">
-                <a:solidFill>
-                  <a:schemeClr val="tx1"/>
-                </a:solidFill>
-              </a:rPr>
-              <a:t>12. Print out an order summary of </a:t>
-            </a:r>
-          </a:p>
-          <a:p>
-            <a:r>
-              <a:rPr lang="en-US" sz="1800" dirty="0" smtClean="0">
-                <a:solidFill>
-                  <a:schemeClr val="tx1"/>
-                </a:solidFill>
-              </a:rPr>
-              <a:t>    “</a:t>
-            </a:r>
-            <a:r>
-              <a:rPr lang="en-US" sz="1800" dirty="0">
-                <a:solidFill>
-                  <a:schemeClr val="tx1"/>
-                </a:solidFill>
-              </a:rPr>
-              <a:t>Print”. </a:t>
-            </a:r>
-            <a:r>
-              <a:rPr lang="en-US" sz="1800" dirty="0" smtClean="0">
-                <a:solidFill>
-                  <a:schemeClr val="tx1"/>
-                </a:solidFill>
-              </a:rPr>
-              <a:t>			    this </a:t>
-            </a:r>
-            <a:r>
-              <a:rPr lang="en-US" sz="1800" dirty="0">
-                <a:solidFill>
-                  <a:schemeClr val="tx1"/>
-                </a:solidFill>
-              </a:rPr>
-              <a:t>table.</a:t>
-            </a:r>
-          </a:p>
-          <a:p>
-            <a:endParaRPr lang="en-US" sz="1800" dirty="0" smtClean="0">
-              <a:solidFill>
-                <a:schemeClr val="tx1"/>
-              </a:solidFill>
-            </a:endParaRPr>
-          </a:p>
-          <a:p>
-            <a:r>
               <a:rPr lang="en-US" sz="1800" dirty="0">
                 <a:solidFill>
                   <a:schemeClr val="tx1"/>
@@ -7045,7 +6899,7 @@
     </p:spTree>
     <p:extLst>
       <p:ext uri="{BB962C8B-B14F-4D97-AF65-F5344CB8AC3E}">
-        <p14:creationId xmlns:p14="http://schemas.microsoft.com/office/powerpoint/2010/main" val="1100892353"/>
+        <p14:creationId xmlns:p14="http://schemas.microsoft.com/office/powerpoint/2010/main" xmlns="" val="1100892353"/>
       </p:ext>
     </p:extLst>
   </p:cSld>
@@ -7515,7 +7369,7 @@
     </p:spTree>
     <p:extLst>
       <p:ext uri="{BB962C8B-B14F-4D97-AF65-F5344CB8AC3E}">
-        <p14:creationId xmlns:p14="http://schemas.microsoft.com/office/powerpoint/2010/main" val="1396403314"/>
+        <p14:creationId xmlns:p14="http://schemas.microsoft.com/office/powerpoint/2010/main" xmlns="" val="1396403314"/>
       </p:ext>
     </p:extLst>
   </p:cSld>
@@ -7981,7 +7835,7 @@
     </p:spTree>
     <p:extLst>
       <p:ext uri="{BB962C8B-B14F-4D97-AF65-F5344CB8AC3E}">
-        <p14:creationId xmlns:p14="http://schemas.microsoft.com/office/powerpoint/2010/main" val="2871933422"/>
+        <p14:creationId xmlns:p14="http://schemas.microsoft.com/office/powerpoint/2010/main" xmlns="" val="2871933422"/>
       </p:ext>
     </p:extLst>
   </p:cSld>
@@ -8035,7 +7889,7 @@
     </p:spTree>
     <p:extLst>
       <p:ext uri="{BB962C8B-B14F-4D97-AF65-F5344CB8AC3E}">
-        <p14:creationId xmlns:p14="http://schemas.microsoft.com/office/powerpoint/2010/main" val="777232676"/>
+        <p14:creationId xmlns:p14="http://schemas.microsoft.com/office/powerpoint/2010/main" xmlns="" val="777232676"/>
       </p:ext>
     </p:extLst>
   </p:cSld>
@@ -8881,7 +8735,7 @@
     </p:spTree>
     <p:extLst>
       <p:ext uri="{BB962C8B-B14F-4D97-AF65-F5344CB8AC3E}">
-        <p14:creationId xmlns:p14="http://schemas.microsoft.com/office/powerpoint/2010/main" val="1128754518"/>
+        <p14:creationId xmlns:p14="http://schemas.microsoft.com/office/powerpoint/2010/main" xmlns="" val="1128754518"/>
       </p:ext>
     </p:extLst>
   </p:cSld>
@@ -9295,7 +9149,7 @@
       </p:sp>
       <p:pic>
         <p:nvPicPr>
-          <p:cNvPr id="4" name="Picture 3"/>
+          <p:cNvPr id="5" name="Picture 4"/>
           <p:cNvPicPr>
             <a:picLocks noChangeAspect="1"/>
           </p:cNvPicPr>
@@ -9305,37 +9159,7 @@
           <a:blip r:embed="rId2">
             <a:extLst>
               <a:ext uri="{28A0092B-C50C-407E-A947-70E740481C1C}">
-                <a14:useLocalDpi xmlns:a14="http://schemas.microsoft.com/office/drawing/2010/main" val="0"/>
-              </a:ext>
-            </a:extLst>
-          </a:blip>
-          <a:stretch>
-            <a:fillRect/>
-          </a:stretch>
-        </p:blipFill>
-        <p:spPr>
-          <a:xfrm>
-            <a:off x="4343400" y="1111120"/>
-            <a:ext cx="4621763" cy="3886200"/>
-          </a:xfrm>
-          <a:prstGeom prst="rect">
-            <a:avLst/>
-          </a:prstGeom>
-        </p:spPr>
-      </p:pic>
-      <p:pic>
-        <p:nvPicPr>
-          <p:cNvPr id="5" name="Picture 4"/>
-          <p:cNvPicPr>
-            <a:picLocks noChangeAspect="1"/>
-          </p:cNvPicPr>
-          <p:nvPr/>
-        </p:nvPicPr>
-        <p:blipFill>
-          <a:blip r:embed="rId3">
-            <a:extLst>
-              <a:ext uri="{28A0092B-C50C-407E-A947-70E740481C1C}">
-                <a14:useLocalDpi xmlns:a14="http://schemas.microsoft.com/office/drawing/2010/main" val="0"/>
+                <a14:useLocalDpi xmlns:a14="http://schemas.microsoft.com/office/drawing/2010/main" xmlns="" val="0"/>
               </a:ext>
             </a:extLst>
           </a:blip>
@@ -9353,10 +9177,36 @@
           </a:prstGeom>
         </p:spPr>
       </p:pic>
+      <p:pic>
+        <p:nvPicPr>
+          <p:cNvPr id="1026" name="Picture 2" descr="E:\CSC640\CSC640-Project\Graph\Reservation.jpg"/>
+          <p:cNvPicPr>
+            <a:picLocks noChangeAspect="1" noChangeArrowheads="1"/>
+          </p:cNvPicPr>
+          <p:nvPr/>
+        </p:nvPicPr>
+        <p:blipFill>
+          <a:blip r:embed="rId3"/>
+          <a:srcRect/>
+          <a:stretch>
+            <a:fillRect/>
+          </a:stretch>
+        </p:blipFill>
+        <p:spPr bwMode="auto">
+          <a:xfrm>
+            <a:off x="4343400" y="1123949"/>
+            <a:ext cx="3886200" cy="3886201"/>
+          </a:xfrm>
+          <a:prstGeom prst="rect">
+            <a:avLst/>
+          </a:prstGeom>
+          <a:noFill/>
+        </p:spPr>
+      </p:pic>
     </p:spTree>
     <p:extLst>
       <p:ext uri="{BB962C8B-B14F-4D97-AF65-F5344CB8AC3E}">
-        <p14:creationId xmlns:p14="http://schemas.microsoft.com/office/powerpoint/2010/main" val="734684643"/>
+        <p14:creationId xmlns:p14="http://schemas.microsoft.com/office/powerpoint/2010/main" xmlns="" val="734684643"/>
       </p:ext>
     </p:extLst>
   </p:cSld>
@@ -9507,15 +9357,7 @@
                   <a:schemeClr val="dk1"/>
                 </a:solidFill>
               </a:rPr>
-              <a:t>The receptionist must have the basic information of the </a:t>
-            </a:r>
-            <a:r>
-              <a:rPr lang="en-US" sz="2400" dirty="0">
-                <a:solidFill>
-                  <a:schemeClr val="dk1"/>
-                </a:solidFill>
-              </a:rPr>
-              <a:t>customer.</a:t>
+              <a:t>The receptionist must have the basic information of the customer.</a:t>
             </a:r>
             <a:endParaRPr lang="en" sz="2400" dirty="0">
               <a:solidFill>
@@ -9629,7 +9471,7 @@
     </p:spTree>
     <p:extLst>
       <p:ext uri="{BB962C8B-B14F-4D97-AF65-F5344CB8AC3E}">
-        <p14:creationId xmlns:p14="http://schemas.microsoft.com/office/powerpoint/2010/main" val="3009246632"/>
+        <p14:creationId xmlns:p14="http://schemas.microsoft.com/office/powerpoint/2010/main" xmlns="" val="3009246632"/>
       </p:ext>
     </p:extLst>
   </p:cSld>
@@ -9782,7 +9624,7 @@
           <a:blip r:embed="rId3">
             <a:extLst>
               <a:ext uri="{28A0092B-C50C-407E-A947-70E740481C1C}">
-                <a14:useLocalDpi xmlns:a14="http://schemas.microsoft.com/office/drawing/2010/main" val="0"/>
+                <a14:useLocalDpi xmlns:a14="http://schemas.microsoft.com/office/drawing/2010/main" xmlns="" val="0"/>
               </a:ext>
             </a:extLst>
           </a:blip>
@@ -9806,14 +9648,14 @@
           <a:effectLst/>
           <a:extLst>
             <a:ext uri="{909E8E84-426E-40DD-AFC4-6F175D3DCCD1}">
-              <a14:hiddenFill xmlns:a14="http://schemas.microsoft.com/office/drawing/2010/main">
+              <a14:hiddenFill xmlns:a14="http://schemas.microsoft.com/office/drawing/2010/main" xmlns="">
                 <a:solidFill>
                   <a:schemeClr val="accent1"/>
                 </a:solidFill>
               </a14:hiddenFill>
             </a:ext>
             <a:ext uri="{91240B29-F687-4F45-9708-019B960494DF}">
-              <a14:hiddenLine xmlns:a14="http://schemas.microsoft.com/office/drawing/2010/main" w="9525">
+              <a14:hiddenLine xmlns:a14="http://schemas.microsoft.com/office/drawing/2010/main" xmlns="" w="9525">
                 <a:solidFill>
                   <a:schemeClr val="tx1"/>
                 </a:solidFill>
@@ -9823,7 +9665,7 @@
               </a14:hiddenLine>
             </a:ext>
             <a:ext uri="{AF507438-7753-43E0-B8FC-AC1667EBCBE1}">
-              <a14:hiddenEffects xmlns:a14="http://schemas.microsoft.com/office/drawing/2010/main">
+              <a14:hiddenEffects xmlns:a14="http://schemas.microsoft.com/office/drawing/2010/main" xmlns="">
                 <a:effectLst>
                   <a:outerShdw dist="35921" dir="2700000" algn="ctr" rotWithShape="0">
                     <a:schemeClr val="bg2"/>

--- a/Project Part I.pptx
+++ b/Project Part I.pptx
@@ -5,7 +5,7 @@
     <p:sldMasterId id="2147483654" r:id="rId1"/>
   </p:sldMasterIdLst>
   <p:notesMasterIdLst>
-    <p:notesMasterId r:id="rId21"/>
+    <p:notesMasterId r:id="rId23"/>
   </p:notesMasterIdLst>
   <p:sldIdLst>
     <p:sldId id="256" r:id="rId2"/>
@@ -22,11 +22,13 @@
     <p:sldId id="275" r:id="rId13"/>
     <p:sldId id="274" r:id="rId14"/>
     <p:sldId id="264" r:id="rId15"/>
-    <p:sldId id="276" r:id="rId16"/>
-    <p:sldId id="265" r:id="rId17"/>
-    <p:sldId id="267" r:id="rId18"/>
-    <p:sldId id="268" r:id="rId19"/>
-    <p:sldId id="266" r:id="rId20"/>
+    <p:sldId id="266" r:id="rId16"/>
+    <p:sldId id="267" r:id="rId17"/>
+    <p:sldId id="276" r:id="rId18"/>
+    <p:sldId id="277" r:id="rId19"/>
+    <p:sldId id="278" r:id="rId20"/>
+    <p:sldId id="279" r:id="rId21"/>
+    <p:sldId id="268" r:id="rId22"/>
   </p:sldIdLst>
   <p:sldSz cx="9144000" cy="5143500" type="screen16x9"/>
   <p:notesSz cx="6858000" cy="9144000"/>
@@ -397,7 +399,7 @@
     </p:spTree>
     <p:extLst>
       <p:ext uri="{BB962C8B-B14F-4D97-AF65-F5344CB8AC3E}">
-        <p14:creationId xmlns:p14="http://schemas.microsoft.com/office/powerpoint/2010/main" xmlns="" val="935478130"/>
+        <p14:creationId xmlns:p14="http://schemas.microsoft.com/office/powerpoint/2010/main" val="935478130"/>
       </p:ext>
     </p:extLst>
   </p:cSld>
@@ -4972,6 +4974,13 @@
   <p:transition spd="slow">
     <p:cut/>
   </p:transition>
+  <p:timing>
+    <p:tnLst>
+      <p:par>
+        <p:cTn id="1" dur="indefinite" restart="never" nodeType="tmRoot"/>
+      </p:par>
+    </p:tnLst>
+  </p:timing>
 </p:sld>
 </file>
 
@@ -5309,7 +5318,7 @@
     </p:spTree>
     <p:extLst>
       <p:ext uri="{BB962C8B-B14F-4D97-AF65-F5344CB8AC3E}">
-        <p14:creationId xmlns:p14="http://schemas.microsoft.com/office/powerpoint/2010/main" xmlns="" val="766149795"/>
+        <p14:creationId xmlns:p14="http://schemas.microsoft.com/office/powerpoint/2010/main" val="766149795"/>
       </p:ext>
     </p:extLst>
   </p:cSld>
@@ -5379,9 +5388,9 @@
       </p:sp>
       <p:pic>
         <p:nvPicPr>
-          <p:cNvPr id="3074" name="Picture 2"/>
+          <p:cNvPr id="5" name="Picture 4"/>
           <p:cNvPicPr>
-            <a:picLocks noChangeAspect="1" noChangeArrowheads="1"/>
+            <a:picLocks noChangeAspect="1"/>
           </p:cNvPicPr>
           <p:nvPr/>
         </p:nvPicPr>
@@ -5389,62 +5398,28 @@
           <a:blip r:embed="rId2">
             <a:extLst>
               <a:ext uri="{28A0092B-C50C-407E-A947-70E740481C1C}">
-                <a14:useLocalDpi xmlns:a14="http://schemas.microsoft.com/office/drawing/2010/main" xmlns="" val="0"/>
+                <a14:useLocalDpi xmlns:a14="http://schemas.microsoft.com/office/drawing/2010/main" val="0"/>
               </a:ext>
             </a:extLst>
           </a:blip>
-          <a:srcRect/>
           <a:stretch>
             <a:fillRect/>
           </a:stretch>
         </p:blipFill>
-        <p:spPr bwMode="auto">
+        <p:spPr>
           <a:xfrm>
-            <a:off x="1600199" y="1276350"/>
-            <a:ext cx="4038601" cy="3533775"/>
+            <a:off x="1162050" y="1200150"/>
+            <a:ext cx="6819900" cy="3514725"/>
           </a:xfrm>
           <a:prstGeom prst="rect">
             <a:avLst/>
           </a:prstGeom>
-          <a:noFill/>
-          <a:ln>
-            <a:noFill/>
-          </a:ln>
-          <a:effectLst/>
-          <a:extLst>
-            <a:ext uri="{909E8E84-426E-40DD-AFC4-6F175D3DCCD1}">
-              <a14:hiddenFill xmlns:a14="http://schemas.microsoft.com/office/drawing/2010/main" xmlns="">
-                <a:solidFill>
-                  <a:schemeClr val="accent1"/>
-                </a:solidFill>
-              </a14:hiddenFill>
-            </a:ext>
-            <a:ext uri="{91240B29-F687-4F45-9708-019B960494DF}">
-              <a14:hiddenLine xmlns:a14="http://schemas.microsoft.com/office/drawing/2010/main" xmlns="" w="9525">
-                <a:solidFill>
-                  <a:schemeClr val="tx1"/>
-                </a:solidFill>
-                <a:miter lim="800000"/>
-                <a:headEnd/>
-                <a:tailEnd/>
-              </a14:hiddenLine>
-            </a:ext>
-            <a:ext uri="{AF507438-7753-43E0-B8FC-AC1667EBCBE1}">
-              <a14:hiddenEffects xmlns:a14="http://schemas.microsoft.com/office/drawing/2010/main" xmlns="">
-                <a:effectLst>
-                  <a:outerShdw dist="35921" dir="2700000" algn="ctr" rotWithShape="0">
-                    <a:schemeClr val="bg2"/>
-                  </a:outerShdw>
-                </a:effectLst>
-              </a14:hiddenEffects>
-            </a:ext>
-          </a:extLst>
         </p:spPr>
       </p:pic>
     </p:spTree>
     <p:extLst>
       <p:ext uri="{BB962C8B-B14F-4D97-AF65-F5344CB8AC3E}">
-        <p14:creationId xmlns:p14="http://schemas.microsoft.com/office/powerpoint/2010/main" xmlns="" val="1948377228"/>
+        <p14:creationId xmlns:p14="http://schemas.microsoft.com/office/powerpoint/2010/main" val="1948377228"/>
       </p:ext>
     </p:extLst>
   </p:cSld>
@@ -5795,7 +5770,7 @@
     </p:spTree>
     <p:extLst>
       <p:ext uri="{BB962C8B-B14F-4D97-AF65-F5344CB8AC3E}">
-        <p14:creationId xmlns:p14="http://schemas.microsoft.com/office/powerpoint/2010/main" xmlns="" val="3413301914"/>
+        <p14:creationId xmlns:p14="http://schemas.microsoft.com/office/powerpoint/2010/main" val="3413301914"/>
       </p:ext>
     </p:extLst>
   </p:cSld>
@@ -5865,9 +5840,9 @@
       </p:sp>
       <p:pic>
         <p:nvPicPr>
-          <p:cNvPr id="5122" name="Picture 2"/>
+          <p:cNvPr id="4" name="Picture 3"/>
           <p:cNvPicPr>
-            <a:picLocks noChangeAspect="1" noChangeArrowheads="1"/>
+            <a:picLocks noChangeAspect="1"/>
           </p:cNvPicPr>
           <p:nvPr/>
         </p:nvPicPr>
@@ -5875,62 +5850,28 @@
           <a:blip r:embed="rId2">
             <a:extLst>
               <a:ext uri="{28A0092B-C50C-407E-A947-70E740481C1C}">
-                <a14:useLocalDpi xmlns:a14="http://schemas.microsoft.com/office/drawing/2010/main" xmlns="" val="0"/>
+                <a14:useLocalDpi xmlns:a14="http://schemas.microsoft.com/office/drawing/2010/main" val="0"/>
               </a:ext>
             </a:extLst>
           </a:blip>
-          <a:srcRect/>
           <a:stretch>
             <a:fillRect/>
           </a:stretch>
         </p:blipFill>
-        <p:spPr bwMode="auto">
+        <p:spPr>
           <a:xfrm>
-            <a:off x="2133600" y="1276350"/>
-            <a:ext cx="3657600" cy="3657600"/>
+            <a:off x="1600200" y="1123949"/>
+            <a:ext cx="5586413" cy="4014787"/>
           </a:xfrm>
           <a:prstGeom prst="rect">
             <a:avLst/>
           </a:prstGeom>
-          <a:noFill/>
-          <a:ln>
-            <a:noFill/>
-          </a:ln>
-          <a:effectLst/>
-          <a:extLst>
-            <a:ext uri="{909E8E84-426E-40DD-AFC4-6F175D3DCCD1}">
-              <a14:hiddenFill xmlns:a14="http://schemas.microsoft.com/office/drawing/2010/main" xmlns="">
-                <a:solidFill>
-                  <a:schemeClr val="accent1"/>
-                </a:solidFill>
-              </a14:hiddenFill>
-            </a:ext>
-            <a:ext uri="{91240B29-F687-4F45-9708-019B960494DF}">
-              <a14:hiddenLine xmlns:a14="http://schemas.microsoft.com/office/drawing/2010/main" xmlns="" w="9525">
-                <a:solidFill>
-                  <a:schemeClr val="tx1"/>
-                </a:solidFill>
-                <a:miter lim="800000"/>
-                <a:headEnd/>
-                <a:tailEnd/>
-              </a14:hiddenLine>
-            </a:ext>
-            <a:ext uri="{AF507438-7753-43E0-B8FC-AC1667EBCBE1}">
-              <a14:hiddenEffects xmlns:a14="http://schemas.microsoft.com/office/drawing/2010/main" xmlns="">
-                <a:effectLst>
-                  <a:outerShdw dist="35921" dir="2700000" algn="ctr" rotWithShape="0">
-                    <a:schemeClr val="bg2"/>
-                  </a:outerShdw>
-                </a:effectLst>
-              </a14:hiddenEffects>
-            </a:ext>
-          </a:extLst>
         </p:spPr>
       </p:pic>
     </p:spTree>
     <p:extLst>
       <p:ext uri="{BB962C8B-B14F-4D97-AF65-F5344CB8AC3E}">
-        <p14:creationId xmlns:p14="http://schemas.microsoft.com/office/powerpoint/2010/main" xmlns="" val="2057022517"/>
+        <p14:creationId xmlns:p14="http://schemas.microsoft.com/office/powerpoint/2010/main" val="2057022517"/>
       </p:ext>
     </p:extLst>
   </p:cSld>
@@ -6215,7 +6156,7 @@
     </p:spTree>
     <p:extLst>
       <p:ext uri="{BB962C8B-B14F-4D97-AF65-F5344CB8AC3E}">
-        <p14:creationId xmlns:p14="http://schemas.microsoft.com/office/powerpoint/2010/main" xmlns="" val="2259188037"/>
+        <p14:creationId xmlns:p14="http://schemas.microsoft.com/office/powerpoint/2010/main" val="2259188037"/>
       </p:ext>
     </p:extLst>
   </p:cSld>
@@ -6251,69 +6192,1302 @@
       </p:grpSpPr>
       <p:sp>
         <p:nvSpPr>
-          <p:cNvPr id="3" name="Title 2"/>
+          <p:cNvPr id="6" name="Text Placeholder 5"/>
           <p:cNvSpPr>
             <a:spLocks noGrp="1"/>
           </p:cNvSpPr>
           <p:nvPr>
-            <p:ph type="title"/>
+            <p:ph type="body" idx="1"/>
           </p:nvPr>
         </p:nvSpPr>
-        <p:spPr/>
+        <p:spPr>
+          <a:xfrm>
+            <a:off x="457200" y="209550"/>
+            <a:ext cx="8229600" cy="4664992"/>
+          </a:xfrm>
+        </p:spPr>
         <p:txBody>
           <a:bodyPr/>
           <a:lstStyle/>
           <a:p>
             <a:r>
-              <a:rPr lang="en-US" dirty="0" smtClean="0">
+              <a:rPr lang="en-US" sz="1800" b="1" dirty="0">
                 <a:solidFill>
                   <a:schemeClr val="bg1"/>
                 </a:solidFill>
               </a:rPr>
-              <a:t>Order Page</a:t>
-            </a:r>
-            <a:endParaRPr lang="en-US" dirty="0">
-              <a:solidFill>
-                <a:schemeClr val="bg1"/>
-              </a:solidFill>
-            </a:endParaRPr>
+              <a:t>Steps:</a:t>
+            </a:r>
+          </a:p>
+          <a:p>
+            <a:endParaRPr lang="en-US" dirty="0"/>
           </a:p>
         </p:txBody>
       </p:sp>
-      <p:pic>
-        <p:nvPicPr>
-          <p:cNvPr id="4" name="Picture 3"/>
-          <p:cNvPicPr>
-            <a:picLocks noChangeAspect="1"/>
-          </p:cNvPicPr>
-          <p:nvPr/>
-        </p:nvPicPr>
-        <p:blipFill>
-          <a:blip r:embed="rId2">
-            <a:extLst>
-              <a:ext uri="{28A0092B-C50C-407E-A947-70E740481C1C}">
-                <a14:useLocalDpi xmlns:a14="http://schemas.microsoft.com/office/drawing/2010/main" xmlns="" val="0"/>
-              </a:ext>
-            </a:extLst>
-          </a:blip>
-          <a:stretch>
-            <a:fillRect/>
-          </a:stretch>
-        </p:blipFill>
-        <p:spPr>
-          <a:xfrm>
-            <a:off x="1600199" y="1200150"/>
-            <a:ext cx="5943601" cy="3586162"/>
-          </a:xfrm>
-          <a:prstGeom prst="rect">
-            <a:avLst/>
-          </a:prstGeom>
-        </p:spPr>
-      </p:pic>
+      <p:graphicFrame>
+        <p:nvGraphicFramePr>
+          <p:cNvPr id="7" name="Table 6"/>
+          <p:cNvGraphicFramePr>
+            <a:graphicFrameLocks noGrp="1"/>
+          </p:cNvGraphicFramePr>
+          <p:nvPr>
+            <p:extLst>
+              <p:ext uri="{D42A27DB-BD31-4B8C-83A1-F6EECF244321}">
+                <p14:modId xmlns:p14="http://schemas.microsoft.com/office/powerpoint/2010/main" val="758469190"/>
+              </p:ext>
+            </p:extLst>
+          </p:nvPr>
+        </p:nvGraphicFramePr>
+        <p:xfrm>
+          <a:off x="838200" y="666750"/>
+          <a:ext cx="7467602" cy="4088426"/>
+        </p:xfrm>
+        <a:graphic>
+          <a:graphicData uri="http://schemas.openxmlformats.org/drawingml/2006/table">
+            <a:tbl>
+              <a:tblPr firstRow="1" firstCol="1" bandRow="1"/>
+              <a:tblGrid>
+                <a:gridCol w="3733801"/>
+                <a:gridCol w="3733801"/>
+              </a:tblGrid>
+              <a:tr h="387501">
+                <a:tc>
+                  <a:txBody>
+                    <a:bodyPr/>
+                    <a:lstStyle/>
+                    <a:p>
+                      <a:pPr marL="0" marR="0" algn="l">
+                        <a:lnSpc>
+                          <a:spcPct val="115000"/>
+                        </a:lnSpc>
+                        <a:spcBef>
+                          <a:spcPts val="0"/>
+                        </a:spcBef>
+                        <a:spcAft>
+                          <a:spcPts val="0"/>
+                        </a:spcAft>
+                      </a:pPr>
+                      <a:r>
+                        <a:rPr lang="en-US" sz="1200" i="1" dirty="0">
+                          <a:solidFill>
+                            <a:schemeClr val="bg1"/>
+                          </a:solidFill>
+                          <a:effectLst/>
+                          <a:latin typeface="Calibri"/>
+                          <a:ea typeface="宋体"/>
+                          <a:cs typeface="Times New Roman"/>
+                        </a:rPr>
+                        <a:t>Actor actions</a:t>
+                      </a:r>
+                      <a:endParaRPr lang="en-US" sz="1200" dirty="0">
+                        <a:solidFill>
+                          <a:schemeClr val="bg1"/>
+                        </a:solidFill>
+                        <a:effectLst/>
+                        <a:latin typeface="Calibri"/>
+                        <a:ea typeface="宋体"/>
+                        <a:cs typeface="Times New Roman"/>
+                      </a:endParaRPr>
+                    </a:p>
+                  </a:txBody>
+                  <a:tcPr marL="49831" marR="49831" marT="0" marB="0">
+                    <a:lnL w="12700" cap="flat" cmpd="sng" algn="ctr">
+                      <a:solidFill>
+                        <a:srgbClr val="000000"/>
+                      </a:solidFill>
+                      <a:prstDash val="solid"/>
+                      <a:round/>
+                      <a:headEnd type="none" w="med" len="med"/>
+                      <a:tailEnd type="none" w="med" len="med"/>
+                    </a:lnL>
+                    <a:lnR w="12700" cap="flat" cmpd="sng" algn="ctr">
+                      <a:solidFill>
+                        <a:srgbClr val="000000"/>
+                      </a:solidFill>
+                      <a:prstDash val="solid"/>
+                      <a:round/>
+                      <a:headEnd type="none" w="med" len="med"/>
+                      <a:tailEnd type="none" w="med" len="med"/>
+                    </a:lnR>
+                    <a:lnT w="12700" cap="flat" cmpd="sng" algn="ctr">
+                      <a:solidFill>
+                        <a:srgbClr val="000000"/>
+                      </a:solidFill>
+                      <a:prstDash val="solid"/>
+                      <a:round/>
+                      <a:headEnd type="none" w="med" len="med"/>
+                      <a:tailEnd type="none" w="med" len="med"/>
+                    </a:lnT>
+                    <a:lnB w="12700" cap="flat" cmpd="sng" algn="ctr">
+                      <a:solidFill>
+                        <a:srgbClr val="000000"/>
+                      </a:solidFill>
+                      <a:prstDash val="solid"/>
+                      <a:round/>
+                      <a:headEnd type="none" w="med" len="med"/>
+                      <a:tailEnd type="none" w="med" len="med"/>
+                    </a:lnB>
+                  </a:tcPr>
+                </a:tc>
+                <a:tc>
+                  <a:txBody>
+                    <a:bodyPr/>
+                    <a:lstStyle/>
+                    <a:p>
+                      <a:pPr marL="0" marR="0" algn="l">
+                        <a:lnSpc>
+                          <a:spcPct val="115000"/>
+                        </a:lnSpc>
+                        <a:spcBef>
+                          <a:spcPts val="0"/>
+                        </a:spcBef>
+                        <a:spcAft>
+                          <a:spcPts val="0"/>
+                        </a:spcAft>
+                      </a:pPr>
+                      <a:r>
+                        <a:rPr lang="en-US" sz="1200" i="1" dirty="0">
+                          <a:solidFill>
+                            <a:schemeClr val="bg1"/>
+                          </a:solidFill>
+                          <a:effectLst/>
+                          <a:latin typeface="Calibri"/>
+                          <a:ea typeface="宋体"/>
+                          <a:cs typeface="Times New Roman"/>
+                        </a:rPr>
+                        <a:t>System responses</a:t>
+                      </a:r>
+                      <a:endParaRPr lang="en-US" sz="1200" dirty="0">
+                        <a:solidFill>
+                          <a:schemeClr val="bg1"/>
+                        </a:solidFill>
+                        <a:effectLst/>
+                        <a:latin typeface="Calibri"/>
+                        <a:ea typeface="宋体"/>
+                        <a:cs typeface="Times New Roman"/>
+                      </a:endParaRPr>
+                    </a:p>
+                  </a:txBody>
+                  <a:tcPr marL="49831" marR="49831" marT="0" marB="0">
+                    <a:lnL w="12700" cap="flat" cmpd="sng" algn="ctr">
+                      <a:solidFill>
+                        <a:srgbClr val="000000"/>
+                      </a:solidFill>
+                      <a:prstDash val="solid"/>
+                      <a:round/>
+                      <a:headEnd type="none" w="med" len="med"/>
+                      <a:tailEnd type="none" w="med" len="med"/>
+                    </a:lnL>
+                    <a:lnR w="12700" cap="flat" cmpd="sng" algn="ctr">
+                      <a:solidFill>
+                        <a:srgbClr val="000000"/>
+                      </a:solidFill>
+                      <a:prstDash val="solid"/>
+                      <a:round/>
+                      <a:headEnd type="none" w="med" len="med"/>
+                      <a:tailEnd type="none" w="med" len="med"/>
+                    </a:lnR>
+                    <a:lnT w="12700" cap="flat" cmpd="sng" algn="ctr">
+                      <a:solidFill>
+                        <a:srgbClr val="000000"/>
+                      </a:solidFill>
+                      <a:prstDash val="solid"/>
+                      <a:round/>
+                      <a:headEnd type="none" w="med" len="med"/>
+                      <a:tailEnd type="none" w="med" len="med"/>
+                    </a:lnT>
+                    <a:lnB w="12700" cap="flat" cmpd="sng" algn="ctr">
+                      <a:solidFill>
+                        <a:srgbClr val="000000"/>
+                      </a:solidFill>
+                      <a:prstDash val="solid"/>
+                      <a:round/>
+                      <a:headEnd type="none" w="med" len="med"/>
+                      <a:tailEnd type="none" w="med" len="med"/>
+                    </a:lnB>
+                  </a:tcPr>
+                </a:tc>
+              </a:tr>
+              <a:tr h="387501">
+                <a:tc>
+                  <a:txBody>
+                    <a:bodyPr/>
+                    <a:lstStyle/>
+                    <a:p>
+                      <a:pPr marL="0" marR="0" algn="l">
+                        <a:lnSpc>
+                          <a:spcPct val="115000"/>
+                        </a:lnSpc>
+                        <a:spcBef>
+                          <a:spcPts val="0"/>
+                        </a:spcBef>
+                        <a:spcAft>
+                          <a:spcPts val="0"/>
+                        </a:spcAft>
+                      </a:pPr>
+                      <a:r>
+                        <a:rPr lang="en-US" sz="1200" dirty="0">
+                          <a:effectLst/>
+                          <a:latin typeface="Calibri"/>
+                          <a:ea typeface="宋体"/>
+                          <a:cs typeface="Times New Roman"/>
+                        </a:rPr>
+                        <a:t>1. Choose “Order” in main page.</a:t>
+                      </a:r>
+                    </a:p>
+                  </a:txBody>
+                  <a:tcPr marL="49831" marR="49831" marT="0" marB="0">
+                    <a:lnL w="12700" cap="flat" cmpd="sng" algn="ctr">
+                      <a:solidFill>
+                        <a:srgbClr val="000000"/>
+                      </a:solidFill>
+                      <a:prstDash val="solid"/>
+                      <a:round/>
+                      <a:headEnd type="none" w="med" len="med"/>
+                      <a:tailEnd type="none" w="med" len="med"/>
+                    </a:lnL>
+                    <a:lnR w="12700" cap="flat" cmpd="sng" algn="ctr">
+                      <a:solidFill>
+                        <a:srgbClr val="000000"/>
+                      </a:solidFill>
+                      <a:prstDash val="solid"/>
+                      <a:round/>
+                      <a:headEnd type="none" w="med" len="med"/>
+                      <a:tailEnd type="none" w="med" len="med"/>
+                    </a:lnR>
+                    <a:lnT w="12700" cap="flat" cmpd="sng" algn="ctr">
+                      <a:solidFill>
+                        <a:srgbClr val="000000"/>
+                      </a:solidFill>
+                      <a:prstDash val="solid"/>
+                      <a:round/>
+                      <a:headEnd type="none" w="med" len="med"/>
+                      <a:tailEnd type="none" w="med" len="med"/>
+                    </a:lnT>
+                    <a:lnB w="12700" cap="flat" cmpd="sng" algn="ctr">
+                      <a:solidFill>
+                        <a:srgbClr val="000000"/>
+                      </a:solidFill>
+                      <a:prstDash val="solid"/>
+                      <a:round/>
+                      <a:headEnd type="none" w="med" len="med"/>
+                      <a:tailEnd type="none" w="med" len="med"/>
+                    </a:lnB>
+                  </a:tcPr>
+                </a:tc>
+                <a:tc>
+                  <a:txBody>
+                    <a:bodyPr/>
+                    <a:lstStyle/>
+                    <a:p>
+                      <a:pPr marL="0" marR="0" algn="l">
+                        <a:lnSpc>
+                          <a:spcPct val="115000"/>
+                        </a:lnSpc>
+                        <a:spcBef>
+                          <a:spcPts val="0"/>
+                        </a:spcBef>
+                        <a:spcAft>
+                          <a:spcPts val="0"/>
+                        </a:spcAft>
+                      </a:pPr>
+                      <a:r>
+                        <a:rPr lang="en-US" sz="1200">
+                          <a:effectLst/>
+                          <a:latin typeface="Calibri"/>
+                          <a:ea typeface="宋体"/>
+                          <a:cs typeface="Times New Roman"/>
+                        </a:rPr>
+                        <a:t>2. Direct to order page.</a:t>
+                      </a:r>
+                    </a:p>
+                  </a:txBody>
+                  <a:tcPr marL="49831" marR="49831" marT="0" marB="0">
+                    <a:lnL w="12700" cap="flat" cmpd="sng" algn="ctr">
+                      <a:solidFill>
+                        <a:srgbClr val="000000"/>
+                      </a:solidFill>
+                      <a:prstDash val="solid"/>
+                      <a:round/>
+                      <a:headEnd type="none" w="med" len="med"/>
+                      <a:tailEnd type="none" w="med" len="med"/>
+                    </a:lnL>
+                    <a:lnR w="12700" cap="flat" cmpd="sng" algn="ctr">
+                      <a:solidFill>
+                        <a:srgbClr val="000000"/>
+                      </a:solidFill>
+                      <a:prstDash val="solid"/>
+                      <a:round/>
+                      <a:headEnd type="none" w="med" len="med"/>
+                      <a:tailEnd type="none" w="med" len="med"/>
+                    </a:lnR>
+                    <a:lnT w="12700" cap="flat" cmpd="sng" algn="ctr">
+                      <a:solidFill>
+                        <a:srgbClr val="000000"/>
+                      </a:solidFill>
+                      <a:prstDash val="solid"/>
+                      <a:round/>
+                      <a:headEnd type="none" w="med" len="med"/>
+                      <a:tailEnd type="none" w="med" len="med"/>
+                    </a:lnT>
+                    <a:lnB w="12700" cap="flat" cmpd="sng" algn="ctr">
+                      <a:solidFill>
+                        <a:srgbClr val="000000"/>
+                      </a:solidFill>
+                      <a:prstDash val="solid"/>
+                      <a:round/>
+                      <a:headEnd type="none" w="med" len="med"/>
+                      <a:tailEnd type="none" w="med" len="med"/>
+                    </a:lnB>
+                  </a:tcPr>
+                </a:tc>
+              </a:tr>
+              <a:tr h="490629">
+                <a:tc>
+                  <a:txBody>
+                    <a:bodyPr/>
+                    <a:lstStyle/>
+                    <a:p>
+                      <a:pPr marL="0" marR="0" algn="l">
+                        <a:lnSpc>
+                          <a:spcPct val="115000"/>
+                        </a:lnSpc>
+                        <a:spcBef>
+                          <a:spcPts val="0"/>
+                        </a:spcBef>
+                        <a:spcAft>
+                          <a:spcPts val="0"/>
+                        </a:spcAft>
+                      </a:pPr>
+                      <a:r>
+                        <a:rPr lang="en-US" sz="1200" dirty="0">
+                          <a:effectLst/>
+                          <a:latin typeface="Calibri"/>
+                          <a:ea typeface="宋体"/>
+                          <a:cs typeface="Times New Roman"/>
+                        </a:rPr>
+                        <a:t>3. Type in waiter name and table number, and then click “Submit” to initialize the order page.</a:t>
+                      </a:r>
+                    </a:p>
+                  </a:txBody>
+                  <a:tcPr marL="49831" marR="49831" marT="0" marB="0">
+                    <a:lnL w="12700" cap="flat" cmpd="sng" algn="ctr">
+                      <a:solidFill>
+                        <a:srgbClr val="000000"/>
+                      </a:solidFill>
+                      <a:prstDash val="solid"/>
+                      <a:round/>
+                      <a:headEnd type="none" w="med" len="med"/>
+                      <a:tailEnd type="none" w="med" len="med"/>
+                    </a:lnL>
+                    <a:lnR w="12700" cap="flat" cmpd="sng" algn="ctr">
+                      <a:solidFill>
+                        <a:srgbClr val="000000"/>
+                      </a:solidFill>
+                      <a:prstDash val="solid"/>
+                      <a:round/>
+                      <a:headEnd type="none" w="med" len="med"/>
+                      <a:tailEnd type="none" w="med" len="med"/>
+                    </a:lnR>
+                    <a:lnT w="12700" cap="flat" cmpd="sng" algn="ctr">
+                      <a:solidFill>
+                        <a:srgbClr val="000000"/>
+                      </a:solidFill>
+                      <a:prstDash val="solid"/>
+                      <a:round/>
+                      <a:headEnd type="none" w="med" len="med"/>
+                      <a:tailEnd type="none" w="med" len="med"/>
+                    </a:lnT>
+                    <a:lnB w="12700" cap="flat" cmpd="sng" algn="ctr">
+                      <a:solidFill>
+                        <a:srgbClr val="000000"/>
+                      </a:solidFill>
+                      <a:prstDash val="solid"/>
+                      <a:round/>
+                      <a:headEnd type="none" w="med" len="med"/>
+                      <a:tailEnd type="none" w="med" len="med"/>
+                    </a:lnB>
+                  </a:tcPr>
+                </a:tc>
+                <a:tc>
+                  <a:txBody>
+                    <a:bodyPr/>
+                    <a:lstStyle/>
+                    <a:p>
+                      <a:pPr marL="0" marR="0" algn="l">
+                        <a:lnSpc>
+                          <a:spcPct val="115000"/>
+                        </a:lnSpc>
+                        <a:spcBef>
+                          <a:spcPts val="0"/>
+                        </a:spcBef>
+                        <a:spcAft>
+                          <a:spcPts val="0"/>
+                        </a:spcAft>
+                      </a:pPr>
+                      <a:r>
+                        <a:rPr lang="en-US" sz="1200">
+                          <a:effectLst/>
+                          <a:latin typeface="Calibri"/>
+                          <a:ea typeface="宋体"/>
+                          <a:cs typeface="Times New Roman"/>
+                        </a:rPr>
+                        <a:t>4. Display several rows according to the guest number, including name, order detail and a “Edit” button.</a:t>
+                      </a:r>
+                    </a:p>
+                  </a:txBody>
+                  <a:tcPr marL="49831" marR="49831" marT="0" marB="0">
+                    <a:lnL w="12700" cap="flat" cmpd="sng" algn="ctr">
+                      <a:solidFill>
+                        <a:srgbClr val="000000"/>
+                      </a:solidFill>
+                      <a:prstDash val="solid"/>
+                      <a:round/>
+                      <a:headEnd type="none" w="med" len="med"/>
+                      <a:tailEnd type="none" w="med" len="med"/>
+                    </a:lnL>
+                    <a:lnR w="12700" cap="flat" cmpd="sng" algn="ctr">
+                      <a:solidFill>
+                        <a:srgbClr val="000000"/>
+                      </a:solidFill>
+                      <a:prstDash val="solid"/>
+                      <a:round/>
+                      <a:headEnd type="none" w="med" len="med"/>
+                      <a:tailEnd type="none" w="med" len="med"/>
+                    </a:lnR>
+                    <a:lnT w="12700" cap="flat" cmpd="sng" algn="ctr">
+                      <a:solidFill>
+                        <a:srgbClr val="000000"/>
+                      </a:solidFill>
+                      <a:prstDash val="solid"/>
+                      <a:round/>
+                      <a:headEnd type="none" w="med" len="med"/>
+                      <a:tailEnd type="none" w="med" len="med"/>
+                    </a:lnT>
+                    <a:lnB w="12700" cap="flat" cmpd="sng" algn="ctr">
+                      <a:solidFill>
+                        <a:srgbClr val="000000"/>
+                      </a:solidFill>
+                      <a:prstDash val="solid"/>
+                      <a:round/>
+                      <a:headEnd type="none" w="med" len="med"/>
+                      <a:tailEnd type="none" w="med" len="med"/>
+                    </a:lnB>
+                  </a:tcPr>
+                </a:tc>
+              </a:tr>
+              <a:tr h="387501">
+                <a:tc>
+                  <a:txBody>
+                    <a:bodyPr/>
+                    <a:lstStyle/>
+                    <a:p>
+                      <a:pPr marL="0" marR="0" algn="l">
+                        <a:lnSpc>
+                          <a:spcPct val="115000"/>
+                        </a:lnSpc>
+                        <a:spcBef>
+                          <a:spcPts val="0"/>
+                        </a:spcBef>
+                        <a:spcAft>
+                          <a:spcPts val="0"/>
+                        </a:spcAft>
+                      </a:pPr>
+                      <a:r>
+                        <a:rPr lang="en-US" sz="1200" dirty="0">
+                          <a:effectLst/>
+                          <a:latin typeface="Calibri"/>
+                          <a:ea typeface="宋体"/>
+                          <a:cs typeface="Times New Roman"/>
+                        </a:rPr>
+                        <a:t>5. Choose a guest and click “Edit” button.</a:t>
+                      </a:r>
+                    </a:p>
+                  </a:txBody>
+                  <a:tcPr marL="49831" marR="49831" marT="0" marB="0">
+                    <a:lnL w="12700" cap="flat" cmpd="sng" algn="ctr">
+                      <a:solidFill>
+                        <a:srgbClr val="000000"/>
+                      </a:solidFill>
+                      <a:prstDash val="solid"/>
+                      <a:round/>
+                      <a:headEnd type="none" w="med" len="med"/>
+                      <a:tailEnd type="none" w="med" len="med"/>
+                    </a:lnL>
+                    <a:lnR w="12700" cap="flat" cmpd="sng" algn="ctr">
+                      <a:solidFill>
+                        <a:srgbClr val="000000"/>
+                      </a:solidFill>
+                      <a:prstDash val="solid"/>
+                      <a:round/>
+                      <a:headEnd type="none" w="med" len="med"/>
+                      <a:tailEnd type="none" w="med" len="med"/>
+                    </a:lnR>
+                    <a:lnT w="12700" cap="flat" cmpd="sng" algn="ctr">
+                      <a:solidFill>
+                        <a:srgbClr val="000000"/>
+                      </a:solidFill>
+                      <a:prstDash val="solid"/>
+                      <a:round/>
+                      <a:headEnd type="none" w="med" len="med"/>
+                      <a:tailEnd type="none" w="med" len="med"/>
+                    </a:lnT>
+                    <a:lnB w="12700" cap="flat" cmpd="sng" algn="ctr">
+                      <a:solidFill>
+                        <a:srgbClr val="000000"/>
+                      </a:solidFill>
+                      <a:prstDash val="solid"/>
+                      <a:round/>
+                      <a:headEnd type="none" w="med" len="med"/>
+                      <a:tailEnd type="none" w="med" len="med"/>
+                    </a:lnB>
+                  </a:tcPr>
+                </a:tc>
+                <a:tc>
+                  <a:txBody>
+                    <a:bodyPr/>
+                    <a:lstStyle/>
+                    <a:p>
+                      <a:pPr marL="0" marR="0" algn="l">
+                        <a:lnSpc>
+                          <a:spcPct val="115000"/>
+                        </a:lnSpc>
+                        <a:spcBef>
+                          <a:spcPts val="0"/>
+                        </a:spcBef>
+                        <a:spcAft>
+                          <a:spcPts val="0"/>
+                        </a:spcAft>
+                      </a:pPr>
+                      <a:r>
+                        <a:rPr lang="en-US" sz="1200">
+                          <a:effectLst/>
+                          <a:latin typeface="Calibri"/>
+                          <a:ea typeface="宋体"/>
+                          <a:cs typeface="Times New Roman"/>
+                        </a:rPr>
+                        <a:t>6. Direct to menu page.</a:t>
+                      </a:r>
+                    </a:p>
+                  </a:txBody>
+                  <a:tcPr marL="49831" marR="49831" marT="0" marB="0">
+                    <a:lnL w="12700" cap="flat" cmpd="sng" algn="ctr">
+                      <a:solidFill>
+                        <a:srgbClr val="000000"/>
+                      </a:solidFill>
+                      <a:prstDash val="solid"/>
+                      <a:round/>
+                      <a:headEnd type="none" w="med" len="med"/>
+                      <a:tailEnd type="none" w="med" len="med"/>
+                    </a:lnL>
+                    <a:lnR w="12700" cap="flat" cmpd="sng" algn="ctr">
+                      <a:solidFill>
+                        <a:srgbClr val="000000"/>
+                      </a:solidFill>
+                      <a:prstDash val="solid"/>
+                      <a:round/>
+                      <a:headEnd type="none" w="med" len="med"/>
+                      <a:tailEnd type="none" w="med" len="med"/>
+                    </a:lnR>
+                    <a:lnT w="12700" cap="flat" cmpd="sng" algn="ctr">
+                      <a:solidFill>
+                        <a:srgbClr val="000000"/>
+                      </a:solidFill>
+                      <a:prstDash val="solid"/>
+                      <a:round/>
+                      <a:headEnd type="none" w="med" len="med"/>
+                      <a:tailEnd type="none" w="med" len="med"/>
+                    </a:lnT>
+                    <a:lnB w="12700" cap="flat" cmpd="sng" algn="ctr">
+                      <a:solidFill>
+                        <a:srgbClr val="000000"/>
+                      </a:solidFill>
+                      <a:prstDash val="solid"/>
+                      <a:round/>
+                      <a:headEnd type="none" w="med" len="med"/>
+                      <a:tailEnd type="none" w="med" len="med"/>
+                    </a:lnB>
+                  </a:tcPr>
+                </a:tc>
+              </a:tr>
+              <a:tr h="387501">
+                <a:tc>
+                  <a:txBody>
+                    <a:bodyPr/>
+                    <a:lstStyle/>
+                    <a:p>
+                      <a:pPr marL="0" marR="0" algn="l">
+                        <a:lnSpc>
+                          <a:spcPct val="115000"/>
+                        </a:lnSpc>
+                        <a:spcBef>
+                          <a:spcPts val="0"/>
+                        </a:spcBef>
+                        <a:spcAft>
+                          <a:spcPts val="0"/>
+                        </a:spcAft>
+                      </a:pPr>
+                      <a:r>
+                        <a:rPr lang="en-US" sz="1200" dirty="0">
+                          <a:effectLst/>
+                          <a:latin typeface="Calibri"/>
+                          <a:ea typeface="宋体"/>
+                          <a:cs typeface="Times New Roman"/>
+                        </a:rPr>
+                        <a:t>7. Click “Appetizer”, “Entrée” or “Dissert” to order.</a:t>
+                      </a:r>
+                    </a:p>
+                  </a:txBody>
+                  <a:tcPr marL="49831" marR="49831" marT="0" marB="0">
+                    <a:lnL w="12700" cap="flat" cmpd="sng" algn="ctr">
+                      <a:solidFill>
+                        <a:srgbClr val="000000"/>
+                      </a:solidFill>
+                      <a:prstDash val="solid"/>
+                      <a:round/>
+                      <a:headEnd type="none" w="med" len="med"/>
+                      <a:tailEnd type="none" w="med" len="med"/>
+                    </a:lnL>
+                    <a:lnR w="12700" cap="flat" cmpd="sng" algn="ctr">
+                      <a:solidFill>
+                        <a:srgbClr val="000000"/>
+                      </a:solidFill>
+                      <a:prstDash val="solid"/>
+                      <a:round/>
+                      <a:headEnd type="none" w="med" len="med"/>
+                      <a:tailEnd type="none" w="med" len="med"/>
+                    </a:lnR>
+                    <a:lnT w="12700" cap="flat" cmpd="sng" algn="ctr">
+                      <a:solidFill>
+                        <a:srgbClr val="000000"/>
+                      </a:solidFill>
+                      <a:prstDash val="solid"/>
+                      <a:round/>
+                      <a:headEnd type="none" w="med" len="med"/>
+                      <a:tailEnd type="none" w="med" len="med"/>
+                    </a:lnT>
+                    <a:lnB w="12700" cap="flat" cmpd="sng" algn="ctr">
+                      <a:solidFill>
+                        <a:srgbClr val="000000"/>
+                      </a:solidFill>
+                      <a:prstDash val="solid"/>
+                      <a:round/>
+                      <a:headEnd type="none" w="med" len="med"/>
+                      <a:tailEnd type="none" w="med" len="med"/>
+                    </a:lnB>
+                  </a:tcPr>
+                </a:tc>
+                <a:tc>
+                  <a:txBody>
+                    <a:bodyPr/>
+                    <a:lstStyle/>
+                    <a:p>
+                      <a:pPr marL="0" marR="0" algn="l">
+                        <a:lnSpc>
+                          <a:spcPct val="115000"/>
+                        </a:lnSpc>
+                        <a:spcBef>
+                          <a:spcPts val="0"/>
+                        </a:spcBef>
+                        <a:spcAft>
+                          <a:spcPts val="0"/>
+                        </a:spcAft>
+                      </a:pPr>
+                      <a:r>
+                        <a:rPr lang="en-US" sz="1200">
+                          <a:effectLst/>
+                          <a:latin typeface="Calibri"/>
+                          <a:ea typeface="宋体"/>
+                          <a:cs typeface="Times New Roman"/>
+                        </a:rPr>
+                        <a:t>8. Prompt a list of menu.</a:t>
+                      </a:r>
+                    </a:p>
+                  </a:txBody>
+                  <a:tcPr marL="49831" marR="49831" marT="0" marB="0">
+                    <a:lnL w="12700" cap="flat" cmpd="sng" algn="ctr">
+                      <a:solidFill>
+                        <a:srgbClr val="000000"/>
+                      </a:solidFill>
+                      <a:prstDash val="solid"/>
+                      <a:round/>
+                      <a:headEnd type="none" w="med" len="med"/>
+                      <a:tailEnd type="none" w="med" len="med"/>
+                    </a:lnL>
+                    <a:lnR w="12700" cap="flat" cmpd="sng" algn="ctr">
+                      <a:solidFill>
+                        <a:srgbClr val="000000"/>
+                      </a:solidFill>
+                      <a:prstDash val="solid"/>
+                      <a:round/>
+                      <a:headEnd type="none" w="med" len="med"/>
+                      <a:tailEnd type="none" w="med" len="med"/>
+                    </a:lnR>
+                    <a:lnT w="12700" cap="flat" cmpd="sng" algn="ctr">
+                      <a:solidFill>
+                        <a:srgbClr val="000000"/>
+                      </a:solidFill>
+                      <a:prstDash val="solid"/>
+                      <a:round/>
+                      <a:headEnd type="none" w="med" len="med"/>
+                      <a:tailEnd type="none" w="med" len="med"/>
+                    </a:lnT>
+                    <a:lnB w="12700" cap="flat" cmpd="sng" algn="ctr">
+                      <a:solidFill>
+                        <a:srgbClr val="000000"/>
+                      </a:solidFill>
+                      <a:prstDash val="solid"/>
+                      <a:round/>
+                      <a:headEnd type="none" w="med" len="med"/>
+                      <a:tailEnd type="none" w="med" len="med"/>
+                    </a:lnB>
+                  </a:tcPr>
+                </a:tc>
+              </a:tr>
+              <a:tr h="387501">
+                <a:tc>
+                  <a:txBody>
+                    <a:bodyPr/>
+                    <a:lstStyle/>
+                    <a:p>
+                      <a:pPr marL="0" marR="0" algn="l">
+                        <a:lnSpc>
+                          <a:spcPct val="115000"/>
+                        </a:lnSpc>
+                        <a:spcBef>
+                          <a:spcPts val="0"/>
+                        </a:spcBef>
+                        <a:spcAft>
+                          <a:spcPts val="0"/>
+                        </a:spcAft>
+                      </a:pPr>
+                      <a:r>
+                        <a:rPr lang="en-US" sz="1200" dirty="0">
+                          <a:effectLst/>
+                          <a:latin typeface="Calibri"/>
+                          <a:ea typeface="宋体"/>
+                          <a:cs typeface="Times New Roman"/>
+                        </a:rPr>
+                        <a:t>9. Sort the courses by hitting the sorting button.</a:t>
+                      </a:r>
+                    </a:p>
+                  </a:txBody>
+                  <a:tcPr marL="49831" marR="49831" marT="0" marB="0">
+                    <a:lnL w="12700" cap="flat" cmpd="sng" algn="ctr">
+                      <a:solidFill>
+                        <a:srgbClr val="000000"/>
+                      </a:solidFill>
+                      <a:prstDash val="solid"/>
+                      <a:round/>
+                      <a:headEnd type="none" w="med" len="med"/>
+                      <a:tailEnd type="none" w="med" len="med"/>
+                    </a:lnL>
+                    <a:lnR w="12700" cap="flat" cmpd="sng" algn="ctr">
+                      <a:solidFill>
+                        <a:srgbClr val="000000"/>
+                      </a:solidFill>
+                      <a:prstDash val="solid"/>
+                      <a:round/>
+                      <a:headEnd type="none" w="med" len="med"/>
+                      <a:tailEnd type="none" w="med" len="med"/>
+                    </a:lnR>
+                    <a:lnT w="12700" cap="flat" cmpd="sng" algn="ctr">
+                      <a:solidFill>
+                        <a:srgbClr val="000000"/>
+                      </a:solidFill>
+                      <a:prstDash val="solid"/>
+                      <a:round/>
+                      <a:headEnd type="none" w="med" len="med"/>
+                      <a:tailEnd type="none" w="med" len="med"/>
+                    </a:lnT>
+                    <a:lnB w="12700" cap="flat" cmpd="sng" algn="ctr">
+                      <a:solidFill>
+                        <a:srgbClr val="000000"/>
+                      </a:solidFill>
+                      <a:prstDash val="solid"/>
+                      <a:round/>
+                      <a:headEnd type="none" w="med" len="med"/>
+                      <a:tailEnd type="none" w="med" len="med"/>
+                    </a:lnB>
+                  </a:tcPr>
+                </a:tc>
+                <a:tc>
+                  <a:txBody>
+                    <a:bodyPr/>
+                    <a:lstStyle/>
+                    <a:p>
+                      <a:pPr marL="0" marR="0" algn="l">
+                        <a:lnSpc>
+                          <a:spcPct val="115000"/>
+                        </a:lnSpc>
+                        <a:spcBef>
+                          <a:spcPts val="0"/>
+                        </a:spcBef>
+                        <a:spcAft>
+                          <a:spcPts val="0"/>
+                        </a:spcAft>
+                      </a:pPr>
+                      <a:r>
+                        <a:rPr lang="en-US" sz="1200">
+                          <a:effectLst/>
+                          <a:latin typeface="Calibri"/>
+                          <a:ea typeface="宋体"/>
+                          <a:cs typeface="Times New Roman"/>
+                        </a:rPr>
+                        <a:t>10. Display courses of the chosen category.</a:t>
+                      </a:r>
+                    </a:p>
+                  </a:txBody>
+                  <a:tcPr marL="49831" marR="49831" marT="0" marB="0">
+                    <a:lnL w="12700" cap="flat" cmpd="sng" algn="ctr">
+                      <a:solidFill>
+                        <a:srgbClr val="000000"/>
+                      </a:solidFill>
+                      <a:prstDash val="solid"/>
+                      <a:round/>
+                      <a:headEnd type="none" w="med" len="med"/>
+                      <a:tailEnd type="none" w="med" len="med"/>
+                    </a:lnL>
+                    <a:lnR w="12700" cap="flat" cmpd="sng" algn="ctr">
+                      <a:solidFill>
+                        <a:srgbClr val="000000"/>
+                      </a:solidFill>
+                      <a:prstDash val="solid"/>
+                      <a:round/>
+                      <a:headEnd type="none" w="med" len="med"/>
+                      <a:tailEnd type="none" w="med" len="med"/>
+                    </a:lnR>
+                    <a:lnT w="12700" cap="flat" cmpd="sng" algn="ctr">
+                      <a:solidFill>
+                        <a:srgbClr val="000000"/>
+                      </a:solidFill>
+                      <a:prstDash val="solid"/>
+                      <a:round/>
+                      <a:headEnd type="none" w="med" len="med"/>
+                      <a:tailEnd type="none" w="med" len="med"/>
+                    </a:lnT>
+                    <a:lnB w="12700" cap="flat" cmpd="sng" algn="ctr">
+                      <a:solidFill>
+                        <a:srgbClr val="000000"/>
+                      </a:solidFill>
+                      <a:prstDash val="solid"/>
+                      <a:round/>
+                      <a:headEnd type="none" w="med" len="med"/>
+                      <a:tailEnd type="none" w="med" len="med"/>
+                    </a:lnB>
+                  </a:tcPr>
+                </a:tc>
+              </a:tr>
+              <a:tr h="654174">
+                <a:tc>
+                  <a:txBody>
+                    <a:bodyPr/>
+                    <a:lstStyle/>
+                    <a:p>
+                      <a:pPr marL="0" marR="0" algn="l">
+                        <a:lnSpc>
+                          <a:spcPct val="115000"/>
+                        </a:lnSpc>
+                        <a:spcBef>
+                          <a:spcPts val="0"/>
+                        </a:spcBef>
+                        <a:spcAft>
+                          <a:spcPts val="0"/>
+                        </a:spcAft>
+                      </a:pPr>
+                      <a:r>
+                        <a:rPr lang="en-US" sz="1200" dirty="0">
+                          <a:effectLst/>
+                          <a:latin typeface="Calibri"/>
+                          <a:ea typeface="宋体"/>
+                          <a:cs typeface="Times New Roman"/>
+                        </a:rPr>
+                        <a:t>11. Choose the courses and input the amount, click “Done” when the order is completed.</a:t>
+                      </a:r>
+                    </a:p>
+                  </a:txBody>
+                  <a:tcPr marL="49831" marR="49831" marT="0" marB="0">
+                    <a:lnL w="12700" cap="flat" cmpd="sng" algn="ctr">
+                      <a:solidFill>
+                        <a:srgbClr val="000000"/>
+                      </a:solidFill>
+                      <a:prstDash val="solid"/>
+                      <a:round/>
+                      <a:headEnd type="none" w="med" len="med"/>
+                      <a:tailEnd type="none" w="med" len="med"/>
+                    </a:lnL>
+                    <a:lnR w="12700" cap="flat" cmpd="sng" algn="ctr">
+                      <a:solidFill>
+                        <a:srgbClr val="000000"/>
+                      </a:solidFill>
+                      <a:prstDash val="solid"/>
+                      <a:round/>
+                      <a:headEnd type="none" w="med" len="med"/>
+                      <a:tailEnd type="none" w="med" len="med"/>
+                    </a:lnR>
+                    <a:lnT w="12700" cap="flat" cmpd="sng" algn="ctr">
+                      <a:solidFill>
+                        <a:srgbClr val="000000"/>
+                      </a:solidFill>
+                      <a:prstDash val="solid"/>
+                      <a:round/>
+                      <a:headEnd type="none" w="med" len="med"/>
+                      <a:tailEnd type="none" w="med" len="med"/>
+                    </a:lnT>
+                    <a:lnB w="12700" cap="flat" cmpd="sng" algn="ctr">
+                      <a:solidFill>
+                        <a:srgbClr val="000000"/>
+                      </a:solidFill>
+                      <a:prstDash val="solid"/>
+                      <a:round/>
+                      <a:headEnd type="none" w="med" len="med"/>
+                      <a:tailEnd type="none" w="med" len="med"/>
+                    </a:lnB>
+                  </a:tcPr>
+                </a:tc>
+                <a:tc>
+                  <a:txBody>
+                    <a:bodyPr/>
+                    <a:lstStyle/>
+                    <a:p>
+                      <a:pPr marL="0" marR="0" algn="l">
+                        <a:lnSpc>
+                          <a:spcPct val="115000"/>
+                        </a:lnSpc>
+                        <a:spcBef>
+                          <a:spcPts val="0"/>
+                        </a:spcBef>
+                        <a:spcAft>
+                          <a:spcPts val="0"/>
+                        </a:spcAft>
+                      </a:pPr>
+                      <a:r>
+                        <a:rPr lang="en-US" sz="1200" dirty="0">
+                          <a:effectLst/>
+                          <a:latin typeface="Calibri"/>
+                          <a:ea typeface="宋体"/>
+                          <a:cs typeface="Times New Roman"/>
+                        </a:rPr>
+                        <a:t>12. Direct to order page again. Order detail should be displayed after guest name. If there is any other guest waiting to order, click “Edit” button and repeat step 5-12.</a:t>
+                      </a:r>
+                    </a:p>
+                  </a:txBody>
+                  <a:tcPr marL="49831" marR="49831" marT="0" marB="0">
+                    <a:lnL w="12700" cap="flat" cmpd="sng" algn="ctr">
+                      <a:solidFill>
+                        <a:srgbClr val="000000"/>
+                      </a:solidFill>
+                      <a:prstDash val="solid"/>
+                      <a:round/>
+                      <a:headEnd type="none" w="med" len="med"/>
+                      <a:tailEnd type="none" w="med" len="med"/>
+                    </a:lnL>
+                    <a:lnR w="12700" cap="flat" cmpd="sng" algn="ctr">
+                      <a:solidFill>
+                        <a:srgbClr val="000000"/>
+                      </a:solidFill>
+                      <a:prstDash val="solid"/>
+                      <a:round/>
+                      <a:headEnd type="none" w="med" len="med"/>
+                      <a:tailEnd type="none" w="med" len="med"/>
+                    </a:lnR>
+                    <a:lnT w="12700" cap="flat" cmpd="sng" algn="ctr">
+                      <a:solidFill>
+                        <a:srgbClr val="000000"/>
+                      </a:solidFill>
+                      <a:prstDash val="solid"/>
+                      <a:round/>
+                      <a:headEnd type="none" w="med" len="med"/>
+                      <a:tailEnd type="none" w="med" len="med"/>
+                    </a:lnT>
+                    <a:lnB w="12700" cap="flat" cmpd="sng" algn="ctr">
+                      <a:solidFill>
+                        <a:srgbClr val="000000"/>
+                      </a:solidFill>
+                      <a:prstDash val="solid"/>
+                      <a:round/>
+                      <a:headEnd type="none" w="med" len="med"/>
+                      <a:tailEnd type="none" w="med" len="med"/>
+                    </a:lnB>
+                  </a:tcPr>
+                </a:tc>
+              </a:tr>
+              <a:tr h="594895">
+                <a:tc>
+                  <a:txBody>
+                    <a:bodyPr/>
+                    <a:lstStyle/>
+                    <a:p>
+                      <a:pPr marL="0" marR="0" algn="l">
+                        <a:lnSpc>
+                          <a:spcPct val="115000"/>
+                        </a:lnSpc>
+                        <a:spcBef>
+                          <a:spcPts val="0"/>
+                        </a:spcBef>
+                        <a:spcAft>
+                          <a:spcPts val="0"/>
+                        </a:spcAft>
+                      </a:pPr>
+                      <a:r>
+                        <a:rPr lang="en-US" sz="1200">
+                          <a:effectLst/>
+                          <a:latin typeface="Calibri"/>
+                          <a:ea typeface="宋体"/>
+                          <a:cs typeface="Times New Roman"/>
+                        </a:rPr>
+                        <a:t>13. Click “Done”.</a:t>
+                      </a:r>
+                    </a:p>
+                  </a:txBody>
+                  <a:tcPr marL="49831" marR="49831" marT="0" marB="0">
+                    <a:lnL w="12700" cap="flat" cmpd="sng" algn="ctr">
+                      <a:solidFill>
+                        <a:srgbClr val="000000"/>
+                      </a:solidFill>
+                      <a:prstDash val="solid"/>
+                      <a:round/>
+                      <a:headEnd type="none" w="med" len="med"/>
+                      <a:tailEnd type="none" w="med" len="med"/>
+                    </a:lnL>
+                    <a:lnR w="12700" cap="flat" cmpd="sng" algn="ctr">
+                      <a:solidFill>
+                        <a:srgbClr val="000000"/>
+                      </a:solidFill>
+                      <a:prstDash val="solid"/>
+                      <a:round/>
+                      <a:headEnd type="none" w="med" len="med"/>
+                      <a:tailEnd type="none" w="med" len="med"/>
+                    </a:lnR>
+                    <a:lnT w="12700" cap="flat" cmpd="sng" algn="ctr">
+                      <a:solidFill>
+                        <a:srgbClr val="000000"/>
+                      </a:solidFill>
+                      <a:prstDash val="solid"/>
+                      <a:round/>
+                      <a:headEnd type="none" w="med" len="med"/>
+                      <a:tailEnd type="none" w="med" len="med"/>
+                    </a:lnT>
+                    <a:lnB w="12700" cap="flat" cmpd="sng" algn="ctr">
+                      <a:solidFill>
+                        <a:srgbClr val="000000"/>
+                      </a:solidFill>
+                      <a:prstDash val="solid"/>
+                      <a:round/>
+                      <a:headEnd type="none" w="med" len="med"/>
+                      <a:tailEnd type="none" w="med" len="med"/>
+                    </a:lnB>
+                  </a:tcPr>
+                </a:tc>
+                <a:tc>
+                  <a:txBody>
+                    <a:bodyPr/>
+                    <a:lstStyle/>
+                    <a:p>
+                      <a:pPr marL="0" marR="0" algn="l">
+                        <a:lnSpc>
+                          <a:spcPct val="115000"/>
+                        </a:lnSpc>
+                        <a:spcBef>
+                          <a:spcPts val="0"/>
+                        </a:spcBef>
+                        <a:spcAft>
+                          <a:spcPts val="0"/>
+                        </a:spcAft>
+                      </a:pPr>
+                      <a:r>
+                        <a:rPr lang="en-US" sz="1200" dirty="0">
+                          <a:effectLst/>
+                          <a:latin typeface="Calibri"/>
+                          <a:ea typeface="宋体"/>
+                          <a:cs typeface="Times New Roman"/>
+                        </a:rPr>
+                        <a:t>14. Direct to summary page. Display table number, order detail for the whole table and a “Print” button to print out the summary.</a:t>
+                      </a:r>
+                    </a:p>
+                  </a:txBody>
+                  <a:tcPr marL="49831" marR="49831" marT="0" marB="0">
+                    <a:lnL w="12700" cap="flat" cmpd="sng" algn="ctr">
+                      <a:solidFill>
+                        <a:srgbClr val="000000"/>
+                      </a:solidFill>
+                      <a:prstDash val="solid"/>
+                      <a:round/>
+                      <a:headEnd type="none" w="med" len="med"/>
+                      <a:tailEnd type="none" w="med" len="med"/>
+                    </a:lnL>
+                    <a:lnR w="12700" cap="flat" cmpd="sng" algn="ctr">
+                      <a:solidFill>
+                        <a:srgbClr val="000000"/>
+                      </a:solidFill>
+                      <a:prstDash val="solid"/>
+                      <a:round/>
+                      <a:headEnd type="none" w="med" len="med"/>
+                      <a:tailEnd type="none" w="med" len="med"/>
+                    </a:lnR>
+                    <a:lnT w="12700" cap="flat" cmpd="sng" algn="ctr">
+                      <a:solidFill>
+                        <a:srgbClr val="000000"/>
+                      </a:solidFill>
+                      <a:prstDash val="solid"/>
+                      <a:round/>
+                      <a:headEnd type="none" w="med" len="med"/>
+                      <a:tailEnd type="none" w="med" len="med"/>
+                    </a:lnT>
+                    <a:lnB w="12700" cap="flat" cmpd="sng" algn="ctr">
+                      <a:solidFill>
+                        <a:srgbClr val="000000"/>
+                      </a:solidFill>
+                      <a:prstDash val="solid"/>
+                      <a:round/>
+                      <a:headEnd type="none" w="med" len="med"/>
+                      <a:tailEnd type="none" w="med" len="med"/>
+                    </a:lnB>
+                  </a:tcPr>
+                </a:tc>
+              </a:tr>
+              <a:tr h="387501">
+                <a:tc>
+                  <a:txBody>
+                    <a:bodyPr/>
+                    <a:lstStyle/>
+                    <a:p>
+                      <a:pPr marL="0" marR="0" algn="l">
+                        <a:lnSpc>
+                          <a:spcPct val="115000"/>
+                        </a:lnSpc>
+                        <a:spcBef>
+                          <a:spcPts val="0"/>
+                        </a:spcBef>
+                        <a:spcAft>
+                          <a:spcPts val="0"/>
+                        </a:spcAft>
+                      </a:pPr>
+                      <a:r>
+                        <a:rPr lang="en-US" sz="1200" dirty="0">
+                          <a:effectLst/>
+                          <a:latin typeface="Calibri"/>
+                          <a:ea typeface="宋体"/>
+                          <a:cs typeface="Times New Roman"/>
+                        </a:rPr>
+                        <a:t>15. Click “Print”.</a:t>
+                      </a:r>
+                    </a:p>
+                  </a:txBody>
+                  <a:tcPr marL="49831" marR="49831" marT="0" marB="0">
+                    <a:lnL w="12700" cap="flat" cmpd="sng" algn="ctr">
+                      <a:solidFill>
+                        <a:srgbClr val="000000"/>
+                      </a:solidFill>
+                      <a:prstDash val="solid"/>
+                      <a:round/>
+                      <a:headEnd type="none" w="med" len="med"/>
+                      <a:tailEnd type="none" w="med" len="med"/>
+                    </a:lnL>
+                    <a:lnR w="12700" cap="flat" cmpd="sng" algn="ctr">
+                      <a:solidFill>
+                        <a:srgbClr val="000000"/>
+                      </a:solidFill>
+                      <a:prstDash val="solid"/>
+                      <a:round/>
+                      <a:headEnd type="none" w="med" len="med"/>
+                      <a:tailEnd type="none" w="med" len="med"/>
+                    </a:lnR>
+                    <a:lnT w="12700" cap="flat" cmpd="sng" algn="ctr">
+                      <a:solidFill>
+                        <a:srgbClr val="000000"/>
+                      </a:solidFill>
+                      <a:prstDash val="solid"/>
+                      <a:round/>
+                      <a:headEnd type="none" w="med" len="med"/>
+                      <a:tailEnd type="none" w="med" len="med"/>
+                    </a:lnT>
+                    <a:lnB w="12700" cap="flat" cmpd="sng" algn="ctr">
+                      <a:solidFill>
+                        <a:srgbClr val="000000"/>
+                      </a:solidFill>
+                      <a:prstDash val="solid"/>
+                      <a:round/>
+                      <a:headEnd type="none" w="med" len="med"/>
+                      <a:tailEnd type="none" w="med" len="med"/>
+                    </a:lnB>
+                  </a:tcPr>
+                </a:tc>
+                <a:tc>
+                  <a:txBody>
+                    <a:bodyPr/>
+                    <a:lstStyle/>
+                    <a:p>
+                      <a:pPr marL="0" marR="0" algn="l">
+                        <a:lnSpc>
+                          <a:spcPct val="115000"/>
+                        </a:lnSpc>
+                        <a:spcBef>
+                          <a:spcPts val="0"/>
+                        </a:spcBef>
+                        <a:spcAft>
+                          <a:spcPts val="0"/>
+                        </a:spcAft>
+                      </a:pPr>
+                      <a:r>
+                        <a:rPr lang="en-US" sz="1200" dirty="0">
+                          <a:effectLst/>
+                          <a:latin typeface="Calibri"/>
+                          <a:ea typeface="宋体"/>
+                          <a:cs typeface="Times New Roman"/>
+                        </a:rPr>
+                        <a:t>16.  Print out an order summary of this table.</a:t>
+                      </a:r>
+                    </a:p>
+                  </a:txBody>
+                  <a:tcPr marL="49831" marR="49831" marT="0" marB="0">
+                    <a:lnL w="12700" cap="flat" cmpd="sng" algn="ctr">
+                      <a:solidFill>
+                        <a:srgbClr val="000000"/>
+                      </a:solidFill>
+                      <a:prstDash val="solid"/>
+                      <a:round/>
+                      <a:headEnd type="none" w="med" len="med"/>
+                      <a:tailEnd type="none" w="med" len="med"/>
+                    </a:lnL>
+                    <a:lnR w="12700" cap="flat" cmpd="sng" algn="ctr">
+                      <a:solidFill>
+                        <a:srgbClr val="000000"/>
+                      </a:solidFill>
+                      <a:prstDash val="solid"/>
+                      <a:round/>
+                      <a:headEnd type="none" w="med" len="med"/>
+                      <a:tailEnd type="none" w="med" len="med"/>
+                    </a:lnR>
+                    <a:lnT w="12700" cap="flat" cmpd="sng" algn="ctr">
+                      <a:solidFill>
+                        <a:srgbClr val="000000"/>
+                      </a:solidFill>
+                      <a:prstDash val="solid"/>
+                      <a:round/>
+                      <a:headEnd type="none" w="med" len="med"/>
+                      <a:tailEnd type="none" w="med" len="med"/>
+                    </a:lnT>
+                    <a:lnB w="12700" cap="flat" cmpd="sng" algn="ctr">
+                      <a:solidFill>
+                        <a:srgbClr val="000000"/>
+                      </a:solidFill>
+                      <a:prstDash val="solid"/>
+                      <a:round/>
+                      <a:headEnd type="none" w="med" len="med"/>
+                      <a:tailEnd type="none" w="med" len="med"/>
+                    </a:lnB>
+                  </a:tcPr>
+                </a:tc>
+              </a:tr>
+            </a:tbl>
+          </a:graphicData>
+        </a:graphic>
+      </p:graphicFrame>
     </p:spTree>
     <p:extLst>
       <p:ext uri="{BB962C8B-B14F-4D97-AF65-F5344CB8AC3E}">
-        <p14:creationId xmlns:p14="http://schemas.microsoft.com/office/powerpoint/2010/main" xmlns="" val="3995397235"/>
+        <p14:creationId xmlns:p14="http://schemas.microsoft.com/office/powerpoint/2010/main" val="777232676"/>
       </p:ext>
     </p:extLst>
   </p:cSld>
@@ -6359,547 +7533,106 @@
         </p:nvSpPr>
         <p:spPr>
           <a:xfrm>
-            <a:off x="914400" y="133350"/>
-            <a:ext cx="7772400" cy="5010150"/>
+            <a:off x="914400" y="1244242"/>
+            <a:ext cx="7772400" cy="3630300"/>
           </a:xfrm>
         </p:spPr>
         <p:txBody>
           <a:bodyPr/>
           <a:lstStyle/>
           <a:p>
-            <a:pPr marL="285750" indent="-285750">
-              <a:buClr>
-                <a:schemeClr val="bg1"/>
-              </a:buClr>
-              <a:buFont typeface="Arial" panose="020B0604020202020204" pitchFamily="34" charset="0"/>
-              <a:buChar char="•"/>
-            </a:pPr>
-            <a:r>
-              <a:rPr lang="en-US" sz="1800" b="1" dirty="0">
+            <a:r>
+              <a:rPr lang="en-US" sz="1800" dirty="0">
                 <a:solidFill>
                   <a:schemeClr val="bg1"/>
                 </a:solidFill>
               </a:rPr>
-              <a:t>Steps:</a:t>
-            </a:r>
-            <a:endParaRPr lang="en-US" sz="1800" dirty="0">
+              <a:t>Steps</a:t>
+            </a:r>
+            <a:r>
+              <a:rPr lang="en-US" sz="1800" dirty="0" smtClean="0">
+                <a:solidFill>
+                  <a:schemeClr val="bg1"/>
+                </a:solidFill>
+              </a:rPr>
+              <a:t>:</a:t>
+            </a:r>
+          </a:p>
+          <a:p>
+            <a:endParaRPr lang="en-US" sz="1800" dirty="0"/>
+          </a:p>
+        </p:txBody>
+      </p:sp>
+      <p:sp>
+        <p:nvSpPr>
+          <p:cNvPr id="3" name="Title 2"/>
+          <p:cNvSpPr>
+            <a:spLocks noGrp="1"/>
+          </p:cNvSpPr>
+          <p:nvPr>
+            <p:ph type="title"/>
+          </p:nvPr>
+        </p:nvSpPr>
+        <p:spPr>
+          <a:xfrm>
+            <a:off x="914400" y="205978"/>
+            <a:ext cx="7772400" cy="994200"/>
+          </a:xfrm>
+        </p:spPr>
+        <p:txBody>
+          <a:bodyPr/>
+          <a:lstStyle/>
+          <a:p>
+            <a:r>
+              <a:rPr lang="en-US" dirty="0" smtClean="0">
+                <a:solidFill>
+                  <a:schemeClr val="bg1"/>
+                </a:solidFill>
+              </a:rPr>
+              <a:t>Scenarios</a:t>
+            </a:r>
+            <a:endParaRPr lang="en-US" dirty="0">
               <a:solidFill>
                 <a:schemeClr val="bg1"/>
               </a:solidFill>
             </a:endParaRPr>
           </a:p>
-          <a:p>
-            <a:r>
-              <a:rPr lang="en-US" sz="1800" i="1" dirty="0">
-                <a:solidFill>
-                  <a:schemeClr val="bg1"/>
-                </a:solidFill>
-              </a:rPr>
-              <a:t>Actor actions</a:t>
-            </a:r>
-            <a:r>
-              <a:rPr lang="en-US" sz="1800" dirty="0">
-                <a:solidFill>
-                  <a:schemeClr val="bg1"/>
-                </a:solidFill>
-              </a:rPr>
-              <a:t>			</a:t>
-            </a:r>
-            <a:r>
-              <a:rPr lang="en-US" sz="1800" i="1" dirty="0" smtClean="0">
-                <a:solidFill>
-                  <a:schemeClr val="bg1"/>
-                </a:solidFill>
-              </a:rPr>
-              <a:t>System </a:t>
-            </a:r>
-            <a:r>
-              <a:rPr lang="en-US" sz="1800" i="1" dirty="0">
-                <a:solidFill>
-                  <a:schemeClr val="bg1"/>
-                </a:solidFill>
-              </a:rPr>
-              <a:t>responses</a:t>
-            </a:r>
-            <a:endParaRPr lang="en-US" sz="1800" dirty="0">
-              <a:solidFill>
-                <a:schemeClr val="bg1"/>
-              </a:solidFill>
-            </a:endParaRPr>
-          </a:p>
-          <a:p>
-            <a:r>
-              <a:rPr lang="en-US" sz="1800" dirty="0">
-                <a:solidFill>
-                  <a:schemeClr val="tx1"/>
-                </a:solidFill>
-              </a:rPr>
-              <a:t>1. Choose “Order”.		</a:t>
-            </a:r>
-            <a:r>
-              <a:rPr lang="en-US" sz="1800" dirty="0" smtClean="0">
-                <a:solidFill>
-                  <a:schemeClr val="tx1"/>
-                </a:solidFill>
-              </a:rPr>
-              <a:t>2</a:t>
-            </a:r>
-            <a:r>
-              <a:rPr lang="en-US" sz="1800" dirty="0">
-                <a:solidFill>
-                  <a:schemeClr val="tx1"/>
-                </a:solidFill>
-              </a:rPr>
-              <a:t>. Direct to order page.</a:t>
-            </a:r>
-          </a:p>
-          <a:p>
-            <a:r>
-              <a:rPr lang="en-US" sz="1800" dirty="0">
-                <a:solidFill>
-                  <a:schemeClr val="tx1"/>
-                </a:solidFill>
-              </a:rPr>
-              <a:t>3. Type in </a:t>
-            </a:r>
-            <a:r>
-              <a:rPr lang="en-US" sz="1800" dirty="0" smtClean="0">
-                <a:solidFill>
-                  <a:schemeClr val="tx1"/>
-                </a:solidFill>
-              </a:rPr>
-              <a:t>waiter’s </a:t>
-            </a:r>
-            <a:r>
-              <a:rPr lang="en-US" sz="1800" dirty="0">
-                <a:solidFill>
-                  <a:schemeClr val="tx1"/>
-                </a:solidFill>
-              </a:rPr>
-              <a:t>name and	4. Direct to menu page</a:t>
-            </a:r>
-            <a:r>
-              <a:rPr lang="en-US" sz="1800" dirty="0" smtClean="0">
-                <a:solidFill>
-                  <a:schemeClr val="tx1"/>
-                </a:solidFill>
-              </a:rPr>
-              <a:t>.</a:t>
-            </a:r>
-          </a:p>
-          <a:p>
-            <a:r>
-              <a:rPr lang="en-US" sz="1800" dirty="0">
-                <a:solidFill>
-                  <a:schemeClr val="tx1"/>
-                </a:solidFill>
-              </a:rPr>
-              <a:t> </a:t>
-            </a:r>
-            <a:r>
-              <a:rPr lang="en-US" sz="1800" dirty="0" smtClean="0">
-                <a:solidFill>
-                  <a:schemeClr val="tx1"/>
-                </a:solidFill>
-              </a:rPr>
-              <a:t>   table number, then click </a:t>
-            </a:r>
-          </a:p>
-          <a:p>
-            <a:r>
-              <a:rPr lang="en-US" sz="1800" dirty="0">
-                <a:solidFill>
-                  <a:schemeClr val="tx1"/>
-                </a:solidFill>
-              </a:rPr>
-              <a:t> </a:t>
-            </a:r>
-            <a:r>
-              <a:rPr lang="en-US" sz="1800" dirty="0" smtClean="0">
-                <a:solidFill>
-                  <a:schemeClr val="tx1"/>
-                </a:solidFill>
-              </a:rPr>
-              <a:t>   “Submit”. </a:t>
-            </a:r>
-            <a:endParaRPr lang="en-US" sz="1800" dirty="0">
-              <a:solidFill>
-                <a:schemeClr val="tx1"/>
-              </a:solidFill>
-            </a:endParaRPr>
-          </a:p>
-          <a:p>
-            <a:r>
-              <a:rPr lang="en-US" sz="1800" dirty="0">
-                <a:solidFill>
-                  <a:schemeClr val="tx1"/>
-                </a:solidFill>
-              </a:rPr>
-              <a:t>5. Click “Appetizer”, “Entrée” </a:t>
-            </a:r>
-            <a:r>
-              <a:rPr lang="en-US" sz="1800" dirty="0" smtClean="0">
-                <a:solidFill>
-                  <a:schemeClr val="tx1"/>
-                </a:solidFill>
-              </a:rPr>
-              <a:t>	</a:t>
-            </a:r>
-            <a:r>
-              <a:rPr lang="en-US" sz="1800" dirty="0">
-                <a:solidFill>
-                  <a:schemeClr val="tx1"/>
-                </a:solidFill>
-              </a:rPr>
-              <a:t>6. Prompt a list of menu</a:t>
-            </a:r>
-            <a:r>
-              <a:rPr lang="en-US" sz="1800" dirty="0" smtClean="0">
-                <a:solidFill>
-                  <a:schemeClr val="tx1"/>
-                </a:solidFill>
-              </a:rPr>
-              <a:t>.</a:t>
-            </a:r>
-          </a:p>
-          <a:p>
-            <a:r>
-              <a:rPr lang="en-US" sz="1800" dirty="0" smtClean="0">
-                <a:solidFill>
-                  <a:schemeClr val="tx1"/>
-                </a:solidFill>
-              </a:rPr>
-              <a:t>    or </a:t>
-            </a:r>
-            <a:r>
-              <a:rPr lang="en-US" sz="1800" dirty="0">
-                <a:solidFill>
-                  <a:schemeClr val="tx1"/>
-                </a:solidFill>
-              </a:rPr>
-              <a:t>“</a:t>
-            </a:r>
-            <a:r>
-              <a:rPr lang="en-US" sz="1800" dirty="0" smtClean="0">
-                <a:solidFill>
-                  <a:schemeClr val="tx1"/>
-                </a:solidFill>
-              </a:rPr>
-              <a:t>Dissert” to </a:t>
-            </a:r>
-            <a:r>
-              <a:rPr lang="en-US" sz="1800" dirty="0">
-                <a:solidFill>
-                  <a:schemeClr val="tx1"/>
-                </a:solidFill>
-              </a:rPr>
-              <a:t>order.</a:t>
-            </a:r>
-          </a:p>
-          <a:p>
-            <a:r>
-              <a:rPr lang="en-US" sz="1800" dirty="0">
-                <a:solidFill>
-                  <a:schemeClr val="tx1"/>
-                </a:solidFill>
-              </a:rPr>
-              <a:t>7. Sort the courses by hitting </a:t>
-            </a:r>
-            <a:r>
-              <a:rPr lang="en-US" sz="1800" dirty="0" smtClean="0">
-                <a:solidFill>
-                  <a:schemeClr val="tx1"/>
-                </a:solidFill>
-              </a:rPr>
-              <a:t>	8</a:t>
-            </a:r>
-            <a:r>
-              <a:rPr lang="en-US" sz="1800" dirty="0">
-                <a:solidFill>
-                  <a:schemeClr val="tx1"/>
-                </a:solidFill>
-              </a:rPr>
-              <a:t>. Display courses of the chosen the </a:t>
-            </a:r>
-          </a:p>
-          <a:p>
-            <a:r>
-              <a:rPr lang="en-US" sz="1800" dirty="0" smtClean="0">
-                <a:solidFill>
-                  <a:schemeClr val="tx1"/>
-                </a:solidFill>
-              </a:rPr>
-              <a:t>    sorting button.			    category</a:t>
-            </a:r>
-            <a:r>
-              <a:rPr lang="en-US" sz="1800" dirty="0">
-                <a:solidFill>
-                  <a:schemeClr val="tx1"/>
-                </a:solidFill>
-              </a:rPr>
-              <a:t>.</a:t>
-            </a:r>
-            <a:endParaRPr lang="en-US" sz="1800" dirty="0" smtClean="0">
-              <a:solidFill>
-                <a:schemeClr val="tx1"/>
-              </a:solidFill>
-            </a:endParaRPr>
-          </a:p>
-          <a:p>
-            <a:r>
-              <a:rPr lang="en-US" sz="1800" dirty="0" smtClean="0">
-                <a:solidFill>
-                  <a:schemeClr val="tx1"/>
-                </a:solidFill>
-              </a:rPr>
-              <a:t>9</a:t>
-            </a:r>
-            <a:r>
-              <a:rPr lang="en-US" sz="1800" dirty="0">
-                <a:solidFill>
-                  <a:schemeClr val="tx1"/>
-                </a:solidFill>
-              </a:rPr>
-              <a:t>. Check the courses and input </a:t>
-            </a:r>
-            <a:r>
-              <a:rPr lang="en-US" sz="1800" dirty="0" smtClean="0">
-                <a:solidFill>
-                  <a:schemeClr val="tx1"/>
-                </a:solidFill>
-              </a:rPr>
-              <a:t>	</a:t>
-            </a:r>
-            <a:r>
-              <a:rPr lang="en-US" sz="1800" dirty="0">
-                <a:solidFill>
-                  <a:schemeClr val="tx1"/>
-                </a:solidFill>
-              </a:rPr>
-              <a:t>10. Display the course names and the amount, click “Done” 	</a:t>
-            </a:r>
-            <a:r>
-              <a:rPr lang="en-US" sz="1800" dirty="0" smtClean="0">
-                <a:solidFill>
-                  <a:schemeClr val="tx1"/>
-                </a:solidFill>
-              </a:rPr>
-              <a:t>	    total </a:t>
-            </a:r>
-            <a:r>
-              <a:rPr lang="en-US" sz="1800" dirty="0">
-                <a:solidFill>
-                  <a:schemeClr val="tx1"/>
-                </a:solidFill>
-              </a:rPr>
-              <a:t>price</a:t>
-            </a:r>
-            <a:r>
-              <a:rPr lang="en-US" sz="1800" dirty="0" smtClean="0">
-                <a:solidFill>
-                  <a:schemeClr val="tx1"/>
-                </a:solidFill>
-              </a:rPr>
-              <a:t>. </a:t>
-            </a:r>
-            <a:r>
-              <a:rPr lang="en-US" sz="1800" dirty="0">
-                <a:solidFill>
-                  <a:schemeClr val="tx1"/>
-                </a:solidFill>
-              </a:rPr>
-              <a:t>Display “Next” button</a:t>
-            </a:r>
-            <a:r>
-              <a:rPr lang="en-US" sz="1800" dirty="0" smtClean="0">
-                <a:solidFill>
-                  <a:schemeClr val="tx1"/>
-                </a:solidFill>
-              </a:rPr>
-              <a:t>,</a:t>
-            </a:r>
-          </a:p>
-          <a:p>
-            <a:r>
-              <a:rPr lang="en-US" sz="1800" dirty="0" smtClean="0">
-                <a:solidFill>
-                  <a:schemeClr val="tx1"/>
-                </a:solidFill>
-              </a:rPr>
-              <a:t>when </a:t>
-            </a:r>
-            <a:r>
-              <a:rPr lang="en-US" sz="1800" dirty="0">
-                <a:solidFill>
-                  <a:schemeClr val="tx1"/>
-                </a:solidFill>
-              </a:rPr>
-              <a:t>the order is completed.	</a:t>
-            </a:r>
-            <a:r>
-              <a:rPr lang="en-US" sz="1800" dirty="0" smtClean="0">
-                <a:solidFill>
-                  <a:schemeClr val="tx1"/>
-                </a:solidFill>
-              </a:rPr>
-              <a:t>    if </a:t>
-            </a:r>
-            <a:r>
-              <a:rPr lang="en-US" sz="1800" dirty="0">
-                <a:solidFill>
-                  <a:schemeClr val="tx1"/>
-                </a:solidFill>
-              </a:rPr>
-              <a:t>any other guests </a:t>
-            </a:r>
-            <a:r>
-              <a:rPr lang="en-US" sz="1800" dirty="0" smtClean="0">
-                <a:solidFill>
-                  <a:schemeClr val="tx1"/>
-                </a:solidFill>
-              </a:rPr>
-              <a:t>need to </a:t>
-            </a:r>
-            <a:r>
-              <a:rPr lang="en-US" sz="1800" dirty="0">
-                <a:solidFill>
-                  <a:schemeClr val="tx1"/>
-                </a:solidFill>
-              </a:rPr>
-              <a:t>order, </a:t>
-            </a:r>
-            <a:r>
-              <a:rPr lang="en-US" sz="1800" dirty="0" smtClean="0">
-                <a:solidFill>
-                  <a:schemeClr val="tx1"/>
-                </a:solidFill>
-              </a:rPr>
-              <a:t>				    then </a:t>
-            </a:r>
-            <a:r>
-              <a:rPr lang="en-US" sz="1800" dirty="0">
-                <a:solidFill>
-                  <a:schemeClr val="tx1"/>
-                </a:solidFill>
-              </a:rPr>
-              <a:t>go to step 2. Otherwise, </a:t>
-            </a:r>
-            <a:r>
-              <a:rPr lang="en-US" sz="1800" dirty="0" smtClean="0">
-                <a:solidFill>
-                  <a:schemeClr val="tx1"/>
-                </a:solidFill>
-              </a:rPr>
-              <a:t>					    display a </a:t>
-            </a:r>
-            <a:r>
-              <a:rPr lang="en-US" sz="1800" dirty="0">
-                <a:solidFill>
-                  <a:schemeClr val="tx1"/>
-                </a:solidFill>
-              </a:rPr>
-              <a:t>textbox for table number </a:t>
-            </a:r>
-            <a:r>
-              <a:rPr lang="en-US" sz="1800" dirty="0" smtClean="0">
-                <a:solidFill>
-                  <a:schemeClr val="tx1"/>
-                </a:solidFill>
-              </a:rPr>
-              <a:t>				    and </a:t>
-            </a:r>
-            <a:r>
-              <a:rPr lang="en-US" sz="1800" dirty="0">
-                <a:solidFill>
-                  <a:schemeClr val="tx1"/>
-                </a:solidFill>
-              </a:rPr>
-              <a:t>a “Print” button.</a:t>
-            </a:r>
-          </a:p>
-          <a:p>
-            <a:r>
-              <a:rPr lang="en-US" sz="1800" dirty="0">
-                <a:solidFill>
-                  <a:schemeClr val="tx1"/>
-                </a:solidFill>
-              </a:rPr>
-              <a:t>11. Type in table number, click </a:t>
-            </a:r>
-            <a:r>
-              <a:rPr lang="en-US" sz="1800" dirty="0" smtClean="0">
-                <a:solidFill>
-                  <a:schemeClr val="tx1"/>
-                </a:solidFill>
-              </a:rPr>
-              <a:t>	</a:t>
-            </a:r>
-            <a:r>
-              <a:rPr lang="en-US" sz="1800" dirty="0">
-                <a:solidFill>
-                  <a:schemeClr val="tx1"/>
-                </a:solidFill>
-              </a:rPr>
-              <a:t>12. Print out an order summary of </a:t>
-            </a:r>
-          </a:p>
-          <a:p>
-            <a:r>
-              <a:rPr lang="en-US" sz="1800" dirty="0" smtClean="0">
-                <a:solidFill>
-                  <a:schemeClr val="tx1"/>
-                </a:solidFill>
-              </a:rPr>
-              <a:t>    “</a:t>
-            </a:r>
-            <a:r>
-              <a:rPr lang="en-US" sz="1800" dirty="0">
-                <a:solidFill>
-                  <a:schemeClr val="tx1"/>
-                </a:solidFill>
-              </a:rPr>
-              <a:t>Print”. </a:t>
-            </a:r>
-            <a:r>
-              <a:rPr lang="en-US" sz="1800" dirty="0" smtClean="0">
-                <a:solidFill>
-                  <a:schemeClr val="tx1"/>
-                </a:solidFill>
-              </a:rPr>
-              <a:t>			    this </a:t>
-            </a:r>
-            <a:r>
-              <a:rPr lang="en-US" sz="1800" dirty="0">
-                <a:solidFill>
-                  <a:schemeClr val="tx1"/>
-                </a:solidFill>
-              </a:rPr>
-              <a:t>table.</a:t>
-            </a:r>
-          </a:p>
-          <a:p>
-            <a:endParaRPr lang="en-US" sz="1800" dirty="0" smtClean="0">
-              <a:solidFill>
-                <a:schemeClr val="tx1"/>
-              </a:solidFill>
-            </a:endParaRPr>
-          </a:p>
-          <a:p>
-            <a:r>
-              <a:rPr lang="en-US" sz="1800" dirty="0">
-                <a:solidFill>
-                  <a:schemeClr val="tx1"/>
-                </a:solidFill>
-              </a:rPr>
-              <a:t>		</a:t>
-            </a:r>
-          </a:p>
         </p:txBody>
       </p:sp>
+      <p:pic>
+        <p:nvPicPr>
+          <p:cNvPr id="4" name="Picture 3"/>
+          <p:cNvPicPr>
+            <a:picLocks noChangeAspect="1"/>
+          </p:cNvPicPr>
+          <p:nvPr/>
+        </p:nvPicPr>
+        <p:blipFill>
+          <a:blip r:embed="rId2">
+            <a:extLst>
+              <a:ext uri="{28A0092B-C50C-407E-A947-70E740481C1C}">
+                <a14:useLocalDpi xmlns:a14="http://schemas.microsoft.com/office/drawing/2010/main" val="0"/>
+              </a:ext>
+            </a:extLst>
+          </a:blip>
+          <a:stretch>
+            <a:fillRect/>
+          </a:stretch>
+        </p:blipFill>
+        <p:spPr>
+          <a:xfrm>
+            <a:off x="914400" y="1833562"/>
+            <a:ext cx="7467600" cy="2033588"/>
+          </a:xfrm>
+          <a:prstGeom prst="rect">
+            <a:avLst/>
+          </a:prstGeom>
+        </p:spPr>
+      </p:pic>
     </p:spTree>
     <p:extLst>
       <p:ext uri="{BB962C8B-B14F-4D97-AF65-F5344CB8AC3E}">
-        <p14:creationId xmlns:p14="http://schemas.microsoft.com/office/powerpoint/2010/main" xmlns="" val="1100892353"/>
+        <p14:creationId xmlns:p14="http://schemas.microsoft.com/office/powerpoint/2010/main" val="1396403314"/>
       </p:ext>
     </p:extLst>
   </p:cSld>
@@ -6935,403 +7668,6 @@
       </p:grpSpPr>
       <p:sp>
         <p:nvSpPr>
-          <p:cNvPr id="2" name="Text Placeholder 1"/>
-          <p:cNvSpPr>
-            <a:spLocks noGrp="1"/>
-          </p:cNvSpPr>
-          <p:nvPr>
-            <p:ph type="body" idx="1"/>
-          </p:nvPr>
-        </p:nvSpPr>
-        <p:spPr>
-          <a:xfrm>
-            <a:off x="914400" y="1244242"/>
-            <a:ext cx="7772400" cy="3630300"/>
-          </a:xfrm>
-        </p:spPr>
-        <p:txBody>
-          <a:bodyPr/>
-          <a:lstStyle/>
-          <a:p>
-            <a:r>
-              <a:rPr lang="en-US" sz="1800" dirty="0">
-                <a:solidFill>
-                  <a:schemeClr val="bg1"/>
-                </a:solidFill>
-              </a:rPr>
-              <a:t>Steps:</a:t>
-            </a:r>
-          </a:p>
-          <a:p>
-            <a:r>
-              <a:rPr lang="en-US" sz="1800" dirty="0">
-                <a:solidFill>
-                  <a:schemeClr val="bg1"/>
-                </a:solidFill>
-              </a:rPr>
-              <a:t>Actor actions			</a:t>
-            </a:r>
-            <a:r>
-              <a:rPr lang="en-US" sz="1800" dirty="0" smtClean="0">
-                <a:solidFill>
-                  <a:schemeClr val="bg1"/>
-                </a:solidFill>
-              </a:rPr>
-              <a:t>System </a:t>
-            </a:r>
-            <a:r>
-              <a:rPr lang="en-US" sz="1800" dirty="0">
-                <a:solidFill>
-                  <a:schemeClr val="bg1"/>
-                </a:solidFill>
-              </a:rPr>
-              <a:t>responses</a:t>
-            </a:r>
-          </a:p>
-          <a:p>
-            <a:r>
-              <a:rPr lang="en-US" sz="1800" dirty="0" smtClean="0">
-                <a:solidFill>
-                  <a:schemeClr val="tx1"/>
-                </a:solidFill>
-              </a:rPr>
-              <a:t>1. Click </a:t>
-            </a:r>
-            <a:r>
-              <a:rPr lang="en-US" sz="1800" dirty="0">
-                <a:solidFill>
-                  <a:schemeClr val="tx1"/>
-                </a:solidFill>
-              </a:rPr>
-              <a:t>on “Order” button.	</a:t>
-            </a:r>
-            <a:r>
-              <a:rPr lang="en-US" sz="1800" dirty="0" smtClean="0">
-                <a:solidFill>
-                  <a:schemeClr val="tx1"/>
-                </a:solidFill>
-              </a:rPr>
-              <a:t>2. Display </a:t>
-            </a:r>
-            <a:r>
-              <a:rPr lang="en-US" sz="1800" dirty="0">
-                <a:solidFill>
-                  <a:schemeClr val="tx1"/>
-                </a:solidFill>
-              </a:rPr>
-              <a:t>the order page, ask for </a:t>
-            </a:r>
-            <a:r>
-              <a:rPr lang="en-US" sz="1800" dirty="0" smtClean="0">
-                <a:solidFill>
-                  <a:schemeClr val="tx1"/>
-                </a:solidFill>
-              </a:rPr>
-              <a:t>					number </a:t>
-            </a:r>
-            <a:r>
-              <a:rPr lang="en-US" sz="1800" dirty="0">
-                <a:solidFill>
-                  <a:schemeClr val="tx1"/>
-                </a:solidFill>
-              </a:rPr>
-              <a:t>of guests.</a:t>
-            </a:r>
-          </a:p>
-          <a:p>
-            <a:r>
-              <a:rPr lang="en-US" sz="1800" dirty="0" smtClean="0">
-                <a:solidFill>
-                  <a:schemeClr val="tx1"/>
-                </a:solidFill>
-              </a:rPr>
-              <a:t>3. Type </a:t>
-            </a:r>
-            <a:r>
-              <a:rPr lang="en-US" sz="1800" dirty="0">
-                <a:solidFill>
-                  <a:schemeClr val="tx1"/>
-                </a:solidFill>
-              </a:rPr>
-              <a:t>in “2”, click “Submit”.	</a:t>
-            </a:r>
-            <a:r>
-              <a:rPr lang="en-US" sz="1800" dirty="0" smtClean="0">
-                <a:solidFill>
-                  <a:schemeClr val="tx1"/>
-                </a:solidFill>
-              </a:rPr>
-              <a:t>4. Display </a:t>
-            </a:r>
-            <a:r>
-              <a:rPr lang="en-US" sz="1800" dirty="0">
-                <a:solidFill>
-                  <a:schemeClr val="tx1"/>
-                </a:solidFill>
-              </a:rPr>
-              <a:t>the menu page for guest 1.</a:t>
-            </a:r>
-          </a:p>
-          <a:p>
-            <a:r>
-              <a:rPr lang="en-US" sz="1800" dirty="0" smtClean="0">
-                <a:solidFill>
-                  <a:schemeClr val="tx1"/>
-                </a:solidFill>
-              </a:rPr>
-              <a:t>5. Click </a:t>
-            </a:r>
-            <a:r>
-              <a:rPr lang="en-US" sz="1800" dirty="0">
-                <a:solidFill>
-                  <a:schemeClr val="tx1"/>
-                </a:solidFill>
-              </a:rPr>
-              <a:t>“Appetizer”, check </a:t>
-            </a:r>
-            <a:endParaRPr lang="en-US" sz="1800" dirty="0" smtClean="0">
-              <a:solidFill>
-                <a:schemeClr val="tx1"/>
-              </a:solidFill>
-            </a:endParaRPr>
-          </a:p>
-          <a:p>
-            <a:r>
-              <a:rPr lang="en-US" sz="1800" dirty="0" smtClean="0">
-                <a:solidFill>
-                  <a:schemeClr val="tx1"/>
-                </a:solidFill>
-              </a:rPr>
-              <a:t>    “</a:t>
-            </a:r>
-            <a:r>
-              <a:rPr lang="en-US" sz="1800" dirty="0">
-                <a:solidFill>
-                  <a:schemeClr val="tx1"/>
-                </a:solidFill>
-              </a:rPr>
-              <a:t>Chicken Wings” </a:t>
-            </a:r>
-            <a:r>
-              <a:rPr lang="en-US" sz="1800" dirty="0" smtClean="0">
-                <a:solidFill>
-                  <a:schemeClr val="tx1"/>
-                </a:solidFill>
-              </a:rPr>
-              <a:t>and</a:t>
-            </a:r>
-            <a:r>
-              <a:rPr lang="en-US" sz="1800" dirty="0">
-                <a:solidFill>
-                  <a:schemeClr val="tx1"/>
-                </a:solidFill>
-              </a:rPr>
-              <a:t> </a:t>
-            </a:r>
-            <a:r>
-              <a:rPr lang="en-US" sz="1800" dirty="0" smtClean="0">
-                <a:solidFill>
-                  <a:schemeClr val="tx1"/>
-                </a:solidFill>
-              </a:rPr>
-              <a:t>type </a:t>
-            </a:r>
-            <a:r>
-              <a:rPr lang="en-US" sz="1800" dirty="0">
-                <a:solidFill>
-                  <a:schemeClr val="tx1"/>
-                </a:solidFill>
-              </a:rPr>
-              <a:t>in </a:t>
-            </a:r>
-            <a:endParaRPr lang="en-US" sz="1800" dirty="0" smtClean="0">
-              <a:solidFill>
-                <a:schemeClr val="tx1"/>
-              </a:solidFill>
-            </a:endParaRPr>
-          </a:p>
-          <a:p>
-            <a:r>
-              <a:rPr lang="en-US" sz="1800" dirty="0">
-                <a:solidFill>
-                  <a:schemeClr val="tx1"/>
-                </a:solidFill>
-              </a:rPr>
-              <a:t> </a:t>
-            </a:r>
-            <a:r>
-              <a:rPr lang="en-US" sz="1800" dirty="0" smtClean="0">
-                <a:solidFill>
-                  <a:schemeClr val="tx1"/>
-                </a:solidFill>
-              </a:rPr>
-              <a:t>   “</a:t>
-            </a:r>
-            <a:r>
-              <a:rPr lang="en-US" sz="1800" dirty="0">
-                <a:solidFill>
-                  <a:schemeClr val="tx1"/>
-                </a:solidFill>
-              </a:rPr>
-              <a:t>2”.	</a:t>
-            </a:r>
-          </a:p>
-          <a:p>
-            <a:r>
-              <a:rPr lang="en-US" sz="1800" dirty="0" smtClean="0">
-                <a:solidFill>
-                  <a:schemeClr val="tx1"/>
-                </a:solidFill>
-              </a:rPr>
-              <a:t>6. Click </a:t>
-            </a:r>
-            <a:r>
-              <a:rPr lang="en-US" sz="1800" dirty="0">
-                <a:solidFill>
-                  <a:schemeClr val="tx1"/>
-                </a:solidFill>
-              </a:rPr>
-              <a:t>“Entrée”, check “Beef </a:t>
-            </a:r>
-            <a:endParaRPr lang="en-US" sz="1800" dirty="0" smtClean="0">
-              <a:solidFill>
-                <a:schemeClr val="tx1"/>
-              </a:solidFill>
-            </a:endParaRPr>
-          </a:p>
-          <a:p>
-            <a:r>
-              <a:rPr lang="en-US" sz="1800" dirty="0" smtClean="0">
-                <a:solidFill>
-                  <a:schemeClr val="tx1"/>
-                </a:solidFill>
-              </a:rPr>
-              <a:t>    Ramen</a:t>
-            </a:r>
-            <a:r>
-              <a:rPr lang="en-US" sz="1800" dirty="0">
-                <a:solidFill>
-                  <a:schemeClr val="tx1"/>
-                </a:solidFill>
-              </a:rPr>
-              <a:t>” and </a:t>
-            </a:r>
-            <a:r>
-              <a:rPr lang="en-US" sz="1800" dirty="0" smtClean="0">
-                <a:solidFill>
-                  <a:schemeClr val="tx1"/>
-                </a:solidFill>
-              </a:rPr>
-              <a:t>type</a:t>
-            </a:r>
-            <a:r>
-              <a:rPr lang="en-US" sz="1800" dirty="0">
-                <a:solidFill>
-                  <a:schemeClr val="tx1"/>
-                </a:solidFill>
-              </a:rPr>
-              <a:t> </a:t>
-            </a:r>
-            <a:r>
-              <a:rPr lang="en-US" sz="1800" dirty="0" smtClean="0">
-                <a:solidFill>
-                  <a:schemeClr val="tx1"/>
-                </a:solidFill>
-              </a:rPr>
-              <a:t>in </a:t>
-            </a:r>
-            <a:r>
-              <a:rPr lang="en-US" sz="1800" dirty="0">
-                <a:solidFill>
-                  <a:schemeClr val="tx1"/>
-                </a:solidFill>
-              </a:rPr>
-              <a:t>“1”. </a:t>
-            </a:r>
-          </a:p>
-          <a:p>
-            <a:r>
-              <a:rPr lang="en-US" sz="1800" dirty="0" smtClean="0">
-                <a:solidFill>
-                  <a:schemeClr val="tx1"/>
-                </a:solidFill>
-              </a:rPr>
-              <a:t>7. Click </a:t>
-            </a:r>
-            <a:r>
-              <a:rPr lang="en-US" sz="1800" dirty="0">
-                <a:solidFill>
-                  <a:schemeClr val="tx1"/>
-                </a:solidFill>
-              </a:rPr>
-              <a:t>“Done”.	</a:t>
-            </a:r>
-            <a:r>
-              <a:rPr lang="en-US" sz="1800" dirty="0" smtClean="0">
-                <a:solidFill>
-                  <a:schemeClr val="tx1"/>
-                </a:solidFill>
-              </a:rPr>
-              <a:t>		8. Display </a:t>
-            </a:r>
-            <a:r>
-              <a:rPr lang="en-US" sz="1800" dirty="0">
-                <a:solidFill>
-                  <a:schemeClr val="tx1"/>
-                </a:solidFill>
-              </a:rPr>
-              <a:t>“Chicken Wings × 2, Beef </a:t>
-            </a:r>
-            <a:r>
-              <a:rPr lang="en-US" sz="1800" dirty="0" smtClean="0">
-                <a:solidFill>
-                  <a:schemeClr val="tx1"/>
-                </a:solidFill>
-              </a:rPr>
-              <a:t>				    Ramen </a:t>
-            </a:r>
-            <a:r>
-              <a:rPr lang="en-US" sz="1800" dirty="0">
-                <a:solidFill>
-                  <a:schemeClr val="tx1"/>
-                </a:solidFill>
-              </a:rPr>
-              <a:t>× 1, Total Price $15.00” </a:t>
-            </a:r>
-            <a:r>
-              <a:rPr lang="en-US" sz="1800" dirty="0" smtClean="0">
-                <a:solidFill>
-                  <a:schemeClr val="tx1"/>
-                </a:solidFill>
-              </a:rPr>
-              <a:t>					    and </a:t>
-            </a:r>
-            <a:r>
-              <a:rPr lang="en-US" sz="1800" dirty="0">
-                <a:solidFill>
-                  <a:schemeClr val="tx1"/>
-                </a:solidFill>
-              </a:rPr>
-              <a:t>“Next” button</a:t>
-            </a:r>
-            <a:r>
-              <a:rPr lang="en-US" sz="1800" dirty="0" smtClean="0">
-                <a:solidFill>
-                  <a:schemeClr val="tx1"/>
-                </a:solidFill>
-              </a:rPr>
-              <a:t>.</a:t>
-            </a:r>
-            <a:endParaRPr lang="en-US" sz="1800" dirty="0">
-              <a:solidFill>
-                <a:schemeClr val="tx1"/>
-              </a:solidFill>
-            </a:endParaRPr>
-          </a:p>
-        </p:txBody>
-      </p:sp>
-      <p:sp>
-        <p:nvSpPr>
           <p:cNvPr id="3" name="Title 2"/>
           <p:cNvSpPr>
             <a:spLocks noGrp="1"/>
@@ -7340,12 +7676,7 @@
             <p:ph type="title"/>
           </p:nvPr>
         </p:nvSpPr>
-        <p:spPr>
-          <a:xfrm>
-            <a:off x="914400" y="205978"/>
-            <a:ext cx="7772400" cy="994200"/>
-          </a:xfrm>
-        </p:spPr>
+        <p:spPr/>
         <p:txBody>
           <a:bodyPr/>
           <a:lstStyle/>
@@ -7356,7 +7687,7 @@
                   <a:schemeClr val="bg1"/>
                 </a:solidFill>
               </a:rPr>
-              <a:t>Scenarios</a:t>
+              <a:t>Order Page</a:t>
             </a:r>
             <a:endParaRPr lang="en-US" dirty="0">
               <a:solidFill>
@@ -7366,16 +7697,53 @@
           </a:p>
         </p:txBody>
       </p:sp>
+      <p:pic>
+        <p:nvPicPr>
+          <p:cNvPr id="2" name="Picture 1"/>
+          <p:cNvPicPr>
+            <a:picLocks noChangeAspect="1"/>
+          </p:cNvPicPr>
+          <p:nvPr/>
+        </p:nvPicPr>
+        <p:blipFill>
+          <a:blip r:embed="rId2">
+            <a:extLst>
+              <a:ext uri="{28A0092B-C50C-407E-A947-70E740481C1C}">
+                <a14:useLocalDpi xmlns:a14="http://schemas.microsoft.com/office/drawing/2010/main" val="0"/>
+              </a:ext>
+            </a:extLst>
+          </a:blip>
+          <a:stretch>
+            <a:fillRect/>
+          </a:stretch>
+        </p:blipFill>
+        <p:spPr>
+          <a:xfrm>
+            <a:off x="1600200" y="1191693"/>
+            <a:ext cx="5781675" cy="3596351"/>
+          </a:xfrm>
+          <a:prstGeom prst="rect">
+            <a:avLst/>
+          </a:prstGeom>
+        </p:spPr>
+      </p:pic>
     </p:spTree>
     <p:extLst>
       <p:ext uri="{BB962C8B-B14F-4D97-AF65-F5344CB8AC3E}">
-        <p14:creationId xmlns:p14="http://schemas.microsoft.com/office/powerpoint/2010/main" xmlns="" val="1396403314"/>
+        <p14:creationId xmlns:p14="http://schemas.microsoft.com/office/powerpoint/2010/main" val="3995397235"/>
       </p:ext>
     </p:extLst>
   </p:cSld>
   <p:clrMapOvr>
     <a:masterClrMapping/>
   </p:clrMapOvr>
+  <p:timing>
+    <p:tnLst>
+      <p:par>
+        <p:cTn id="1" dur="indefinite" restart="never" nodeType="tmRoot"/>
+      </p:par>
+    </p:tnLst>
+  </p:timing>
 </p:sld>
 </file>
 
@@ -7408,440 +7776,99 @@
         </p:nvSpPr>
         <p:spPr>
           <a:xfrm>
-            <a:off x="914400" y="438150"/>
-            <a:ext cx="7772400" cy="4436392"/>
+            <a:off x="457200" y="285750"/>
+            <a:ext cx="8229600" cy="4588792"/>
           </a:xfrm>
         </p:spPr>
         <p:txBody>
           <a:bodyPr/>
           <a:lstStyle/>
           <a:p>
-            <a:r>
-              <a:rPr lang="en-US" sz="1800" dirty="0" smtClean="0">
-                <a:solidFill>
-                  <a:schemeClr val="tx1"/>
-                </a:solidFill>
-              </a:rPr>
-              <a:t>9. Click </a:t>
-            </a:r>
-            <a:r>
-              <a:rPr lang="en-US" sz="1800" dirty="0">
-                <a:solidFill>
-                  <a:schemeClr val="tx1"/>
-                </a:solidFill>
-              </a:rPr>
-              <a:t>“Next” button.		</a:t>
-            </a:r>
-            <a:r>
-              <a:rPr lang="en-US" sz="1800" dirty="0" smtClean="0">
-                <a:solidFill>
-                  <a:schemeClr val="tx1"/>
-                </a:solidFill>
-              </a:rPr>
-              <a:t>10. Display </a:t>
-            </a:r>
-            <a:r>
-              <a:rPr lang="en-US" sz="1800" dirty="0">
-                <a:solidFill>
-                  <a:schemeClr val="tx1"/>
-                </a:solidFill>
-              </a:rPr>
-              <a:t>the menu page for guest </a:t>
-            </a:r>
-            <a:r>
-              <a:rPr lang="en-US" sz="1800" dirty="0" smtClean="0">
-                <a:solidFill>
-                  <a:schemeClr val="tx1"/>
-                </a:solidFill>
-              </a:rPr>
-              <a:t>				    2</a:t>
-            </a:r>
-            <a:r>
-              <a:rPr lang="en-US" sz="1800" dirty="0">
-                <a:solidFill>
-                  <a:schemeClr val="tx1"/>
-                </a:solidFill>
-              </a:rPr>
-              <a:t>.</a:t>
-            </a:r>
-          </a:p>
-          <a:p>
-            <a:r>
-              <a:rPr lang="en-US" sz="1800" dirty="0" smtClean="0">
-                <a:solidFill>
-                  <a:schemeClr val="tx1"/>
-                </a:solidFill>
-              </a:rPr>
-              <a:t>11. Click </a:t>
-            </a:r>
-            <a:r>
-              <a:rPr lang="en-US" sz="1800" dirty="0">
-                <a:solidFill>
-                  <a:schemeClr val="tx1"/>
-                </a:solidFill>
-              </a:rPr>
-              <a:t>“Entrée”, check “Beef </a:t>
-            </a:r>
-            <a:endParaRPr lang="en-US" sz="1800" dirty="0" smtClean="0">
-              <a:solidFill>
-                <a:schemeClr val="tx1"/>
-              </a:solidFill>
-            </a:endParaRPr>
-          </a:p>
-          <a:p>
-            <a:r>
-              <a:rPr lang="en-US" sz="1800" dirty="0">
-                <a:solidFill>
-                  <a:schemeClr val="tx1"/>
-                </a:solidFill>
-              </a:rPr>
-              <a:t> </a:t>
-            </a:r>
-            <a:r>
-              <a:rPr lang="en-US" sz="1800" dirty="0" smtClean="0">
-                <a:solidFill>
-                  <a:schemeClr val="tx1"/>
-                </a:solidFill>
-              </a:rPr>
-              <a:t>   Ramen</a:t>
-            </a:r>
-            <a:r>
-              <a:rPr lang="en-US" sz="1800" dirty="0">
-                <a:solidFill>
-                  <a:schemeClr val="tx1"/>
-                </a:solidFill>
-              </a:rPr>
-              <a:t>” and </a:t>
-            </a:r>
-            <a:r>
-              <a:rPr lang="en-US" sz="1800" dirty="0" smtClean="0">
-                <a:solidFill>
-                  <a:schemeClr val="tx1"/>
-                </a:solidFill>
-              </a:rPr>
-              <a:t>type</a:t>
-            </a:r>
-            <a:r>
-              <a:rPr lang="en-US" sz="1800" dirty="0">
-                <a:solidFill>
-                  <a:schemeClr val="tx1"/>
-                </a:solidFill>
-              </a:rPr>
-              <a:t> </a:t>
-            </a:r>
-            <a:r>
-              <a:rPr lang="en-US" sz="1800" dirty="0" smtClean="0">
-                <a:solidFill>
-                  <a:schemeClr val="tx1"/>
-                </a:solidFill>
-              </a:rPr>
-              <a:t>in </a:t>
-            </a:r>
-            <a:r>
-              <a:rPr lang="en-US" sz="1800" dirty="0">
-                <a:solidFill>
-                  <a:schemeClr val="tx1"/>
-                </a:solidFill>
-              </a:rPr>
-              <a:t>“1”.</a:t>
-            </a:r>
-          </a:p>
-          <a:p>
-            <a:r>
-              <a:rPr lang="en-US" sz="1800" dirty="0" smtClean="0">
-                <a:solidFill>
-                  <a:schemeClr val="tx1"/>
-                </a:solidFill>
-              </a:rPr>
-              <a:t>12. Click </a:t>
-            </a:r>
-            <a:r>
-              <a:rPr lang="en-US" sz="1800" dirty="0">
-                <a:solidFill>
-                  <a:schemeClr val="tx1"/>
-                </a:solidFill>
-              </a:rPr>
-              <a:t>“Dissert”, then click </a:t>
-            </a:r>
-            <a:r>
-              <a:rPr lang="en-US" sz="1800" dirty="0" smtClean="0">
-                <a:solidFill>
-                  <a:schemeClr val="tx1"/>
-                </a:solidFill>
-              </a:rPr>
-              <a:t>	13. </a:t>
-            </a:r>
-            <a:r>
-              <a:rPr lang="en-US" sz="1800" dirty="0">
-                <a:solidFill>
-                  <a:schemeClr val="tx1"/>
-                </a:solidFill>
-              </a:rPr>
-              <a:t>Display all the ice cream</a:t>
-            </a:r>
-            <a:r>
-              <a:rPr lang="en-US" sz="1800" dirty="0" smtClean="0">
-                <a:solidFill>
-                  <a:schemeClr val="tx1"/>
-                </a:solidFill>
-              </a:rPr>
-              <a:t>.</a:t>
-            </a:r>
-          </a:p>
-          <a:p>
-            <a:r>
-              <a:rPr lang="en-US" sz="1800" dirty="0">
-                <a:solidFill>
-                  <a:schemeClr val="tx1"/>
-                </a:solidFill>
-              </a:rPr>
-              <a:t> </a:t>
-            </a:r>
-            <a:r>
-              <a:rPr lang="en-US" sz="1800" dirty="0" smtClean="0">
-                <a:solidFill>
-                  <a:schemeClr val="tx1"/>
-                </a:solidFill>
-              </a:rPr>
-              <a:t>   “</a:t>
-            </a:r>
-            <a:r>
-              <a:rPr lang="en-US" sz="1800" dirty="0">
-                <a:solidFill>
-                  <a:schemeClr val="tx1"/>
-                </a:solidFill>
-              </a:rPr>
-              <a:t>Ice Cream</a:t>
-            </a:r>
-            <a:r>
-              <a:rPr lang="en-US" sz="1800" dirty="0" smtClean="0">
-                <a:solidFill>
-                  <a:schemeClr val="tx1"/>
-                </a:solidFill>
-              </a:rPr>
-              <a:t>”.</a:t>
-            </a:r>
-            <a:endParaRPr lang="en-US" sz="1800" dirty="0">
-              <a:solidFill>
-                <a:schemeClr val="tx1"/>
-              </a:solidFill>
-            </a:endParaRPr>
-          </a:p>
-          <a:p>
-            <a:r>
-              <a:rPr lang="en-US" sz="1800" dirty="0" smtClean="0">
-                <a:solidFill>
-                  <a:schemeClr val="tx1"/>
-                </a:solidFill>
-              </a:rPr>
-              <a:t>14. Check </a:t>
-            </a:r>
-            <a:r>
-              <a:rPr lang="en-US" sz="1800" dirty="0">
-                <a:solidFill>
-                  <a:schemeClr val="tx1"/>
-                </a:solidFill>
-              </a:rPr>
-              <a:t>“Coconut Ice Cream” </a:t>
-            </a:r>
-            <a:endParaRPr lang="en-US" sz="1800" dirty="0" smtClean="0">
-              <a:solidFill>
-                <a:schemeClr val="tx1"/>
-              </a:solidFill>
-            </a:endParaRPr>
-          </a:p>
-          <a:p>
-            <a:r>
-              <a:rPr lang="en-US" sz="1800" dirty="0" smtClean="0">
-                <a:solidFill>
-                  <a:schemeClr val="tx1"/>
-                </a:solidFill>
-              </a:rPr>
-              <a:t>    and </a:t>
-            </a:r>
-            <a:r>
-              <a:rPr lang="en-US" sz="1800" dirty="0">
-                <a:solidFill>
-                  <a:schemeClr val="tx1"/>
-                </a:solidFill>
-              </a:rPr>
-              <a:t>type in “1”.</a:t>
-            </a:r>
-          </a:p>
-          <a:p>
-            <a:r>
-              <a:rPr lang="en-US" sz="1800" dirty="0" smtClean="0">
-                <a:solidFill>
-                  <a:schemeClr val="tx1"/>
-                </a:solidFill>
-              </a:rPr>
-              <a:t>15. Click </a:t>
-            </a:r>
-            <a:r>
-              <a:rPr lang="en-US" sz="1800" dirty="0">
-                <a:solidFill>
-                  <a:schemeClr val="tx1"/>
-                </a:solidFill>
-              </a:rPr>
-              <a:t>“Done”.	</a:t>
-            </a:r>
-            <a:r>
-              <a:rPr lang="en-US" sz="1800" dirty="0" smtClean="0">
-                <a:solidFill>
-                  <a:schemeClr val="tx1"/>
-                </a:solidFill>
-              </a:rPr>
-              <a:t>		16. Display </a:t>
-            </a:r>
-            <a:r>
-              <a:rPr lang="en-US" sz="1800" dirty="0">
-                <a:solidFill>
-                  <a:schemeClr val="tx1"/>
-                </a:solidFill>
-              </a:rPr>
-              <a:t>“Coconut Ice Cream × 1, </a:t>
-            </a:r>
-            <a:r>
-              <a:rPr lang="en-US" sz="1800" dirty="0" smtClean="0">
-                <a:solidFill>
-                  <a:schemeClr val="tx1"/>
-                </a:solidFill>
-              </a:rPr>
-              <a:t>				    Total </a:t>
-            </a:r>
-            <a:r>
-              <a:rPr lang="en-US" sz="1800" dirty="0">
-                <a:solidFill>
-                  <a:schemeClr val="tx1"/>
-                </a:solidFill>
-              </a:rPr>
-              <a:t>Price $3.00” and “Print” </a:t>
-            </a:r>
-            <a:r>
-              <a:rPr lang="en-US" sz="1800" dirty="0" smtClean="0">
-                <a:solidFill>
-                  <a:schemeClr val="tx1"/>
-                </a:solidFill>
-              </a:rPr>
-              <a:t>					    button</a:t>
-            </a:r>
-            <a:r>
-              <a:rPr lang="en-US" sz="1800" dirty="0">
-                <a:solidFill>
-                  <a:schemeClr val="tx1"/>
-                </a:solidFill>
-              </a:rPr>
-              <a:t>, and a textbox for table </a:t>
-            </a:r>
-            <a:r>
-              <a:rPr lang="en-US" sz="1800" dirty="0" smtClean="0">
-                <a:solidFill>
-                  <a:schemeClr val="tx1"/>
-                </a:solidFill>
-              </a:rPr>
-              <a:t>					    number</a:t>
-            </a:r>
-            <a:r>
-              <a:rPr lang="en-US" sz="1800" dirty="0">
-                <a:solidFill>
-                  <a:schemeClr val="tx1"/>
-                </a:solidFill>
-              </a:rPr>
-              <a:t>.</a:t>
-            </a:r>
-          </a:p>
-          <a:p>
-            <a:r>
-              <a:rPr lang="en-US" sz="1800" dirty="0" smtClean="0">
-                <a:solidFill>
-                  <a:schemeClr val="tx1"/>
-                </a:solidFill>
-              </a:rPr>
-              <a:t>17. Type </a:t>
-            </a:r>
-            <a:r>
-              <a:rPr lang="en-US" sz="1800" dirty="0">
-                <a:solidFill>
-                  <a:schemeClr val="tx1"/>
-                </a:solidFill>
-              </a:rPr>
-              <a:t>“Table 1”, click “Print”.	</a:t>
-            </a:r>
-            <a:r>
-              <a:rPr lang="en-US" sz="1800" dirty="0" smtClean="0">
-                <a:solidFill>
-                  <a:schemeClr val="tx1"/>
-                </a:solidFill>
-              </a:rPr>
-              <a:t>18. Display </a:t>
-            </a:r>
-            <a:r>
-              <a:rPr lang="en-US" sz="1800" dirty="0">
-                <a:solidFill>
-                  <a:schemeClr val="tx1"/>
-                </a:solidFill>
-              </a:rPr>
-              <a:t>“Table 1: Chicken Wings × </a:t>
-            </a:r>
-            <a:r>
-              <a:rPr lang="en-US" sz="1800" dirty="0" smtClean="0">
-                <a:solidFill>
-                  <a:schemeClr val="tx1"/>
-                </a:solidFill>
-              </a:rPr>
-              <a:t>				    2</a:t>
-            </a:r>
-            <a:r>
-              <a:rPr lang="en-US" sz="1800" dirty="0">
-                <a:solidFill>
-                  <a:schemeClr val="tx1"/>
-                </a:solidFill>
-              </a:rPr>
-              <a:t>, Beef Ramen × 2, Coconut Ice </a:t>
-            </a:r>
-            <a:r>
-              <a:rPr lang="en-US" sz="1800" dirty="0" smtClean="0">
-                <a:solidFill>
-                  <a:schemeClr val="tx1"/>
-                </a:solidFill>
-              </a:rPr>
-              <a:t>					    Cream </a:t>
-            </a:r>
-            <a:r>
-              <a:rPr lang="en-US" sz="1800" dirty="0">
-                <a:solidFill>
-                  <a:schemeClr val="tx1"/>
-                </a:solidFill>
-              </a:rPr>
-              <a:t>× 1” on the receipt.</a:t>
-            </a:r>
-          </a:p>
-          <a:p>
-            <a:endParaRPr lang="en-US" sz="1800" dirty="0">
-              <a:solidFill>
-                <a:schemeClr val="tx1"/>
-              </a:solidFill>
-            </a:endParaRPr>
-          </a:p>
-          <a:p>
-            <a:endParaRPr lang="en-US" sz="1800" dirty="0">
-              <a:solidFill>
-                <a:schemeClr val="tx1"/>
-              </a:solidFill>
-            </a:endParaRPr>
+            <a:endParaRPr lang="en-US" dirty="0"/>
           </a:p>
         </p:txBody>
       </p:sp>
+      <p:pic>
+        <p:nvPicPr>
+          <p:cNvPr id="3074" name="Picture 2"/>
+          <p:cNvPicPr>
+            <a:picLocks noChangeAspect="1" noChangeArrowheads="1"/>
+          </p:cNvPicPr>
+          <p:nvPr/>
+        </p:nvPicPr>
+        <p:blipFill>
+          <a:blip r:embed="rId2">
+            <a:extLst>
+              <a:ext uri="{28A0092B-C50C-407E-A947-70E740481C1C}">
+                <a14:useLocalDpi xmlns:a14="http://schemas.microsoft.com/office/drawing/2010/main" val="0"/>
+              </a:ext>
+            </a:extLst>
+          </a:blip>
+          <a:srcRect/>
+          <a:stretch>
+            <a:fillRect/>
+          </a:stretch>
+        </p:blipFill>
+        <p:spPr bwMode="auto">
+          <a:xfrm>
+            <a:off x="1143000" y="590551"/>
+            <a:ext cx="7010400" cy="4038600"/>
+          </a:xfrm>
+          <a:prstGeom prst="rect">
+            <a:avLst/>
+          </a:prstGeom>
+          <a:noFill/>
+          <a:ln>
+            <a:noFill/>
+          </a:ln>
+          <a:effectLst/>
+          <a:extLst>
+            <a:ext uri="{909E8E84-426E-40DD-AFC4-6F175D3DCCD1}">
+              <a14:hiddenFill xmlns:a14="http://schemas.microsoft.com/office/drawing/2010/main">
+                <a:solidFill>
+                  <a:schemeClr val="accent1"/>
+                </a:solidFill>
+              </a14:hiddenFill>
+            </a:ext>
+            <a:ext uri="{91240B29-F687-4F45-9708-019B960494DF}">
+              <a14:hiddenLine xmlns:a14="http://schemas.microsoft.com/office/drawing/2010/main" w="9525">
+                <a:solidFill>
+                  <a:schemeClr val="tx1"/>
+                </a:solidFill>
+                <a:miter lim="800000"/>
+                <a:headEnd/>
+                <a:tailEnd/>
+              </a14:hiddenLine>
+            </a:ext>
+            <a:ext uri="{AF507438-7753-43E0-B8FC-AC1667EBCBE1}">
+              <a14:hiddenEffects xmlns:a14="http://schemas.microsoft.com/office/drawing/2010/main">
+                <a:effectLst>
+                  <a:outerShdw dist="35921" dir="2700000" algn="ctr" rotWithShape="0">
+                    <a:schemeClr val="bg2"/>
+                  </a:outerShdw>
+                </a:effectLst>
+              </a14:hiddenEffects>
+            </a:ext>
+          </a:extLst>
+        </p:spPr>
+      </p:pic>
     </p:spTree>
     <p:extLst>
       <p:ext uri="{BB962C8B-B14F-4D97-AF65-F5344CB8AC3E}">
-        <p14:creationId xmlns:p14="http://schemas.microsoft.com/office/powerpoint/2010/main" xmlns="" val="2871933422"/>
+        <p14:creationId xmlns:p14="http://schemas.microsoft.com/office/powerpoint/2010/main" val="1561639904"/>
       </p:ext>
     </p:extLst>
   </p:cSld>
   <p:clrMapOvr>
     <a:masterClrMapping/>
   </p:clrMapOvr>
+  <p:timing>
+    <p:tnLst>
+      <p:par>
+        <p:cTn id="1" dur="indefinite" restart="never" nodeType="tmRoot"/>
+      </p:par>
+    </p:tnLst>
+  </p:timing>
 </p:sld>
 </file>
 
@@ -7874,22 +7901,64 @@
         </p:nvSpPr>
         <p:spPr>
           <a:xfrm>
-            <a:off x="914400" y="1276350"/>
-            <a:ext cx="7772400" cy="3598192"/>
+            <a:off x="457200" y="285750"/>
+            <a:ext cx="8229600" cy="4588792"/>
           </a:xfrm>
         </p:spPr>
         <p:txBody>
           <a:bodyPr/>
           <a:lstStyle/>
           <a:p>
-            <a:endParaRPr lang="en-US" dirty="0"/>
+            <a:r>
+              <a:rPr lang="en-US" dirty="0" smtClean="0">
+                <a:solidFill>
+                  <a:schemeClr val="bg1"/>
+                </a:solidFill>
+              </a:rPr>
+              <a:t>Menu Page</a:t>
+            </a:r>
+            <a:endParaRPr lang="en-US" dirty="0">
+              <a:solidFill>
+                <a:schemeClr val="bg1"/>
+              </a:solidFill>
+            </a:endParaRPr>
           </a:p>
         </p:txBody>
       </p:sp>
+      <p:pic>
+        <p:nvPicPr>
+          <p:cNvPr id="4" name="Picture 3"/>
+          <p:cNvPicPr>
+            <a:picLocks noChangeAspect="1"/>
+          </p:cNvPicPr>
+          <p:nvPr/>
+        </p:nvPicPr>
+        <p:blipFill>
+          <a:blip r:embed="rId2">
+            <a:extLst>
+              <a:ext uri="{28A0092B-C50C-407E-A947-70E740481C1C}">
+                <a14:useLocalDpi xmlns:a14="http://schemas.microsoft.com/office/drawing/2010/main" val="0"/>
+              </a:ext>
+            </a:extLst>
+          </a:blip>
+          <a:stretch>
+            <a:fillRect/>
+          </a:stretch>
+        </p:blipFill>
+        <p:spPr>
+          <a:xfrm>
+            <a:off x="2000250" y="971550"/>
+            <a:ext cx="5143500" cy="3962400"/>
+          </a:xfrm>
+          <a:prstGeom prst="rect">
+            <a:avLst/>
+          </a:prstGeom>
+        </p:spPr>
+      </p:pic>
     </p:spTree>
     <p:extLst>
       <p:ext uri="{BB962C8B-B14F-4D97-AF65-F5344CB8AC3E}">
-        <p14:creationId xmlns:p14="http://schemas.microsoft.com/office/powerpoint/2010/main" xmlns="" val="777232676"/>
+        <p14:creationId xmlns:p14="http://schemas.microsoft.com/office/powerpoint/2010/main" val="3639359500"/>
       </p:ext>
     </p:extLst>
   </p:cSld>
@@ -8015,6 +8084,257 @@
   <p:transition spd="slow">
     <p:cut/>
   </p:transition>
+  <p:timing>
+    <p:tnLst>
+      <p:par>
+        <p:cTn id="1" dur="indefinite" restart="never" nodeType="tmRoot"/>
+      </p:par>
+    </p:tnLst>
+  </p:timing>
+</p:sld>
+</file>
+
+<file path=ppt/slides/slide20.xml><?xml version="1.0" encoding="utf-8"?>
+<p:sld xmlns:a="http://schemas.openxmlformats.org/drawingml/2006/main" xmlns:r="http://schemas.openxmlformats.org/officeDocument/2006/relationships" xmlns:p="http://schemas.openxmlformats.org/presentationml/2006/main">
+  <p:cSld>
+    <p:spTree>
+      <p:nvGrpSpPr>
+        <p:cNvPr id="1" name=""/>
+        <p:cNvGrpSpPr/>
+        <p:nvPr/>
+      </p:nvGrpSpPr>
+      <p:grpSpPr>
+        <a:xfrm>
+          <a:off x="0" y="0"/>
+          <a:ext cx="0" cy="0"/>
+          <a:chOff x="0" y="0"/>
+          <a:chExt cx="0" cy="0"/>
+        </a:xfrm>
+      </p:grpSpPr>
+      <p:sp>
+        <p:nvSpPr>
+          <p:cNvPr id="2" name="Text Placeholder 1"/>
+          <p:cNvSpPr>
+            <a:spLocks noGrp="1"/>
+          </p:cNvSpPr>
+          <p:nvPr>
+            <p:ph type="body" idx="1"/>
+          </p:nvPr>
+        </p:nvSpPr>
+        <p:spPr>
+          <a:xfrm>
+            <a:off x="457200" y="209550"/>
+            <a:ext cx="8229600" cy="4664992"/>
+          </a:xfrm>
+        </p:spPr>
+        <p:txBody>
+          <a:bodyPr/>
+          <a:lstStyle/>
+          <a:p>
+            <a:endParaRPr lang="en-US" dirty="0" smtClean="0"/>
+          </a:p>
+          <a:p>
+            <a:endParaRPr lang="en-US" dirty="0"/>
+          </a:p>
+          <a:p>
+            <a:r>
+              <a:rPr lang="en-US" dirty="0" smtClean="0">
+                <a:solidFill>
+                  <a:schemeClr val="bg1"/>
+                </a:solidFill>
+              </a:rPr>
+              <a:t>Summary Page</a:t>
+            </a:r>
+          </a:p>
+          <a:p>
+            <a:endParaRPr lang="en-US" dirty="0">
+              <a:solidFill>
+                <a:schemeClr val="bg1"/>
+              </a:solidFill>
+            </a:endParaRPr>
+          </a:p>
+        </p:txBody>
+      </p:sp>
+      <p:pic>
+        <p:nvPicPr>
+          <p:cNvPr id="4098" name="Picture 2"/>
+          <p:cNvPicPr>
+            <a:picLocks noChangeAspect="1" noChangeArrowheads="1"/>
+          </p:cNvPicPr>
+          <p:nvPr/>
+        </p:nvPicPr>
+        <p:blipFill>
+          <a:blip r:embed="rId2">
+            <a:extLst>
+              <a:ext uri="{28A0092B-C50C-407E-A947-70E740481C1C}">
+                <a14:useLocalDpi xmlns:a14="http://schemas.microsoft.com/office/drawing/2010/main" val="0"/>
+              </a:ext>
+            </a:extLst>
+          </a:blip>
+          <a:srcRect/>
+          <a:stretch>
+            <a:fillRect/>
+          </a:stretch>
+        </p:blipFill>
+        <p:spPr bwMode="auto">
+          <a:xfrm>
+            <a:off x="1066800" y="285750"/>
+            <a:ext cx="6600825" cy="619125"/>
+          </a:xfrm>
+          <a:prstGeom prst="rect">
+            <a:avLst/>
+          </a:prstGeom>
+          <a:noFill/>
+          <a:ln>
+            <a:noFill/>
+          </a:ln>
+          <a:effectLst/>
+          <a:extLst>
+            <a:ext uri="{909E8E84-426E-40DD-AFC4-6F175D3DCCD1}">
+              <a14:hiddenFill xmlns:a14="http://schemas.microsoft.com/office/drawing/2010/main">
+                <a:solidFill>
+                  <a:schemeClr val="accent1"/>
+                </a:solidFill>
+              </a14:hiddenFill>
+            </a:ext>
+            <a:ext uri="{91240B29-F687-4F45-9708-019B960494DF}">
+              <a14:hiddenLine xmlns:a14="http://schemas.microsoft.com/office/drawing/2010/main" w="9525">
+                <a:solidFill>
+                  <a:schemeClr val="tx1"/>
+                </a:solidFill>
+                <a:miter lim="800000"/>
+                <a:headEnd/>
+                <a:tailEnd/>
+              </a14:hiddenLine>
+            </a:ext>
+            <a:ext uri="{AF507438-7753-43E0-B8FC-AC1667EBCBE1}">
+              <a14:hiddenEffects xmlns:a14="http://schemas.microsoft.com/office/drawing/2010/main">
+                <a:effectLst>
+                  <a:outerShdw dist="35921" dir="2700000" algn="ctr" rotWithShape="0">
+                    <a:schemeClr val="bg2"/>
+                  </a:outerShdw>
+                </a:effectLst>
+              </a14:hiddenEffects>
+            </a:ext>
+          </a:extLst>
+        </p:spPr>
+      </p:pic>
+      <p:pic>
+        <p:nvPicPr>
+          <p:cNvPr id="4" name="Picture 3"/>
+          <p:cNvPicPr>
+            <a:picLocks noChangeAspect="1"/>
+          </p:cNvPicPr>
+          <p:nvPr/>
+        </p:nvPicPr>
+        <p:blipFill>
+          <a:blip r:embed="rId3">
+            <a:extLst>
+              <a:ext uri="{28A0092B-C50C-407E-A947-70E740481C1C}">
+                <a14:useLocalDpi xmlns:a14="http://schemas.microsoft.com/office/drawing/2010/main" val="0"/>
+              </a:ext>
+            </a:extLst>
+          </a:blip>
+          <a:stretch>
+            <a:fillRect/>
+          </a:stretch>
+        </p:blipFill>
+        <p:spPr>
+          <a:xfrm>
+            <a:off x="1219199" y="1885950"/>
+            <a:ext cx="6296025" cy="3124200"/>
+          </a:xfrm>
+          <a:prstGeom prst="rect">
+            <a:avLst/>
+          </a:prstGeom>
+        </p:spPr>
+      </p:pic>
+    </p:spTree>
+    <p:extLst>
+      <p:ext uri="{BB962C8B-B14F-4D97-AF65-F5344CB8AC3E}">
+        <p14:creationId xmlns:p14="http://schemas.microsoft.com/office/powerpoint/2010/main" val="4161602698"/>
+      </p:ext>
+    </p:extLst>
+  </p:cSld>
+  <p:clrMapOvr>
+    <a:masterClrMapping/>
+  </p:clrMapOvr>
+  <p:timing>
+    <p:tnLst>
+      <p:par>
+        <p:cTn id="1" dur="indefinite" restart="never" nodeType="tmRoot"/>
+      </p:par>
+    </p:tnLst>
+  </p:timing>
+</p:sld>
+</file>
+
+<file path=ppt/slides/slide21.xml><?xml version="1.0" encoding="utf-8"?>
+<p:sld xmlns:a="http://schemas.openxmlformats.org/drawingml/2006/main" xmlns:r="http://schemas.openxmlformats.org/officeDocument/2006/relationships" xmlns:p="http://schemas.openxmlformats.org/presentationml/2006/main">
+  <p:cSld>
+    <p:spTree>
+      <p:nvGrpSpPr>
+        <p:cNvPr id="1" name=""/>
+        <p:cNvGrpSpPr/>
+        <p:nvPr/>
+      </p:nvGrpSpPr>
+      <p:grpSpPr>
+        <a:xfrm>
+          <a:off x="0" y="0"/>
+          <a:ext cx="0" cy="0"/>
+          <a:chOff x="0" y="0"/>
+          <a:chExt cx="0" cy="0"/>
+        </a:xfrm>
+      </p:grpSpPr>
+      <p:sp>
+        <p:nvSpPr>
+          <p:cNvPr id="6" name="Text Placeholder 5"/>
+          <p:cNvSpPr>
+            <a:spLocks noGrp="1"/>
+          </p:cNvSpPr>
+          <p:nvPr>
+            <p:ph type="body" idx="1"/>
+          </p:nvPr>
+        </p:nvSpPr>
+        <p:spPr/>
+        <p:txBody>
+          <a:bodyPr/>
+          <a:lstStyle/>
+          <a:p>
+            <a:pPr algn="ctr"/>
+            <a:r>
+              <a:rPr lang="en-US" sz="4400" dirty="0" smtClean="0">
+                <a:solidFill>
+                  <a:schemeClr val="bg1"/>
+                </a:solidFill>
+              </a:rPr>
+              <a:t>Thank you!</a:t>
+            </a:r>
+            <a:endParaRPr lang="en-US" sz="4400" dirty="0">
+              <a:solidFill>
+                <a:schemeClr val="bg1"/>
+              </a:solidFill>
+            </a:endParaRPr>
+          </a:p>
+        </p:txBody>
+      </p:sp>
+    </p:spTree>
+    <p:extLst>
+      <p:ext uri="{BB962C8B-B14F-4D97-AF65-F5344CB8AC3E}">
+        <p14:creationId xmlns:p14="http://schemas.microsoft.com/office/powerpoint/2010/main" val="2871933422"/>
+      </p:ext>
+    </p:extLst>
+  </p:cSld>
+  <p:clrMapOvr>
+    <a:masterClrMapping/>
+  </p:clrMapOvr>
+  <p:timing>
+    <p:tnLst>
+      <p:par>
+        <p:cTn id="1" dur="indefinite" restart="never" nodeType="tmRoot"/>
+      </p:par>
+    </p:tnLst>
+  </p:timing>
 </p:sld>
 </file>
 
@@ -8113,6 +8433,13 @@
   <p:transition spd="slow">
     <p:cut/>
   </p:transition>
+  <p:timing>
+    <p:tnLst>
+      <p:par>
+        <p:cTn id="1" dur="indefinite" restart="never" nodeType="tmRoot"/>
+      </p:par>
+    </p:tnLst>
+  </p:timing>
 </p:sld>
 </file>
 
@@ -8378,6 +8705,13 @@
   <p:transition spd="slow">
     <p:cut/>
   </p:transition>
+  <p:timing>
+    <p:tnLst>
+      <p:par>
+        <p:cTn id="1" dur="indefinite" restart="never" nodeType="tmRoot"/>
+      </p:par>
+    </p:tnLst>
+  </p:timing>
 </p:sld>
 </file>
 
@@ -8735,7 +9069,7 @@
     </p:spTree>
     <p:extLst>
       <p:ext uri="{BB962C8B-B14F-4D97-AF65-F5344CB8AC3E}">
-        <p14:creationId xmlns:p14="http://schemas.microsoft.com/office/powerpoint/2010/main" xmlns="" val="1128754518"/>
+        <p14:creationId xmlns:p14="http://schemas.microsoft.com/office/powerpoint/2010/main" val="1128754518"/>
       </p:ext>
     </p:extLst>
   </p:cSld>
@@ -8745,6 +9079,13 @@
   <p:transition spd="slow">
     <p:cut/>
   </p:transition>
+  <p:timing>
+    <p:tnLst>
+      <p:par>
+        <p:cTn id="1" dur="indefinite" restart="never" nodeType="tmRoot"/>
+      </p:par>
+    </p:tnLst>
+  </p:timing>
 </p:sld>
 </file>
 
@@ -9159,7 +9500,7 @@
           <a:blip r:embed="rId2">
             <a:extLst>
               <a:ext uri="{28A0092B-C50C-407E-A947-70E740481C1C}">
-                <a14:useLocalDpi xmlns:a14="http://schemas.microsoft.com/office/drawing/2010/main" xmlns="" val="0"/>
+                <a14:useLocalDpi xmlns:a14="http://schemas.microsoft.com/office/drawing/2010/main" val="0"/>
               </a:ext>
             </a:extLst>
           </a:blip>
@@ -9206,7 +9547,7 @@
     </p:spTree>
     <p:extLst>
       <p:ext uri="{BB962C8B-B14F-4D97-AF65-F5344CB8AC3E}">
-        <p14:creationId xmlns:p14="http://schemas.microsoft.com/office/powerpoint/2010/main" xmlns="" val="734684643"/>
+        <p14:creationId xmlns:p14="http://schemas.microsoft.com/office/powerpoint/2010/main" val="734684643"/>
       </p:ext>
     </p:extLst>
   </p:cSld>
@@ -9471,7 +9812,7 @@
     </p:spTree>
     <p:extLst>
       <p:ext uri="{BB962C8B-B14F-4D97-AF65-F5344CB8AC3E}">
-        <p14:creationId xmlns:p14="http://schemas.microsoft.com/office/powerpoint/2010/main" xmlns="" val="3009246632"/>
+        <p14:creationId xmlns:p14="http://schemas.microsoft.com/office/powerpoint/2010/main" val="3009246632"/>
       </p:ext>
     </p:extLst>
   </p:cSld>
@@ -9481,6 +9822,13 @@
   <p:transition spd="slow">
     <p:cut/>
   </p:transition>
+  <p:timing>
+    <p:tnLst>
+      <p:par>
+        <p:cTn id="1" dur="indefinite" restart="never" nodeType="tmRoot"/>
+      </p:par>
+    </p:tnLst>
+  </p:timing>
 </p:sld>
 </file>
 
@@ -9624,7 +9972,7 @@
           <a:blip r:embed="rId3">
             <a:extLst>
               <a:ext uri="{28A0092B-C50C-407E-A947-70E740481C1C}">
-                <a14:useLocalDpi xmlns:a14="http://schemas.microsoft.com/office/drawing/2010/main" xmlns="" val="0"/>
+                <a14:useLocalDpi xmlns:a14="http://schemas.microsoft.com/office/drawing/2010/main" val="0"/>
               </a:ext>
             </a:extLst>
           </a:blip>
@@ -9648,14 +9996,14 @@
           <a:effectLst/>
           <a:extLst>
             <a:ext uri="{909E8E84-426E-40DD-AFC4-6F175D3DCCD1}">
-              <a14:hiddenFill xmlns:a14="http://schemas.microsoft.com/office/drawing/2010/main" xmlns="">
+              <a14:hiddenFill xmlns:a14="http://schemas.microsoft.com/office/drawing/2010/main">
                 <a:solidFill>
                   <a:schemeClr val="accent1"/>
                 </a:solidFill>
               </a14:hiddenFill>
             </a:ext>
             <a:ext uri="{91240B29-F687-4F45-9708-019B960494DF}">
-              <a14:hiddenLine xmlns:a14="http://schemas.microsoft.com/office/drawing/2010/main" xmlns="" w="9525">
+              <a14:hiddenLine xmlns:a14="http://schemas.microsoft.com/office/drawing/2010/main" w="9525">
                 <a:solidFill>
                   <a:schemeClr val="tx1"/>
                 </a:solidFill>
@@ -9665,7 +10013,7 @@
               </a14:hiddenLine>
             </a:ext>
             <a:ext uri="{AF507438-7753-43E0-B8FC-AC1667EBCBE1}">
-              <a14:hiddenEffects xmlns:a14="http://schemas.microsoft.com/office/drawing/2010/main" xmlns="">
+              <a14:hiddenEffects xmlns:a14="http://schemas.microsoft.com/office/drawing/2010/main">
                 <a:effectLst>
                   <a:outerShdw dist="35921" dir="2700000" algn="ctr" rotWithShape="0">
                     <a:schemeClr val="bg2"/>
@@ -9684,6 +10032,13 @@
   <p:transition spd="slow">
     <p:cut/>
   </p:transition>
+  <p:timing>
+    <p:tnLst>
+      <p:par>
+        <p:cTn id="1" dur="indefinite" restart="never" nodeType="tmRoot"/>
+      </p:par>
+    </p:tnLst>
+  </p:timing>
 </p:sld>
 </file>
 

--- a/Project Part I.pptx
+++ b/Project Part I.pptx
@@ -5,30 +5,32 @@
     <p:sldMasterId id="2147483654" r:id="rId1"/>
   </p:sldMasterIdLst>
   <p:notesMasterIdLst>
-    <p:notesMasterId r:id="rId23"/>
+    <p:notesMasterId r:id="rId25"/>
   </p:notesMasterIdLst>
   <p:sldIdLst>
     <p:sldId id="256" r:id="rId2"/>
     <p:sldId id="257" r:id="rId3"/>
-    <p:sldId id="258" r:id="rId4"/>
-    <p:sldId id="259" r:id="rId5"/>
-    <p:sldId id="270" r:id="rId6"/>
-    <p:sldId id="261" r:id="rId7"/>
-    <p:sldId id="263" r:id="rId8"/>
-    <p:sldId id="269" r:id="rId9"/>
-    <p:sldId id="260" r:id="rId10"/>
-    <p:sldId id="273" r:id="rId11"/>
-    <p:sldId id="272" r:id="rId12"/>
-    <p:sldId id="275" r:id="rId13"/>
-    <p:sldId id="274" r:id="rId14"/>
-    <p:sldId id="264" r:id="rId15"/>
-    <p:sldId id="266" r:id="rId16"/>
-    <p:sldId id="267" r:id="rId17"/>
-    <p:sldId id="276" r:id="rId18"/>
-    <p:sldId id="277" r:id="rId19"/>
-    <p:sldId id="278" r:id="rId20"/>
-    <p:sldId id="279" r:id="rId21"/>
-    <p:sldId id="268" r:id="rId22"/>
+    <p:sldId id="280" r:id="rId4"/>
+    <p:sldId id="258" r:id="rId5"/>
+    <p:sldId id="259" r:id="rId6"/>
+    <p:sldId id="270" r:id="rId7"/>
+    <p:sldId id="261" r:id="rId8"/>
+    <p:sldId id="263" r:id="rId9"/>
+    <p:sldId id="269" r:id="rId10"/>
+    <p:sldId id="260" r:id="rId11"/>
+    <p:sldId id="273" r:id="rId12"/>
+    <p:sldId id="272" r:id="rId13"/>
+    <p:sldId id="275" r:id="rId14"/>
+    <p:sldId id="274" r:id="rId15"/>
+    <p:sldId id="264" r:id="rId16"/>
+    <p:sldId id="266" r:id="rId17"/>
+    <p:sldId id="267" r:id="rId18"/>
+    <p:sldId id="276" r:id="rId19"/>
+    <p:sldId id="277" r:id="rId20"/>
+    <p:sldId id="278" r:id="rId21"/>
+    <p:sldId id="279" r:id="rId22"/>
+    <p:sldId id="281" r:id="rId23"/>
+    <p:sldId id="268" r:id="rId24"/>
   </p:sldIdLst>
   <p:sldSz cx="9144000" cy="5143500" type="screen16x9"/>
   <p:notesSz cx="6858000" cy="9144000"/>
@@ -4989,6 +4991,216 @@
   <p:cSld>
     <p:spTree>
       <p:nvGrpSpPr>
+        <p:cNvPr id="1" name="Shape 64"/>
+        <p:cNvGrpSpPr/>
+        <p:nvPr/>
+      </p:nvGrpSpPr>
+      <p:grpSpPr>
+        <a:xfrm>
+          <a:off x="0" y="0"/>
+          <a:ext cx="0" cy="0"/>
+          <a:chOff x="0" y="0"/>
+          <a:chExt cx="0" cy="0"/>
+        </a:xfrm>
+      </p:grpSpPr>
+      <p:sp>
+        <p:nvSpPr>
+          <p:cNvPr id="65" name="Shape 65"/>
+          <p:cNvSpPr txBox="1">
+            <a:spLocks noGrp="1"/>
+          </p:cNvSpPr>
+          <p:nvPr>
+            <p:ph type="body" idx="1"/>
+          </p:nvPr>
+        </p:nvSpPr>
+        <p:spPr>
+          <a:xfrm>
+            <a:off x="914400" y="133350"/>
+            <a:ext cx="7391549" cy="2252894"/>
+          </a:xfrm>
+          <a:prstGeom prst="rect">
+            <a:avLst/>
+          </a:prstGeom>
+        </p:spPr>
+        <p:txBody>
+          <a:bodyPr wrap="square" lIns="91425" tIns="91425" rIns="91425" bIns="91425" anchor="t" anchorCtr="0">
+            <a:spAutoFit/>
+          </a:bodyPr>
+          <a:lstStyle/>
+          <a:p>
+            <a:pPr marL="457200" lvl="0" indent="-381000" rtl="0">
+              <a:lnSpc>
+                <a:spcPct val="115000"/>
+              </a:lnSpc>
+              <a:spcBef>
+                <a:spcPts val="0"/>
+              </a:spcBef>
+              <a:buClr>
+                <a:schemeClr val="lt1"/>
+              </a:buClr>
+              <a:buSzPct val="100000"/>
+              <a:buFont typeface="Arial"/>
+              <a:buChar char="●"/>
+            </a:pPr>
+            <a:r>
+              <a:rPr lang="en" sz="2400" dirty="0">
+                <a:solidFill>
+                  <a:schemeClr val="lt1"/>
+                </a:solidFill>
+              </a:rPr>
+              <a:t>Steps:</a:t>
+            </a:r>
+          </a:p>
+          <a:p>
+            <a:pPr marL="0" indent="0" rtl="0">
+              <a:lnSpc>
+                <a:spcPct val="115000"/>
+              </a:lnSpc>
+              <a:spcBef>
+                <a:spcPts val="0"/>
+              </a:spcBef>
+              <a:buNone/>
+            </a:pPr>
+            <a:endParaRPr lang="en" sz="2400" dirty="0">
+              <a:solidFill>
+                <a:schemeClr val="dk1"/>
+              </a:solidFill>
+            </a:endParaRPr>
+          </a:p>
+          <a:p>
+            <a:pPr marL="0" indent="0" rtl="0">
+              <a:lnSpc>
+                <a:spcPct val="115000"/>
+              </a:lnSpc>
+              <a:spcBef>
+                <a:spcPts val="0"/>
+              </a:spcBef>
+              <a:buNone/>
+            </a:pPr>
+            <a:endParaRPr sz="2400" dirty="0">
+              <a:solidFill>
+                <a:schemeClr val="dk1"/>
+              </a:solidFill>
+            </a:endParaRPr>
+          </a:p>
+          <a:p>
+            <a:pPr marL="0" indent="0" rtl="0">
+              <a:lnSpc>
+                <a:spcPct val="115000"/>
+              </a:lnSpc>
+              <a:spcBef>
+                <a:spcPts val="0"/>
+              </a:spcBef>
+              <a:buNone/>
+            </a:pPr>
+            <a:endParaRPr sz="2400" dirty="0">
+              <a:solidFill>
+                <a:schemeClr val="dk1"/>
+              </a:solidFill>
+            </a:endParaRPr>
+          </a:p>
+          <a:p>
+            <a:pPr>
+              <a:spcBef>
+                <a:spcPts val="0"/>
+              </a:spcBef>
+              <a:buNone/>
+            </a:pPr>
+            <a:endParaRPr sz="2400" dirty="0">
+              <a:solidFill>
+                <a:schemeClr val="dk1"/>
+              </a:solidFill>
+            </a:endParaRPr>
+          </a:p>
+        </p:txBody>
+      </p:sp>
+      <p:pic>
+        <p:nvPicPr>
+          <p:cNvPr id="1026" name="Picture 2"/>
+          <p:cNvPicPr>
+            <a:picLocks noChangeAspect="1" noChangeArrowheads="1"/>
+          </p:cNvPicPr>
+          <p:nvPr/>
+        </p:nvPicPr>
+        <p:blipFill>
+          <a:blip r:embed="rId3">
+            <a:extLst>
+              <a:ext uri="{28A0092B-C50C-407E-A947-70E740481C1C}">
+                <a14:useLocalDpi xmlns:a14="http://schemas.microsoft.com/office/drawing/2010/main" val="0"/>
+              </a:ext>
+            </a:extLst>
+          </a:blip>
+          <a:srcRect/>
+          <a:stretch>
+            <a:fillRect/>
+          </a:stretch>
+        </p:blipFill>
+        <p:spPr bwMode="auto">
+          <a:xfrm>
+            <a:off x="1066800" y="742950"/>
+            <a:ext cx="6097588" cy="3986213"/>
+          </a:xfrm>
+          <a:prstGeom prst="rect">
+            <a:avLst/>
+          </a:prstGeom>
+          <a:noFill/>
+          <a:ln>
+            <a:noFill/>
+          </a:ln>
+          <a:effectLst/>
+          <a:extLst>
+            <a:ext uri="{909E8E84-426E-40DD-AFC4-6F175D3DCCD1}">
+              <a14:hiddenFill xmlns:a14="http://schemas.microsoft.com/office/drawing/2010/main">
+                <a:solidFill>
+                  <a:schemeClr val="accent1"/>
+                </a:solidFill>
+              </a14:hiddenFill>
+            </a:ext>
+            <a:ext uri="{91240B29-F687-4F45-9708-019B960494DF}">
+              <a14:hiddenLine xmlns:a14="http://schemas.microsoft.com/office/drawing/2010/main" w="9525">
+                <a:solidFill>
+                  <a:schemeClr val="tx1"/>
+                </a:solidFill>
+                <a:miter lim="800000"/>
+                <a:headEnd/>
+                <a:tailEnd/>
+              </a14:hiddenLine>
+            </a:ext>
+            <a:ext uri="{AF507438-7753-43E0-B8FC-AC1667EBCBE1}">
+              <a14:hiddenEffects xmlns:a14="http://schemas.microsoft.com/office/drawing/2010/main">
+                <a:effectLst>
+                  <a:outerShdw dist="35921" dir="2700000" algn="ctr" rotWithShape="0">
+                    <a:schemeClr val="bg2"/>
+                  </a:outerShdw>
+                </a:effectLst>
+              </a14:hiddenEffects>
+            </a:ext>
+          </a:extLst>
+        </p:spPr>
+      </p:pic>
+    </p:spTree>
+  </p:cSld>
+  <p:clrMapOvr>
+    <a:masterClrMapping/>
+  </p:clrMapOvr>
+  <p:transition spd="slow">
+    <p:cut/>
+  </p:transition>
+  <p:timing>
+    <p:tnLst>
+      <p:par>
+        <p:cTn id="1" dur="indefinite" restart="never" nodeType="tmRoot"/>
+      </p:par>
+    </p:tnLst>
+  </p:timing>
+</p:sld>
+</file>
+
+<file path=ppt/slides/slide11.xml><?xml version="1.0" encoding="utf-8"?>
+<p:sld xmlns:a="http://schemas.openxmlformats.org/drawingml/2006/main" xmlns:r="http://schemas.openxmlformats.org/officeDocument/2006/relationships" xmlns:p="http://schemas.openxmlformats.org/presentationml/2006/main">
+  <p:cSld>
+    <p:spTree>
+      <p:nvGrpSpPr>
         <p:cNvPr id="1" name="Shape 69"/>
         <p:cNvGrpSpPr/>
         <p:nvPr/>
@@ -5338,7 +5550,7 @@
 </p:sld>
 </file>
 
-<file path=ppt/slides/slide11.xml><?xml version="1.0" encoding="utf-8"?>
+<file path=ppt/slides/slide12.xml><?xml version="1.0" encoding="utf-8"?>
 <p:sld xmlns:a="http://schemas.openxmlformats.org/drawingml/2006/main" xmlns:r="http://schemas.openxmlformats.org/officeDocument/2006/relationships" xmlns:p="http://schemas.openxmlformats.org/presentationml/2006/main">
   <p:cSld>
     <p:spTree>
@@ -5436,7 +5648,7 @@
 </p:sld>
 </file>
 
-<file path=ppt/slides/slide12.xml><?xml version="1.0" encoding="utf-8"?>
+<file path=ppt/slides/slide13.xml><?xml version="1.0" encoding="utf-8"?>
 <p:sld xmlns:a="http://schemas.openxmlformats.org/drawingml/2006/main" xmlns:r="http://schemas.openxmlformats.org/officeDocument/2006/relationships" xmlns:p="http://schemas.openxmlformats.org/presentationml/2006/main">
   <p:cSld>
     <p:spTree>
@@ -5790,7 +6002,7 @@
 </p:sld>
 </file>
 
-<file path=ppt/slides/slide13.xml><?xml version="1.0" encoding="utf-8"?>
+<file path=ppt/slides/slide14.xml><?xml version="1.0" encoding="utf-8"?>
 <p:sld xmlns:a="http://schemas.openxmlformats.org/drawingml/2006/main" xmlns:r="http://schemas.openxmlformats.org/officeDocument/2006/relationships" xmlns:p="http://schemas.openxmlformats.org/presentationml/2006/main">
   <p:cSld>
     <p:spTree>
@@ -5888,7 +6100,7 @@
 </p:sld>
 </file>
 
-<file path=ppt/slides/slide14.xml><?xml version="1.0" encoding="utf-8"?>
+<file path=ppt/slides/slide15.xml><?xml version="1.0" encoding="utf-8"?>
 <p:sld xmlns:a="http://schemas.openxmlformats.org/drawingml/2006/main" xmlns:r="http://schemas.openxmlformats.org/officeDocument/2006/relationships" xmlns:p="http://schemas.openxmlformats.org/presentationml/2006/main">
   <p:cSld>
     <p:spTree>
@@ -6173,7 +6385,7 @@
 </p:sld>
 </file>
 
-<file path=ppt/slides/slide15.xml><?xml version="1.0" encoding="utf-8"?>
+<file path=ppt/slides/slide16.xml><?xml version="1.0" encoding="utf-8"?>
 <p:sld xmlns:a="http://schemas.openxmlformats.org/drawingml/2006/main" xmlns:r="http://schemas.openxmlformats.org/officeDocument/2006/relationships" xmlns:p="http://schemas.openxmlformats.org/presentationml/2006/main">
   <p:cSld>
     <p:spTree>
@@ -6240,7 +6452,7 @@
         </p:nvGraphicFramePr>
         <p:xfrm>
           <a:off x="838200" y="666750"/>
-          <a:ext cx="7467602" cy="4088426"/>
+          <a:ext cx="7467602" cy="4100745"/>
         </p:xfrm>
         <a:graphic>
           <a:graphicData uri="http://schemas.openxmlformats.org/drawingml/2006/table">
@@ -7504,7 +7716,7 @@
 </p:sld>
 </file>
 
-<file path=ppt/slides/slide16.xml><?xml version="1.0" encoding="utf-8"?>
+<file path=ppt/slides/slide17.xml><?xml version="1.0" encoding="utf-8"?>
 <p:sld xmlns:a="http://schemas.openxmlformats.org/drawingml/2006/main" xmlns:r="http://schemas.openxmlformats.org/officeDocument/2006/relationships" xmlns:p="http://schemas.openxmlformats.org/presentationml/2006/main">
   <p:cSld>
     <p:spTree>
@@ -7649,7 +7861,7 @@
 </p:sld>
 </file>
 
-<file path=ppt/slides/slide17.xml><?xml version="1.0" encoding="utf-8"?>
+<file path=ppt/slides/slide18.xml><?xml version="1.0" encoding="utf-8"?>
 <p:sld xmlns:a="http://schemas.openxmlformats.org/drawingml/2006/main" xmlns:r="http://schemas.openxmlformats.org/officeDocument/2006/relationships" xmlns:p="http://schemas.openxmlformats.org/presentationml/2006/main">
   <p:cSld>
     <p:spTree>
@@ -7747,7 +7959,7 @@
 </p:sld>
 </file>
 
-<file path=ppt/slides/slide18.xml><?xml version="1.0" encoding="utf-8"?>
+<file path=ppt/slides/slide19.xml><?xml version="1.0" encoding="utf-8"?>
 <p:sld xmlns:a="http://schemas.openxmlformats.org/drawingml/2006/main" xmlns:r="http://schemas.openxmlformats.org/officeDocument/2006/relationships" xmlns:p="http://schemas.openxmlformats.org/presentationml/2006/main">
   <p:cSld>
     <p:spTree>
@@ -7872,7 +8084,147 @@
 </p:sld>
 </file>
 
-<file path=ppt/slides/slide19.xml><?xml version="1.0" encoding="utf-8"?>
+<file path=ppt/slides/slide2.xml><?xml version="1.0" encoding="utf-8"?>
+<p:sld xmlns:a="http://schemas.openxmlformats.org/drawingml/2006/main" xmlns:r="http://schemas.openxmlformats.org/officeDocument/2006/relationships" xmlns:p="http://schemas.openxmlformats.org/presentationml/2006/main">
+  <p:cSld>
+    <p:spTree>
+      <p:nvGrpSpPr>
+        <p:cNvPr id="1" name="Shape 46"/>
+        <p:cNvGrpSpPr/>
+        <p:nvPr/>
+      </p:nvGrpSpPr>
+      <p:grpSpPr>
+        <a:xfrm>
+          <a:off x="0" y="0"/>
+          <a:ext cx="0" cy="0"/>
+          <a:chOff x="0" y="0"/>
+          <a:chExt cx="0" cy="0"/>
+        </a:xfrm>
+      </p:grpSpPr>
+      <p:sp>
+        <p:nvSpPr>
+          <p:cNvPr id="47" name="Shape 47"/>
+          <p:cNvSpPr txBox="1">
+            <a:spLocks noGrp="1"/>
+          </p:cNvSpPr>
+          <p:nvPr>
+            <p:ph type="body" idx="1"/>
+          </p:nvPr>
+        </p:nvSpPr>
+        <p:spPr>
+          <a:xfrm>
+            <a:off x="945300" y="1485650"/>
+            <a:ext cx="7741499" cy="1569630"/>
+          </a:xfrm>
+          <a:prstGeom prst="rect">
+            <a:avLst/>
+          </a:prstGeom>
+        </p:spPr>
+        <p:txBody>
+          <a:bodyPr lIns="91425" tIns="91425" rIns="91425" bIns="91425" anchor="t" anchorCtr="0">
+            <a:spAutoFit/>
+          </a:bodyPr>
+          <a:lstStyle/>
+          <a:p>
+            <a:pPr algn="just">
+              <a:spcBef>
+                <a:spcPts val="0"/>
+              </a:spcBef>
+              <a:buNone/>
+            </a:pPr>
+            <a:r>
+              <a:rPr lang="en" sz="3000" dirty="0">
+                <a:solidFill>
+                  <a:schemeClr val="dk1"/>
+                </a:solidFill>
+              </a:rPr>
+              <a:t>This product will be a generically designed restaurant management system. It can be imported to any kind of </a:t>
+            </a:r>
+            <a:r>
+              <a:rPr lang="en" sz="3000" dirty="0" smtClean="0">
+                <a:solidFill>
+                  <a:schemeClr val="dk1"/>
+                </a:solidFill>
+              </a:rPr>
+              <a:t>restaurant</a:t>
+            </a:r>
+            <a:r>
+              <a:rPr lang="en" sz="3000" dirty="0">
+                <a:solidFill>
+                  <a:schemeClr val="dk1"/>
+                </a:solidFill>
+              </a:rPr>
+              <a:t>.</a:t>
+            </a:r>
+            <a:endParaRPr lang="en" sz="3000" dirty="0">
+              <a:solidFill>
+                <a:schemeClr val="dk1"/>
+              </a:solidFill>
+            </a:endParaRPr>
+          </a:p>
+        </p:txBody>
+      </p:sp>
+      <p:sp>
+        <p:nvSpPr>
+          <p:cNvPr id="48" name="Shape 48"/>
+          <p:cNvSpPr txBox="1">
+            <a:spLocks noGrp="1"/>
+          </p:cNvSpPr>
+          <p:nvPr>
+            <p:ph type="title"/>
+          </p:nvPr>
+        </p:nvSpPr>
+        <p:spPr>
+          <a:xfrm>
+            <a:off x="945425" y="205975"/>
+            <a:ext cx="7741499" cy="994200"/>
+          </a:xfrm>
+          <a:prstGeom prst="rect">
+            <a:avLst/>
+          </a:prstGeom>
+        </p:spPr>
+        <p:txBody>
+          <a:bodyPr lIns="91425" tIns="91425" rIns="91425" bIns="91425" anchor="b" anchorCtr="0">
+            <a:spAutoFit/>
+          </a:bodyPr>
+          <a:lstStyle/>
+          <a:p>
+            <a:pPr>
+              <a:spcBef>
+                <a:spcPts val="0"/>
+              </a:spcBef>
+              <a:buNone/>
+            </a:pPr>
+            <a:r>
+              <a:rPr lang="en">
+                <a:solidFill>
+                  <a:schemeClr val="lt1"/>
+                </a:solidFill>
+              </a:rPr>
+              <a:t>Product Introduction</a:t>
+            </a:r>
+          </a:p>
+        </p:txBody>
+      </p:sp>
+    </p:spTree>
+  </p:cSld>
+  <p:clrMapOvr>
+    <a:masterClrMapping/>
+  </p:clrMapOvr>
+  <p:transition spd="slow">
+    <p:cut/>
+  </p:transition>
+  <p:timing>
+    <p:tnLst>
+      <p:par>
+        <p:cTn id="1" dur="indefinite" restart="never" nodeType="tmRoot"/>
+      </p:par>
+    </p:tnLst>
+  </p:timing>
+</p:sld>
+</file>
+
+<file path=ppt/slides/slide20.xml><?xml version="1.0" encoding="utf-8"?>
 <p:sld xmlns:a="http://schemas.openxmlformats.org/drawingml/2006/main" xmlns:r="http://schemas.openxmlformats.org/officeDocument/2006/relationships" xmlns:p="http://schemas.openxmlformats.org/presentationml/2006/main">
   <p:cSld>
     <p:spTree>
@@ -7975,126 +8327,7 @@
 </p:sld>
 </file>
 
-<file path=ppt/slides/slide2.xml><?xml version="1.0" encoding="utf-8"?>
-<p:sld xmlns:a="http://schemas.openxmlformats.org/drawingml/2006/main" xmlns:r="http://schemas.openxmlformats.org/officeDocument/2006/relationships" xmlns:p="http://schemas.openxmlformats.org/presentationml/2006/main">
-  <p:cSld>
-    <p:spTree>
-      <p:nvGrpSpPr>
-        <p:cNvPr id="1" name="Shape 46"/>
-        <p:cNvGrpSpPr/>
-        <p:nvPr/>
-      </p:nvGrpSpPr>
-      <p:grpSpPr>
-        <a:xfrm>
-          <a:off x="0" y="0"/>
-          <a:ext cx="0" cy="0"/>
-          <a:chOff x="0" y="0"/>
-          <a:chExt cx="0" cy="0"/>
-        </a:xfrm>
-      </p:grpSpPr>
-      <p:sp>
-        <p:nvSpPr>
-          <p:cNvPr id="47" name="Shape 47"/>
-          <p:cNvSpPr txBox="1">
-            <a:spLocks noGrp="1"/>
-          </p:cNvSpPr>
-          <p:nvPr>
-            <p:ph type="body" idx="1"/>
-          </p:nvPr>
-        </p:nvSpPr>
-        <p:spPr>
-          <a:xfrm>
-            <a:off x="945300" y="1485650"/>
-            <a:ext cx="7741499" cy="3388800"/>
-          </a:xfrm>
-          <a:prstGeom prst="rect">
-            <a:avLst/>
-          </a:prstGeom>
-        </p:spPr>
-        <p:txBody>
-          <a:bodyPr lIns="91425" tIns="91425" rIns="91425" bIns="91425" anchor="t" anchorCtr="0">
-            <a:spAutoFit/>
-          </a:bodyPr>
-          <a:lstStyle/>
-          <a:p>
-            <a:pPr algn="just">
-              <a:spcBef>
-                <a:spcPts val="0"/>
-              </a:spcBef>
-              <a:buNone/>
-            </a:pPr>
-            <a:r>
-              <a:rPr lang="en" sz="3000">
-                <a:solidFill>
-                  <a:schemeClr val="dk1"/>
-                </a:solidFill>
-              </a:rPr>
-              <a:t>This product will be a generically designed restaurant management system. It can be imported to any kind of restaurant, providing functionality such as making reservation, checking in, making an order and checking out.</a:t>
-            </a:r>
-          </a:p>
-        </p:txBody>
-      </p:sp>
-      <p:sp>
-        <p:nvSpPr>
-          <p:cNvPr id="48" name="Shape 48"/>
-          <p:cNvSpPr txBox="1">
-            <a:spLocks noGrp="1"/>
-          </p:cNvSpPr>
-          <p:nvPr>
-            <p:ph type="title"/>
-          </p:nvPr>
-        </p:nvSpPr>
-        <p:spPr>
-          <a:xfrm>
-            <a:off x="945425" y="205975"/>
-            <a:ext cx="7741499" cy="994200"/>
-          </a:xfrm>
-          <a:prstGeom prst="rect">
-            <a:avLst/>
-          </a:prstGeom>
-        </p:spPr>
-        <p:txBody>
-          <a:bodyPr lIns="91425" tIns="91425" rIns="91425" bIns="91425" anchor="b" anchorCtr="0">
-            <a:spAutoFit/>
-          </a:bodyPr>
-          <a:lstStyle/>
-          <a:p>
-            <a:pPr>
-              <a:spcBef>
-                <a:spcPts val="0"/>
-              </a:spcBef>
-              <a:buNone/>
-            </a:pPr>
-            <a:r>
-              <a:rPr lang="en">
-                <a:solidFill>
-                  <a:schemeClr val="lt1"/>
-                </a:solidFill>
-              </a:rPr>
-              <a:t>Product Introduction</a:t>
-            </a:r>
-          </a:p>
-        </p:txBody>
-      </p:sp>
-    </p:spTree>
-  </p:cSld>
-  <p:clrMapOvr>
-    <a:masterClrMapping/>
-  </p:clrMapOvr>
-  <p:transition spd="slow">
-    <p:cut/>
-  </p:transition>
-  <p:timing>
-    <p:tnLst>
-      <p:par>
-        <p:cTn id="1" dur="indefinite" restart="never" nodeType="tmRoot"/>
-      </p:par>
-    </p:tnLst>
-  </p:timing>
-</p:sld>
-</file>
-
-<file path=ppt/slides/slide20.xml><?xml version="1.0" encoding="utf-8"?>
+<file path=ppt/slides/slide21.xml><?xml version="1.0" encoding="utf-8"?>
 <p:sld xmlns:a="http://schemas.openxmlformats.org/drawingml/2006/main" xmlns:r="http://schemas.openxmlformats.org/officeDocument/2006/relationships" xmlns:p="http://schemas.openxmlformats.org/presentationml/2006/main">
   <p:cSld>
     <p:spTree>
@@ -8269,7 +8502,124 @@
 </p:sld>
 </file>
 
-<file path=ppt/slides/slide21.xml><?xml version="1.0" encoding="utf-8"?>
+<file path=ppt/slides/slide22.xml><?xml version="1.0" encoding="utf-8"?>
+<p:sld xmlns:a="http://schemas.openxmlformats.org/drawingml/2006/main" xmlns:r="http://schemas.openxmlformats.org/officeDocument/2006/relationships" xmlns:p="http://schemas.openxmlformats.org/presentationml/2006/main">
+  <p:cSld>
+    <p:spTree>
+      <p:nvGrpSpPr>
+        <p:cNvPr id="1" name=""/>
+        <p:cNvGrpSpPr/>
+        <p:nvPr/>
+      </p:nvGrpSpPr>
+      <p:grpSpPr>
+        <a:xfrm>
+          <a:off x="0" y="0"/>
+          <a:ext cx="0" cy="0"/>
+          <a:chOff x="0" y="0"/>
+          <a:chExt cx="0" cy="0"/>
+        </a:xfrm>
+      </p:grpSpPr>
+      <p:sp>
+        <p:nvSpPr>
+          <p:cNvPr id="2" name="Text Placeholder 1"/>
+          <p:cNvSpPr>
+            <a:spLocks noGrp="1"/>
+          </p:cNvSpPr>
+          <p:nvPr>
+            <p:ph type="body" idx="1"/>
+          </p:nvPr>
+        </p:nvSpPr>
+        <p:spPr/>
+        <p:txBody>
+          <a:bodyPr/>
+          <a:lstStyle/>
+          <a:p>
+            <a:endParaRPr lang="en-US" dirty="0"/>
+          </a:p>
+        </p:txBody>
+      </p:sp>
+      <p:sp>
+        <p:nvSpPr>
+          <p:cNvPr id="3" name="Title 2"/>
+          <p:cNvSpPr>
+            <a:spLocks noGrp="1"/>
+          </p:cNvSpPr>
+          <p:nvPr>
+            <p:ph type="title"/>
+          </p:nvPr>
+        </p:nvSpPr>
+        <p:spPr/>
+        <p:txBody>
+          <a:bodyPr/>
+          <a:lstStyle/>
+          <a:p>
+            <a:r>
+              <a:rPr lang="en-US" dirty="0" smtClean="0">
+                <a:solidFill>
+                  <a:schemeClr val="bg1"/>
+                </a:solidFill>
+              </a:rPr>
+              <a:t>Use Case: Check Out</a:t>
+            </a:r>
+            <a:endParaRPr lang="en-US" dirty="0">
+              <a:solidFill>
+                <a:schemeClr val="bg1"/>
+              </a:solidFill>
+            </a:endParaRPr>
+          </a:p>
+        </p:txBody>
+      </p:sp>
+      <p:pic>
+        <p:nvPicPr>
+          <p:cNvPr id="4" name="Picture 3"/>
+          <p:cNvPicPr>
+            <a:picLocks noChangeAspect="1"/>
+          </p:cNvPicPr>
+          <p:nvPr/>
+        </p:nvPicPr>
+        <p:blipFill>
+          <a:blip r:embed="rId2">
+            <a:extLst>
+              <a:ext uri="{28A0092B-C50C-407E-A947-70E740481C1C}">
+                <a14:useLocalDpi xmlns:a14="http://schemas.microsoft.com/office/drawing/2010/main" val="0"/>
+              </a:ext>
+            </a:extLst>
+          </a:blip>
+          <a:stretch>
+            <a:fillRect/>
+          </a:stretch>
+        </p:blipFill>
+        <p:spPr>
+          <a:xfrm>
+            <a:off x="1509712" y="1123950"/>
+            <a:ext cx="6124575" cy="3824287"/>
+          </a:xfrm>
+          <a:prstGeom prst="rect">
+            <a:avLst/>
+          </a:prstGeom>
+        </p:spPr>
+      </p:pic>
+    </p:spTree>
+    <p:extLst>
+      <p:ext uri="{BB962C8B-B14F-4D97-AF65-F5344CB8AC3E}">
+        <p14:creationId xmlns:p14="http://schemas.microsoft.com/office/powerpoint/2010/main" val="703682446"/>
+      </p:ext>
+    </p:extLst>
+  </p:cSld>
+  <p:clrMapOvr>
+    <a:masterClrMapping/>
+  </p:clrMapOvr>
+  <p:timing>
+    <p:tnLst>
+      <p:par>
+        <p:cTn id="1" dur="indefinite" restart="never" nodeType="tmRoot"/>
+      </p:par>
+    </p:tnLst>
+  </p:timing>
+</p:sld>
+</file>
+
+<file path=ppt/slides/slide23.xml><?xml version="1.0" encoding="utf-8"?>
 <p:sld xmlns:a="http://schemas.openxmlformats.org/drawingml/2006/main" xmlns:r="http://schemas.openxmlformats.org/officeDocument/2006/relationships" xmlns:p="http://schemas.openxmlformats.org/presentationml/2006/main">
   <p:cSld>
     <p:spTree>
@@ -8339,6 +8689,281 @@
 </file>
 
 <file path=ppt/slides/slide3.xml><?xml version="1.0" encoding="utf-8"?>
+<p:sld xmlns:a="http://schemas.openxmlformats.org/drawingml/2006/main" xmlns:r="http://schemas.openxmlformats.org/officeDocument/2006/relationships" xmlns:p="http://schemas.openxmlformats.org/presentationml/2006/main">
+  <p:cSld>
+    <p:spTree>
+      <p:nvGrpSpPr>
+        <p:cNvPr id="1" name=""/>
+        <p:cNvGrpSpPr/>
+        <p:nvPr/>
+      </p:nvGrpSpPr>
+      <p:grpSpPr>
+        <a:xfrm>
+          <a:off x="0" y="0"/>
+          <a:ext cx="0" cy="0"/>
+          <a:chOff x="0" y="0"/>
+          <a:chExt cx="0" cy="0"/>
+        </a:xfrm>
+      </p:grpSpPr>
+      <p:sp>
+        <p:nvSpPr>
+          <p:cNvPr id="2" name="Text Placeholder 1"/>
+          <p:cNvSpPr>
+            <a:spLocks noGrp="1"/>
+          </p:cNvSpPr>
+          <p:nvPr>
+            <p:ph type="body" idx="1"/>
+          </p:nvPr>
+        </p:nvSpPr>
+        <p:spPr>
+          <a:xfrm>
+            <a:off x="838200" y="1352550"/>
+            <a:ext cx="7848600" cy="3581400"/>
+          </a:xfrm>
+        </p:spPr>
+        <p:txBody>
+          <a:bodyPr/>
+          <a:lstStyle/>
+          <a:p>
+            <a:pPr marL="342900" indent="-342900">
+              <a:lnSpc>
+                <a:spcPct val="150000"/>
+              </a:lnSpc>
+              <a:buClr>
+                <a:schemeClr val="tx1"/>
+              </a:buClr>
+              <a:buFont typeface="Arial" pitchFamily="34" charset="0"/>
+              <a:buChar char="•"/>
+            </a:pPr>
+            <a:r>
+              <a:rPr lang="en" sz="2800" b="1" dirty="0">
+                <a:solidFill>
+                  <a:schemeClr val="dk1"/>
+                </a:solidFill>
+              </a:rPr>
+              <a:t>M</a:t>
+            </a:r>
+            <a:r>
+              <a:rPr lang="en" sz="2800" b="1" dirty="0" smtClean="0">
+                <a:solidFill>
+                  <a:schemeClr val="dk1"/>
+                </a:solidFill>
+              </a:rPr>
+              <a:t>ake reservation</a:t>
+            </a:r>
+          </a:p>
+          <a:p>
+            <a:pPr marL="342900" indent="-342900">
+              <a:buClr>
+                <a:schemeClr val="tx1"/>
+              </a:buClr>
+              <a:buFont typeface="Arial" pitchFamily="34" charset="0"/>
+              <a:buChar char="•"/>
+            </a:pPr>
+            <a:r>
+              <a:rPr lang="en" sz="2800" b="1" dirty="0">
+                <a:solidFill>
+                  <a:schemeClr val="dk1"/>
+                </a:solidFill>
+              </a:rPr>
+              <a:t>C</a:t>
+            </a:r>
+            <a:r>
+              <a:rPr lang="en" sz="2800" b="1" dirty="0" smtClean="0">
+                <a:solidFill>
+                  <a:schemeClr val="dk1"/>
+                </a:solidFill>
+              </a:rPr>
+              <a:t>heck in</a:t>
+            </a:r>
+          </a:p>
+          <a:p>
+            <a:pPr>
+              <a:buClr>
+                <a:schemeClr val="tx1"/>
+              </a:buClr>
+            </a:pPr>
+            <a:r>
+              <a:rPr lang="en" sz="2800" b="1" dirty="0" smtClean="0">
+                <a:solidFill>
+                  <a:schemeClr val="dk1"/>
+                </a:solidFill>
+              </a:rPr>
+              <a:t>	</a:t>
+            </a:r>
+            <a:r>
+              <a:rPr lang="en" sz="2000" b="1" dirty="0" smtClean="0">
+                <a:solidFill>
+                  <a:schemeClr val="dk1"/>
+                </a:solidFill>
+              </a:rPr>
+              <a:t>Assign waiter automatically</a:t>
+            </a:r>
+          </a:p>
+          <a:p>
+            <a:pPr marL="342900" indent="-342900">
+              <a:lnSpc>
+                <a:spcPct val="150000"/>
+              </a:lnSpc>
+              <a:buClr>
+                <a:schemeClr val="tx1"/>
+              </a:buClr>
+              <a:buFont typeface="Arial" pitchFamily="34" charset="0"/>
+              <a:buChar char="•"/>
+            </a:pPr>
+            <a:r>
+              <a:rPr lang="en" sz="2800" b="1" dirty="0">
+                <a:solidFill>
+                  <a:schemeClr val="dk1"/>
+                </a:solidFill>
+              </a:rPr>
+              <a:t>M</a:t>
+            </a:r>
+            <a:r>
+              <a:rPr lang="en" sz="2800" b="1" dirty="0" smtClean="0">
+                <a:solidFill>
+                  <a:schemeClr val="dk1"/>
+                </a:solidFill>
+              </a:rPr>
+              <a:t>ake </a:t>
+            </a:r>
+            <a:r>
+              <a:rPr lang="en" sz="2800" b="1" dirty="0">
+                <a:solidFill>
+                  <a:schemeClr val="dk1"/>
+                </a:solidFill>
+              </a:rPr>
+              <a:t>an </a:t>
+            </a:r>
+            <a:r>
+              <a:rPr lang="en" sz="2800" b="1" dirty="0" smtClean="0">
+                <a:solidFill>
+                  <a:schemeClr val="dk1"/>
+                </a:solidFill>
+              </a:rPr>
+              <a:t>order</a:t>
+            </a:r>
+            <a:endParaRPr lang="en" sz="2800" b="1" dirty="0">
+              <a:solidFill>
+                <a:schemeClr val="dk1"/>
+              </a:solidFill>
+            </a:endParaRPr>
+          </a:p>
+          <a:p>
+            <a:pPr marL="342900" indent="-342900">
+              <a:buClr>
+                <a:schemeClr val="tx1"/>
+              </a:buClr>
+              <a:buFont typeface="Arial" pitchFamily="34" charset="0"/>
+              <a:buChar char="•"/>
+            </a:pPr>
+            <a:r>
+              <a:rPr lang="en" sz="2800" b="1" dirty="0">
+                <a:solidFill>
+                  <a:schemeClr val="dk1"/>
+                </a:solidFill>
+              </a:rPr>
+              <a:t>C</a:t>
+            </a:r>
+            <a:r>
+              <a:rPr lang="en" sz="2800" b="1" dirty="0" smtClean="0">
+                <a:solidFill>
+                  <a:schemeClr val="dk1"/>
+                </a:solidFill>
+              </a:rPr>
+              <a:t>heck out</a:t>
+            </a:r>
+          </a:p>
+          <a:p>
+            <a:pPr>
+              <a:buClr>
+                <a:schemeClr val="tx1"/>
+              </a:buClr>
+            </a:pPr>
+            <a:r>
+              <a:rPr lang="en" sz="2400" b="1" dirty="0">
+                <a:solidFill>
+                  <a:schemeClr val="dk1"/>
+                </a:solidFill>
+              </a:rPr>
+              <a:t>	</a:t>
+            </a:r>
+            <a:r>
+              <a:rPr lang="en" sz="2000" b="1" dirty="0" smtClean="0">
+                <a:solidFill>
+                  <a:schemeClr val="dk1"/>
+                </a:solidFill>
+              </a:rPr>
+              <a:t>Separate or combine check</a:t>
+            </a:r>
+            <a:endParaRPr lang="en" sz="2000" b="1" dirty="0">
+              <a:solidFill>
+                <a:schemeClr val="dk1"/>
+              </a:solidFill>
+            </a:endParaRPr>
+          </a:p>
+          <a:p>
+            <a:endParaRPr lang="en-US" sz="2000" dirty="0"/>
+          </a:p>
+        </p:txBody>
+      </p:sp>
+      <p:sp>
+        <p:nvSpPr>
+          <p:cNvPr id="3" name="Title 2"/>
+          <p:cNvSpPr>
+            <a:spLocks noGrp="1"/>
+          </p:cNvSpPr>
+          <p:nvPr>
+            <p:ph type="title"/>
+          </p:nvPr>
+        </p:nvSpPr>
+        <p:spPr>
+          <a:xfrm>
+            <a:off x="914400" y="209550"/>
+            <a:ext cx="7772400" cy="765600"/>
+          </a:xfrm>
+        </p:spPr>
+        <p:txBody>
+          <a:bodyPr/>
+          <a:lstStyle/>
+          <a:p>
+            <a:r>
+              <a:rPr lang="en-US" dirty="0" smtClean="0">
+                <a:solidFill>
+                  <a:schemeClr val="bg1"/>
+                </a:solidFill>
+              </a:rPr>
+              <a:t>Functionalities</a:t>
+            </a:r>
+            <a:endParaRPr lang="en-US" dirty="0">
+              <a:solidFill>
+                <a:schemeClr val="bg1"/>
+              </a:solidFill>
+            </a:endParaRPr>
+          </a:p>
+        </p:txBody>
+      </p:sp>
+    </p:spTree>
+    <p:extLst>
+      <p:ext uri="{BB962C8B-B14F-4D97-AF65-F5344CB8AC3E}">
+        <p14:creationId xmlns:p14="http://schemas.microsoft.com/office/powerpoint/2010/main" val="2406959640"/>
+      </p:ext>
+    </p:extLst>
+  </p:cSld>
+  <p:clrMapOvr>
+    <a:masterClrMapping/>
+  </p:clrMapOvr>
+  <p:timing>
+    <p:tnLst>
+      <p:par>
+        <p:cTn id="1" dur="indefinite" restart="never" nodeType="tmRoot"/>
+      </p:par>
+    </p:tnLst>
+  </p:timing>
+</p:sld>
+</file>
+
+<file path=ppt/slides/slide4.xml><?xml version="1.0" encoding="utf-8"?>
 <p:sld xmlns:a="http://schemas.openxmlformats.org/drawingml/2006/main" xmlns:r="http://schemas.openxmlformats.org/officeDocument/2006/relationships" xmlns:p="http://schemas.openxmlformats.org/presentationml/2006/main">
   <p:cSld>
     <p:spTree>
@@ -8443,7 +9068,7 @@
 </p:sld>
 </file>
 
-<file path=ppt/slides/slide4.xml><?xml version="1.0" encoding="utf-8"?>
+<file path=ppt/slides/slide5.xml><?xml version="1.0" encoding="utf-8"?>
 <p:sld xmlns:a="http://schemas.openxmlformats.org/drawingml/2006/main" xmlns:r="http://schemas.openxmlformats.org/officeDocument/2006/relationships" xmlns:p="http://schemas.openxmlformats.org/presentationml/2006/main">
   <p:cSld>
     <p:spTree>
@@ -8715,7 +9340,7 @@
 </p:sld>
 </file>
 
-<file path=ppt/slides/slide5.xml><?xml version="1.0" encoding="utf-8"?>
+<file path=ppt/slides/slide6.xml><?xml version="1.0" encoding="utf-8"?>
 <p:sld xmlns:a="http://schemas.openxmlformats.org/drawingml/2006/main" xmlns:r="http://schemas.openxmlformats.org/officeDocument/2006/relationships" xmlns:p="http://schemas.openxmlformats.org/presentationml/2006/main">
   <p:cSld>
     <p:spTree>
@@ -9089,7 +9714,7 @@
 </p:sld>
 </file>
 
-<file path=ppt/slides/slide6.xml><?xml version="1.0" encoding="utf-8"?>
+<file path=ppt/slides/slide7.xml><?xml version="1.0" encoding="utf-8"?>
 <p:sld xmlns:a="http://schemas.openxmlformats.org/drawingml/2006/main" xmlns:r="http://schemas.openxmlformats.org/officeDocument/2006/relationships" xmlns:p="http://schemas.openxmlformats.org/presentationml/2006/main">
   <p:cSld>
     <p:spTree>
@@ -9440,7 +10065,7 @@
 </p:sld>
 </file>
 
-<file path=ppt/slides/slide7.xml><?xml version="1.0" encoding="utf-8"?>
+<file path=ppt/slides/slide8.xml><?xml version="1.0" encoding="utf-8"?>
 <p:sld xmlns:a="http://schemas.openxmlformats.org/drawingml/2006/main" xmlns:r="http://schemas.openxmlformats.org/officeDocument/2006/relationships" xmlns:p="http://schemas.openxmlformats.org/presentationml/2006/main">
   <p:cSld>
     <p:spTree>
@@ -9564,7 +10189,7 @@
 </p:sld>
 </file>
 
-<file path=ppt/slides/slide8.xml><?xml version="1.0" encoding="utf-8"?>
+<file path=ppt/slides/slide9.xml><?xml version="1.0" encoding="utf-8"?>
 <p:sld xmlns:a="http://schemas.openxmlformats.org/drawingml/2006/main" xmlns:r="http://schemas.openxmlformats.org/officeDocument/2006/relationships" xmlns:p="http://schemas.openxmlformats.org/presentationml/2006/main">
   <p:cSld>
     <p:spTree>
@@ -9815,216 +10440,6 @@
         <p14:creationId xmlns:p14="http://schemas.microsoft.com/office/powerpoint/2010/main" val="3009246632"/>
       </p:ext>
     </p:extLst>
-  </p:cSld>
-  <p:clrMapOvr>
-    <a:masterClrMapping/>
-  </p:clrMapOvr>
-  <p:transition spd="slow">
-    <p:cut/>
-  </p:transition>
-  <p:timing>
-    <p:tnLst>
-      <p:par>
-        <p:cTn id="1" dur="indefinite" restart="never" nodeType="tmRoot"/>
-      </p:par>
-    </p:tnLst>
-  </p:timing>
-</p:sld>
-</file>
-
-<file path=ppt/slides/slide9.xml><?xml version="1.0" encoding="utf-8"?>
-<p:sld xmlns:a="http://schemas.openxmlformats.org/drawingml/2006/main" xmlns:r="http://schemas.openxmlformats.org/officeDocument/2006/relationships" xmlns:p="http://schemas.openxmlformats.org/presentationml/2006/main">
-  <p:cSld>
-    <p:spTree>
-      <p:nvGrpSpPr>
-        <p:cNvPr id="1" name="Shape 64"/>
-        <p:cNvGrpSpPr/>
-        <p:nvPr/>
-      </p:nvGrpSpPr>
-      <p:grpSpPr>
-        <a:xfrm>
-          <a:off x="0" y="0"/>
-          <a:ext cx="0" cy="0"/>
-          <a:chOff x="0" y="0"/>
-          <a:chExt cx="0" cy="0"/>
-        </a:xfrm>
-      </p:grpSpPr>
-      <p:sp>
-        <p:nvSpPr>
-          <p:cNvPr id="65" name="Shape 65"/>
-          <p:cNvSpPr txBox="1">
-            <a:spLocks noGrp="1"/>
-          </p:cNvSpPr>
-          <p:nvPr>
-            <p:ph type="body" idx="1"/>
-          </p:nvPr>
-        </p:nvSpPr>
-        <p:spPr>
-          <a:xfrm>
-            <a:off x="914400" y="133350"/>
-            <a:ext cx="7391549" cy="2252894"/>
-          </a:xfrm>
-          <a:prstGeom prst="rect">
-            <a:avLst/>
-          </a:prstGeom>
-        </p:spPr>
-        <p:txBody>
-          <a:bodyPr wrap="square" lIns="91425" tIns="91425" rIns="91425" bIns="91425" anchor="t" anchorCtr="0">
-            <a:spAutoFit/>
-          </a:bodyPr>
-          <a:lstStyle/>
-          <a:p>
-            <a:pPr marL="457200" lvl="0" indent="-381000" rtl="0">
-              <a:lnSpc>
-                <a:spcPct val="115000"/>
-              </a:lnSpc>
-              <a:spcBef>
-                <a:spcPts val="0"/>
-              </a:spcBef>
-              <a:buClr>
-                <a:schemeClr val="lt1"/>
-              </a:buClr>
-              <a:buSzPct val="100000"/>
-              <a:buFont typeface="Arial"/>
-              <a:buChar char="●"/>
-            </a:pPr>
-            <a:r>
-              <a:rPr lang="en" sz="2400" dirty="0">
-                <a:solidFill>
-                  <a:schemeClr val="lt1"/>
-                </a:solidFill>
-              </a:rPr>
-              <a:t>Steps:</a:t>
-            </a:r>
-          </a:p>
-          <a:p>
-            <a:pPr marL="0" indent="0" rtl="0">
-              <a:lnSpc>
-                <a:spcPct val="115000"/>
-              </a:lnSpc>
-              <a:spcBef>
-                <a:spcPts val="0"/>
-              </a:spcBef>
-              <a:buNone/>
-            </a:pPr>
-            <a:endParaRPr lang="en" sz="2400" dirty="0">
-              <a:solidFill>
-                <a:schemeClr val="dk1"/>
-              </a:solidFill>
-            </a:endParaRPr>
-          </a:p>
-          <a:p>
-            <a:pPr marL="0" indent="0" rtl="0">
-              <a:lnSpc>
-                <a:spcPct val="115000"/>
-              </a:lnSpc>
-              <a:spcBef>
-                <a:spcPts val="0"/>
-              </a:spcBef>
-              <a:buNone/>
-            </a:pPr>
-            <a:endParaRPr sz="2400" dirty="0">
-              <a:solidFill>
-                <a:schemeClr val="dk1"/>
-              </a:solidFill>
-            </a:endParaRPr>
-          </a:p>
-          <a:p>
-            <a:pPr marL="0" indent="0" rtl="0">
-              <a:lnSpc>
-                <a:spcPct val="115000"/>
-              </a:lnSpc>
-              <a:spcBef>
-                <a:spcPts val="0"/>
-              </a:spcBef>
-              <a:buNone/>
-            </a:pPr>
-            <a:endParaRPr sz="2400" dirty="0">
-              <a:solidFill>
-                <a:schemeClr val="dk1"/>
-              </a:solidFill>
-            </a:endParaRPr>
-          </a:p>
-          <a:p>
-            <a:pPr>
-              <a:spcBef>
-                <a:spcPts val="0"/>
-              </a:spcBef>
-              <a:buNone/>
-            </a:pPr>
-            <a:endParaRPr sz="2400" dirty="0">
-              <a:solidFill>
-                <a:schemeClr val="dk1"/>
-              </a:solidFill>
-            </a:endParaRPr>
-          </a:p>
-        </p:txBody>
-      </p:sp>
-      <p:pic>
-        <p:nvPicPr>
-          <p:cNvPr id="1026" name="Picture 2"/>
-          <p:cNvPicPr>
-            <a:picLocks noChangeAspect="1" noChangeArrowheads="1"/>
-          </p:cNvPicPr>
-          <p:nvPr/>
-        </p:nvPicPr>
-        <p:blipFill>
-          <a:blip r:embed="rId3">
-            <a:extLst>
-              <a:ext uri="{28A0092B-C50C-407E-A947-70E740481C1C}">
-                <a14:useLocalDpi xmlns:a14="http://schemas.microsoft.com/office/drawing/2010/main" val="0"/>
-              </a:ext>
-            </a:extLst>
-          </a:blip>
-          <a:srcRect/>
-          <a:stretch>
-            <a:fillRect/>
-          </a:stretch>
-        </p:blipFill>
-        <p:spPr bwMode="auto">
-          <a:xfrm>
-            <a:off x="1066800" y="742950"/>
-            <a:ext cx="6097588" cy="3986213"/>
-          </a:xfrm>
-          <a:prstGeom prst="rect">
-            <a:avLst/>
-          </a:prstGeom>
-          <a:noFill/>
-          <a:ln>
-            <a:noFill/>
-          </a:ln>
-          <a:effectLst/>
-          <a:extLst>
-            <a:ext uri="{909E8E84-426E-40DD-AFC4-6F175D3DCCD1}">
-              <a14:hiddenFill xmlns:a14="http://schemas.microsoft.com/office/drawing/2010/main">
-                <a:solidFill>
-                  <a:schemeClr val="accent1"/>
-                </a:solidFill>
-              </a14:hiddenFill>
-            </a:ext>
-            <a:ext uri="{91240B29-F687-4F45-9708-019B960494DF}">
-              <a14:hiddenLine xmlns:a14="http://schemas.microsoft.com/office/drawing/2010/main" w="9525">
-                <a:solidFill>
-                  <a:schemeClr val="tx1"/>
-                </a:solidFill>
-                <a:miter lim="800000"/>
-                <a:headEnd/>
-                <a:tailEnd/>
-              </a14:hiddenLine>
-            </a:ext>
-            <a:ext uri="{AF507438-7753-43E0-B8FC-AC1667EBCBE1}">
-              <a14:hiddenEffects xmlns:a14="http://schemas.microsoft.com/office/drawing/2010/main">
-                <a:effectLst>
-                  <a:outerShdw dist="35921" dir="2700000" algn="ctr" rotWithShape="0">
-                    <a:schemeClr val="bg2"/>
-                  </a:outerShdw>
-                </a:effectLst>
-              </a14:hiddenEffects>
-            </a:ext>
-          </a:extLst>
-        </p:spPr>
-      </p:pic>
-    </p:spTree>
   </p:cSld>
   <p:clrMapOvr>
     <a:masterClrMapping/>
